--- a/input/images-source/MedicationCatalog.pptx
+++ b/input/images-source/MedicationCatalog.pptx
@@ -197,7 +197,7 @@
           <a:p>
             <a:fld id="{C0FC2EA5-DDD9-41B5-A743-573E81829967}" type="datetimeFigureOut">
               <a:rPr lang="fr-FR" smtClean="0"/>
-              <a:t>07/05/2021</a:t>
+              <a:t>17/06/2021</a:t>
             </a:fld>
             <a:endParaRPr lang="fr-FR"/>
           </a:p>
@@ -684,7 +684,7 @@
           <a:p>
             <a:fld id="{DEBA1CB3-45B4-4365-8A01-D60AF6EBF46C}" type="datetimeFigureOut">
               <a:rPr lang="fr-FR" smtClean="0"/>
-              <a:t>07/05/2021</a:t>
+              <a:t>17/06/2021</a:t>
             </a:fld>
             <a:endParaRPr lang="fr-FR"/>
           </a:p>
@@ -854,7 +854,7 @@
           <a:p>
             <a:fld id="{DEBA1CB3-45B4-4365-8A01-D60AF6EBF46C}" type="datetimeFigureOut">
               <a:rPr lang="fr-FR" smtClean="0"/>
-              <a:t>07/05/2021</a:t>
+              <a:t>17/06/2021</a:t>
             </a:fld>
             <a:endParaRPr lang="fr-FR"/>
           </a:p>
@@ -1034,7 +1034,7 @@
           <a:p>
             <a:fld id="{DEBA1CB3-45B4-4365-8A01-D60AF6EBF46C}" type="datetimeFigureOut">
               <a:rPr lang="fr-FR" smtClean="0"/>
-              <a:t>07/05/2021</a:t>
+              <a:t>17/06/2021</a:t>
             </a:fld>
             <a:endParaRPr lang="fr-FR"/>
           </a:p>
@@ -1204,7 +1204,7 @@
           <a:p>
             <a:fld id="{DEBA1CB3-45B4-4365-8A01-D60AF6EBF46C}" type="datetimeFigureOut">
               <a:rPr lang="fr-FR" smtClean="0"/>
-              <a:t>07/05/2021</a:t>
+              <a:t>17/06/2021</a:t>
             </a:fld>
             <a:endParaRPr lang="fr-FR"/>
           </a:p>
@@ -1448,7 +1448,7 @@
           <a:p>
             <a:fld id="{DEBA1CB3-45B4-4365-8A01-D60AF6EBF46C}" type="datetimeFigureOut">
               <a:rPr lang="fr-FR" smtClean="0"/>
-              <a:t>07/05/2021</a:t>
+              <a:t>17/06/2021</a:t>
             </a:fld>
             <a:endParaRPr lang="fr-FR"/>
           </a:p>
@@ -1680,7 +1680,7 @@
           <a:p>
             <a:fld id="{DEBA1CB3-45B4-4365-8A01-D60AF6EBF46C}" type="datetimeFigureOut">
               <a:rPr lang="fr-FR" smtClean="0"/>
-              <a:t>07/05/2021</a:t>
+              <a:t>17/06/2021</a:t>
             </a:fld>
             <a:endParaRPr lang="fr-FR"/>
           </a:p>
@@ -2047,7 +2047,7 @@
           <a:p>
             <a:fld id="{DEBA1CB3-45B4-4365-8A01-D60AF6EBF46C}" type="datetimeFigureOut">
               <a:rPr lang="fr-FR" smtClean="0"/>
-              <a:t>07/05/2021</a:t>
+              <a:t>17/06/2021</a:t>
             </a:fld>
             <a:endParaRPr lang="fr-FR"/>
           </a:p>
@@ -2165,7 +2165,7 @@
           <a:p>
             <a:fld id="{DEBA1CB3-45B4-4365-8A01-D60AF6EBF46C}" type="datetimeFigureOut">
               <a:rPr lang="fr-FR" smtClean="0"/>
-              <a:t>07/05/2021</a:t>
+              <a:t>17/06/2021</a:t>
             </a:fld>
             <a:endParaRPr lang="fr-FR"/>
           </a:p>
@@ -2260,7 +2260,7 @@
           <a:p>
             <a:fld id="{DEBA1CB3-45B4-4365-8A01-D60AF6EBF46C}" type="datetimeFigureOut">
               <a:rPr lang="fr-FR" smtClean="0"/>
-              <a:t>07/05/2021</a:t>
+              <a:t>17/06/2021</a:t>
             </a:fld>
             <a:endParaRPr lang="fr-FR"/>
           </a:p>
@@ -2537,7 +2537,7 @@
           <a:p>
             <a:fld id="{DEBA1CB3-45B4-4365-8A01-D60AF6EBF46C}" type="datetimeFigureOut">
               <a:rPr lang="fr-FR" smtClean="0"/>
-              <a:t>07/05/2021</a:t>
+              <a:t>17/06/2021</a:t>
             </a:fld>
             <a:endParaRPr lang="fr-FR"/>
           </a:p>
@@ -2794,7 +2794,7 @@
           <a:p>
             <a:fld id="{DEBA1CB3-45B4-4365-8A01-D60AF6EBF46C}" type="datetimeFigureOut">
               <a:rPr lang="fr-FR" smtClean="0"/>
-              <a:t>07/05/2021</a:t>
+              <a:t>17/06/2021</a:t>
             </a:fld>
             <a:endParaRPr lang="fr-FR"/>
           </a:p>
@@ -3007,7 +3007,7 @@
           <a:p>
             <a:fld id="{DEBA1CB3-45B4-4365-8A01-D60AF6EBF46C}" type="datetimeFigureOut">
               <a:rPr lang="fr-FR" smtClean="0"/>
-              <a:t>07/05/2021</a:t>
+              <a:t>17/06/2021</a:t>
             </a:fld>
             <a:endParaRPr lang="fr-FR"/>
           </a:p>
@@ -6342,7 +6342,18 @@
                   <a:srgbClr val="FFFF00"/>
                 </a:solidFill>
               </a:rPr>
-              <a:t>Precaution profile of ClinicalUseIssue</a:t>
+              <a:t>Warning </a:t>
+            </a:r>
+          </a:p>
+          <a:p>
+            <a:pPr algn="ctr"/>
+            <a:r>
+              <a:rPr lang="en-US" sz="1013" noProof="1">
+                <a:solidFill>
+                  <a:srgbClr val="FFFF00"/>
+                </a:solidFill>
+              </a:rPr>
+              <a:t>profile of ClinicalUseIssue</a:t>
             </a:r>
           </a:p>
         </p:txBody>
@@ -8757,6 +8768,46 @@
               <a:rPr lang="en-US" sz="900" noProof="1"/>
               <a:t>0..1</a:t>
             </a:r>
+          </a:p>
+        </p:txBody>
+      </p:sp>
+      <p:sp>
+        <p:nvSpPr>
+          <p:cNvPr id="115" name="ZoneTexte 114">
+            <a:extLst>
+              <a:ext uri="{FF2B5EF4-FFF2-40B4-BE49-F238E27FC236}">
+                <a16:creationId xmlns:a16="http://schemas.microsoft.com/office/drawing/2014/main" id="{B888A0A4-5DDD-4FB2-AE7E-157AC32F3568}"/>
+              </a:ext>
+            </a:extLst>
+          </p:cNvPr>
+          <p:cNvSpPr txBox="1"/>
+          <p:nvPr/>
+        </p:nvSpPr>
+        <p:spPr>
+          <a:xfrm>
+            <a:off x="3839844" y="4032675"/>
+            <a:ext cx="950237" cy="230832"/>
+          </a:xfrm>
+          <a:prstGeom prst="rect">
+            <a:avLst/>
+          </a:prstGeom>
+          <a:noFill/>
+        </p:spPr>
+        <p:txBody>
+          <a:bodyPr wrap="square" rtlCol="0">
+            <a:spAutoFit/>
+          </a:bodyPr>
+          <a:lstStyle/>
+          <a:p>
+            <a:r>
+              <a:rPr lang="en-US" sz="900" noProof="1">
+                <a:solidFill>
+                  <a:srgbClr val="0070C0"/>
+                </a:solidFill>
+              </a:rPr>
+              <a:t>ingredient.item</a:t>
+            </a:r>
+            <a:endParaRPr lang="en-US" sz="900" noProof="1"/>
           </a:p>
         </p:txBody>
       </p:sp>

--- a/input/images-source/MedicationCatalog.pptx
+++ b/input/images-source/MedicationCatalog.pptx
@@ -197,7 +197,7 @@
           <a:p>
             <a:fld id="{C0FC2EA5-DDD9-41B5-A743-573E81829967}" type="datetimeFigureOut">
               <a:rPr lang="fr-FR" smtClean="0"/>
-              <a:t>17/06/2021</a:t>
+              <a:t>13/08/2021</a:t>
             </a:fld>
             <a:endParaRPr lang="fr-FR"/>
           </a:p>
@@ -684,7 +684,7 @@
           <a:p>
             <a:fld id="{DEBA1CB3-45B4-4365-8A01-D60AF6EBF46C}" type="datetimeFigureOut">
               <a:rPr lang="fr-FR" smtClean="0"/>
-              <a:t>17/06/2021</a:t>
+              <a:t>13/08/2021</a:t>
             </a:fld>
             <a:endParaRPr lang="fr-FR"/>
           </a:p>
@@ -854,7 +854,7 @@
           <a:p>
             <a:fld id="{DEBA1CB3-45B4-4365-8A01-D60AF6EBF46C}" type="datetimeFigureOut">
               <a:rPr lang="fr-FR" smtClean="0"/>
-              <a:t>17/06/2021</a:t>
+              <a:t>13/08/2021</a:t>
             </a:fld>
             <a:endParaRPr lang="fr-FR"/>
           </a:p>
@@ -1034,7 +1034,7 @@
           <a:p>
             <a:fld id="{DEBA1CB3-45B4-4365-8A01-D60AF6EBF46C}" type="datetimeFigureOut">
               <a:rPr lang="fr-FR" smtClean="0"/>
-              <a:t>17/06/2021</a:t>
+              <a:t>13/08/2021</a:t>
             </a:fld>
             <a:endParaRPr lang="fr-FR"/>
           </a:p>
@@ -1204,7 +1204,7 @@
           <a:p>
             <a:fld id="{DEBA1CB3-45B4-4365-8A01-D60AF6EBF46C}" type="datetimeFigureOut">
               <a:rPr lang="fr-FR" smtClean="0"/>
-              <a:t>17/06/2021</a:t>
+              <a:t>13/08/2021</a:t>
             </a:fld>
             <a:endParaRPr lang="fr-FR"/>
           </a:p>
@@ -1448,7 +1448,7 @@
           <a:p>
             <a:fld id="{DEBA1CB3-45B4-4365-8A01-D60AF6EBF46C}" type="datetimeFigureOut">
               <a:rPr lang="fr-FR" smtClean="0"/>
-              <a:t>17/06/2021</a:t>
+              <a:t>13/08/2021</a:t>
             </a:fld>
             <a:endParaRPr lang="fr-FR"/>
           </a:p>
@@ -1680,7 +1680,7 @@
           <a:p>
             <a:fld id="{DEBA1CB3-45B4-4365-8A01-D60AF6EBF46C}" type="datetimeFigureOut">
               <a:rPr lang="fr-FR" smtClean="0"/>
-              <a:t>17/06/2021</a:t>
+              <a:t>13/08/2021</a:t>
             </a:fld>
             <a:endParaRPr lang="fr-FR"/>
           </a:p>
@@ -2047,7 +2047,7 @@
           <a:p>
             <a:fld id="{DEBA1CB3-45B4-4365-8A01-D60AF6EBF46C}" type="datetimeFigureOut">
               <a:rPr lang="fr-FR" smtClean="0"/>
-              <a:t>17/06/2021</a:t>
+              <a:t>13/08/2021</a:t>
             </a:fld>
             <a:endParaRPr lang="fr-FR"/>
           </a:p>
@@ -2165,7 +2165,7 @@
           <a:p>
             <a:fld id="{DEBA1CB3-45B4-4365-8A01-D60AF6EBF46C}" type="datetimeFigureOut">
               <a:rPr lang="fr-FR" smtClean="0"/>
-              <a:t>17/06/2021</a:t>
+              <a:t>13/08/2021</a:t>
             </a:fld>
             <a:endParaRPr lang="fr-FR"/>
           </a:p>
@@ -2260,7 +2260,7 @@
           <a:p>
             <a:fld id="{DEBA1CB3-45B4-4365-8A01-D60AF6EBF46C}" type="datetimeFigureOut">
               <a:rPr lang="fr-FR" smtClean="0"/>
-              <a:t>17/06/2021</a:t>
+              <a:t>13/08/2021</a:t>
             </a:fld>
             <a:endParaRPr lang="fr-FR"/>
           </a:p>
@@ -2537,7 +2537,7 @@
           <a:p>
             <a:fld id="{DEBA1CB3-45B4-4365-8A01-D60AF6EBF46C}" type="datetimeFigureOut">
               <a:rPr lang="fr-FR" smtClean="0"/>
-              <a:t>17/06/2021</a:t>
+              <a:t>13/08/2021</a:t>
             </a:fld>
             <a:endParaRPr lang="fr-FR"/>
           </a:p>
@@ -2794,7 +2794,7 @@
           <a:p>
             <a:fld id="{DEBA1CB3-45B4-4365-8A01-D60AF6EBF46C}" type="datetimeFigureOut">
               <a:rPr lang="fr-FR" smtClean="0"/>
-              <a:t>17/06/2021</a:t>
+              <a:t>13/08/2021</a:t>
             </a:fld>
             <a:endParaRPr lang="fr-FR"/>
           </a:p>
@@ -3007,7 +3007,7 @@
           <a:p>
             <a:fld id="{DEBA1CB3-45B4-4365-8A01-D60AF6EBF46C}" type="datetimeFigureOut">
               <a:rPr lang="fr-FR" smtClean="0"/>
-              <a:t>17/06/2021</a:t>
+              <a:t>13/08/2021</a:t>
             </a:fld>
             <a:endParaRPr lang="fr-FR"/>
           </a:p>
@@ -7522,7 +7522,7 @@
                   <a:srgbClr val="FFFF00"/>
                 </a:solidFill>
               </a:rPr>
-              <a:t>DrugIngredient profile of Ingredient</a:t>
+              <a:t>DrugSubstance profile of Substance</a:t>
             </a:r>
           </a:p>
         </p:txBody>

--- a/input/images-source/MedicationCatalog.pptx
+++ b/input/images-source/MedicationCatalog.pptx
@@ -3978,7 +3978,7 @@
         </p:nvSpPr>
         <p:spPr>
           <a:xfrm>
-            <a:off x="4722166" y="7188907"/>
+            <a:off x="4766616" y="7188907"/>
             <a:ext cx="96711" cy="132280"/>
           </a:xfrm>
           <a:prstGeom prst="rect">
@@ -4024,7 +4024,7 @@
         </p:nvSpPr>
         <p:spPr>
           <a:xfrm>
-            <a:off x="3864406" y="7188907"/>
+            <a:off x="3908856" y="7188907"/>
             <a:ext cx="96711" cy="132280"/>
           </a:xfrm>
           <a:prstGeom prst="rect">
@@ -4720,8 +4720,8 @@
         </p:nvSpPr>
         <p:spPr>
           <a:xfrm>
-            <a:off x="3771463" y="6729442"/>
-            <a:ext cx="1125471" cy="601464"/>
+            <a:off x="3722533" y="6729442"/>
+            <a:ext cx="1333937" cy="601464"/>
           </a:xfrm>
           <a:prstGeom prst="rect">
             <a:avLst/>
@@ -4800,7 +4800,7 @@
                   <a:srgbClr val="FFFF00"/>
                 </a:solidFill>
               </a:rPr>
-              <a:t>profile of ClinicalUseIssue</a:t>
+              <a:t>profile of ClinicalUseDefinition</a:t>
             </a:r>
           </a:p>
         </p:txBody>
@@ -6254,7 +6254,7 @@
                   <a:srgbClr val="FFFF00"/>
                 </a:solidFill>
               </a:rPr>
-              <a:t>Indication profile of ClinicalUseIssue</a:t>
+              <a:t>Indication profile of ClinicalUseDefinition</a:t>
             </a:r>
           </a:p>
         </p:txBody>
@@ -6273,8 +6273,8 @@
         </p:nvSpPr>
         <p:spPr>
           <a:xfrm>
-            <a:off x="3058755" y="5977612"/>
-            <a:ext cx="1034596" cy="601464"/>
+            <a:off x="2978150" y="5977612"/>
+            <a:ext cx="1176593" cy="601464"/>
           </a:xfrm>
           <a:prstGeom prst="rect">
             <a:avLst/>
@@ -6353,7 +6353,7 @@
                   <a:srgbClr val="FFFF00"/>
                 </a:solidFill>
               </a:rPr>
-              <a:t>profile of ClinicalUseIssue</a:t>
+              <a:t>profile of ClinicalDefinition</a:t>
             </a:r>
           </a:p>
         </p:txBody>
@@ -6421,9 +6421,9 @@
           <p:nvPr/>
         </p:nvCxnSpPr>
         <p:spPr>
-          <a:xfrm rot="16200000" flipH="1">
-            <a:off x="2784485" y="5186044"/>
-            <a:ext cx="1577748" cy="5388"/>
+          <a:xfrm rot="5400000">
+            <a:off x="2779682" y="5186629"/>
+            <a:ext cx="1577748" cy="4218"/>
           </a:xfrm>
           <a:prstGeom prst="bentConnector3">
             <a:avLst>
@@ -6593,7 +6593,7 @@
                   <a:srgbClr val="0070C0"/>
                 </a:solidFill>
               </a:rPr>
-              <a:t>ClinicalUseIssue </a:t>
+              <a:t>ClinicalUseDefinition </a:t>
             </a:r>
             <a:r>
               <a:rPr lang="en-US" sz="900" noProof="1"/>
@@ -6669,7 +6669,7 @@
         </p:nvSpPr>
         <p:spPr>
           <a:xfrm>
-            <a:off x="4327553" y="6245690"/>
+            <a:off x="4372003" y="6245690"/>
             <a:ext cx="751859" cy="404085"/>
           </a:xfrm>
           <a:prstGeom prst="rect">
@@ -6901,8 +6901,8 @@
         </p:nvCxnSpPr>
         <p:spPr>
           <a:xfrm rot="5400000">
-            <a:off x="3100803" y="6773104"/>
-            <a:ext cx="263876" cy="1360042"/>
+            <a:off x="3123028" y="6750879"/>
+            <a:ext cx="263876" cy="1404492"/>
           </a:xfrm>
           <a:prstGeom prst="bentConnector2">
             <a:avLst/>
@@ -6945,8 +6945,8 @@
         </p:nvCxnSpPr>
         <p:spPr>
           <a:xfrm rot="5400000">
-            <a:off x="3160667" y="6731448"/>
-            <a:ext cx="574075" cy="1772990"/>
+            <a:off x="3188319" y="6703797"/>
+            <a:ext cx="574075" cy="1828293"/>
           </a:xfrm>
           <a:prstGeom prst="bentConnector2">
             <a:avLst/>
@@ -6989,8 +6989,8 @@
         </p:nvCxnSpPr>
         <p:spPr>
           <a:xfrm rot="5400000">
-            <a:off x="3205155" y="6668752"/>
-            <a:ext cx="912932" cy="2217802"/>
+            <a:off x="3227380" y="6646527"/>
+            <a:ext cx="912932" cy="2262252"/>
           </a:xfrm>
           <a:prstGeom prst="bentConnector2">
             <a:avLst/>
@@ -7661,12 +7661,12 @@
         </p:nvCxnSpPr>
         <p:spPr>
           <a:xfrm rot="16200000" flipH="1">
-            <a:off x="2787643" y="5182886"/>
-            <a:ext cx="2329578" cy="763534"/>
+            <a:off x="2815294" y="5155234"/>
+            <a:ext cx="2329578" cy="818837"/>
           </a:xfrm>
           <a:prstGeom prst="bentConnector3">
             <a:avLst>
-              <a:gd name="adj1" fmla="val 34626"/>
+              <a:gd name="adj1" fmla="val 33373"/>
             </a:avLst>
           </a:prstGeom>
           <a:ln w="19050">
@@ -7855,7 +7855,7 @@
         <p:spPr>
           <a:xfrm>
             <a:off x="4568030" y="8663435"/>
-            <a:ext cx="1125471" cy="601464"/>
+            <a:ext cx="1295504" cy="601464"/>
           </a:xfrm>
           <a:prstGeom prst="rect">
             <a:avLst/>
@@ -7934,7 +7934,7 @@
                   <a:srgbClr val="FFFF00"/>
                 </a:solidFill>
               </a:rPr>
-              <a:t>profile of ClinicalUseIssue</a:t>
+              <a:t>profile of ClinicalUseDefinition</a:t>
             </a:r>
           </a:p>
         </p:txBody>
@@ -7957,12 +7957,12 @@
         </p:nvCxnSpPr>
         <p:spPr>
           <a:xfrm rot="16200000" flipH="1">
-            <a:off x="2218930" y="5751598"/>
-            <a:ext cx="4263571" cy="1560101"/>
+            <a:off x="2261438" y="5709090"/>
+            <a:ext cx="4263571" cy="1645117"/>
           </a:xfrm>
           <a:prstGeom prst="bentConnector3">
             <a:avLst>
-              <a:gd name="adj1" fmla="val 18902"/>
+              <a:gd name="adj1" fmla="val 18277"/>
             </a:avLst>
           </a:prstGeom>
           <a:ln w="19050">
@@ -7999,7 +7999,7 @@
         </p:nvSpPr>
         <p:spPr>
           <a:xfrm>
-            <a:off x="4055251" y="6472356"/>
+            <a:off x="4099701" y="6472356"/>
             <a:ext cx="356197" cy="230832"/>
           </a:xfrm>
           <a:prstGeom prst="rect">
@@ -8148,7 +8148,7 @@
         </p:nvSpPr>
         <p:spPr>
           <a:xfrm>
-            <a:off x="2379852" y="8941541"/>
+            <a:off x="1983473" y="8934554"/>
             <a:ext cx="2296150" cy="230832"/>
           </a:xfrm>
           <a:prstGeom prst="rect">
@@ -8187,8 +8187,8 @@
         </p:nvSpPr>
         <p:spPr>
           <a:xfrm>
-            <a:off x="5636068" y="9507496"/>
-            <a:ext cx="1029523" cy="601464"/>
+            <a:off x="5370088" y="9507496"/>
+            <a:ext cx="1295504" cy="601464"/>
           </a:xfrm>
           <a:prstGeom prst="rect">
             <a:avLst/>
@@ -8267,7 +8267,7 @@
                   <a:srgbClr val="FFFF00"/>
                 </a:solidFill>
               </a:rPr>
-              <a:t>profile of ClinicalUseIssue</a:t>
+              <a:t>profile of ClinicalUseDefinition</a:t>
             </a:r>
           </a:p>
         </p:txBody>
@@ -8290,12 +8290,12 @@
         </p:nvCxnSpPr>
         <p:spPr>
           <a:xfrm rot="16200000" flipH="1">
-            <a:off x="2306931" y="5663597"/>
-            <a:ext cx="5107632" cy="2580165"/>
+            <a:off x="2240436" y="5730092"/>
+            <a:ext cx="5107632" cy="2447175"/>
           </a:xfrm>
           <a:prstGeom prst="bentConnector3">
             <a:avLst>
-              <a:gd name="adj1" fmla="val 15836"/>
+              <a:gd name="adj1" fmla="val 15189"/>
             </a:avLst>
           </a:prstGeom>
           <a:ln w="19050">
@@ -8524,7 +8524,7 @@
         <p:spPr>
           <a:xfrm rot="10800000">
             <a:off x="1341944" y="8300258"/>
-            <a:ext cx="4294124" cy="1507970"/>
+            <a:ext cx="4028144" cy="1507970"/>
           </a:xfrm>
           <a:prstGeom prst="bentConnector2">
             <a:avLst/>

--- a/input/images-source/MedicationCatalog.pptx
+++ b/input/images-source/MedicationCatalog.pptx
@@ -4982,7 +4982,7 @@
         </p:nvSpPr>
         <p:spPr>
           <a:xfrm>
-            <a:off x="3529374" y="5242109"/>
+            <a:off x="3404343" y="5230189"/>
             <a:ext cx="872690" cy="715837"/>
           </a:xfrm>
           <a:prstGeom prst="rect">
@@ -6273,8 +6273,8 @@
         </p:nvSpPr>
         <p:spPr>
           <a:xfrm>
-            <a:off x="2978150" y="5977612"/>
-            <a:ext cx="1176593" cy="601464"/>
+            <a:off x="2775651" y="5977612"/>
+            <a:ext cx="1285574" cy="601464"/>
           </a:xfrm>
           <a:prstGeom prst="rect">
             <a:avLst/>
@@ -6353,7 +6353,7 @@
                   <a:srgbClr val="FFFF00"/>
                 </a:solidFill>
               </a:rPr>
-              <a:t>profile of ClinicalDefinition</a:t>
+              <a:t>profile of ClinicalUseDefinition</a:t>
             </a:r>
           </a:p>
         </p:txBody>
@@ -6422,8 +6422,8 @@
         </p:nvCxnSpPr>
         <p:spPr>
           <a:xfrm rot="5400000">
-            <a:off x="2779682" y="5186629"/>
-            <a:ext cx="1577748" cy="4218"/>
+            <a:off x="2788806" y="5029497"/>
+            <a:ext cx="1577748" cy="318483"/>
           </a:xfrm>
           <a:prstGeom prst="bentConnector3">
             <a:avLst>
@@ -6464,7 +6464,7 @@
         </p:nvSpPr>
         <p:spPr>
           <a:xfrm>
-            <a:off x="3274155" y="5687546"/>
+            <a:off x="3118290" y="5687546"/>
             <a:ext cx="356197" cy="230832"/>
           </a:xfrm>
           <a:prstGeom prst="rect">
@@ -6573,7 +6573,7 @@
         </p:nvSpPr>
         <p:spPr>
           <a:xfrm>
-            <a:off x="3550379" y="4979217"/>
+            <a:off x="3706244" y="4979217"/>
             <a:ext cx="1672069" cy="230832"/>
           </a:xfrm>
           <a:prstGeom prst="rect">
@@ -7661,12 +7661,12 @@
         </p:nvCxnSpPr>
         <p:spPr>
           <a:xfrm rot="16200000" flipH="1">
-            <a:off x="2815294" y="5155234"/>
-            <a:ext cx="2329578" cy="818837"/>
+            <a:off x="2898422" y="5238362"/>
+            <a:ext cx="2329578" cy="652581"/>
           </a:xfrm>
           <a:prstGeom prst="bentConnector3">
             <a:avLst>
-              <a:gd name="adj1" fmla="val 33373"/>
+              <a:gd name="adj1" fmla="val 33942"/>
             </a:avLst>
           </a:prstGeom>
           <a:ln w="19050">
@@ -7808,7 +7808,7 @@
         </p:nvSpPr>
         <p:spPr>
           <a:xfrm>
-            <a:off x="3522309" y="4267584"/>
+            <a:off x="3688565" y="4267584"/>
             <a:ext cx="96711" cy="132280"/>
           </a:xfrm>
           <a:prstGeom prst="rect">
@@ -7957,12 +7957,12 @@
         </p:nvCxnSpPr>
         <p:spPr>
           <a:xfrm rot="16200000" flipH="1">
-            <a:off x="2261438" y="5709090"/>
-            <a:ext cx="4263571" cy="1645117"/>
+            <a:off x="2344566" y="5792218"/>
+            <a:ext cx="4263571" cy="1478861"/>
           </a:xfrm>
           <a:prstGeom prst="bentConnector3">
             <a:avLst>
-              <a:gd name="adj1" fmla="val 18277"/>
+              <a:gd name="adj1" fmla="val 18561"/>
             </a:avLst>
           </a:prstGeom>
           <a:ln w="19050">
@@ -8290,12 +8290,12 @@
         </p:nvCxnSpPr>
         <p:spPr>
           <a:xfrm rot="16200000" flipH="1">
-            <a:off x="2240436" y="5730092"/>
-            <a:ext cx="5107632" cy="2447175"/>
+            <a:off x="2323564" y="5813220"/>
+            <a:ext cx="5107632" cy="2280919"/>
           </a:xfrm>
           <a:prstGeom prst="bentConnector3">
             <a:avLst>
-              <a:gd name="adj1" fmla="val 15189"/>
+              <a:gd name="adj1" fmla="val 15415"/>
             </a:avLst>
           </a:prstGeom>
           <a:ln w="19050">
@@ -8332,7 +8332,7 @@
         </p:nvSpPr>
         <p:spPr>
           <a:xfrm>
-            <a:off x="5830289" y="9265691"/>
+            <a:off x="5715988" y="9265691"/>
             <a:ext cx="356197" cy="230832"/>
           </a:xfrm>
           <a:prstGeom prst="rect">
@@ -8367,7 +8367,7 @@
         </p:nvSpPr>
         <p:spPr>
           <a:xfrm>
-            <a:off x="5115804" y="8025198"/>
+            <a:off x="5188541" y="8025198"/>
             <a:ext cx="834992" cy="559961"/>
           </a:xfrm>
           <a:prstGeom prst="rect">
@@ -8420,7 +8420,7 @@
         </p:nvSpPr>
         <p:spPr>
           <a:xfrm>
-            <a:off x="6150829" y="8977022"/>
+            <a:off x="6026137" y="8977022"/>
             <a:ext cx="803879" cy="404085"/>
           </a:xfrm>
           <a:prstGeom prst="rect">

--- a/input/images-source/MedicationCatalog.pptx
+++ b/input/images-source/MedicationCatalog.pptx
@@ -6,7 +6,6 @@
   </p:sldMasterIdLst>
   <p:sldIdLst>
     <p:sldId id="256" r:id="rId2"/>
-    <p:sldId id="257" r:id="rId3"/>
   </p:sldIdLst>
   <p:sldSz cx="12192000" cy="6858000"/>
   <p:notesSz cx="6858000" cy="9144000"/>
@@ -3341,7 +3340,7 @@
         </p:nvSpPr>
         <p:spPr>
           <a:xfrm>
-            <a:off x="7281812" y="1890638"/>
+            <a:off x="7281812" y="2211275"/>
             <a:ext cx="133875" cy="105443"/>
           </a:xfrm>
           <a:prstGeom prst="rect">
@@ -3387,7 +3386,7 @@
         </p:nvSpPr>
         <p:spPr>
           <a:xfrm>
-            <a:off x="3403581" y="3888225"/>
+            <a:off x="3403581" y="4208862"/>
             <a:ext cx="96711" cy="132280"/>
           </a:xfrm>
           <a:prstGeom prst="rect">
@@ -3433,7 +3432,7 @@
         </p:nvSpPr>
         <p:spPr>
           <a:xfrm>
-            <a:off x="2932058" y="3888225"/>
+            <a:off x="2932058" y="4208862"/>
             <a:ext cx="96711" cy="132280"/>
           </a:xfrm>
           <a:prstGeom prst="rect">
@@ -3479,7 +3478,7 @@
         </p:nvSpPr>
         <p:spPr>
           <a:xfrm>
-            <a:off x="4368628" y="3888225"/>
+            <a:off x="4368628" y="4208862"/>
             <a:ext cx="96711" cy="132280"/>
           </a:xfrm>
           <a:prstGeom prst="rect">
@@ -3525,7 +3524,7 @@
         </p:nvSpPr>
         <p:spPr>
           <a:xfrm>
-            <a:off x="3952529" y="3888225"/>
+            <a:off x="3952529" y="4208862"/>
             <a:ext cx="96711" cy="132280"/>
           </a:xfrm>
           <a:prstGeom prst="rect">
@@ -3559,10 +3558,10 @@
       </p:sp>
       <p:sp>
         <p:nvSpPr>
-          <p:cNvPr id="10" name="Rectangle 9">
-            <a:extLst>
-              <a:ext uri="{FF2B5EF4-FFF2-40B4-BE49-F238E27FC236}">
-                <a16:creationId xmlns:a16="http://schemas.microsoft.com/office/drawing/2014/main" id="{15FC076F-2815-4F6B-9F59-C31CB1C19DCA}"/>
+          <p:cNvPr id="11" name="Rectangle 10">
+            <a:extLst>
+              <a:ext uri="{FF2B5EF4-FFF2-40B4-BE49-F238E27FC236}">
+                <a16:creationId xmlns:a16="http://schemas.microsoft.com/office/drawing/2014/main" id="{399528D9-627B-4589-A941-3F6167AAE7F5}"/>
               </a:ext>
             </a:extLst>
           </p:cNvPr>
@@ -3571,7 +3570,7 @@
         </p:nvSpPr>
         <p:spPr>
           <a:xfrm>
-            <a:off x="3540148" y="4890013"/>
+            <a:off x="2924884" y="5050332"/>
             <a:ext cx="96711" cy="132280"/>
           </a:xfrm>
           <a:prstGeom prst="rect">
@@ -3605,10 +3604,10 @@
       </p:sp>
       <p:sp>
         <p:nvSpPr>
-          <p:cNvPr id="11" name="Rectangle 10">
-            <a:extLst>
-              <a:ext uri="{FF2B5EF4-FFF2-40B4-BE49-F238E27FC236}">
-                <a16:creationId xmlns:a16="http://schemas.microsoft.com/office/drawing/2014/main" id="{399528D9-627B-4589-A941-3F6167AAE7F5}"/>
+          <p:cNvPr id="12" name="Rectangle 11">
+            <a:extLst>
+              <a:ext uri="{FF2B5EF4-FFF2-40B4-BE49-F238E27FC236}">
+                <a16:creationId xmlns:a16="http://schemas.microsoft.com/office/drawing/2014/main" id="{F859BDC2-3754-46F5-AAEA-B73630D9EF4B}"/>
               </a:ext>
             </a:extLst>
           </p:cNvPr>
@@ -3617,8 +3616,8 @@
         </p:nvSpPr>
         <p:spPr>
           <a:xfrm>
-            <a:off x="2924884" y="4890013"/>
-            <a:ext cx="96711" cy="132280"/>
+            <a:off x="4380504" y="5044393"/>
+            <a:ext cx="96673" cy="307751"/>
           </a:xfrm>
           <a:prstGeom prst="rect">
             <a:avLst/>
@@ -3651,10 +3650,10 @@
       </p:sp>
       <p:sp>
         <p:nvSpPr>
-          <p:cNvPr id="12" name="Rectangle 11">
-            <a:extLst>
-              <a:ext uri="{FF2B5EF4-FFF2-40B4-BE49-F238E27FC236}">
-                <a16:creationId xmlns:a16="http://schemas.microsoft.com/office/drawing/2014/main" id="{F859BDC2-3754-46F5-AAEA-B73630D9EF4B}"/>
+          <p:cNvPr id="13" name="Rectangle 12">
+            <a:extLst>
+              <a:ext uri="{FF2B5EF4-FFF2-40B4-BE49-F238E27FC236}">
+                <a16:creationId xmlns:a16="http://schemas.microsoft.com/office/drawing/2014/main" id="{C235FCE9-87B1-495B-99E4-B4F7FC99D2E1}"/>
               </a:ext>
             </a:extLst>
           </p:cNvPr>
@@ -3663,8 +3662,8 @@
         </p:nvSpPr>
         <p:spPr>
           <a:xfrm>
-            <a:off x="4380504" y="4884074"/>
-            <a:ext cx="96673" cy="307751"/>
+            <a:off x="3952529" y="5050332"/>
+            <a:ext cx="96711" cy="132280"/>
           </a:xfrm>
           <a:prstGeom prst="rect">
             <a:avLst/>
@@ -3697,10 +3696,10 @@
       </p:sp>
       <p:sp>
         <p:nvSpPr>
-          <p:cNvPr id="13" name="Rectangle 12">
-            <a:extLst>
-              <a:ext uri="{FF2B5EF4-FFF2-40B4-BE49-F238E27FC236}">
-                <a16:creationId xmlns:a16="http://schemas.microsoft.com/office/drawing/2014/main" id="{C235FCE9-87B1-495B-99E4-B4F7FC99D2E1}"/>
+          <p:cNvPr id="14" name="Rectangle 13">
+            <a:extLst>
+              <a:ext uri="{FF2B5EF4-FFF2-40B4-BE49-F238E27FC236}">
+                <a16:creationId xmlns:a16="http://schemas.microsoft.com/office/drawing/2014/main" id="{A4A143D3-BA3A-4CFC-86FD-F69765223445}"/>
               </a:ext>
             </a:extLst>
           </p:cNvPr>
@@ -3709,8 +3708,8 @@
         </p:nvSpPr>
         <p:spPr>
           <a:xfrm>
-            <a:off x="3952529" y="4890013"/>
-            <a:ext cx="96711" cy="132280"/>
+            <a:off x="4358154" y="5049859"/>
+            <a:ext cx="133849" cy="218136"/>
           </a:xfrm>
           <a:prstGeom prst="rect">
             <a:avLst/>
@@ -3743,10 +3742,10 @@
       </p:sp>
       <p:sp>
         <p:nvSpPr>
-          <p:cNvPr id="14" name="Rectangle 13">
-            <a:extLst>
-              <a:ext uri="{FF2B5EF4-FFF2-40B4-BE49-F238E27FC236}">
-                <a16:creationId xmlns:a16="http://schemas.microsoft.com/office/drawing/2014/main" id="{A4A143D3-BA3A-4CFC-86FD-F69765223445}"/>
+          <p:cNvPr id="15" name="Rectangle 14">
+            <a:extLst>
+              <a:ext uri="{FF2B5EF4-FFF2-40B4-BE49-F238E27FC236}">
+                <a16:creationId xmlns:a16="http://schemas.microsoft.com/office/drawing/2014/main" id="{273C3EC5-ABA5-4394-8033-298E635254D7}"/>
               </a:ext>
             </a:extLst>
           </p:cNvPr>
@@ -3755,8 +3754,8 @@
         </p:nvSpPr>
         <p:spPr>
           <a:xfrm>
-            <a:off x="4358154" y="4889540"/>
-            <a:ext cx="133849" cy="218136"/>
+            <a:off x="4358155" y="5675163"/>
+            <a:ext cx="133902" cy="93761"/>
           </a:xfrm>
           <a:prstGeom prst="rect">
             <a:avLst/>
@@ -3789,10 +3788,10 @@
       </p:sp>
       <p:sp>
         <p:nvSpPr>
-          <p:cNvPr id="15" name="Rectangle 14">
-            <a:extLst>
-              <a:ext uri="{FF2B5EF4-FFF2-40B4-BE49-F238E27FC236}">
-                <a16:creationId xmlns:a16="http://schemas.microsoft.com/office/drawing/2014/main" id="{273C3EC5-ABA5-4394-8033-298E635254D7}"/>
+          <p:cNvPr id="16" name="Rectangle 15">
+            <a:extLst>
+              <a:ext uri="{FF2B5EF4-FFF2-40B4-BE49-F238E27FC236}">
+                <a16:creationId xmlns:a16="http://schemas.microsoft.com/office/drawing/2014/main" id="{149BF2A1-3BE5-462B-9871-DFB679C1C2CC}"/>
               </a:ext>
             </a:extLst>
           </p:cNvPr>
@@ -3801,8 +3800,8 @@
         </p:nvSpPr>
         <p:spPr>
           <a:xfrm>
-            <a:off x="4358155" y="5514844"/>
-            <a:ext cx="133902" cy="93761"/>
+            <a:off x="8475384" y="4819341"/>
+            <a:ext cx="96711" cy="132280"/>
           </a:xfrm>
           <a:prstGeom prst="rect">
             <a:avLst/>
@@ -3835,10 +3834,10 @@
       </p:sp>
       <p:sp>
         <p:nvSpPr>
-          <p:cNvPr id="16" name="Rectangle 15">
-            <a:extLst>
-              <a:ext uri="{FF2B5EF4-FFF2-40B4-BE49-F238E27FC236}">
-                <a16:creationId xmlns:a16="http://schemas.microsoft.com/office/drawing/2014/main" id="{149BF2A1-3BE5-462B-9871-DFB679C1C2CC}"/>
+          <p:cNvPr id="17" name="Rectangle 16">
+            <a:extLst>
+              <a:ext uri="{FF2B5EF4-FFF2-40B4-BE49-F238E27FC236}">
+                <a16:creationId xmlns:a16="http://schemas.microsoft.com/office/drawing/2014/main" id="{5A795C16-30A9-4D7E-8F50-F7432B5A4A4E}"/>
               </a:ext>
             </a:extLst>
           </p:cNvPr>
@@ -3847,7 +3846,7 @@
         </p:nvSpPr>
         <p:spPr>
           <a:xfrm>
-            <a:off x="8475384" y="4498704"/>
+            <a:off x="7837317" y="4819341"/>
             <a:ext cx="96711" cy="132280"/>
           </a:xfrm>
           <a:prstGeom prst="rect">
@@ -3881,10 +3880,10 @@
       </p:sp>
       <p:sp>
         <p:nvSpPr>
-          <p:cNvPr id="17" name="Rectangle 16">
-            <a:extLst>
-              <a:ext uri="{FF2B5EF4-FFF2-40B4-BE49-F238E27FC236}">
-                <a16:creationId xmlns:a16="http://schemas.microsoft.com/office/drawing/2014/main" id="{5A795C16-30A9-4D7E-8F50-F7432B5A4A4E}"/>
+          <p:cNvPr id="18" name="Rectangle 17">
+            <a:extLst>
+              <a:ext uri="{FF2B5EF4-FFF2-40B4-BE49-F238E27FC236}">
+                <a16:creationId xmlns:a16="http://schemas.microsoft.com/office/drawing/2014/main" id="{9FEA239B-6431-48ED-97E2-03C52FD078C2}"/>
               </a:ext>
             </a:extLst>
           </p:cNvPr>
@@ -3893,8 +3892,8 @@
         </p:nvSpPr>
         <p:spPr>
           <a:xfrm>
-            <a:off x="7837317" y="4498704"/>
-            <a:ext cx="96711" cy="132280"/>
+            <a:off x="5928299" y="2256213"/>
+            <a:ext cx="159533" cy="115896"/>
           </a:xfrm>
           <a:prstGeom prst="rect">
             <a:avLst/>
@@ -3927,10 +3926,10 @@
       </p:sp>
       <p:sp>
         <p:nvSpPr>
-          <p:cNvPr id="18" name="Rectangle 17">
-            <a:extLst>
-              <a:ext uri="{FF2B5EF4-FFF2-40B4-BE49-F238E27FC236}">
-                <a16:creationId xmlns:a16="http://schemas.microsoft.com/office/drawing/2014/main" id="{9FEA239B-6431-48ED-97E2-03C52FD078C2}"/>
+          <p:cNvPr id="19" name="Rectangle 18">
+            <a:extLst>
+              <a:ext uri="{FF2B5EF4-FFF2-40B4-BE49-F238E27FC236}">
+                <a16:creationId xmlns:a16="http://schemas.microsoft.com/office/drawing/2014/main" id="{9809182D-E344-4979-B1A5-4EF7697E7566}"/>
               </a:ext>
             </a:extLst>
           </p:cNvPr>
@@ -3939,8 +3938,8 @@
         </p:nvSpPr>
         <p:spPr>
           <a:xfrm>
-            <a:off x="5928299" y="1935576"/>
-            <a:ext cx="159533" cy="115896"/>
+            <a:off x="6097097" y="1690463"/>
+            <a:ext cx="159533" cy="231629"/>
           </a:xfrm>
           <a:prstGeom prst="rect">
             <a:avLst/>
@@ -3973,10 +3972,10 @@
       </p:sp>
       <p:sp>
         <p:nvSpPr>
-          <p:cNvPr id="19" name="Rectangle 18">
-            <a:extLst>
-              <a:ext uri="{FF2B5EF4-FFF2-40B4-BE49-F238E27FC236}">
-                <a16:creationId xmlns:a16="http://schemas.microsoft.com/office/drawing/2014/main" id="{9809182D-E344-4979-B1A5-4EF7697E7566}"/>
+          <p:cNvPr id="20" name="Rectangle 19">
+            <a:extLst>
+              <a:ext uri="{FF2B5EF4-FFF2-40B4-BE49-F238E27FC236}">
+                <a16:creationId xmlns:a16="http://schemas.microsoft.com/office/drawing/2014/main" id="{B511FCE5-AE19-411D-8B8E-78F0164873F7}"/>
               </a:ext>
             </a:extLst>
           </p:cNvPr>
@@ -3985,8 +3984,8 @@
         </p:nvSpPr>
         <p:spPr>
           <a:xfrm>
-            <a:off x="6097097" y="1369826"/>
-            <a:ext cx="159533" cy="231629"/>
+            <a:off x="3971654" y="3071225"/>
+            <a:ext cx="191812" cy="110015"/>
           </a:xfrm>
           <a:prstGeom prst="rect">
             <a:avLst/>
@@ -4019,10 +4018,10 @@
       </p:sp>
       <p:sp>
         <p:nvSpPr>
-          <p:cNvPr id="20" name="Rectangle 19">
-            <a:extLst>
-              <a:ext uri="{FF2B5EF4-FFF2-40B4-BE49-F238E27FC236}">
-                <a16:creationId xmlns:a16="http://schemas.microsoft.com/office/drawing/2014/main" id="{B511FCE5-AE19-411D-8B8E-78F0164873F7}"/>
+          <p:cNvPr id="21" name="Rectangle 20">
+            <a:extLst>
+              <a:ext uri="{FF2B5EF4-FFF2-40B4-BE49-F238E27FC236}">
+                <a16:creationId xmlns:a16="http://schemas.microsoft.com/office/drawing/2014/main" id="{B0C3C2F9-3C57-40B3-A950-A124B17C60B7}"/>
               </a:ext>
             </a:extLst>
           </p:cNvPr>
@@ -4031,7 +4030,7 @@
         </p:nvSpPr>
         <p:spPr>
           <a:xfrm>
-            <a:off x="3983530" y="2750588"/>
+            <a:off x="3971314" y="2635897"/>
             <a:ext cx="191812" cy="110015"/>
           </a:xfrm>
           <a:prstGeom prst="rect">
@@ -4065,10 +4064,10 @@
       </p:sp>
       <p:sp>
         <p:nvSpPr>
-          <p:cNvPr id="21" name="Rectangle 20">
-            <a:extLst>
-              <a:ext uri="{FF2B5EF4-FFF2-40B4-BE49-F238E27FC236}">
-                <a16:creationId xmlns:a16="http://schemas.microsoft.com/office/drawing/2014/main" id="{B0C3C2F9-3C57-40B3-A950-A124B17C60B7}"/>
+          <p:cNvPr id="22" name="Rectangle 21">
+            <a:extLst>
+              <a:ext uri="{FF2B5EF4-FFF2-40B4-BE49-F238E27FC236}">
+                <a16:creationId xmlns:a16="http://schemas.microsoft.com/office/drawing/2014/main" id="{BD3B49A2-22F1-47A2-A328-3A93B0D1B894}"/>
               </a:ext>
             </a:extLst>
           </p:cNvPr>
@@ -4077,8 +4076,8 @@
         </p:nvSpPr>
         <p:spPr>
           <a:xfrm>
-            <a:off x="3983190" y="2315260"/>
-            <a:ext cx="191812" cy="110015"/>
+            <a:off x="6127590" y="2307794"/>
+            <a:ext cx="159533" cy="132280"/>
           </a:xfrm>
           <a:prstGeom prst="rect">
             <a:avLst/>
@@ -4111,10 +4110,10 @@
       </p:sp>
       <p:sp>
         <p:nvSpPr>
-          <p:cNvPr id="22" name="Rectangle 21">
-            <a:extLst>
-              <a:ext uri="{FF2B5EF4-FFF2-40B4-BE49-F238E27FC236}">
-                <a16:creationId xmlns:a16="http://schemas.microsoft.com/office/drawing/2014/main" id="{BD3B49A2-22F1-47A2-A328-3A93B0D1B894}"/>
+          <p:cNvPr id="23" name="Rectangle 22">
+            <a:extLst>
+              <a:ext uri="{FF2B5EF4-FFF2-40B4-BE49-F238E27FC236}">
+                <a16:creationId xmlns:a16="http://schemas.microsoft.com/office/drawing/2014/main" id="{3AABB7B0-354A-437F-A159-AB324F7120EE}"/>
               </a:ext>
             </a:extLst>
           </p:cNvPr>
@@ -4123,7 +4122,7 @@
         </p:nvSpPr>
         <p:spPr>
           <a:xfrm>
-            <a:off x="6127590" y="1987157"/>
+            <a:off x="6332330" y="2307794"/>
             <a:ext cx="159533" cy="132280"/>
           </a:xfrm>
           <a:prstGeom prst="rect">
@@ -4157,10 +4156,10 @@
       </p:sp>
       <p:sp>
         <p:nvSpPr>
-          <p:cNvPr id="23" name="Rectangle 22">
-            <a:extLst>
-              <a:ext uri="{FF2B5EF4-FFF2-40B4-BE49-F238E27FC236}">
-                <a16:creationId xmlns:a16="http://schemas.microsoft.com/office/drawing/2014/main" id="{3AABB7B0-354A-437F-A159-AB324F7120EE}"/>
+          <p:cNvPr id="24" name="Rectangle 23">
+            <a:extLst>
+              <a:ext uri="{FF2B5EF4-FFF2-40B4-BE49-F238E27FC236}">
+                <a16:creationId xmlns:a16="http://schemas.microsoft.com/office/drawing/2014/main" id="{D949CF11-5F31-4E8A-8D18-9A7098E71526}"/>
               </a:ext>
             </a:extLst>
           </p:cNvPr>
@@ -4169,7 +4168,7 @@
         </p:nvSpPr>
         <p:spPr>
           <a:xfrm>
-            <a:off x="6332330" y="1987157"/>
+            <a:off x="6212447" y="2099538"/>
             <a:ext cx="159533" cy="132280"/>
           </a:xfrm>
           <a:prstGeom prst="rect">
@@ -4203,10 +4202,10 @@
       </p:sp>
       <p:sp>
         <p:nvSpPr>
-          <p:cNvPr id="24" name="Rectangle 23">
-            <a:extLst>
-              <a:ext uri="{FF2B5EF4-FFF2-40B4-BE49-F238E27FC236}">
-                <a16:creationId xmlns:a16="http://schemas.microsoft.com/office/drawing/2014/main" id="{D949CF11-5F31-4E8A-8D18-9A7098E71526}"/>
+          <p:cNvPr id="25" name="Rectangle 24">
+            <a:extLst>
+              <a:ext uri="{FF2B5EF4-FFF2-40B4-BE49-F238E27FC236}">
+                <a16:creationId xmlns:a16="http://schemas.microsoft.com/office/drawing/2014/main" id="{A47667BA-BF6F-453B-BA8F-A7783391AADC}"/>
               </a:ext>
             </a:extLst>
           </p:cNvPr>
@@ -4215,8 +4214,8 @@
         </p:nvSpPr>
         <p:spPr>
           <a:xfrm>
-            <a:off x="6212447" y="1778901"/>
-            <a:ext cx="159533" cy="132280"/>
+            <a:off x="5907646" y="2333043"/>
+            <a:ext cx="191812" cy="110015"/>
           </a:xfrm>
           <a:prstGeom prst="rect">
             <a:avLst/>
@@ -4249,10 +4248,10 @@
       </p:sp>
       <p:sp>
         <p:nvSpPr>
-          <p:cNvPr id="25" name="Rectangle 24">
-            <a:extLst>
-              <a:ext uri="{FF2B5EF4-FFF2-40B4-BE49-F238E27FC236}">
-                <a16:creationId xmlns:a16="http://schemas.microsoft.com/office/drawing/2014/main" id="{A47667BA-BF6F-453B-BA8F-A7783391AADC}"/>
+          <p:cNvPr id="26" name="Rectangle 25">
+            <a:extLst>
+              <a:ext uri="{FF2B5EF4-FFF2-40B4-BE49-F238E27FC236}">
+                <a16:creationId xmlns:a16="http://schemas.microsoft.com/office/drawing/2014/main" id="{71C73F7D-96CD-4F1C-A8FF-461F4D4F0065}"/>
               </a:ext>
             </a:extLst>
           </p:cNvPr>
@@ -4261,7 +4260,7 @@
         </p:nvSpPr>
         <p:spPr>
           <a:xfrm>
-            <a:off x="5907646" y="2012406"/>
+            <a:off x="6094742" y="2119087"/>
             <a:ext cx="191812" cy="110015"/>
           </a:xfrm>
           <a:prstGeom prst="rect">
@@ -4295,10 +4294,10 @@
       </p:sp>
       <p:sp>
         <p:nvSpPr>
-          <p:cNvPr id="26" name="Rectangle 25">
-            <a:extLst>
-              <a:ext uri="{FF2B5EF4-FFF2-40B4-BE49-F238E27FC236}">
-                <a16:creationId xmlns:a16="http://schemas.microsoft.com/office/drawing/2014/main" id="{71C73F7D-96CD-4F1C-A8FF-461F4D4F0065}"/>
+          <p:cNvPr id="27" name="Rectangle 26">
+            <a:extLst>
+              <a:ext uri="{FF2B5EF4-FFF2-40B4-BE49-F238E27FC236}">
+                <a16:creationId xmlns:a16="http://schemas.microsoft.com/office/drawing/2014/main" id="{20E7393F-AEEB-468A-A393-528EDCB616E1}"/>
               </a:ext>
             </a:extLst>
           </p:cNvPr>
@@ -4307,8 +4306,8 @@
         </p:nvSpPr>
         <p:spPr>
           <a:xfrm>
-            <a:off x="6094742" y="1798450"/>
-            <a:ext cx="191812" cy="110015"/>
+            <a:off x="7233720" y="1796074"/>
+            <a:ext cx="191812" cy="162421"/>
           </a:xfrm>
           <a:prstGeom prst="rect">
             <a:avLst/>
@@ -4341,52 +4340,6 @@
       </p:sp>
       <p:sp>
         <p:nvSpPr>
-          <p:cNvPr id="27" name="Rectangle 26">
-            <a:extLst>
-              <a:ext uri="{FF2B5EF4-FFF2-40B4-BE49-F238E27FC236}">
-                <a16:creationId xmlns:a16="http://schemas.microsoft.com/office/drawing/2014/main" id="{20E7393F-AEEB-468A-A393-528EDCB616E1}"/>
-              </a:ext>
-            </a:extLst>
-          </p:cNvPr>
-          <p:cNvSpPr/>
-          <p:nvPr/>
-        </p:nvSpPr>
-        <p:spPr>
-          <a:xfrm>
-            <a:off x="7233720" y="1475437"/>
-            <a:ext cx="191812" cy="162421"/>
-          </a:xfrm>
-          <a:prstGeom prst="rect">
-            <a:avLst/>
-          </a:prstGeom>
-        </p:spPr>
-        <p:style>
-          <a:lnRef idx="2">
-            <a:schemeClr val="accent1">
-              <a:shade val="50000"/>
-            </a:schemeClr>
-          </a:lnRef>
-          <a:fillRef idx="1">
-            <a:schemeClr val="accent1"/>
-          </a:fillRef>
-          <a:effectRef idx="0">
-            <a:schemeClr val="accent1"/>
-          </a:effectRef>
-          <a:fontRef idx="minor">
-            <a:schemeClr val="lt1"/>
-          </a:fontRef>
-        </p:style>
-        <p:txBody>
-          <a:bodyPr rtlCol="0" anchor="ctr"/>
-          <a:lstStyle/>
-          <a:p>
-            <a:pPr algn="ctr"/>
-            <a:endParaRPr lang="fr-FR" sz="1050"/>
-          </a:p>
-        </p:txBody>
-      </p:sp>
-      <p:sp>
-        <p:nvSpPr>
           <p:cNvPr id="28" name="ZoneTexte 27">
             <a:extLst>
               <a:ext uri="{FF2B5EF4-FFF2-40B4-BE49-F238E27FC236}">
@@ -4399,7 +4352,7 @@
         </p:nvSpPr>
         <p:spPr>
           <a:xfrm>
-            <a:off x="3334768" y="787301"/>
+            <a:off x="3334768" y="1107938"/>
             <a:ext cx="482541" cy="246221"/>
           </a:xfrm>
           <a:prstGeom prst="rect">
@@ -4438,8 +4391,8 @@
         </p:nvCxnSpPr>
         <p:spPr>
           <a:xfrm rot="16200000" flipV="1">
-            <a:off x="4536307" y="-91355"/>
-            <a:ext cx="586924" cy="2329240"/>
+            <a:off x="4522601" y="215575"/>
+            <a:ext cx="586924" cy="2356653"/>
           </a:xfrm>
           <a:prstGeom prst="bentConnector3">
             <a:avLst>
@@ -4480,7 +4433,7 @@
         </p:nvSpPr>
         <p:spPr>
           <a:xfrm>
-            <a:off x="2867905" y="167034"/>
+            <a:off x="2840492" y="487671"/>
             <a:ext cx="1594487" cy="612769"/>
           </a:xfrm>
           <a:prstGeom prst="rect">
@@ -4542,7 +4495,7 @@
         </p:nvSpPr>
         <p:spPr>
           <a:xfrm>
-            <a:off x="3745881" y="865295"/>
+            <a:off x="3745881" y="1185932"/>
             <a:ext cx="1415542" cy="246221"/>
           </a:xfrm>
           <a:prstGeom prst="rect">
@@ -4581,7 +4534,7 @@
         </p:nvSpPr>
         <p:spPr>
           <a:xfrm>
-            <a:off x="4531522" y="4752824"/>
+            <a:off x="4531522" y="4913143"/>
             <a:ext cx="408760" cy="246221"/>
           </a:xfrm>
           <a:prstGeom prst="rect">
@@ -4616,7 +4569,7 @@
         </p:nvSpPr>
         <p:spPr>
           <a:xfrm>
-            <a:off x="4564189" y="1336617"/>
+            <a:off x="4538596" y="1657254"/>
             <a:ext cx="1192438" cy="246221"/>
           </a:xfrm>
           <a:prstGeom prst="rect">
@@ -4655,8 +4608,8 @@
         </p:nvSpPr>
         <p:spPr>
           <a:xfrm>
-            <a:off x="4521040" y="167034"/>
-            <a:ext cx="2040920" cy="461665"/>
+            <a:off x="1562008" y="408930"/>
+            <a:ext cx="1274931" cy="830997"/>
           </a:xfrm>
           <a:prstGeom prst="rect">
             <a:avLst/>
@@ -4669,6 +4622,7 @@
           </a:bodyPr>
           <a:lstStyle/>
           <a:p>
+            <a:pPr algn="r"/>
             <a:r>
               <a:rPr lang="en-US" sz="1200" i="1" noProof="1"/>
               <a:t>a catalog of medications handled with method 2</a:t>
@@ -4690,7 +4644,7 @@
         </p:nvSpPr>
         <p:spPr>
           <a:xfrm>
-            <a:off x="6080923" y="920458"/>
+            <a:off x="6080923" y="1241095"/>
             <a:ext cx="1028423" cy="461665"/>
           </a:xfrm>
           <a:prstGeom prst="rect">
@@ -4744,7 +4698,7 @@
         </p:nvSpPr>
         <p:spPr>
           <a:xfrm>
-            <a:off x="7309049" y="2486547"/>
+            <a:off x="7309049" y="2807184"/>
             <a:ext cx="997886" cy="830997"/>
           </a:xfrm>
           <a:prstGeom prst="rect">
@@ -4797,7 +4751,7 @@
         </p:nvSpPr>
         <p:spPr>
           <a:xfrm>
-            <a:off x="2848761" y="2263061"/>
+            <a:off x="2840492" y="2583698"/>
             <a:ext cx="1335702" cy="627951"/>
           </a:xfrm>
           <a:prstGeom prst="rect">
@@ -4878,7 +4832,7 @@
         </p:nvSpPr>
         <p:spPr>
           <a:xfrm>
-            <a:off x="4170934" y="2614759"/>
+            <a:off x="4170934" y="2935396"/>
             <a:ext cx="386253" cy="246221"/>
           </a:xfrm>
           <a:prstGeom prst="rect">
@@ -4913,7 +4867,7 @@
         </p:nvSpPr>
         <p:spPr>
           <a:xfrm>
-            <a:off x="1695878" y="1216796"/>
+            <a:off x="1695878" y="1537433"/>
             <a:ext cx="1180137" cy="646331"/>
           </a:xfrm>
           <a:prstGeom prst="rect">
@@ -4951,7 +4905,7 @@
         </p:nvCxnSpPr>
         <p:spPr>
           <a:xfrm flipH="1" flipV="1">
-            <a:off x="7410462" y="1411030"/>
+            <a:off x="7410462" y="1731667"/>
             <a:ext cx="11343" cy="132155"/>
           </a:xfrm>
           <a:prstGeom prst="bentConnector3">
@@ -4993,7 +4947,7 @@
         </p:nvSpPr>
         <p:spPr>
           <a:xfrm>
-            <a:off x="7381592" y="1536306"/>
+            <a:off x="7381592" y="1856943"/>
             <a:ext cx="417459" cy="246221"/>
           </a:xfrm>
           <a:prstGeom prst="rect">
@@ -5028,7 +4982,7 @@
         </p:nvSpPr>
         <p:spPr>
           <a:xfrm>
-            <a:off x="7590321" y="1358631"/>
+            <a:off x="7590321" y="1679268"/>
             <a:ext cx="3208932" cy="246221"/>
           </a:xfrm>
           <a:prstGeom prst="rect">
@@ -5090,8 +5044,8 @@
         </p:nvSpPr>
         <p:spPr>
           <a:xfrm>
-            <a:off x="9350541" y="167034"/>
-            <a:ext cx="1562028" cy="612769"/>
+            <a:off x="9118972" y="487671"/>
+            <a:ext cx="1433977" cy="612769"/>
           </a:xfrm>
           <a:prstGeom prst="rect">
             <a:avLst/>
@@ -5156,8 +5110,8 @@
         </p:nvCxnSpPr>
         <p:spPr>
           <a:xfrm rot="5400000" flipH="1" flipV="1">
-            <a:off x="8402169" y="-357788"/>
-            <a:ext cx="591794" cy="2866977"/>
+            <a:off x="8254372" y="110646"/>
+            <a:ext cx="591794" cy="2571383"/>
           </a:xfrm>
           <a:prstGeom prst="bentConnector3">
             <a:avLst>
@@ -5198,7 +5152,7 @@
         </p:nvSpPr>
         <p:spPr>
           <a:xfrm>
-            <a:off x="7233720" y="1078697"/>
+            <a:off x="7233720" y="1399334"/>
             <a:ext cx="444133" cy="246221"/>
           </a:xfrm>
           <a:prstGeom prst="rect">
@@ -5233,8 +5187,8 @@
         </p:nvSpPr>
         <p:spPr>
           <a:xfrm>
-            <a:off x="7475958" y="167034"/>
-            <a:ext cx="1818692" cy="461665"/>
+            <a:off x="10562658" y="391870"/>
+            <a:ext cx="1123905" cy="830997"/>
           </a:xfrm>
           <a:prstGeom prst="rect">
             <a:avLst/>
@@ -5247,7 +5201,6 @@
           </a:bodyPr>
           <a:lstStyle/>
           <a:p>
-            <a:pPr algn="r"/>
             <a:r>
               <a:rPr lang="en-US" sz="1200" i="1" noProof="1"/>
               <a:t>a catalog of medications handled with method 1</a:t>
@@ -5269,7 +5222,7 @@
         </p:nvSpPr>
         <p:spPr>
           <a:xfrm>
-            <a:off x="9228852" y="863321"/>
+            <a:off x="8997283" y="1183958"/>
             <a:ext cx="898203" cy="246221"/>
           </a:xfrm>
           <a:prstGeom prst="rect">
@@ -5312,8 +5265,8 @@
         </p:nvCxnSpPr>
         <p:spPr>
           <a:xfrm flipV="1">
-            <a:off x="4175002" y="2122421"/>
-            <a:ext cx="1828550" cy="247847"/>
+            <a:off x="4163126" y="2443058"/>
+            <a:ext cx="1840426" cy="247847"/>
           </a:xfrm>
           <a:prstGeom prst="bentConnector2">
             <a:avLst/>
@@ -5356,8 +5309,8 @@
         </p:nvCxnSpPr>
         <p:spPr>
           <a:xfrm flipV="1">
-            <a:off x="4184463" y="2119437"/>
-            <a:ext cx="2022894" cy="457600"/>
+            <a:off x="4176194" y="2440074"/>
+            <a:ext cx="2031163" cy="457600"/>
           </a:xfrm>
           <a:prstGeom prst="bentConnector2">
             <a:avLst/>
@@ -5400,8 +5353,8 @@
         </p:nvCxnSpPr>
         <p:spPr>
           <a:xfrm flipV="1">
-            <a:off x="4175342" y="2119437"/>
-            <a:ext cx="2236755" cy="686159"/>
+            <a:off x="4163466" y="2440074"/>
+            <a:ext cx="2248631" cy="686159"/>
           </a:xfrm>
           <a:prstGeom prst="bentConnector2">
             <a:avLst/>
@@ -5440,7 +5393,7 @@
         </p:nvSpPr>
         <p:spPr>
           <a:xfrm>
-            <a:off x="4550470" y="2179068"/>
+            <a:off x="4538596" y="2499705"/>
             <a:ext cx="1355834" cy="246221"/>
           </a:xfrm>
           <a:prstGeom prst="rect">
@@ -5478,7 +5431,7 @@
         </p:nvSpPr>
         <p:spPr>
           <a:xfrm>
-            <a:off x="4538596" y="2385644"/>
+            <a:off x="4538596" y="2706281"/>
             <a:ext cx="579044" cy="246221"/>
           </a:xfrm>
           <a:prstGeom prst="rect">
@@ -5516,7 +5469,7 @@
         </p:nvSpPr>
         <p:spPr>
           <a:xfrm>
-            <a:off x="4538596" y="2613268"/>
+            <a:off x="4538596" y="2933905"/>
             <a:ext cx="838698" cy="246221"/>
           </a:xfrm>
           <a:prstGeom prst="rect">
@@ -5554,7 +5507,7 @@
         </p:nvSpPr>
         <p:spPr>
           <a:xfrm>
-            <a:off x="4175179" y="2180365"/>
+            <a:off x="4175179" y="2501002"/>
             <a:ext cx="405123" cy="246221"/>
           </a:xfrm>
           <a:prstGeom prst="rect">
@@ -5589,7 +5542,7 @@
         </p:nvSpPr>
         <p:spPr>
           <a:xfrm>
-            <a:off x="4168794" y="2391951"/>
+            <a:off x="4168794" y="2712588"/>
             <a:ext cx="388393" cy="246221"/>
           </a:xfrm>
           <a:prstGeom prst="rect">
@@ -5628,8 +5581,8 @@
         </p:nvCxnSpPr>
         <p:spPr>
           <a:xfrm rot="10800000" flipV="1">
-            <a:off x="4465340" y="1559320"/>
-            <a:ext cx="1476487" cy="766"/>
+            <a:off x="4458516" y="1879957"/>
+            <a:ext cx="1483311" cy="766"/>
           </a:xfrm>
           <a:prstGeom prst="bentConnector3">
             <a:avLst>
@@ -5670,7 +5623,7 @@
         </p:nvSpPr>
         <p:spPr>
           <a:xfrm>
-            <a:off x="2847316" y="1273172"/>
+            <a:off x="2840492" y="1593809"/>
             <a:ext cx="1618023" cy="573827"/>
           </a:xfrm>
           <a:prstGeom prst="rect">
@@ -5751,7 +5704,7 @@
         </p:nvSpPr>
         <p:spPr>
           <a:xfrm>
-            <a:off x="4462392" y="1566073"/>
+            <a:off x="4462392" y="1886710"/>
             <a:ext cx="405123" cy="246221"/>
           </a:xfrm>
           <a:prstGeom prst="rect">
@@ -5786,8 +5739,8 @@
         </p:nvSpPr>
         <p:spPr>
           <a:xfrm>
-            <a:off x="2847316" y="3430328"/>
-            <a:ext cx="1659573" cy="601464"/>
+            <a:off x="2840492" y="3750965"/>
+            <a:ext cx="1666397" cy="601464"/>
           </a:xfrm>
           <a:prstGeom prst="rect">
             <a:avLst/>
@@ -5867,7 +5820,7 @@
         </p:nvSpPr>
         <p:spPr>
           <a:xfrm>
-            <a:off x="6483715" y="3233970"/>
+            <a:off x="6483715" y="3554607"/>
             <a:ext cx="1666398" cy="601464"/>
           </a:xfrm>
           <a:prstGeom prst="rect">
@@ -5963,12 +5916,12 @@
         </p:nvCxnSpPr>
         <p:spPr>
           <a:xfrm rot="5400000">
-            <a:off x="4497183" y="1307590"/>
-            <a:ext cx="1302659" cy="2942817"/>
+            <a:off x="4495477" y="1626521"/>
+            <a:ext cx="1302659" cy="2946229"/>
           </a:xfrm>
           <a:prstGeom prst="bentConnector3">
             <a:avLst>
-              <a:gd name="adj1" fmla="val 73250"/>
+              <a:gd name="adj1" fmla="val 73702"/>
             </a:avLst>
           </a:prstGeom>
           <a:ln w="19050">
@@ -6009,7 +5962,7 @@
         </p:nvCxnSpPr>
         <p:spPr>
           <a:xfrm rot="16200000" flipH="1">
-            <a:off x="6758683" y="2675738"/>
+            <a:off x="6758683" y="2996375"/>
             <a:ext cx="1114607" cy="1856"/>
           </a:xfrm>
           <a:prstGeom prst="bentConnector3">
@@ -6051,7 +6004,7 @@
         </p:nvSpPr>
         <p:spPr>
           <a:xfrm>
-            <a:off x="6974054" y="2943904"/>
+            <a:off x="6974054" y="3264541"/>
             <a:ext cx="405140" cy="246221"/>
           </a:xfrm>
           <a:prstGeom prst="rect">
@@ -6086,7 +6039,7 @@
         </p:nvSpPr>
         <p:spPr>
           <a:xfrm>
-            <a:off x="3399789" y="3195816"/>
+            <a:off x="3346867" y="3510387"/>
             <a:ext cx="423703" cy="246221"/>
           </a:xfrm>
           <a:prstGeom prst="rect">
@@ -6121,7 +6074,7 @@
         </p:nvSpPr>
         <p:spPr>
           <a:xfrm>
-            <a:off x="4550470" y="2880380"/>
+            <a:off x="4538596" y="3201017"/>
             <a:ext cx="2005686" cy="246221"/>
           </a:xfrm>
           <a:prstGeom prst="rect">
@@ -6160,7 +6113,7 @@
         </p:nvSpPr>
         <p:spPr>
           <a:xfrm>
-            <a:off x="7260713" y="2306236"/>
+            <a:off x="7260713" y="2626873"/>
             <a:ext cx="1877884" cy="246221"/>
           </a:xfrm>
           <a:prstGeom prst="rect">
@@ -6203,7 +6156,7 @@
         </p:nvSpPr>
         <p:spPr>
           <a:xfrm>
-            <a:off x="1890897" y="3385048"/>
+            <a:off x="1890897" y="3705685"/>
             <a:ext cx="924161" cy="646331"/>
           </a:xfrm>
           <a:prstGeom prst="rect">
@@ -6257,7 +6210,7 @@
         </p:nvSpPr>
         <p:spPr>
           <a:xfrm>
-            <a:off x="8510268" y="3577573"/>
+            <a:off x="8474601" y="3850172"/>
             <a:ext cx="1207403" cy="461665"/>
           </a:xfrm>
           <a:prstGeom prst="rect">
@@ -6323,8 +6276,8 @@
         </p:nvCxnSpPr>
         <p:spPr>
           <a:xfrm flipH="1">
-            <a:off x="2973240" y="4020505"/>
-            <a:ext cx="7174" cy="869508"/>
+            <a:off x="2973240" y="4341142"/>
+            <a:ext cx="7174" cy="709190"/>
           </a:xfrm>
           <a:prstGeom prst="straightConnector1">
             <a:avLst/>
@@ -6361,13 +6314,14 @@
           <p:cNvCxnSpPr>
             <a:cxnSpLocks/>
             <a:stCxn id="6" idx="2"/>
+            <a:endCxn id="10" idx="0"/>
           </p:cNvCxnSpPr>
           <p:nvPr/>
         </p:nvCxnSpPr>
         <p:spPr>
-          <a:xfrm>
-            <a:off x="3451937" y="4020505"/>
-            <a:ext cx="0" cy="863569"/>
+          <a:xfrm flipH="1">
+            <a:off x="3451934" y="4341142"/>
+            <a:ext cx="3" cy="715128"/>
           </a:xfrm>
           <a:prstGeom prst="straightConnector1">
             <a:avLst/>
@@ -6410,8 +6364,8 @@
         </p:nvCxnSpPr>
         <p:spPr>
           <a:xfrm>
-            <a:off x="4000885" y="4020505"/>
-            <a:ext cx="0" cy="869508"/>
+            <a:off x="4000885" y="4341142"/>
+            <a:ext cx="0" cy="709190"/>
           </a:xfrm>
           <a:prstGeom prst="straightConnector1">
             <a:avLst/>
@@ -6454,8 +6408,8 @@
         </p:nvCxnSpPr>
         <p:spPr>
           <a:xfrm>
-            <a:off x="4416984" y="4020505"/>
-            <a:ext cx="11857" cy="863569"/>
+            <a:off x="4416984" y="4341142"/>
+            <a:ext cx="11857" cy="703251"/>
           </a:xfrm>
           <a:prstGeom prst="straightConnector1">
             <a:avLst/>
@@ -6498,8 +6452,8 @@
         </p:nvCxnSpPr>
         <p:spPr>
           <a:xfrm rot="5400000">
-            <a:off x="6005026" y="3117961"/>
-            <a:ext cx="367624" cy="3393670"/>
+            <a:off x="6085185" y="3358439"/>
+            <a:ext cx="207306" cy="3393670"/>
           </a:xfrm>
           <a:prstGeom prst="bentConnector2">
             <a:avLst/>
@@ -6542,8 +6496,8 @@
         </p:nvCxnSpPr>
         <p:spPr>
           <a:xfrm rot="5400000">
-            <a:off x="6024476" y="3112012"/>
-            <a:ext cx="644149" cy="3692009"/>
+            <a:off x="6104635" y="3352490"/>
+            <a:ext cx="483831" cy="3692009"/>
           </a:xfrm>
           <a:prstGeom prst="bentConnector2">
             <a:avLst/>
@@ -6586,8 +6540,8 @@
         </p:nvCxnSpPr>
         <p:spPr>
           <a:xfrm rot="5400000">
-            <a:off x="6042529" y="3080513"/>
-            <a:ext cx="930741" cy="4031683"/>
+            <a:off x="6122688" y="3320991"/>
+            <a:ext cx="770423" cy="4031683"/>
           </a:xfrm>
           <a:prstGeom prst="bentConnector2">
             <a:avLst/>
@@ -6626,7 +6580,7 @@
         </p:nvSpPr>
         <p:spPr>
           <a:xfrm>
-            <a:off x="5359915" y="5359505"/>
+            <a:off x="5359915" y="5519823"/>
             <a:ext cx="2743409" cy="246221"/>
           </a:xfrm>
           <a:prstGeom prst="rect">
@@ -6665,7 +6619,7 @@
         </p:nvSpPr>
         <p:spPr>
           <a:xfrm>
-            <a:off x="4531440" y="5383501"/>
+            <a:off x="4531440" y="5543820"/>
             <a:ext cx="405123" cy="246221"/>
           </a:xfrm>
           <a:prstGeom prst="rect">
@@ -6700,7 +6654,7 @@
         </p:nvSpPr>
         <p:spPr>
           <a:xfrm>
-            <a:off x="5359915" y="5067885"/>
+            <a:off x="5359915" y="5228203"/>
             <a:ext cx="1956680" cy="246221"/>
           </a:xfrm>
           <a:prstGeom prst="rect">
@@ -6739,7 +6693,7 @@
         </p:nvSpPr>
         <p:spPr>
           <a:xfrm>
-            <a:off x="4529911" y="5087982"/>
+            <a:off x="4529911" y="5248301"/>
             <a:ext cx="405123" cy="246221"/>
           </a:xfrm>
           <a:prstGeom prst="rect">
@@ -6774,7 +6728,7 @@
         </p:nvSpPr>
         <p:spPr>
           <a:xfrm>
-            <a:off x="5359915" y="4791268"/>
+            <a:off x="5359915" y="4951586"/>
             <a:ext cx="1942201" cy="246221"/>
           </a:xfrm>
           <a:prstGeom prst="rect">
@@ -6813,7 +6767,7 @@
         </p:nvSpPr>
         <p:spPr>
           <a:xfrm>
-            <a:off x="2615745" y="4629485"/>
+            <a:off x="2615745" y="4789804"/>
             <a:ext cx="386253" cy="246221"/>
           </a:xfrm>
           <a:prstGeom prst="rect">
@@ -6848,7 +6802,7 @@
         </p:nvSpPr>
         <p:spPr>
           <a:xfrm>
-            <a:off x="3606245" y="4025339"/>
+            <a:off x="3606245" y="4345976"/>
             <a:ext cx="876617" cy="400110"/>
           </a:xfrm>
           <a:prstGeom prst="rect">
@@ -6899,7 +6853,7 @@
         </p:nvSpPr>
         <p:spPr>
           <a:xfrm>
-            <a:off x="882457" y="4029674"/>
+            <a:off x="882457" y="4345976"/>
             <a:ext cx="2148521" cy="246221"/>
           </a:xfrm>
           <a:prstGeom prst="rect">
@@ -6939,7 +6893,7 @@
         </p:nvSpPr>
         <p:spPr>
           <a:xfrm>
-            <a:off x="2927553" y="4310221"/>
+            <a:off x="2890337" y="4475614"/>
             <a:ext cx="945279" cy="400110"/>
           </a:xfrm>
           <a:prstGeom prst="rect">
@@ -6990,7 +6944,7 @@
         </p:nvSpPr>
         <p:spPr>
           <a:xfrm>
-            <a:off x="4402882" y="4286518"/>
+            <a:off x="4411815" y="4345976"/>
             <a:ext cx="1819711" cy="246221"/>
           </a:xfrm>
           <a:prstGeom prst="rect">
@@ -7029,7 +6983,7 @@
         </p:nvSpPr>
         <p:spPr>
           <a:xfrm>
-            <a:off x="10931712" y="1733109"/>
+            <a:off x="10575450" y="2053746"/>
             <a:ext cx="1123904" cy="461665"/>
           </a:xfrm>
           <a:prstGeom prst="rect">
@@ -7068,8 +7022,8 @@
         </p:nvCxnSpPr>
         <p:spPr>
           <a:xfrm>
-            <a:off x="7415687" y="1943360"/>
-            <a:ext cx="1955143" cy="893"/>
+            <a:off x="7415687" y="2263997"/>
+            <a:ext cx="1723575" cy="893"/>
           </a:xfrm>
           <a:prstGeom prst="bentConnector3">
             <a:avLst>
@@ -7110,7 +7064,7 @@
         </p:nvSpPr>
         <p:spPr>
           <a:xfrm>
-            <a:off x="9032202" y="1959268"/>
+            <a:off x="8800633" y="2279905"/>
             <a:ext cx="417459" cy="246221"/>
           </a:xfrm>
           <a:prstGeom prst="rect">
@@ -7149,7 +7103,7 @@
         </p:nvCxnSpPr>
         <p:spPr>
           <a:xfrm rot="16200000" flipH="1">
-            <a:off x="6948961" y="2485460"/>
+            <a:off x="6948961" y="2806097"/>
             <a:ext cx="1919876" cy="1187682"/>
           </a:xfrm>
           <a:prstGeom prst="bentConnector3">
@@ -7191,7 +7145,7 @@
         </p:nvSpPr>
         <p:spPr>
           <a:xfrm>
-            <a:off x="3180862" y="4629485"/>
+            <a:off x="3091792" y="4789804"/>
             <a:ext cx="386253" cy="246221"/>
           </a:xfrm>
           <a:prstGeom prst="rect">
@@ -7226,7 +7180,7 @@
         </p:nvSpPr>
         <p:spPr>
           <a:xfrm>
-            <a:off x="3692719" y="4633808"/>
+            <a:off x="3692719" y="4794127"/>
             <a:ext cx="386253" cy="246221"/>
           </a:xfrm>
           <a:prstGeom prst="rect">
@@ -7261,7 +7215,7 @@
         </p:nvSpPr>
         <p:spPr>
           <a:xfrm>
-            <a:off x="4123091" y="4635477"/>
+            <a:off x="4123091" y="4795796"/>
             <a:ext cx="386253" cy="246221"/>
           </a:xfrm>
           <a:prstGeom prst="rect">
@@ -7296,7 +7250,7 @@
         </p:nvSpPr>
         <p:spPr>
           <a:xfrm>
-            <a:off x="7266702" y="1987083"/>
+            <a:off x="7266702" y="2307720"/>
             <a:ext cx="96711" cy="132280"/>
           </a:xfrm>
           <a:prstGeom prst="rect">
@@ -7342,7 +7296,7 @@
         </p:nvSpPr>
         <p:spPr>
           <a:xfrm>
-            <a:off x="9138061" y="5099840"/>
+            <a:off x="8912426" y="5165153"/>
             <a:ext cx="1515052" cy="601464"/>
           </a:xfrm>
           <a:prstGeom prst="rect">
@@ -7438,12 +7392,12 @@
         </p:nvCxnSpPr>
         <p:spPr>
           <a:xfrm rot="16200000" flipH="1">
-            <a:off x="7115084" y="2319336"/>
-            <a:ext cx="2980477" cy="2580529"/>
+            <a:off x="7129929" y="2625129"/>
+            <a:ext cx="2725153" cy="2354894"/>
           </a:xfrm>
           <a:prstGeom prst="bentConnector3">
             <a:avLst>
-              <a:gd name="adj1" fmla="val 13543"/>
+              <a:gd name="adj1" fmla="val 15139"/>
             </a:avLst>
           </a:prstGeom>
           <a:ln w="19050">
@@ -7480,7 +7434,7 @@
         </p:nvSpPr>
         <p:spPr>
           <a:xfrm>
-            <a:off x="8123164" y="3782654"/>
+            <a:off x="8123164" y="4103291"/>
             <a:ext cx="528095" cy="246221"/>
           </a:xfrm>
           <a:prstGeom prst="rect">
@@ -7515,7 +7469,7 @@
         </p:nvSpPr>
         <p:spPr>
           <a:xfrm>
-            <a:off x="9497873" y="4861851"/>
+            <a:off x="9272238" y="4927164"/>
             <a:ext cx="499331" cy="246221"/>
           </a:xfrm>
           <a:prstGeom prst="rect">
@@ -7553,13 +7507,13 @@
           <p:nvPr/>
         </p:nvCxnSpPr>
         <p:spPr>
-          <a:xfrm rot="5400000" flipH="1">
-            <a:off x="6976259" y="2781976"/>
-            <a:ext cx="37812" cy="5800845"/>
+          <a:xfrm rot="5400000">
+            <a:off x="6853750" y="3007609"/>
+            <a:ext cx="57194" cy="5575210"/>
           </a:xfrm>
           <a:prstGeom prst="bentConnector3">
             <a:avLst>
-              <a:gd name="adj1" fmla="val -604570"/>
+              <a:gd name="adj1" fmla="val 499692"/>
             </a:avLst>
           </a:prstGeom>
           <a:ln w="19050">
@@ -7596,7 +7550,7 @@
         </p:nvSpPr>
         <p:spPr>
           <a:xfrm>
-            <a:off x="4108637" y="5639793"/>
+            <a:off x="4108637" y="5800112"/>
             <a:ext cx="405123" cy="246221"/>
           </a:xfrm>
           <a:prstGeom prst="rect">
@@ -7631,7 +7585,7 @@
         </p:nvSpPr>
         <p:spPr>
           <a:xfrm>
-            <a:off x="5359915" y="5715926"/>
+            <a:off x="5359915" y="5852389"/>
             <a:ext cx="2743409" cy="246221"/>
           </a:xfrm>
           <a:prstGeom prst="rect">
@@ -7670,7 +7624,7 @@
         </p:nvSpPr>
         <p:spPr>
           <a:xfrm>
-            <a:off x="10236955" y="6081019"/>
+            <a:off x="9946008" y="5986017"/>
             <a:ext cx="1524638" cy="601464"/>
           </a:xfrm>
           <a:prstGeom prst="rect">
@@ -7766,12 +7720,12 @@
         </p:nvCxnSpPr>
         <p:spPr>
           <a:xfrm rot="16200000" flipH="1">
-            <a:off x="7176338" y="2258083"/>
-            <a:ext cx="3961656" cy="3684216"/>
+            <a:off x="7238684" y="2516373"/>
+            <a:ext cx="3546017" cy="3393269"/>
           </a:xfrm>
           <a:prstGeom prst="bentConnector3">
             <a:avLst>
-              <a:gd name="adj1" fmla="val 10282"/>
+              <a:gd name="adj1" fmla="val 11655"/>
             </a:avLst>
           </a:prstGeom>
           <a:ln w="19050">
@@ -7808,7 +7762,7 @@
         </p:nvSpPr>
         <p:spPr>
           <a:xfrm>
-            <a:off x="10651080" y="5883154"/>
+            <a:off x="10360133" y="5788152"/>
             <a:ext cx="465084" cy="246221"/>
           </a:xfrm>
           <a:prstGeom prst="rect">
@@ -7843,7 +7797,7 @@
         </p:nvSpPr>
         <p:spPr>
           <a:xfrm>
-            <a:off x="9876057" y="4374795"/>
+            <a:off x="9650422" y="4440108"/>
             <a:ext cx="964247" cy="646331"/>
           </a:xfrm>
           <a:prstGeom prst="rect">
@@ -7896,7 +7850,7 @@
         </p:nvSpPr>
         <p:spPr>
           <a:xfrm>
-            <a:off x="11047631" y="5805412"/>
+            <a:off x="10682857" y="5593418"/>
             <a:ext cx="1089470" cy="276999"/>
           </a:xfrm>
           <a:prstGeom prst="rect">
@@ -7953,8 +7907,8 @@
         </p:nvCxnSpPr>
         <p:spPr>
           <a:xfrm rot="10800000">
-            <a:off x="3675315" y="5678331"/>
-            <a:ext cx="6561640" cy="703420"/>
+            <a:off x="3670520" y="5838651"/>
+            <a:ext cx="6275489" cy="448099"/>
           </a:xfrm>
           <a:prstGeom prst="bentConnector2">
             <a:avLst/>
@@ -7993,7 +7947,7 @@
         </p:nvSpPr>
         <p:spPr>
           <a:xfrm>
-            <a:off x="3306584" y="5636933"/>
+            <a:off x="3306584" y="5797252"/>
             <a:ext cx="405123" cy="246221"/>
           </a:xfrm>
           <a:prstGeom prst="rect">
@@ -8028,7 +7982,7 @@
         </p:nvSpPr>
         <p:spPr>
           <a:xfrm>
-            <a:off x="7930084" y="1744286"/>
+            <a:off x="7930084" y="2064923"/>
             <a:ext cx="1089034" cy="246221"/>
           </a:xfrm>
           <a:prstGeom prst="rect">
@@ -8068,8 +8022,8 @@
         </p:nvSpPr>
         <p:spPr>
           <a:xfrm>
-            <a:off x="9370830" y="1666665"/>
-            <a:ext cx="1572937" cy="555176"/>
+            <a:off x="9139262" y="1987302"/>
+            <a:ext cx="1443992" cy="555176"/>
           </a:xfrm>
           <a:prstGeom prst="rect">
             <a:avLst/>
@@ -8160,7 +8114,7 @@
         </p:nvSpPr>
         <p:spPr>
           <a:xfrm>
-            <a:off x="5359915" y="6175554"/>
+            <a:off x="5359915" y="6074615"/>
             <a:ext cx="2743409" cy="246221"/>
           </a:xfrm>
           <a:prstGeom prst="rect">
@@ -8199,7 +8153,7 @@
         </p:nvSpPr>
         <p:spPr>
           <a:xfrm>
-            <a:off x="8144198" y="4503662"/>
+            <a:off x="8144198" y="4824299"/>
             <a:ext cx="96711" cy="132280"/>
           </a:xfrm>
           <a:prstGeom prst="rect">
@@ -8245,7 +8199,7 @@
         </p:nvSpPr>
         <p:spPr>
           <a:xfrm>
-            <a:off x="7677405" y="4039239"/>
+            <a:off x="7677405" y="4359876"/>
             <a:ext cx="1650670" cy="648890"/>
           </a:xfrm>
           <a:prstGeom prst="rect">
@@ -8337,7 +8291,7 @@
         </p:nvSpPr>
         <p:spPr>
           <a:xfrm>
-            <a:off x="5941826" y="1366727"/>
+            <a:off x="5941826" y="1687364"/>
             <a:ext cx="105126" cy="385186"/>
           </a:xfrm>
           <a:prstGeom prst="rect">
@@ -8383,7 +8337,7 @@
         </p:nvSpPr>
         <p:spPr>
           <a:xfrm>
-            <a:off x="7174343" y="1371597"/>
+            <a:off x="7174343" y="1692234"/>
             <a:ext cx="180469" cy="125810"/>
           </a:xfrm>
           <a:prstGeom prst="rect">
@@ -8429,7 +8383,7 @@
         </p:nvSpPr>
         <p:spPr>
           <a:xfrm>
-            <a:off x="5807951" y="1361626"/>
+            <a:off x="5807951" y="1682263"/>
             <a:ext cx="1623937" cy="766043"/>
           </a:xfrm>
           <a:prstGeom prst="rect">
@@ -8521,7 +8475,7 @@
         </p:nvSpPr>
         <p:spPr>
           <a:xfrm>
-            <a:off x="4046386" y="5531212"/>
+            <a:off x="4046386" y="5691531"/>
             <a:ext cx="96711" cy="132280"/>
           </a:xfrm>
           <a:prstGeom prst="rect">
@@ -8555,6 +8509,284 @@
       </p:sp>
       <p:sp>
         <p:nvSpPr>
+          <p:cNvPr id="124" name="Rectangle 123">
+            <a:extLst>
+              <a:ext uri="{FF2B5EF4-FFF2-40B4-BE49-F238E27FC236}">
+                <a16:creationId xmlns:a16="http://schemas.microsoft.com/office/drawing/2014/main" id="{529A5B53-3565-479E-B2DB-9E790BF7326B}"/>
+              </a:ext>
+            </a:extLst>
+          </p:cNvPr>
+          <p:cNvSpPr/>
+          <p:nvPr/>
+        </p:nvSpPr>
+        <p:spPr>
+          <a:xfrm>
+            <a:off x="6032342" y="487670"/>
+            <a:ext cx="1232235" cy="612769"/>
+          </a:xfrm>
+          <a:prstGeom prst="rect">
+            <a:avLst/>
+          </a:prstGeom>
+          <a:solidFill>
+            <a:schemeClr val="bg1"/>
+          </a:solidFill>
+          <a:ln>
+            <a:solidFill>
+              <a:schemeClr val="accent1"/>
+            </a:solidFill>
+          </a:ln>
+          <a:effectLst/>
+        </p:spPr>
+        <p:style>
+          <a:lnRef idx="2">
+            <a:schemeClr val="accent1">
+              <a:shade val="50000"/>
+            </a:schemeClr>
+          </a:lnRef>
+          <a:fillRef idx="1">
+            <a:schemeClr val="accent1"/>
+          </a:fillRef>
+          <a:effectRef idx="0">
+            <a:schemeClr val="accent1"/>
+          </a:effectRef>
+          <a:fontRef idx="minor">
+            <a:schemeClr val="lt1"/>
+          </a:fontRef>
+        </p:style>
+        <p:txBody>
+          <a:bodyPr rtlCol="0" anchor="ctr"/>
+          <a:lstStyle/>
+          <a:p>
+            <a:pPr algn="ctr"/>
+            <a:r>
+              <a:rPr lang="en-US" sz="1200" noProof="1">
+                <a:solidFill>
+                  <a:srgbClr val="0070C0"/>
+                </a:solidFill>
+              </a:rPr>
+              <a:t>Any</a:t>
+            </a:r>
+          </a:p>
+        </p:txBody>
+      </p:sp>
+      <p:cxnSp>
+        <p:nvCxnSpPr>
+          <p:cNvPr id="125" name="Connecteur : en angle 124">
+            <a:extLst>
+              <a:ext uri="{FF2B5EF4-FFF2-40B4-BE49-F238E27FC236}">
+                <a16:creationId xmlns:a16="http://schemas.microsoft.com/office/drawing/2014/main" id="{09B48E84-9AE2-405A-9022-0EBD678895E9}"/>
+              </a:ext>
+            </a:extLst>
+          </p:cNvPr>
+          <p:cNvCxnSpPr>
+            <a:cxnSpLocks/>
+            <a:stCxn id="30" idx="3"/>
+            <a:endCxn id="124" idx="1"/>
+          </p:cNvCxnSpPr>
+          <p:nvPr/>
+        </p:nvCxnSpPr>
+        <p:spPr>
+          <a:xfrm flipV="1">
+            <a:off x="4434979" y="794055"/>
+            <a:ext cx="1597363" cy="1"/>
+          </a:xfrm>
+          <a:prstGeom prst="bentConnector3">
+            <a:avLst>
+              <a:gd name="adj1" fmla="val 50000"/>
+            </a:avLst>
+          </a:prstGeom>
+          <a:ln w="19050">
+            <a:headEnd type="none" w="med" len="med"/>
+            <a:tailEnd type="arrow" w="med" len="med"/>
+          </a:ln>
+        </p:spPr>
+        <p:style>
+          <a:lnRef idx="1">
+            <a:schemeClr val="accent1"/>
+          </a:lnRef>
+          <a:fillRef idx="0">
+            <a:schemeClr val="accent1"/>
+          </a:fillRef>
+          <a:effectRef idx="0">
+            <a:schemeClr val="accent1"/>
+          </a:effectRef>
+          <a:fontRef idx="minor">
+            <a:schemeClr val="tx1"/>
+          </a:fontRef>
+        </p:style>
+      </p:cxnSp>
+      <p:cxnSp>
+        <p:nvCxnSpPr>
+          <p:cNvPr id="135" name="Connecteur : en angle 134">
+            <a:extLst>
+              <a:ext uri="{FF2B5EF4-FFF2-40B4-BE49-F238E27FC236}">
+                <a16:creationId xmlns:a16="http://schemas.microsoft.com/office/drawing/2014/main" id="{D9F558CD-5D97-44CA-BC1C-9433EA040700}"/>
+              </a:ext>
+            </a:extLst>
+          </p:cNvPr>
+          <p:cNvCxnSpPr>
+            <a:cxnSpLocks/>
+            <a:stCxn id="46" idx="1"/>
+            <a:endCxn id="124" idx="3"/>
+          </p:cNvCxnSpPr>
+          <p:nvPr/>
+        </p:nvCxnSpPr>
+        <p:spPr>
+          <a:xfrm rot="10800000">
+            <a:off x="7264578" y="794056"/>
+            <a:ext cx="1854395" cy="1"/>
+          </a:xfrm>
+          <a:prstGeom prst="bentConnector3">
+            <a:avLst>
+              <a:gd name="adj1" fmla="val 50000"/>
+            </a:avLst>
+          </a:prstGeom>
+          <a:ln w="19050">
+            <a:headEnd type="none" w="med" len="med"/>
+            <a:tailEnd type="arrow" w="med" len="med"/>
+          </a:ln>
+        </p:spPr>
+        <p:style>
+          <a:lnRef idx="1">
+            <a:schemeClr val="accent1"/>
+          </a:lnRef>
+          <a:fillRef idx="0">
+            <a:schemeClr val="accent1"/>
+          </a:fillRef>
+          <a:effectRef idx="0">
+            <a:schemeClr val="accent1"/>
+          </a:effectRef>
+          <a:fontRef idx="minor">
+            <a:schemeClr val="tx1"/>
+          </a:fontRef>
+        </p:style>
+      </p:cxnSp>
+      <p:sp>
+        <p:nvSpPr>
+          <p:cNvPr id="138" name="ZoneTexte 137">
+            <a:extLst>
+              <a:ext uri="{FF2B5EF4-FFF2-40B4-BE49-F238E27FC236}">
+                <a16:creationId xmlns:a16="http://schemas.microsoft.com/office/drawing/2014/main" id="{EB604591-8E0B-4FE6-8C2E-36FF9685F168}"/>
+              </a:ext>
+            </a:extLst>
+          </p:cNvPr>
+          <p:cNvSpPr txBox="1"/>
+          <p:nvPr/>
+        </p:nvSpPr>
+        <p:spPr>
+          <a:xfrm>
+            <a:off x="4538596" y="566938"/>
+            <a:ext cx="679239" cy="246221"/>
+          </a:xfrm>
+          <a:prstGeom prst="rect">
+            <a:avLst/>
+          </a:prstGeom>
+          <a:noFill/>
+        </p:spPr>
+        <p:txBody>
+          <a:bodyPr wrap="square" rtlCol="0">
+            <a:spAutoFit/>
+          </a:bodyPr>
+          <a:lstStyle/>
+          <a:p>
+            <a:r>
+              <a:rPr lang="en-US" sz="1000" noProof="1">
+                <a:solidFill>
+                  <a:srgbClr val="0070C0"/>
+                </a:solidFill>
+              </a:rPr>
+              <a:t>subject</a:t>
+            </a:r>
+          </a:p>
+        </p:txBody>
+      </p:sp>
+      <p:sp>
+        <p:nvSpPr>
+          <p:cNvPr id="139" name="ZoneTexte 138">
+            <a:extLst>
+              <a:ext uri="{FF2B5EF4-FFF2-40B4-BE49-F238E27FC236}">
+                <a16:creationId xmlns:a16="http://schemas.microsoft.com/office/drawing/2014/main" id="{8A597F53-2973-4527-9BDC-03485142C35D}"/>
+              </a:ext>
+            </a:extLst>
+          </p:cNvPr>
+          <p:cNvSpPr txBox="1"/>
+          <p:nvPr/>
+        </p:nvSpPr>
+        <p:spPr>
+          <a:xfrm>
+            <a:off x="8399063" y="557603"/>
+            <a:ext cx="679239" cy="246221"/>
+          </a:xfrm>
+          <a:prstGeom prst="rect">
+            <a:avLst/>
+          </a:prstGeom>
+          <a:noFill/>
+        </p:spPr>
+        <p:txBody>
+          <a:bodyPr wrap="square" rtlCol="0">
+            <a:spAutoFit/>
+          </a:bodyPr>
+          <a:lstStyle/>
+          <a:p>
+            <a:r>
+              <a:rPr lang="en-US" sz="1000" noProof="1">
+                <a:solidFill>
+                  <a:srgbClr val="0070C0"/>
+                </a:solidFill>
+              </a:rPr>
+              <a:t>subject</a:t>
+            </a:r>
+          </a:p>
+        </p:txBody>
+      </p:sp>
+      <p:sp>
+        <p:nvSpPr>
+          <p:cNvPr id="10" name="Rectangle 9">
+            <a:extLst>
+              <a:ext uri="{FF2B5EF4-FFF2-40B4-BE49-F238E27FC236}">
+                <a16:creationId xmlns:a16="http://schemas.microsoft.com/office/drawing/2014/main" id="{15FC076F-2815-4F6B-9F59-C31CB1C19DCA}"/>
+              </a:ext>
+            </a:extLst>
+          </p:cNvPr>
+          <p:cNvSpPr/>
+          <p:nvPr/>
+        </p:nvSpPr>
+        <p:spPr>
+          <a:xfrm>
+            <a:off x="3403578" y="5056270"/>
+            <a:ext cx="96711" cy="132280"/>
+          </a:xfrm>
+          <a:prstGeom prst="rect">
+            <a:avLst/>
+          </a:prstGeom>
+        </p:spPr>
+        <p:style>
+          <a:lnRef idx="2">
+            <a:schemeClr val="accent1">
+              <a:shade val="50000"/>
+            </a:schemeClr>
+          </a:lnRef>
+          <a:fillRef idx="1">
+            <a:schemeClr val="accent1"/>
+          </a:fillRef>
+          <a:effectRef idx="0">
+            <a:schemeClr val="accent1"/>
+          </a:effectRef>
+          <a:fontRef idx="minor">
+            <a:schemeClr val="lt1"/>
+          </a:fontRef>
+        </p:style>
+        <p:txBody>
+          <a:bodyPr rtlCol="0" anchor="ctr"/>
+          <a:lstStyle/>
+          <a:p>
+            <a:pPr algn="ctr"/>
+            <a:endParaRPr lang="fr-FR" sz="1050"/>
+          </a:p>
+        </p:txBody>
+      </p:sp>
+      <p:sp>
+        <p:nvSpPr>
           <p:cNvPr id="113" name="Rectangle 112">
             <a:extLst>
               <a:ext uri="{FF2B5EF4-FFF2-40B4-BE49-F238E27FC236}">
@@ -8567,8 +8799,8 @@
         </p:nvSpPr>
         <p:spPr>
           <a:xfrm>
-            <a:off x="2850084" y="4881851"/>
-            <a:ext cx="1650461" cy="796480"/>
+            <a:off x="2840492" y="5042170"/>
+            <a:ext cx="1660053" cy="796480"/>
           </a:xfrm>
           <a:prstGeom prst="rect">
             <a:avLst/>
@@ -8634,5347 +8866,47 @@
           </a:p>
         </p:txBody>
       </p:sp>
+      <p:sp>
+        <p:nvSpPr>
+          <p:cNvPr id="141" name="ZoneTexte 140">
+            <a:extLst>
+              <a:ext uri="{FF2B5EF4-FFF2-40B4-BE49-F238E27FC236}">
+                <a16:creationId xmlns:a16="http://schemas.microsoft.com/office/drawing/2014/main" id="{B12EA8E9-65D2-4845-8382-719149651DED}"/>
+              </a:ext>
+            </a:extLst>
+          </p:cNvPr>
+          <p:cNvSpPr txBox="1"/>
+          <p:nvPr/>
+        </p:nvSpPr>
+        <p:spPr>
+          <a:xfrm>
+            <a:off x="5682581" y="29873"/>
+            <a:ext cx="1931755" cy="461665"/>
+          </a:xfrm>
+          <a:prstGeom prst="rect">
+            <a:avLst/>
+          </a:prstGeom>
+          <a:noFill/>
+        </p:spPr>
+        <p:txBody>
+          <a:bodyPr wrap="square" rtlCol="0">
+            <a:spAutoFit/>
+          </a:bodyPr>
+          <a:lstStyle/>
+          <a:p>
+            <a:pPr algn="ctr"/>
+            <a:r>
+              <a:rPr lang="en-US" sz="1200" i="1" dirty="0"/>
+              <a:t>Plan or set of dispositions subject of the catalog</a:t>
+            </a:r>
+            <a:endParaRPr lang="fr-FR" dirty="0"/>
+          </a:p>
+        </p:txBody>
+      </p:sp>
     </p:spTree>
     <p:extLst>
       <p:ext uri="{BB962C8B-B14F-4D97-AF65-F5344CB8AC3E}">
         <p14:creationId xmlns:p14="http://schemas.microsoft.com/office/powerpoint/2010/main" val="43686678"/>
-      </p:ext>
-    </p:extLst>
-  </p:cSld>
-  <p:clrMapOvr>
-    <a:masterClrMapping/>
-  </p:clrMapOvr>
-</p:sld>
-</file>
-
-<file path=ppt/slides/slide2.xml><?xml version="1.0" encoding="utf-8"?>
-<p:sld xmlns:a="http://schemas.openxmlformats.org/drawingml/2006/main" xmlns:r="http://schemas.openxmlformats.org/officeDocument/2006/relationships" xmlns:p="http://schemas.openxmlformats.org/presentationml/2006/main">
-  <p:cSld>
-    <p:spTree>
-      <p:nvGrpSpPr>
-        <p:cNvPr id="1" name=""/>
-        <p:cNvGrpSpPr/>
-        <p:nvPr/>
-      </p:nvGrpSpPr>
-      <p:grpSpPr>
-        <a:xfrm>
-          <a:off x="0" y="0"/>
-          <a:ext cx="0" cy="0"/>
-          <a:chOff x="0" y="0"/>
-          <a:chExt cx="0" cy="0"/>
-        </a:xfrm>
-      </p:grpSpPr>
-      <p:sp>
-        <p:nvSpPr>
-          <p:cNvPr id="4" name="Rectangle 3">
-            <a:extLst>
-              <a:ext uri="{FF2B5EF4-FFF2-40B4-BE49-F238E27FC236}">
-                <a16:creationId xmlns:a16="http://schemas.microsoft.com/office/drawing/2014/main" id="{1C2734E1-F359-4769-97FE-FEBA54D39044}"/>
-              </a:ext>
-            </a:extLst>
-          </p:cNvPr>
-          <p:cNvSpPr/>
-          <p:nvPr/>
-        </p:nvSpPr>
-        <p:spPr>
-          <a:xfrm>
-            <a:off x="7281812" y="1890638"/>
-            <a:ext cx="133875" cy="105443"/>
-          </a:xfrm>
-          <a:prstGeom prst="rect">
-            <a:avLst/>
-          </a:prstGeom>
-        </p:spPr>
-        <p:style>
-          <a:lnRef idx="2">
-            <a:schemeClr val="accent1">
-              <a:shade val="50000"/>
-            </a:schemeClr>
-          </a:lnRef>
-          <a:fillRef idx="1">
-            <a:schemeClr val="accent1"/>
-          </a:fillRef>
-          <a:effectRef idx="0">
-            <a:schemeClr val="accent1"/>
-          </a:effectRef>
-          <a:fontRef idx="minor">
-            <a:schemeClr val="lt1"/>
-          </a:fontRef>
-        </p:style>
-        <p:txBody>
-          <a:bodyPr rtlCol="0" anchor="ctr"/>
-          <a:lstStyle/>
-          <a:p>
-            <a:pPr algn="ctr"/>
-            <a:endParaRPr lang="en-US" sz="2000"/>
-          </a:p>
-        </p:txBody>
-      </p:sp>
-      <p:sp>
-        <p:nvSpPr>
-          <p:cNvPr id="6" name="Rectangle 5">
-            <a:extLst>
-              <a:ext uri="{FF2B5EF4-FFF2-40B4-BE49-F238E27FC236}">
-                <a16:creationId xmlns:a16="http://schemas.microsoft.com/office/drawing/2014/main" id="{12D22DF3-11AA-4B62-9717-84E798D0AB58}"/>
-              </a:ext>
-            </a:extLst>
-          </p:cNvPr>
-          <p:cNvSpPr/>
-          <p:nvPr/>
-        </p:nvSpPr>
-        <p:spPr>
-          <a:xfrm>
-            <a:off x="3403581" y="3888225"/>
-            <a:ext cx="96711" cy="132280"/>
-          </a:xfrm>
-          <a:prstGeom prst="rect">
-            <a:avLst/>
-          </a:prstGeom>
-        </p:spPr>
-        <p:style>
-          <a:lnRef idx="2">
-            <a:schemeClr val="accent1">
-              <a:shade val="50000"/>
-            </a:schemeClr>
-          </a:lnRef>
-          <a:fillRef idx="1">
-            <a:schemeClr val="accent1"/>
-          </a:fillRef>
-          <a:effectRef idx="0">
-            <a:schemeClr val="accent1"/>
-          </a:effectRef>
-          <a:fontRef idx="minor">
-            <a:schemeClr val="lt1"/>
-          </a:fontRef>
-        </p:style>
-        <p:txBody>
-          <a:bodyPr rtlCol="0" anchor="ctr"/>
-          <a:lstStyle/>
-          <a:p>
-            <a:pPr algn="ctr"/>
-            <a:endParaRPr lang="fr-FR" sz="1050"/>
-          </a:p>
-        </p:txBody>
-      </p:sp>
-      <p:sp>
-        <p:nvSpPr>
-          <p:cNvPr id="7" name="Rectangle 6">
-            <a:extLst>
-              <a:ext uri="{FF2B5EF4-FFF2-40B4-BE49-F238E27FC236}">
-                <a16:creationId xmlns:a16="http://schemas.microsoft.com/office/drawing/2014/main" id="{7286C0EF-6FCF-4345-9BAD-7D7CE9C12061}"/>
-              </a:ext>
-            </a:extLst>
-          </p:cNvPr>
-          <p:cNvSpPr/>
-          <p:nvPr/>
-        </p:nvSpPr>
-        <p:spPr>
-          <a:xfrm>
-            <a:off x="2932058" y="3888225"/>
-            <a:ext cx="96711" cy="132280"/>
-          </a:xfrm>
-          <a:prstGeom prst="rect">
-            <a:avLst/>
-          </a:prstGeom>
-        </p:spPr>
-        <p:style>
-          <a:lnRef idx="2">
-            <a:schemeClr val="accent1">
-              <a:shade val="50000"/>
-            </a:schemeClr>
-          </a:lnRef>
-          <a:fillRef idx="1">
-            <a:schemeClr val="accent1"/>
-          </a:fillRef>
-          <a:effectRef idx="0">
-            <a:schemeClr val="accent1"/>
-          </a:effectRef>
-          <a:fontRef idx="minor">
-            <a:schemeClr val="lt1"/>
-          </a:fontRef>
-        </p:style>
-        <p:txBody>
-          <a:bodyPr rtlCol="0" anchor="ctr"/>
-          <a:lstStyle/>
-          <a:p>
-            <a:pPr algn="ctr"/>
-            <a:endParaRPr lang="fr-FR" sz="1050"/>
-          </a:p>
-        </p:txBody>
-      </p:sp>
-      <p:sp>
-        <p:nvSpPr>
-          <p:cNvPr id="8" name="Rectangle 7">
-            <a:extLst>
-              <a:ext uri="{FF2B5EF4-FFF2-40B4-BE49-F238E27FC236}">
-                <a16:creationId xmlns:a16="http://schemas.microsoft.com/office/drawing/2014/main" id="{7FBC6CBA-1E1D-4C86-8A6E-5354DD9A7ABB}"/>
-              </a:ext>
-            </a:extLst>
-          </p:cNvPr>
-          <p:cNvSpPr/>
-          <p:nvPr/>
-        </p:nvSpPr>
-        <p:spPr>
-          <a:xfrm>
-            <a:off x="4368628" y="3888225"/>
-            <a:ext cx="96711" cy="132280"/>
-          </a:xfrm>
-          <a:prstGeom prst="rect">
-            <a:avLst/>
-          </a:prstGeom>
-        </p:spPr>
-        <p:style>
-          <a:lnRef idx="2">
-            <a:schemeClr val="accent1">
-              <a:shade val="50000"/>
-            </a:schemeClr>
-          </a:lnRef>
-          <a:fillRef idx="1">
-            <a:schemeClr val="accent1"/>
-          </a:fillRef>
-          <a:effectRef idx="0">
-            <a:schemeClr val="accent1"/>
-          </a:effectRef>
-          <a:fontRef idx="minor">
-            <a:schemeClr val="lt1"/>
-          </a:fontRef>
-        </p:style>
-        <p:txBody>
-          <a:bodyPr rtlCol="0" anchor="ctr"/>
-          <a:lstStyle/>
-          <a:p>
-            <a:pPr algn="ctr"/>
-            <a:endParaRPr lang="fr-FR" sz="1050"/>
-          </a:p>
-        </p:txBody>
-      </p:sp>
-      <p:sp>
-        <p:nvSpPr>
-          <p:cNvPr id="9" name="Rectangle 8">
-            <a:extLst>
-              <a:ext uri="{FF2B5EF4-FFF2-40B4-BE49-F238E27FC236}">
-                <a16:creationId xmlns:a16="http://schemas.microsoft.com/office/drawing/2014/main" id="{2C635D77-73C0-40ED-83FA-5D48DECD3C92}"/>
-              </a:ext>
-            </a:extLst>
-          </p:cNvPr>
-          <p:cNvSpPr/>
-          <p:nvPr/>
-        </p:nvSpPr>
-        <p:spPr>
-          <a:xfrm>
-            <a:off x="3952529" y="3888225"/>
-            <a:ext cx="96711" cy="132280"/>
-          </a:xfrm>
-          <a:prstGeom prst="rect">
-            <a:avLst/>
-          </a:prstGeom>
-        </p:spPr>
-        <p:style>
-          <a:lnRef idx="2">
-            <a:schemeClr val="accent1">
-              <a:shade val="50000"/>
-            </a:schemeClr>
-          </a:lnRef>
-          <a:fillRef idx="1">
-            <a:schemeClr val="accent1"/>
-          </a:fillRef>
-          <a:effectRef idx="0">
-            <a:schemeClr val="accent1"/>
-          </a:effectRef>
-          <a:fontRef idx="minor">
-            <a:schemeClr val="lt1"/>
-          </a:fontRef>
-        </p:style>
-        <p:txBody>
-          <a:bodyPr rtlCol="0" anchor="ctr"/>
-          <a:lstStyle/>
-          <a:p>
-            <a:pPr algn="ctr"/>
-            <a:endParaRPr lang="fr-FR" sz="1050"/>
-          </a:p>
-        </p:txBody>
-      </p:sp>
-      <p:sp>
-        <p:nvSpPr>
-          <p:cNvPr id="10" name="Rectangle 9">
-            <a:extLst>
-              <a:ext uri="{FF2B5EF4-FFF2-40B4-BE49-F238E27FC236}">
-                <a16:creationId xmlns:a16="http://schemas.microsoft.com/office/drawing/2014/main" id="{15FC076F-2815-4F6B-9F59-C31CB1C19DCA}"/>
-              </a:ext>
-            </a:extLst>
-          </p:cNvPr>
-          <p:cNvSpPr/>
-          <p:nvPr/>
-        </p:nvSpPr>
-        <p:spPr>
-          <a:xfrm>
-            <a:off x="3540148" y="4890013"/>
-            <a:ext cx="96711" cy="132280"/>
-          </a:xfrm>
-          <a:prstGeom prst="rect">
-            <a:avLst/>
-          </a:prstGeom>
-        </p:spPr>
-        <p:style>
-          <a:lnRef idx="2">
-            <a:schemeClr val="accent1">
-              <a:shade val="50000"/>
-            </a:schemeClr>
-          </a:lnRef>
-          <a:fillRef idx="1">
-            <a:schemeClr val="accent1"/>
-          </a:fillRef>
-          <a:effectRef idx="0">
-            <a:schemeClr val="accent1"/>
-          </a:effectRef>
-          <a:fontRef idx="minor">
-            <a:schemeClr val="lt1"/>
-          </a:fontRef>
-        </p:style>
-        <p:txBody>
-          <a:bodyPr rtlCol="0" anchor="ctr"/>
-          <a:lstStyle/>
-          <a:p>
-            <a:pPr algn="ctr"/>
-            <a:endParaRPr lang="fr-FR" sz="1050"/>
-          </a:p>
-        </p:txBody>
-      </p:sp>
-      <p:sp>
-        <p:nvSpPr>
-          <p:cNvPr id="11" name="Rectangle 10">
-            <a:extLst>
-              <a:ext uri="{FF2B5EF4-FFF2-40B4-BE49-F238E27FC236}">
-                <a16:creationId xmlns:a16="http://schemas.microsoft.com/office/drawing/2014/main" id="{399528D9-627B-4589-A941-3F6167AAE7F5}"/>
-              </a:ext>
-            </a:extLst>
-          </p:cNvPr>
-          <p:cNvSpPr/>
-          <p:nvPr/>
-        </p:nvSpPr>
-        <p:spPr>
-          <a:xfrm>
-            <a:off x="2924884" y="4890013"/>
-            <a:ext cx="96711" cy="132280"/>
-          </a:xfrm>
-          <a:prstGeom prst="rect">
-            <a:avLst/>
-          </a:prstGeom>
-        </p:spPr>
-        <p:style>
-          <a:lnRef idx="2">
-            <a:schemeClr val="accent1">
-              <a:shade val="50000"/>
-            </a:schemeClr>
-          </a:lnRef>
-          <a:fillRef idx="1">
-            <a:schemeClr val="accent1"/>
-          </a:fillRef>
-          <a:effectRef idx="0">
-            <a:schemeClr val="accent1"/>
-          </a:effectRef>
-          <a:fontRef idx="minor">
-            <a:schemeClr val="lt1"/>
-          </a:fontRef>
-        </p:style>
-        <p:txBody>
-          <a:bodyPr rtlCol="0" anchor="ctr"/>
-          <a:lstStyle/>
-          <a:p>
-            <a:pPr algn="ctr"/>
-            <a:endParaRPr lang="fr-FR" sz="1050"/>
-          </a:p>
-        </p:txBody>
-      </p:sp>
-      <p:sp>
-        <p:nvSpPr>
-          <p:cNvPr id="12" name="Rectangle 11">
-            <a:extLst>
-              <a:ext uri="{FF2B5EF4-FFF2-40B4-BE49-F238E27FC236}">
-                <a16:creationId xmlns:a16="http://schemas.microsoft.com/office/drawing/2014/main" id="{F859BDC2-3754-46F5-AAEA-B73630D9EF4B}"/>
-              </a:ext>
-            </a:extLst>
-          </p:cNvPr>
-          <p:cNvSpPr/>
-          <p:nvPr/>
-        </p:nvSpPr>
-        <p:spPr>
-          <a:xfrm>
-            <a:off x="4380504" y="4884074"/>
-            <a:ext cx="96673" cy="307751"/>
-          </a:xfrm>
-          <a:prstGeom prst="rect">
-            <a:avLst/>
-          </a:prstGeom>
-        </p:spPr>
-        <p:style>
-          <a:lnRef idx="2">
-            <a:schemeClr val="accent1">
-              <a:shade val="50000"/>
-            </a:schemeClr>
-          </a:lnRef>
-          <a:fillRef idx="1">
-            <a:schemeClr val="accent1"/>
-          </a:fillRef>
-          <a:effectRef idx="0">
-            <a:schemeClr val="accent1"/>
-          </a:effectRef>
-          <a:fontRef idx="minor">
-            <a:schemeClr val="lt1"/>
-          </a:fontRef>
-        </p:style>
-        <p:txBody>
-          <a:bodyPr rtlCol="0" anchor="ctr"/>
-          <a:lstStyle/>
-          <a:p>
-            <a:pPr algn="ctr"/>
-            <a:endParaRPr lang="fr-FR" sz="1050"/>
-          </a:p>
-        </p:txBody>
-      </p:sp>
-      <p:sp>
-        <p:nvSpPr>
-          <p:cNvPr id="13" name="Rectangle 12">
-            <a:extLst>
-              <a:ext uri="{FF2B5EF4-FFF2-40B4-BE49-F238E27FC236}">
-                <a16:creationId xmlns:a16="http://schemas.microsoft.com/office/drawing/2014/main" id="{C235FCE9-87B1-495B-99E4-B4F7FC99D2E1}"/>
-              </a:ext>
-            </a:extLst>
-          </p:cNvPr>
-          <p:cNvSpPr/>
-          <p:nvPr/>
-        </p:nvSpPr>
-        <p:spPr>
-          <a:xfrm>
-            <a:off x="3952529" y="4890013"/>
-            <a:ext cx="96711" cy="132280"/>
-          </a:xfrm>
-          <a:prstGeom prst="rect">
-            <a:avLst/>
-          </a:prstGeom>
-        </p:spPr>
-        <p:style>
-          <a:lnRef idx="2">
-            <a:schemeClr val="accent1">
-              <a:shade val="50000"/>
-            </a:schemeClr>
-          </a:lnRef>
-          <a:fillRef idx="1">
-            <a:schemeClr val="accent1"/>
-          </a:fillRef>
-          <a:effectRef idx="0">
-            <a:schemeClr val="accent1"/>
-          </a:effectRef>
-          <a:fontRef idx="minor">
-            <a:schemeClr val="lt1"/>
-          </a:fontRef>
-        </p:style>
-        <p:txBody>
-          <a:bodyPr rtlCol="0" anchor="ctr"/>
-          <a:lstStyle/>
-          <a:p>
-            <a:pPr algn="ctr"/>
-            <a:endParaRPr lang="fr-FR" sz="1050"/>
-          </a:p>
-        </p:txBody>
-      </p:sp>
-      <p:sp>
-        <p:nvSpPr>
-          <p:cNvPr id="14" name="Rectangle 13">
-            <a:extLst>
-              <a:ext uri="{FF2B5EF4-FFF2-40B4-BE49-F238E27FC236}">
-                <a16:creationId xmlns:a16="http://schemas.microsoft.com/office/drawing/2014/main" id="{A4A143D3-BA3A-4CFC-86FD-F69765223445}"/>
-              </a:ext>
-            </a:extLst>
-          </p:cNvPr>
-          <p:cNvSpPr/>
-          <p:nvPr/>
-        </p:nvSpPr>
-        <p:spPr>
-          <a:xfrm>
-            <a:off x="4358154" y="4889540"/>
-            <a:ext cx="133849" cy="218136"/>
-          </a:xfrm>
-          <a:prstGeom prst="rect">
-            <a:avLst/>
-          </a:prstGeom>
-        </p:spPr>
-        <p:style>
-          <a:lnRef idx="2">
-            <a:schemeClr val="accent1">
-              <a:shade val="50000"/>
-            </a:schemeClr>
-          </a:lnRef>
-          <a:fillRef idx="1">
-            <a:schemeClr val="accent1"/>
-          </a:fillRef>
-          <a:effectRef idx="0">
-            <a:schemeClr val="accent1"/>
-          </a:effectRef>
-          <a:fontRef idx="minor">
-            <a:schemeClr val="lt1"/>
-          </a:fontRef>
-        </p:style>
-        <p:txBody>
-          <a:bodyPr rtlCol="0" anchor="ctr"/>
-          <a:lstStyle/>
-          <a:p>
-            <a:pPr algn="ctr"/>
-            <a:endParaRPr lang="fr-FR" sz="1050"/>
-          </a:p>
-        </p:txBody>
-      </p:sp>
-      <p:sp>
-        <p:nvSpPr>
-          <p:cNvPr id="15" name="Rectangle 14">
-            <a:extLst>
-              <a:ext uri="{FF2B5EF4-FFF2-40B4-BE49-F238E27FC236}">
-                <a16:creationId xmlns:a16="http://schemas.microsoft.com/office/drawing/2014/main" id="{273C3EC5-ABA5-4394-8033-298E635254D7}"/>
-              </a:ext>
-            </a:extLst>
-          </p:cNvPr>
-          <p:cNvSpPr/>
-          <p:nvPr/>
-        </p:nvSpPr>
-        <p:spPr>
-          <a:xfrm>
-            <a:off x="4358155" y="5514844"/>
-            <a:ext cx="133902" cy="93761"/>
-          </a:xfrm>
-          <a:prstGeom prst="rect">
-            <a:avLst/>
-          </a:prstGeom>
-        </p:spPr>
-        <p:style>
-          <a:lnRef idx="2">
-            <a:schemeClr val="accent1">
-              <a:shade val="50000"/>
-            </a:schemeClr>
-          </a:lnRef>
-          <a:fillRef idx="1">
-            <a:schemeClr val="accent1"/>
-          </a:fillRef>
-          <a:effectRef idx="0">
-            <a:schemeClr val="accent1"/>
-          </a:effectRef>
-          <a:fontRef idx="minor">
-            <a:schemeClr val="lt1"/>
-          </a:fontRef>
-        </p:style>
-        <p:txBody>
-          <a:bodyPr rtlCol="0" anchor="ctr"/>
-          <a:lstStyle/>
-          <a:p>
-            <a:pPr algn="ctr"/>
-            <a:endParaRPr lang="fr-FR" sz="1050"/>
-          </a:p>
-        </p:txBody>
-      </p:sp>
-      <p:sp>
-        <p:nvSpPr>
-          <p:cNvPr id="16" name="Rectangle 15">
-            <a:extLst>
-              <a:ext uri="{FF2B5EF4-FFF2-40B4-BE49-F238E27FC236}">
-                <a16:creationId xmlns:a16="http://schemas.microsoft.com/office/drawing/2014/main" id="{149BF2A1-3BE5-462B-9871-DFB679C1C2CC}"/>
-              </a:ext>
-            </a:extLst>
-          </p:cNvPr>
-          <p:cNvSpPr/>
-          <p:nvPr/>
-        </p:nvSpPr>
-        <p:spPr>
-          <a:xfrm>
-            <a:off x="8475384" y="4498704"/>
-            <a:ext cx="96711" cy="132280"/>
-          </a:xfrm>
-          <a:prstGeom prst="rect">
-            <a:avLst/>
-          </a:prstGeom>
-        </p:spPr>
-        <p:style>
-          <a:lnRef idx="2">
-            <a:schemeClr val="accent1">
-              <a:shade val="50000"/>
-            </a:schemeClr>
-          </a:lnRef>
-          <a:fillRef idx="1">
-            <a:schemeClr val="accent1"/>
-          </a:fillRef>
-          <a:effectRef idx="0">
-            <a:schemeClr val="accent1"/>
-          </a:effectRef>
-          <a:fontRef idx="minor">
-            <a:schemeClr val="lt1"/>
-          </a:fontRef>
-        </p:style>
-        <p:txBody>
-          <a:bodyPr rtlCol="0" anchor="ctr"/>
-          <a:lstStyle/>
-          <a:p>
-            <a:pPr algn="ctr"/>
-            <a:endParaRPr lang="fr-FR" sz="1050"/>
-          </a:p>
-        </p:txBody>
-      </p:sp>
-      <p:sp>
-        <p:nvSpPr>
-          <p:cNvPr id="17" name="Rectangle 16">
-            <a:extLst>
-              <a:ext uri="{FF2B5EF4-FFF2-40B4-BE49-F238E27FC236}">
-                <a16:creationId xmlns:a16="http://schemas.microsoft.com/office/drawing/2014/main" id="{5A795C16-30A9-4D7E-8F50-F7432B5A4A4E}"/>
-              </a:ext>
-            </a:extLst>
-          </p:cNvPr>
-          <p:cNvSpPr/>
-          <p:nvPr/>
-        </p:nvSpPr>
-        <p:spPr>
-          <a:xfrm>
-            <a:off x="7837317" y="4498704"/>
-            <a:ext cx="96711" cy="132280"/>
-          </a:xfrm>
-          <a:prstGeom prst="rect">
-            <a:avLst/>
-          </a:prstGeom>
-        </p:spPr>
-        <p:style>
-          <a:lnRef idx="2">
-            <a:schemeClr val="accent1">
-              <a:shade val="50000"/>
-            </a:schemeClr>
-          </a:lnRef>
-          <a:fillRef idx="1">
-            <a:schemeClr val="accent1"/>
-          </a:fillRef>
-          <a:effectRef idx="0">
-            <a:schemeClr val="accent1"/>
-          </a:effectRef>
-          <a:fontRef idx="minor">
-            <a:schemeClr val="lt1"/>
-          </a:fontRef>
-        </p:style>
-        <p:txBody>
-          <a:bodyPr rtlCol="0" anchor="ctr"/>
-          <a:lstStyle/>
-          <a:p>
-            <a:pPr algn="ctr"/>
-            <a:endParaRPr lang="fr-FR" sz="1050"/>
-          </a:p>
-        </p:txBody>
-      </p:sp>
-      <p:sp>
-        <p:nvSpPr>
-          <p:cNvPr id="18" name="Rectangle 17">
-            <a:extLst>
-              <a:ext uri="{FF2B5EF4-FFF2-40B4-BE49-F238E27FC236}">
-                <a16:creationId xmlns:a16="http://schemas.microsoft.com/office/drawing/2014/main" id="{9FEA239B-6431-48ED-97E2-03C52FD078C2}"/>
-              </a:ext>
-            </a:extLst>
-          </p:cNvPr>
-          <p:cNvSpPr/>
-          <p:nvPr/>
-        </p:nvSpPr>
-        <p:spPr>
-          <a:xfrm>
-            <a:off x="5928299" y="1935576"/>
-            <a:ext cx="159533" cy="115896"/>
-          </a:xfrm>
-          <a:prstGeom prst="rect">
-            <a:avLst/>
-          </a:prstGeom>
-        </p:spPr>
-        <p:style>
-          <a:lnRef idx="2">
-            <a:schemeClr val="accent1">
-              <a:shade val="50000"/>
-            </a:schemeClr>
-          </a:lnRef>
-          <a:fillRef idx="1">
-            <a:schemeClr val="accent1"/>
-          </a:fillRef>
-          <a:effectRef idx="0">
-            <a:schemeClr val="accent1"/>
-          </a:effectRef>
-          <a:fontRef idx="minor">
-            <a:schemeClr val="lt1"/>
-          </a:fontRef>
-        </p:style>
-        <p:txBody>
-          <a:bodyPr rtlCol="0" anchor="ctr"/>
-          <a:lstStyle/>
-          <a:p>
-            <a:pPr algn="ctr"/>
-            <a:endParaRPr lang="fr-FR" sz="1050"/>
-          </a:p>
-        </p:txBody>
-      </p:sp>
-      <p:sp>
-        <p:nvSpPr>
-          <p:cNvPr id="19" name="Rectangle 18">
-            <a:extLst>
-              <a:ext uri="{FF2B5EF4-FFF2-40B4-BE49-F238E27FC236}">
-                <a16:creationId xmlns:a16="http://schemas.microsoft.com/office/drawing/2014/main" id="{9809182D-E344-4979-B1A5-4EF7697E7566}"/>
-              </a:ext>
-            </a:extLst>
-          </p:cNvPr>
-          <p:cNvSpPr/>
-          <p:nvPr/>
-        </p:nvSpPr>
-        <p:spPr>
-          <a:xfrm>
-            <a:off x="6097097" y="1369826"/>
-            <a:ext cx="159533" cy="231629"/>
-          </a:xfrm>
-          <a:prstGeom prst="rect">
-            <a:avLst/>
-          </a:prstGeom>
-        </p:spPr>
-        <p:style>
-          <a:lnRef idx="2">
-            <a:schemeClr val="accent1">
-              <a:shade val="50000"/>
-            </a:schemeClr>
-          </a:lnRef>
-          <a:fillRef idx="1">
-            <a:schemeClr val="accent1"/>
-          </a:fillRef>
-          <a:effectRef idx="0">
-            <a:schemeClr val="accent1"/>
-          </a:effectRef>
-          <a:fontRef idx="minor">
-            <a:schemeClr val="lt1"/>
-          </a:fontRef>
-        </p:style>
-        <p:txBody>
-          <a:bodyPr rtlCol="0" anchor="ctr"/>
-          <a:lstStyle/>
-          <a:p>
-            <a:pPr algn="ctr"/>
-            <a:endParaRPr lang="fr-FR" sz="1050"/>
-          </a:p>
-        </p:txBody>
-      </p:sp>
-      <p:sp>
-        <p:nvSpPr>
-          <p:cNvPr id="20" name="Rectangle 19">
-            <a:extLst>
-              <a:ext uri="{FF2B5EF4-FFF2-40B4-BE49-F238E27FC236}">
-                <a16:creationId xmlns:a16="http://schemas.microsoft.com/office/drawing/2014/main" id="{B511FCE5-AE19-411D-8B8E-78F0164873F7}"/>
-              </a:ext>
-            </a:extLst>
-          </p:cNvPr>
-          <p:cNvSpPr/>
-          <p:nvPr/>
-        </p:nvSpPr>
-        <p:spPr>
-          <a:xfrm>
-            <a:off x="3983530" y="2750588"/>
-            <a:ext cx="191812" cy="110015"/>
-          </a:xfrm>
-          <a:prstGeom prst="rect">
-            <a:avLst/>
-          </a:prstGeom>
-        </p:spPr>
-        <p:style>
-          <a:lnRef idx="2">
-            <a:schemeClr val="accent1">
-              <a:shade val="50000"/>
-            </a:schemeClr>
-          </a:lnRef>
-          <a:fillRef idx="1">
-            <a:schemeClr val="accent1"/>
-          </a:fillRef>
-          <a:effectRef idx="0">
-            <a:schemeClr val="accent1"/>
-          </a:effectRef>
-          <a:fontRef idx="minor">
-            <a:schemeClr val="lt1"/>
-          </a:fontRef>
-        </p:style>
-        <p:txBody>
-          <a:bodyPr rtlCol="0" anchor="ctr"/>
-          <a:lstStyle/>
-          <a:p>
-            <a:pPr algn="ctr"/>
-            <a:endParaRPr lang="fr-FR" sz="1050"/>
-          </a:p>
-        </p:txBody>
-      </p:sp>
-      <p:sp>
-        <p:nvSpPr>
-          <p:cNvPr id="21" name="Rectangle 20">
-            <a:extLst>
-              <a:ext uri="{FF2B5EF4-FFF2-40B4-BE49-F238E27FC236}">
-                <a16:creationId xmlns:a16="http://schemas.microsoft.com/office/drawing/2014/main" id="{B0C3C2F9-3C57-40B3-A950-A124B17C60B7}"/>
-              </a:ext>
-            </a:extLst>
-          </p:cNvPr>
-          <p:cNvSpPr/>
-          <p:nvPr/>
-        </p:nvSpPr>
-        <p:spPr>
-          <a:xfrm>
-            <a:off x="3983190" y="2315260"/>
-            <a:ext cx="191812" cy="110015"/>
-          </a:xfrm>
-          <a:prstGeom prst="rect">
-            <a:avLst/>
-          </a:prstGeom>
-        </p:spPr>
-        <p:style>
-          <a:lnRef idx="2">
-            <a:schemeClr val="accent1">
-              <a:shade val="50000"/>
-            </a:schemeClr>
-          </a:lnRef>
-          <a:fillRef idx="1">
-            <a:schemeClr val="accent1"/>
-          </a:fillRef>
-          <a:effectRef idx="0">
-            <a:schemeClr val="accent1"/>
-          </a:effectRef>
-          <a:fontRef idx="minor">
-            <a:schemeClr val="lt1"/>
-          </a:fontRef>
-        </p:style>
-        <p:txBody>
-          <a:bodyPr rtlCol="0" anchor="ctr"/>
-          <a:lstStyle/>
-          <a:p>
-            <a:pPr algn="ctr"/>
-            <a:endParaRPr lang="fr-FR" sz="1050"/>
-          </a:p>
-        </p:txBody>
-      </p:sp>
-      <p:sp>
-        <p:nvSpPr>
-          <p:cNvPr id="22" name="Rectangle 21">
-            <a:extLst>
-              <a:ext uri="{FF2B5EF4-FFF2-40B4-BE49-F238E27FC236}">
-                <a16:creationId xmlns:a16="http://schemas.microsoft.com/office/drawing/2014/main" id="{BD3B49A2-22F1-47A2-A328-3A93B0D1B894}"/>
-              </a:ext>
-            </a:extLst>
-          </p:cNvPr>
-          <p:cNvSpPr/>
-          <p:nvPr/>
-        </p:nvSpPr>
-        <p:spPr>
-          <a:xfrm>
-            <a:off x="6127590" y="1987157"/>
-            <a:ext cx="159533" cy="132280"/>
-          </a:xfrm>
-          <a:prstGeom prst="rect">
-            <a:avLst/>
-          </a:prstGeom>
-        </p:spPr>
-        <p:style>
-          <a:lnRef idx="2">
-            <a:schemeClr val="accent1">
-              <a:shade val="50000"/>
-            </a:schemeClr>
-          </a:lnRef>
-          <a:fillRef idx="1">
-            <a:schemeClr val="accent1"/>
-          </a:fillRef>
-          <a:effectRef idx="0">
-            <a:schemeClr val="accent1"/>
-          </a:effectRef>
-          <a:fontRef idx="minor">
-            <a:schemeClr val="lt1"/>
-          </a:fontRef>
-        </p:style>
-        <p:txBody>
-          <a:bodyPr rtlCol="0" anchor="ctr"/>
-          <a:lstStyle/>
-          <a:p>
-            <a:pPr algn="ctr"/>
-            <a:endParaRPr lang="fr-FR" sz="1050"/>
-          </a:p>
-        </p:txBody>
-      </p:sp>
-      <p:sp>
-        <p:nvSpPr>
-          <p:cNvPr id="23" name="Rectangle 22">
-            <a:extLst>
-              <a:ext uri="{FF2B5EF4-FFF2-40B4-BE49-F238E27FC236}">
-                <a16:creationId xmlns:a16="http://schemas.microsoft.com/office/drawing/2014/main" id="{3AABB7B0-354A-437F-A159-AB324F7120EE}"/>
-              </a:ext>
-            </a:extLst>
-          </p:cNvPr>
-          <p:cNvSpPr/>
-          <p:nvPr/>
-        </p:nvSpPr>
-        <p:spPr>
-          <a:xfrm>
-            <a:off x="6332330" y="1987157"/>
-            <a:ext cx="159533" cy="132280"/>
-          </a:xfrm>
-          <a:prstGeom prst="rect">
-            <a:avLst/>
-          </a:prstGeom>
-        </p:spPr>
-        <p:style>
-          <a:lnRef idx="2">
-            <a:schemeClr val="accent1">
-              <a:shade val="50000"/>
-            </a:schemeClr>
-          </a:lnRef>
-          <a:fillRef idx="1">
-            <a:schemeClr val="accent1"/>
-          </a:fillRef>
-          <a:effectRef idx="0">
-            <a:schemeClr val="accent1"/>
-          </a:effectRef>
-          <a:fontRef idx="minor">
-            <a:schemeClr val="lt1"/>
-          </a:fontRef>
-        </p:style>
-        <p:txBody>
-          <a:bodyPr rtlCol="0" anchor="ctr"/>
-          <a:lstStyle/>
-          <a:p>
-            <a:pPr algn="ctr"/>
-            <a:endParaRPr lang="fr-FR" sz="1050"/>
-          </a:p>
-        </p:txBody>
-      </p:sp>
-      <p:sp>
-        <p:nvSpPr>
-          <p:cNvPr id="24" name="Rectangle 23">
-            <a:extLst>
-              <a:ext uri="{FF2B5EF4-FFF2-40B4-BE49-F238E27FC236}">
-                <a16:creationId xmlns:a16="http://schemas.microsoft.com/office/drawing/2014/main" id="{D949CF11-5F31-4E8A-8D18-9A7098E71526}"/>
-              </a:ext>
-            </a:extLst>
-          </p:cNvPr>
-          <p:cNvSpPr/>
-          <p:nvPr/>
-        </p:nvSpPr>
-        <p:spPr>
-          <a:xfrm>
-            <a:off x="6212447" y="1778901"/>
-            <a:ext cx="159533" cy="132280"/>
-          </a:xfrm>
-          <a:prstGeom prst="rect">
-            <a:avLst/>
-          </a:prstGeom>
-        </p:spPr>
-        <p:style>
-          <a:lnRef idx="2">
-            <a:schemeClr val="accent1">
-              <a:shade val="50000"/>
-            </a:schemeClr>
-          </a:lnRef>
-          <a:fillRef idx="1">
-            <a:schemeClr val="accent1"/>
-          </a:fillRef>
-          <a:effectRef idx="0">
-            <a:schemeClr val="accent1"/>
-          </a:effectRef>
-          <a:fontRef idx="minor">
-            <a:schemeClr val="lt1"/>
-          </a:fontRef>
-        </p:style>
-        <p:txBody>
-          <a:bodyPr rtlCol="0" anchor="ctr"/>
-          <a:lstStyle/>
-          <a:p>
-            <a:pPr algn="ctr"/>
-            <a:endParaRPr lang="fr-FR" sz="1050"/>
-          </a:p>
-        </p:txBody>
-      </p:sp>
-      <p:sp>
-        <p:nvSpPr>
-          <p:cNvPr id="25" name="Rectangle 24">
-            <a:extLst>
-              <a:ext uri="{FF2B5EF4-FFF2-40B4-BE49-F238E27FC236}">
-                <a16:creationId xmlns:a16="http://schemas.microsoft.com/office/drawing/2014/main" id="{A47667BA-BF6F-453B-BA8F-A7783391AADC}"/>
-              </a:ext>
-            </a:extLst>
-          </p:cNvPr>
-          <p:cNvSpPr/>
-          <p:nvPr/>
-        </p:nvSpPr>
-        <p:spPr>
-          <a:xfrm>
-            <a:off x="5907646" y="2012406"/>
-            <a:ext cx="191812" cy="110015"/>
-          </a:xfrm>
-          <a:prstGeom prst="rect">
-            <a:avLst/>
-          </a:prstGeom>
-        </p:spPr>
-        <p:style>
-          <a:lnRef idx="2">
-            <a:schemeClr val="accent1">
-              <a:shade val="50000"/>
-            </a:schemeClr>
-          </a:lnRef>
-          <a:fillRef idx="1">
-            <a:schemeClr val="accent1"/>
-          </a:fillRef>
-          <a:effectRef idx="0">
-            <a:schemeClr val="accent1"/>
-          </a:effectRef>
-          <a:fontRef idx="minor">
-            <a:schemeClr val="lt1"/>
-          </a:fontRef>
-        </p:style>
-        <p:txBody>
-          <a:bodyPr rtlCol="0" anchor="ctr"/>
-          <a:lstStyle/>
-          <a:p>
-            <a:pPr algn="ctr"/>
-            <a:endParaRPr lang="fr-FR" sz="1050"/>
-          </a:p>
-        </p:txBody>
-      </p:sp>
-      <p:sp>
-        <p:nvSpPr>
-          <p:cNvPr id="26" name="Rectangle 25">
-            <a:extLst>
-              <a:ext uri="{FF2B5EF4-FFF2-40B4-BE49-F238E27FC236}">
-                <a16:creationId xmlns:a16="http://schemas.microsoft.com/office/drawing/2014/main" id="{71C73F7D-96CD-4F1C-A8FF-461F4D4F0065}"/>
-              </a:ext>
-            </a:extLst>
-          </p:cNvPr>
-          <p:cNvSpPr/>
-          <p:nvPr/>
-        </p:nvSpPr>
-        <p:spPr>
-          <a:xfrm>
-            <a:off x="6094742" y="1798450"/>
-            <a:ext cx="191812" cy="110015"/>
-          </a:xfrm>
-          <a:prstGeom prst="rect">
-            <a:avLst/>
-          </a:prstGeom>
-        </p:spPr>
-        <p:style>
-          <a:lnRef idx="2">
-            <a:schemeClr val="accent1">
-              <a:shade val="50000"/>
-            </a:schemeClr>
-          </a:lnRef>
-          <a:fillRef idx="1">
-            <a:schemeClr val="accent1"/>
-          </a:fillRef>
-          <a:effectRef idx="0">
-            <a:schemeClr val="accent1"/>
-          </a:effectRef>
-          <a:fontRef idx="minor">
-            <a:schemeClr val="lt1"/>
-          </a:fontRef>
-        </p:style>
-        <p:txBody>
-          <a:bodyPr rtlCol="0" anchor="ctr"/>
-          <a:lstStyle/>
-          <a:p>
-            <a:pPr algn="ctr"/>
-            <a:endParaRPr lang="fr-FR" sz="1050"/>
-          </a:p>
-        </p:txBody>
-      </p:sp>
-      <p:sp>
-        <p:nvSpPr>
-          <p:cNvPr id="27" name="Rectangle 26">
-            <a:extLst>
-              <a:ext uri="{FF2B5EF4-FFF2-40B4-BE49-F238E27FC236}">
-                <a16:creationId xmlns:a16="http://schemas.microsoft.com/office/drawing/2014/main" id="{20E7393F-AEEB-468A-A393-528EDCB616E1}"/>
-              </a:ext>
-            </a:extLst>
-          </p:cNvPr>
-          <p:cNvSpPr/>
-          <p:nvPr/>
-        </p:nvSpPr>
-        <p:spPr>
-          <a:xfrm>
-            <a:off x="7233720" y="1475437"/>
-            <a:ext cx="191812" cy="162421"/>
-          </a:xfrm>
-          <a:prstGeom prst="rect">
-            <a:avLst/>
-          </a:prstGeom>
-        </p:spPr>
-        <p:style>
-          <a:lnRef idx="2">
-            <a:schemeClr val="accent1">
-              <a:shade val="50000"/>
-            </a:schemeClr>
-          </a:lnRef>
-          <a:fillRef idx="1">
-            <a:schemeClr val="accent1"/>
-          </a:fillRef>
-          <a:effectRef idx="0">
-            <a:schemeClr val="accent1"/>
-          </a:effectRef>
-          <a:fontRef idx="minor">
-            <a:schemeClr val="lt1"/>
-          </a:fontRef>
-        </p:style>
-        <p:txBody>
-          <a:bodyPr rtlCol="0" anchor="ctr"/>
-          <a:lstStyle/>
-          <a:p>
-            <a:pPr algn="ctr"/>
-            <a:endParaRPr lang="fr-FR" sz="1050"/>
-          </a:p>
-        </p:txBody>
-      </p:sp>
-      <p:sp>
-        <p:nvSpPr>
-          <p:cNvPr id="28" name="ZoneTexte 27">
-            <a:extLst>
-              <a:ext uri="{FF2B5EF4-FFF2-40B4-BE49-F238E27FC236}">
-                <a16:creationId xmlns:a16="http://schemas.microsoft.com/office/drawing/2014/main" id="{0371994B-81EA-4E1E-B7FD-DE8DBA386DDB}"/>
-              </a:ext>
-            </a:extLst>
-          </p:cNvPr>
-          <p:cNvSpPr txBox="1"/>
-          <p:nvPr/>
-        </p:nvSpPr>
-        <p:spPr>
-          <a:xfrm>
-            <a:off x="3334768" y="787301"/>
-            <a:ext cx="482541" cy="246221"/>
-          </a:xfrm>
-          <a:prstGeom prst="rect">
-            <a:avLst/>
-          </a:prstGeom>
-          <a:noFill/>
-        </p:spPr>
-        <p:txBody>
-          <a:bodyPr wrap="square" rtlCol="0">
-            <a:spAutoFit/>
-          </a:bodyPr>
-          <a:lstStyle/>
-          <a:p>
-            <a:r>
-              <a:rPr lang="en-US" sz="1000" noProof="1"/>
-              <a:t>0..*</a:t>
-            </a:r>
-          </a:p>
-        </p:txBody>
-      </p:sp>
-      <p:cxnSp>
-        <p:nvCxnSpPr>
-          <p:cNvPr id="29" name="Connecteur : en angle 28">
-            <a:extLst>
-              <a:ext uri="{FF2B5EF4-FFF2-40B4-BE49-F238E27FC236}">
-                <a16:creationId xmlns:a16="http://schemas.microsoft.com/office/drawing/2014/main" id="{AEC70951-B1A3-433D-A670-BDC8ABAC0B15}"/>
-              </a:ext>
-            </a:extLst>
-          </p:cNvPr>
-          <p:cNvCxnSpPr>
-            <a:cxnSpLocks/>
-            <a:stCxn id="5" idx="0"/>
-            <a:endCxn id="30" idx="2"/>
-          </p:cNvCxnSpPr>
-          <p:nvPr/>
-        </p:nvCxnSpPr>
-        <p:spPr>
-          <a:xfrm rot="16200000" flipV="1">
-            <a:off x="4536307" y="-91355"/>
-            <a:ext cx="586924" cy="2329240"/>
-          </a:xfrm>
-          <a:prstGeom prst="bentConnector3">
-            <a:avLst>
-              <a:gd name="adj1" fmla="val 50000"/>
-            </a:avLst>
-          </a:prstGeom>
-          <a:ln w="19050">
-            <a:headEnd type="none" w="med" len="med"/>
-            <a:tailEnd type="arrow" w="med" len="med"/>
-          </a:ln>
-        </p:spPr>
-        <p:style>
-          <a:lnRef idx="1">
-            <a:schemeClr val="accent1"/>
-          </a:lnRef>
-          <a:fillRef idx="0">
-            <a:schemeClr val="accent1"/>
-          </a:fillRef>
-          <a:effectRef idx="0">
-            <a:schemeClr val="accent1"/>
-          </a:effectRef>
-          <a:fontRef idx="minor">
-            <a:schemeClr val="tx1"/>
-          </a:fontRef>
-        </p:style>
-      </p:cxnSp>
-      <p:sp>
-        <p:nvSpPr>
-          <p:cNvPr id="30" name="Rectangle 29">
-            <a:extLst>
-              <a:ext uri="{FF2B5EF4-FFF2-40B4-BE49-F238E27FC236}">
-                <a16:creationId xmlns:a16="http://schemas.microsoft.com/office/drawing/2014/main" id="{CF1359BC-B00E-4968-9928-813335AD6743}"/>
-              </a:ext>
-            </a:extLst>
-          </p:cNvPr>
-          <p:cNvSpPr/>
-          <p:nvPr/>
-        </p:nvSpPr>
-        <p:spPr>
-          <a:xfrm>
-            <a:off x="2867905" y="167034"/>
-            <a:ext cx="1594487" cy="612769"/>
-          </a:xfrm>
-          <a:prstGeom prst="rect">
-            <a:avLst/>
-          </a:prstGeom>
-          <a:solidFill>
-            <a:schemeClr val="accent6">
-              <a:lumMod val="75000"/>
-            </a:schemeClr>
-          </a:solidFill>
-          <a:ln>
-            <a:noFill/>
-          </a:ln>
-          <a:effectLst/>
-        </p:spPr>
-        <p:style>
-          <a:lnRef idx="2">
-            <a:schemeClr val="accent1">
-              <a:shade val="50000"/>
-            </a:schemeClr>
-          </a:lnRef>
-          <a:fillRef idx="1">
-            <a:schemeClr val="accent1"/>
-          </a:fillRef>
-          <a:effectRef idx="0">
-            <a:schemeClr val="accent1"/>
-          </a:effectRef>
-          <a:fontRef idx="minor">
-            <a:schemeClr val="lt1"/>
-          </a:fontRef>
-        </p:style>
-        <p:txBody>
-          <a:bodyPr rtlCol="0" anchor="ctr"/>
-          <a:lstStyle/>
-          <a:p>
-            <a:pPr algn="ctr"/>
-            <a:r>
-              <a:rPr lang="en-US" sz="1200" noProof="1">
-                <a:solidFill>
-                  <a:srgbClr val="FFFF00"/>
-                </a:solidFill>
-              </a:rPr>
-              <a:t>CatalogHeader profile of Composition</a:t>
-            </a:r>
-          </a:p>
-        </p:txBody>
-      </p:sp>
-      <p:sp>
-        <p:nvSpPr>
-          <p:cNvPr id="31" name="ZoneTexte 30">
-            <a:extLst>
-              <a:ext uri="{FF2B5EF4-FFF2-40B4-BE49-F238E27FC236}">
-                <a16:creationId xmlns:a16="http://schemas.microsoft.com/office/drawing/2014/main" id="{9785D21B-C29D-4A80-B812-F7A8878DA009}"/>
-              </a:ext>
-            </a:extLst>
-          </p:cNvPr>
-          <p:cNvSpPr txBox="1"/>
-          <p:nvPr/>
-        </p:nvSpPr>
-        <p:spPr>
-          <a:xfrm>
-            <a:off x="3745881" y="865295"/>
-            <a:ext cx="1415542" cy="246221"/>
-          </a:xfrm>
-          <a:prstGeom prst="rect">
-            <a:avLst/>
-          </a:prstGeom>
-          <a:noFill/>
-        </p:spPr>
-        <p:txBody>
-          <a:bodyPr wrap="square" rtlCol="0">
-            <a:spAutoFit/>
-          </a:bodyPr>
-          <a:lstStyle/>
-          <a:p>
-            <a:r>
-              <a:rPr lang="en-US" sz="1000" noProof="1">
-                <a:solidFill>
-                  <a:srgbClr val="0070C0"/>
-                </a:solidFill>
-              </a:rPr>
-              <a:t>catalogReference</a:t>
-            </a:r>
-          </a:p>
-        </p:txBody>
-      </p:sp>
-      <p:sp>
-        <p:nvSpPr>
-          <p:cNvPr id="33" name="ZoneTexte 32">
-            <a:extLst>
-              <a:ext uri="{FF2B5EF4-FFF2-40B4-BE49-F238E27FC236}">
-                <a16:creationId xmlns:a16="http://schemas.microsoft.com/office/drawing/2014/main" id="{FEAF70F0-12E6-42BD-AD6B-D135A2476B70}"/>
-              </a:ext>
-            </a:extLst>
-          </p:cNvPr>
-          <p:cNvSpPr txBox="1"/>
-          <p:nvPr/>
-        </p:nvSpPr>
-        <p:spPr>
-          <a:xfrm>
-            <a:off x="4531522" y="4752824"/>
-            <a:ext cx="408760" cy="246221"/>
-          </a:xfrm>
-          <a:prstGeom prst="rect">
-            <a:avLst/>
-          </a:prstGeom>
-          <a:noFill/>
-        </p:spPr>
-        <p:txBody>
-          <a:bodyPr wrap="square" rtlCol="0">
-            <a:spAutoFit/>
-          </a:bodyPr>
-          <a:lstStyle/>
-          <a:p>
-            <a:r>
-              <a:rPr lang="en-US" sz="1000" noProof="1"/>
-              <a:t>0..*</a:t>
-            </a:r>
-          </a:p>
-        </p:txBody>
-      </p:sp>
-      <p:sp>
-        <p:nvSpPr>
-          <p:cNvPr id="34" name="ZoneTexte 33">
-            <a:extLst>
-              <a:ext uri="{FF2B5EF4-FFF2-40B4-BE49-F238E27FC236}">
-                <a16:creationId xmlns:a16="http://schemas.microsoft.com/office/drawing/2014/main" id="{1C3E841A-1172-4169-A2FE-F173BC286277}"/>
-              </a:ext>
-            </a:extLst>
-          </p:cNvPr>
-          <p:cNvSpPr txBox="1"/>
-          <p:nvPr/>
-        </p:nvSpPr>
-        <p:spPr>
-          <a:xfrm>
-            <a:off x="4564189" y="1336617"/>
-            <a:ext cx="1192438" cy="246221"/>
-          </a:xfrm>
-          <a:prstGeom prst="rect">
-            <a:avLst/>
-          </a:prstGeom>
-          <a:noFill/>
-        </p:spPr>
-        <p:txBody>
-          <a:bodyPr wrap="square" rtlCol="0">
-            <a:spAutoFit/>
-          </a:bodyPr>
-          <a:lstStyle/>
-          <a:p>
-            <a:r>
-              <a:rPr lang="en-US" sz="1000" noProof="1">
-                <a:solidFill>
-                  <a:srgbClr val="0070C0"/>
-                </a:solidFill>
-              </a:rPr>
-              <a:t>monograph.source</a:t>
-            </a:r>
-          </a:p>
-        </p:txBody>
-      </p:sp>
-      <p:sp>
-        <p:nvSpPr>
-          <p:cNvPr id="35" name="ZoneTexte 34">
-            <a:extLst>
-              <a:ext uri="{FF2B5EF4-FFF2-40B4-BE49-F238E27FC236}">
-                <a16:creationId xmlns:a16="http://schemas.microsoft.com/office/drawing/2014/main" id="{97473E88-73A2-4511-BC3F-02FF44A0F5EA}"/>
-              </a:ext>
-            </a:extLst>
-          </p:cNvPr>
-          <p:cNvSpPr txBox="1"/>
-          <p:nvPr/>
-        </p:nvSpPr>
-        <p:spPr>
-          <a:xfrm>
-            <a:off x="4521040" y="167034"/>
-            <a:ext cx="2040920" cy="461665"/>
-          </a:xfrm>
-          <a:prstGeom prst="rect">
-            <a:avLst/>
-          </a:prstGeom>
-          <a:noFill/>
-        </p:spPr>
-        <p:txBody>
-          <a:bodyPr wrap="square" rtlCol="0">
-            <a:spAutoFit/>
-          </a:bodyPr>
-          <a:lstStyle/>
-          <a:p>
-            <a:r>
-              <a:rPr lang="en-US" sz="1200" i="1" noProof="1"/>
-              <a:t>a catalog of medications handled with method 2</a:t>
-            </a:r>
-          </a:p>
-        </p:txBody>
-      </p:sp>
-      <p:sp>
-        <p:nvSpPr>
-          <p:cNvPr id="36" name="ZoneTexte 35">
-            <a:extLst>
-              <a:ext uri="{FF2B5EF4-FFF2-40B4-BE49-F238E27FC236}">
-                <a16:creationId xmlns:a16="http://schemas.microsoft.com/office/drawing/2014/main" id="{69A81BE1-0426-4385-9D20-5E7AB17F9833}"/>
-              </a:ext>
-            </a:extLst>
-          </p:cNvPr>
-          <p:cNvSpPr txBox="1"/>
-          <p:nvPr/>
-        </p:nvSpPr>
-        <p:spPr>
-          <a:xfrm>
-            <a:off x="6080923" y="920458"/>
-            <a:ext cx="1028423" cy="461665"/>
-          </a:xfrm>
-          <a:prstGeom prst="rect">
-            <a:avLst/>
-          </a:prstGeom>
-          <a:noFill/>
-        </p:spPr>
-        <p:txBody>
-          <a:bodyPr wrap="square" rtlCol="0">
-            <a:spAutoFit/>
-          </a:bodyPr>
-          <a:lstStyle>
-            <a:defPPr>
-              <a:defRPr lang="fr-FR"/>
-            </a:defPPr>
-            <a:lvl1pPr>
-              <a:defRPr>
-                <a:solidFill>
-                  <a:schemeClr val="accent1">
-                    <a:lumMod val="60000"/>
-                    <a:lumOff val="40000"/>
-                  </a:schemeClr>
-                </a:solidFill>
-              </a:defRPr>
-            </a:lvl1pPr>
-          </a:lstStyle>
-          <a:p>
-            <a:pPr algn="ctr"/>
-            <a:r>
-              <a:rPr lang="en-US" sz="1200" i="1" noProof="1">
-                <a:solidFill>
-                  <a:schemeClr val="tx1"/>
-                </a:solidFill>
-              </a:rPr>
-              <a:t>A medication in the catalog</a:t>
-            </a:r>
-          </a:p>
-        </p:txBody>
-      </p:sp>
-      <p:sp>
-        <p:nvSpPr>
-          <p:cNvPr id="37" name="ZoneTexte 36">
-            <a:extLst>
-              <a:ext uri="{FF2B5EF4-FFF2-40B4-BE49-F238E27FC236}">
-                <a16:creationId xmlns:a16="http://schemas.microsoft.com/office/drawing/2014/main" id="{021B85A6-A11B-4B5E-BCC2-C41FADC96A58}"/>
-              </a:ext>
-            </a:extLst>
-          </p:cNvPr>
-          <p:cNvSpPr txBox="1"/>
-          <p:nvPr/>
-        </p:nvSpPr>
-        <p:spPr>
-          <a:xfrm>
-            <a:off x="7309049" y="2486547"/>
-            <a:ext cx="997886" cy="830997"/>
-          </a:xfrm>
-          <a:prstGeom prst="rect">
-            <a:avLst/>
-          </a:prstGeom>
-          <a:noFill/>
-        </p:spPr>
-        <p:txBody>
-          <a:bodyPr wrap="square" rtlCol="0">
-            <a:spAutoFit/>
-          </a:bodyPr>
-          <a:lstStyle>
-            <a:defPPr>
-              <a:defRPr lang="fr-FR"/>
-            </a:defPPr>
-            <a:lvl1pPr>
-              <a:defRPr>
-                <a:solidFill>
-                  <a:schemeClr val="accent1">
-                    <a:lumMod val="60000"/>
-                    <a:lumOff val="40000"/>
-                  </a:schemeClr>
-                </a:solidFill>
-              </a:defRPr>
-            </a:lvl1pPr>
-          </a:lstStyle>
-          <a:p>
-            <a:r>
-              <a:rPr lang="en-US" sz="1200" i="1" noProof="1">
-                <a:solidFill>
-                  <a:schemeClr val="tx1"/>
-                </a:solidFill>
-              </a:rPr>
-              <a:t>A warning and/or precaution of use</a:t>
-            </a:r>
-          </a:p>
-        </p:txBody>
-      </p:sp>
-      <p:sp>
-        <p:nvSpPr>
-          <p:cNvPr id="38" name="Rectangle 37">
-            <a:extLst>
-              <a:ext uri="{FF2B5EF4-FFF2-40B4-BE49-F238E27FC236}">
-                <a16:creationId xmlns:a16="http://schemas.microsoft.com/office/drawing/2014/main" id="{6C3FE5E6-3D83-441E-BE40-A7B85EDFADC1}"/>
-              </a:ext>
-            </a:extLst>
-          </p:cNvPr>
-          <p:cNvSpPr/>
-          <p:nvPr/>
-        </p:nvSpPr>
-        <p:spPr>
-          <a:xfrm>
-            <a:off x="2848761" y="2263061"/>
-            <a:ext cx="1335702" cy="627951"/>
-          </a:xfrm>
-          <a:prstGeom prst="rect">
-            <a:avLst/>
-          </a:prstGeom>
-          <a:gradFill flip="none" rotWithShape="1">
-            <a:gsLst>
-              <a:gs pos="0">
-                <a:schemeClr val="accent1">
-                  <a:shade val="30000"/>
-                  <a:satMod val="115000"/>
-                </a:schemeClr>
-              </a:gs>
-              <a:gs pos="50000">
-                <a:schemeClr val="accent1">
-                  <a:shade val="67500"/>
-                  <a:satMod val="115000"/>
-                </a:schemeClr>
-              </a:gs>
-              <a:gs pos="100000">
-                <a:schemeClr val="accent1">
-                  <a:shade val="100000"/>
-                  <a:satMod val="115000"/>
-                </a:schemeClr>
-              </a:gs>
-            </a:gsLst>
-            <a:lin ang="0" scaled="1"/>
-            <a:tileRect/>
-          </a:gradFill>
-          <a:ln>
-            <a:noFill/>
-          </a:ln>
-          <a:effectLst/>
-        </p:spPr>
-        <p:style>
-          <a:lnRef idx="2">
-            <a:schemeClr val="accent1">
-              <a:shade val="50000"/>
-            </a:schemeClr>
-          </a:lnRef>
-          <a:fillRef idx="1">
-            <a:schemeClr val="accent1"/>
-          </a:fillRef>
-          <a:effectRef idx="0">
-            <a:schemeClr val="accent1"/>
-          </a:effectRef>
-          <a:fontRef idx="minor">
-            <a:schemeClr val="lt1"/>
-          </a:fontRef>
-        </p:style>
-        <p:txBody>
-          <a:bodyPr rtlCol="0" anchor="ctr"/>
-          <a:lstStyle/>
-          <a:p>
-            <a:pPr algn="ctr"/>
-            <a:r>
-              <a:rPr lang="en-US" sz="1200" noProof="1">
-                <a:solidFill>
-                  <a:srgbClr val="FFFF00"/>
-                </a:solidFill>
-              </a:rPr>
-              <a:t>Organization</a:t>
-            </a:r>
-          </a:p>
-        </p:txBody>
-      </p:sp>
-      <p:sp>
-        <p:nvSpPr>
-          <p:cNvPr id="39" name="ZoneTexte 38">
-            <a:extLst>
-              <a:ext uri="{FF2B5EF4-FFF2-40B4-BE49-F238E27FC236}">
-                <a16:creationId xmlns:a16="http://schemas.microsoft.com/office/drawing/2014/main" id="{A0A15782-BD91-4B41-BDF9-C4F845986135}"/>
-              </a:ext>
-            </a:extLst>
-          </p:cNvPr>
-          <p:cNvSpPr txBox="1"/>
-          <p:nvPr/>
-        </p:nvSpPr>
-        <p:spPr>
-          <a:xfrm>
-            <a:off x="4170934" y="2614759"/>
-            <a:ext cx="386253" cy="246221"/>
-          </a:xfrm>
-          <a:prstGeom prst="rect">
-            <a:avLst/>
-          </a:prstGeom>
-          <a:noFill/>
-        </p:spPr>
-        <p:txBody>
-          <a:bodyPr wrap="square" rtlCol="0">
-            <a:spAutoFit/>
-          </a:bodyPr>
-          <a:lstStyle/>
-          <a:p>
-            <a:r>
-              <a:rPr lang="en-US" sz="1000" noProof="1"/>
-              <a:t>0..*</a:t>
-            </a:r>
-          </a:p>
-        </p:txBody>
-      </p:sp>
-      <p:sp>
-        <p:nvSpPr>
-          <p:cNvPr id="40" name="ZoneTexte 39">
-            <a:extLst>
-              <a:ext uri="{FF2B5EF4-FFF2-40B4-BE49-F238E27FC236}">
-                <a16:creationId xmlns:a16="http://schemas.microsoft.com/office/drawing/2014/main" id="{241B2B47-03FB-4853-BD1B-9B4A7B767783}"/>
-              </a:ext>
-            </a:extLst>
-          </p:cNvPr>
-          <p:cNvSpPr txBox="1"/>
-          <p:nvPr/>
-        </p:nvSpPr>
-        <p:spPr>
-          <a:xfrm>
-            <a:off x="1695878" y="1216796"/>
-            <a:ext cx="1180137" cy="646331"/>
-          </a:xfrm>
-          <a:prstGeom prst="rect">
-            <a:avLst/>
-          </a:prstGeom>
-          <a:noFill/>
-        </p:spPr>
-        <p:txBody>
-          <a:bodyPr wrap="square" rtlCol="0">
-            <a:spAutoFit/>
-          </a:bodyPr>
-          <a:lstStyle/>
-          <a:p>
-            <a:pPr algn="r"/>
-            <a:r>
-              <a:rPr lang="en-US" sz="1200" i="1" noProof="1"/>
-              <a:t>Documentation about the medication</a:t>
-            </a:r>
-          </a:p>
-        </p:txBody>
-      </p:sp>
-      <p:cxnSp>
-        <p:nvCxnSpPr>
-          <p:cNvPr id="41" name="Connecteur : en angle 40">
-            <a:extLst>
-              <a:ext uri="{FF2B5EF4-FFF2-40B4-BE49-F238E27FC236}">
-                <a16:creationId xmlns:a16="http://schemas.microsoft.com/office/drawing/2014/main" id="{97DD0B3E-F8B5-4AB5-B54B-29B28EE82F6E}"/>
-              </a:ext>
-            </a:extLst>
-          </p:cNvPr>
-          <p:cNvCxnSpPr>
-            <a:cxnSpLocks/>
-          </p:cNvCxnSpPr>
-          <p:nvPr/>
-        </p:nvCxnSpPr>
-        <p:spPr>
-          <a:xfrm flipH="1" flipV="1">
-            <a:off x="7410462" y="1411030"/>
-            <a:ext cx="11343" cy="132155"/>
-          </a:xfrm>
-          <a:prstGeom prst="bentConnector3">
-            <a:avLst>
-              <a:gd name="adj1" fmla="val -1859111"/>
-            </a:avLst>
-          </a:prstGeom>
-          <a:ln w="19050">
-            <a:headEnd type="arrow" w="med" len="med"/>
-            <a:tailEnd type="none" w="med" len="med"/>
-          </a:ln>
-        </p:spPr>
-        <p:style>
-          <a:lnRef idx="1">
-            <a:schemeClr val="accent1"/>
-          </a:lnRef>
-          <a:fillRef idx="0">
-            <a:schemeClr val="accent1"/>
-          </a:fillRef>
-          <a:effectRef idx="0">
-            <a:schemeClr val="accent1"/>
-          </a:effectRef>
-          <a:fontRef idx="minor">
-            <a:schemeClr val="tx1"/>
-          </a:fontRef>
-        </p:style>
-      </p:cxnSp>
-      <p:sp>
-        <p:nvSpPr>
-          <p:cNvPr id="42" name="ZoneTexte 41">
-            <a:extLst>
-              <a:ext uri="{FF2B5EF4-FFF2-40B4-BE49-F238E27FC236}">
-                <a16:creationId xmlns:a16="http://schemas.microsoft.com/office/drawing/2014/main" id="{248F65B3-8E6C-4227-B8B3-899E8C4D8B04}"/>
-              </a:ext>
-            </a:extLst>
-          </p:cNvPr>
-          <p:cNvSpPr txBox="1"/>
-          <p:nvPr/>
-        </p:nvSpPr>
-        <p:spPr>
-          <a:xfrm>
-            <a:off x="7381592" y="1536306"/>
-            <a:ext cx="417459" cy="246221"/>
-          </a:xfrm>
-          <a:prstGeom prst="rect">
-            <a:avLst/>
-          </a:prstGeom>
-          <a:noFill/>
-        </p:spPr>
-        <p:txBody>
-          <a:bodyPr wrap="square" rtlCol="0">
-            <a:spAutoFit/>
-          </a:bodyPr>
-          <a:lstStyle/>
-          <a:p>
-            <a:r>
-              <a:rPr lang="en-US" sz="1000" noProof="1"/>
-              <a:t>0..*</a:t>
-            </a:r>
-          </a:p>
-        </p:txBody>
-      </p:sp>
-      <p:sp>
-        <p:nvSpPr>
-          <p:cNvPr id="43" name="Rectangle 42">
-            <a:extLst>
-              <a:ext uri="{FF2B5EF4-FFF2-40B4-BE49-F238E27FC236}">
-                <a16:creationId xmlns:a16="http://schemas.microsoft.com/office/drawing/2014/main" id="{71DA3344-8289-4D5A-A057-D1535720BF62}"/>
-              </a:ext>
-            </a:extLst>
-          </p:cNvPr>
-          <p:cNvSpPr/>
-          <p:nvPr/>
-        </p:nvSpPr>
-        <p:spPr>
-          <a:xfrm>
-            <a:off x="7590321" y="1358631"/>
-            <a:ext cx="3208932" cy="246221"/>
-          </a:xfrm>
-          <a:prstGeom prst="rect">
-            <a:avLst/>
-          </a:prstGeom>
-        </p:spPr>
-        <p:txBody>
-          <a:bodyPr wrap="square">
-            <a:spAutoFit/>
-          </a:bodyPr>
-          <a:lstStyle/>
-          <a:p>
-            <a:r>
-              <a:rPr lang="en-US" sz="1000" noProof="1">
-                <a:solidFill>
-                  <a:srgbClr val="0070C0"/>
-                </a:solidFill>
-              </a:rPr>
-              <a:t>relatedMedicationKnowledge </a:t>
-            </a:r>
-            <a:r>
-              <a:rPr lang="en-US" sz="1000" noProof="1"/>
-              <a:t>(</a:t>
-            </a:r>
-            <a:r>
-              <a:rPr lang="en-US" sz="1000" noProof="1">
-                <a:solidFill>
-                  <a:srgbClr val="0070C0"/>
-                </a:solidFill>
-              </a:rPr>
-              <a:t>.type </a:t>
-            </a:r>
-            <a:r>
-              <a:rPr lang="en-US" sz="1000" noProof="1"/>
-              <a:t>= type of association)</a:t>
-            </a:r>
-            <a:endParaRPr lang="en-US" sz="1000" noProof="1">
-              <a:solidFill>
-                <a:schemeClr val="tx1">
-                  <a:lumMod val="50000"/>
-                  <a:lumOff val="50000"/>
-                </a:schemeClr>
-              </a:solidFill>
-            </a:endParaRPr>
-          </a:p>
-        </p:txBody>
-      </p:sp>
-      <p:sp>
-        <p:nvSpPr>
-          <p:cNvPr id="46" name="Rectangle 45">
-            <a:extLst>
-              <a:ext uri="{FF2B5EF4-FFF2-40B4-BE49-F238E27FC236}">
-                <a16:creationId xmlns:a16="http://schemas.microsoft.com/office/drawing/2014/main" id="{33B28E38-DD45-43FE-9F00-2EE8BA5D6BEC}"/>
-              </a:ext>
-            </a:extLst>
-          </p:cNvPr>
-          <p:cNvSpPr/>
-          <p:nvPr/>
-        </p:nvSpPr>
-        <p:spPr>
-          <a:xfrm>
-            <a:off x="9350541" y="167034"/>
-            <a:ext cx="1562028" cy="612769"/>
-          </a:xfrm>
-          <a:prstGeom prst="rect">
-            <a:avLst/>
-          </a:prstGeom>
-          <a:solidFill>
-            <a:schemeClr val="accent4">
-              <a:lumMod val="50000"/>
-            </a:schemeClr>
-          </a:solidFill>
-          <a:ln>
-            <a:noFill/>
-          </a:ln>
-          <a:effectLst/>
-        </p:spPr>
-        <p:style>
-          <a:lnRef idx="2">
-            <a:schemeClr val="accent1">
-              <a:shade val="50000"/>
-            </a:schemeClr>
-          </a:lnRef>
-          <a:fillRef idx="1">
-            <a:schemeClr val="accent1"/>
-          </a:fillRef>
-          <a:effectRef idx="0">
-            <a:schemeClr val="accent1"/>
-          </a:effectRef>
-          <a:fontRef idx="minor">
-            <a:schemeClr val="lt1"/>
-          </a:fontRef>
-        </p:style>
-        <p:txBody>
-          <a:bodyPr rtlCol="0" anchor="ctr"/>
-          <a:lstStyle/>
-          <a:p>
-            <a:pPr algn="ctr"/>
-            <a:r>
-              <a:rPr lang="en-US" sz="1200" noProof="1">
-                <a:solidFill>
-                  <a:srgbClr val="FFFF00"/>
-                </a:solidFill>
-              </a:rPr>
-              <a:t>Catalog profile of Composition</a:t>
-            </a:r>
-          </a:p>
-        </p:txBody>
-      </p:sp>
-      <p:cxnSp>
-        <p:nvCxnSpPr>
-          <p:cNvPr id="47" name="Connecteur : en angle 46">
-            <a:extLst>
-              <a:ext uri="{FF2B5EF4-FFF2-40B4-BE49-F238E27FC236}">
-                <a16:creationId xmlns:a16="http://schemas.microsoft.com/office/drawing/2014/main" id="{C05A81FE-BC78-47D5-8C3C-F8AFDF3EFF50}"/>
-              </a:ext>
-            </a:extLst>
-          </p:cNvPr>
-          <p:cNvCxnSpPr>
-            <a:cxnSpLocks/>
-            <a:stCxn id="45" idx="0"/>
-            <a:endCxn id="46" idx="2"/>
-          </p:cNvCxnSpPr>
-          <p:nvPr/>
-        </p:nvCxnSpPr>
-        <p:spPr>
-          <a:xfrm rot="5400000" flipH="1" flipV="1">
-            <a:off x="8402169" y="-357788"/>
-            <a:ext cx="591794" cy="2866977"/>
-          </a:xfrm>
-          <a:prstGeom prst="bentConnector3">
-            <a:avLst>
-              <a:gd name="adj1" fmla="val 50000"/>
-            </a:avLst>
-          </a:prstGeom>
-          <a:ln w="19050">
-            <a:headEnd type="arrow" w="med" len="med"/>
-            <a:tailEnd type="none" w="med" len="med"/>
-          </a:ln>
-        </p:spPr>
-        <p:style>
-          <a:lnRef idx="1">
-            <a:schemeClr val="accent1"/>
-          </a:lnRef>
-          <a:fillRef idx="0">
-            <a:schemeClr val="accent1"/>
-          </a:fillRef>
-          <a:effectRef idx="0">
-            <a:schemeClr val="accent1"/>
-          </a:effectRef>
-          <a:fontRef idx="minor">
-            <a:schemeClr val="tx1"/>
-          </a:fontRef>
-        </p:style>
-      </p:cxnSp>
-      <p:sp>
-        <p:nvSpPr>
-          <p:cNvPr id="48" name="ZoneTexte 47">
-            <a:extLst>
-              <a:ext uri="{FF2B5EF4-FFF2-40B4-BE49-F238E27FC236}">
-                <a16:creationId xmlns:a16="http://schemas.microsoft.com/office/drawing/2014/main" id="{114FF8C2-58A0-41C4-969F-FEB982672582}"/>
-              </a:ext>
-            </a:extLst>
-          </p:cNvPr>
-          <p:cNvSpPr txBox="1"/>
-          <p:nvPr/>
-        </p:nvSpPr>
-        <p:spPr>
-          <a:xfrm>
-            <a:off x="7233720" y="1078697"/>
-            <a:ext cx="444133" cy="246221"/>
-          </a:xfrm>
-          <a:prstGeom prst="rect">
-            <a:avLst/>
-          </a:prstGeom>
-          <a:noFill/>
-        </p:spPr>
-        <p:txBody>
-          <a:bodyPr wrap="square" rtlCol="0">
-            <a:spAutoFit/>
-          </a:bodyPr>
-          <a:lstStyle/>
-          <a:p>
-            <a:r>
-              <a:rPr lang="en-US" sz="1000" noProof="1"/>
-              <a:t>0..*</a:t>
-            </a:r>
-          </a:p>
-        </p:txBody>
-      </p:sp>
-      <p:sp>
-        <p:nvSpPr>
-          <p:cNvPr id="49" name="ZoneTexte 48">
-            <a:extLst>
-              <a:ext uri="{FF2B5EF4-FFF2-40B4-BE49-F238E27FC236}">
-                <a16:creationId xmlns:a16="http://schemas.microsoft.com/office/drawing/2014/main" id="{4D1987F7-64AB-4276-885C-ABB5E203F9F7}"/>
-              </a:ext>
-            </a:extLst>
-          </p:cNvPr>
-          <p:cNvSpPr txBox="1"/>
-          <p:nvPr/>
-        </p:nvSpPr>
-        <p:spPr>
-          <a:xfrm>
-            <a:off x="7475958" y="167034"/>
-            <a:ext cx="1818692" cy="461665"/>
-          </a:xfrm>
-          <a:prstGeom prst="rect">
-            <a:avLst/>
-          </a:prstGeom>
-          <a:noFill/>
-        </p:spPr>
-        <p:txBody>
-          <a:bodyPr wrap="square" rtlCol="0">
-            <a:spAutoFit/>
-          </a:bodyPr>
-          <a:lstStyle/>
-          <a:p>
-            <a:pPr algn="r"/>
-            <a:r>
-              <a:rPr lang="en-US" sz="1200" i="1" noProof="1"/>
-              <a:t>a catalog of medications handled with method 1</a:t>
-            </a:r>
-          </a:p>
-        </p:txBody>
-      </p:sp>
-      <p:sp>
-        <p:nvSpPr>
-          <p:cNvPr id="50" name="ZoneTexte 49">
-            <a:extLst>
-              <a:ext uri="{FF2B5EF4-FFF2-40B4-BE49-F238E27FC236}">
-                <a16:creationId xmlns:a16="http://schemas.microsoft.com/office/drawing/2014/main" id="{18F3692A-6BD3-4364-86E2-2F8A35E63556}"/>
-              </a:ext>
-            </a:extLst>
-          </p:cNvPr>
-          <p:cNvSpPr txBox="1"/>
-          <p:nvPr/>
-        </p:nvSpPr>
-        <p:spPr>
-          <a:xfrm>
-            <a:off x="9228852" y="863321"/>
-            <a:ext cx="898203" cy="246221"/>
-          </a:xfrm>
-          <a:prstGeom prst="rect">
-            <a:avLst/>
-          </a:prstGeom>
-          <a:noFill/>
-        </p:spPr>
-        <p:txBody>
-          <a:bodyPr wrap="square" rtlCol="0">
-            <a:spAutoFit/>
-          </a:bodyPr>
-          <a:lstStyle/>
-          <a:p>
-            <a:r>
-              <a:rPr lang="en-US" sz="1000" noProof="1">
-                <a:solidFill>
-                  <a:srgbClr val="0070C0"/>
-                </a:solidFill>
-              </a:rPr>
-              <a:t>section.entry</a:t>
-            </a:r>
-          </a:p>
-        </p:txBody>
-      </p:sp>
-      <p:cxnSp>
-        <p:nvCxnSpPr>
-          <p:cNvPr id="52" name="Connecteur : en angle 51">
-            <a:extLst>
-              <a:ext uri="{FF2B5EF4-FFF2-40B4-BE49-F238E27FC236}">
-                <a16:creationId xmlns:a16="http://schemas.microsoft.com/office/drawing/2014/main" id="{301A3A58-D325-4117-AF74-AD6059609B43}"/>
-              </a:ext>
-            </a:extLst>
-          </p:cNvPr>
-          <p:cNvCxnSpPr>
-            <a:cxnSpLocks/>
-            <a:stCxn id="21" idx="3"/>
-            <a:endCxn id="25" idx="2"/>
-          </p:cNvCxnSpPr>
-          <p:nvPr/>
-        </p:nvCxnSpPr>
-        <p:spPr>
-          <a:xfrm flipV="1">
-            <a:off x="4175002" y="2122421"/>
-            <a:ext cx="1828550" cy="247847"/>
-          </a:xfrm>
-          <a:prstGeom prst="bentConnector2">
-            <a:avLst/>
-          </a:prstGeom>
-          <a:ln w="19050">
-            <a:headEnd type="arrow" w="med" len="med"/>
-            <a:tailEnd type="none" w="med" len="med"/>
-          </a:ln>
-        </p:spPr>
-        <p:style>
-          <a:lnRef idx="1">
-            <a:schemeClr val="accent1"/>
-          </a:lnRef>
-          <a:fillRef idx="0">
-            <a:schemeClr val="accent1"/>
-          </a:fillRef>
-          <a:effectRef idx="0">
-            <a:schemeClr val="accent1"/>
-          </a:effectRef>
-          <a:fontRef idx="minor">
-            <a:schemeClr val="tx1"/>
-          </a:fontRef>
-        </p:style>
-      </p:cxnSp>
-      <p:cxnSp>
-        <p:nvCxnSpPr>
-          <p:cNvPr id="53" name="Connecteur : en angle 52">
-            <a:extLst>
-              <a:ext uri="{FF2B5EF4-FFF2-40B4-BE49-F238E27FC236}">
-                <a16:creationId xmlns:a16="http://schemas.microsoft.com/office/drawing/2014/main" id="{DC7035E1-0312-457C-8D8E-B608F693E7FF}"/>
-              </a:ext>
-            </a:extLst>
-          </p:cNvPr>
-          <p:cNvCxnSpPr>
-            <a:cxnSpLocks/>
-            <a:stCxn id="38" idx="3"/>
-            <a:endCxn id="22" idx="2"/>
-          </p:cNvCxnSpPr>
-          <p:nvPr/>
-        </p:nvCxnSpPr>
-        <p:spPr>
-          <a:xfrm flipV="1">
-            <a:off x="4184463" y="2119437"/>
-            <a:ext cx="2022894" cy="457600"/>
-          </a:xfrm>
-          <a:prstGeom prst="bentConnector2">
-            <a:avLst/>
-          </a:prstGeom>
-          <a:ln w="19050">
-            <a:headEnd type="arrow" w="med" len="med"/>
-            <a:tailEnd type="none" w="med" len="med"/>
-          </a:ln>
-        </p:spPr>
-        <p:style>
-          <a:lnRef idx="1">
-            <a:schemeClr val="accent1"/>
-          </a:lnRef>
-          <a:fillRef idx="0">
-            <a:schemeClr val="accent1"/>
-          </a:fillRef>
-          <a:effectRef idx="0">
-            <a:schemeClr val="accent1"/>
-          </a:effectRef>
-          <a:fontRef idx="minor">
-            <a:schemeClr val="tx1"/>
-          </a:fontRef>
-        </p:style>
-      </p:cxnSp>
-      <p:cxnSp>
-        <p:nvCxnSpPr>
-          <p:cNvPr id="54" name="Connecteur : en angle 53">
-            <a:extLst>
-              <a:ext uri="{FF2B5EF4-FFF2-40B4-BE49-F238E27FC236}">
-                <a16:creationId xmlns:a16="http://schemas.microsoft.com/office/drawing/2014/main" id="{C07E1394-BC95-4443-B969-97AA316D0A40}"/>
-              </a:ext>
-            </a:extLst>
-          </p:cNvPr>
-          <p:cNvCxnSpPr>
-            <a:cxnSpLocks/>
-            <a:stCxn id="20" idx="3"/>
-            <a:endCxn id="23" idx="2"/>
-          </p:cNvCxnSpPr>
-          <p:nvPr/>
-        </p:nvCxnSpPr>
-        <p:spPr>
-          <a:xfrm flipV="1">
-            <a:off x="4175342" y="2119437"/>
-            <a:ext cx="2236755" cy="686159"/>
-          </a:xfrm>
-          <a:prstGeom prst="bentConnector2">
-            <a:avLst/>
-          </a:prstGeom>
-          <a:ln w="19050">
-            <a:headEnd type="arrow" w="med" len="med"/>
-            <a:tailEnd type="none" w="med" len="med"/>
-          </a:ln>
-        </p:spPr>
-        <p:style>
-          <a:lnRef idx="1">
-            <a:schemeClr val="accent1"/>
-          </a:lnRef>
-          <a:fillRef idx="0">
-            <a:schemeClr val="accent1"/>
-          </a:fillRef>
-          <a:effectRef idx="0">
-            <a:schemeClr val="accent1"/>
-          </a:effectRef>
-          <a:fontRef idx="minor">
-            <a:schemeClr val="tx1"/>
-          </a:fontRef>
-        </p:style>
-      </p:cxnSp>
-      <p:sp>
-        <p:nvSpPr>
-          <p:cNvPr id="55" name="Rectangle 54">
-            <a:extLst>
-              <a:ext uri="{FF2B5EF4-FFF2-40B4-BE49-F238E27FC236}">
-                <a16:creationId xmlns:a16="http://schemas.microsoft.com/office/drawing/2014/main" id="{ACFDA57C-265C-42FA-A9E4-2199D19BA3D5}"/>
-              </a:ext>
-            </a:extLst>
-          </p:cNvPr>
-          <p:cNvSpPr/>
-          <p:nvPr/>
-        </p:nvSpPr>
-        <p:spPr>
-          <a:xfrm>
-            <a:off x="4550470" y="2179068"/>
-            <a:ext cx="1355834" cy="246221"/>
-          </a:xfrm>
-          <a:prstGeom prst="rect">
-            <a:avLst/>
-          </a:prstGeom>
-        </p:spPr>
-        <p:txBody>
-          <a:bodyPr wrap="square">
-            <a:spAutoFit/>
-          </a:bodyPr>
-          <a:lstStyle/>
-          <a:p>
-            <a:r>
-              <a:rPr lang="en-US" sz="1000" noProof="1">
-                <a:solidFill>
-                  <a:srgbClr val="0070C0"/>
-                </a:solidFill>
-              </a:rPr>
-              <a:t>regulatoryAuthority</a:t>
-            </a:r>
-          </a:p>
-        </p:txBody>
-      </p:sp>
-      <p:sp>
-        <p:nvSpPr>
-          <p:cNvPr id="56" name="Rectangle 55">
-            <a:extLst>
-              <a:ext uri="{FF2B5EF4-FFF2-40B4-BE49-F238E27FC236}">
-                <a16:creationId xmlns:a16="http://schemas.microsoft.com/office/drawing/2014/main" id="{BE83DCFB-C4BB-48F9-98BF-C7C5D89CBBCF}"/>
-              </a:ext>
-            </a:extLst>
-          </p:cNvPr>
-          <p:cNvSpPr/>
-          <p:nvPr/>
-        </p:nvSpPr>
-        <p:spPr>
-          <a:xfrm>
-            <a:off x="4538596" y="2385644"/>
-            <a:ext cx="579044" cy="246221"/>
-          </a:xfrm>
-          <a:prstGeom prst="rect">
-            <a:avLst/>
-          </a:prstGeom>
-        </p:spPr>
-        <p:txBody>
-          <a:bodyPr wrap="square">
-            <a:spAutoFit/>
-          </a:bodyPr>
-          <a:lstStyle/>
-          <a:p>
-            <a:r>
-              <a:rPr lang="en-US" sz="1000" noProof="1">
-                <a:solidFill>
-                  <a:srgbClr val="0070C0"/>
-                </a:solidFill>
-              </a:rPr>
-              <a:t>author</a:t>
-            </a:r>
-          </a:p>
-        </p:txBody>
-      </p:sp>
-      <p:sp>
-        <p:nvSpPr>
-          <p:cNvPr id="57" name="Rectangle 56">
-            <a:extLst>
-              <a:ext uri="{FF2B5EF4-FFF2-40B4-BE49-F238E27FC236}">
-                <a16:creationId xmlns:a16="http://schemas.microsoft.com/office/drawing/2014/main" id="{41E2227B-071A-4C20-A41E-253016E66462}"/>
-              </a:ext>
-            </a:extLst>
-          </p:cNvPr>
-          <p:cNvSpPr/>
-          <p:nvPr/>
-        </p:nvSpPr>
-        <p:spPr>
-          <a:xfrm>
-            <a:off x="4538596" y="2613268"/>
-            <a:ext cx="838698" cy="246221"/>
-          </a:xfrm>
-          <a:prstGeom prst="rect">
-            <a:avLst/>
-          </a:prstGeom>
-        </p:spPr>
-        <p:txBody>
-          <a:bodyPr wrap="square">
-            <a:spAutoFit/>
-          </a:bodyPr>
-          <a:lstStyle/>
-          <a:p>
-            <a:r>
-              <a:rPr lang="en-US" sz="1000" noProof="1">
-                <a:solidFill>
-                  <a:srgbClr val="0070C0"/>
-                </a:solidFill>
-              </a:rPr>
-              <a:t>sponsor</a:t>
-            </a:r>
-          </a:p>
-        </p:txBody>
-      </p:sp>
-      <p:sp>
-        <p:nvSpPr>
-          <p:cNvPr id="58" name="ZoneTexte 57">
-            <a:extLst>
-              <a:ext uri="{FF2B5EF4-FFF2-40B4-BE49-F238E27FC236}">
-                <a16:creationId xmlns:a16="http://schemas.microsoft.com/office/drawing/2014/main" id="{A9C670D0-E269-4AEF-8840-44E2101F7B63}"/>
-              </a:ext>
-            </a:extLst>
-          </p:cNvPr>
-          <p:cNvSpPr txBox="1"/>
-          <p:nvPr/>
-        </p:nvSpPr>
-        <p:spPr>
-          <a:xfrm>
-            <a:off x="4175179" y="2180365"/>
-            <a:ext cx="405123" cy="246221"/>
-          </a:xfrm>
-          <a:prstGeom prst="rect">
-            <a:avLst/>
-          </a:prstGeom>
-          <a:noFill/>
-        </p:spPr>
-        <p:txBody>
-          <a:bodyPr wrap="square" rtlCol="0">
-            <a:spAutoFit/>
-          </a:bodyPr>
-          <a:lstStyle/>
-          <a:p>
-            <a:r>
-              <a:rPr lang="en-US" sz="1000" noProof="1"/>
-              <a:t>0..1</a:t>
-            </a:r>
-          </a:p>
-        </p:txBody>
-      </p:sp>
-      <p:sp>
-        <p:nvSpPr>
-          <p:cNvPr id="59" name="ZoneTexte 58">
-            <a:extLst>
-              <a:ext uri="{FF2B5EF4-FFF2-40B4-BE49-F238E27FC236}">
-                <a16:creationId xmlns:a16="http://schemas.microsoft.com/office/drawing/2014/main" id="{7F891DED-D9D3-48EB-A5A1-F1E15E837EBD}"/>
-              </a:ext>
-            </a:extLst>
-          </p:cNvPr>
-          <p:cNvSpPr txBox="1"/>
-          <p:nvPr/>
-        </p:nvSpPr>
-        <p:spPr>
-          <a:xfrm>
-            <a:off x="4168794" y="2391951"/>
-            <a:ext cx="388393" cy="246221"/>
-          </a:xfrm>
-          <a:prstGeom prst="rect">
-            <a:avLst/>
-          </a:prstGeom>
-          <a:noFill/>
-        </p:spPr>
-        <p:txBody>
-          <a:bodyPr wrap="square" rtlCol="0">
-            <a:spAutoFit/>
-          </a:bodyPr>
-          <a:lstStyle/>
-          <a:p>
-            <a:r>
-              <a:rPr lang="en-US" sz="1000" noProof="1"/>
-              <a:t>0..1</a:t>
-            </a:r>
-          </a:p>
-        </p:txBody>
-      </p:sp>
-      <p:cxnSp>
-        <p:nvCxnSpPr>
-          <p:cNvPr id="60" name="Connecteur : en angle 59">
-            <a:extLst>
-              <a:ext uri="{FF2B5EF4-FFF2-40B4-BE49-F238E27FC236}">
-                <a16:creationId xmlns:a16="http://schemas.microsoft.com/office/drawing/2014/main" id="{FBE094D9-3713-4C27-8090-732FE2EADDA4}"/>
-              </a:ext>
-            </a:extLst>
-          </p:cNvPr>
-          <p:cNvCxnSpPr>
-            <a:cxnSpLocks/>
-            <a:stCxn id="5" idx="1"/>
-            <a:endCxn id="61" idx="3"/>
-          </p:cNvCxnSpPr>
-          <p:nvPr/>
-        </p:nvCxnSpPr>
-        <p:spPr>
-          <a:xfrm rot="10800000" flipV="1">
-            <a:off x="4465340" y="1559320"/>
-            <a:ext cx="1476487" cy="766"/>
-          </a:xfrm>
-          <a:prstGeom prst="bentConnector3">
-            <a:avLst>
-              <a:gd name="adj1" fmla="val 50000"/>
-            </a:avLst>
-          </a:prstGeom>
-          <a:ln w="19050">
-            <a:headEnd type="none" w="med" len="med"/>
-            <a:tailEnd type="arrow" w="med" len="med"/>
-          </a:ln>
-        </p:spPr>
-        <p:style>
-          <a:lnRef idx="1">
-            <a:schemeClr val="accent1"/>
-          </a:lnRef>
-          <a:fillRef idx="0">
-            <a:schemeClr val="accent1"/>
-          </a:fillRef>
-          <a:effectRef idx="0">
-            <a:schemeClr val="accent1"/>
-          </a:effectRef>
-          <a:fontRef idx="minor">
-            <a:schemeClr val="tx1"/>
-          </a:fontRef>
-        </p:style>
-      </p:cxnSp>
-      <p:sp>
-        <p:nvSpPr>
-          <p:cNvPr id="61" name="Rectangle 60">
-            <a:extLst>
-              <a:ext uri="{FF2B5EF4-FFF2-40B4-BE49-F238E27FC236}">
-                <a16:creationId xmlns:a16="http://schemas.microsoft.com/office/drawing/2014/main" id="{F2401197-03BE-492E-A6BF-FB1134FEEA5F}"/>
-              </a:ext>
-            </a:extLst>
-          </p:cNvPr>
-          <p:cNvSpPr/>
-          <p:nvPr/>
-        </p:nvSpPr>
-        <p:spPr>
-          <a:xfrm>
-            <a:off x="2847316" y="1273172"/>
-            <a:ext cx="1618023" cy="573827"/>
-          </a:xfrm>
-          <a:prstGeom prst="rect">
-            <a:avLst/>
-          </a:prstGeom>
-          <a:gradFill flip="none" rotWithShape="1">
-            <a:gsLst>
-              <a:gs pos="0">
-                <a:schemeClr val="accent1">
-                  <a:shade val="30000"/>
-                  <a:satMod val="115000"/>
-                </a:schemeClr>
-              </a:gs>
-              <a:gs pos="50000">
-                <a:schemeClr val="accent1">
-                  <a:shade val="67500"/>
-                  <a:satMod val="115000"/>
-                </a:schemeClr>
-              </a:gs>
-              <a:gs pos="100000">
-                <a:schemeClr val="accent1">
-                  <a:shade val="100000"/>
-                  <a:satMod val="115000"/>
-                </a:schemeClr>
-              </a:gs>
-            </a:gsLst>
-            <a:lin ang="0" scaled="1"/>
-            <a:tileRect/>
-          </a:gradFill>
-          <a:ln>
-            <a:noFill/>
-          </a:ln>
-          <a:effectLst/>
-        </p:spPr>
-        <p:style>
-          <a:lnRef idx="2">
-            <a:schemeClr val="accent1">
-              <a:shade val="50000"/>
-            </a:schemeClr>
-          </a:lnRef>
-          <a:fillRef idx="1">
-            <a:schemeClr val="accent1"/>
-          </a:fillRef>
-          <a:effectRef idx="0">
-            <a:schemeClr val="accent1"/>
-          </a:effectRef>
-          <a:fontRef idx="minor">
-            <a:schemeClr val="lt1"/>
-          </a:fontRef>
-        </p:style>
-        <p:txBody>
-          <a:bodyPr rtlCol="0" anchor="ctr"/>
-          <a:lstStyle/>
-          <a:p>
-            <a:pPr algn="ctr"/>
-            <a:r>
-              <a:rPr lang="en-US" sz="1200" noProof="1">
-                <a:solidFill>
-                  <a:srgbClr val="FFFF00"/>
-                </a:solidFill>
-              </a:rPr>
-              <a:t>DrugMonoGraph profile of DocumentReference</a:t>
-            </a:r>
-          </a:p>
-        </p:txBody>
-      </p:sp>
-      <p:sp>
-        <p:nvSpPr>
-          <p:cNvPr id="62" name="ZoneTexte 61">
-            <a:extLst>
-              <a:ext uri="{FF2B5EF4-FFF2-40B4-BE49-F238E27FC236}">
-                <a16:creationId xmlns:a16="http://schemas.microsoft.com/office/drawing/2014/main" id="{F5B29CAA-89C2-41FC-B10D-EB05ACAE9092}"/>
-              </a:ext>
-            </a:extLst>
-          </p:cNvPr>
-          <p:cNvSpPr txBox="1"/>
-          <p:nvPr/>
-        </p:nvSpPr>
-        <p:spPr>
-          <a:xfrm>
-            <a:off x="4462392" y="1566073"/>
-            <a:ext cx="405123" cy="246221"/>
-          </a:xfrm>
-          <a:prstGeom prst="rect">
-            <a:avLst/>
-          </a:prstGeom>
-          <a:noFill/>
-        </p:spPr>
-        <p:txBody>
-          <a:bodyPr wrap="square" rtlCol="0">
-            <a:spAutoFit/>
-          </a:bodyPr>
-          <a:lstStyle/>
-          <a:p>
-            <a:r>
-              <a:rPr lang="en-US" sz="1000" noProof="1"/>
-              <a:t>0..*</a:t>
-            </a:r>
-          </a:p>
-        </p:txBody>
-      </p:sp>
-      <p:sp>
-        <p:nvSpPr>
-          <p:cNvPr id="63" name="Rectangle 62">
-            <a:extLst>
-              <a:ext uri="{FF2B5EF4-FFF2-40B4-BE49-F238E27FC236}">
-                <a16:creationId xmlns:a16="http://schemas.microsoft.com/office/drawing/2014/main" id="{DA71AA2D-B596-4E27-A8E5-312D41526BFA}"/>
-              </a:ext>
-            </a:extLst>
-          </p:cNvPr>
-          <p:cNvSpPr/>
-          <p:nvPr/>
-        </p:nvSpPr>
-        <p:spPr>
-          <a:xfrm>
-            <a:off x="2847316" y="3430328"/>
-            <a:ext cx="1659573" cy="601464"/>
-          </a:xfrm>
-          <a:prstGeom prst="rect">
-            <a:avLst/>
-          </a:prstGeom>
-          <a:gradFill flip="none" rotWithShape="1">
-            <a:gsLst>
-              <a:gs pos="0">
-                <a:schemeClr val="accent1">
-                  <a:shade val="30000"/>
-                  <a:satMod val="115000"/>
-                </a:schemeClr>
-              </a:gs>
-              <a:gs pos="50000">
-                <a:schemeClr val="accent1">
-                  <a:shade val="67500"/>
-                  <a:satMod val="115000"/>
-                </a:schemeClr>
-              </a:gs>
-              <a:gs pos="100000">
-                <a:schemeClr val="accent1">
-                  <a:shade val="100000"/>
-                  <a:satMod val="115000"/>
-                </a:schemeClr>
-              </a:gs>
-            </a:gsLst>
-            <a:lin ang="0" scaled="1"/>
-            <a:tileRect/>
-          </a:gradFill>
-          <a:ln>
-            <a:noFill/>
-          </a:ln>
-          <a:effectLst/>
-        </p:spPr>
-        <p:style>
-          <a:lnRef idx="2">
-            <a:schemeClr val="accent1">
-              <a:shade val="50000"/>
-            </a:schemeClr>
-          </a:lnRef>
-          <a:fillRef idx="1">
-            <a:schemeClr val="accent1"/>
-          </a:fillRef>
-          <a:effectRef idx="0">
-            <a:schemeClr val="accent1"/>
-          </a:effectRef>
-          <a:fontRef idx="minor">
-            <a:schemeClr val="lt1"/>
-          </a:fontRef>
-        </p:style>
-        <p:txBody>
-          <a:bodyPr rtlCol="0" anchor="ctr"/>
-          <a:lstStyle/>
-          <a:p>
-            <a:pPr algn="ctr"/>
-            <a:r>
-              <a:rPr lang="en-US" sz="1200" noProof="1">
-                <a:solidFill>
-                  <a:srgbClr val="FFFF00"/>
-                </a:solidFill>
-              </a:rPr>
-              <a:t>Indication profile of ClinicalUseDefinition</a:t>
-            </a:r>
-          </a:p>
-        </p:txBody>
-      </p:sp>
-      <p:sp>
-        <p:nvSpPr>
-          <p:cNvPr id="64" name="Rectangle 63">
-            <a:extLst>
-              <a:ext uri="{FF2B5EF4-FFF2-40B4-BE49-F238E27FC236}">
-                <a16:creationId xmlns:a16="http://schemas.microsoft.com/office/drawing/2014/main" id="{B291188D-4926-4A5A-8338-E1AA2A80525B}"/>
-              </a:ext>
-            </a:extLst>
-          </p:cNvPr>
-          <p:cNvSpPr/>
-          <p:nvPr/>
-        </p:nvSpPr>
-        <p:spPr>
-          <a:xfrm>
-            <a:off x="6483715" y="3233970"/>
-            <a:ext cx="1666398" cy="601464"/>
-          </a:xfrm>
-          <a:prstGeom prst="rect">
-            <a:avLst/>
-          </a:prstGeom>
-          <a:gradFill flip="none" rotWithShape="1">
-            <a:gsLst>
-              <a:gs pos="0">
-                <a:schemeClr val="accent1">
-                  <a:shade val="30000"/>
-                  <a:satMod val="115000"/>
-                </a:schemeClr>
-              </a:gs>
-              <a:gs pos="50000">
-                <a:schemeClr val="accent1">
-                  <a:shade val="67500"/>
-                  <a:satMod val="115000"/>
-                </a:schemeClr>
-              </a:gs>
-              <a:gs pos="100000">
-                <a:schemeClr val="accent1">
-                  <a:shade val="100000"/>
-                  <a:satMod val="115000"/>
-                </a:schemeClr>
-              </a:gs>
-            </a:gsLst>
-            <a:lin ang="0" scaled="1"/>
-            <a:tileRect/>
-          </a:gradFill>
-          <a:ln>
-            <a:noFill/>
-          </a:ln>
-          <a:effectLst/>
-        </p:spPr>
-        <p:style>
-          <a:lnRef idx="2">
-            <a:schemeClr val="accent1">
-              <a:shade val="50000"/>
-            </a:schemeClr>
-          </a:lnRef>
-          <a:fillRef idx="1">
-            <a:schemeClr val="accent1"/>
-          </a:fillRef>
-          <a:effectRef idx="0">
-            <a:schemeClr val="accent1"/>
-          </a:effectRef>
-          <a:fontRef idx="minor">
-            <a:schemeClr val="lt1"/>
-          </a:fontRef>
-        </p:style>
-        <p:txBody>
-          <a:bodyPr rtlCol="0" anchor="ctr"/>
-          <a:lstStyle/>
-          <a:p>
-            <a:pPr algn="ctr"/>
-            <a:r>
-              <a:rPr lang="en-US" sz="1200" noProof="1">
-                <a:solidFill>
-                  <a:srgbClr val="FFFF00"/>
-                </a:solidFill>
-              </a:rPr>
-              <a:t>Warning </a:t>
-            </a:r>
-          </a:p>
-          <a:p>
-            <a:pPr algn="ctr"/>
-            <a:r>
-              <a:rPr lang="en-US" sz="1200" noProof="1">
-                <a:solidFill>
-                  <a:srgbClr val="FFFF00"/>
-                </a:solidFill>
-              </a:rPr>
-              <a:t>profile of ClinicalUseDefinition</a:t>
-            </a:r>
-          </a:p>
-        </p:txBody>
-      </p:sp>
-      <p:cxnSp>
-        <p:nvCxnSpPr>
-          <p:cNvPr id="65" name="Connecteur : en angle 64">
-            <a:extLst>
-              <a:ext uri="{FF2B5EF4-FFF2-40B4-BE49-F238E27FC236}">
-                <a16:creationId xmlns:a16="http://schemas.microsoft.com/office/drawing/2014/main" id="{973F3054-ACA1-4C24-BEEC-EF27B0170C3C}"/>
-              </a:ext>
-            </a:extLst>
-          </p:cNvPr>
-          <p:cNvCxnSpPr>
-            <a:cxnSpLocks/>
-            <a:stCxn id="114" idx="2"/>
-            <a:endCxn id="63" idx="0"/>
-          </p:cNvCxnSpPr>
-          <p:nvPr/>
-        </p:nvCxnSpPr>
-        <p:spPr>
-          <a:xfrm rot="5400000">
-            <a:off x="4497183" y="1307590"/>
-            <a:ext cx="1302659" cy="2942817"/>
-          </a:xfrm>
-          <a:prstGeom prst="bentConnector3">
-            <a:avLst>
-              <a:gd name="adj1" fmla="val 73250"/>
-            </a:avLst>
-          </a:prstGeom>
-          <a:ln w="19050">
-            <a:headEnd type="none" w="med" len="med"/>
-            <a:tailEnd type="arrow" w="med" len="med"/>
-          </a:ln>
-        </p:spPr>
-        <p:style>
-          <a:lnRef idx="1">
-            <a:schemeClr val="accent1"/>
-          </a:lnRef>
-          <a:fillRef idx="0">
-            <a:schemeClr val="accent1"/>
-          </a:fillRef>
-          <a:effectRef idx="0">
-            <a:schemeClr val="accent1"/>
-          </a:effectRef>
-          <a:fontRef idx="minor">
-            <a:schemeClr val="tx1"/>
-          </a:fontRef>
-        </p:style>
-      </p:cxnSp>
-      <p:cxnSp>
-        <p:nvCxnSpPr>
-          <p:cNvPr id="66" name="Connecteur : en angle 65">
-            <a:extLst>
-              <a:ext uri="{FF2B5EF4-FFF2-40B4-BE49-F238E27FC236}">
-                <a16:creationId xmlns:a16="http://schemas.microsoft.com/office/drawing/2014/main" id="{37B5F18A-C185-436E-A300-58BAADFC258B}"/>
-              </a:ext>
-            </a:extLst>
-          </p:cNvPr>
-          <p:cNvCxnSpPr>
-            <a:cxnSpLocks/>
-            <a:stCxn id="98" idx="2"/>
-            <a:endCxn id="64" idx="0"/>
-          </p:cNvCxnSpPr>
-          <p:nvPr/>
-        </p:nvCxnSpPr>
-        <p:spPr>
-          <a:xfrm rot="16200000" flipH="1">
-            <a:off x="6758683" y="2675738"/>
-            <a:ext cx="1114607" cy="1856"/>
-          </a:xfrm>
-          <a:prstGeom prst="bentConnector3">
-            <a:avLst>
-              <a:gd name="adj1" fmla="val 50000"/>
-            </a:avLst>
-          </a:prstGeom>
-          <a:ln w="19050">
-            <a:headEnd type="none" w="med" len="med"/>
-            <a:tailEnd type="arrow" w="med" len="med"/>
-          </a:ln>
-        </p:spPr>
-        <p:style>
-          <a:lnRef idx="1">
-            <a:schemeClr val="accent1"/>
-          </a:lnRef>
-          <a:fillRef idx="0">
-            <a:schemeClr val="accent1"/>
-          </a:fillRef>
-          <a:effectRef idx="0">
-            <a:schemeClr val="accent1"/>
-          </a:effectRef>
-          <a:fontRef idx="minor">
-            <a:schemeClr val="tx1"/>
-          </a:fontRef>
-        </p:style>
-      </p:cxnSp>
-      <p:sp>
-        <p:nvSpPr>
-          <p:cNvPr id="67" name="ZoneTexte 66">
-            <a:extLst>
-              <a:ext uri="{FF2B5EF4-FFF2-40B4-BE49-F238E27FC236}">
-                <a16:creationId xmlns:a16="http://schemas.microsoft.com/office/drawing/2014/main" id="{80627F96-B80B-4B96-9023-1C63A88F5877}"/>
-              </a:ext>
-            </a:extLst>
-          </p:cNvPr>
-          <p:cNvSpPr txBox="1"/>
-          <p:nvPr/>
-        </p:nvSpPr>
-        <p:spPr>
-          <a:xfrm>
-            <a:off x="6974054" y="2943904"/>
-            <a:ext cx="405140" cy="246221"/>
-          </a:xfrm>
-          <a:prstGeom prst="rect">
-            <a:avLst/>
-          </a:prstGeom>
-          <a:noFill/>
-        </p:spPr>
-        <p:txBody>
-          <a:bodyPr wrap="square" rtlCol="0">
-            <a:spAutoFit/>
-          </a:bodyPr>
-          <a:lstStyle/>
-          <a:p>
-            <a:r>
-              <a:rPr lang="en-US" sz="1000" noProof="1"/>
-              <a:t>0..*</a:t>
-            </a:r>
-          </a:p>
-        </p:txBody>
-      </p:sp>
-      <p:sp>
-        <p:nvSpPr>
-          <p:cNvPr id="68" name="ZoneTexte 67">
-            <a:extLst>
-              <a:ext uri="{FF2B5EF4-FFF2-40B4-BE49-F238E27FC236}">
-                <a16:creationId xmlns:a16="http://schemas.microsoft.com/office/drawing/2014/main" id="{4E2A38EA-069E-4141-B5C0-922040A304F4}"/>
-              </a:ext>
-            </a:extLst>
-          </p:cNvPr>
-          <p:cNvSpPr txBox="1"/>
-          <p:nvPr/>
-        </p:nvSpPr>
-        <p:spPr>
-          <a:xfrm>
-            <a:off x="3399789" y="3195816"/>
-            <a:ext cx="423703" cy="246221"/>
-          </a:xfrm>
-          <a:prstGeom prst="rect">
-            <a:avLst/>
-          </a:prstGeom>
-          <a:noFill/>
-        </p:spPr>
-        <p:txBody>
-          <a:bodyPr wrap="square" rtlCol="0">
-            <a:spAutoFit/>
-          </a:bodyPr>
-          <a:lstStyle/>
-          <a:p>
-            <a:r>
-              <a:rPr lang="en-US" sz="1000" noProof="1"/>
-              <a:t>0..*</a:t>
-            </a:r>
-          </a:p>
-        </p:txBody>
-      </p:sp>
-      <p:sp>
-        <p:nvSpPr>
-          <p:cNvPr id="69" name="ZoneTexte 68">
-            <a:extLst>
-              <a:ext uri="{FF2B5EF4-FFF2-40B4-BE49-F238E27FC236}">
-                <a16:creationId xmlns:a16="http://schemas.microsoft.com/office/drawing/2014/main" id="{BF5F5744-DE68-44D7-90A3-865A0E763A11}"/>
-              </a:ext>
-            </a:extLst>
-          </p:cNvPr>
-          <p:cNvSpPr txBox="1"/>
-          <p:nvPr/>
-        </p:nvSpPr>
-        <p:spPr>
-          <a:xfrm>
-            <a:off x="4550470" y="2880380"/>
-            <a:ext cx="2005686" cy="246221"/>
-          </a:xfrm>
-          <a:prstGeom prst="rect">
-            <a:avLst/>
-          </a:prstGeom>
-          <a:noFill/>
-        </p:spPr>
-        <p:txBody>
-          <a:bodyPr wrap="square" rtlCol="0">
-            <a:spAutoFit/>
-          </a:bodyPr>
-          <a:lstStyle/>
-          <a:p>
-            <a:r>
-              <a:rPr lang="en-US" sz="1000" noProof="1">
-                <a:solidFill>
-                  <a:srgbClr val="0070C0"/>
-                </a:solidFill>
-              </a:rPr>
-              <a:t>indicationGuideline.indication</a:t>
-            </a:r>
-          </a:p>
-        </p:txBody>
-      </p:sp>
-      <p:sp>
-        <p:nvSpPr>
-          <p:cNvPr id="70" name="ZoneTexte 69">
-            <a:extLst>
-              <a:ext uri="{FF2B5EF4-FFF2-40B4-BE49-F238E27FC236}">
-                <a16:creationId xmlns:a16="http://schemas.microsoft.com/office/drawing/2014/main" id="{4A6C9008-0FE6-4740-B809-8E9A196E9ECE}"/>
-              </a:ext>
-            </a:extLst>
-          </p:cNvPr>
-          <p:cNvSpPr txBox="1"/>
-          <p:nvPr/>
-        </p:nvSpPr>
-        <p:spPr>
-          <a:xfrm>
-            <a:off x="7260713" y="2306236"/>
-            <a:ext cx="1877884" cy="246221"/>
-          </a:xfrm>
-          <a:prstGeom prst="rect">
-            <a:avLst/>
-          </a:prstGeom>
-          <a:noFill/>
-        </p:spPr>
-        <p:txBody>
-          <a:bodyPr wrap="square" rtlCol="0">
-            <a:spAutoFit/>
-          </a:bodyPr>
-          <a:lstStyle/>
-          <a:p>
-            <a:r>
-              <a:rPr lang="en-US" sz="1000" noProof="1">
-                <a:solidFill>
-                  <a:srgbClr val="0070C0"/>
-                </a:solidFill>
-              </a:rPr>
-              <a:t>ClinicalUseDefinition </a:t>
-            </a:r>
-            <a:r>
-              <a:rPr lang="en-US" sz="1000" noProof="1"/>
-              <a:t>(4 slices) </a:t>
-            </a:r>
-          </a:p>
-        </p:txBody>
-      </p:sp>
-      <p:sp>
-        <p:nvSpPr>
-          <p:cNvPr id="71" name="ZoneTexte 70">
-            <a:extLst>
-              <a:ext uri="{FF2B5EF4-FFF2-40B4-BE49-F238E27FC236}">
-                <a16:creationId xmlns:a16="http://schemas.microsoft.com/office/drawing/2014/main" id="{C00C1C37-6575-463B-B882-B38B4289B347}"/>
-              </a:ext>
-            </a:extLst>
-          </p:cNvPr>
-          <p:cNvSpPr txBox="1"/>
-          <p:nvPr/>
-        </p:nvSpPr>
-        <p:spPr>
-          <a:xfrm>
-            <a:off x="1890897" y="3385048"/>
-            <a:ext cx="924161" cy="646331"/>
-          </a:xfrm>
-          <a:prstGeom prst="rect">
-            <a:avLst/>
-          </a:prstGeom>
-          <a:noFill/>
-        </p:spPr>
-        <p:txBody>
-          <a:bodyPr wrap="square" rtlCol="0">
-            <a:spAutoFit/>
-          </a:bodyPr>
-          <a:lstStyle>
-            <a:defPPr>
-              <a:defRPr lang="fr-FR"/>
-            </a:defPPr>
-            <a:lvl1pPr>
-              <a:defRPr>
-                <a:solidFill>
-                  <a:schemeClr val="accent1">
-                    <a:lumMod val="60000"/>
-                    <a:lumOff val="40000"/>
-                  </a:schemeClr>
-                </a:solidFill>
-              </a:defRPr>
-            </a:lvl1pPr>
-          </a:lstStyle>
-          <a:p>
-            <a:pPr algn="r"/>
-            <a:r>
-              <a:rPr lang="en-US" sz="1200" i="1" noProof="1">
-                <a:solidFill>
-                  <a:schemeClr val="tx1"/>
-                </a:solidFill>
-              </a:rPr>
-              <a:t>An indication of use</a:t>
-            </a:r>
-          </a:p>
-        </p:txBody>
-      </p:sp>
-      <p:sp>
-        <p:nvSpPr>
-          <p:cNvPr id="72" name="ZoneTexte 71">
-            <a:extLst>
-              <a:ext uri="{FF2B5EF4-FFF2-40B4-BE49-F238E27FC236}">
-                <a16:creationId xmlns:a16="http://schemas.microsoft.com/office/drawing/2014/main" id="{1D9F5BD1-28BB-4E2E-89DE-62E26274748B}"/>
-              </a:ext>
-            </a:extLst>
-          </p:cNvPr>
-          <p:cNvSpPr txBox="1"/>
-          <p:nvPr/>
-        </p:nvSpPr>
-        <p:spPr>
-          <a:xfrm>
-            <a:off x="8510268" y="3577573"/>
-            <a:ext cx="1207403" cy="461665"/>
-          </a:xfrm>
-          <a:prstGeom prst="rect">
-            <a:avLst/>
-          </a:prstGeom>
-          <a:noFill/>
-        </p:spPr>
-        <p:txBody>
-          <a:bodyPr wrap="square" rtlCol="0">
-            <a:spAutoFit/>
-          </a:bodyPr>
-          <a:lstStyle>
-            <a:defPPr>
-              <a:defRPr lang="fr-FR"/>
-            </a:defPPr>
-            <a:lvl1pPr>
-              <a:defRPr>
-                <a:solidFill>
-                  <a:schemeClr val="accent1">
-                    <a:lumMod val="60000"/>
-                    <a:lumOff val="40000"/>
-                  </a:schemeClr>
-                </a:solidFill>
-              </a:defRPr>
-            </a:lvl1pPr>
-          </a:lstStyle>
-          <a:p>
-            <a:r>
-              <a:rPr lang="en-US" sz="1200" i="1" noProof="1">
-                <a:solidFill>
-                  <a:schemeClr val="tx1"/>
-                </a:solidFill>
-              </a:rPr>
-              <a:t>A </a:t>
-            </a:r>
-          </a:p>
-          <a:p>
-            <a:r>
-              <a:rPr lang="en-US" sz="1200" i="1" noProof="1">
-                <a:solidFill>
-                  <a:schemeClr val="tx1"/>
-                </a:solidFill>
-              </a:rPr>
-              <a:t>contraindication</a:t>
-            </a:r>
-          </a:p>
-        </p:txBody>
-      </p:sp>
-      <p:cxnSp>
-        <p:nvCxnSpPr>
-          <p:cNvPr id="73" name="Connecteur droit avec flèche 72">
-            <a:extLst>
-              <a:ext uri="{FF2B5EF4-FFF2-40B4-BE49-F238E27FC236}">
-                <a16:creationId xmlns:a16="http://schemas.microsoft.com/office/drawing/2014/main" id="{2AEBE686-129F-4170-95B4-272DD5B65443}"/>
-              </a:ext>
-            </a:extLst>
-          </p:cNvPr>
-          <p:cNvCxnSpPr>
-            <a:stCxn id="7" idx="2"/>
-            <a:endCxn id="11" idx="0"/>
-          </p:cNvCxnSpPr>
-          <p:nvPr/>
-        </p:nvCxnSpPr>
-        <p:spPr>
-          <a:xfrm flipH="1">
-            <a:off x="2973240" y="4020505"/>
-            <a:ext cx="7174" cy="869508"/>
-          </a:xfrm>
-          <a:prstGeom prst="straightConnector1">
-            <a:avLst/>
-          </a:prstGeom>
-          <a:ln w="19050">
-            <a:headEnd type="none" w="med" len="med"/>
-            <a:tailEnd type="arrow" w="med" len="med"/>
-          </a:ln>
-        </p:spPr>
-        <p:style>
-          <a:lnRef idx="1">
-            <a:schemeClr val="accent1"/>
-          </a:lnRef>
-          <a:fillRef idx="0">
-            <a:schemeClr val="accent1"/>
-          </a:fillRef>
-          <a:effectRef idx="0">
-            <a:schemeClr val="accent1"/>
-          </a:effectRef>
-          <a:fontRef idx="minor">
-            <a:schemeClr val="tx1"/>
-          </a:fontRef>
-        </p:style>
-      </p:cxnSp>
-      <p:cxnSp>
-        <p:nvCxnSpPr>
-          <p:cNvPr id="74" name="Connecteur droit avec flèche 73">
-            <a:extLst>
-              <a:ext uri="{FF2B5EF4-FFF2-40B4-BE49-F238E27FC236}">
-                <a16:creationId xmlns:a16="http://schemas.microsoft.com/office/drawing/2014/main" id="{C2D76D2D-488F-490C-8EBA-8BF24A3B0E91}"/>
-              </a:ext>
-            </a:extLst>
-          </p:cNvPr>
-          <p:cNvCxnSpPr>
-            <a:cxnSpLocks/>
-            <a:stCxn id="6" idx="2"/>
-          </p:cNvCxnSpPr>
-          <p:nvPr/>
-        </p:nvCxnSpPr>
-        <p:spPr>
-          <a:xfrm>
-            <a:off x="3451937" y="4020505"/>
-            <a:ext cx="0" cy="863569"/>
-          </a:xfrm>
-          <a:prstGeom prst="straightConnector1">
-            <a:avLst/>
-          </a:prstGeom>
-          <a:ln w="19050">
-            <a:headEnd type="none" w="med" len="med"/>
-            <a:tailEnd type="arrow" w="med" len="med"/>
-          </a:ln>
-        </p:spPr>
-        <p:style>
-          <a:lnRef idx="1">
-            <a:schemeClr val="accent1"/>
-          </a:lnRef>
-          <a:fillRef idx="0">
-            <a:schemeClr val="accent1"/>
-          </a:fillRef>
-          <a:effectRef idx="0">
-            <a:schemeClr val="accent1"/>
-          </a:effectRef>
-          <a:fontRef idx="minor">
-            <a:schemeClr val="tx1"/>
-          </a:fontRef>
-        </p:style>
-      </p:cxnSp>
-      <p:cxnSp>
-        <p:nvCxnSpPr>
-          <p:cNvPr id="75" name="Connecteur droit avec flèche 74">
-            <a:extLst>
-              <a:ext uri="{FF2B5EF4-FFF2-40B4-BE49-F238E27FC236}">
-                <a16:creationId xmlns:a16="http://schemas.microsoft.com/office/drawing/2014/main" id="{796DC2E4-E267-4989-98F6-535EF7AEF41E}"/>
-              </a:ext>
-            </a:extLst>
-          </p:cNvPr>
-          <p:cNvCxnSpPr>
-            <a:cxnSpLocks/>
-            <a:stCxn id="9" idx="2"/>
-            <a:endCxn id="13" idx="0"/>
-          </p:cNvCxnSpPr>
-          <p:nvPr/>
-        </p:nvCxnSpPr>
-        <p:spPr>
-          <a:xfrm>
-            <a:off x="4000885" y="4020505"/>
-            <a:ext cx="0" cy="869508"/>
-          </a:xfrm>
-          <a:prstGeom prst="straightConnector1">
-            <a:avLst/>
-          </a:prstGeom>
-          <a:ln w="19050">
-            <a:headEnd type="none" w="med" len="med"/>
-            <a:tailEnd type="arrow" w="med" len="med"/>
-          </a:ln>
-        </p:spPr>
-        <p:style>
-          <a:lnRef idx="1">
-            <a:schemeClr val="accent1"/>
-          </a:lnRef>
-          <a:fillRef idx="0">
-            <a:schemeClr val="accent1"/>
-          </a:fillRef>
-          <a:effectRef idx="0">
-            <a:schemeClr val="accent1"/>
-          </a:effectRef>
-          <a:fontRef idx="minor">
-            <a:schemeClr val="tx1"/>
-          </a:fontRef>
-        </p:style>
-      </p:cxnSp>
-      <p:cxnSp>
-        <p:nvCxnSpPr>
-          <p:cNvPr id="76" name="Connecteur droit avec flèche 75">
-            <a:extLst>
-              <a:ext uri="{FF2B5EF4-FFF2-40B4-BE49-F238E27FC236}">
-                <a16:creationId xmlns:a16="http://schemas.microsoft.com/office/drawing/2014/main" id="{D46E1C0A-D4B7-4889-B9C5-475B4F1C8685}"/>
-              </a:ext>
-            </a:extLst>
-          </p:cNvPr>
-          <p:cNvCxnSpPr>
-            <a:cxnSpLocks/>
-            <a:stCxn id="8" idx="2"/>
-            <a:endCxn id="12" idx="0"/>
-          </p:cNvCxnSpPr>
-          <p:nvPr/>
-        </p:nvCxnSpPr>
-        <p:spPr>
-          <a:xfrm>
-            <a:off x="4416984" y="4020505"/>
-            <a:ext cx="11857" cy="863569"/>
-          </a:xfrm>
-          <a:prstGeom prst="straightConnector1">
-            <a:avLst/>
-          </a:prstGeom>
-          <a:ln w="19050">
-            <a:headEnd type="none" w="med" len="med"/>
-            <a:tailEnd type="arrow" w="med" len="med"/>
-          </a:ln>
-        </p:spPr>
-        <p:style>
-          <a:lnRef idx="1">
-            <a:schemeClr val="accent1"/>
-          </a:lnRef>
-          <a:fillRef idx="0">
-            <a:schemeClr val="accent1"/>
-          </a:fillRef>
-          <a:effectRef idx="0">
-            <a:schemeClr val="accent1"/>
-          </a:effectRef>
-          <a:fontRef idx="minor">
-            <a:schemeClr val="tx1"/>
-          </a:fontRef>
-        </p:style>
-      </p:cxnSp>
-      <p:cxnSp>
-        <p:nvCxnSpPr>
-          <p:cNvPr id="77" name="Connecteur : en angle 76">
-            <a:extLst>
-              <a:ext uri="{FF2B5EF4-FFF2-40B4-BE49-F238E27FC236}">
-                <a16:creationId xmlns:a16="http://schemas.microsoft.com/office/drawing/2014/main" id="{C7288BD5-7DB5-49CB-B431-7AAD55D22535}"/>
-              </a:ext>
-            </a:extLst>
-          </p:cNvPr>
-          <p:cNvCxnSpPr>
-            <a:cxnSpLocks/>
-            <a:stCxn id="17" idx="2"/>
-            <a:endCxn id="14" idx="3"/>
-          </p:cNvCxnSpPr>
-          <p:nvPr/>
-        </p:nvCxnSpPr>
-        <p:spPr>
-          <a:xfrm rot="5400000">
-            <a:off x="6005026" y="3117961"/>
-            <a:ext cx="367624" cy="3393670"/>
-          </a:xfrm>
-          <a:prstGeom prst="bentConnector2">
-            <a:avLst/>
-          </a:prstGeom>
-          <a:ln w="19050">
-            <a:headEnd type="none" w="med" len="med"/>
-            <a:tailEnd type="arrow" w="med" len="med"/>
-          </a:ln>
-        </p:spPr>
-        <p:style>
-          <a:lnRef idx="1">
-            <a:schemeClr val="accent1"/>
-          </a:lnRef>
-          <a:fillRef idx="0">
-            <a:schemeClr val="accent1"/>
-          </a:fillRef>
-          <a:effectRef idx="0">
-            <a:schemeClr val="accent1"/>
-          </a:effectRef>
-          <a:fontRef idx="minor">
-            <a:schemeClr val="tx1"/>
-          </a:fontRef>
-        </p:style>
-      </p:cxnSp>
-      <p:cxnSp>
-        <p:nvCxnSpPr>
-          <p:cNvPr id="78" name="Connecteur : en angle 77">
-            <a:extLst>
-              <a:ext uri="{FF2B5EF4-FFF2-40B4-BE49-F238E27FC236}">
-                <a16:creationId xmlns:a16="http://schemas.microsoft.com/office/drawing/2014/main" id="{CA987016-76DC-4BA0-839D-530486E448B8}"/>
-              </a:ext>
-            </a:extLst>
-          </p:cNvPr>
-          <p:cNvCxnSpPr>
-            <a:cxnSpLocks/>
-            <a:stCxn id="118" idx="2"/>
-            <a:endCxn id="113" idx="3"/>
-          </p:cNvCxnSpPr>
-          <p:nvPr/>
-        </p:nvCxnSpPr>
-        <p:spPr>
-          <a:xfrm rot="5400000">
-            <a:off x="6024476" y="3112012"/>
-            <a:ext cx="644149" cy="3692009"/>
-          </a:xfrm>
-          <a:prstGeom prst="bentConnector2">
-            <a:avLst/>
-          </a:prstGeom>
-          <a:ln w="19050">
-            <a:headEnd type="none" w="med" len="med"/>
-            <a:tailEnd type="arrow" w="med" len="med"/>
-          </a:ln>
-        </p:spPr>
-        <p:style>
-          <a:lnRef idx="1">
-            <a:schemeClr val="accent1"/>
-          </a:lnRef>
-          <a:fillRef idx="0">
-            <a:schemeClr val="accent1"/>
-          </a:fillRef>
-          <a:effectRef idx="0">
-            <a:schemeClr val="accent1"/>
-          </a:effectRef>
-          <a:fontRef idx="minor">
-            <a:schemeClr val="tx1"/>
-          </a:fontRef>
-        </p:style>
-      </p:cxnSp>
-      <p:cxnSp>
-        <p:nvCxnSpPr>
-          <p:cNvPr id="79" name="Connecteur : en angle 78">
-            <a:extLst>
-              <a:ext uri="{FF2B5EF4-FFF2-40B4-BE49-F238E27FC236}">
-                <a16:creationId xmlns:a16="http://schemas.microsoft.com/office/drawing/2014/main" id="{58FF35A5-0DA6-4762-BAD8-24682DB8649E}"/>
-              </a:ext>
-            </a:extLst>
-          </p:cNvPr>
-          <p:cNvCxnSpPr>
-            <a:cxnSpLocks/>
-            <a:stCxn id="16" idx="2"/>
-            <a:endCxn id="15" idx="3"/>
-          </p:cNvCxnSpPr>
-          <p:nvPr/>
-        </p:nvCxnSpPr>
-        <p:spPr>
-          <a:xfrm rot="5400000">
-            <a:off x="6042529" y="3080513"/>
-            <a:ext cx="930741" cy="4031683"/>
-          </a:xfrm>
-          <a:prstGeom prst="bentConnector2">
-            <a:avLst/>
-          </a:prstGeom>
-          <a:ln w="19050">
-            <a:headEnd type="none" w="med" len="med"/>
-            <a:tailEnd type="arrow" w="med" len="med"/>
-          </a:ln>
-        </p:spPr>
-        <p:style>
-          <a:lnRef idx="1">
-            <a:schemeClr val="accent1"/>
-          </a:lnRef>
-          <a:fillRef idx="0">
-            <a:schemeClr val="accent1"/>
-          </a:fillRef>
-          <a:effectRef idx="0">
-            <a:schemeClr val="accent1"/>
-          </a:effectRef>
-          <a:fontRef idx="minor">
-            <a:schemeClr val="tx1"/>
-          </a:fontRef>
-        </p:style>
-      </p:cxnSp>
-      <p:sp>
-        <p:nvSpPr>
-          <p:cNvPr id="80" name="ZoneTexte 79">
-            <a:extLst>
-              <a:ext uri="{FF2B5EF4-FFF2-40B4-BE49-F238E27FC236}">
-                <a16:creationId xmlns:a16="http://schemas.microsoft.com/office/drawing/2014/main" id="{FFB8B304-59EB-4391-9C35-30D414F3DF76}"/>
-              </a:ext>
-            </a:extLst>
-          </p:cNvPr>
-          <p:cNvSpPr txBox="1"/>
-          <p:nvPr/>
-        </p:nvSpPr>
-        <p:spPr>
-          <a:xfrm>
-            <a:off x="5359915" y="5359505"/>
-            <a:ext cx="2743409" cy="246221"/>
-          </a:xfrm>
-          <a:prstGeom prst="rect">
-            <a:avLst/>
-          </a:prstGeom>
-          <a:noFill/>
-        </p:spPr>
-        <p:txBody>
-          <a:bodyPr wrap="square" rtlCol="0">
-            <a:spAutoFit/>
-          </a:bodyPr>
-          <a:lstStyle/>
-          <a:p>
-            <a:r>
-              <a:rPr lang="en-US" sz="1000" noProof="1">
-                <a:solidFill>
-                  <a:srgbClr val="0070C0"/>
-                </a:solidFill>
-              </a:rPr>
-              <a:t>contraindication.diseaseSymptomProcedure</a:t>
-            </a:r>
-          </a:p>
-        </p:txBody>
-      </p:sp>
-      <p:sp>
-        <p:nvSpPr>
-          <p:cNvPr id="81" name="ZoneTexte 80">
-            <a:extLst>
-              <a:ext uri="{FF2B5EF4-FFF2-40B4-BE49-F238E27FC236}">
-                <a16:creationId xmlns:a16="http://schemas.microsoft.com/office/drawing/2014/main" id="{7B5658C6-F9D9-4C64-A7C4-C1A089CA94D1}"/>
-              </a:ext>
-            </a:extLst>
-          </p:cNvPr>
-          <p:cNvSpPr txBox="1"/>
-          <p:nvPr/>
-        </p:nvSpPr>
-        <p:spPr>
-          <a:xfrm>
-            <a:off x="4531440" y="5383501"/>
-            <a:ext cx="405123" cy="246221"/>
-          </a:xfrm>
-          <a:prstGeom prst="rect">
-            <a:avLst/>
-          </a:prstGeom>
-          <a:noFill/>
-        </p:spPr>
-        <p:txBody>
-          <a:bodyPr wrap="square" rtlCol="0">
-            <a:spAutoFit/>
-          </a:bodyPr>
-          <a:lstStyle/>
-          <a:p>
-            <a:r>
-              <a:rPr lang="en-US" sz="1000" noProof="1"/>
-              <a:t>0..1</a:t>
-            </a:r>
-          </a:p>
-        </p:txBody>
-      </p:sp>
-      <p:sp>
-        <p:nvSpPr>
-          <p:cNvPr id="82" name="ZoneTexte 81">
-            <a:extLst>
-              <a:ext uri="{FF2B5EF4-FFF2-40B4-BE49-F238E27FC236}">
-                <a16:creationId xmlns:a16="http://schemas.microsoft.com/office/drawing/2014/main" id="{CA707687-3043-4619-902C-120AB73718CC}"/>
-              </a:ext>
-            </a:extLst>
-          </p:cNvPr>
-          <p:cNvSpPr txBox="1"/>
-          <p:nvPr/>
-        </p:nvSpPr>
-        <p:spPr>
-          <a:xfrm>
-            <a:off x="5359915" y="5067885"/>
-            <a:ext cx="1956680" cy="246221"/>
-          </a:xfrm>
-          <a:prstGeom prst="rect">
-            <a:avLst/>
-          </a:prstGeom>
-          <a:noFill/>
-        </p:spPr>
-        <p:txBody>
-          <a:bodyPr wrap="square" rtlCol="0">
-            <a:spAutoFit/>
-          </a:bodyPr>
-          <a:lstStyle/>
-          <a:p>
-            <a:r>
-              <a:rPr lang="en-US" sz="1000" noProof="1">
-                <a:solidFill>
-                  <a:srgbClr val="0070C0"/>
-                </a:solidFill>
-              </a:rPr>
-              <a:t>contraindication.diseaseStatus</a:t>
-            </a:r>
-          </a:p>
-        </p:txBody>
-      </p:sp>
-      <p:sp>
-        <p:nvSpPr>
-          <p:cNvPr id="83" name="ZoneTexte 82">
-            <a:extLst>
-              <a:ext uri="{FF2B5EF4-FFF2-40B4-BE49-F238E27FC236}">
-                <a16:creationId xmlns:a16="http://schemas.microsoft.com/office/drawing/2014/main" id="{077A9DF6-32C9-438D-868F-E326C8415727}"/>
-              </a:ext>
-            </a:extLst>
-          </p:cNvPr>
-          <p:cNvSpPr txBox="1"/>
-          <p:nvPr/>
-        </p:nvSpPr>
-        <p:spPr>
-          <a:xfrm>
-            <a:off x="4529911" y="5087982"/>
-            <a:ext cx="405123" cy="246221"/>
-          </a:xfrm>
-          <a:prstGeom prst="rect">
-            <a:avLst/>
-          </a:prstGeom>
-          <a:noFill/>
-        </p:spPr>
-        <p:txBody>
-          <a:bodyPr wrap="square" rtlCol="0">
-            <a:spAutoFit/>
-          </a:bodyPr>
-          <a:lstStyle/>
-          <a:p>
-            <a:r>
-              <a:rPr lang="en-US" sz="1000" noProof="1"/>
-              <a:t>0..1</a:t>
-            </a:r>
-          </a:p>
-        </p:txBody>
-      </p:sp>
-      <p:sp>
-        <p:nvSpPr>
-          <p:cNvPr id="84" name="ZoneTexte 83">
-            <a:extLst>
-              <a:ext uri="{FF2B5EF4-FFF2-40B4-BE49-F238E27FC236}">
-                <a16:creationId xmlns:a16="http://schemas.microsoft.com/office/drawing/2014/main" id="{E3C514AD-DA74-4FD2-87A0-D9B0CD96718A}"/>
-              </a:ext>
-            </a:extLst>
-          </p:cNvPr>
-          <p:cNvSpPr txBox="1"/>
-          <p:nvPr/>
-        </p:nvSpPr>
-        <p:spPr>
-          <a:xfrm>
-            <a:off x="5359915" y="4791268"/>
-            <a:ext cx="1942201" cy="246221"/>
-          </a:xfrm>
-          <a:prstGeom prst="rect">
-            <a:avLst/>
-          </a:prstGeom>
-          <a:noFill/>
-        </p:spPr>
-        <p:txBody>
-          <a:bodyPr wrap="square" rtlCol="0">
-            <a:spAutoFit/>
-          </a:bodyPr>
-          <a:lstStyle/>
-          <a:p>
-            <a:r>
-              <a:rPr lang="en-US" sz="1000" noProof="1">
-                <a:solidFill>
-                  <a:srgbClr val="0070C0"/>
-                </a:solidFill>
-              </a:rPr>
-              <a:t>contraindication.comorbidity</a:t>
-            </a:r>
-          </a:p>
-        </p:txBody>
-      </p:sp>
-      <p:sp>
-        <p:nvSpPr>
-          <p:cNvPr id="85" name="ZoneTexte 84">
-            <a:extLst>
-              <a:ext uri="{FF2B5EF4-FFF2-40B4-BE49-F238E27FC236}">
-                <a16:creationId xmlns:a16="http://schemas.microsoft.com/office/drawing/2014/main" id="{9280CE32-85E4-468B-BFEC-8E57DC250F98}"/>
-              </a:ext>
-            </a:extLst>
-          </p:cNvPr>
-          <p:cNvSpPr txBox="1"/>
-          <p:nvPr/>
-        </p:nvSpPr>
-        <p:spPr>
-          <a:xfrm>
-            <a:off x="2615745" y="4629485"/>
-            <a:ext cx="386253" cy="246221"/>
-          </a:xfrm>
-          <a:prstGeom prst="rect">
-            <a:avLst/>
-          </a:prstGeom>
-          <a:noFill/>
-        </p:spPr>
-        <p:txBody>
-          <a:bodyPr wrap="square" rtlCol="0">
-            <a:spAutoFit/>
-          </a:bodyPr>
-          <a:lstStyle/>
-          <a:p>
-            <a:r>
-              <a:rPr lang="en-US" sz="1000" noProof="1"/>
-              <a:t>0..1</a:t>
-            </a:r>
-          </a:p>
-        </p:txBody>
-      </p:sp>
-      <p:sp>
-        <p:nvSpPr>
-          <p:cNvPr id="86" name="ZoneTexte 85">
-            <a:extLst>
-              <a:ext uri="{FF2B5EF4-FFF2-40B4-BE49-F238E27FC236}">
-                <a16:creationId xmlns:a16="http://schemas.microsoft.com/office/drawing/2014/main" id="{2034A71C-9984-4104-8F48-99C4F0353CB7}"/>
-              </a:ext>
-            </a:extLst>
-          </p:cNvPr>
-          <p:cNvSpPr txBox="1"/>
-          <p:nvPr/>
-        </p:nvSpPr>
-        <p:spPr>
-          <a:xfrm>
-            <a:off x="3606245" y="4025339"/>
-            <a:ext cx="876617" cy="400110"/>
-          </a:xfrm>
-          <a:prstGeom prst="rect">
-            <a:avLst/>
-          </a:prstGeom>
-          <a:noFill/>
-        </p:spPr>
-        <p:txBody>
-          <a:bodyPr wrap="square" rtlCol="0">
-            <a:spAutoFit/>
-          </a:bodyPr>
-          <a:lstStyle/>
-          <a:p>
-            <a:pPr algn="ctr"/>
-            <a:r>
-              <a:rPr lang="en-US" sz="1000" noProof="1">
-                <a:solidFill>
-                  <a:srgbClr val="0070C0"/>
-                </a:solidFill>
-              </a:rPr>
-              <a:t>indication</a:t>
-            </a:r>
-          </a:p>
-          <a:p>
-            <a:pPr algn="ctr"/>
-            <a:r>
-              <a:rPr lang="en-US" sz="1000" noProof="1">
-                <a:solidFill>
-                  <a:srgbClr val="0070C0"/>
-                </a:solidFill>
-              </a:rPr>
-              <a:t>.comorbidity</a:t>
-            </a:r>
-          </a:p>
-        </p:txBody>
-      </p:sp>
-      <p:sp>
-        <p:nvSpPr>
-          <p:cNvPr id="87" name="ZoneTexte 86">
-            <a:extLst>
-              <a:ext uri="{FF2B5EF4-FFF2-40B4-BE49-F238E27FC236}">
-                <a16:creationId xmlns:a16="http://schemas.microsoft.com/office/drawing/2014/main" id="{9C81B80E-43C2-4E91-9ED3-AE0BCA83F2FA}"/>
-              </a:ext>
-            </a:extLst>
-          </p:cNvPr>
-          <p:cNvSpPr txBox="1"/>
-          <p:nvPr/>
-        </p:nvSpPr>
-        <p:spPr>
-          <a:xfrm>
-            <a:off x="882457" y="4029674"/>
-            <a:ext cx="2148521" cy="246221"/>
-          </a:xfrm>
-          <a:prstGeom prst="rect">
-            <a:avLst/>
-          </a:prstGeom>
-          <a:noFill/>
-        </p:spPr>
-        <p:txBody>
-          <a:bodyPr wrap="square" rtlCol="0">
-            <a:spAutoFit/>
-          </a:bodyPr>
-          <a:lstStyle/>
-          <a:p>
-            <a:pPr algn="r"/>
-            <a:r>
-              <a:rPr lang="en-US" sz="1000" noProof="1">
-                <a:solidFill>
-                  <a:srgbClr val="0070C0"/>
-                </a:solidFill>
-              </a:rPr>
-              <a:t>indication.diseaseSymptomProcedure</a:t>
-            </a:r>
-          </a:p>
-        </p:txBody>
-      </p:sp>
-      <p:sp>
-        <p:nvSpPr>
-          <p:cNvPr id="88" name="ZoneTexte 87">
-            <a:extLst>
-              <a:ext uri="{FF2B5EF4-FFF2-40B4-BE49-F238E27FC236}">
-                <a16:creationId xmlns:a16="http://schemas.microsoft.com/office/drawing/2014/main" id="{A60DE952-27C4-4BF5-8D44-C7122B97DD53}"/>
-              </a:ext>
-            </a:extLst>
-          </p:cNvPr>
-          <p:cNvSpPr txBox="1"/>
-          <p:nvPr/>
-        </p:nvSpPr>
-        <p:spPr>
-          <a:xfrm>
-            <a:off x="2927553" y="4310221"/>
-            <a:ext cx="945279" cy="400110"/>
-          </a:xfrm>
-          <a:prstGeom prst="rect">
-            <a:avLst/>
-          </a:prstGeom>
-          <a:noFill/>
-        </p:spPr>
-        <p:txBody>
-          <a:bodyPr wrap="square" rtlCol="0">
-            <a:spAutoFit/>
-          </a:bodyPr>
-          <a:lstStyle/>
-          <a:p>
-            <a:pPr algn="ctr"/>
-            <a:r>
-              <a:rPr lang="en-US" sz="1000" noProof="1">
-                <a:solidFill>
-                  <a:srgbClr val="0070C0"/>
-                </a:solidFill>
-              </a:rPr>
-              <a:t>indication</a:t>
-            </a:r>
-          </a:p>
-          <a:p>
-            <a:pPr algn="ctr"/>
-            <a:r>
-              <a:rPr lang="en-US" sz="1000" noProof="1">
-                <a:solidFill>
-                  <a:srgbClr val="0070C0"/>
-                </a:solidFill>
-              </a:rPr>
-              <a:t>.diseaseStatus</a:t>
-            </a:r>
-          </a:p>
-        </p:txBody>
-      </p:sp>
-      <p:sp>
-        <p:nvSpPr>
-          <p:cNvPr id="89" name="ZoneTexte 88">
-            <a:extLst>
-              <a:ext uri="{FF2B5EF4-FFF2-40B4-BE49-F238E27FC236}">
-                <a16:creationId xmlns:a16="http://schemas.microsoft.com/office/drawing/2014/main" id="{199BAC9F-718A-4F9A-A1AE-58E4F4B473B2}"/>
-              </a:ext>
-            </a:extLst>
-          </p:cNvPr>
-          <p:cNvSpPr txBox="1"/>
-          <p:nvPr/>
-        </p:nvSpPr>
-        <p:spPr>
-          <a:xfrm>
-            <a:off x="4402882" y="4286518"/>
-            <a:ext cx="1819711" cy="246221"/>
-          </a:xfrm>
-          <a:prstGeom prst="rect">
-            <a:avLst/>
-          </a:prstGeom>
-          <a:noFill/>
-        </p:spPr>
-        <p:txBody>
-          <a:bodyPr wrap="square" rtlCol="0">
-            <a:spAutoFit/>
-          </a:bodyPr>
-          <a:lstStyle/>
-          <a:p>
-            <a:r>
-              <a:rPr lang="en-US" sz="1000" noProof="1">
-                <a:solidFill>
-                  <a:srgbClr val="0070C0"/>
-                </a:solidFill>
-              </a:rPr>
-              <a:t>indication.intendedEffect</a:t>
-            </a:r>
-          </a:p>
-        </p:txBody>
-      </p:sp>
-      <p:sp>
-        <p:nvSpPr>
-          <p:cNvPr id="91" name="ZoneTexte 90">
-            <a:extLst>
-              <a:ext uri="{FF2B5EF4-FFF2-40B4-BE49-F238E27FC236}">
-                <a16:creationId xmlns:a16="http://schemas.microsoft.com/office/drawing/2014/main" id="{551577DC-2DC2-424D-8290-5F00426C81E0}"/>
-              </a:ext>
-            </a:extLst>
-          </p:cNvPr>
-          <p:cNvSpPr txBox="1"/>
-          <p:nvPr/>
-        </p:nvSpPr>
-        <p:spPr>
-          <a:xfrm>
-            <a:off x="10931712" y="1733109"/>
-            <a:ext cx="1123904" cy="461665"/>
-          </a:xfrm>
-          <a:prstGeom prst="rect">
-            <a:avLst/>
-          </a:prstGeom>
-          <a:noFill/>
-        </p:spPr>
-        <p:txBody>
-          <a:bodyPr wrap="square" rtlCol="0">
-            <a:spAutoFit/>
-          </a:bodyPr>
-          <a:lstStyle/>
-          <a:p>
-            <a:r>
-              <a:rPr lang="en-US" sz="1200" i="1" noProof="1"/>
-              <a:t>Details about an ingredient</a:t>
-            </a:r>
-          </a:p>
-        </p:txBody>
-      </p:sp>
-      <p:cxnSp>
-        <p:nvCxnSpPr>
-          <p:cNvPr id="92" name="Connecteur : en angle 91">
-            <a:extLst>
-              <a:ext uri="{FF2B5EF4-FFF2-40B4-BE49-F238E27FC236}">
-                <a16:creationId xmlns:a16="http://schemas.microsoft.com/office/drawing/2014/main" id="{80E87C63-A4E3-44A3-8CFB-06E0B3AB06D8}"/>
-              </a:ext>
-            </a:extLst>
-          </p:cNvPr>
-          <p:cNvCxnSpPr>
-            <a:cxnSpLocks/>
-            <a:stCxn id="4" idx="3"/>
-            <a:endCxn id="177" idx="1"/>
-          </p:cNvCxnSpPr>
-          <p:nvPr/>
-        </p:nvCxnSpPr>
-        <p:spPr>
-          <a:xfrm>
-            <a:off x="7415687" y="1943360"/>
-            <a:ext cx="1955143" cy="893"/>
-          </a:xfrm>
-          <a:prstGeom prst="bentConnector3">
-            <a:avLst>
-              <a:gd name="adj1" fmla="val 50000"/>
-            </a:avLst>
-          </a:prstGeom>
-          <a:ln w="19050">
-            <a:headEnd type="none" w="med" len="med"/>
-            <a:tailEnd type="arrow" w="med" len="med"/>
-          </a:ln>
-        </p:spPr>
-        <p:style>
-          <a:lnRef idx="1">
-            <a:schemeClr val="accent1"/>
-          </a:lnRef>
-          <a:fillRef idx="0">
-            <a:schemeClr val="accent1"/>
-          </a:fillRef>
-          <a:effectRef idx="0">
-            <a:schemeClr val="accent1"/>
-          </a:effectRef>
-          <a:fontRef idx="minor">
-            <a:schemeClr val="tx1"/>
-          </a:fontRef>
-        </p:style>
-      </p:cxnSp>
-      <p:sp>
-        <p:nvSpPr>
-          <p:cNvPr id="93" name="ZoneTexte 92">
-            <a:extLst>
-              <a:ext uri="{FF2B5EF4-FFF2-40B4-BE49-F238E27FC236}">
-                <a16:creationId xmlns:a16="http://schemas.microsoft.com/office/drawing/2014/main" id="{18E3FFBF-1915-4099-8933-EFE820828D16}"/>
-              </a:ext>
-            </a:extLst>
-          </p:cNvPr>
-          <p:cNvSpPr txBox="1"/>
-          <p:nvPr/>
-        </p:nvSpPr>
-        <p:spPr>
-          <a:xfrm>
-            <a:off x="9032202" y="1959268"/>
-            <a:ext cx="417459" cy="246221"/>
-          </a:xfrm>
-          <a:prstGeom prst="rect">
-            <a:avLst/>
-          </a:prstGeom>
-          <a:noFill/>
-        </p:spPr>
-        <p:txBody>
-          <a:bodyPr wrap="square" rtlCol="0">
-            <a:spAutoFit/>
-          </a:bodyPr>
-          <a:lstStyle/>
-          <a:p>
-            <a:r>
-              <a:rPr lang="en-US" sz="1000" noProof="1"/>
-              <a:t>0..*</a:t>
-            </a:r>
-          </a:p>
-        </p:txBody>
-      </p:sp>
-      <p:cxnSp>
-        <p:nvCxnSpPr>
-          <p:cNvPr id="94" name="Connecteur : en angle 93">
-            <a:extLst>
-              <a:ext uri="{FF2B5EF4-FFF2-40B4-BE49-F238E27FC236}">
-                <a16:creationId xmlns:a16="http://schemas.microsoft.com/office/drawing/2014/main" id="{AF31BB94-EA71-4F17-AAC2-F7F7DCC594F8}"/>
-              </a:ext>
-            </a:extLst>
-          </p:cNvPr>
-          <p:cNvCxnSpPr>
-            <a:cxnSpLocks/>
-            <a:stCxn id="98" idx="2"/>
-            <a:endCxn id="32" idx="0"/>
-          </p:cNvCxnSpPr>
-          <p:nvPr/>
-        </p:nvCxnSpPr>
-        <p:spPr>
-          <a:xfrm rot="16200000" flipH="1">
-            <a:off x="6948961" y="2485460"/>
-            <a:ext cx="1919876" cy="1187682"/>
-          </a:xfrm>
-          <a:prstGeom prst="bentConnector3">
-            <a:avLst>
-              <a:gd name="adj1" fmla="val 21547"/>
-            </a:avLst>
-          </a:prstGeom>
-          <a:ln w="19050">
-            <a:headEnd type="none" w="med" len="med"/>
-            <a:tailEnd type="arrow" w="med" len="med"/>
-          </a:ln>
-        </p:spPr>
-        <p:style>
-          <a:lnRef idx="1">
-            <a:schemeClr val="accent1"/>
-          </a:lnRef>
-          <a:fillRef idx="0">
-            <a:schemeClr val="accent1"/>
-          </a:fillRef>
-          <a:effectRef idx="0">
-            <a:schemeClr val="accent1"/>
-          </a:effectRef>
-          <a:fontRef idx="minor">
-            <a:schemeClr val="tx1"/>
-          </a:fontRef>
-        </p:style>
-      </p:cxnSp>
-      <p:sp>
-        <p:nvSpPr>
-          <p:cNvPr id="95" name="ZoneTexte 94">
-            <a:extLst>
-              <a:ext uri="{FF2B5EF4-FFF2-40B4-BE49-F238E27FC236}">
-                <a16:creationId xmlns:a16="http://schemas.microsoft.com/office/drawing/2014/main" id="{E442B860-ED6A-4E60-9C7A-BD0B4D1A51FB}"/>
-              </a:ext>
-            </a:extLst>
-          </p:cNvPr>
-          <p:cNvSpPr txBox="1"/>
-          <p:nvPr/>
-        </p:nvSpPr>
-        <p:spPr>
-          <a:xfrm>
-            <a:off x="3180862" y="4629485"/>
-            <a:ext cx="386253" cy="246221"/>
-          </a:xfrm>
-          <a:prstGeom prst="rect">
-            <a:avLst/>
-          </a:prstGeom>
-          <a:noFill/>
-        </p:spPr>
-        <p:txBody>
-          <a:bodyPr wrap="square" rtlCol="0">
-            <a:spAutoFit/>
-          </a:bodyPr>
-          <a:lstStyle/>
-          <a:p>
-            <a:r>
-              <a:rPr lang="en-US" sz="1000" noProof="1"/>
-              <a:t>0..1</a:t>
-            </a:r>
-          </a:p>
-        </p:txBody>
-      </p:sp>
-      <p:sp>
-        <p:nvSpPr>
-          <p:cNvPr id="96" name="ZoneTexte 95">
-            <a:extLst>
-              <a:ext uri="{FF2B5EF4-FFF2-40B4-BE49-F238E27FC236}">
-                <a16:creationId xmlns:a16="http://schemas.microsoft.com/office/drawing/2014/main" id="{88838B9B-2672-43F4-BA9B-7104046E6419}"/>
-              </a:ext>
-            </a:extLst>
-          </p:cNvPr>
-          <p:cNvSpPr txBox="1"/>
-          <p:nvPr/>
-        </p:nvSpPr>
-        <p:spPr>
-          <a:xfrm>
-            <a:off x="3692719" y="4633808"/>
-            <a:ext cx="386253" cy="246221"/>
-          </a:xfrm>
-          <a:prstGeom prst="rect">
-            <a:avLst/>
-          </a:prstGeom>
-          <a:noFill/>
-        </p:spPr>
-        <p:txBody>
-          <a:bodyPr wrap="square" rtlCol="0">
-            <a:spAutoFit/>
-          </a:bodyPr>
-          <a:lstStyle/>
-          <a:p>
-            <a:r>
-              <a:rPr lang="en-US" sz="1000" noProof="1"/>
-              <a:t>0..*</a:t>
-            </a:r>
-          </a:p>
-        </p:txBody>
-      </p:sp>
-      <p:sp>
-        <p:nvSpPr>
-          <p:cNvPr id="97" name="ZoneTexte 96">
-            <a:extLst>
-              <a:ext uri="{FF2B5EF4-FFF2-40B4-BE49-F238E27FC236}">
-                <a16:creationId xmlns:a16="http://schemas.microsoft.com/office/drawing/2014/main" id="{198B16B7-A69F-48A5-A1B5-8AAE1A280E2C}"/>
-              </a:ext>
-            </a:extLst>
-          </p:cNvPr>
-          <p:cNvSpPr txBox="1"/>
-          <p:nvPr/>
-        </p:nvSpPr>
-        <p:spPr>
-          <a:xfrm>
-            <a:off x="4123091" y="4635477"/>
-            <a:ext cx="386253" cy="246221"/>
-          </a:xfrm>
-          <a:prstGeom prst="rect">
-            <a:avLst/>
-          </a:prstGeom>
-          <a:noFill/>
-        </p:spPr>
-        <p:txBody>
-          <a:bodyPr wrap="square" rtlCol="0">
-            <a:spAutoFit/>
-          </a:bodyPr>
-          <a:lstStyle/>
-          <a:p>
-            <a:r>
-              <a:rPr lang="en-US" sz="1000" noProof="1"/>
-              <a:t>0..1</a:t>
-            </a:r>
-          </a:p>
-        </p:txBody>
-      </p:sp>
-      <p:sp>
-        <p:nvSpPr>
-          <p:cNvPr id="98" name="Rectangle 97">
-            <a:extLst>
-              <a:ext uri="{FF2B5EF4-FFF2-40B4-BE49-F238E27FC236}">
-                <a16:creationId xmlns:a16="http://schemas.microsoft.com/office/drawing/2014/main" id="{9655016C-23E5-4F9B-A388-EFF435C3409A}"/>
-              </a:ext>
-            </a:extLst>
-          </p:cNvPr>
-          <p:cNvSpPr/>
-          <p:nvPr/>
-        </p:nvSpPr>
-        <p:spPr>
-          <a:xfrm>
-            <a:off x="7266702" y="1987083"/>
-            <a:ext cx="96711" cy="132280"/>
-          </a:xfrm>
-          <a:prstGeom prst="rect">
-            <a:avLst/>
-          </a:prstGeom>
-        </p:spPr>
-        <p:style>
-          <a:lnRef idx="2">
-            <a:schemeClr val="accent1">
-              <a:shade val="50000"/>
-            </a:schemeClr>
-          </a:lnRef>
-          <a:fillRef idx="1">
-            <a:schemeClr val="accent1"/>
-          </a:fillRef>
-          <a:effectRef idx="0">
-            <a:schemeClr val="accent1"/>
-          </a:effectRef>
-          <a:fontRef idx="minor">
-            <a:schemeClr val="lt1"/>
-          </a:fontRef>
-        </p:style>
-        <p:txBody>
-          <a:bodyPr rtlCol="0" anchor="ctr"/>
-          <a:lstStyle/>
-          <a:p>
-            <a:pPr algn="ctr"/>
-            <a:endParaRPr lang="fr-FR" sz="1050"/>
-          </a:p>
-        </p:txBody>
-      </p:sp>
-      <p:sp>
-        <p:nvSpPr>
-          <p:cNvPr id="99" name="Rectangle 98">
-            <a:extLst>
-              <a:ext uri="{FF2B5EF4-FFF2-40B4-BE49-F238E27FC236}">
-                <a16:creationId xmlns:a16="http://schemas.microsoft.com/office/drawing/2014/main" id="{3A68FF18-EDD8-4903-A85F-D664E85658FE}"/>
-              </a:ext>
-            </a:extLst>
-          </p:cNvPr>
-          <p:cNvSpPr/>
-          <p:nvPr/>
-        </p:nvSpPr>
-        <p:spPr>
-          <a:xfrm>
-            <a:off x="9138061" y="5099840"/>
-            <a:ext cx="1515052" cy="601464"/>
-          </a:xfrm>
-          <a:prstGeom prst="rect">
-            <a:avLst/>
-          </a:prstGeom>
-          <a:gradFill flip="none" rotWithShape="1">
-            <a:gsLst>
-              <a:gs pos="0">
-                <a:schemeClr val="accent1">
-                  <a:shade val="30000"/>
-                  <a:satMod val="115000"/>
-                </a:schemeClr>
-              </a:gs>
-              <a:gs pos="50000">
-                <a:schemeClr val="accent1">
-                  <a:shade val="67500"/>
-                  <a:satMod val="115000"/>
-                </a:schemeClr>
-              </a:gs>
-              <a:gs pos="100000">
-                <a:schemeClr val="accent1">
-                  <a:shade val="100000"/>
-                  <a:satMod val="115000"/>
-                </a:schemeClr>
-              </a:gs>
-            </a:gsLst>
-            <a:lin ang="0" scaled="1"/>
-            <a:tileRect/>
-          </a:gradFill>
-          <a:ln>
-            <a:noFill/>
-          </a:ln>
-          <a:effectLst/>
-        </p:spPr>
-        <p:style>
-          <a:lnRef idx="2">
-            <a:schemeClr val="accent1">
-              <a:shade val="50000"/>
-            </a:schemeClr>
-          </a:lnRef>
-          <a:fillRef idx="1">
-            <a:schemeClr val="accent1"/>
-          </a:fillRef>
-          <a:effectRef idx="0">
-            <a:schemeClr val="accent1"/>
-          </a:effectRef>
-          <a:fontRef idx="minor">
-            <a:schemeClr val="lt1"/>
-          </a:fontRef>
-        </p:style>
-        <p:txBody>
-          <a:bodyPr lIns="0" rIns="0" rtlCol="0" anchor="ctr"/>
-          <a:lstStyle/>
-          <a:p>
-            <a:pPr algn="ctr"/>
-            <a:r>
-              <a:rPr lang="en-US" sz="1200" noProof="1">
-                <a:solidFill>
-                  <a:srgbClr val="FFFF00"/>
-                </a:solidFill>
-              </a:rPr>
-              <a:t>UndesirableEffect</a:t>
-            </a:r>
-          </a:p>
-          <a:p>
-            <a:pPr algn="ctr"/>
-            <a:r>
-              <a:rPr lang="en-US" sz="1200" noProof="1">
-                <a:solidFill>
-                  <a:srgbClr val="FFFF00"/>
-                </a:solidFill>
-              </a:rPr>
-              <a:t>profile of ClinicalUseDefinition</a:t>
-            </a:r>
-          </a:p>
-        </p:txBody>
-      </p:sp>
-      <p:cxnSp>
-        <p:nvCxnSpPr>
-          <p:cNvPr id="100" name="Connecteur : en angle 99">
-            <a:extLst>
-              <a:ext uri="{FF2B5EF4-FFF2-40B4-BE49-F238E27FC236}">
-                <a16:creationId xmlns:a16="http://schemas.microsoft.com/office/drawing/2014/main" id="{6893540D-735B-4E54-BE0D-A0CB18D585E6}"/>
-              </a:ext>
-            </a:extLst>
-          </p:cNvPr>
-          <p:cNvCxnSpPr>
-            <a:cxnSpLocks/>
-            <a:stCxn id="98" idx="2"/>
-            <a:endCxn id="99" idx="0"/>
-          </p:cNvCxnSpPr>
-          <p:nvPr/>
-        </p:nvCxnSpPr>
-        <p:spPr>
-          <a:xfrm rot="16200000" flipH="1">
-            <a:off x="7115084" y="2319336"/>
-            <a:ext cx="2980477" cy="2580529"/>
-          </a:xfrm>
-          <a:prstGeom prst="bentConnector3">
-            <a:avLst>
-              <a:gd name="adj1" fmla="val 13543"/>
-            </a:avLst>
-          </a:prstGeom>
-          <a:ln w="19050">
-            <a:headEnd type="none" w="med" len="med"/>
-            <a:tailEnd type="arrow" w="med" len="med"/>
-          </a:ln>
-        </p:spPr>
-        <p:style>
-          <a:lnRef idx="1">
-            <a:schemeClr val="accent1"/>
-          </a:lnRef>
-          <a:fillRef idx="0">
-            <a:schemeClr val="accent1"/>
-          </a:fillRef>
-          <a:effectRef idx="0">
-            <a:schemeClr val="accent1"/>
-          </a:effectRef>
-          <a:fontRef idx="minor">
-            <a:schemeClr val="tx1"/>
-          </a:fontRef>
-        </p:style>
-      </p:cxnSp>
-      <p:sp>
-        <p:nvSpPr>
-          <p:cNvPr id="101" name="ZoneTexte 100">
-            <a:extLst>
-              <a:ext uri="{FF2B5EF4-FFF2-40B4-BE49-F238E27FC236}">
-                <a16:creationId xmlns:a16="http://schemas.microsoft.com/office/drawing/2014/main" id="{94EFD1B4-9D10-49A7-B64A-0018FEBF4404}"/>
-              </a:ext>
-            </a:extLst>
-          </p:cNvPr>
-          <p:cNvSpPr txBox="1"/>
-          <p:nvPr/>
-        </p:nvSpPr>
-        <p:spPr>
-          <a:xfrm>
-            <a:off x="8123164" y="3782654"/>
-            <a:ext cx="528095" cy="246221"/>
-          </a:xfrm>
-          <a:prstGeom prst="rect">
-            <a:avLst/>
-          </a:prstGeom>
-          <a:noFill/>
-        </p:spPr>
-        <p:txBody>
-          <a:bodyPr wrap="square" rtlCol="0">
-            <a:spAutoFit/>
-          </a:bodyPr>
-          <a:lstStyle/>
-          <a:p>
-            <a:r>
-              <a:rPr lang="en-US" sz="1000" noProof="1"/>
-              <a:t>0..*</a:t>
-            </a:r>
-          </a:p>
-        </p:txBody>
-      </p:sp>
-      <p:sp>
-        <p:nvSpPr>
-          <p:cNvPr id="102" name="ZoneTexte 101">
-            <a:extLst>
-              <a:ext uri="{FF2B5EF4-FFF2-40B4-BE49-F238E27FC236}">
-                <a16:creationId xmlns:a16="http://schemas.microsoft.com/office/drawing/2014/main" id="{5CA9BD92-F468-4628-ADCE-B46C42DD02AD}"/>
-              </a:ext>
-            </a:extLst>
-          </p:cNvPr>
-          <p:cNvSpPr txBox="1"/>
-          <p:nvPr/>
-        </p:nvSpPr>
-        <p:spPr>
-          <a:xfrm>
-            <a:off x="9497873" y="4861851"/>
-            <a:ext cx="499331" cy="246221"/>
-          </a:xfrm>
-          <a:prstGeom prst="rect">
-            <a:avLst/>
-          </a:prstGeom>
-          <a:noFill/>
-        </p:spPr>
-        <p:txBody>
-          <a:bodyPr wrap="square" rtlCol="0">
-            <a:spAutoFit/>
-          </a:bodyPr>
-          <a:lstStyle/>
-          <a:p>
-            <a:r>
-              <a:rPr lang="en-US" sz="1000" noProof="1"/>
-              <a:t>0..*</a:t>
-            </a:r>
-          </a:p>
-        </p:txBody>
-      </p:sp>
-      <p:cxnSp>
-        <p:nvCxnSpPr>
-          <p:cNvPr id="103" name="Connecteur : en angle 102">
-            <a:extLst>
-              <a:ext uri="{FF2B5EF4-FFF2-40B4-BE49-F238E27FC236}">
-                <a16:creationId xmlns:a16="http://schemas.microsoft.com/office/drawing/2014/main" id="{1835DAE2-7BB9-43E4-B25C-9194549213AE}"/>
-              </a:ext>
-            </a:extLst>
-          </p:cNvPr>
-          <p:cNvCxnSpPr>
-            <a:cxnSpLocks/>
-            <a:stCxn id="99" idx="2"/>
-            <a:endCxn id="111" idx="2"/>
-          </p:cNvCxnSpPr>
-          <p:nvPr/>
-        </p:nvCxnSpPr>
-        <p:spPr>
-          <a:xfrm rot="5400000" flipH="1">
-            <a:off x="6976259" y="2781976"/>
-            <a:ext cx="37812" cy="5800845"/>
-          </a:xfrm>
-          <a:prstGeom prst="bentConnector3">
-            <a:avLst>
-              <a:gd name="adj1" fmla="val -604570"/>
-            </a:avLst>
-          </a:prstGeom>
-          <a:ln w="19050">
-            <a:headEnd type="none" w="med" len="med"/>
-            <a:tailEnd type="arrow" w="med" len="med"/>
-          </a:ln>
-        </p:spPr>
-        <p:style>
-          <a:lnRef idx="1">
-            <a:schemeClr val="accent1"/>
-          </a:lnRef>
-          <a:fillRef idx="0">
-            <a:schemeClr val="accent1"/>
-          </a:fillRef>
-          <a:effectRef idx="0">
-            <a:schemeClr val="accent1"/>
-          </a:effectRef>
-          <a:fontRef idx="minor">
-            <a:schemeClr val="tx1"/>
-          </a:fontRef>
-        </p:style>
-      </p:cxnSp>
-      <p:sp>
-        <p:nvSpPr>
-          <p:cNvPr id="104" name="ZoneTexte 103">
-            <a:extLst>
-              <a:ext uri="{FF2B5EF4-FFF2-40B4-BE49-F238E27FC236}">
-                <a16:creationId xmlns:a16="http://schemas.microsoft.com/office/drawing/2014/main" id="{A376255D-039B-43BA-81E1-0D7E5A6EA8AB}"/>
-              </a:ext>
-            </a:extLst>
-          </p:cNvPr>
-          <p:cNvSpPr txBox="1"/>
-          <p:nvPr/>
-        </p:nvSpPr>
-        <p:spPr>
-          <a:xfrm>
-            <a:off x="4108637" y="5639793"/>
-            <a:ext cx="405123" cy="246221"/>
-          </a:xfrm>
-          <a:prstGeom prst="rect">
-            <a:avLst/>
-          </a:prstGeom>
-          <a:noFill/>
-        </p:spPr>
-        <p:txBody>
-          <a:bodyPr wrap="square" rtlCol="0">
-            <a:spAutoFit/>
-          </a:bodyPr>
-          <a:lstStyle/>
-          <a:p>
-            <a:r>
-              <a:rPr lang="en-US" sz="1000" noProof="1"/>
-              <a:t>0..1</a:t>
-            </a:r>
-          </a:p>
-        </p:txBody>
-      </p:sp>
-      <p:sp>
-        <p:nvSpPr>
-          <p:cNvPr id="105" name="ZoneTexte 104">
-            <a:extLst>
-              <a:ext uri="{FF2B5EF4-FFF2-40B4-BE49-F238E27FC236}">
-                <a16:creationId xmlns:a16="http://schemas.microsoft.com/office/drawing/2014/main" id="{F8B3CF8F-BBF4-4507-8FA7-42DC32547BF8}"/>
-              </a:ext>
-            </a:extLst>
-          </p:cNvPr>
-          <p:cNvSpPr txBox="1"/>
-          <p:nvPr/>
-        </p:nvSpPr>
-        <p:spPr>
-          <a:xfrm>
-            <a:off x="5359915" y="5715926"/>
-            <a:ext cx="2743409" cy="246221"/>
-          </a:xfrm>
-          <a:prstGeom prst="rect">
-            <a:avLst/>
-          </a:prstGeom>
-          <a:noFill/>
-        </p:spPr>
-        <p:txBody>
-          <a:bodyPr wrap="square" rtlCol="0">
-            <a:spAutoFit/>
-          </a:bodyPr>
-          <a:lstStyle/>
-          <a:p>
-            <a:r>
-              <a:rPr lang="en-US" sz="1000" noProof="1">
-                <a:solidFill>
-                  <a:srgbClr val="0070C0"/>
-                </a:solidFill>
-              </a:rPr>
-              <a:t>undesirableEffect.symptomConditionEffect</a:t>
-            </a:r>
-          </a:p>
-        </p:txBody>
-      </p:sp>
-      <p:sp>
-        <p:nvSpPr>
-          <p:cNvPr id="106" name="Rectangle 105">
-            <a:extLst>
-              <a:ext uri="{FF2B5EF4-FFF2-40B4-BE49-F238E27FC236}">
-                <a16:creationId xmlns:a16="http://schemas.microsoft.com/office/drawing/2014/main" id="{E0E06B7C-F6E6-4961-A3AC-C71B25A1B8A6}"/>
-              </a:ext>
-            </a:extLst>
-          </p:cNvPr>
-          <p:cNvSpPr/>
-          <p:nvPr/>
-        </p:nvSpPr>
-        <p:spPr>
-          <a:xfrm>
-            <a:off x="10236955" y="6081019"/>
-            <a:ext cx="1524638" cy="601464"/>
-          </a:xfrm>
-          <a:prstGeom prst="rect">
-            <a:avLst/>
-          </a:prstGeom>
-          <a:gradFill flip="none" rotWithShape="1">
-            <a:gsLst>
-              <a:gs pos="0">
-                <a:schemeClr val="accent1">
-                  <a:shade val="30000"/>
-                  <a:satMod val="115000"/>
-                </a:schemeClr>
-              </a:gs>
-              <a:gs pos="50000">
-                <a:schemeClr val="accent1">
-                  <a:shade val="67500"/>
-                  <a:satMod val="115000"/>
-                </a:schemeClr>
-              </a:gs>
-              <a:gs pos="100000">
-                <a:schemeClr val="accent1">
-                  <a:shade val="100000"/>
-                  <a:satMod val="115000"/>
-                </a:schemeClr>
-              </a:gs>
-            </a:gsLst>
-            <a:lin ang="0" scaled="1"/>
-            <a:tileRect/>
-          </a:gradFill>
-          <a:ln>
-            <a:noFill/>
-          </a:ln>
-          <a:effectLst/>
-        </p:spPr>
-        <p:style>
-          <a:lnRef idx="2">
-            <a:schemeClr val="accent1">
-              <a:shade val="50000"/>
-            </a:schemeClr>
-          </a:lnRef>
-          <a:fillRef idx="1">
-            <a:schemeClr val="accent1"/>
-          </a:fillRef>
-          <a:effectRef idx="0">
-            <a:schemeClr val="accent1"/>
-          </a:effectRef>
-          <a:fontRef idx="minor">
-            <a:schemeClr val="lt1"/>
-          </a:fontRef>
-        </p:style>
-        <p:txBody>
-          <a:bodyPr rtlCol="0" anchor="ctr"/>
-          <a:lstStyle/>
-          <a:p>
-            <a:pPr algn="ctr"/>
-            <a:r>
-              <a:rPr lang="en-US" sz="1200" noProof="1">
-                <a:solidFill>
-                  <a:srgbClr val="FFFF00"/>
-                </a:solidFill>
-              </a:rPr>
-              <a:t>Interaction</a:t>
-            </a:r>
-          </a:p>
-          <a:p>
-            <a:pPr algn="ctr"/>
-            <a:r>
-              <a:rPr lang="en-US" sz="1200" noProof="1">
-                <a:solidFill>
-                  <a:srgbClr val="FFFF00"/>
-                </a:solidFill>
-              </a:rPr>
-              <a:t>profile of ClinicalUseDefinition</a:t>
-            </a:r>
-          </a:p>
-        </p:txBody>
-      </p:sp>
-      <p:cxnSp>
-        <p:nvCxnSpPr>
-          <p:cNvPr id="107" name="Connecteur : en angle 106">
-            <a:extLst>
-              <a:ext uri="{FF2B5EF4-FFF2-40B4-BE49-F238E27FC236}">
-                <a16:creationId xmlns:a16="http://schemas.microsoft.com/office/drawing/2014/main" id="{95B53F9C-C42C-4106-9B57-E0D5105101D9}"/>
-              </a:ext>
-            </a:extLst>
-          </p:cNvPr>
-          <p:cNvCxnSpPr>
-            <a:cxnSpLocks/>
-            <a:stCxn id="98" idx="2"/>
-            <a:endCxn id="106" idx="0"/>
-          </p:cNvCxnSpPr>
-          <p:nvPr/>
-        </p:nvCxnSpPr>
-        <p:spPr>
-          <a:xfrm rot="16200000" flipH="1">
-            <a:off x="7176338" y="2258083"/>
-            <a:ext cx="3961656" cy="3684216"/>
-          </a:xfrm>
-          <a:prstGeom prst="bentConnector3">
-            <a:avLst>
-              <a:gd name="adj1" fmla="val 10282"/>
-            </a:avLst>
-          </a:prstGeom>
-          <a:ln w="19050">
-            <a:headEnd type="none" w="med" len="med"/>
-            <a:tailEnd type="arrow" w="med" len="med"/>
-          </a:ln>
-        </p:spPr>
-        <p:style>
-          <a:lnRef idx="1">
-            <a:schemeClr val="accent1"/>
-          </a:lnRef>
-          <a:fillRef idx="0">
-            <a:schemeClr val="accent1"/>
-          </a:fillRef>
-          <a:effectRef idx="0">
-            <a:schemeClr val="accent1"/>
-          </a:effectRef>
-          <a:fontRef idx="minor">
-            <a:schemeClr val="tx1"/>
-          </a:fontRef>
-        </p:style>
-      </p:cxnSp>
-      <p:sp>
-        <p:nvSpPr>
-          <p:cNvPr id="108" name="ZoneTexte 107">
-            <a:extLst>
-              <a:ext uri="{FF2B5EF4-FFF2-40B4-BE49-F238E27FC236}">
-                <a16:creationId xmlns:a16="http://schemas.microsoft.com/office/drawing/2014/main" id="{4589A9CB-6C83-4E95-BDBA-DA21BC9A597D}"/>
-              </a:ext>
-            </a:extLst>
-          </p:cNvPr>
-          <p:cNvSpPr txBox="1"/>
-          <p:nvPr/>
-        </p:nvSpPr>
-        <p:spPr>
-          <a:xfrm>
-            <a:off x="10651080" y="5883154"/>
-            <a:ext cx="465084" cy="246221"/>
-          </a:xfrm>
-          <a:prstGeom prst="rect">
-            <a:avLst/>
-          </a:prstGeom>
-          <a:noFill/>
-        </p:spPr>
-        <p:txBody>
-          <a:bodyPr wrap="square" rtlCol="0">
-            <a:spAutoFit/>
-          </a:bodyPr>
-          <a:lstStyle/>
-          <a:p>
-            <a:r>
-              <a:rPr lang="en-US" sz="1000" noProof="1"/>
-              <a:t>0..*</a:t>
-            </a:r>
-          </a:p>
-        </p:txBody>
-      </p:sp>
-      <p:sp>
-        <p:nvSpPr>
-          <p:cNvPr id="109" name="ZoneTexte 108">
-            <a:extLst>
-              <a:ext uri="{FF2B5EF4-FFF2-40B4-BE49-F238E27FC236}">
-                <a16:creationId xmlns:a16="http://schemas.microsoft.com/office/drawing/2014/main" id="{A92452E6-AEE7-49F6-A917-E95A3EC45AAB}"/>
-              </a:ext>
-            </a:extLst>
-          </p:cNvPr>
-          <p:cNvSpPr txBox="1"/>
-          <p:nvPr/>
-        </p:nvSpPr>
-        <p:spPr>
-          <a:xfrm>
-            <a:off x="9876057" y="4374795"/>
-            <a:ext cx="964247" cy="646331"/>
-          </a:xfrm>
-          <a:prstGeom prst="rect">
-            <a:avLst/>
-          </a:prstGeom>
-          <a:noFill/>
-        </p:spPr>
-        <p:txBody>
-          <a:bodyPr wrap="square" rtlCol="0">
-            <a:spAutoFit/>
-          </a:bodyPr>
-          <a:lstStyle>
-            <a:defPPr>
-              <a:defRPr lang="fr-FR"/>
-            </a:defPPr>
-            <a:lvl1pPr>
-              <a:defRPr>
-                <a:solidFill>
-                  <a:schemeClr val="accent1">
-                    <a:lumMod val="60000"/>
-                    <a:lumOff val="40000"/>
-                  </a:schemeClr>
-                </a:solidFill>
-              </a:defRPr>
-            </a:lvl1pPr>
-          </a:lstStyle>
-          <a:p>
-            <a:r>
-              <a:rPr lang="en-US" sz="1200" i="1" noProof="1">
-                <a:solidFill>
-                  <a:schemeClr val="tx1"/>
-                </a:solidFill>
-              </a:rPr>
-              <a:t>An undesirable effect</a:t>
-            </a:r>
-          </a:p>
-        </p:txBody>
-      </p:sp>
-      <p:sp>
-        <p:nvSpPr>
-          <p:cNvPr id="110" name="ZoneTexte 109">
-            <a:extLst>
-              <a:ext uri="{FF2B5EF4-FFF2-40B4-BE49-F238E27FC236}">
-                <a16:creationId xmlns:a16="http://schemas.microsoft.com/office/drawing/2014/main" id="{A73A546A-5E27-421D-B102-603CDC867588}"/>
-              </a:ext>
-            </a:extLst>
-          </p:cNvPr>
-          <p:cNvSpPr txBox="1"/>
-          <p:nvPr/>
-        </p:nvSpPr>
-        <p:spPr>
-          <a:xfrm>
-            <a:off x="11047631" y="5805412"/>
-            <a:ext cx="1089470" cy="276999"/>
-          </a:xfrm>
-          <a:prstGeom prst="rect">
-            <a:avLst/>
-          </a:prstGeom>
-          <a:noFill/>
-        </p:spPr>
-        <p:txBody>
-          <a:bodyPr wrap="square" rtlCol="0">
-            <a:spAutoFit/>
-          </a:bodyPr>
-          <a:lstStyle>
-            <a:defPPr>
-              <a:defRPr lang="fr-FR"/>
-            </a:defPPr>
-            <a:lvl1pPr>
-              <a:defRPr>
-                <a:solidFill>
-                  <a:schemeClr val="accent1">
-                    <a:lumMod val="60000"/>
-                    <a:lumOff val="40000"/>
-                  </a:schemeClr>
-                </a:solidFill>
-              </a:defRPr>
-            </a:lvl1pPr>
-          </a:lstStyle>
-          <a:p>
-            <a:r>
-              <a:rPr lang="en-US" sz="1200" i="1" noProof="1">
-                <a:solidFill>
-                  <a:schemeClr val="tx1"/>
-                </a:solidFill>
-              </a:rPr>
-              <a:t>An interaction</a:t>
-            </a:r>
-          </a:p>
-        </p:txBody>
-      </p:sp>
-      <p:cxnSp>
-        <p:nvCxnSpPr>
-          <p:cNvPr id="112" name="Connecteur : en angle 111">
-            <a:extLst>
-              <a:ext uri="{FF2B5EF4-FFF2-40B4-BE49-F238E27FC236}">
-                <a16:creationId xmlns:a16="http://schemas.microsoft.com/office/drawing/2014/main" id="{5A13EB4F-088D-4A36-867B-E9F255B5C9C8}"/>
-              </a:ext>
-            </a:extLst>
-          </p:cNvPr>
-          <p:cNvCxnSpPr>
-            <a:cxnSpLocks/>
-            <a:stCxn id="106" idx="1"/>
-            <a:endCxn id="113" idx="2"/>
-          </p:cNvCxnSpPr>
-          <p:nvPr/>
-        </p:nvCxnSpPr>
-        <p:spPr>
-          <a:xfrm rot="10800000">
-            <a:off x="3675315" y="5678331"/>
-            <a:ext cx="6561640" cy="703420"/>
-          </a:xfrm>
-          <a:prstGeom prst="bentConnector2">
-            <a:avLst/>
-          </a:prstGeom>
-          <a:ln w="19050">
-            <a:headEnd type="none" w="med" len="med"/>
-            <a:tailEnd type="arrow" w="med" len="med"/>
-          </a:ln>
-        </p:spPr>
-        <p:style>
-          <a:lnRef idx="1">
-            <a:schemeClr val="accent1"/>
-          </a:lnRef>
-          <a:fillRef idx="0">
-            <a:schemeClr val="accent1"/>
-          </a:fillRef>
-          <a:effectRef idx="0">
-            <a:schemeClr val="accent1"/>
-          </a:effectRef>
-          <a:fontRef idx="minor">
-            <a:schemeClr val="tx1"/>
-          </a:fontRef>
-        </p:style>
-      </p:cxnSp>
-      <p:sp>
-        <p:nvSpPr>
-          <p:cNvPr id="115" name="ZoneTexte 114">
-            <a:extLst>
-              <a:ext uri="{FF2B5EF4-FFF2-40B4-BE49-F238E27FC236}">
-                <a16:creationId xmlns:a16="http://schemas.microsoft.com/office/drawing/2014/main" id="{A1BA8A93-C45B-4AEB-910E-2F4CA4A58831}"/>
-              </a:ext>
-            </a:extLst>
-          </p:cNvPr>
-          <p:cNvSpPr txBox="1"/>
-          <p:nvPr/>
-        </p:nvSpPr>
-        <p:spPr>
-          <a:xfrm>
-            <a:off x="3306584" y="5636933"/>
-            <a:ext cx="405123" cy="246221"/>
-          </a:xfrm>
-          <a:prstGeom prst="rect">
-            <a:avLst/>
-          </a:prstGeom>
-          <a:noFill/>
-        </p:spPr>
-        <p:txBody>
-          <a:bodyPr wrap="square" rtlCol="0">
-            <a:spAutoFit/>
-          </a:bodyPr>
-          <a:lstStyle/>
-          <a:p>
-            <a:r>
-              <a:rPr lang="en-US" sz="1000" noProof="1"/>
-              <a:t>0..1</a:t>
-            </a:r>
-          </a:p>
-        </p:txBody>
-      </p:sp>
-      <p:sp>
-        <p:nvSpPr>
-          <p:cNvPr id="116" name="ZoneTexte 115">
-            <a:extLst>
-              <a:ext uri="{FF2B5EF4-FFF2-40B4-BE49-F238E27FC236}">
-                <a16:creationId xmlns:a16="http://schemas.microsoft.com/office/drawing/2014/main" id="{81603EB8-CCDF-4BD5-9A39-62F2CFC5CE2E}"/>
-              </a:ext>
-            </a:extLst>
-          </p:cNvPr>
-          <p:cNvSpPr txBox="1"/>
-          <p:nvPr/>
-        </p:nvSpPr>
-        <p:spPr>
-          <a:xfrm>
-            <a:off x="7930084" y="1744286"/>
-            <a:ext cx="1089034" cy="246221"/>
-          </a:xfrm>
-          <a:prstGeom prst="rect">
-            <a:avLst/>
-          </a:prstGeom>
-          <a:noFill/>
-        </p:spPr>
-        <p:txBody>
-          <a:bodyPr wrap="square" rtlCol="0">
-            <a:spAutoFit/>
-          </a:bodyPr>
-          <a:lstStyle/>
-          <a:p>
-            <a:r>
-              <a:rPr lang="en-US" sz="1000" noProof="1">
-                <a:solidFill>
-                  <a:srgbClr val="0070C0"/>
-                </a:solidFill>
-              </a:rPr>
-              <a:t>ingredient.item</a:t>
-            </a:r>
-            <a:endParaRPr lang="en-US" sz="1000" noProof="1"/>
-          </a:p>
-        </p:txBody>
-      </p:sp>
-      <p:sp>
-        <p:nvSpPr>
-          <p:cNvPr id="177" name="Rectangle 176">
-            <a:extLst>
-              <a:ext uri="{FF2B5EF4-FFF2-40B4-BE49-F238E27FC236}">
-                <a16:creationId xmlns:a16="http://schemas.microsoft.com/office/drawing/2014/main" id="{B0283E28-1434-418C-A567-93EE454BAC95}"/>
-              </a:ext>
-            </a:extLst>
-          </p:cNvPr>
-          <p:cNvSpPr/>
-          <p:nvPr/>
-        </p:nvSpPr>
-        <p:spPr>
-          <a:xfrm>
-            <a:off x="9370830" y="1666665"/>
-            <a:ext cx="1572937" cy="555176"/>
-          </a:xfrm>
-          <a:prstGeom prst="rect">
-            <a:avLst/>
-          </a:prstGeom>
-          <a:gradFill flip="none" rotWithShape="1">
-            <a:gsLst>
-              <a:gs pos="0">
-                <a:schemeClr val="accent1">
-                  <a:shade val="30000"/>
-                  <a:satMod val="115000"/>
-                </a:schemeClr>
-              </a:gs>
-              <a:gs pos="50000">
-                <a:schemeClr val="accent1">
-                  <a:shade val="67500"/>
-                  <a:satMod val="115000"/>
-                </a:schemeClr>
-              </a:gs>
-              <a:gs pos="100000">
-                <a:schemeClr val="accent1">
-                  <a:shade val="100000"/>
-                  <a:satMod val="115000"/>
-                </a:schemeClr>
-              </a:gs>
-            </a:gsLst>
-            <a:lin ang="0" scaled="1"/>
-            <a:tileRect/>
-          </a:gradFill>
-          <a:ln>
-            <a:noFill/>
-          </a:ln>
-          <a:effectLst/>
-        </p:spPr>
-        <p:style>
-          <a:lnRef idx="2">
-            <a:schemeClr val="accent1">
-              <a:shade val="50000"/>
-            </a:schemeClr>
-          </a:lnRef>
-          <a:fillRef idx="1">
-            <a:schemeClr val="accent1"/>
-          </a:fillRef>
-          <a:effectRef idx="0">
-            <a:schemeClr val="accent1"/>
-          </a:effectRef>
-          <a:fontRef idx="minor">
-            <a:schemeClr val="lt1"/>
-          </a:fontRef>
-        </p:style>
-        <p:txBody>
-          <a:bodyPr rtlCol="0" anchor="ctr"/>
-          <a:lstStyle/>
-          <a:p>
-            <a:pPr algn="ctr"/>
-            <a:r>
-              <a:rPr lang="en-US" sz="1200" noProof="1">
-                <a:solidFill>
-                  <a:srgbClr val="FFFF00"/>
-                </a:solidFill>
-              </a:rPr>
-              <a:t>DrugSubstance </a:t>
-            </a:r>
-          </a:p>
-          <a:p>
-            <a:pPr algn="ctr"/>
-            <a:r>
-              <a:rPr lang="en-US" sz="1200" noProof="1">
-                <a:solidFill>
-                  <a:srgbClr val="FFFF00"/>
-                </a:solidFill>
-              </a:rPr>
-              <a:t>profile of Substance</a:t>
-            </a:r>
-          </a:p>
-        </p:txBody>
-      </p:sp>
-      <p:sp>
-        <p:nvSpPr>
-          <p:cNvPr id="194" name="ZoneTexte 193">
-            <a:extLst>
-              <a:ext uri="{FF2B5EF4-FFF2-40B4-BE49-F238E27FC236}">
-                <a16:creationId xmlns:a16="http://schemas.microsoft.com/office/drawing/2014/main" id="{7B97091A-2D1D-47C5-B755-EEF1F70C747D}"/>
-              </a:ext>
-            </a:extLst>
-          </p:cNvPr>
-          <p:cNvSpPr txBox="1"/>
-          <p:nvPr/>
-        </p:nvSpPr>
-        <p:spPr>
-          <a:xfrm>
-            <a:off x="5359915" y="6175554"/>
-            <a:ext cx="2743409" cy="246221"/>
-          </a:xfrm>
-          <a:prstGeom prst="rect">
-            <a:avLst/>
-          </a:prstGeom>
-          <a:noFill/>
-        </p:spPr>
-        <p:txBody>
-          <a:bodyPr wrap="square" rtlCol="0">
-            <a:spAutoFit/>
-          </a:bodyPr>
-          <a:lstStyle/>
-          <a:p>
-            <a:r>
-              <a:rPr lang="en-US" sz="1000" noProof="1">
-                <a:solidFill>
-                  <a:srgbClr val="0070C0"/>
-                </a:solidFill>
-              </a:rPr>
-              <a:t>interaction.effect</a:t>
-            </a:r>
-          </a:p>
-        </p:txBody>
-      </p:sp>
-      <p:sp>
-        <p:nvSpPr>
-          <p:cNvPr id="118" name="Rectangle 117">
-            <a:extLst>
-              <a:ext uri="{FF2B5EF4-FFF2-40B4-BE49-F238E27FC236}">
-                <a16:creationId xmlns:a16="http://schemas.microsoft.com/office/drawing/2014/main" id="{22600506-07A5-4F8E-AAB5-3473FC22A5DA}"/>
-              </a:ext>
-            </a:extLst>
-          </p:cNvPr>
-          <p:cNvSpPr/>
-          <p:nvPr/>
-        </p:nvSpPr>
-        <p:spPr>
-          <a:xfrm>
-            <a:off x="8144198" y="4503662"/>
-            <a:ext cx="96711" cy="132280"/>
-          </a:xfrm>
-          <a:prstGeom prst="rect">
-            <a:avLst/>
-          </a:prstGeom>
-        </p:spPr>
-        <p:style>
-          <a:lnRef idx="2">
-            <a:schemeClr val="accent1">
-              <a:shade val="50000"/>
-            </a:schemeClr>
-          </a:lnRef>
-          <a:fillRef idx="1">
-            <a:schemeClr val="accent1"/>
-          </a:fillRef>
-          <a:effectRef idx="0">
-            <a:schemeClr val="accent1"/>
-          </a:effectRef>
-          <a:fontRef idx="minor">
-            <a:schemeClr val="lt1"/>
-          </a:fontRef>
-        </p:style>
-        <p:txBody>
-          <a:bodyPr rtlCol="0" anchor="ctr"/>
-          <a:lstStyle/>
-          <a:p>
-            <a:pPr algn="ctr"/>
-            <a:endParaRPr lang="fr-FR" sz="1050"/>
-          </a:p>
-        </p:txBody>
-      </p:sp>
-      <p:sp>
-        <p:nvSpPr>
-          <p:cNvPr id="32" name="Rectangle 31">
-            <a:extLst>
-              <a:ext uri="{FF2B5EF4-FFF2-40B4-BE49-F238E27FC236}">
-                <a16:creationId xmlns:a16="http://schemas.microsoft.com/office/drawing/2014/main" id="{5646F790-574D-4238-9A9A-0219D8BBBE58}"/>
-              </a:ext>
-            </a:extLst>
-          </p:cNvPr>
-          <p:cNvSpPr/>
-          <p:nvPr/>
-        </p:nvSpPr>
-        <p:spPr>
-          <a:xfrm>
-            <a:off x="7677405" y="4039239"/>
-            <a:ext cx="1650670" cy="648890"/>
-          </a:xfrm>
-          <a:prstGeom prst="rect">
-            <a:avLst/>
-          </a:prstGeom>
-          <a:gradFill flip="none" rotWithShape="1">
-            <a:gsLst>
-              <a:gs pos="0">
-                <a:schemeClr val="accent1">
-                  <a:shade val="30000"/>
-                  <a:satMod val="115000"/>
-                </a:schemeClr>
-              </a:gs>
-              <a:gs pos="50000">
-                <a:schemeClr val="accent1">
-                  <a:shade val="67500"/>
-                  <a:satMod val="115000"/>
-                </a:schemeClr>
-              </a:gs>
-              <a:gs pos="100000">
-                <a:schemeClr val="accent1">
-                  <a:shade val="100000"/>
-                  <a:satMod val="115000"/>
-                </a:schemeClr>
-              </a:gs>
-            </a:gsLst>
-            <a:lin ang="0" scaled="1"/>
-            <a:tileRect/>
-          </a:gradFill>
-          <a:ln>
-            <a:noFill/>
-          </a:ln>
-          <a:effectLst/>
-        </p:spPr>
-        <p:style>
-          <a:lnRef idx="2">
-            <a:schemeClr val="accent1">
-              <a:shade val="50000"/>
-            </a:schemeClr>
-          </a:lnRef>
-          <a:fillRef idx="1">
-            <a:schemeClr val="accent1"/>
-          </a:fillRef>
-          <a:effectRef idx="0">
-            <a:schemeClr val="accent1"/>
-          </a:effectRef>
-          <a:fontRef idx="minor">
-            <a:schemeClr val="lt1"/>
-          </a:fontRef>
-        </p:style>
-        <p:txBody>
-          <a:bodyPr rtlCol="0" anchor="ctr"/>
-          <a:lstStyle/>
-          <a:p>
-            <a:pPr algn="ctr"/>
-            <a:r>
-              <a:rPr lang="en-US" sz="1200" noProof="1">
-                <a:solidFill>
-                  <a:srgbClr val="FFFF00"/>
-                </a:solidFill>
-              </a:rPr>
-              <a:t>Contraindication</a:t>
-            </a:r>
-          </a:p>
-          <a:p>
-            <a:pPr algn="ctr"/>
-            <a:r>
-              <a:rPr lang="en-US" sz="1200" noProof="1">
-                <a:solidFill>
-                  <a:srgbClr val="FFFF00"/>
-                </a:solidFill>
-              </a:rPr>
-              <a:t>profile of ClinicalUseDefinition</a:t>
-            </a:r>
-          </a:p>
-        </p:txBody>
-      </p:sp>
-      <p:sp>
-        <p:nvSpPr>
-          <p:cNvPr id="5" name="Rectangle 4">
-            <a:extLst>
-              <a:ext uri="{FF2B5EF4-FFF2-40B4-BE49-F238E27FC236}">
-                <a16:creationId xmlns:a16="http://schemas.microsoft.com/office/drawing/2014/main" id="{99FB1993-E895-4A54-B43B-A032379B29F8}"/>
-              </a:ext>
-            </a:extLst>
-          </p:cNvPr>
-          <p:cNvSpPr/>
-          <p:nvPr/>
-        </p:nvSpPr>
-        <p:spPr>
-          <a:xfrm>
-            <a:off x="5941826" y="1366727"/>
-            <a:ext cx="105126" cy="385186"/>
-          </a:xfrm>
-          <a:prstGeom prst="rect">
-            <a:avLst/>
-          </a:prstGeom>
-        </p:spPr>
-        <p:style>
-          <a:lnRef idx="2">
-            <a:schemeClr val="accent1">
-              <a:shade val="50000"/>
-            </a:schemeClr>
-          </a:lnRef>
-          <a:fillRef idx="1">
-            <a:schemeClr val="accent1"/>
-          </a:fillRef>
-          <a:effectRef idx="0">
-            <a:schemeClr val="accent1"/>
-          </a:effectRef>
-          <a:fontRef idx="minor">
-            <a:schemeClr val="lt1"/>
-          </a:fontRef>
-        </p:style>
-        <p:txBody>
-          <a:bodyPr rtlCol="0" anchor="ctr"/>
-          <a:lstStyle/>
-          <a:p>
-            <a:pPr algn="ctr"/>
-            <a:endParaRPr lang="en-US" sz="2000"/>
-          </a:p>
-        </p:txBody>
-      </p:sp>
-      <p:sp>
-        <p:nvSpPr>
-          <p:cNvPr id="45" name="Rectangle 44">
-            <a:extLst>
-              <a:ext uri="{FF2B5EF4-FFF2-40B4-BE49-F238E27FC236}">
-                <a16:creationId xmlns:a16="http://schemas.microsoft.com/office/drawing/2014/main" id="{5C7652CC-F8FD-4C87-8479-64ABAE0F22CB}"/>
-              </a:ext>
-            </a:extLst>
-          </p:cNvPr>
-          <p:cNvSpPr/>
-          <p:nvPr/>
-        </p:nvSpPr>
-        <p:spPr>
-          <a:xfrm>
-            <a:off x="7174343" y="1371597"/>
-            <a:ext cx="180469" cy="125810"/>
-          </a:xfrm>
-          <a:prstGeom prst="rect">
-            <a:avLst/>
-          </a:prstGeom>
-        </p:spPr>
-        <p:style>
-          <a:lnRef idx="2">
-            <a:schemeClr val="accent1">
-              <a:shade val="50000"/>
-            </a:schemeClr>
-          </a:lnRef>
-          <a:fillRef idx="1">
-            <a:schemeClr val="accent1"/>
-          </a:fillRef>
-          <a:effectRef idx="0">
-            <a:schemeClr val="accent1"/>
-          </a:effectRef>
-          <a:fontRef idx="minor">
-            <a:schemeClr val="lt1"/>
-          </a:fontRef>
-        </p:style>
-        <p:txBody>
-          <a:bodyPr rtlCol="0" anchor="ctr"/>
-          <a:lstStyle/>
-          <a:p>
-            <a:pPr algn="ctr"/>
-            <a:endParaRPr lang="fr-FR" sz="1050"/>
-          </a:p>
-        </p:txBody>
-      </p:sp>
-      <p:sp>
-        <p:nvSpPr>
-          <p:cNvPr id="114" name="Rectangle 113">
-            <a:extLst>
-              <a:ext uri="{FF2B5EF4-FFF2-40B4-BE49-F238E27FC236}">
-                <a16:creationId xmlns:a16="http://schemas.microsoft.com/office/drawing/2014/main" id="{79B6C1C6-DB63-4910-B033-6AA7BC75C979}"/>
-              </a:ext>
-            </a:extLst>
-          </p:cNvPr>
-          <p:cNvSpPr/>
-          <p:nvPr/>
-        </p:nvSpPr>
-        <p:spPr>
-          <a:xfrm>
-            <a:off x="5807951" y="1361626"/>
-            <a:ext cx="1623937" cy="766043"/>
-          </a:xfrm>
-          <a:prstGeom prst="rect">
-            <a:avLst/>
-          </a:prstGeom>
-          <a:gradFill flip="none" rotWithShape="1">
-            <a:gsLst>
-              <a:gs pos="0">
-                <a:schemeClr val="accent1">
-                  <a:shade val="30000"/>
-                  <a:satMod val="115000"/>
-                </a:schemeClr>
-              </a:gs>
-              <a:gs pos="50000">
-                <a:schemeClr val="accent1">
-                  <a:shade val="67500"/>
-                  <a:satMod val="115000"/>
-                </a:schemeClr>
-              </a:gs>
-              <a:gs pos="100000">
-                <a:schemeClr val="accent1">
-                  <a:shade val="100000"/>
-                  <a:satMod val="115000"/>
-                </a:schemeClr>
-              </a:gs>
-            </a:gsLst>
-            <a:lin ang="0" scaled="1"/>
-            <a:tileRect/>
-          </a:gradFill>
-          <a:ln>
-            <a:noFill/>
-          </a:ln>
-          <a:effectLst/>
-        </p:spPr>
-        <p:style>
-          <a:lnRef idx="2">
-            <a:schemeClr val="accent1">
-              <a:shade val="50000"/>
-            </a:schemeClr>
-          </a:lnRef>
-          <a:fillRef idx="1">
-            <a:schemeClr val="accent1"/>
-          </a:fillRef>
-          <a:effectRef idx="0">
-            <a:schemeClr val="accent1"/>
-          </a:effectRef>
-          <a:fontRef idx="minor">
-            <a:schemeClr val="lt1"/>
-          </a:fontRef>
-        </p:style>
-        <p:txBody>
-          <a:bodyPr lIns="36000" rIns="36000" rtlCol="0" anchor="ctr"/>
-          <a:lstStyle/>
-          <a:p>
-            <a:pPr algn="ctr"/>
-            <a:r>
-              <a:rPr lang="en-US" sz="1200" noProof="1">
-                <a:solidFill>
-                  <a:srgbClr val="FFFF00"/>
-                </a:solidFill>
-              </a:rPr>
-              <a:t>MK4Catalog</a:t>
-            </a:r>
-          </a:p>
-          <a:p>
-            <a:pPr algn="ctr"/>
-            <a:r>
-              <a:rPr lang="en-US" sz="1200" noProof="1">
-                <a:solidFill>
-                  <a:srgbClr val="FFFF00"/>
-                </a:solidFill>
-              </a:rPr>
-              <a:t>profile of MedicationKnowledge</a:t>
-            </a:r>
-          </a:p>
-        </p:txBody>
-      </p:sp>
-      <p:sp>
-        <p:nvSpPr>
-          <p:cNvPr id="111" name="Rectangle 110">
-            <a:extLst>
-              <a:ext uri="{FF2B5EF4-FFF2-40B4-BE49-F238E27FC236}">
-                <a16:creationId xmlns:a16="http://schemas.microsoft.com/office/drawing/2014/main" id="{8DA159AD-0D4A-4117-B840-3204521369E3}"/>
-              </a:ext>
-            </a:extLst>
-          </p:cNvPr>
-          <p:cNvSpPr/>
-          <p:nvPr/>
-        </p:nvSpPr>
-        <p:spPr>
-          <a:xfrm>
-            <a:off x="4046386" y="5531212"/>
-            <a:ext cx="96711" cy="132280"/>
-          </a:xfrm>
-          <a:prstGeom prst="rect">
-            <a:avLst/>
-          </a:prstGeom>
-        </p:spPr>
-        <p:style>
-          <a:lnRef idx="2">
-            <a:schemeClr val="accent1">
-              <a:shade val="50000"/>
-            </a:schemeClr>
-          </a:lnRef>
-          <a:fillRef idx="1">
-            <a:schemeClr val="accent1"/>
-          </a:fillRef>
-          <a:effectRef idx="0">
-            <a:schemeClr val="accent1"/>
-          </a:effectRef>
-          <a:fontRef idx="minor">
-            <a:schemeClr val="lt1"/>
-          </a:fontRef>
-        </p:style>
-        <p:txBody>
-          <a:bodyPr rtlCol="0" anchor="ctr"/>
-          <a:lstStyle/>
-          <a:p>
-            <a:pPr algn="ctr"/>
-            <a:endParaRPr lang="fr-FR" sz="1050"/>
-          </a:p>
-        </p:txBody>
-      </p:sp>
-      <p:sp>
-        <p:nvSpPr>
-          <p:cNvPr id="113" name="Rectangle 112">
-            <a:extLst>
-              <a:ext uri="{FF2B5EF4-FFF2-40B4-BE49-F238E27FC236}">
-                <a16:creationId xmlns:a16="http://schemas.microsoft.com/office/drawing/2014/main" id="{DB1738E6-22A4-49FE-BCE4-2AD1C93E7B06}"/>
-              </a:ext>
-            </a:extLst>
-          </p:cNvPr>
-          <p:cNvSpPr/>
-          <p:nvPr/>
-        </p:nvSpPr>
-        <p:spPr>
-          <a:xfrm>
-            <a:off x="2850084" y="4881851"/>
-            <a:ext cx="1650461" cy="796480"/>
-          </a:xfrm>
-          <a:prstGeom prst="rect">
-            <a:avLst/>
-          </a:prstGeom>
-          <a:gradFill flip="none" rotWithShape="1">
-            <a:gsLst>
-              <a:gs pos="0">
-                <a:schemeClr val="accent1">
-                  <a:shade val="30000"/>
-                  <a:satMod val="115000"/>
-                </a:schemeClr>
-              </a:gs>
-              <a:gs pos="50000">
-                <a:schemeClr val="accent1">
-                  <a:shade val="67500"/>
-                  <a:satMod val="115000"/>
-                </a:schemeClr>
-              </a:gs>
-              <a:gs pos="100000">
-                <a:schemeClr val="accent1">
-                  <a:shade val="100000"/>
-                  <a:satMod val="115000"/>
-                </a:schemeClr>
-              </a:gs>
-            </a:gsLst>
-            <a:lin ang="0" scaled="1"/>
-            <a:tileRect/>
-          </a:gradFill>
-          <a:ln>
-            <a:noFill/>
-          </a:ln>
-          <a:effectLst/>
-        </p:spPr>
-        <p:style>
-          <a:lnRef idx="2">
-            <a:schemeClr val="accent1">
-              <a:shade val="50000"/>
-            </a:schemeClr>
-          </a:lnRef>
-          <a:fillRef idx="1">
-            <a:schemeClr val="accent1"/>
-          </a:fillRef>
-          <a:effectRef idx="0">
-            <a:schemeClr val="accent1"/>
-          </a:effectRef>
-          <a:fontRef idx="minor">
-            <a:schemeClr val="lt1"/>
-          </a:fontRef>
-        </p:style>
-        <p:txBody>
-          <a:bodyPr rtlCol="0" anchor="ctr"/>
-          <a:lstStyle/>
-          <a:p>
-            <a:pPr algn="ctr"/>
-            <a:r>
-              <a:rPr lang="en-US" sz="1200" noProof="1">
-                <a:solidFill>
-                  <a:srgbClr val="FFFF00"/>
-                </a:solidFill>
-              </a:rPr>
-              <a:t>ObservationDefinition</a:t>
-            </a:r>
-          </a:p>
-        </p:txBody>
-      </p:sp>
-    </p:spTree>
-    <p:extLst>
-      <p:ext uri="{BB962C8B-B14F-4D97-AF65-F5344CB8AC3E}">
-        <p14:creationId xmlns:p14="http://schemas.microsoft.com/office/powerpoint/2010/main" val="1845373"/>
       </p:ext>
     </p:extLst>
   </p:cSld>

--- a/input/images-source/MedicationCatalog.pptx
+++ b/input/images-source/MedicationCatalog.pptx
@@ -259,7 +259,7 @@
           <a:p>
             <a:fld id="{0A46A26B-42CF-4B68-AB09-D93023A697CD}" type="datetimeFigureOut">
               <a:rPr lang="fr-FR" smtClean="0"/>
-              <a:t>20/08/2021</a:t>
+              <a:t>23/08/2021</a:t>
             </a:fld>
             <a:endParaRPr lang="fr-FR"/>
           </a:p>
@@ -457,7 +457,7 @@
           <a:p>
             <a:fld id="{0A46A26B-42CF-4B68-AB09-D93023A697CD}" type="datetimeFigureOut">
               <a:rPr lang="fr-FR" smtClean="0"/>
-              <a:t>20/08/2021</a:t>
+              <a:t>23/08/2021</a:t>
             </a:fld>
             <a:endParaRPr lang="fr-FR"/>
           </a:p>
@@ -665,7 +665,7 @@
           <a:p>
             <a:fld id="{0A46A26B-42CF-4B68-AB09-D93023A697CD}" type="datetimeFigureOut">
               <a:rPr lang="fr-FR" smtClean="0"/>
-              <a:t>20/08/2021</a:t>
+              <a:t>23/08/2021</a:t>
             </a:fld>
             <a:endParaRPr lang="fr-FR"/>
           </a:p>
@@ -863,7 +863,7 @@
           <a:p>
             <a:fld id="{0A46A26B-42CF-4B68-AB09-D93023A697CD}" type="datetimeFigureOut">
               <a:rPr lang="fr-FR" smtClean="0"/>
-              <a:t>20/08/2021</a:t>
+              <a:t>23/08/2021</a:t>
             </a:fld>
             <a:endParaRPr lang="fr-FR"/>
           </a:p>
@@ -1138,7 +1138,7 @@
           <a:p>
             <a:fld id="{0A46A26B-42CF-4B68-AB09-D93023A697CD}" type="datetimeFigureOut">
               <a:rPr lang="fr-FR" smtClean="0"/>
-              <a:t>20/08/2021</a:t>
+              <a:t>23/08/2021</a:t>
             </a:fld>
             <a:endParaRPr lang="fr-FR"/>
           </a:p>
@@ -1403,7 +1403,7 @@
           <a:p>
             <a:fld id="{0A46A26B-42CF-4B68-AB09-D93023A697CD}" type="datetimeFigureOut">
               <a:rPr lang="fr-FR" smtClean="0"/>
-              <a:t>20/08/2021</a:t>
+              <a:t>23/08/2021</a:t>
             </a:fld>
             <a:endParaRPr lang="fr-FR"/>
           </a:p>
@@ -1815,7 +1815,7 @@
           <a:p>
             <a:fld id="{0A46A26B-42CF-4B68-AB09-D93023A697CD}" type="datetimeFigureOut">
               <a:rPr lang="fr-FR" smtClean="0"/>
-              <a:t>20/08/2021</a:t>
+              <a:t>23/08/2021</a:t>
             </a:fld>
             <a:endParaRPr lang="fr-FR"/>
           </a:p>
@@ -1956,7 +1956,7 @@
           <a:p>
             <a:fld id="{0A46A26B-42CF-4B68-AB09-D93023A697CD}" type="datetimeFigureOut">
               <a:rPr lang="fr-FR" smtClean="0"/>
-              <a:t>20/08/2021</a:t>
+              <a:t>23/08/2021</a:t>
             </a:fld>
             <a:endParaRPr lang="fr-FR"/>
           </a:p>
@@ -2069,7 +2069,7 @@
           <a:p>
             <a:fld id="{0A46A26B-42CF-4B68-AB09-D93023A697CD}" type="datetimeFigureOut">
               <a:rPr lang="fr-FR" smtClean="0"/>
-              <a:t>20/08/2021</a:t>
+              <a:t>23/08/2021</a:t>
             </a:fld>
             <a:endParaRPr lang="fr-FR"/>
           </a:p>
@@ -2380,7 +2380,7 @@
           <a:p>
             <a:fld id="{0A46A26B-42CF-4B68-AB09-D93023A697CD}" type="datetimeFigureOut">
               <a:rPr lang="fr-FR" smtClean="0"/>
-              <a:t>20/08/2021</a:t>
+              <a:t>23/08/2021</a:t>
             </a:fld>
             <a:endParaRPr lang="fr-FR"/>
           </a:p>
@@ -2668,7 +2668,7 @@
           <a:p>
             <a:fld id="{0A46A26B-42CF-4B68-AB09-D93023A697CD}" type="datetimeFigureOut">
               <a:rPr lang="fr-FR" smtClean="0"/>
-              <a:t>20/08/2021</a:t>
+              <a:t>23/08/2021</a:t>
             </a:fld>
             <a:endParaRPr lang="fr-FR"/>
           </a:p>
@@ -2909,7 +2909,7 @@
           <a:p>
             <a:fld id="{0A46A26B-42CF-4B68-AB09-D93023A697CD}" type="datetimeFigureOut">
               <a:rPr lang="fr-FR" smtClean="0"/>
-              <a:t>20/08/2021</a:t>
+              <a:t>23/08/2021</a:t>
             </a:fld>
             <a:endParaRPr lang="fr-FR"/>
           </a:p>
@@ -3340,7 +3340,7 @@
         </p:nvSpPr>
         <p:spPr>
           <a:xfrm>
-            <a:off x="7281812" y="2211275"/>
+            <a:off x="7097743" y="2211275"/>
             <a:ext cx="133875" cy="105443"/>
           </a:xfrm>
           <a:prstGeom prst="rect">
@@ -3386,7 +3386,7 @@
         </p:nvSpPr>
         <p:spPr>
           <a:xfrm>
-            <a:off x="3403581" y="4208862"/>
+            <a:off x="3219512" y="4208862"/>
             <a:ext cx="96711" cy="132280"/>
           </a:xfrm>
           <a:prstGeom prst="rect">
@@ -3432,7 +3432,7 @@
         </p:nvSpPr>
         <p:spPr>
           <a:xfrm>
-            <a:off x="2932058" y="4208862"/>
+            <a:off x="2747989" y="4208862"/>
             <a:ext cx="96711" cy="132280"/>
           </a:xfrm>
           <a:prstGeom prst="rect">
@@ -3478,7 +3478,7 @@
         </p:nvSpPr>
         <p:spPr>
           <a:xfrm>
-            <a:off x="4368628" y="4208862"/>
+            <a:off x="4184559" y="4208862"/>
             <a:ext cx="96711" cy="132280"/>
           </a:xfrm>
           <a:prstGeom prst="rect">
@@ -3524,7 +3524,7 @@
         </p:nvSpPr>
         <p:spPr>
           <a:xfrm>
-            <a:off x="3952529" y="4208862"/>
+            <a:off x="3768460" y="4208862"/>
             <a:ext cx="96711" cy="132280"/>
           </a:xfrm>
           <a:prstGeom prst="rect">
@@ -3570,7 +3570,7 @@
         </p:nvSpPr>
         <p:spPr>
           <a:xfrm>
-            <a:off x="2924884" y="5050332"/>
+            <a:off x="2740815" y="5050332"/>
             <a:ext cx="96711" cy="132280"/>
           </a:xfrm>
           <a:prstGeom prst="rect">
@@ -3616,7 +3616,7 @@
         </p:nvSpPr>
         <p:spPr>
           <a:xfrm>
-            <a:off x="4380504" y="5044393"/>
+            <a:off x="4196435" y="5044393"/>
             <a:ext cx="96673" cy="307751"/>
           </a:xfrm>
           <a:prstGeom prst="rect">
@@ -3662,7 +3662,7 @@
         </p:nvSpPr>
         <p:spPr>
           <a:xfrm>
-            <a:off x="3952529" y="5050332"/>
+            <a:off x="3768460" y="5050332"/>
             <a:ext cx="96711" cy="132280"/>
           </a:xfrm>
           <a:prstGeom prst="rect">
@@ -3708,7 +3708,7 @@
         </p:nvSpPr>
         <p:spPr>
           <a:xfrm>
-            <a:off x="4358154" y="5049859"/>
+            <a:off x="4174085" y="5049859"/>
             <a:ext cx="133849" cy="218136"/>
           </a:xfrm>
           <a:prstGeom prst="rect">
@@ -3754,7 +3754,7 @@
         </p:nvSpPr>
         <p:spPr>
           <a:xfrm>
-            <a:off x="4358155" y="5675163"/>
+            <a:off x="4174086" y="5675163"/>
             <a:ext cx="133902" cy="93761"/>
           </a:xfrm>
           <a:prstGeom prst="rect">
@@ -3800,7 +3800,7 @@
         </p:nvSpPr>
         <p:spPr>
           <a:xfrm>
-            <a:off x="8475384" y="4819341"/>
+            <a:off x="8291315" y="4819341"/>
             <a:ext cx="96711" cy="132280"/>
           </a:xfrm>
           <a:prstGeom prst="rect">
@@ -3846,7 +3846,7 @@
         </p:nvSpPr>
         <p:spPr>
           <a:xfrm>
-            <a:off x="7837317" y="4819341"/>
+            <a:off x="7653248" y="4819341"/>
             <a:ext cx="96711" cy="132280"/>
           </a:xfrm>
           <a:prstGeom prst="rect">
@@ -3892,7 +3892,7 @@
         </p:nvSpPr>
         <p:spPr>
           <a:xfrm>
-            <a:off x="5928299" y="2256213"/>
+            <a:off x="5744230" y="2256213"/>
             <a:ext cx="159533" cy="115896"/>
           </a:xfrm>
           <a:prstGeom prst="rect">
@@ -3938,7 +3938,7 @@
         </p:nvSpPr>
         <p:spPr>
           <a:xfrm>
-            <a:off x="6097097" y="1690463"/>
+            <a:off x="5913028" y="1690463"/>
             <a:ext cx="159533" cy="231629"/>
           </a:xfrm>
           <a:prstGeom prst="rect">
@@ -3984,7 +3984,7 @@
         </p:nvSpPr>
         <p:spPr>
           <a:xfrm>
-            <a:off x="3971654" y="3071225"/>
+            <a:off x="3787585" y="3071225"/>
             <a:ext cx="191812" cy="110015"/>
           </a:xfrm>
           <a:prstGeom prst="rect">
@@ -4030,7 +4030,7 @@
         </p:nvSpPr>
         <p:spPr>
           <a:xfrm>
-            <a:off x="3971314" y="2635897"/>
+            <a:off x="3787245" y="2635897"/>
             <a:ext cx="191812" cy="110015"/>
           </a:xfrm>
           <a:prstGeom prst="rect">
@@ -4076,7 +4076,7 @@
         </p:nvSpPr>
         <p:spPr>
           <a:xfrm>
-            <a:off x="6127590" y="2307794"/>
+            <a:off x="5943521" y="2307794"/>
             <a:ext cx="159533" cy="132280"/>
           </a:xfrm>
           <a:prstGeom prst="rect">
@@ -4122,7 +4122,7 @@
         </p:nvSpPr>
         <p:spPr>
           <a:xfrm>
-            <a:off x="6332330" y="2307794"/>
+            <a:off x="6148261" y="2307794"/>
             <a:ext cx="159533" cy="132280"/>
           </a:xfrm>
           <a:prstGeom prst="rect">
@@ -4168,7 +4168,7 @@
         </p:nvSpPr>
         <p:spPr>
           <a:xfrm>
-            <a:off x="6212447" y="2099538"/>
+            <a:off x="6028378" y="2099538"/>
             <a:ext cx="159533" cy="132280"/>
           </a:xfrm>
           <a:prstGeom prst="rect">
@@ -4214,7 +4214,7 @@
         </p:nvSpPr>
         <p:spPr>
           <a:xfrm>
-            <a:off x="5907646" y="2333043"/>
+            <a:off x="5723577" y="2333043"/>
             <a:ext cx="191812" cy="110015"/>
           </a:xfrm>
           <a:prstGeom prst="rect">
@@ -4260,7 +4260,7 @@
         </p:nvSpPr>
         <p:spPr>
           <a:xfrm>
-            <a:off x="6094742" y="2119087"/>
+            <a:off x="5910673" y="2119087"/>
             <a:ext cx="191812" cy="110015"/>
           </a:xfrm>
           <a:prstGeom prst="rect">
@@ -4306,7 +4306,7 @@
         </p:nvSpPr>
         <p:spPr>
           <a:xfrm>
-            <a:off x="7233720" y="1796074"/>
+            <a:off x="7049651" y="1796074"/>
             <a:ext cx="191812" cy="162421"/>
           </a:xfrm>
           <a:prstGeom prst="rect">
@@ -4352,7 +4352,7 @@
         </p:nvSpPr>
         <p:spPr>
           <a:xfrm>
-            <a:off x="3334768" y="1107938"/>
+            <a:off x="3150699" y="1107938"/>
             <a:ext cx="482541" cy="246221"/>
           </a:xfrm>
           <a:prstGeom prst="rect">
@@ -4391,7 +4391,7 @@
         </p:nvCxnSpPr>
         <p:spPr>
           <a:xfrm rot="16200000" flipV="1">
-            <a:off x="4522601" y="215575"/>
+            <a:off x="4338532" y="215575"/>
             <a:ext cx="586924" cy="2356653"/>
           </a:xfrm>
           <a:prstGeom prst="bentConnector3">
@@ -4433,7 +4433,7 @@
         </p:nvSpPr>
         <p:spPr>
           <a:xfrm>
-            <a:off x="2840492" y="487671"/>
+            <a:off x="2656423" y="487671"/>
             <a:ext cx="1594487" cy="612769"/>
           </a:xfrm>
           <a:prstGeom prst="rect">
@@ -4495,7 +4495,7 @@
         </p:nvSpPr>
         <p:spPr>
           <a:xfrm>
-            <a:off x="3745881" y="1185932"/>
+            <a:off x="3561812" y="1185932"/>
             <a:ext cx="1415542" cy="246221"/>
           </a:xfrm>
           <a:prstGeom prst="rect">
@@ -4534,7 +4534,7 @@
         </p:nvSpPr>
         <p:spPr>
           <a:xfrm>
-            <a:off x="4531522" y="4913143"/>
+            <a:off x="4347453" y="4913143"/>
             <a:ext cx="408760" cy="246221"/>
           </a:xfrm>
           <a:prstGeom prst="rect">
@@ -4569,7 +4569,7 @@
         </p:nvSpPr>
         <p:spPr>
           <a:xfrm>
-            <a:off x="4538596" y="1657254"/>
+            <a:off x="4354527" y="1657254"/>
             <a:ext cx="1192438" cy="246221"/>
           </a:xfrm>
           <a:prstGeom prst="rect">
@@ -4608,7 +4608,7 @@
         </p:nvSpPr>
         <p:spPr>
           <a:xfrm>
-            <a:off x="1562008" y="408930"/>
+            <a:off x="1377939" y="408930"/>
             <a:ext cx="1274931" cy="830997"/>
           </a:xfrm>
           <a:prstGeom prst="rect">
@@ -4644,7 +4644,7 @@
         </p:nvSpPr>
         <p:spPr>
           <a:xfrm>
-            <a:off x="6080923" y="1241095"/>
+            <a:off x="5896854" y="1241095"/>
             <a:ext cx="1028423" cy="461665"/>
           </a:xfrm>
           <a:prstGeom prst="rect">
@@ -4698,7 +4698,7 @@
         </p:nvSpPr>
         <p:spPr>
           <a:xfrm>
-            <a:off x="7309049" y="2807184"/>
+            <a:off x="7124980" y="2807184"/>
             <a:ext cx="997886" cy="830997"/>
           </a:xfrm>
           <a:prstGeom prst="rect">
@@ -4751,7 +4751,7 @@
         </p:nvSpPr>
         <p:spPr>
           <a:xfrm>
-            <a:off x="2840492" y="2583698"/>
+            <a:off x="2656423" y="2583698"/>
             <a:ext cx="1335702" cy="627951"/>
           </a:xfrm>
           <a:prstGeom prst="rect">
@@ -4832,7 +4832,7 @@
         </p:nvSpPr>
         <p:spPr>
           <a:xfrm>
-            <a:off x="4170934" y="2935396"/>
+            <a:off x="3986865" y="2935396"/>
             <a:ext cx="386253" cy="246221"/>
           </a:xfrm>
           <a:prstGeom prst="rect">
@@ -4867,7 +4867,7 @@
         </p:nvSpPr>
         <p:spPr>
           <a:xfrm>
-            <a:off x="1695878" y="1537433"/>
+            <a:off x="1511809" y="1537433"/>
             <a:ext cx="1180137" cy="646331"/>
           </a:xfrm>
           <a:prstGeom prst="rect">
@@ -4905,7 +4905,7 @@
         </p:nvCxnSpPr>
         <p:spPr>
           <a:xfrm flipH="1" flipV="1">
-            <a:off x="7410462" y="1731667"/>
+            <a:off x="7226393" y="1731667"/>
             <a:ext cx="11343" cy="132155"/>
           </a:xfrm>
           <a:prstGeom prst="bentConnector3">
@@ -4947,7 +4947,7 @@
         </p:nvSpPr>
         <p:spPr>
           <a:xfrm>
-            <a:off x="7381592" y="1856943"/>
+            <a:off x="7197523" y="1856943"/>
             <a:ext cx="417459" cy="246221"/>
           </a:xfrm>
           <a:prstGeom prst="rect">
@@ -4982,7 +4982,7 @@
         </p:nvSpPr>
         <p:spPr>
           <a:xfrm>
-            <a:off x="7590321" y="1679268"/>
+            <a:off x="7406252" y="1679268"/>
             <a:ext cx="3208932" cy="246221"/>
           </a:xfrm>
           <a:prstGeom prst="rect">
@@ -5044,7 +5044,7 @@
         </p:nvSpPr>
         <p:spPr>
           <a:xfrm>
-            <a:off x="9118972" y="487671"/>
+            <a:off x="8934903" y="487671"/>
             <a:ext cx="1433977" cy="612769"/>
           </a:xfrm>
           <a:prstGeom prst="rect">
@@ -5110,7 +5110,7 @@
         </p:nvCxnSpPr>
         <p:spPr>
           <a:xfrm rot="5400000" flipH="1" flipV="1">
-            <a:off x="8254372" y="110646"/>
+            <a:off x="8070303" y="110646"/>
             <a:ext cx="591794" cy="2571383"/>
           </a:xfrm>
           <a:prstGeom prst="bentConnector3">
@@ -5152,7 +5152,7 @@
         </p:nvSpPr>
         <p:spPr>
           <a:xfrm>
-            <a:off x="7233720" y="1399334"/>
+            <a:off x="7049651" y="1399334"/>
             <a:ext cx="444133" cy="246221"/>
           </a:xfrm>
           <a:prstGeom prst="rect">
@@ -5187,7 +5187,7 @@
         </p:nvSpPr>
         <p:spPr>
           <a:xfrm>
-            <a:off x="10562658" y="391870"/>
+            <a:off x="10378589" y="391870"/>
             <a:ext cx="1123905" cy="830997"/>
           </a:xfrm>
           <a:prstGeom prst="rect">
@@ -5222,7 +5222,7 @@
         </p:nvSpPr>
         <p:spPr>
           <a:xfrm>
-            <a:off x="8997283" y="1183958"/>
+            <a:off x="8813214" y="1183958"/>
             <a:ext cx="898203" cy="246221"/>
           </a:xfrm>
           <a:prstGeom prst="rect">
@@ -5265,7 +5265,7 @@
         </p:nvCxnSpPr>
         <p:spPr>
           <a:xfrm flipV="1">
-            <a:off x="4163126" y="2443058"/>
+            <a:off x="3979057" y="2443058"/>
             <a:ext cx="1840426" cy="247847"/>
           </a:xfrm>
           <a:prstGeom prst="bentConnector2">
@@ -5309,7 +5309,7 @@
         </p:nvCxnSpPr>
         <p:spPr>
           <a:xfrm flipV="1">
-            <a:off x="4176194" y="2440074"/>
+            <a:off x="3992125" y="2440074"/>
             <a:ext cx="2031163" cy="457600"/>
           </a:xfrm>
           <a:prstGeom prst="bentConnector2">
@@ -5353,7 +5353,7 @@
         </p:nvCxnSpPr>
         <p:spPr>
           <a:xfrm flipV="1">
-            <a:off x="4163466" y="2440074"/>
+            <a:off x="3979397" y="2440074"/>
             <a:ext cx="2248631" cy="686159"/>
           </a:xfrm>
           <a:prstGeom prst="bentConnector2">
@@ -5393,7 +5393,7 @@
         </p:nvSpPr>
         <p:spPr>
           <a:xfrm>
-            <a:off x="4538596" y="2499705"/>
+            <a:off x="4354527" y="2470015"/>
             <a:ext cx="1355834" cy="246221"/>
           </a:xfrm>
           <a:prstGeom prst="rect">
@@ -5431,7 +5431,7 @@
         </p:nvSpPr>
         <p:spPr>
           <a:xfrm>
-            <a:off x="4538596" y="2706281"/>
+            <a:off x="4354527" y="2706281"/>
             <a:ext cx="579044" cy="246221"/>
           </a:xfrm>
           <a:prstGeom prst="rect">
@@ -5469,7 +5469,7 @@
         </p:nvSpPr>
         <p:spPr>
           <a:xfrm>
-            <a:off x="4538596" y="2933905"/>
+            <a:off x="4354527" y="2933905"/>
             <a:ext cx="838698" cy="246221"/>
           </a:xfrm>
           <a:prstGeom prst="rect">
@@ -5507,7 +5507,7 @@
         </p:nvSpPr>
         <p:spPr>
           <a:xfrm>
-            <a:off x="4175179" y="2501002"/>
+            <a:off x="3991110" y="2501002"/>
             <a:ext cx="405123" cy="246221"/>
           </a:xfrm>
           <a:prstGeom prst="rect">
@@ -5542,7 +5542,7 @@
         </p:nvSpPr>
         <p:spPr>
           <a:xfrm>
-            <a:off x="4168794" y="2712588"/>
+            <a:off x="3984725" y="2712588"/>
             <a:ext cx="388393" cy="246221"/>
           </a:xfrm>
           <a:prstGeom prst="rect">
@@ -5581,7 +5581,7 @@
         </p:nvCxnSpPr>
         <p:spPr>
           <a:xfrm rot="10800000" flipV="1">
-            <a:off x="4458516" y="1879957"/>
+            <a:off x="4274447" y="1879957"/>
             <a:ext cx="1483311" cy="766"/>
           </a:xfrm>
           <a:prstGeom prst="bentConnector3">
@@ -5623,7 +5623,7 @@
         </p:nvSpPr>
         <p:spPr>
           <a:xfrm>
-            <a:off x="2840492" y="1593809"/>
+            <a:off x="2656423" y="1593809"/>
             <a:ext cx="1618023" cy="573827"/>
           </a:xfrm>
           <a:prstGeom prst="rect">
@@ -5704,7 +5704,7 @@
         </p:nvSpPr>
         <p:spPr>
           <a:xfrm>
-            <a:off x="4462392" y="1886710"/>
+            <a:off x="4278323" y="1886710"/>
             <a:ext cx="405123" cy="246221"/>
           </a:xfrm>
           <a:prstGeom prst="rect">
@@ -5739,8 +5739,8 @@
         </p:nvSpPr>
         <p:spPr>
           <a:xfrm>
-            <a:off x="2840492" y="3750965"/>
-            <a:ext cx="1666397" cy="601464"/>
+            <a:off x="2656423" y="3713357"/>
+            <a:ext cx="1666397" cy="639072"/>
           </a:xfrm>
           <a:prstGeom prst="rect">
             <a:avLst/>
@@ -5801,7 +5801,7 @@
                   <a:srgbClr val="FFFF00"/>
                 </a:solidFill>
               </a:rPr>
-              <a:t>Indication profile of ClinicalUseDefinition</a:t>
+              <a:t>IndicationDefinition profile of ClinicalUseDefinition</a:t>
             </a:r>
           </a:p>
         </p:txBody>
@@ -5820,7 +5820,7 @@
         </p:nvSpPr>
         <p:spPr>
           <a:xfrm>
-            <a:off x="6483715" y="3554607"/>
+            <a:off x="6299646" y="3554607"/>
             <a:ext cx="1666398" cy="601464"/>
           </a:xfrm>
           <a:prstGeom prst="rect">
@@ -5882,7 +5882,7 @@
                   <a:srgbClr val="FFFF00"/>
                 </a:solidFill>
               </a:rPr>
-              <a:t>Warning </a:t>
+              <a:t>WarningDefinition </a:t>
             </a:r>
           </a:p>
           <a:p>
@@ -5916,12 +5916,12 @@
         </p:nvCxnSpPr>
         <p:spPr>
           <a:xfrm rot="5400000">
-            <a:off x="4495477" y="1626521"/>
-            <a:ext cx="1302659" cy="2946229"/>
+            <a:off x="4330212" y="1607717"/>
+            <a:ext cx="1265051" cy="2946229"/>
           </a:xfrm>
           <a:prstGeom prst="bentConnector3">
             <a:avLst>
-              <a:gd name="adj1" fmla="val 73702"/>
+              <a:gd name="adj1" fmla="val 76284"/>
             </a:avLst>
           </a:prstGeom>
           <a:ln w="19050">
@@ -5962,7 +5962,7 @@
         </p:nvCxnSpPr>
         <p:spPr>
           <a:xfrm rot="16200000" flipH="1">
-            <a:off x="6758683" y="2996375"/>
+            <a:off x="6574614" y="2996375"/>
             <a:ext cx="1114607" cy="1856"/>
           </a:xfrm>
           <a:prstGeom prst="bentConnector3">
@@ -6004,7 +6004,7 @@
         </p:nvSpPr>
         <p:spPr>
           <a:xfrm>
-            <a:off x="6974054" y="3264541"/>
+            <a:off x="6789985" y="3264541"/>
             <a:ext cx="405140" cy="246221"/>
           </a:xfrm>
           <a:prstGeom prst="rect">
@@ -6039,7 +6039,7 @@
         </p:nvSpPr>
         <p:spPr>
           <a:xfrm>
-            <a:off x="3346867" y="3510387"/>
+            <a:off x="3134183" y="3504600"/>
             <a:ext cx="423703" cy="246221"/>
           </a:xfrm>
           <a:prstGeom prst="rect">
@@ -6074,7 +6074,7 @@
         </p:nvSpPr>
         <p:spPr>
           <a:xfrm>
-            <a:off x="4538596" y="3201017"/>
+            <a:off x="4354527" y="3201017"/>
             <a:ext cx="2005686" cy="246221"/>
           </a:xfrm>
           <a:prstGeom prst="rect">
@@ -6113,7 +6113,7 @@
         </p:nvSpPr>
         <p:spPr>
           <a:xfrm>
-            <a:off x="7260713" y="2626873"/>
+            <a:off x="7076644" y="2626873"/>
             <a:ext cx="1877884" cy="246221"/>
           </a:xfrm>
           <a:prstGeom prst="rect">
@@ -6156,7 +6156,7 @@
         </p:nvSpPr>
         <p:spPr>
           <a:xfrm>
-            <a:off x="1890897" y="3705685"/>
+            <a:off x="1706828" y="3705685"/>
             <a:ext cx="924161" cy="646331"/>
           </a:xfrm>
           <a:prstGeom prst="rect">
@@ -6210,7 +6210,7 @@
         </p:nvSpPr>
         <p:spPr>
           <a:xfrm>
-            <a:off x="8474601" y="3850172"/>
+            <a:off x="8290532" y="3850172"/>
             <a:ext cx="1207403" cy="461665"/>
           </a:xfrm>
           <a:prstGeom prst="rect">
@@ -6276,7 +6276,7 @@
         </p:nvCxnSpPr>
         <p:spPr>
           <a:xfrm flipH="1">
-            <a:off x="2973240" y="4341142"/>
+            <a:off x="2789171" y="4341142"/>
             <a:ext cx="7174" cy="709190"/>
           </a:xfrm>
           <a:prstGeom prst="straightConnector1">
@@ -6320,7 +6320,7 @@
         </p:nvCxnSpPr>
         <p:spPr>
           <a:xfrm flipH="1">
-            <a:off x="3451934" y="4341142"/>
+            <a:off x="3267865" y="4341142"/>
             <a:ext cx="3" cy="715128"/>
           </a:xfrm>
           <a:prstGeom prst="straightConnector1">
@@ -6364,7 +6364,7 @@
         </p:nvCxnSpPr>
         <p:spPr>
           <a:xfrm>
-            <a:off x="4000885" y="4341142"/>
+            <a:off x="3816816" y="4341142"/>
             <a:ext cx="0" cy="709190"/>
           </a:xfrm>
           <a:prstGeom prst="straightConnector1">
@@ -6408,7 +6408,7 @@
         </p:nvCxnSpPr>
         <p:spPr>
           <a:xfrm>
-            <a:off x="4416984" y="4341142"/>
+            <a:off x="4232915" y="4341142"/>
             <a:ext cx="11857" cy="703251"/>
           </a:xfrm>
           <a:prstGeom prst="straightConnector1">
@@ -6452,7 +6452,7 @@
         </p:nvCxnSpPr>
         <p:spPr>
           <a:xfrm rot="5400000">
-            <a:off x="6085185" y="3358439"/>
+            <a:off x="5901116" y="3358439"/>
             <a:ext cx="207306" cy="3393670"/>
           </a:xfrm>
           <a:prstGeom prst="bentConnector2">
@@ -6496,7 +6496,7 @@
         </p:nvCxnSpPr>
         <p:spPr>
           <a:xfrm rot="5400000">
-            <a:off x="6104635" y="3352490"/>
+            <a:off x="5920566" y="3352490"/>
             <a:ext cx="483831" cy="3692009"/>
           </a:xfrm>
           <a:prstGeom prst="bentConnector2">
@@ -6540,7 +6540,7 @@
         </p:nvCxnSpPr>
         <p:spPr>
           <a:xfrm rot="5400000">
-            <a:off x="6122688" y="3320991"/>
+            <a:off x="5938619" y="3320991"/>
             <a:ext cx="770423" cy="4031683"/>
           </a:xfrm>
           <a:prstGeom prst="bentConnector2">
@@ -6580,7 +6580,7 @@
         </p:nvSpPr>
         <p:spPr>
           <a:xfrm>
-            <a:off x="5359915" y="5519823"/>
+            <a:off x="5175846" y="5519823"/>
             <a:ext cx="2743409" cy="246221"/>
           </a:xfrm>
           <a:prstGeom prst="rect">
@@ -6619,7 +6619,7 @@
         </p:nvSpPr>
         <p:spPr>
           <a:xfrm>
-            <a:off x="4531440" y="5543820"/>
+            <a:off x="4347371" y="5543820"/>
             <a:ext cx="405123" cy="246221"/>
           </a:xfrm>
           <a:prstGeom prst="rect">
@@ -6654,7 +6654,7 @@
         </p:nvSpPr>
         <p:spPr>
           <a:xfrm>
-            <a:off x="5359915" y="5228203"/>
+            <a:off x="5175846" y="5228203"/>
             <a:ext cx="1956680" cy="246221"/>
           </a:xfrm>
           <a:prstGeom prst="rect">
@@ -6693,7 +6693,7 @@
         </p:nvSpPr>
         <p:spPr>
           <a:xfrm>
-            <a:off x="4529911" y="5248301"/>
+            <a:off x="4345842" y="5248301"/>
             <a:ext cx="405123" cy="246221"/>
           </a:xfrm>
           <a:prstGeom prst="rect">
@@ -6728,7 +6728,7 @@
         </p:nvSpPr>
         <p:spPr>
           <a:xfrm>
-            <a:off x="5359915" y="4951586"/>
+            <a:off x="5175846" y="4951586"/>
             <a:ext cx="1942201" cy="246221"/>
           </a:xfrm>
           <a:prstGeom prst="rect">
@@ -6767,7 +6767,7 @@
         </p:nvSpPr>
         <p:spPr>
           <a:xfrm>
-            <a:off x="2615745" y="4789804"/>
+            <a:off x="2431676" y="4789804"/>
             <a:ext cx="386253" cy="246221"/>
           </a:xfrm>
           <a:prstGeom prst="rect">
@@ -6802,7 +6802,7 @@
         </p:nvSpPr>
         <p:spPr>
           <a:xfrm>
-            <a:off x="3606245" y="4345976"/>
+            <a:off x="3422176" y="4345976"/>
             <a:ext cx="876617" cy="400110"/>
           </a:xfrm>
           <a:prstGeom prst="rect">
@@ -6853,7 +6853,7 @@
         </p:nvSpPr>
         <p:spPr>
           <a:xfrm>
-            <a:off x="882457" y="4345976"/>
+            <a:off x="698388" y="4345976"/>
             <a:ext cx="2148521" cy="246221"/>
           </a:xfrm>
           <a:prstGeom prst="rect">
@@ -6893,7 +6893,7 @@
         </p:nvSpPr>
         <p:spPr>
           <a:xfrm>
-            <a:off x="2890337" y="4475614"/>
+            <a:off x="2706268" y="4475614"/>
             <a:ext cx="945279" cy="400110"/>
           </a:xfrm>
           <a:prstGeom prst="rect">
@@ -6944,7 +6944,7 @@
         </p:nvSpPr>
         <p:spPr>
           <a:xfrm>
-            <a:off x="4411815" y="4345976"/>
+            <a:off x="4227746" y="4345976"/>
             <a:ext cx="1819711" cy="246221"/>
           </a:xfrm>
           <a:prstGeom prst="rect">
@@ -6983,7 +6983,7 @@
         </p:nvSpPr>
         <p:spPr>
           <a:xfrm>
-            <a:off x="10575450" y="2053746"/>
+            <a:off x="10391381" y="2053746"/>
             <a:ext cx="1123904" cy="461665"/>
           </a:xfrm>
           <a:prstGeom prst="rect">
@@ -7022,7 +7022,7 @@
         </p:nvCxnSpPr>
         <p:spPr>
           <a:xfrm>
-            <a:off x="7415687" y="2263997"/>
+            <a:off x="7231618" y="2263997"/>
             <a:ext cx="1723575" cy="893"/>
           </a:xfrm>
           <a:prstGeom prst="bentConnector3">
@@ -7064,7 +7064,7 @@
         </p:nvSpPr>
         <p:spPr>
           <a:xfrm>
-            <a:off x="8800633" y="2279905"/>
+            <a:off x="8616564" y="2279905"/>
             <a:ext cx="417459" cy="246221"/>
           </a:xfrm>
           <a:prstGeom prst="rect">
@@ -7103,12 +7103,12 @@
         </p:nvCxnSpPr>
         <p:spPr>
           <a:xfrm rot="16200000" flipH="1">
-            <a:off x="6948961" y="2806097"/>
+            <a:off x="6764892" y="2806097"/>
             <a:ext cx="1919876" cy="1187682"/>
           </a:xfrm>
           <a:prstGeom prst="bentConnector3">
             <a:avLst>
-              <a:gd name="adj1" fmla="val 21547"/>
+              <a:gd name="adj1" fmla="val 20619"/>
             </a:avLst>
           </a:prstGeom>
           <a:ln w="19050">
@@ -7145,7 +7145,7 @@
         </p:nvSpPr>
         <p:spPr>
           <a:xfrm>
-            <a:off x="3091792" y="4789804"/>
+            <a:off x="2907723" y="4789804"/>
             <a:ext cx="386253" cy="246221"/>
           </a:xfrm>
           <a:prstGeom prst="rect">
@@ -7180,7 +7180,7 @@
         </p:nvSpPr>
         <p:spPr>
           <a:xfrm>
-            <a:off x="3692719" y="4794127"/>
+            <a:off x="3508650" y="4794127"/>
             <a:ext cx="386253" cy="246221"/>
           </a:xfrm>
           <a:prstGeom prst="rect">
@@ -7215,7 +7215,7 @@
         </p:nvSpPr>
         <p:spPr>
           <a:xfrm>
-            <a:off x="4123091" y="4795796"/>
+            <a:off x="3939022" y="4795796"/>
             <a:ext cx="386253" cy="246221"/>
           </a:xfrm>
           <a:prstGeom prst="rect">
@@ -7250,7 +7250,7 @@
         </p:nvSpPr>
         <p:spPr>
           <a:xfrm>
-            <a:off x="7266702" y="2307720"/>
+            <a:off x="7082633" y="2307720"/>
             <a:ext cx="96711" cy="132280"/>
           </a:xfrm>
           <a:prstGeom prst="rect">
@@ -7296,8 +7296,8 @@
         </p:nvSpPr>
         <p:spPr>
           <a:xfrm>
-            <a:off x="8912426" y="5165153"/>
-            <a:ext cx="1515052" cy="601464"/>
+            <a:off x="8728357" y="5165152"/>
+            <a:ext cx="1886827" cy="671288"/>
           </a:xfrm>
           <a:prstGeom prst="rect">
             <a:avLst/>
@@ -7358,7 +7358,7 @@
                   <a:srgbClr val="FFFF00"/>
                 </a:solidFill>
               </a:rPr>
-              <a:t>UndesirableEffect</a:t>
+              <a:t>UndesirableEffectDefinition</a:t>
             </a:r>
           </a:p>
           <a:p>
@@ -7369,7 +7369,18 @@
                   <a:srgbClr val="FFFF00"/>
                 </a:solidFill>
               </a:rPr>
-              <a:t>profile of ClinicalUseDefinition</a:t>
+              <a:t>profile of </a:t>
+            </a:r>
+          </a:p>
+          <a:p>
+            <a:pPr algn="ctr"/>
+            <a:r>
+              <a:rPr lang="en-US" sz="1200" noProof="1">
+                <a:solidFill>
+                  <a:srgbClr val="FFFF00"/>
+                </a:solidFill>
+              </a:rPr>
+              <a:t>ClinicalUseDefinition</a:t>
             </a:r>
           </a:p>
         </p:txBody>
@@ -7392,12 +7403,12 @@
         </p:nvCxnSpPr>
         <p:spPr>
           <a:xfrm rot="16200000" flipH="1">
-            <a:off x="7129929" y="2625129"/>
-            <a:ext cx="2725153" cy="2354894"/>
+            <a:off x="7038804" y="2532185"/>
+            <a:ext cx="2725152" cy="2540782"/>
           </a:xfrm>
           <a:prstGeom prst="bentConnector3">
             <a:avLst>
-              <a:gd name="adj1" fmla="val 15139"/>
+              <a:gd name="adj1" fmla="val 14485"/>
             </a:avLst>
           </a:prstGeom>
           <a:ln w="19050">
@@ -7434,7 +7445,7 @@
         </p:nvSpPr>
         <p:spPr>
           <a:xfrm>
-            <a:off x="8123164" y="4103291"/>
+            <a:off x="7939095" y="4103291"/>
             <a:ext cx="528095" cy="246221"/>
           </a:xfrm>
           <a:prstGeom prst="rect">
@@ -7469,8 +7480,8 @@
         </p:nvSpPr>
         <p:spPr>
           <a:xfrm>
-            <a:off x="9272238" y="4927164"/>
-            <a:ext cx="499331" cy="246221"/>
+            <a:off x="9278261" y="4951028"/>
+            <a:ext cx="399218" cy="246221"/>
           </a:xfrm>
           <a:prstGeom prst="rect">
             <a:avLst/>
@@ -7507,13 +7518,13 @@
           <p:nvPr/>
         </p:nvCxnSpPr>
         <p:spPr>
-          <a:xfrm rot="5400000">
-            <a:off x="6853750" y="3007609"/>
-            <a:ext cx="57194" cy="5575210"/>
+          <a:xfrm rot="5400000" flipH="1">
+            <a:off x="6784907" y="2949577"/>
+            <a:ext cx="12629" cy="5761098"/>
           </a:xfrm>
           <a:prstGeom prst="bentConnector3">
             <a:avLst>
-              <a:gd name="adj1" fmla="val 499692"/>
+              <a:gd name="adj1" fmla="val -1810120"/>
             </a:avLst>
           </a:prstGeom>
           <a:ln w="19050">
@@ -7550,7 +7561,7 @@
         </p:nvSpPr>
         <p:spPr>
           <a:xfrm>
-            <a:off x="4108637" y="5800112"/>
+            <a:off x="3924568" y="5800112"/>
             <a:ext cx="405123" cy="246221"/>
           </a:xfrm>
           <a:prstGeom prst="rect">
@@ -7585,7 +7596,7 @@
         </p:nvSpPr>
         <p:spPr>
           <a:xfrm>
-            <a:off x="5359915" y="5852389"/>
+            <a:off x="5175846" y="5852389"/>
             <a:ext cx="2743409" cy="246221"/>
           </a:xfrm>
           <a:prstGeom prst="rect">
@@ -7624,7 +7635,7 @@
         </p:nvSpPr>
         <p:spPr>
           <a:xfrm>
-            <a:off x="9946008" y="5986017"/>
+            <a:off x="10284455" y="5986017"/>
             <a:ext cx="1524638" cy="601464"/>
           </a:xfrm>
           <a:prstGeom prst="rect">
@@ -7686,7 +7697,7 @@
                   <a:srgbClr val="FFFF00"/>
                 </a:solidFill>
               </a:rPr>
-              <a:t>Interaction</a:t>
+              <a:t>InteractionDefinition</a:t>
             </a:r>
           </a:p>
           <a:p>
@@ -7720,12 +7731,12 @@
         </p:nvCxnSpPr>
         <p:spPr>
           <a:xfrm rot="16200000" flipH="1">
-            <a:off x="7238684" y="2516373"/>
-            <a:ext cx="3546017" cy="3393269"/>
+            <a:off x="7315873" y="2255115"/>
+            <a:ext cx="3546017" cy="3915785"/>
           </a:xfrm>
           <a:prstGeom prst="bentConnector3">
             <a:avLst>
-              <a:gd name="adj1" fmla="val 11655"/>
+              <a:gd name="adj1" fmla="val 11153"/>
             </a:avLst>
           </a:prstGeom>
           <a:ln w="19050">
@@ -7762,7 +7773,7 @@
         </p:nvSpPr>
         <p:spPr>
           <a:xfrm>
-            <a:off x="10360133" y="5788152"/>
+            <a:off x="10698580" y="5788152"/>
             <a:ext cx="465084" cy="246221"/>
           </a:xfrm>
           <a:prstGeom prst="rect">
@@ -7797,7 +7808,7 @@
         </p:nvSpPr>
         <p:spPr>
           <a:xfrm>
-            <a:off x="9650422" y="4440108"/>
+            <a:off x="9655925" y="4427807"/>
             <a:ext cx="964247" cy="646331"/>
           </a:xfrm>
           <a:prstGeom prst="rect">
@@ -7850,7 +7861,7 @@
         </p:nvSpPr>
         <p:spPr>
           <a:xfrm>
-            <a:off x="10682857" y="5593418"/>
+            <a:off x="11021304" y="5593418"/>
             <a:ext cx="1089470" cy="276999"/>
           </a:xfrm>
           <a:prstGeom prst="rect">
@@ -7907,8 +7918,8 @@
         </p:nvCxnSpPr>
         <p:spPr>
           <a:xfrm rot="10800000">
-            <a:off x="3670520" y="5838651"/>
-            <a:ext cx="6275489" cy="448099"/>
+            <a:off x="3486451" y="5838651"/>
+            <a:ext cx="6798005" cy="448099"/>
           </a:xfrm>
           <a:prstGeom prst="bentConnector2">
             <a:avLst/>
@@ -7947,7 +7958,7 @@
         </p:nvSpPr>
         <p:spPr>
           <a:xfrm>
-            <a:off x="3306584" y="5797252"/>
+            <a:off x="3122515" y="5797252"/>
             <a:ext cx="405123" cy="246221"/>
           </a:xfrm>
           <a:prstGeom prst="rect">
@@ -7982,7 +7993,7 @@
         </p:nvSpPr>
         <p:spPr>
           <a:xfrm>
-            <a:off x="7930084" y="2064923"/>
+            <a:off x="7746015" y="2064923"/>
             <a:ext cx="1089034" cy="246221"/>
           </a:xfrm>
           <a:prstGeom prst="rect">
@@ -8022,7 +8033,7 @@
         </p:nvSpPr>
         <p:spPr>
           <a:xfrm>
-            <a:off x="9139262" y="1987302"/>
+            <a:off x="8955193" y="1987302"/>
             <a:ext cx="1443992" cy="555176"/>
           </a:xfrm>
           <a:prstGeom prst="rect">
@@ -8114,7 +8125,7 @@
         </p:nvSpPr>
         <p:spPr>
           <a:xfrm>
-            <a:off x="5359915" y="6074615"/>
+            <a:off x="5175846" y="6074615"/>
             <a:ext cx="2743409" cy="246221"/>
           </a:xfrm>
           <a:prstGeom prst="rect">
@@ -8153,7 +8164,7 @@
         </p:nvSpPr>
         <p:spPr>
           <a:xfrm>
-            <a:off x="8144198" y="4824299"/>
+            <a:off x="7960129" y="4824299"/>
             <a:ext cx="96711" cy="132280"/>
           </a:xfrm>
           <a:prstGeom prst="rect">
@@ -8199,8 +8210,8 @@
         </p:nvSpPr>
         <p:spPr>
           <a:xfrm>
-            <a:off x="7677405" y="4359876"/>
-            <a:ext cx="1650670" cy="648890"/>
+            <a:off x="7406252" y="4359876"/>
+            <a:ext cx="1824838" cy="648890"/>
           </a:xfrm>
           <a:prstGeom prst="rect">
             <a:avLst/>
@@ -8261,7 +8272,7 @@
                   <a:srgbClr val="FFFF00"/>
                 </a:solidFill>
               </a:rPr>
-              <a:t>Contraindication</a:t>
+              <a:t>ContraindicationDefinition</a:t>
             </a:r>
           </a:p>
           <a:p>
@@ -8291,7 +8302,7 @@
         </p:nvSpPr>
         <p:spPr>
           <a:xfrm>
-            <a:off x="5941826" y="1687364"/>
+            <a:off x="5757757" y="1687364"/>
             <a:ext cx="105126" cy="385186"/>
           </a:xfrm>
           <a:prstGeom prst="rect">
@@ -8337,7 +8348,7 @@
         </p:nvSpPr>
         <p:spPr>
           <a:xfrm>
-            <a:off x="7174343" y="1692234"/>
+            <a:off x="6990274" y="1692234"/>
             <a:ext cx="180469" cy="125810"/>
           </a:xfrm>
           <a:prstGeom prst="rect">
@@ -8383,7 +8394,7 @@
         </p:nvSpPr>
         <p:spPr>
           <a:xfrm>
-            <a:off x="5807951" y="1682263"/>
+            <a:off x="5623882" y="1682263"/>
             <a:ext cx="1623937" cy="766043"/>
           </a:xfrm>
           <a:prstGeom prst="rect">
@@ -8445,7 +8456,7 @@
                   <a:srgbClr val="FFFF00"/>
                 </a:solidFill>
               </a:rPr>
-              <a:t>MK4Catalog</a:t>
+              <a:t>DrugKnowledge</a:t>
             </a:r>
           </a:p>
           <a:p>
@@ -8475,7 +8486,7 @@
         </p:nvSpPr>
         <p:spPr>
           <a:xfrm>
-            <a:off x="4046386" y="5691531"/>
+            <a:off x="3862317" y="5691531"/>
             <a:ext cx="96711" cy="132280"/>
           </a:xfrm>
           <a:prstGeom prst="rect">
@@ -8521,7 +8532,7 @@
         </p:nvSpPr>
         <p:spPr>
           <a:xfrm>
-            <a:off x="6032342" y="487670"/>
+            <a:off x="5848273" y="487670"/>
             <a:ext cx="1232235" cy="612769"/>
           </a:xfrm>
           <a:prstGeom prst="rect">
@@ -8587,7 +8598,7 @@
         </p:nvCxnSpPr>
         <p:spPr>
           <a:xfrm flipV="1">
-            <a:off x="4434979" y="794055"/>
+            <a:off x="4250910" y="794055"/>
             <a:ext cx="1597363" cy="1"/>
           </a:xfrm>
           <a:prstGeom prst="bentConnector3">
@@ -8633,7 +8644,7 @@
         </p:nvCxnSpPr>
         <p:spPr>
           <a:xfrm rot="10800000">
-            <a:off x="7264578" y="794056"/>
+            <a:off x="7080509" y="794056"/>
             <a:ext cx="1854395" cy="1"/>
           </a:xfrm>
           <a:prstGeom prst="bentConnector3">
@@ -8675,7 +8686,7 @@
         </p:nvSpPr>
         <p:spPr>
           <a:xfrm>
-            <a:off x="4538596" y="566938"/>
+            <a:off x="4354527" y="566938"/>
             <a:ext cx="679239" cy="246221"/>
           </a:xfrm>
           <a:prstGeom prst="rect">
@@ -8714,7 +8725,7 @@
         </p:nvSpPr>
         <p:spPr>
           <a:xfrm>
-            <a:off x="8399063" y="557603"/>
+            <a:off x="8214994" y="557603"/>
             <a:ext cx="679239" cy="246221"/>
           </a:xfrm>
           <a:prstGeom prst="rect">
@@ -8753,7 +8764,7 @@
         </p:nvSpPr>
         <p:spPr>
           <a:xfrm>
-            <a:off x="3403578" y="5056270"/>
+            <a:off x="3219509" y="5056270"/>
             <a:ext cx="96711" cy="132280"/>
           </a:xfrm>
           <a:prstGeom prst="rect">
@@ -8799,7 +8810,7 @@
         </p:nvSpPr>
         <p:spPr>
           <a:xfrm>
-            <a:off x="2840492" y="5042170"/>
+            <a:off x="2656423" y="5042170"/>
             <a:ext cx="1660053" cy="796480"/>
           </a:xfrm>
           <a:prstGeom prst="rect">
@@ -8880,7 +8891,7 @@
         </p:nvSpPr>
         <p:spPr>
           <a:xfrm>
-            <a:off x="5682581" y="29873"/>
+            <a:off x="5498512" y="29873"/>
             <a:ext cx="1931755" cy="461665"/>
           </a:xfrm>
           <a:prstGeom prst="rect">

--- a/input/images-source/MedicationCatalog.pptx
+++ b/input/images-source/MedicationCatalog.pptx
@@ -3340,7 +3340,7 @@
         </p:nvSpPr>
         <p:spPr>
           <a:xfrm>
-            <a:off x="7097743" y="2211275"/>
+            <a:off x="6883986" y="2211275"/>
             <a:ext cx="133875" cy="105443"/>
           </a:xfrm>
           <a:prstGeom prst="rect">
@@ -3386,7 +3386,7 @@
         </p:nvSpPr>
         <p:spPr>
           <a:xfrm>
-            <a:off x="3219512" y="4208862"/>
+            <a:off x="3005755" y="4208862"/>
             <a:ext cx="96711" cy="132280"/>
           </a:xfrm>
           <a:prstGeom prst="rect">
@@ -3432,7 +3432,7 @@
         </p:nvSpPr>
         <p:spPr>
           <a:xfrm>
-            <a:off x="2747989" y="4208862"/>
+            <a:off x="2534232" y="4208862"/>
             <a:ext cx="96711" cy="132280"/>
           </a:xfrm>
           <a:prstGeom prst="rect">
@@ -3478,7 +3478,7 @@
         </p:nvSpPr>
         <p:spPr>
           <a:xfrm>
-            <a:off x="4184559" y="4208862"/>
+            <a:off x="3970802" y="4208862"/>
             <a:ext cx="96711" cy="132280"/>
           </a:xfrm>
           <a:prstGeom prst="rect">
@@ -3524,7 +3524,7 @@
         </p:nvSpPr>
         <p:spPr>
           <a:xfrm>
-            <a:off x="3768460" y="4208862"/>
+            <a:off x="3554703" y="4208862"/>
             <a:ext cx="96711" cy="132280"/>
           </a:xfrm>
           <a:prstGeom prst="rect">
@@ -3570,7 +3570,7 @@
         </p:nvSpPr>
         <p:spPr>
           <a:xfrm>
-            <a:off x="2740815" y="5050332"/>
+            <a:off x="2527058" y="5050332"/>
             <a:ext cx="96711" cy="132280"/>
           </a:xfrm>
           <a:prstGeom prst="rect">
@@ -3616,7 +3616,7 @@
         </p:nvSpPr>
         <p:spPr>
           <a:xfrm>
-            <a:off x="4196435" y="5044393"/>
+            <a:off x="3982678" y="5044393"/>
             <a:ext cx="96673" cy="307751"/>
           </a:xfrm>
           <a:prstGeom prst="rect">
@@ -3662,7 +3662,7 @@
         </p:nvSpPr>
         <p:spPr>
           <a:xfrm>
-            <a:off x="3768460" y="5050332"/>
+            <a:off x="3554703" y="5050332"/>
             <a:ext cx="96711" cy="132280"/>
           </a:xfrm>
           <a:prstGeom prst="rect">
@@ -3708,7 +3708,7 @@
         </p:nvSpPr>
         <p:spPr>
           <a:xfrm>
-            <a:off x="4174085" y="5049859"/>
+            <a:off x="3960328" y="5049859"/>
             <a:ext cx="133849" cy="218136"/>
           </a:xfrm>
           <a:prstGeom prst="rect">
@@ -3754,7 +3754,7 @@
         </p:nvSpPr>
         <p:spPr>
           <a:xfrm>
-            <a:off x="4174086" y="5675163"/>
+            <a:off x="3960329" y="5675163"/>
             <a:ext cx="133902" cy="93761"/>
           </a:xfrm>
           <a:prstGeom prst="rect">
@@ -3800,7 +3800,7 @@
         </p:nvSpPr>
         <p:spPr>
           <a:xfrm>
-            <a:off x="8291315" y="4819341"/>
+            <a:off x="8077558" y="4819341"/>
             <a:ext cx="96711" cy="132280"/>
           </a:xfrm>
           <a:prstGeom prst="rect">
@@ -3846,7 +3846,7 @@
         </p:nvSpPr>
         <p:spPr>
           <a:xfrm>
-            <a:off x="7653248" y="4819341"/>
+            <a:off x="7439491" y="4819341"/>
             <a:ext cx="96711" cy="132280"/>
           </a:xfrm>
           <a:prstGeom prst="rect">
@@ -3892,7 +3892,7 @@
         </p:nvSpPr>
         <p:spPr>
           <a:xfrm>
-            <a:off x="5744230" y="2256213"/>
+            <a:off x="5530473" y="2256213"/>
             <a:ext cx="159533" cy="115896"/>
           </a:xfrm>
           <a:prstGeom prst="rect">
@@ -3938,7 +3938,7 @@
         </p:nvSpPr>
         <p:spPr>
           <a:xfrm>
-            <a:off x="5913028" y="1690463"/>
+            <a:off x="5699271" y="1690463"/>
             <a:ext cx="159533" cy="231629"/>
           </a:xfrm>
           <a:prstGeom prst="rect">
@@ -3984,7 +3984,7 @@
         </p:nvSpPr>
         <p:spPr>
           <a:xfrm>
-            <a:off x="3787585" y="3071225"/>
+            <a:off x="3573828" y="3071225"/>
             <a:ext cx="191812" cy="110015"/>
           </a:xfrm>
           <a:prstGeom prst="rect">
@@ -4030,7 +4030,7 @@
         </p:nvSpPr>
         <p:spPr>
           <a:xfrm>
-            <a:off x="3787245" y="2635897"/>
+            <a:off x="3573488" y="2635897"/>
             <a:ext cx="191812" cy="110015"/>
           </a:xfrm>
           <a:prstGeom prst="rect">
@@ -4076,7 +4076,7 @@
         </p:nvSpPr>
         <p:spPr>
           <a:xfrm>
-            <a:off x="5943521" y="2307794"/>
+            <a:off x="5729764" y="2307794"/>
             <a:ext cx="159533" cy="132280"/>
           </a:xfrm>
           <a:prstGeom prst="rect">
@@ -4122,7 +4122,7 @@
         </p:nvSpPr>
         <p:spPr>
           <a:xfrm>
-            <a:off x="6148261" y="2307794"/>
+            <a:off x="5934504" y="2307794"/>
             <a:ext cx="159533" cy="132280"/>
           </a:xfrm>
           <a:prstGeom prst="rect">
@@ -4168,7 +4168,7 @@
         </p:nvSpPr>
         <p:spPr>
           <a:xfrm>
-            <a:off x="6028378" y="2099538"/>
+            <a:off x="5814621" y="2099538"/>
             <a:ext cx="159533" cy="132280"/>
           </a:xfrm>
           <a:prstGeom prst="rect">
@@ -4214,7 +4214,7 @@
         </p:nvSpPr>
         <p:spPr>
           <a:xfrm>
-            <a:off x="5723577" y="2333043"/>
+            <a:off x="5509820" y="2333043"/>
             <a:ext cx="191812" cy="110015"/>
           </a:xfrm>
           <a:prstGeom prst="rect">
@@ -4260,7 +4260,7 @@
         </p:nvSpPr>
         <p:spPr>
           <a:xfrm>
-            <a:off x="5910673" y="2119087"/>
+            <a:off x="5696916" y="2119087"/>
             <a:ext cx="191812" cy="110015"/>
           </a:xfrm>
           <a:prstGeom prst="rect">
@@ -4306,7 +4306,7 @@
         </p:nvSpPr>
         <p:spPr>
           <a:xfrm>
-            <a:off x="7049651" y="1796074"/>
+            <a:off x="6835894" y="1796074"/>
             <a:ext cx="191812" cy="162421"/>
           </a:xfrm>
           <a:prstGeom prst="rect">
@@ -4352,7 +4352,7 @@
         </p:nvSpPr>
         <p:spPr>
           <a:xfrm>
-            <a:off x="3150699" y="1107938"/>
+            <a:off x="2854934" y="1084597"/>
             <a:ext cx="482541" cy="246221"/>
           </a:xfrm>
           <a:prstGeom prst="rect">
@@ -4391,7 +4391,7 @@
         </p:nvCxnSpPr>
         <p:spPr>
           <a:xfrm rot="16200000" flipV="1">
-            <a:off x="4338532" y="215575"/>
+            <a:off x="4124775" y="215575"/>
             <a:ext cx="586924" cy="2356653"/>
           </a:xfrm>
           <a:prstGeom prst="bentConnector3">
@@ -4433,7 +4433,7 @@
         </p:nvSpPr>
         <p:spPr>
           <a:xfrm>
-            <a:off x="2656423" y="487671"/>
+            <a:off x="2442666" y="487671"/>
             <a:ext cx="1594487" cy="612769"/>
           </a:xfrm>
           <a:prstGeom prst="rect">
@@ -4495,7 +4495,7 @@
         </p:nvSpPr>
         <p:spPr>
           <a:xfrm>
-            <a:off x="3561812" y="1185932"/>
+            <a:off x="3348055" y="1185932"/>
             <a:ext cx="1415542" cy="246221"/>
           </a:xfrm>
           <a:prstGeom prst="rect">
@@ -4534,7 +4534,7 @@
         </p:nvSpPr>
         <p:spPr>
           <a:xfrm>
-            <a:off x="4347453" y="4913143"/>
+            <a:off x="4133696" y="4913143"/>
             <a:ext cx="408760" cy="246221"/>
           </a:xfrm>
           <a:prstGeom prst="rect">
@@ -4569,7 +4569,7 @@
         </p:nvSpPr>
         <p:spPr>
           <a:xfrm>
-            <a:off x="4354527" y="1657254"/>
+            <a:off x="4140770" y="1657254"/>
             <a:ext cx="1192438" cy="246221"/>
           </a:xfrm>
           <a:prstGeom prst="rect">
@@ -4608,7 +4608,7 @@
         </p:nvSpPr>
         <p:spPr>
           <a:xfrm>
-            <a:off x="1377939" y="408930"/>
+            <a:off x="1164182" y="408930"/>
             <a:ext cx="1274931" cy="830997"/>
           </a:xfrm>
           <a:prstGeom prst="rect">
@@ -4644,7 +4644,7 @@
         </p:nvSpPr>
         <p:spPr>
           <a:xfrm>
-            <a:off x="5896854" y="1241095"/>
+            <a:off x="5683097" y="1241095"/>
             <a:ext cx="1028423" cy="461665"/>
           </a:xfrm>
           <a:prstGeom prst="rect">
@@ -4698,8 +4698,8 @@
         </p:nvSpPr>
         <p:spPr>
           <a:xfrm>
-            <a:off x="7124980" y="2807184"/>
-            <a:ext cx="997886" cy="830997"/>
+            <a:off x="6923099" y="2943753"/>
+            <a:ext cx="997886" cy="646331"/>
           </a:xfrm>
           <a:prstGeom prst="rect">
             <a:avLst/>
@@ -4732,7 +4732,7 @@
                   <a:schemeClr val="tx1"/>
                 </a:solidFill>
               </a:rPr>
-              <a:t>A warning and/or precaution of use</a:t>
+              <a:t>A warning or precaution of use</a:t>
             </a:r>
           </a:p>
         </p:txBody>
@@ -4751,7 +4751,7 @@
         </p:nvSpPr>
         <p:spPr>
           <a:xfrm>
-            <a:off x="2656423" y="2583698"/>
+            <a:off x="2442666" y="2583698"/>
             <a:ext cx="1335702" cy="627951"/>
           </a:xfrm>
           <a:prstGeom prst="rect">
@@ -4832,7 +4832,7 @@
         </p:nvSpPr>
         <p:spPr>
           <a:xfrm>
-            <a:off x="3986865" y="2935396"/>
+            <a:off x="3773108" y="2935396"/>
             <a:ext cx="386253" cy="246221"/>
           </a:xfrm>
           <a:prstGeom prst="rect">
@@ -4867,7 +4867,7 @@
         </p:nvSpPr>
         <p:spPr>
           <a:xfrm>
-            <a:off x="1511809" y="1537433"/>
+            <a:off x="1250550" y="1537433"/>
             <a:ext cx="1180137" cy="646331"/>
           </a:xfrm>
           <a:prstGeom prst="rect">
@@ -4905,7 +4905,7 @@
         </p:nvCxnSpPr>
         <p:spPr>
           <a:xfrm flipH="1" flipV="1">
-            <a:off x="7226393" y="1731667"/>
+            <a:off x="7012636" y="1731667"/>
             <a:ext cx="11343" cy="132155"/>
           </a:xfrm>
           <a:prstGeom prst="bentConnector3">
@@ -4947,7 +4947,7 @@
         </p:nvSpPr>
         <p:spPr>
           <a:xfrm>
-            <a:off x="7197523" y="1856943"/>
+            <a:off x="6983766" y="1856943"/>
             <a:ext cx="417459" cy="246221"/>
           </a:xfrm>
           <a:prstGeom prst="rect">
@@ -4982,7 +4982,7 @@
         </p:nvSpPr>
         <p:spPr>
           <a:xfrm>
-            <a:off x="7406252" y="1679268"/>
+            <a:off x="7192495" y="1679268"/>
             <a:ext cx="3208932" cy="246221"/>
           </a:xfrm>
           <a:prstGeom prst="rect">
@@ -5044,7 +5044,7 @@
         </p:nvSpPr>
         <p:spPr>
           <a:xfrm>
-            <a:off x="8934903" y="487671"/>
+            <a:off x="8721146" y="487671"/>
             <a:ext cx="1433977" cy="612769"/>
           </a:xfrm>
           <a:prstGeom prst="rect">
@@ -5110,7 +5110,7 @@
         </p:nvCxnSpPr>
         <p:spPr>
           <a:xfrm rot="5400000" flipH="1" flipV="1">
-            <a:off x="8070303" y="110646"/>
+            <a:off x="7856546" y="110646"/>
             <a:ext cx="591794" cy="2571383"/>
           </a:xfrm>
           <a:prstGeom prst="bentConnector3">
@@ -5152,7 +5152,7 @@
         </p:nvSpPr>
         <p:spPr>
           <a:xfrm>
-            <a:off x="7049651" y="1399334"/>
+            <a:off x="6835894" y="1399334"/>
             <a:ext cx="444133" cy="246221"/>
           </a:xfrm>
           <a:prstGeom prst="rect">
@@ -5187,7 +5187,7 @@
         </p:nvSpPr>
         <p:spPr>
           <a:xfrm>
-            <a:off x="10378589" y="391870"/>
+            <a:off x="10164832" y="391870"/>
             <a:ext cx="1123905" cy="830997"/>
           </a:xfrm>
           <a:prstGeom prst="rect">
@@ -5222,7 +5222,7 @@
         </p:nvSpPr>
         <p:spPr>
           <a:xfrm>
-            <a:off x="8813214" y="1183958"/>
+            <a:off x="8599457" y="1183958"/>
             <a:ext cx="898203" cy="246221"/>
           </a:xfrm>
           <a:prstGeom prst="rect">
@@ -5265,7 +5265,7 @@
         </p:nvCxnSpPr>
         <p:spPr>
           <a:xfrm flipV="1">
-            <a:off x="3979057" y="2443058"/>
+            <a:off x="3765300" y="2443058"/>
             <a:ext cx="1840426" cy="247847"/>
           </a:xfrm>
           <a:prstGeom prst="bentConnector2">
@@ -5309,7 +5309,7 @@
         </p:nvCxnSpPr>
         <p:spPr>
           <a:xfrm flipV="1">
-            <a:off x="3992125" y="2440074"/>
+            <a:off x="3778368" y="2440074"/>
             <a:ext cx="2031163" cy="457600"/>
           </a:xfrm>
           <a:prstGeom prst="bentConnector2">
@@ -5353,7 +5353,7 @@
         </p:nvCxnSpPr>
         <p:spPr>
           <a:xfrm flipV="1">
-            <a:off x="3979397" y="2440074"/>
+            <a:off x="3765640" y="2440074"/>
             <a:ext cx="2248631" cy="686159"/>
           </a:xfrm>
           <a:prstGeom prst="bentConnector2">
@@ -5393,7 +5393,7 @@
         </p:nvSpPr>
         <p:spPr>
           <a:xfrm>
-            <a:off x="4354527" y="2470015"/>
+            <a:off x="4140770" y="2470015"/>
             <a:ext cx="1355834" cy="246221"/>
           </a:xfrm>
           <a:prstGeom prst="rect">
@@ -5431,7 +5431,7 @@
         </p:nvSpPr>
         <p:spPr>
           <a:xfrm>
-            <a:off x="4354527" y="2706281"/>
+            <a:off x="4140770" y="2706281"/>
             <a:ext cx="579044" cy="246221"/>
           </a:xfrm>
           <a:prstGeom prst="rect">
@@ -5469,7 +5469,7 @@
         </p:nvSpPr>
         <p:spPr>
           <a:xfrm>
-            <a:off x="4354527" y="2933905"/>
+            <a:off x="4140770" y="2933905"/>
             <a:ext cx="838698" cy="246221"/>
           </a:xfrm>
           <a:prstGeom prst="rect">
@@ -5507,7 +5507,7 @@
         </p:nvSpPr>
         <p:spPr>
           <a:xfrm>
-            <a:off x="3991110" y="2501002"/>
+            <a:off x="3777353" y="2501002"/>
             <a:ext cx="405123" cy="246221"/>
           </a:xfrm>
           <a:prstGeom prst="rect">
@@ -5542,7 +5542,7 @@
         </p:nvSpPr>
         <p:spPr>
           <a:xfrm>
-            <a:off x="3984725" y="2712588"/>
+            <a:off x="3770968" y="2712588"/>
             <a:ext cx="388393" cy="246221"/>
           </a:xfrm>
           <a:prstGeom prst="rect">
@@ -5581,7 +5581,7 @@
         </p:nvCxnSpPr>
         <p:spPr>
           <a:xfrm rot="10800000" flipV="1">
-            <a:off x="4274447" y="1879957"/>
+            <a:off x="4060690" y="1879957"/>
             <a:ext cx="1483311" cy="766"/>
           </a:xfrm>
           <a:prstGeom prst="bentConnector3">
@@ -5623,7 +5623,7 @@
         </p:nvSpPr>
         <p:spPr>
           <a:xfrm>
-            <a:off x="2656423" y="1593809"/>
+            <a:off x="2442666" y="1593809"/>
             <a:ext cx="1618023" cy="573827"/>
           </a:xfrm>
           <a:prstGeom prst="rect">
@@ -5704,7 +5704,7 @@
         </p:nvSpPr>
         <p:spPr>
           <a:xfrm>
-            <a:off x="4278323" y="1886710"/>
+            <a:off x="4064566" y="1886710"/>
             <a:ext cx="405123" cy="246221"/>
           </a:xfrm>
           <a:prstGeom prst="rect">
@@ -5739,7 +5739,7 @@
         </p:nvSpPr>
         <p:spPr>
           <a:xfrm>
-            <a:off x="2656423" y="3713357"/>
+            <a:off x="2442666" y="3713357"/>
             <a:ext cx="1666397" cy="639072"/>
           </a:xfrm>
           <a:prstGeom prst="rect">
@@ -5820,7 +5820,7 @@
         </p:nvSpPr>
         <p:spPr>
           <a:xfrm>
-            <a:off x="6299646" y="3554607"/>
+            <a:off x="6085889" y="3554607"/>
             <a:ext cx="1666398" cy="601464"/>
           </a:xfrm>
           <a:prstGeom prst="rect">
@@ -5916,7 +5916,7 @@
         </p:nvCxnSpPr>
         <p:spPr>
           <a:xfrm rot="5400000">
-            <a:off x="4330212" y="1607717"/>
+            <a:off x="4116455" y="1607717"/>
             <a:ext cx="1265051" cy="2946229"/>
           </a:xfrm>
           <a:prstGeom prst="bentConnector3">
@@ -5962,7 +5962,7 @@
         </p:nvCxnSpPr>
         <p:spPr>
           <a:xfrm rot="16200000" flipH="1">
-            <a:off x="6574614" y="2996375"/>
+            <a:off x="6360857" y="2996375"/>
             <a:ext cx="1114607" cy="1856"/>
           </a:xfrm>
           <a:prstGeom prst="bentConnector3">
@@ -6004,7 +6004,7 @@
         </p:nvSpPr>
         <p:spPr>
           <a:xfrm>
-            <a:off x="6789985" y="3264541"/>
+            <a:off x="6576228" y="3264541"/>
             <a:ext cx="405140" cy="246221"/>
           </a:xfrm>
           <a:prstGeom prst="rect">
@@ -6039,7 +6039,7 @@
         </p:nvSpPr>
         <p:spPr>
           <a:xfrm>
-            <a:off x="3134183" y="3504600"/>
+            <a:off x="2920426" y="3504600"/>
             <a:ext cx="423703" cy="246221"/>
           </a:xfrm>
           <a:prstGeom prst="rect">
@@ -6074,7 +6074,7 @@
         </p:nvSpPr>
         <p:spPr>
           <a:xfrm>
-            <a:off x="4354527" y="3201017"/>
+            <a:off x="4140770" y="3201017"/>
             <a:ext cx="2005686" cy="246221"/>
           </a:xfrm>
           <a:prstGeom prst="rect">
@@ -6113,7 +6113,7 @@
         </p:nvSpPr>
         <p:spPr>
           <a:xfrm>
-            <a:off x="7076644" y="2626873"/>
+            <a:off x="6862887" y="2626873"/>
             <a:ext cx="1877884" cy="246221"/>
           </a:xfrm>
           <a:prstGeom prst="rect">
@@ -6156,7 +6156,7 @@
         </p:nvSpPr>
         <p:spPr>
           <a:xfrm>
-            <a:off x="1706828" y="3705685"/>
+            <a:off x="1493071" y="3705685"/>
             <a:ext cx="924161" cy="646331"/>
           </a:xfrm>
           <a:prstGeom prst="rect">
@@ -6210,7 +6210,7 @@
         </p:nvSpPr>
         <p:spPr>
           <a:xfrm>
-            <a:off x="8290532" y="3850172"/>
+            <a:off x="8076775" y="3850172"/>
             <a:ext cx="1207403" cy="461665"/>
           </a:xfrm>
           <a:prstGeom prst="rect">
@@ -6276,7 +6276,7 @@
         </p:nvCxnSpPr>
         <p:spPr>
           <a:xfrm flipH="1">
-            <a:off x="2789171" y="4341142"/>
+            <a:off x="2575414" y="4341142"/>
             <a:ext cx="7174" cy="709190"/>
           </a:xfrm>
           <a:prstGeom prst="straightConnector1">
@@ -6320,7 +6320,7 @@
         </p:nvCxnSpPr>
         <p:spPr>
           <a:xfrm flipH="1">
-            <a:off x="3267865" y="4341142"/>
+            <a:off x="3054108" y="4341142"/>
             <a:ext cx="3" cy="715128"/>
           </a:xfrm>
           <a:prstGeom prst="straightConnector1">
@@ -6364,7 +6364,7 @@
         </p:nvCxnSpPr>
         <p:spPr>
           <a:xfrm>
-            <a:off x="3816816" y="4341142"/>
+            <a:off x="3603059" y="4341142"/>
             <a:ext cx="0" cy="709190"/>
           </a:xfrm>
           <a:prstGeom prst="straightConnector1">
@@ -6408,7 +6408,7 @@
         </p:nvCxnSpPr>
         <p:spPr>
           <a:xfrm>
-            <a:off x="4232915" y="4341142"/>
+            <a:off x="4019158" y="4341142"/>
             <a:ext cx="11857" cy="703251"/>
           </a:xfrm>
           <a:prstGeom prst="straightConnector1">
@@ -6452,7 +6452,7 @@
         </p:nvCxnSpPr>
         <p:spPr>
           <a:xfrm rot="5400000">
-            <a:off x="5901116" y="3358439"/>
+            <a:off x="5687359" y="3358439"/>
             <a:ext cx="207306" cy="3393670"/>
           </a:xfrm>
           <a:prstGeom prst="bentConnector2">
@@ -6496,7 +6496,7 @@
         </p:nvCxnSpPr>
         <p:spPr>
           <a:xfrm rot="5400000">
-            <a:off x="5920566" y="3352490"/>
+            <a:off x="5706809" y="3352490"/>
             <a:ext cx="483831" cy="3692009"/>
           </a:xfrm>
           <a:prstGeom prst="bentConnector2">
@@ -6540,7 +6540,7 @@
         </p:nvCxnSpPr>
         <p:spPr>
           <a:xfrm rot="5400000">
-            <a:off x="5938619" y="3320991"/>
+            <a:off x="5724862" y="3320991"/>
             <a:ext cx="770423" cy="4031683"/>
           </a:xfrm>
           <a:prstGeom prst="bentConnector2">
@@ -6580,7 +6580,7 @@
         </p:nvSpPr>
         <p:spPr>
           <a:xfrm>
-            <a:off x="5175846" y="5519823"/>
+            <a:off x="4962089" y="5519823"/>
             <a:ext cx="2743409" cy="246221"/>
           </a:xfrm>
           <a:prstGeom prst="rect">
@@ -6619,7 +6619,7 @@
         </p:nvSpPr>
         <p:spPr>
           <a:xfrm>
-            <a:off x="4347371" y="5543820"/>
+            <a:off x="4133614" y="5543820"/>
             <a:ext cx="405123" cy="246221"/>
           </a:xfrm>
           <a:prstGeom prst="rect">
@@ -6654,7 +6654,7 @@
         </p:nvSpPr>
         <p:spPr>
           <a:xfrm>
-            <a:off x="5175846" y="5228203"/>
+            <a:off x="4962089" y="5228203"/>
             <a:ext cx="1956680" cy="246221"/>
           </a:xfrm>
           <a:prstGeom prst="rect">
@@ -6693,7 +6693,7 @@
         </p:nvSpPr>
         <p:spPr>
           <a:xfrm>
-            <a:off x="4345842" y="5248301"/>
+            <a:off x="4132085" y="5248301"/>
             <a:ext cx="405123" cy="246221"/>
           </a:xfrm>
           <a:prstGeom prst="rect">
@@ -6728,7 +6728,7 @@
         </p:nvSpPr>
         <p:spPr>
           <a:xfrm>
-            <a:off x="5175846" y="4951586"/>
+            <a:off x="4962089" y="4951586"/>
             <a:ext cx="1942201" cy="246221"/>
           </a:xfrm>
           <a:prstGeom prst="rect">
@@ -6767,7 +6767,7 @@
         </p:nvSpPr>
         <p:spPr>
           <a:xfrm>
-            <a:off x="2431676" y="4789804"/>
+            <a:off x="2217919" y="4789804"/>
             <a:ext cx="386253" cy="246221"/>
           </a:xfrm>
           <a:prstGeom prst="rect">
@@ -6802,7 +6802,7 @@
         </p:nvSpPr>
         <p:spPr>
           <a:xfrm>
-            <a:off x="3422176" y="4345976"/>
+            <a:off x="3208419" y="4345976"/>
             <a:ext cx="876617" cy="400110"/>
           </a:xfrm>
           <a:prstGeom prst="rect">
@@ -6853,7 +6853,7 @@
         </p:nvSpPr>
         <p:spPr>
           <a:xfrm>
-            <a:off x="698388" y="4345976"/>
+            <a:off x="484631" y="4345976"/>
             <a:ext cx="2148521" cy="246221"/>
           </a:xfrm>
           <a:prstGeom prst="rect">
@@ -6893,7 +6893,7 @@
         </p:nvSpPr>
         <p:spPr>
           <a:xfrm>
-            <a:off x="2706268" y="4475614"/>
+            <a:off x="2492511" y="4475614"/>
             <a:ext cx="945279" cy="400110"/>
           </a:xfrm>
           <a:prstGeom prst="rect">
@@ -6944,7 +6944,7 @@
         </p:nvSpPr>
         <p:spPr>
           <a:xfrm>
-            <a:off x="4227746" y="4345976"/>
+            <a:off x="4013989" y="4345976"/>
             <a:ext cx="1819711" cy="246221"/>
           </a:xfrm>
           <a:prstGeom prst="rect">
@@ -6983,7 +6983,7 @@
         </p:nvSpPr>
         <p:spPr>
           <a:xfrm>
-            <a:off x="10391381" y="2053746"/>
+            <a:off x="10177624" y="2053746"/>
             <a:ext cx="1123904" cy="461665"/>
           </a:xfrm>
           <a:prstGeom prst="rect">
@@ -7022,7 +7022,7 @@
         </p:nvCxnSpPr>
         <p:spPr>
           <a:xfrm>
-            <a:off x="7231618" y="2263997"/>
+            <a:off x="7017861" y="2263997"/>
             <a:ext cx="1723575" cy="893"/>
           </a:xfrm>
           <a:prstGeom prst="bentConnector3">
@@ -7064,7 +7064,7 @@
         </p:nvSpPr>
         <p:spPr>
           <a:xfrm>
-            <a:off x="8616564" y="2279905"/>
+            <a:off x="8402807" y="2279905"/>
             <a:ext cx="417459" cy="246221"/>
           </a:xfrm>
           <a:prstGeom prst="rect">
@@ -7103,7 +7103,7 @@
         </p:nvCxnSpPr>
         <p:spPr>
           <a:xfrm rot="16200000" flipH="1">
-            <a:off x="6764892" y="2806097"/>
+            <a:off x="6551135" y="2806097"/>
             <a:ext cx="1919876" cy="1187682"/>
           </a:xfrm>
           <a:prstGeom prst="bentConnector3">
@@ -7145,7 +7145,7 @@
         </p:nvSpPr>
         <p:spPr>
           <a:xfrm>
-            <a:off x="2907723" y="4789804"/>
+            <a:off x="2693966" y="4789804"/>
             <a:ext cx="386253" cy="246221"/>
           </a:xfrm>
           <a:prstGeom prst="rect">
@@ -7180,7 +7180,7 @@
         </p:nvSpPr>
         <p:spPr>
           <a:xfrm>
-            <a:off x="3508650" y="4794127"/>
+            <a:off x="3294893" y="4794127"/>
             <a:ext cx="386253" cy="246221"/>
           </a:xfrm>
           <a:prstGeom prst="rect">
@@ -7215,7 +7215,7 @@
         </p:nvSpPr>
         <p:spPr>
           <a:xfrm>
-            <a:off x="3939022" y="4795796"/>
+            <a:off x="3725265" y="4795796"/>
             <a:ext cx="386253" cy="246221"/>
           </a:xfrm>
           <a:prstGeom prst="rect">
@@ -7250,7 +7250,7 @@
         </p:nvSpPr>
         <p:spPr>
           <a:xfrm>
-            <a:off x="7082633" y="2307720"/>
+            <a:off x="6868876" y="2307720"/>
             <a:ext cx="96711" cy="132280"/>
           </a:xfrm>
           <a:prstGeom prst="rect">
@@ -7296,7 +7296,7 @@
         </p:nvSpPr>
         <p:spPr>
           <a:xfrm>
-            <a:off x="8728357" y="5165152"/>
+            <a:off x="8514600" y="5165152"/>
             <a:ext cx="1886827" cy="671288"/>
           </a:xfrm>
           <a:prstGeom prst="rect">
@@ -7403,7 +7403,7 @@
         </p:nvCxnSpPr>
         <p:spPr>
           <a:xfrm rot="16200000" flipH="1">
-            <a:off x="7038804" y="2532185"/>
+            <a:off x="6825047" y="2532185"/>
             <a:ext cx="2725152" cy="2540782"/>
           </a:xfrm>
           <a:prstGeom prst="bentConnector3">
@@ -7445,7 +7445,7 @@
         </p:nvSpPr>
         <p:spPr>
           <a:xfrm>
-            <a:off x="7939095" y="4103291"/>
+            <a:off x="7725338" y="4103291"/>
             <a:ext cx="528095" cy="246221"/>
           </a:xfrm>
           <a:prstGeom prst="rect">
@@ -7480,7 +7480,7 @@
         </p:nvSpPr>
         <p:spPr>
           <a:xfrm>
-            <a:off x="9278261" y="4951028"/>
+            <a:off x="9064504" y="4951028"/>
             <a:ext cx="399218" cy="246221"/>
           </a:xfrm>
           <a:prstGeom prst="rect">
@@ -7519,7 +7519,7 @@
         </p:nvCxnSpPr>
         <p:spPr>
           <a:xfrm rot="5400000" flipH="1">
-            <a:off x="6784907" y="2949577"/>
+            <a:off x="6571150" y="2949577"/>
             <a:ext cx="12629" cy="5761098"/>
           </a:xfrm>
           <a:prstGeom prst="bentConnector3">
@@ -7561,7 +7561,7 @@
         </p:nvSpPr>
         <p:spPr>
           <a:xfrm>
-            <a:off x="3924568" y="5800112"/>
+            <a:off x="3710811" y="5800112"/>
             <a:ext cx="405123" cy="246221"/>
           </a:xfrm>
           <a:prstGeom prst="rect">
@@ -7596,7 +7596,7 @@
         </p:nvSpPr>
         <p:spPr>
           <a:xfrm>
-            <a:off x="5175846" y="5852389"/>
+            <a:off x="4962089" y="5852389"/>
             <a:ext cx="2743409" cy="246221"/>
           </a:xfrm>
           <a:prstGeom prst="rect">
@@ -7635,7 +7635,7 @@
         </p:nvSpPr>
         <p:spPr>
           <a:xfrm>
-            <a:off x="10284455" y="5986017"/>
+            <a:off x="10070698" y="5986017"/>
             <a:ext cx="1524638" cy="601464"/>
           </a:xfrm>
           <a:prstGeom prst="rect">
@@ -7731,7 +7731,7 @@
         </p:nvCxnSpPr>
         <p:spPr>
           <a:xfrm rot="16200000" flipH="1">
-            <a:off x="7315873" y="2255115"/>
+            <a:off x="7102116" y="2255115"/>
             <a:ext cx="3546017" cy="3915785"/>
           </a:xfrm>
           <a:prstGeom prst="bentConnector3">
@@ -7773,7 +7773,7 @@
         </p:nvSpPr>
         <p:spPr>
           <a:xfrm>
-            <a:off x="10698580" y="5788152"/>
+            <a:off x="10484823" y="5788152"/>
             <a:ext cx="465084" cy="246221"/>
           </a:xfrm>
           <a:prstGeom prst="rect">
@@ -7808,7 +7808,7 @@
         </p:nvSpPr>
         <p:spPr>
           <a:xfrm>
-            <a:off x="9655925" y="4427807"/>
+            <a:off x="9442168" y="4427807"/>
             <a:ext cx="964247" cy="646331"/>
           </a:xfrm>
           <a:prstGeom prst="rect">
@@ -7861,7 +7861,7 @@
         </p:nvSpPr>
         <p:spPr>
           <a:xfrm>
-            <a:off x="11021304" y="5593418"/>
+            <a:off x="10807547" y="5593418"/>
             <a:ext cx="1089470" cy="276999"/>
           </a:xfrm>
           <a:prstGeom prst="rect">
@@ -7918,7 +7918,7 @@
         </p:nvCxnSpPr>
         <p:spPr>
           <a:xfrm rot="10800000">
-            <a:off x="3486451" y="5838651"/>
+            <a:off x="3272694" y="5838651"/>
             <a:ext cx="6798005" cy="448099"/>
           </a:xfrm>
           <a:prstGeom prst="bentConnector2">
@@ -7958,7 +7958,7 @@
         </p:nvSpPr>
         <p:spPr>
           <a:xfrm>
-            <a:off x="3122515" y="5797252"/>
+            <a:off x="2908758" y="5797252"/>
             <a:ext cx="405123" cy="246221"/>
           </a:xfrm>
           <a:prstGeom prst="rect">
@@ -7993,7 +7993,7 @@
         </p:nvSpPr>
         <p:spPr>
           <a:xfrm>
-            <a:off x="7746015" y="2064923"/>
+            <a:off x="7532258" y="2064923"/>
             <a:ext cx="1089034" cy="246221"/>
           </a:xfrm>
           <a:prstGeom prst="rect">
@@ -8033,7 +8033,7 @@
         </p:nvSpPr>
         <p:spPr>
           <a:xfrm>
-            <a:off x="8955193" y="1987302"/>
+            <a:off x="8741436" y="1987302"/>
             <a:ext cx="1443992" cy="555176"/>
           </a:xfrm>
           <a:prstGeom prst="rect">
@@ -8125,7 +8125,7 @@
         </p:nvSpPr>
         <p:spPr>
           <a:xfrm>
-            <a:off x="5175846" y="6074615"/>
+            <a:off x="4962089" y="6074615"/>
             <a:ext cx="2743409" cy="246221"/>
           </a:xfrm>
           <a:prstGeom prst="rect">
@@ -8164,7 +8164,7 @@
         </p:nvSpPr>
         <p:spPr>
           <a:xfrm>
-            <a:off x="7960129" y="4824299"/>
+            <a:off x="7746372" y="4824299"/>
             <a:ext cx="96711" cy="132280"/>
           </a:xfrm>
           <a:prstGeom prst="rect">
@@ -8210,7 +8210,7 @@
         </p:nvSpPr>
         <p:spPr>
           <a:xfrm>
-            <a:off x="7406252" y="4359876"/>
+            <a:off x="7192495" y="4359876"/>
             <a:ext cx="1824838" cy="648890"/>
           </a:xfrm>
           <a:prstGeom prst="rect">
@@ -8302,7 +8302,7 @@
         </p:nvSpPr>
         <p:spPr>
           <a:xfrm>
-            <a:off x="5757757" y="1687364"/>
+            <a:off x="5544000" y="1687364"/>
             <a:ext cx="105126" cy="385186"/>
           </a:xfrm>
           <a:prstGeom prst="rect">
@@ -8348,7 +8348,7 @@
         </p:nvSpPr>
         <p:spPr>
           <a:xfrm>
-            <a:off x="6990274" y="1692234"/>
+            <a:off x="6776517" y="1692234"/>
             <a:ext cx="180469" cy="125810"/>
           </a:xfrm>
           <a:prstGeom prst="rect">
@@ -8394,7 +8394,7 @@
         </p:nvSpPr>
         <p:spPr>
           <a:xfrm>
-            <a:off x="5623882" y="1682263"/>
+            <a:off x="5410125" y="1682263"/>
             <a:ext cx="1623937" cy="766043"/>
           </a:xfrm>
           <a:prstGeom prst="rect">
@@ -8486,7 +8486,7 @@
         </p:nvSpPr>
         <p:spPr>
           <a:xfrm>
-            <a:off x="3862317" y="5691531"/>
+            <a:off x="3648560" y="5691531"/>
             <a:ext cx="96711" cy="132280"/>
           </a:xfrm>
           <a:prstGeom prst="rect">
@@ -8532,7 +8532,7 @@
         </p:nvSpPr>
         <p:spPr>
           <a:xfrm>
-            <a:off x="5848273" y="487670"/>
+            <a:off x="5634516" y="487670"/>
             <a:ext cx="1232235" cy="612769"/>
           </a:xfrm>
           <a:prstGeom prst="rect">
@@ -8598,7 +8598,7 @@
         </p:nvCxnSpPr>
         <p:spPr>
           <a:xfrm flipV="1">
-            <a:off x="4250910" y="794055"/>
+            <a:off x="4037153" y="794055"/>
             <a:ext cx="1597363" cy="1"/>
           </a:xfrm>
           <a:prstGeom prst="bentConnector3">
@@ -8644,7 +8644,7 @@
         </p:nvCxnSpPr>
         <p:spPr>
           <a:xfrm rot="10800000">
-            <a:off x="7080509" y="794056"/>
+            <a:off x="6866752" y="794056"/>
             <a:ext cx="1854395" cy="1"/>
           </a:xfrm>
           <a:prstGeom prst="bentConnector3">
@@ -8686,7 +8686,7 @@
         </p:nvSpPr>
         <p:spPr>
           <a:xfrm>
-            <a:off x="4354527" y="566938"/>
+            <a:off x="4140770" y="566938"/>
             <a:ext cx="679239" cy="246221"/>
           </a:xfrm>
           <a:prstGeom prst="rect">
@@ -8725,7 +8725,7 @@
         </p:nvSpPr>
         <p:spPr>
           <a:xfrm>
-            <a:off x="8214994" y="557603"/>
+            <a:off x="8001237" y="557603"/>
             <a:ext cx="679239" cy="246221"/>
           </a:xfrm>
           <a:prstGeom prst="rect">
@@ -8764,7 +8764,7 @@
         </p:nvSpPr>
         <p:spPr>
           <a:xfrm>
-            <a:off x="3219509" y="5056270"/>
+            <a:off x="3005752" y="5056270"/>
             <a:ext cx="96711" cy="132280"/>
           </a:xfrm>
           <a:prstGeom prst="rect">
@@ -8810,7 +8810,7 @@
         </p:nvSpPr>
         <p:spPr>
           <a:xfrm>
-            <a:off x="2656423" y="5042170"/>
+            <a:off x="2442666" y="5042170"/>
             <a:ext cx="1660053" cy="796480"/>
           </a:xfrm>
           <a:prstGeom prst="rect">
@@ -8891,7 +8891,7 @@
         </p:nvSpPr>
         <p:spPr>
           <a:xfrm>
-            <a:off x="5498512" y="29873"/>
+            <a:off x="5284755" y="29873"/>
             <a:ext cx="1931755" cy="461665"/>
           </a:xfrm>
           <a:prstGeom prst="rect">
@@ -8911,6 +8911,76 @@
               <a:t>Plan or set of dispositions subject of the catalog</a:t>
             </a:r>
             <a:endParaRPr lang="fr-FR" dirty="0"/>
+          </a:p>
+        </p:txBody>
+      </p:sp>
+      <p:sp>
+        <p:nvSpPr>
+          <p:cNvPr id="121" name="ZoneTexte 120">
+            <a:extLst>
+              <a:ext uri="{FF2B5EF4-FFF2-40B4-BE49-F238E27FC236}">
+                <a16:creationId xmlns:a16="http://schemas.microsoft.com/office/drawing/2014/main" id="{3B9D8C0C-C365-4751-AEFD-139926DC4481}"/>
+              </a:ext>
+            </a:extLst>
+          </p:cNvPr>
+          <p:cNvSpPr txBox="1"/>
+          <p:nvPr/>
+        </p:nvSpPr>
+        <p:spPr>
+          <a:xfrm>
+            <a:off x="5302705" y="813424"/>
+            <a:ext cx="405123" cy="246221"/>
+          </a:xfrm>
+          <a:prstGeom prst="rect">
+            <a:avLst/>
+          </a:prstGeom>
+          <a:noFill/>
+        </p:spPr>
+        <p:txBody>
+          <a:bodyPr wrap="square" rtlCol="0">
+            <a:spAutoFit/>
+          </a:bodyPr>
+          <a:lstStyle/>
+          <a:p>
+            <a:r>
+              <a:rPr lang="en-US" sz="1000" noProof="1"/>
+              <a:t>0..1</a:t>
+            </a:r>
+          </a:p>
+        </p:txBody>
+      </p:sp>
+      <p:sp>
+        <p:nvSpPr>
+          <p:cNvPr id="122" name="ZoneTexte 121">
+            <a:extLst>
+              <a:ext uri="{FF2B5EF4-FFF2-40B4-BE49-F238E27FC236}">
+                <a16:creationId xmlns:a16="http://schemas.microsoft.com/office/drawing/2014/main" id="{23128E52-B54B-4872-94FB-6987737533F4}"/>
+              </a:ext>
+            </a:extLst>
+          </p:cNvPr>
+          <p:cNvSpPr txBox="1"/>
+          <p:nvPr/>
+        </p:nvSpPr>
+        <p:spPr>
+          <a:xfrm>
+            <a:off x="6810074" y="805996"/>
+            <a:ext cx="405123" cy="246221"/>
+          </a:xfrm>
+          <a:prstGeom prst="rect">
+            <a:avLst/>
+          </a:prstGeom>
+          <a:noFill/>
+        </p:spPr>
+        <p:txBody>
+          <a:bodyPr wrap="square" rtlCol="0">
+            <a:spAutoFit/>
+          </a:bodyPr>
+          <a:lstStyle/>
+          <a:p>
+            <a:r>
+              <a:rPr lang="en-US" sz="1000" noProof="1"/>
+              <a:t>0..1</a:t>
+            </a:r>
           </a:p>
         </p:txBody>
       </p:sp>

--- a/input/images-source/MedicationCatalog.pptx
+++ b/input/images-source/MedicationCatalog.pptx
@@ -6,6 +6,7 @@
   </p:sldMasterIdLst>
   <p:sldIdLst>
     <p:sldId id="256" r:id="rId2"/>
+    <p:sldId id="257" r:id="rId3"/>
   </p:sldIdLst>
   <p:sldSz cx="12192000" cy="6858000"/>
   <p:notesSz cx="6858000" cy="9144000"/>
@@ -259,7 +260,7 @@
           <a:p>
             <a:fld id="{0A46A26B-42CF-4B68-AB09-D93023A697CD}" type="datetimeFigureOut">
               <a:rPr lang="fr-FR" smtClean="0"/>
-              <a:t>23/08/2021</a:t>
+              <a:t>10/06/2022</a:t>
             </a:fld>
             <a:endParaRPr lang="fr-FR"/>
           </a:p>
@@ -457,7 +458,7 @@
           <a:p>
             <a:fld id="{0A46A26B-42CF-4B68-AB09-D93023A697CD}" type="datetimeFigureOut">
               <a:rPr lang="fr-FR" smtClean="0"/>
-              <a:t>23/08/2021</a:t>
+              <a:t>10/06/2022</a:t>
             </a:fld>
             <a:endParaRPr lang="fr-FR"/>
           </a:p>
@@ -665,7 +666,7 @@
           <a:p>
             <a:fld id="{0A46A26B-42CF-4B68-AB09-D93023A697CD}" type="datetimeFigureOut">
               <a:rPr lang="fr-FR" smtClean="0"/>
-              <a:t>23/08/2021</a:t>
+              <a:t>10/06/2022</a:t>
             </a:fld>
             <a:endParaRPr lang="fr-FR"/>
           </a:p>
@@ -863,7 +864,7 @@
           <a:p>
             <a:fld id="{0A46A26B-42CF-4B68-AB09-D93023A697CD}" type="datetimeFigureOut">
               <a:rPr lang="fr-FR" smtClean="0"/>
-              <a:t>23/08/2021</a:t>
+              <a:t>10/06/2022</a:t>
             </a:fld>
             <a:endParaRPr lang="fr-FR"/>
           </a:p>
@@ -1138,7 +1139,7 @@
           <a:p>
             <a:fld id="{0A46A26B-42CF-4B68-AB09-D93023A697CD}" type="datetimeFigureOut">
               <a:rPr lang="fr-FR" smtClean="0"/>
-              <a:t>23/08/2021</a:t>
+              <a:t>10/06/2022</a:t>
             </a:fld>
             <a:endParaRPr lang="fr-FR"/>
           </a:p>
@@ -1403,7 +1404,7 @@
           <a:p>
             <a:fld id="{0A46A26B-42CF-4B68-AB09-D93023A697CD}" type="datetimeFigureOut">
               <a:rPr lang="fr-FR" smtClean="0"/>
-              <a:t>23/08/2021</a:t>
+              <a:t>10/06/2022</a:t>
             </a:fld>
             <a:endParaRPr lang="fr-FR"/>
           </a:p>
@@ -1815,7 +1816,7 @@
           <a:p>
             <a:fld id="{0A46A26B-42CF-4B68-AB09-D93023A697CD}" type="datetimeFigureOut">
               <a:rPr lang="fr-FR" smtClean="0"/>
-              <a:t>23/08/2021</a:t>
+              <a:t>10/06/2022</a:t>
             </a:fld>
             <a:endParaRPr lang="fr-FR"/>
           </a:p>
@@ -1956,7 +1957,7 @@
           <a:p>
             <a:fld id="{0A46A26B-42CF-4B68-AB09-D93023A697CD}" type="datetimeFigureOut">
               <a:rPr lang="fr-FR" smtClean="0"/>
-              <a:t>23/08/2021</a:t>
+              <a:t>10/06/2022</a:t>
             </a:fld>
             <a:endParaRPr lang="fr-FR"/>
           </a:p>
@@ -2069,7 +2070,7 @@
           <a:p>
             <a:fld id="{0A46A26B-42CF-4B68-AB09-D93023A697CD}" type="datetimeFigureOut">
               <a:rPr lang="fr-FR" smtClean="0"/>
-              <a:t>23/08/2021</a:t>
+              <a:t>10/06/2022</a:t>
             </a:fld>
             <a:endParaRPr lang="fr-FR"/>
           </a:p>
@@ -2380,7 +2381,7 @@
           <a:p>
             <a:fld id="{0A46A26B-42CF-4B68-AB09-D93023A697CD}" type="datetimeFigureOut">
               <a:rPr lang="fr-FR" smtClean="0"/>
-              <a:t>23/08/2021</a:t>
+              <a:t>10/06/2022</a:t>
             </a:fld>
             <a:endParaRPr lang="fr-FR"/>
           </a:p>
@@ -2668,7 +2669,7 @@
           <a:p>
             <a:fld id="{0A46A26B-42CF-4B68-AB09-D93023A697CD}" type="datetimeFigureOut">
               <a:rPr lang="fr-FR" smtClean="0"/>
-              <a:t>23/08/2021</a:t>
+              <a:t>10/06/2022</a:t>
             </a:fld>
             <a:endParaRPr lang="fr-FR"/>
           </a:p>
@@ -2909,7 +2910,7 @@
           <a:p>
             <a:fld id="{0A46A26B-42CF-4B68-AB09-D93023A697CD}" type="datetimeFigureOut">
               <a:rPr lang="fr-FR" smtClean="0"/>
-              <a:t>23/08/2021</a:t>
+              <a:t>10/06/2022</a:t>
             </a:fld>
             <a:endParaRPr lang="fr-FR"/>
           </a:p>
@@ -3880,10 +3881,10 @@
       </p:sp>
       <p:sp>
         <p:nvSpPr>
-          <p:cNvPr id="18" name="Rectangle 17">
-            <a:extLst>
-              <a:ext uri="{FF2B5EF4-FFF2-40B4-BE49-F238E27FC236}">
-                <a16:creationId xmlns:a16="http://schemas.microsoft.com/office/drawing/2014/main" id="{9FEA239B-6431-48ED-97E2-03C52FD078C2}"/>
+          <p:cNvPr id="19" name="Rectangle 18">
+            <a:extLst>
+              <a:ext uri="{FF2B5EF4-FFF2-40B4-BE49-F238E27FC236}">
+                <a16:creationId xmlns:a16="http://schemas.microsoft.com/office/drawing/2014/main" id="{9809182D-E344-4979-B1A5-4EF7697E7566}"/>
               </a:ext>
             </a:extLst>
           </p:cNvPr>
@@ -3892,8 +3893,8 @@
         </p:nvSpPr>
         <p:spPr>
           <a:xfrm>
-            <a:off x="5530473" y="2256213"/>
-            <a:ext cx="159533" cy="115896"/>
+            <a:off x="5699271" y="1690463"/>
+            <a:ext cx="159533" cy="231629"/>
           </a:xfrm>
           <a:prstGeom prst="rect">
             <a:avLst/>
@@ -3926,10 +3927,10 @@
       </p:sp>
       <p:sp>
         <p:nvSpPr>
-          <p:cNvPr id="19" name="Rectangle 18">
-            <a:extLst>
-              <a:ext uri="{FF2B5EF4-FFF2-40B4-BE49-F238E27FC236}">
-                <a16:creationId xmlns:a16="http://schemas.microsoft.com/office/drawing/2014/main" id="{9809182D-E344-4979-B1A5-4EF7697E7566}"/>
+          <p:cNvPr id="20" name="Rectangle 19">
+            <a:extLst>
+              <a:ext uri="{FF2B5EF4-FFF2-40B4-BE49-F238E27FC236}">
+                <a16:creationId xmlns:a16="http://schemas.microsoft.com/office/drawing/2014/main" id="{B511FCE5-AE19-411D-8B8E-78F0164873F7}"/>
               </a:ext>
             </a:extLst>
           </p:cNvPr>
@@ -3938,8 +3939,8 @@
         </p:nvSpPr>
         <p:spPr>
           <a:xfrm>
-            <a:off x="5699271" y="1690463"/>
-            <a:ext cx="159533" cy="231629"/>
+            <a:off x="3573828" y="3003718"/>
+            <a:ext cx="191812" cy="110015"/>
           </a:xfrm>
           <a:prstGeom prst="rect">
             <a:avLst/>
@@ -3972,10 +3973,10 @@
       </p:sp>
       <p:sp>
         <p:nvSpPr>
-          <p:cNvPr id="20" name="Rectangle 19">
-            <a:extLst>
-              <a:ext uri="{FF2B5EF4-FFF2-40B4-BE49-F238E27FC236}">
-                <a16:creationId xmlns:a16="http://schemas.microsoft.com/office/drawing/2014/main" id="{B511FCE5-AE19-411D-8B8E-78F0164873F7}"/>
+          <p:cNvPr id="21" name="Rectangle 20">
+            <a:extLst>
+              <a:ext uri="{FF2B5EF4-FFF2-40B4-BE49-F238E27FC236}">
+                <a16:creationId xmlns:a16="http://schemas.microsoft.com/office/drawing/2014/main" id="{B0C3C2F9-3C57-40B3-A950-A124B17C60B7}"/>
               </a:ext>
             </a:extLst>
           </p:cNvPr>
@@ -3984,7 +3985,7 @@
         </p:nvSpPr>
         <p:spPr>
           <a:xfrm>
-            <a:off x="3573828" y="3071225"/>
+            <a:off x="3573488" y="2660445"/>
             <a:ext cx="191812" cy="110015"/>
           </a:xfrm>
           <a:prstGeom prst="rect">
@@ -4018,10 +4019,10 @@
       </p:sp>
       <p:sp>
         <p:nvSpPr>
-          <p:cNvPr id="21" name="Rectangle 20">
-            <a:extLst>
-              <a:ext uri="{FF2B5EF4-FFF2-40B4-BE49-F238E27FC236}">
-                <a16:creationId xmlns:a16="http://schemas.microsoft.com/office/drawing/2014/main" id="{B0C3C2F9-3C57-40B3-A950-A124B17C60B7}"/>
+          <p:cNvPr id="22" name="Rectangle 21">
+            <a:extLst>
+              <a:ext uri="{FF2B5EF4-FFF2-40B4-BE49-F238E27FC236}">
+                <a16:creationId xmlns:a16="http://schemas.microsoft.com/office/drawing/2014/main" id="{BD3B49A2-22F1-47A2-A328-3A93B0D1B894}"/>
               </a:ext>
             </a:extLst>
           </p:cNvPr>
@@ -4030,8 +4031,8 @@
         </p:nvSpPr>
         <p:spPr>
           <a:xfrm>
-            <a:off x="3573488" y="2635897"/>
-            <a:ext cx="191812" cy="110015"/>
+            <a:off x="5613161" y="2307794"/>
+            <a:ext cx="159533" cy="132280"/>
           </a:xfrm>
           <a:prstGeom prst="rect">
             <a:avLst/>
@@ -4064,10 +4065,10 @@
       </p:sp>
       <p:sp>
         <p:nvSpPr>
-          <p:cNvPr id="22" name="Rectangle 21">
-            <a:extLst>
-              <a:ext uri="{FF2B5EF4-FFF2-40B4-BE49-F238E27FC236}">
-                <a16:creationId xmlns:a16="http://schemas.microsoft.com/office/drawing/2014/main" id="{BD3B49A2-22F1-47A2-A328-3A93B0D1B894}"/>
+          <p:cNvPr id="23" name="Rectangle 22">
+            <a:extLst>
+              <a:ext uri="{FF2B5EF4-FFF2-40B4-BE49-F238E27FC236}">
+                <a16:creationId xmlns:a16="http://schemas.microsoft.com/office/drawing/2014/main" id="{3AABB7B0-354A-437F-A159-AB324F7120EE}"/>
               </a:ext>
             </a:extLst>
           </p:cNvPr>
@@ -4076,192 +4077,8 @@
         </p:nvSpPr>
         <p:spPr>
           <a:xfrm>
-            <a:off x="5729764" y="2307794"/>
+            <a:off x="5873134" y="2307794"/>
             <a:ext cx="159533" cy="132280"/>
-          </a:xfrm>
-          <a:prstGeom prst="rect">
-            <a:avLst/>
-          </a:prstGeom>
-        </p:spPr>
-        <p:style>
-          <a:lnRef idx="2">
-            <a:schemeClr val="accent1">
-              <a:shade val="50000"/>
-            </a:schemeClr>
-          </a:lnRef>
-          <a:fillRef idx="1">
-            <a:schemeClr val="accent1"/>
-          </a:fillRef>
-          <a:effectRef idx="0">
-            <a:schemeClr val="accent1"/>
-          </a:effectRef>
-          <a:fontRef idx="minor">
-            <a:schemeClr val="lt1"/>
-          </a:fontRef>
-        </p:style>
-        <p:txBody>
-          <a:bodyPr rtlCol="0" anchor="ctr"/>
-          <a:lstStyle/>
-          <a:p>
-            <a:pPr algn="ctr"/>
-            <a:endParaRPr lang="fr-FR" sz="1050"/>
-          </a:p>
-        </p:txBody>
-      </p:sp>
-      <p:sp>
-        <p:nvSpPr>
-          <p:cNvPr id="23" name="Rectangle 22">
-            <a:extLst>
-              <a:ext uri="{FF2B5EF4-FFF2-40B4-BE49-F238E27FC236}">
-                <a16:creationId xmlns:a16="http://schemas.microsoft.com/office/drawing/2014/main" id="{3AABB7B0-354A-437F-A159-AB324F7120EE}"/>
-              </a:ext>
-            </a:extLst>
-          </p:cNvPr>
-          <p:cNvSpPr/>
-          <p:nvPr/>
-        </p:nvSpPr>
-        <p:spPr>
-          <a:xfrm>
-            <a:off x="5934504" y="2307794"/>
-            <a:ext cx="159533" cy="132280"/>
-          </a:xfrm>
-          <a:prstGeom prst="rect">
-            <a:avLst/>
-          </a:prstGeom>
-        </p:spPr>
-        <p:style>
-          <a:lnRef idx="2">
-            <a:schemeClr val="accent1">
-              <a:shade val="50000"/>
-            </a:schemeClr>
-          </a:lnRef>
-          <a:fillRef idx="1">
-            <a:schemeClr val="accent1"/>
-          </a:fillRef>
-          <a:effectRef idx="0">
-            <a:schemeClr val="accent1"/>
-          </a:effectRef>
-          <a:fontRef idx="minor">
-            <a:schemeClr val="lt1"/>
-          </a:fontRef>
-        </p:style>
-        <p:txBody>
-          <a:bodyPr rtlCol="0" anchor="ctr"/>
-          <a:lstStyle/>
-          <a:p>
-            <a:pPr algn="ctr"/>
-            <a:endParaRPr lang="fr-FR" sz="1050"/>
-          </a:p>
-        </p:txBody>
-      </p:sp>
-      <p:sp>
-        <p:nvSpPr>
-          <p:cNvPr id="24" name="Rectangle 23">
-            <a:extLst>
-              <a:ext uri="{FF2B5EF4-FFF2-40B4-BE49-F238E27FC236}">
-                <a16:creationId xmlns:a16="http://schemas.microsoft.com/office/drawing/2014/main" id="{D949CF11-5F31-4E8A-8D18-9A7098E71526}"/>
-              </a:ext>
-            </a:extLst>
-          </p:cNvPr>
-          <p:cNvSpPr/>
-          <p:nvPr/>
-        </p:nvSpPr>
-        <p:spPr>
-          <a:xfrm>
-            <a:off x="5814621" y="2099538"/>
-            <a:ext cx="159533" cy="132280"/>
-          </a:xfrm>
-          <a:prstGeom prst="rect">
-            <a:avLst/>
-          </a:prstGeom>
-        </p:spPr>
-        <p:style>
-          <a:lnRef idx="2">
-            <a:schemeClr val="accent1">
-              <a:shade val="50000"/>
-            </a:schemeClr>
-          </a:lnRef>
-          <a:fillRef idx="1">
-            <a:schemeClr val="accent1"/>
-          </a:fillRef>
-          <a:effectRef idx="0">
-            <a:schemeClr val="accent1"/>
-          </a:effectRef>
-          <a:fontRef idx="minor">
-            <a:schemeClr val="lt1"/>
-          </a:fontRef>
-        </p:style>
-        <p:txBody>
-          <a:bodyPr rtlCol="0" anchor="ctr"/>
-          <a:lstStyle/>
-          <a:p>
-            <a:pPr algn="ctr"/>
-            <a:endParaRPr lang="fr-FR" sz="1050"/>
-          </a:p>
-        </p:txBody>
-      </p:sp>
-      <p:sp>
-        <p:nvSpPr>
-          <p:cNvPr id="25" name="Rectangle 24">
-            <a:extLst>
-              <a:ext uri="{FF2B5EF4-FFF2-40B4-BE49-F238E27FC236}">
-                <a16:creationId xmlns:a16="http://schemas.microsoft.com/office/drawing/2014/main" id="{A47667BA-BF6F-453B-BA8F-A7783391AADC}"/>
-              </a:ext>
-            </a:extLst>
-          </p:cNvPr>
-          <p:cNvSpPr/>
-          <p:nvPr/>
-        </p:nvSpPr>
-        <p:spPr>
-          <a:xfrm>
-            <a:off x="5509820" y="2333043"/>
-            <a:ext cx="191812" cy="110015"/>
-          </a:xfrm>
-          <a:prstGeom prst="rect">
-            <a:avLst/>
-          </a:prstGeom>
-        </p:spPr>
-        <p:style>
-          <a:lnRef idx="2">
-            <a:schemeClr val="accent1">
-              <a:shade val="50000"/>
-            </a:schemeClr>
-          </a:lnRef>
-          <a:fillRef idx="1">
-            <a:schemeClr val="accent1"/>
-          </a:fillRef>
-          <a:effectRef idx="0">
-            <a:schemeClr val="accent1"/>
-          </a:effectRef>
-          <a:fontRef idx="minor">
-            <a:schemeClr val="lt1"/>
-          </a:fontRef>
-        </p:style>
-        <p:txBody>
-          <a:bodyPr rtlCol="0" anchor="ctr"/>
-          <a:lstStyle/>
-          <a:p>
-            <a:pPr algn="ctr"/>
-            <a:endParaRPr lang="fr-FR" sz="1050"/>
-          </a:p>
-        </p:txBody>
-      </p:sp>
-      <p:sp>
-        <p:nvSpPr>
-          <p:cNvPr id="26" name="Rectangle 25">
-            <a:extLst>
-              <a:ext uri="{FF2B5EF4-FFF2-40B4-BE49-F238E27FC236}">
-                <a16:creationId xmlns:a16="http://schemas.microsoft.com/office/drawing/2014/main" id="{71C73F7D-96CD-4F1C-A8FF-461F4D4F0065}"/>
-              </a:ext>
-            </a:extLst>
-          </p:cNvPr>
-          <p:cNvSpPr/>
-          <p:nvPr/>
-        </p:nvSpPr>
-        <p:spPr>
-          <a:xfrm>
-            <a:off x="5696916" y="2119087"/>
-            <a:ext cx="191812" cy="110015"/>
           </a:xfrm>
           <a:prstGeom prst="rect">
             <a:avLst/>
@@ -4551,45 +4368,6 @@
             <a:r>
               <a:rPr lang="en-US" sz="1000" noProof="1"/>
               <a:t>0..*</a:t>
-            </a:r>
-          </a:p>
-        </p:txBody>
-      </p:sp>
-      <p:sp>
-        <p:nvSpPr>
-          <p:cNvPr id="34" name="ZoneTexte 33">
-            <a:extLst>
-              <a:ext uri="{FF2B5EF4-FFF2-40B4-BE49-F238E27FC236}">
-                <a16:creationId xmlns:a16="http://schemas.microsoft.com/office/drawing/2014/main" id="{1C3E841A-1172-4169-A2FE-F173BC286277}"/>
-              </a:ext>
-            </a:extLst>
-          </p:cNvPr>
-          <p:cNvSpPr txBox="1"/>
-          <p:nvPr/>
-        </p:nvSpPr>
-        <p:spPr>
-          <a:xfrm>
-            <a:off x="4140770" y="1657254"/>
-            <a:ext cx="1192438" cy="246221"/>
-          </a:xfrm>
-          <a:prstGeom prst="rect">
-            <a:avLst/>
-          </a:prstGeom>
-          <a:noFill/>
-        </p:spPr>
-        <p:txBody>
-          <a:bodyPr wrap="square" rtlCol="0">
-            <a:spAutoFit/>
-          </a:bodyPr>
-          <a:lstStyle/>
-          <a:p>
-            <a:r>
-              <a:rPr lang="en-US" sz="1000" noProof="1">
-                <a:solidFill>
-                  <a:srgbClr val="0070C0"/>
-                </a:solidFill>
-              </a:rPr>
-              <a:t>monograph.source</a:t>
             </a:r>
           </a:p>
         </p:txBody>
@@ -4739,10 +4517,124 @@
       </p:sp>
       <p:sp>
         <p:nvSpPr>
-          <p:cNvPr id="38" name="Rectangle 37">
-            <a:extLst>
-              <a:ext uri="{FF2B5EF4-FFF2-40B4-BE49-F238E27FC236}">
-                <a16:creationId xmlns:a16="http://schemas.microsoft.com/office/drawing/2014/main" id="{6C3FE5E6-3D83-441E-BE40-A7B85EDFADC1}"/>
+          <p:cNvPr id="39" name="ZoneTexte 38">
+            <a:extLst>
+              <a:ext uri="{FF2B5EF4-FFF2-40B4-BE49-F238E27FC236}">
+                <a16:creationId xmlns:a16="http://schemas.microsoft.com/office/drawing/2014/main" id="{A0A15782-BD91-4B41-BDF9-C4F845986135}"/>
+              </a:ext>
+            </a:extLst>
+          </p:cNvPr>
+          <p:cNvSpPr txBox="1"/>
+          <p:nvPr/>
+        </p:nvSpPr>
+        <p:spPr>
+          <a:xfrm>
+            <a:off x="3773108" y="2849478"/>
+            <a:ext cx="386253" cy="246221"/>
+          </a:xfrm>
+          <a:prstGeom prst="rect">
+            <a:avLst/>
+          </a:prstGeom>
+          <a:noFill/>
+        </p:spPr>
+        <p:txBody>
+          <a:bodyPr wrap="square" rtlCol="0">
+            <a:spAutoFit/>
+          </a:bodyPr>
+          <a:lstStyle/>
+          <a:p>
+            <a:r>
+              <a:rPr lang="en-US" sz="1000" noProof="1"/>
+              <a:t>0..*</a:t>
+            </a:r>
+          </a:p>
+        </p:txBody>
+      </p:sp>
+      <p:cxnSp>
+        <p:nvCxnSpPr>
+          <p:cNvPr id="41" name="Connecteur : en angle 40">
+            <a:extLst>
+              <a:ext uri="{FF2B5EF4-FFF2-40B4-BE49-F238E27FC236}">
+                <a16:creationId xmlns:a16="http://schemas.microsoft.com/office/drawing/2014/main" id="{97DD0B3E-F8B5-4AB5-B54B-29B28EE82F6E}"/>
+              </a:ext>
+            </a:extLst>
+          </p:cNvPr>
+          <p:cNvCxnSpPr>
+            <a:cxnSpLocks/>
+          </p:cNvCxnSpPr>
+          <p:nvPr/>
+        </p:nvCxnSpPr>
+        <p:spPr>
+          <a:xfrm flipH="1" flipV="1">
+            <a:off x="7012636" y="1731667"/>
+            <a:ext cx="11343" cy="132155"/>
+          </a:xfrm>
+          <a:prstGeom prst="bentConnector3">
+            <a:avLst>
+              <a:gd name="adj1" fmla="val -1859111"/>
+            </a:avLst>
+          </a:prstGeom>
+          <a:ln w="19050">
+            <a:headEnd type="arrow" w="med" len="med"/>
+            <a:tailEnd type="none" w="med" len="med"/>
+          </a:ln>
+        </p:spPr>
+        <p:style>
+          <a:lnRef idx="1">
+            <a:schemeClr val="accent1"/>
+          </a:lnRef>
+          <a:fillRef idx="0">
+            <a:schemeClr val="accent1"/>
+          </a:fillRef>
+          <a:effectRef idx="0">
+            <a:schemeClr val="accent1"/>
+          </a:effectRef>
+          <a:fontRef idx="minor">
+            <a:schemeClr val="tx1"/>
+          </a:fontRef>
+        </p:style>
+      </p:cxnSp>
+      <p:sp>
+        <p:nvSpPr>
+          <p:cNvPr id="42" name="ZoneTexte 41">
+            <a:extLst>
+              <a:ext uri="{FF2B5EF4-FFF2-40B4-BE49-F238E27FC236}">
+                <a16:creationId xmlns:a16="http://schemas.microsoft.com/office/drawing/2014/main" id="{248F65B3-8E6C-4227-B8B3-899E8C4D8B04}"/>
+              </a:ext>
+            </a:extLst>
+          </p:cNvPr>
+          <p:cNvSpPr txBox="1"/>
+          <p:nvPr/>
+        </p:nvSpPr>
+        <p:spPr>
+          <a:xfrm>
+            <a:off x="6983766" y="1856943"/>
+            <a:ext cx="417459" cy="246221"/>
+          </a:xfrm>
+          <a:prstGeom prst="rect">
+            <a:avLst/>
+          </a:prstGeom>
+          <a:noFill/>
+        </p:spPr>
+        <p:txBody>
+          <a:bodyPr wrap="square" rtlCol="0">
+            <a:spAutoFit/>
+          </a:bodyPr>
+          <a:lstStyle/>
+          <a:p>
+            <a:r>
+              <a:rPr lang="en-US" sz="1000" noProof="1"/>
+              <a:t>0..*</a:t>
+            </a:r>
+          </a:p>
+        </p:txBody>
+      </p:sp>
+      <p:sp>
+        <p:nvSpPr>
+          <p:cNvPr id="43" name="Rectangle 42">
+            <a:extLst>
+              <a:ext uri="{FF2B5EF4-FFF2-40B4-BE49-F238E27FC236}">
+                <a16:creationId xmlns:a16="http://schemas.microsoft.com/office/drawing/2014/main" id="{71DA3344-8289-4D5A-A057-D1535720BF62}"/>
               </a:ext>
             </a:extLst>
           </p:cNvPr>
@@ -4751,8 +4643,486 @@
         </p:nvSpPr>
         <p:spPr>
           <a:xfrm>
-            <a:off x="2442666" y="2583698"/>
-            <a:ext cx="1335702" cy="627951"/>
+            <a:off x="7192495" y="1679268"/>
+            <a:ext cx="3208932" cy="246221"/>
+          </a:xfrm>
+          <a:prstGeom prst="rect">
+            <a:avLst/>
+          </a:prstGeom>
+        </p:spPr>
+        <p:txBody>
+          <a:bodyPr wrap="square">
+            <a:spAutoFit/>
+          </a:bodyPr>
+          <a:lstStyle/>
+          <a:p>
+            <a:r>
+              <a:rPr lang="en-US" sz="1000" noProof="1">
+                <a:solidFill>
+                  <a:srgbClr val="0070C0"/>
+                </a:solidFill>
+              </a:rPr>
+              <a:t>relatedMedicationKnowledge </a:t>
+            </a:r>
+            <a:r>
+              <a:rPr lang="en-US" sz="1000" noProof="1"/>
+              <a:t>(</a:t>
+            </a:r>
+            <a:r>
+              <a:rPr lang="en-US" sz="1000" noProof="1">
+                <a:solidFill>
+                  <a:srgbClr val="0070C0"/>
+                </a:solidFill>
+              </a:rPr>
+              <a:t>.type </a:t>
+            </a:r>
+            <a:r>
+              <a:rPr lang="en-US" sz="1000" noProof="1"/>
+              <a:t>= type of association)</a:t>
+            </a:r>
+            <a:endParaRPr lang="en-US" sz="1000" noProof="1">
+              <a:solidFill>
+                <a:schemeClr val="tx1">
+                  <a:lumMod val="50000"/>
+                  <a:lumOff val="50000"/>
+                </a:schemeClr>
+              </a:solidFill>
+            </a:endParaRPr>
+          </a:p>
+        </p:txBody>
+      </p:sp>
+      <p:sp>
+        <p:nvSpPr>
+          <p:cNvPr id="46" name="Rectangle 45">
+            <a:extLst>
+              <a:ext uri="{FF2B5EF4-FFF2-40B4-BE49-F238E27FC236}">
+                <a16:creationId xmlns:a16="http://schemas.microsoft.com/office/drawing/2014/main" id="{33B28E38-DD45-43FE-9F00-2EE8BA5D6BEC}"/>
+              </a:ext>
+            </a:extLst>
+          </p:cNvPr>
+          <p:cNvSpPr/>
+          <p:nvPr/>
+        </p:nvSpPr>
+        <p:spPr>
+          <a:xfrm>
+            <a:off x="8721146" y="487671"/>
+            <a:ext cx="1433977" cy="612769"/>
+          </a:xfrm>
+          <a:prstGeom prst="rect">
+            <a:avLst/>
+          </a:prstGeom>
+          <a:solidFill>
+            <a:schemeClr val="accent4">
+              <a:lumMod val="50000"/>
+            </a:schemeClr>
+          </a:solidFill>
+          <a:ln>
+            <a:noFill/>
+          </a:ln>
+          <a:effectLst/>
+        </p:spPr>
+        <p:style>
+          <a:lnRef idx="2">
+            <a:schemeClr val="accent1">
+              <a:shade val="50000"/>
+            </a:schemeClr>
+          </a:lnRef>
+          <a:fillRef idx="1">
+            <a:schemeClr val="accent1"/>
+          </a:fillRef>
+          <a:effectRef idx="0">
+            <a:schemeClr val="accent1"/>
+          </a:effectRef>
+          <a:fontRef idx="minor">
+            <a:schemeClr val="lt1"/>
+          </a:fontRef>
+        </p:style>
+        <p:txBody>
+          <a:bodyPr rtlCol="0" anchor="ctr"/>
+          <a:lstStyle/>
+          <a:p>
+            <a:pPr algn="ctr"/>
+            <a:r>
+              <a:rPr lang="en-US" sz="1200" noProof="1">
+                <a:solidFill>
+                  <a:srgbClr val="FFFF00"/>
+                </a:solidFill>
+              </a:rPr>
+              <a:t>Catalog profile of Composition</a:t>
+            </a:r>
+          </a:p>
+        </p:txBody>
+      </p:sp>
+      <p:cxnSp>
+        <p:nvCxnSpPr>
+          <p:cNvPr id="47" name="Connecteur : en angle 46">
+            <a:extLst>
+              <a:ext uri="{FF2B5EF4-FFF2-40B4-BE49-F238E27FC236}">
+                <a16:creationId xmlns:a16="http://schemas.microsoft.com/office/drawing/2014/main" id="{C05A81FE-BC78-47D5-8C3C-F8AFDF3EFF50}"/>
+              </a:ext>
+            </a:extLst>
+          </p:cNvPr>
+          <p:cNvCxnSpPr>
+            <a:cxnSpLocks/>
+            <a:stCxn id="45" idx="0"/>
+            <a:endCxn id="46" idx="2"/>
+          </p:cNvCxnSpPr>
+          <p:nvPr/>
+        </p:nvCxnSpPr>
+        <p:spPr>
+          <a:xfrm rot="5400000" flipH="1" flipV="1">
+            <a:off x="7856546" y="110646"/>
+            <a:ext cx="591794" cy="2571383"/>
+          </a:xfrm>
+          <a:prstGeom prst="bentConnector3">
+            <a:avLst>
+              <a:gd name="adj1" fmla="val 50000"/>
+            </a:avLst>
+          </a:prstGeom>
+          <a:ln w="19050">
+            <a:headEnd type="arrow" w="med" len="med"/>
+            <a:tailEnd type="none" w="med" len="med"/>
+          </a:ln>
+        </p:spPr>
+        <p:style>
+          <a:lnRef idx="1">
+            <a:schemeClr val="accent1"/>
+          </a:lnRef>
+          <a:fillRef idx="0">
+            <a:schemeClr val="accent1"/>
+          </a:fillRef>
+          <a:effectRef idx="0">
+            <a:schemeClr val="accent1"/>
+          </a:effectRef>
+          <a:fontRef idx="minor">
+            <a:schemeClr val="tx1"/>
+          </a:fontRef>
+        </p:style>
+      </p:cxnSp>
+      <p:sp>
+        <p:nvSpPr>
+          <p:cNvPr id="48" name="ZoneTexte 47">
+            <a:extLst>
+              <a:ext uri="{FF2B5EF4-FFF2-40B4-BE49-F238E27FC236}">
+                <a16:creationId xmlns:a16="http://schemas.microsoft.com/office/drawing/2014/main" id="{114FF8C2-58A0-41C4-969F-FEB982672582}"/>
+              </a:ext>
+            </a:extLst>
+          </p:cNvPr>
+          <p:cNvSpPr txBox="1"/>
+          <p:nvPr/>
+        </p:nvSpPr>
+        <p:spPr>
+          <a:xfrm>
+            <a:off x="6835894" y="1399334"/>
+            <a:ext cx="444133" cy="246221"/>
+          </a:xfrm>
+          <a:prstGeom prst="rect">
+            <a:avLst/>
+          </a:prstGeom>
+          <a:noFill/>
+        </p:spPr>
+        <p:txBody>
+          <a:bodyPr wrap="square" rtlCol="0">
+            <a:spAutoFit/>
+          </a:bodyPr>
+          <a:lstStyle/>
+          <a:p>
+            <a:r>
+              <a:rPr lang="en-US" sz="1000" noProof="1"/>
+              <a:t>0..*</a:t>
+            </a:r>
+          </a:p>
+        </p:txBody>
+      </p:sp>
+      <p:sp>
+        <p:nvSpPr>
+          <p:cNvPr id="49" name="ZoneTexte 48">
+            <a:extLst>
+              <a:ext uri="{FF2B5EF4-FFF2-40B4-BE49-F238E27FC236}">
+                <a16:creationId xmlns:a16="http://schemas.microsoft.com/office/drawing/2014/main" id="{4D1987F7-64AB-4276-885C-ABB5E203F9F7}"/>
+              </a:ext>
+            </a:extLst>
+          </p:cNvPr>
+          <p:cNvSpPr txBox="1"/>
+          <p:nvPr/>
+        </p:nvSpPr>
+        <p:spPr>
+          <a:xfrm>
+            <a:off x="10164832" y="391870"/>
+            <a:ext cx="1123905" cy="830997"/>
+          </a:xfrm>
+          <a:prstGeom prst="rect">
+            <a:avLst/>
+          </a:prstGeom>
+          <a:noFill/>
+        </p:spPr>
+        <p:txBody>
+          <a:bodyPr wrap="square" rtlCol="0">
+            <a:spAutoFit/>
+          </a:bodyPr>
+          <a:lstStyle/>
+          <a:p>
+            <a:r>
+              <a:rPr lang="en-US" sz="1200" i="1" noProof="1"/>
+              <a:t>a catalog of medications handled with method 1</a:t>
+            </a:r>
+          </a:p>
+        </p:txBody>
+      </p:sp>
+      <p:sp>
+        <p:nvSpPr>
+          <p:cNvPr id="50" name="ZoneTexte 49">
+            <a:extLst>
+              <a:ext uri="{FF2B5EF4-FFF2-40B4-BE49-F238E27FC236}">
+                <a16:creationId xmlns:a16="http://schemas.microsoft.com/office/drawing/2014/main" id="{18F3692A-6BD3-4364-86E2-2F8A35E63556}"/>
+              </a:ext>
+            </a:extLst>
+          </p:cNvPr>
+          <p:cNvSpPr txBox="1"/>
+          <p:nvPr/>
+        </p:nvSpPr>
+        <p:spPr>
+          <a:xfrm>
+            <a:off x="8599457" y="1183958"/>
+            <a:ext cx="898203" cy="246221"/>
+          </a:xfrm>
+          <a:prstGeom prst="rect">
+            <a:avLst/>
+          </a:prstGeom>
+          <a:noFill/>
+        </p:spPr>
+        <p:txBody>
+          <a:bodyPr wrap="square" rtlCol="0">
+            <a:spAutoFit/>
+          </a:bodyPr>
+          <a:lstStyle/>
+          <a:p>
+            <a:r>
+              <a:rPr lang="en-US" sz="1000" noProof="1">
+                <a:solidFill>
+                  <a:srgbClr val="0070C0"/>
+                </a:solidFill>
+              </a:rPr>
+              <a:t>section.entry</a:t>
+            </a:r>
+          </a:p>
+        </p:txBody>
+      </p:sp>
+      <p:cxnSp>
+        <p:nvCxnSpPr>
+          <p:cNvPr id="53" name="Connecteur : en angle 52">
+            <a:extLst>
+              <a:ext uri="{FF2B5EF4-FFF2-40B4-BE49-F238E27FC236}">
+                <a16:creationId xmlns:a16="http://schemas.microsoft.com/office/drawing/2014/main" id="{DC7035E1-0312-457C-8D8E-B608F693E7FF}"/>
+              </a:ext>
+            </a:extLst>
+          </p:cNvPr>
+          <p:cNvCxnSpPr>
+            <a:cxnSpLocks/>
+            <a:stCxn id="123" idx="3"/>
+            <a:endCxn id="22" idx="2"/>
+          </p:cNvCxnSpPr>
+          <p:nvPr/>
+        </p:nvCxnSpPr>
+        <p:spPr>
+          <a:xfrm flipV="1">
+            <a:off x="3770477" y="2440074"/>
+            <a:ext cx="1922451" cy="292947"/>
+          </a:xfrm>
+          <a:prstGeom prst="bentConnector2">
+            <a:avLst/>
+          </a:prstGeom>
+          <a:ln w="19050">
+            <a:headEnd type="arrow" w="med" len="med"/>
+            <a:tailEnd type="none" w="med" len="med"/>
+          </a:ln>
+        </p:spPr>
+        <p:style>
+          <a:lnRef idx="1">
+            <a:schemeClr val="accent1"/>
+          </a:lnRef>
+          <a:fillRef idx="0">
+            <a:schemeClr val="accent1"/>
+          </a:fillRef>
+          <a:effectRef idx="0">
+            <a:schemeClr val="accent1"/>
+          </a:effectRef>
+          <a:fontRef idx="minor">
+            <a:schemeClr val="tx1"/>
+          </a:fontRef>
+        </p:style>
+      </p:cxnSp>
+      <p:cxnSp>
+        <p:nvCxnSpPr>
+          <p:cNvPr id="54" name="Connecteur : en angle 53">
+            <a:extLst>
+              <a:ext uri="{FF2B5EF4-FFF2-40B4-BE49-F238E27FC236}">
+                <a16:creationId xmlns:a16="http://schemas.microsoft.com/office/drawing/2014/main" id="{C07E1394-BC95-4443-B969-97AA316D0A40}"/>
+              </a:ext>
+            </a:extLst>
+          </p:cNvPr>
+          <p:cNvCxnSpPr>
+            <a:cxnSpLocks/>
+            <a:stCxn id="20" idx="3"/>
+            <a:endCxn id="23" idx="2"/>
+          </p:cNvCxnSpPr>
+          <p:nvPr/>
+        </p:nvCxnSpPr>
+        <p:spPr>
+          <a:xfrm flipV="1">
+            <a:off x="3765640" y="2440074"/>
+            <a:ext cx="2187261" cy="618652"/>
+          </a:xfrm>
+          <a:prstGeom prst="bentConnector2">
+            <a:avLst/>
+          </a:prstGeom>
+          <a:ln w="19050">
+            <a:headEnd type="arrow" w="med" len="med"/>
+            <a:tailEnd type="none" w="med" len="med"/>
+          </a:ln>
+        </p:spPr>
+        <p:style>
+          <a:lnRef idx="1">
+            <a:schemeClr val="accent1"/>
+          </a:lnRef>
+          <a:fillRef idx="0">
+            <a:schemeClr val="accent1"/>
+          </a:fillRef>
+          <a:effectRef idx="0">
+            <a:schemeClr val="accent1"/>
+          </a:effectRef>
+          <a:fontRef idx="minor">
+            <a:schemeClr val="tx1"/>
+          </a:fontRef>
+        </p:style>
+      </p:cxnSp>
+      <p:sp>
+        <p:nvSpPr>
+          <p:cNvPr id="56" name="Rectangle 55">
+            <a:extLst>
+              <a:ext uri="{FF2B5EF4-FFF2-40B4-BE49-F238E27FC236}">
+                <a16:creationId xmlns:a16="http://schemas.microsoft.com/office/drawing/2014/main" id="{BE83DCFB-C4BB-48F9-98BF-C7C5D89CBBCF}"/>
+              </a:ext>
+            </a:extLst>
+          </p:cNvPr>
+          <p:cNvSpPr/>
+          <p:nvPr/>
+        </p:nvSpPr>
+        <p:spPr>
+          <a:xfrm>
+            <a:off x="4042578" y="2503760"/>
+            <a:ext cx="579044" cy="246221"/>
+          </a:xfrm>
+          <a:prstGeom prst="rect">
+            <a:avLst/>
+          </a:prstGeom>
+        </p:spPr>
+        <p:txBody>
+          <a:bodyPr wrap="square">
+            <a:spAutoFit/>
+          </a:bodyPr>
+          <a:lstStyle/>
+          <a:p>
+            <a:r>
+              <a:rPr lang="en-US" sz="1000" noProof="1">
+                <a:solidFill>
+                  <a:srgbClr val="0070C0"/>
+                </a:solidFill>
+              </a:rPr>
+              <a:t>author</a:t>
+            </a:r>
+          </a:p>
+        </p:txBody>
+      </p:sp>
+      <p:sp>
+        <p:nvSpPr>
+          <p:cNvPr id="57" name="Rectangle 56">
+            <a:extLst>
+              <a:ext uri="{FF2B5EF4-FFF2-40B4-BE49-F238E27FC236}">
+                <a16:creationId xmlns:a16="http://schemas.microsoft.com/office/drawing/2014/main" id="{41E2227B-071A-4C20-A41E-253016E66462}"/>
+              </a:ext>
+            </a:extLst>
+          </p:cNvPr>
+          <p:cNvSpPr/>
+          <p:nvPr/>
+        </p:nvSpPr>
+        <p:spPr>
+          <a:xfrm>
+            <a:off x="4031015" y="2829576"/>
+            <a:ext cx="2005686" cy="246221"/>
+          </a:xfrm>
+          <a:prstGeom prst="rect">
+            <a:avLst/>
+          </a:prstGeom>
+        </p:spPr>
+        <p:txBody>
+          <a:bodyPr wrap="square">
+            <a:spAutoFit/>
+          </a:bodyPr>
+          <a:lstStyle/>
+          <a:p>
+            <a:r>
+              <a:rPr lang="en-US" sz="1000" noProof="1">
+                <a:solidFill>
+                  <a:srgbClr val="0070C0"/>
+                </a:solidFill>
+              </a:rPr>
+              <a:t>regulatory[*].regulatoryAuthority</a:t>
+            </a:r>
+          </a:p>
+        </p:txBody>
+      </p:sp>
+      <p:sp>
+        <p:nvSpPr>
+          <p:cNvPr id="59" name="ZoneTexte 58">
+            <a:extLst>
+              <a:ext uri="{FF2B5EF4-FFF2-40B4-BE49-F238E27FC236}">
+                <a16:creationId xmlns:a16="http://schemas.microsoft.com/office/drawing/2014/main" id="{7F891DED-D9D3-48EB-A5A1-F1E15E837EBD}"/>
+              </a:ext>
+            </a:extLst>
+          </p:cNvPr>
+          <p:cNvSpPr txBox="1"/>
+          <p:nvPr/>
+        </p:nvSpPr>
+        <p:spPr>
+          <a:xfrm>
+            <a:off x="3770968" y="2510067"/>
+            <a:ext cx="388393" cy="246221"/>
+          </a:xfrm>
+          <a:prstGeom prst="rect">
+            <a:avLst/>
+          </a:prstGeom>
+          <a:noFill/>
+        </p:spPr>
+        <p:txBody>
+          <a:bodyPr wrap="square" rtlCol="0">
+            <a:spAutoFit/>
+          </a:bodyPr>
+          <a:lstStyle/>
+          <a:p>
+            <a:r>
+              <a:rPr lang="en-US" sz="1000" noProof="1"/>
+              <a:t>0..1</a:t>
+            </a:r>
+          </a:p>
+        </p:txBody>
+      </p:sp>
+      <p:sp>
+        <p:nvSpPr>
+          <p:cNvPr id="63" name="Rectangle 62">
+            <a:extLst>
+              <a:ext uri="{FF2B5EF4-FFF2-40B4-BE49-F238E27FC236}">
+                <a16:creationId xmlns:a16="http://schemas.microsoft.com/office/drawing/2014/main" id="{DA71AA2D-B596-4E27-A8E5-312D41526BFA}"/>
+              </a:ext>
+            </a:extLst>
+          </p:cNvPr>
+          <p:cNvSpPr/>
+          <p:nvPr/>
+        </p:nvSpPr>
+        <p:spPr>
+          <a:xfrm>
+            <a:off x="2442666" y="3713357"/>
+            <a:ext cx="1666397" cy="639072"/>
           </a:xfrm>
           <a:prstGeom prst="rect">
             <a:avLst/>
@@ -4813,167 +5183,17 @@
                   <a:srgbClr val="FFFF00"/>
                 </a:solidFill>
               </a:rPr>
-              <a:t>Organization</a:t>
-            </a:r>
-          </a:p>
-        </p:txBody>
-      </p:sp>
-      <p:sp>
-        <p:nvSpPr>
-          <p:cNvPr id="39" name="ZoneTexte 38">
-            <a:extLst>
-              <a:ext uri="{FF2B5EF4-FFF2-40B4-BE49-F238E27FC236}">
-                <a16:creationId xmlns:a16="http://schemas.microsoft.com/office/drawing/2014/main" id="{A0A15782-BD91-4B41-BDF9-C4F845986135}"/>
-              </a:ext>
-            </a:extLst>
-          </p:cNvPr>
-          <p:cNvSpPr txBox="1"/>
-          <p:nvPr/>
-        </p:nvSpPr>
-        <p:spPr>
-          <a:xfrm>
-            <a:off x="3773108" y="2935396"/>
-            <a:ext cx="386253" cy="246221"/>
-          </a:xfrm>
-          <a:prstGeom prst="rect">
-            <a:avLst/>
-          </a:prstGeom>
-          <a:noFill/>
-        </p:spPr>
-        <p:txBody>
-          <a:bodyPr wrap="square" rtlCol="0">
-            <a:spAutoFit/>
-          </a:bodyPr>
-          <a:lstStyle/>
-          <a:p>
-            <a:r>
-              <a:rPr lang="en-US" sz="1000" noProof="1"/>
-              <a:t>0..*</a:t>
-            </a:r>
-          </a:p>
-        </p:txBody>
-      </p:sp>
-      <p:sp>
-        <p:nvSpPr>
-          <p:cNvPr id="40" name="ZoneTexte 39">
-            <a:extLst>
-              <a:ext uri="{FF2B5EF4-FFF2-40B4-BE49-F238E27FC236}">
-                <a16:creationId xmlns:a16="http://schemas.microsoft.com/office/drawing/2014/main" id="{241B2B47-03FB-4853-BD1B-9B4A7B767783}"/>
-              </a:ext>
-            </a:extLst>
-          </p:cNvPr>
-          <p:cNvSpPr txBox="1"/>
-          <p:nvPr/>
-        </p:nvSpPr>
-        <p:spPr>
-          <a:xfrm>
-            <a:off x="1250550" y="1537433"/>
-            <a:ext cx="1180137" cy="646331"/>
-          </a:xfrm>
-          <a:prstGeom prst="rect">
-            <a:avLst/>
-          </a:prstGeom>
-          <a:noFill/>
-        </p:spPr>
-        <p:txBody>
-          <a:bodyPr wrap="square" rtlCol="0">
-            <a:spAutoFit/>
-          </a:bodyPr>
-          <a:lstStyle/>
-          <a:p>
-            <a:pPr algn="r"/>
-            <a:r>
-              <a:rPr lang="en-US" sz="1200" i="1" noProof="1"/>
-              <a:t>Documentation about the medication</a:t>
-            </a:r>
-          </a:p>
-        </p:txBody>
-      </p:sp>
-      <p:cxnSp>
-        <p:nvCxnSpPr>
-          <p:cNvPr id="41" name="Connecteur : en angle 40">
-            <a:extLst>
-              <a:ext uri="{FF2B5EF4-FFF2-40B4-BE49-F238E27FC236}">
-                <a16:creationId xmlns:a16="http://schemas.microsoft.com/office/drawing/2014/main" id="{97DD0B3E-F8B5-4AB5-B54B-29B28EE82F6E}"/>
-              </a:ext>
-            </a:extLst>
-          </p:cNvPr>
-          <p:cNvCxnSpPr>
-            <a:cxnSpLocks/>
-          </p:cNvCxnSpPr>
-          <p:nvPr/>
-        </p:nvCxnSpPr>
-        <p:spPr>
-          <a:xfrm flipH="1" flipV="1">
-            <a:off x="7012636" y="1731667"/>
-            <a:ext cx="11343" cy="132155"/>
-          </a:xfrm>
-          <a:prstGeom prst="bentConnector3">
-            <a:avLst>
-              <a:gd name="adj1" fmla="val -1859111"/>
-            </a:avLst>
-          </a:prstGeom>
-          <a:ln w="19050">
-            <a:headEnd type="arrow" w="med" len="med"/>
-            <a:tailEnd type="none" w="med" len="med"/>
-          </a:ln>
-        </p:spPr>
-        <p:style>
-          <a:lnRef idx="1">
-            <a:schemeClr val="accent1"/>
-          </a:lnRef>
-          <a:fillRef idx="0">
-            <a:schemeClr val="accent1"/>
-          </a:fillRef>
-          <a:effectRef idx="0">
-            <a:schemeClr val="accent1"/>
-          </a:effectRef>
-          <a:fontRef idx="minor">
-            <a:schemeClr val="tx1"/>
-          </a:fontRef>
-        </p:style>
-      </p:cxnSp>
-      <p:sp>
-        <p:nvSpPr>
-          <p:cNvPr id="42" name="ZoneTexte 41">
-            <a:extLst>
-              <a:ext uri="{FF2B5EF4-FFF2-40B4-BE49-F238E27FC236}">
-                <a16:creationId xmlns:a16="http://schemas.microsoft.com/office/drawing/2014/main" id="{248F65B3-8E6C-4227-B8B3-899E8C4D8B04}"/>
-              </a:ext>
-            </a:extLst>
-          </p:cNvPr>
-          <p:cNvSpPr txBox="1"/>
-          <p:nvPr/>
-        </p:nvSpPr>
-        <p:spPr>
-          <a:xfrm>
-            <a:off x="6983766" y="1856943"/>
-            <a:ext cx="417459" cy="246221"/>
-          </a:xfrm>
-          <a:prstGeom prst="rect">
-            <a:avLst/>
-          </a:prstGeom>
-          <a:noFill/>
-        </p:spPr>
-        <p:txBody>
-          <a:bodyPr wrap="square" rtlCol="0">
-            <a:spAutoFit/>
-          </a:bodyPr>
-          <a:lstStyle/>
-          <a:p>
-            <a:r>
-              <a:rPr lang="en-US" sz="1000" noProof="1"/>
-              <a:t>0..*</a:t>
-            </a:r>
-          </a:p>
-        </p:txBody>
-      </p:sp>
-      <p:sp>
-        <p:nvSpPr>
-          <p:cNvPr id="43" name="Rectangle 42">
-            <a:extLst>
-              <a:ext uri="{FF2B5EF4-FFF2-40B4-BE49-F238E27FC236}">
-                <a16:creationId xmlns:a16="http://schemas.microsoft.com/office/drawing/2014/main" id="{71DA3344-8289-4D5A-A057-D1535720BF62}"/>
+              <a:t>IndicationDefinition profile of ClinicalUseDefinition</a:t>
+            </a:r>
+          </a:p>
+        </p:txBody>
+      </p:sp>
+      <p:sp>
+        <p:nvSpPr>
+          <p:cNvPr id="64" name="Rectangle 63">
+            <a:extLst>
+              <a:ext uri="{FF2B5EF4-FFF2-40B4-BE49-F238E27FC236}">
+                <a16:creationId xmlns:a16="http://schemas.microsoft.com/office/drawing/2014/main" id="{B291188D-4926-4A5A-8338-E1AA2A80525B}"/>
               </a:ext>
             </a:extLst>
           </p:cNvPr>
@@ -4982,649 +5202,8 @@
         </p:nvSpPr>
         <p:spPr>
           <a:xfrm>
-            <a:off x="7192495" y="1679268"/>
-            <a:ext cx="3208932" cy="246221"/>
-          </a:xfrm>
-          <a:prstGeom prst="rect">
-            <a:avLst/>
-          </a:prstGeom>
-        </p:spPr>
-        <p:txBody>
-          <a:bodyPr wrap="square">
-            <a:spAutoFit/>
-          </a:bodyPr>
-          <a:lstStyle/>
-          <a:p>
-            <a:r>
-              <a:rPr lang="en-US" sz="1000" noProof="1">
-                <a:solidFill>
-                  <a:srgbClr val="0070C0"/>
-                </a:solidFill>
-              </a:rPr>
-              <a:t>relatedMedicationKnowledge </a:t>
-            </a:r>
-            <a:r>
-              <a:rPr lang="en-US" sz="1000" noProof="1"/>
-              <a:t>(</a:t>
-            </a:r>
-            <a:r>
-              <a:rPr lang="en-US" sz="1000" noProof="1">
-                <a:solidFill>
-                  <a:srgbClr val="0070C0"/>
-                </a:solidFill>
-              </a:rPr>
-              <a:t>.type </a:t>
-            </a:r>
-            <a:r>
-              <a:rPr lang="en-US" sz="1000" noProof="1"/>
-              <a:t>= type of association)</a:t>
-            </a:r>
-            <a:endParaRPr lang="en-US" sz="1000" noProof="1">
-              <a:solidFill>
-                <a:schemeClr val="tx1">
-                  <a:lumMod val="50000"/>
-                  <a:lumOff val="50000"/>
-                </a:schemeClr>
-              </a:solidFill>
-            </a:endParaRPr>
-          </a:p>
-        </p:txBody>
-      </p:sp>
-      <p:sp>
-        <p:nvSpPr>
-          <p:cNvPr id="46" name="Rectangle 45">
-            <a:extLst>
-              <a:ext uri="{FF2B5EF4-FFF2-40B4-BE49-F238E27FC236}">
-                <a16:creationId xmlns:a16="http://schemas.microsoft.com/office/drawing/2014/main" id="{33B28E38-DD45-43FE-9F00-2EE8BA5D6BEC}"/>
-              </a:ext>
-            </a:extLst>
-          </p:cNvPr>
-          <p:cNvSpPr/>
-          <p:nvPr/>
-        </p:nvSpPr>
-        <p:spPr>
-          <a:xfrm>
-            <a:off x="8721146" y="487671"/>
-            <a:ext cx="1433977" cy="612769"/>
-          </a:xfrm>
-          <a:prstGeom prst="rect">
-            <a:avLst/>
-          </a:prstGeom>
-          <a:solidFill>
-            <a:schemeClr val="accent4">
-              <a:lumMod val="50000"/>
-            </a:schemeClr>
-          </a:solidFill>
-          <a:ln>
-            <a:noFill/>
-          </a:ln>
-          <a:effectLst/>
-        </p:spPr>
-        <p:style>
-          <a:lnRef idx="2">
-            <a:schemeClr val="accent1">
-              <a:shade val="50000"/>
-            </a:schemeClr>
-          </a:lnRef>
-          <a:fillRef idx="1">
-            <a:schemeClr val="accent1"/>
-          </a:fillRef>
-          <a:effectRef idx="0">
-            <a:schemeClr val="accent1"/>
-          </a:effectRef>
-          <a:fontRef idx="minor">
-            <a:schemeClr val="lt1"/>
-          </a:fontRef>
-        </p:style>
-        <p:txBody>
-          <a:bodyPr rtlCol="0" anchor="ctr"/>
-          <a:lstStyle/>
-          <a:p>
-            <a:pPr algn="ctr"/>
-            <a:r>
-              <a:rPr lang="en-US" sz="1200" noProof="1">
-                <a:solidFill>
-                  <a:srgbClr val="FFFF00"/>
-                </a:solidFill>
-              </a:rPr>
-              <a:t>Catalog profile of Composition</a:t>
-            </a:r>
-          </a:p>
-        </p:txBody>
-      </p:sp>
-      <p:cxnSp>
-        <p:nvCxnSpPr>
-          <p:cNvPr id="47" name="Connecteur : en angle 46">
-            <a:extLst>
-              <a:ext uri="{FF2B5EF4-FFF2-40B4-BE49-F238E27FC236}">
-                <a16:creationId xmlns:a16="http://schemas.microsoft.com/office/drawing/2014/main" id="{C05A81FE-BC78-47D5-8C3C-F8AFDF3EFF50}"/>
-              </a:ext>
-            </a:extLst>
-          </p:cNvPr>
-          <p:cNvCxnSpPr>
-            <a:cxnSpLocks/>
-            <a:stCxn id="45" idx="0"/>
-            <a:endCxn id="46" idx="2"/>
-          </p:cNvCxnSpPr>
-          <p:nvPr/>
-        </p:nvCxnSpPr>
-        <p:spPr>
-          <a:xfrm rot="5400000" flipH="1" flipV="1">
-            <a:off x="7856546" y="110646"/>
-            <a:ext cx="591794" cy="2571383"/>
-          </a:xfrm>
-          <a:prstGeom prst="bentConnector3">
-            <a:avLst>
-              <a:gd name="adj1" fmla="val 50000"/>
-            </a:avLst>
-          </a:prstGeom>
-          <a:ln w="19050">
-            <a:headEnd type="arrow" w="med" len="med"/>
-            <a:tailEnd type="none" w="med" len="med"/>
-          </a:ln>
-        </p:spPr>
-        <p:style>
-          <a:lnRef idx="1">
-            <a:schemeClr val="accent1"/>
-          </a:lnRef>
-          <a:fillRef idx="0">
-            <a:schemeClr val="accent1"/>
-          </a:fillRef>
-          <a:effectRef idx="0">
-            <a:schemeClr val="accent1"/>
-          </a:effectRef>
-          <a:fontRef idx="minor">
-            <a:schemeClr val="tx1"/>
-          </a:fontRef>
-        </p:style>
-      </p:cxnSp>
-      <p:sp>
-        <p:nvSpPr>
-          <p:cNvPr id="48" name="ZoneTexte 47">
-            <a:extLst>
-              <a:ext uri="{FF2B5EF4-FFF2-40B4-BE49-F238E27FC236}">
-                <a16:creationId xmlns:a16="http://schemas.microsoft.com/office/drawing/2014/main" id="{114FF8C2-58A0-41C4-969F-FEB982672582}"/>
-              </a:ext>
-            </a:extLst>
-          </p:cNvPr>
-          <p:cNvSpPr txBox="1"/>
-          <p:nvPr/>
-        </p:nvSpPr>
-        <p:spPr>
-          <a:xfrm>
-            <a:off x="6835894" y="1399334"/>
-            <a:ext cx="444133" cy="246221"/>
-          </a:xfrm>
-          <a:prstGeom prst="rect">
-            <a:avLst/>
-          </a:prstGeom>
-          <a:noFill/>
-        </p:spPr>
-        <p:txBody>
-          <a:bodyPr wrap="square" rtlCol="0">
-            <a:spAutoFit/>
-          </a:bodyPr>
-          <a:lstStyle/>
-          <a:p>
-            <a:r>
-              <a:rPr lang="en-US" sz="1000" noProof="1"/>
-              <a:t>0..*</a:t>
-            </a:r>
-          </a:p>
-        </p:txBody>
-      </p:sp>
-      <p:sp>
-        <p:nvSpPr>
-          <p:cNvPr id="49" name="ZoneTexte 48">
-            <a:extLst>
-              <a:ext uri="{FF2B5EF4-FFF2-40B4-BE49-F238E27FC236}">
-                <a16:creationId xmlns:a16="http://schemas.microsoft.com/office/drawing/2014/main" id="{4D1987F7-64AB-4276-885C-ABB5E203F9F7}"/>
-              </a:ext>
-            </a:extLst>
-          </p:cNvPr>
-          <p:cNvSpPr txBox="1"/>
-          <p:nvPr/>
-        </p:nvSpPr>
-        <p:spPr>
-          <a:xfrm>
-            <a:off x="10164832" y="391870"/>
-            <a:ext cx="1123905" cy="830997"/>
-          </a:xfrm>
-          <a:prstGeom prst="rect">
-            <a:avLst/>
-          </a:prstGeom>
-          <a:noFill/>
-        </p:spPr>
-        <p:txBody>
-          <a:bodyPr wrap="square" rtlCol="0">
-            <a:spAutoFit/>
-          </a:bodyPr>
-          <a:lstStyle/>
-          <a:p>
-            <a:r>
-              <a:rPr lang="en-US" sz="1200" i="1" noProof="1"/>
-              <a:t>a catalog of medications handled with method 1</a:t>
-            </a:r>
-          </a:p>
-        </p:txBody>
-      </p:sp>
-      <p:sp>
-        <p:nvSpPr>
-          <p:cNvPr id="50" name="ZoneTexte 49">
-            <a:extLst>
-              <a:ext uri="{FF2B5EF4-FFF2-40B4-BE49-F238E27FC236}">
-                <a16:creationId xmlns:a16="http://schemas.microsoft.com/office/drawing/2014/main" id="{18F3692A-6BD3-4364-86E2-2F8A35E63556}"/>
-              </a:ext>
-            </a:extLst>
-          </p:cNvPr>
-          <p:cNvSpPr txBox="1"/>
-          <p:nvPr/>
-        </p:nvSpPr>
-        <p:spPr>
-          <a:xfrm>
-            <a:off x="8599457" y="1183958"/>
-            <a:ext cx="898203" cy="246221"/>
-          </a:xfrm>
-          <a:prstGeom prst="rect">
-            <a:avLst/>
-          </a:prstGeom>
-          <a:noFill/>
-        </p:spPr>
-        <p:txBody>
-          <a:bodyPr wrap="square" rtlCol="0">
-            <a:spAutoFit/>
-          </a:bodyPr>
-          <a:lstStyle/>
-          <a:p>
-            <a:r>
-              <a:rPr lang="en-US" sz="1000" noProof="1">
-                <a:solidFill>
-                  <a:srgbClr val="0070C0"/>
-                </a:solidFill>
-              </a:rPr>
-              <a:t>section.entry</a:t>
-            </a:r>
-          </a:p>
-        </p:txBody>
-      </p:sp>
-      <p:cxnSp>
-        <p:nvCxnSpPr>
-          <p:cNvPr id="52" name="Connecteur : en angle 51">
-            <a:extLst>
-              <a:ext uri="{FF2B5EF4-FFF2-40B4-BE49-F238E27FC236}">
-                <a16:creationId xmlns:a16="http://schemas.microsoft.com/office/drawing/2014/main" id="{301A3A58-D325-4117-AF74-AD6059609B43}"/>
-              </a:ext>
-            </a:extLst>
-          </p:cNvPr>
-          <p:cNvCxnSpPr>
-            <a:cxnSpLocks/>
-            <a:stCxn id="21" idx="3"/>
-            <a:endCxn id="25" idx="2"/>
-          </p:cNvCxnSpPr>
-          <p:nvPr/>
-        </p:nvCxnSpPr>
-        <p:spPr>
-          <a:xfrm flipV="1">
-            <a:off x="3765300" y="2443058"/>
-            <a:ext cx="1840426" cy="247847"/>
-          </a:xfrm>
-          <a:prstGeom prst="bentConnector2">
-            <a:avLst/>
-          </a:prstGeom>
-          <a:ln w="19050">
-            <a:headEnd type="arrow" w="med" len="med"/>
-            <a:tailEnd type="none" w="med" len="med"/>
-          </a:ln>
-        </p:spPr>
-        <p:style>
-          <a:lnRef idx="1">
-            <a:schemeClr val="accent1"/>
-          </a:lnRef>
-          <a:fillRef idx="0">
-            <a:schemeClr val="accent1"/>
-          </a:fillRef>
-          <a:effectRef idx="0">
-            <a:schemeClr val="accent1"/>
-          </a:effectRef>
-          <a:fontRef idx="minor">
-            <a:schemeClr val="tx1"/>
-          </a:fontRef>
-        </p:style>
-      </p:cxnSp>
-      <p:cxnSp>
-        <p:nvCxnSpPr>
-          <p:cNvPr id="53" name="Connecteur : en angle 52">
-            <a:extLst>
-              <a:ext uri="{FF2B5EF4-FFF2-40B4-BE49-F238E27FC236}">
-                <a16:creationId xmlns:a16="http://schemas.microsoft.com/office/drawing/2014/main" id="{DC7035E1-0312-457C-8D8E-B608F693E7FF}"/>
-              </a:ext>
-            </a:extLst>
-          </p:cNvPr>
-          <p:cNvCxnSpPr>
-            <a:cxnSpLocks/>
-            <a:stCxn id="38" idx="3"/>
-            <a:endCxn id="22" idx="2"/>
-          </p:cNvCxnSpPr>
-          <p:nvPr/>
-        </p:nvCxnSpPr>
-        <p:spPr>
-          <a:xfrm flipV="1">
-            <a:off x="3778368" y="2440074"/>
-            <a:ext cx="2031163" cy="457600"/>
-          </a:xfrm>
-          <a:prstGeom prst="bentConnector2">
-            <a:avLst/>
-          </a:prstGeom>
-          <a:ln w="19050">
-            <a:headEnd type="arrow" w="med" len="med"/>
-            <a:tailEnd type="none" w="med" len="med"/>
-          </a:ln>
-        </p:spPr>
-        <p:style>
-          <a:lnRef idx="1">
-            <a:schemeClr val="accent1"/>
-          </a:lnRef>
-          <a:fillRef idx="0">
-            <a:schemeClr val="accent1"/>
-          </a:fillRef>
-          <a:effectRef idx="0">
-            <a:schemeClr val="accent1"/>
-          </a:effectRef>
-          <a:fontRef idx="minor">
-            <a:schemeClr val="tx1"/>
-          </a:fontRef>
-        </p:style>
-      </p:cxnSp>
-      <p:cxnSp>
-        <p:nvCxnSpPr>
-          <p:cNvPr id="54" name="Connecteur : en angle 53">
-            <a:extLst>
-              <a:ext uri="{FF2B5EF4-FFF2-40B4-BE49-F238E27FC236}">
-                <a16:creationId xmlns:a16="http://schemas.microsoft.com/office/drawing/2014/main" id="{C07E1394-BC95-4443-B969-97AA316D0A40}"/>
-              </a:ext>
-            </a:extLst>
-          </p:cNvPr>
-          <p:cNvCxnSpPr>
-            <a:cxnSpLocks/>
-            <a:stCxn id="20" idx="3"/>
-            <a:endCxn id="23" idx="2"/>
-          </p:cNvCxnSpPr>
-          <p:nvPr/>
-        </p:nvCxnSpPr>
-        <p:spPr>
-          <a:xfrm flipV="1">
-            <a:off x="3765640" y="2440074"/>
-            <a:ext cx="2248631" cy="686159"/>
-          </a:xfrm>
-          <a:prstGeom prst="bentConnector2">
-            <a:avLst/>
-          </a:prstGeom>
-          <a:ln w="19050">
-            <a:headEnd type="arrow" w="med" len="med"/>
-            <a:tailEnd type="none" w="med" len="med"/>
-          </a:ln>
-        </p:spPr>
-        <p:style>
-          <a:lnRef idx="1">
-            <a:schemeClr val="accent1"/>
-          </a:lnRef>
-          <a:fillRef idx="0">
-            <a:schemeClr val="accent1"/>
-          </a:fillRef>
-          <a:effectRef idx="0">
-            <a:schemeClr val="accent1"/>
-          </a:effectRef>
-          <a:fontRef idx="minor">
-            <a:schemeClr val="tx1"/>
-          </a:fontRef>
-        </p:style>
-      </p:cxnSp>
-      <p:sp>
-        <p:nvSpPr>
-          <p:cNvPr id="55" name="Rectangle 54">
-            <a:extLst>
-              <a:ext uri="{FF2B5EF4-FFF2-40B4-BE49-F238E27FC236}">
-                <a16:creationId xmlns:a16="http://schemas.microsoft.com/office/drawing/2014/main" id="{ACFDA57C-265C-42FA-A9E4-2199D19BA3D5}"/>
-              </a:ext>
-            </a:extLst>
-          </p:cNvPr>
-          <p:cNvSpPr/>
-          <p:nvPr/>
-        </p:nvSpPr>
-        <p:spPr>
-          <a:xfrm>
-            <a:off x="4140770" y="2470015"/>
-            <a:ext cx="1355834" cy="246221"/>
-          </a:xfrm>
-          <a:prstGeom prst="rect">
-            <a:avLst/>
-          </a:prstGeom>
-        </p:spPr>
-        <p:txBody>
-          <a:bodyPr wrap="square">
-            <a:spAutoFit/>
-          </a:bodyPr>
-          <a:lstStyle/>
-          <a:p>
-            <a:r>
-              <a:rPr lang="en-US" sz="1000" noProof="1">
-                <a:solidFill>
-                  <a:srgbClr val="0070C0"/>
-                </a:solidFill>
-              </a:rPr>
-              <a:t>regulatoryAuthority</a:t>
-            </a:r>
-          </a:p>
-        </p:txBody>
-      </p:sp>
-      <p:sp>
-        <p:nvSpPr>
-          <p:cNvPr id="56" name="Rectangle 55">
-            <a:extLst>
-              <a:ext uri="{FF2B5EF4-FFF2-40B4-BE49-F238E27FC236}">
-                <a16:creationId xmlns:a16="http://schemas.microsoft.com/office/drawing/2014/main" id="{BE83DCFB-C4BB-48F9-98BF-C7C5D89CBBCF}"/>
-              </a:ext>
-            </a:extLst>
-          </p:cNvPr>
-          <p:cNvSpPr/>
-          <p:nvPr/>
-        </p:nvSpPr>
-        <p:spPr>
-          <a:xfrm>
-            <a:off x="4140770" y="2706281"/>
-            <a:ext cx="579044" cy="246221"/>
-          </a:xfrm>
-          <a:prstGeom prst="rect">
-            <a:avLst/>
-          </a:prstGeom>
-        </p:spPr>
-        <p:txBody>
-          <a:bodyPr wrap="square">
-            <a:spAutoFit/>
-          </a:bodyPr>
-          <a:lstStyle/>
-          <a:p>
-            <a:r>
-              <a:rPr lang="en-US" sz="1000" noProof="1">
-                <a:solidFill>
-                  <a:srgbClr val="0070C0"/>
-                </a:solidFill>
-              </a:rPr>
-              <a:t>author</a:t>
-            </a:r>
-          </a:p>
-        </p:txBody>
-      </p:sp>
-      <p:sp>
-        <p:nvSpPr>
-          <p:cNvPr id="57" name="Rectangle 56">
-            <a:extLst>
-              <a:ext uri="{FF2B5EF4-FFF2-40B4-BE49-F238E27FC236}">
-                <a16:creationId xmlns:a16="http://schemas.microsoft.com/office/drawing/2014/main" id="{41E2227B-071A-4C20-A41E-253016E66462}"/>
-              </a:ext>
-            </a:extLst>
-          </p:cNvPr>
-          <p:cNvSpPr/>
-          <p:nvPr/>
-        </p:nvSpPr>
-        <p:spPr>
-          <a:xfrm>
-            <a:off x="4140770" y="2933905"/>
-            <a:ext cx="838698" cy="246221"/>
-          </a:xfrm>
-          <a:prstGeom prst="rect">
-            <a:avLst/>
-          </a:prstGeom>
-        </p:spPr>
-        <p:txBody>
-          <a:bodyPr wrap="square">
-            <a:spAutoFit/>
-          </a:bodyPr>
-          <a:lstStyle/>
-          <a:p>
-            <a:r>
-              <a:rPr lang="en-US" sz="1000" noProof="1">
-                <a:solidFill>
-                  <a:srgbClr val="0070C0"/>
-                </a:solidFill>
-              </a:rPr>
-              <a:t>sponsor</a:t>
-            </a:r>
-          </a:p>
-        </p:txBody>
-      </p:sp>
-      <p:sp>
-        <p:nvSpPr>
-          <p:cNvPr id="58" name="ZoneTexte 57">
-            <a:extLst>
-              <a:ext uri="{FF2B5EF4-FFF2-40B4-BE49-F238E27FC236}">
-                <a16:creationId xmlns:a16="http://schemas.microsoft.com/office/drawing/2014/main" id="{A9C670D0-E269-4AEF-8840-44E2101F7B63}"/>
-              </a:ext>
-            </a:extLst>
-          </p:cNvPr>
-          <p:cNvSpPr txBox="1"/>
-          <p:nvPr/>
-        </p:nvSpPr>
-        <p:spPr>
-          <a:xfrm>
-            <a:off x="3777353" y="2501002"/>
-            <a:ext cx="405123" cy="246221"/>
-          </a:xfrm>
-          <a:prstGeom prst="rect">
-            <a:avLst/>
-          </a:prstGeom>
-          <a:noFill/>
-        </p:spPr>
-        <p:txBody>
-          <a:bodyPr wrap="square" rtlCol="0">
-            <a:spAutoFit/>
-          </a:bodyPr>
-          <a:lstStyle/>
-          <a:p>
-            <a:r>
-              <a:rPr lang="en-US" sz="1000" noProof="1"/>
-              <a:t>0..1</a:t>
-            </a:r>
-          </a:p>
-        </p:txBody>
-      </p:sp>
-      <p:sp>
-        <p:nvSpPr>
-          <p:cNvPr id="59" name="ZoneTexte 58">
-            <a:extLst>
-              <a:ext uri="{FF2B5EF4-FFF2-40B4-BE49-F238E27FC236}">
-                <a16:creationId xmlns:a16="http://schemas.microsoft.com/office/drawing/2014/main" id="{7F891DED-D9D3-48EB-A5A1-F1E15E837EBD}"/>
-              </a:ext>
-            </a:extLst>
-          </p:cNvPr>
-          <p:cNvSpPr txBox="1"/>
-          <p:nvPr/>
-        </p:nvSpPr>
-        <p:spPr>
-          <a:xfrm>
-            <a:off x="3770968" y="2712588"/>
-            <a:ext cx="388393" cy="246221"/>
-          </a:xfrm>
-          <a:prstGeom prst="rect">
-            <a:avLst/>
-          </a:prstGeom>
-          <a:noFill/>
-        </p:spPr>
-        <p:txBody>
-          <a:bodyPr wrap="square" rtlCol="0">
-            <a:spAutoFit/>
-          </a:bodyPr>
-          <a:lstStyle/>
-          <a:p>
-            <a:r>
-              <a:rPr lang="en-US" sz="1000" noProof="1"/>
-              <a:t>0..1</a:t>
-            </a:r>
-          </a:p>
-        </p:txBody>
-      </p:sp>
-      <p:cxnSp>
-        <p:nvCxnSpPr>
-          <p:cNvPr id="60" name="Connecteur : en angle 59">
-            <a:extLst>
-              <a:ext uri="{FF2B5EF4-FFF2-40B4-BE49-F238E27FC236}">
-                <a16:creationId xmlns:a16="http://schemas.microsoft.com/office/drawing/2014/main" id="{FBE094D9-3713-4C27-8090-732FE2EADDA4}"/>
-              </a:ext>
-            </a:extLst>
-          </p:cNvPr>
-          <p:cNvCxnSpPr>
-            <a:cxnSpLocks/>
-            <a:stCxn id="5" idx="1"/>
-            <a:endCxn id="61" idx="3"/>
-          </p:cNvCxnSpPr>
-          <p:nvPr/>
-        </p:nvCxnSpPr>
-        <p:spPr>
-          <a:xfrm rot="10800000" flipV="1">
-            <a:off x="4060690" y="1879957"/>
-            <a:ext cx="1483311" cy="766"/>
-          </a:xfrm>
-          <a:prstGeom prst="bentConnector3">
-            <a:avLst>
-              <a:gd name="adj1" fmla="val 50000"/>
-            </a:avLst>
-          </a:prstGeom>
-          <a:ln w="19050">
-            <a:headEnd type="none" w="med" len="med"/>
-            <a:tailEnd type="arrow" w="med" len="med"/>
-          </a:ln>
-        </p:spPr>
-        <p:style>
-          <a:lnRef idx="1">
-            <a:schemeClr val="accent1"/>
-          </a:lnRef>
-          <a:fillRef idx="0">
-            <a:schemeClr val="accent1"/>
-          </a:fillRef>
-          <a:effectRef idx="0">
-            <a:schemeClr val="accent1"/>
-          </a:effectRef>
-          <a:fontRef idx="minor">
-            <a:schemeClr val="tx1"/>
-          </a:fontRef>
-        </p:style>
-      </p:cxnSp>
-      <p:sp>
-        <p:nvSpPr>
-          <p:cNvPr id="61" name="Rectangle 60">
-            <a:extLst>
-              <a:ext uri="{FF2B5EF4-FFF2-40B4-BE49-F238E27FC236}">
-                <a16:creationId xmlns:a16="http://schemas.microsoft.com/office/drawing/2014/main" id="{F2401197-03BE-492E-A6BF-FB1134FEEA5F}"/>
-              </a:ext>
-            </a:extLst>
-          </p:cNvPr>
-          <p:cNvSpPr/>
-          <p:nvPr/>
-        </p:nvSpPr>
-        <p:spPr>
-          <a:xfrm>
-            <a:off x="2442666" y="1593809"/>
-            <a:ext cx="1618023" cy="573827"/>
+            <a:off x="6085889" y="3554607"/>
+            <a:ext cx="1666398" cy="601464"/>
           </a:xfrm>
           <a:prstGeom prst="rect">
             <a:avLst/>
@@ -5685,17 +5264,120 @@
                   <a:srgbClr val="FFFF00"/>
                 </a:solidFill>
               </a:rPr>
-              <a:t>DrugMonoGraph profile of DocumentReference</a:t>
-            </a:r>
-          </a:p>
-        </p:txBody>
-      </p:sp>
-      <p:sp>
-        <p:nvSpPr>
-          <p:cNvPr id="62" name="ZoneTexte 61">
-            <a:extLst>
-              <a:ext uri="{FF2B5EF4-FFF2-40B4-BE49-F238E27FC236}">
-                <a16:creationId xmlns:a16="http://schemas.microsoft.com/office/drawing/2014/main" id="{F5B29CAA-89C2-41FC-B10D-EB05ACAE9092}"/>
+              <a:t>WarningDefinition </a:t>
+            </a:r>
+          </a:p>
+          <a:p>
+            <a:pPr algn="ctr"/>
+            <a:r>
+              <a:rPr lang="en-US" sz="1200" noProof="1">
+                <a:solidFill>
+                  <a:srgbClr val="FFFF00"/>
+                </a:solidFill>
+              </a:rPr>
+              <a:t>profile of ClinicalUseDefinition</a:t>
+            </a:r>
+          </a:p>
+        </p:txBody>
+      </p:sp>
+      <p:cxnSp>
+        <p:nvCxnSpPr>
+          <p:cNvPr id="65" name="Connecteur : en angle 64">
+            <a:extLst>
+              <a:ext uri="{FF2B5EF4-FFF2-40B4-BE49-F238E27FC236}">
+                <a16:creationId xmlns:a16="http://schemas.microsoft.com/office/drawing/2014/main" id="{973F3054-ACA1-4C24-BEEC-EF27B0170C3C}"/>
+              </a:ext>
+            </a:extLst>
+          </p:cNvPr>
+          <p:cNvCxnSpPr>
+            <a:cxnSpLocks/>
+            <a:stCxn id="114" idx="2"/>
+            <a:endCxn id="63" idx="0"/>
+          </p:cNvCxnSpPr>
+          <p:nvPr/>
+        </p:nvCxnSpPr>
+        <p:spPr>
+          <a:xfrm rot="5400000">
+            <a:off x="4116455" y="1607717"/>
+            <a:ext cx="1265051" cy="2946229"/>
+          </a:xfrm>
+          <a:prstGeom prst="bentConnector3">
+            <a:avLst>
+              <a:gd name="adj1" fmla="val 76284"/>
+            </a:avLst>
+          </a:prstGeom>
+          <a:ln w="19050">
+            <a:headEnd type="none" w="med" len="med"/>
+            <a:tailEnd type="arrow" w="med" len="med"/>
+          </a:ln>
+        </p:spPr>
+        <p:style>
+          <a:lnRef idx="1">
+            <a:schemeClr val="accent1"/>
+          </a:lnRef>
+          <a:fillRef idx="0">
+            <a:schemeClr val="accent1"/>
+          </a:fillRef>
+          <a:effectRef idx="0">
+            <a:schemeClr val="accent1"/>
+          </a:effectRef>
+          <a:fontRef idx="minor">
+            <a:schemeClr val="tx1"/>
+          </a:fontRef>
+        </p:style>
+      </p:cxnSp>
+      <p:cxnSp>
+        <p:nvCxnSpPr>
+          <p:cNvPr id="66" name="Connecteur : en angle 65">
+            <a:extLst>
+              <a:ext uri="{FF2B5EF4-FFF2-40B4-BE49-F238E27FC236}">
+                <a16:creationId xmlns:a16="http://schemas.microsoft.com/office/drawing/2014/main" id="{37B5F18A-C185-436E-A300-58BAADFC258B}"/>
+              </a:ext>
+            </a:extLst>
+          </p:cNvPr>
+          <p:cNvCxnSpPr>
+            <a:cxnSpLocks/>
+            <a:stCxn id="98" idx="2"/>
+            <a:endCxn id="64" idx="0"/>
+          </p:cNvCxnSpPr>
+          <p:nvPr/>
+        </p:nvCxnSpPr>
+        <p:spPr>
+          <a:xfrm rot="16200000" flipH="1">
+            <a:off x="6360857" y="2996375"/>
+            <a:ext cx="1114607" cy="1856"/>
+          </a:xfrm>
+          <a:prstGeom prst="bentConnector3">
+            <a:avLst>
+              <a:gd name="adj1" fmla="val 50000"/>
+            </a:avLst>
+          </a:prstGeom>
+          <a:ln w="19050">
+            <a:headEnd type="none" w="med" len="med"/>
+            <a:tailEnd type="arrow" w="med" len="med"/>
+          </a:ln>
+        </p:spPr>
+        <p:style>
+          <a:lnRef idx="1">
+            <a:schemeClr val="accent1"/>
+          </a:lnRef>
+          <a:fillRef idx="0">
+            <a:schemeClr val="accent1"/>
+          </a:fillRef>
+          <a:effectRef idx="0">
+            <a:schemeClr val="accent1"/>
+          </a:effectRef>
+          <a:fontRef idx="minor">
+            <a:schemeClr val="tx1"/>
+          </a:fontRef>
+        </p:style>
+      </p:cxnSp>
+      <p:sp>
+        <p:nvSpPr>
+          <p:cNvPr id="67" name="ZoneTexte 66">
+            <a:extLst>
+              <a:ext uri="{FF2B5EF4-FFF2-40B4-BE49-F238E27FC236}">
+                <a16:creationId xmlns:a16="http://schemas.microsoft.com/office/drawing/2014/main" id="{80627F96-B80B-4B96-9023-1C63A88F5877}"/>
               </a:ext>
             </a:extLst>
           </p:cNvPr>
@@ -5704,8 +5386,8 @@
         </p:nvSpPr>
         <p:spPr>
           <a:xfrm>
-            <a:off x="4064566" y="1886710"/>
-            <a:ext cx="405123" cy="246221"/>
+            <a:off x="6576228" y="3264541"/>
+            <a:ext cx="405140" cy="246221"/>
           </a:xfrm>
           <a:prstGeom prst="rect">
             <a:avLst/>
@@ -5727,10 +5409,1102 @@
       </p:sp>
       <p:sp>
         <p:nvSpPr>
-          <p:cNvPr id="63" name="Rectangle 62">
-            <a:extLst>
-              <a:ext uri="{FF2B5EF4-FFF2-40B4-BE49-F238E27FC236}">
-                <a16:creationId xmlns:a16="http://schemas.microsoft.com/office/drawing/2014/main" id="{DA71AA2D-B596-4E27-A8E5-312D41526BFA}"/>
+          <p:cNvPr id="68" name="ZoneTexte 67">
+            <a:extLst>
+              <a:ext uri="{FF2B5EF4-FFF2-40B4-BE49-F238E27FC236}">
+                <a16:creationId xmlns:a16="http://schemas.microsoft.com/office/drawing/2014/main" id="{4E2A38EA-069E-4141-B5C0-922040A304F4}"/>
+              </a:ext>
+            </a:extLst>
+          </p:cNvPr>
+          <p:cNvSpPr txBox="1"/>
+          <p:nvPr/>
+        </p:nvSpPr>
+        <p:spPr>
+          <a:xfrm>
+            <a:off x="2920426" y="3504600"/>
+            <a:ext cx="423703" cy="246221"/>
+          </a:xfrm>
+          <a:prstGeom prst="rect">
+            <a:avLst/>
+          </a:prstGeom>
+          <a:noFill/>
+        </p:spPr>
+        <p:txBody>
+          <a:bodyPr wrap="square" rtlCol="0">
+            <a:spAutoFit/>
+          </a:bodyPr>
+          <a:lstStyle/>
+          <a:p>
+            <a:r>
+              <a:rPr lang="en-US" sz="1000" noProof="1"/>
+              <a:t>0..*</a:t>
+            </a:r>
+          </a:p>
+        </p:txBody>
+      </p:sp>
+      <p:sp>
+        <p:nvSpPr>
+          <p:cNvPr id="69" name="ZoneTexte 68">
+            <a:extLst>
+              <a:ext uri="{FF2B5EF4-FFF2-40B4-BE49-F238E27FC236}">
+                <a16:creationId xmlns:a16="http://schemas.microsoft.com/office/drawing/2014/main" id="{BF5F5744-DE68-44D7-90A3-865A0E763A11}"/>
+              </a:ext>
+            </a:extLst>
+          </p:cNvPr>
+          <p:cNvSpPr txBox="1"/>
+          <p:nvPr/>
+        </p:nvSpPr>
+        <p:spPr>
+          <a:xfrm>
+            <a:off x="4031015" y="3201017"/>
+            <a:ext cx="2115441" cy="246221"/>
+          </a:xfrm>
+          <a:prstGeom prst="rect">
+            <a:avLst/>
+          </a:prstGeom>
+          <a:noFill/>
+        </p:spPr>
+        <p:txBody>
+          <a:bodyPr wrap="square" rtlCol="0">
+            <a:spAutoFit/>
+          </a:bodyPr>
+          <a:lstStyle/>
+          <a:p>
+            <a:r>
+              <a:rPr lang="en-US" sz="1000" noProof="1">
+                <a:solidFill>
+                  <a:srgbClr val="0070C0"/>
+                </a:solidFill>
+              </a:rPr>
+              <a:t>indicationGuideline[*].indication[*]</a:t>
+            </a:r>
+          </a:p>
+        </p:txBody>
+      </p:sp>
+      <p:sp>
+        <p:nvSpPr>
+          <p:cNvPr id="70" name="ZoneTexte 69">
+            <a:extLst>
+              <a:ext uri="{FF2B5EF4-FFF2-40B4-BE49-F238E27FC236}">
+                <a16:creationId xmlns:a16="http://schemas.microsoft.com/office/drawing/2014/main" id="{4A6C9008-0FE6-4740-B809-8E9A196E9ECE}"/>
+              </a:ext>
+            </a:extLst>
+          </p:cNvPr>
+          <p:cNvSpPr txBox="1"/>
+          <p:nvPr/>
+        </p:nvSpPr>
+        <p:spPr>
+          <a:xfrm>
+            <a:off x="6855007" y="2493727"/>
+            <a:ext cx="1534040" cy="246221"/>
+          </a:xfrm>
+          <a:prstGeom prst="rect">
+            <a:avLst/>
+          </a:prstGeom>
+          <a:noFill/>
+        </p:spPr>
+        <p:txBody>
+          <a:bodyPr wrap="square" rtlCol="0">
+            <a:spAutoFit/>
+          </a:bodyPr>
+          <a:lstStyle/>
+          <a:p>
+            <a:r>
+              <a:rPr lang="en-US" sz="1000" noProof="1">
+                <a:solidFill>
+                  <a:srgbClr val="0070C0"/>
+                </a:solidFill>
+              </a:rPr>
+              <a:t>clinicalUseIssue[*]</a:t>
+            </a:r>
+            <a:endParaRPr lang="en-US" sz="1000" noProof="1"/>
+          </a:p>
+        </p:txBody>
+      </p:sp>
+      <p:sp>
+        <p:nvSpPr>
+          <p:cNvPr id="71" name="ZoneTexte 70">
+            <a:extLst>
+              <a:ext uri="{FF2B5EF4-FFF2-40B4-BE49-F238E27FC236}">
+                <a16:creationId xmlns:a16="http://schemas.microsoft.com/office/drawing/2014/main" id="{C00C1C37-6575-463B-B882-B38B4289B347}"/>
+              </a:ext>
+            </a:extLst>
+          </p:cNvPr>
+          <p:cNvSpPr txBox="1"/>
+          <p:nvPr/>
+        </p:nvSpPr>
+        <p:spPr>
+          <a:xfrm>
+            <a:off x="1493071" y="3705685"/>
+            <a:ext cx="924161" cy="646331"/>
+          </a:xfrm>
+          <a:prstGeom prst="rect">
+            <a:avLst/>
+          </a:prstGeom>
+          <a:noFill/>
+        </p:spPr>
+        <p:txBody>
+          <a:bodyPr wrap="square" rtlCol="0">
+            <a:spAutoFit/>
+          </a:bodyPr>
+          <a:lstStyle>
+            <a:defPPr>
+              <a:defRPr lang="fr-FR"/>
+            </a:defPPr>
+            <a:lvl1pPr>
+              <a:defRPr>
+                <a:solidFill>
+                  <a:schemeClr val="accent1">
+                    <a:lumMod val="60000"/>
+                    <a:lumOff val="40000"/>
+                  </a:schemeClr>
+                </a:solidFill>
+              </a:defRPr>
+            </a:lvl1pPr>
+          </a:lstStyle>
+          <a:p>
+            <a:pPr algn="r"/>
+            <a:r>
+              <a:rPr lang="en-US" sz="1200" i="1" noProof="1">
+                <a:solidFill>
+                  <a:schemeClr val="tx1"/>
+                </a:solidFill>
+              </a:rPr>
+              <a:t>An indication of use</a:t>
+            </a:r>
+          </a:p>
+        </p:txBody>
+      </p:sp>
+      <p:sp>
+        <p:nvSpPr>
+          <p:cNvPr id="72" name="ZoneTexte 71">
+            <a:extLst>
+              <a:ext uri="{FF2B5EF4-FFF2-40B4-BE49-F238E27FC236}">
+                <a16:creationId xmlns:a16="http://schemas.microsoft.com/office/drawing/2014/main" id="{1D9F5BD1-28BB-4E2E-89DE-62E26274748B}"/>
+              </a:ext>
+            </a:extLst>
+          </p:cNvPr>
+          <p:cNvSpPr txBox="1"/>
+          <p:nvPr/>
+        </p:nvSpPr>
+        <p:spPr>
+          <a:xfrm>
+            <a:off x="8076775" y="3850172"/>
+            <a:ext cx="1207403" cy="461665"/>
+          </a:xfrm>
+          <a:prstGeom prst="rect">
+            <a:avLst/>
+          </a:prstGeom>
+          <a:noFill/>
+        </p:spPr>
+        <p:txBody>
+          <a:bodyPr wrap="square" rtlCol="0">
+            <a:spAutoFit/>
+          </a:bodyPr>
+          <a:lstStyle>
+            <a:defPPr>
+              <a:defRPr lang="fr-FR"/>
+            </a:defPPr>
+            <a:lvl1pPr>
+              <a:defRPr>
+                <a:solidFill>
+                  <a:schemeClr val="accent1">
+                    <a:lumMod val="60000"/>
+                    <a:lumOff val="40000"/>
+                  </a:schemeClr>
+                </a:solidFill>
+              </a:defRPr>
+            </a:lvl1pPr>
+          </a:lstStyle>
+          <a:p>
+            <a:r>
+              <a:rPr lang="en-US" sz="1200" i="1" noProof="1">
+                <a:solidFill>
+                  <a:schemeClr val="tx1"/>
+                </a:solidFill>
+              </a:rPr>
+              <a:t>A </a:t>
+            </a:r>
+          </a:p>
+          <a:p>
+            <a:r>
+              <a:rPr lang="en-US" sz="1200" i="1" noProof="1">
+                <a:solidFill>
+                  <a:schemeClr val="tx1"/>
+                </a:solidFill>
+              </a:rPr>
+              <a:t>contraindication</a:t>
+            </a:r>
+          </a:p>
+        </p:txBody>
+      </p:sp>
+      <p:cxnSp>
+        <p:nvCxnSpPr>
+          <p:cNvPr id="73" name="Connecteur droit avec flèche 72">
+            <a:extLst>
+              <a:ext uri="{FF2B5EF4-FFF2-40B4-BE49-F238E27FC236}">
+                <a16:creationId xmlns:a16="http://schemas.microsoft.com/office/drawing/2014/main" id="{2AEBE686-129F-4170-95B4-272DD5B65443}"/>
+              </a:ext>
+            </a:extLst>
+          </p:cNvPr>
+          <p:cNvCxnSpPr>
+            <a:stCxn id="7" idx="2"/>
+            <a:endCxn id="11" idx="0"/>
+          </p:cNvCxnSpPr>
+          <p:nvPr/>
+        </p:nvCxnSpPr>
+        <p:spPr>
+          <a:xfrm flipH="1">
+            <a:off x="2575414" y="4341142"/>
+            <a:ext cx="7174" cy="709190"/>
+          </a:xfrm>
+          <a:prstGeom prst="straightConnector1">
+            <a:avLst/>
+          </a:prstGeom>
+          <a:ln w="19050">
+            <a:headEnd type="none" w="med" len="med"/>
+            <a:tailEnd type="arrow" w="med" len="med"/>
+          </a:ln>
+        </p:spPr>
+        <p:style>
+          <a:lnRef idx="1">
+            <a:schemeClr val="accent1"/>
+          </a:lnRef>
+          <a:fillRef idx="0">
+            <a:schemeClr val="accent1"/>
+          </a:fillRef>
+          <a:effectRef idx="0">
+            <a:schemeClr val="accent1"/>
+          </a:effectRef>
+          <a:fontRef idx="minor">
+            <a:schemeClr val="tx1"/>
+          </a:fontRef>
+        </p:style>
+      </p:cxnSp>
+      <p:cxnSp>
+        <p:nvCxnSpPr>
+          <p:cNvPr id="74" name="Connecteur droit avec flèche 73">
+            <a:extLst>
+              <a:ext uri="{FF2B5EF4-FFF2-40B4-BE49-F238E27FC236}">
+                <a16:creationId xmlns:a16="http://schemas.microsoft.com/office/drawing/2014/main" id="{C2D76D2D-488F-490C-8EBA-8BF24A3B0E91}"/>
+              </a:ext>
+            </a:extLst>
+          </p:cNvPr>
+          <p:cNvCxnSpPr>
+            <a:cxnSpLocks/>
+            <a:stCxn id="6" idx="2"/>
+            <a:endCxn id="10" idx="0"/>
+          </p:cNvCxnSpPr>
+          <p:nvPr/>
+        </p:nvCxnSpPr>
+        <p:spPr>
+          <a:xfrm flipH="1">
+            <a:off x="3054108" y="4341142"/>
+            <a:ext cx="3" cy="715128"/>
+          </a:xfrm>
+          <a:prstGeom prst="straightConnector1">
+            <a:avLst/>
+          </a:prstGeom>
+          <a:ln w="19050">
+            <a:headEnd type="none" w="med" len="med"/>
+            <a:tailEnd type="arrow" w="med" len="med"/>
+          </a:ln>
+        </p:spPr>
+        <p:style>
+          <a:lnRef idx="1">
+            <a:schemeClr val="accent1"/>
+          </a:lnRef>
+          <a:fillRef idx="0">
+            <a:schemeClr val="accent1"/>
+          </a:fillRef>
+          <a:effectRef idx="0">
+            <a:schemeClr val="accent1"/>
+          </a:effectRef>
+          <a:fontRef idx="minor">
+            <a:schemeClr val="tx1"/>
+          </a:fontRef>
+        </p:style>
+      </p:cxnSp>
+      <p:cxnSp>
+        <p:nvCxnSpPr>
+          <p:cNvPr id="75" name="Connecteur droit avec flèche 74">
+            <a:extLst>
+              <a:ext uri="{FF2B5EF4-FFF2-40B4-BE49-F238E27FC236}">
+                <a16:creationId xmlns:a16="http://schemas.microsoft.com/office/drawing/2014/main" id="{796DC2E4-E267-4989-98F6-535EF7AEF41E}"/>
+              </a:ext>
+            </a:extLst>
+          </p:cNvPr>
+          <p:cNvCxnSpPr>
+            <a:cxnSpLocks/>
+            <a:stCxn id="9" idx="2"/>
+            <a:endCxn id="13" idx="0"/>
+          </p:cNvCxnSpPr>
+          <p:nvPr/>
+        </p:nvCxnSpPr>
+        <p:spPr>
+          <a:xfrm>
+            <a:off x="3603059" y="4341142"/>
+            <a:ext cx="0" cy="709190"/>
+          </a:xfrm>
+          <a:prstGeom prst="straightConnector1">
+            <a:avLst/>
+          </a:prstGeom>
+          <a:ln w="19050">
+            <a:headEnd type="none" w="med" len="med"/>
+            <a:tailEnd type="arrow" w="med" len="med"/>
+          </a:ln>
+        </p:spPr>
+        <p:style>
+          <a:lnRef idx="1">
+            <a:schemeClr val="accent1"/>
+          </a:lnRef>
+          <a:fillRef idx="0">
+            <a:schemeClr val="accent1"/>
+          </a:fillRef>
+          <a:effectRef idx="0">
+            <a:schemeClr val="accent1"/>
+          </a:effectRef>
+          <a:fontRef idx="minor">
+            <a:schemeClr val="tx1"/>
+          </a:fontRef>
+        </p:style>
+      </p:cxnSp>
+      <p:cxnSp>
+        <p:nvCxnSpPr>
+          <p:cNvPr id="76" name="Connecteur droit avec flèche 75">
+            <a:extLst>
+              <a:ext uri="{FF2B5EF4-FFF2-40B4-BE49-F238E27FC236}">
+                <a16:creationId xmlns:a16="http://schemas.microsoft.com/office/drawing/2014/main" id="{D46E1C0A-D4B7-4889-B9C5-475B4F1C8685}"/>
+              </a:ext>
+            </a:extLst>
+          </p:cNvPr>
+          <p:cNvCxnSpPr>
+            <a:cxnSpLocks/>
+            <a:stCxn id="8" idx="2"/>
+            <a:endCxn id="12" idx="0"/>
+          </p:cNvCxnSpPr>
+          <p:nvPr/>
+        </p:nvCxnSpPr>
+        <p:spPr>
+          <a:xfrm>
+            <a:off x="4019158" y="4341142"/>
+            <a:ext cx="11857" cy="703251"/>
+          </a:xfrm>
+          <a:prstGeom prst="straightConnector1">
+            <a:avLst/>
+          </a:prstGeom>
+          <a:ln w="19050">
+            <a:headEnd type="none" w="med" len="med"/>
+            <a:tailEnd type="arrow" w="med" len="med"/>
+          </a:ln>
+        </p:spPr>
+        <p:style>
+          <a:lnRef idx="1">
+            <a:schemeClr val="accent1"/>
+          </a:lnRef>
+          <a:fillRef idx="0">
+            <a:schemeClr val="accent1"/>
+          </a:fillRef>
+          <a:effectRef idx="0">
+            <a:schemeClr val="accent1"/>
+          </a:effectRef>
+          <a:fontRef idx="minor">
+            <a:schemeClr val="tx1"/>
+          </a:fontRef>
+        </p:style>
+      </p:cxnSp>
+      <p:cxnSp>
+        <p:nvCxnSpPr>
+          <p:cNvPr id="77" name="Connecteur : en angle 76">
+            <a:extLst>
+              <a:ext uri="{FF2B5EF4-FFF2-40B4-BE49-F238E27FC236}">
+                <a16:creationId xmlns:a16="http://schemas.microsoft.com/office/drawing/2014/main" id="{C7288BD5-7DB5-49CB-B431-7AAD55D22535}"/>
+              </a:ext>
+            </a:extLst>
+          </p:cNvPr>
+          <p:cNvCxnSpPr>
+            <a:cxnSpLocks/>
+            <a:stCxn id="17" idx="2"/>
+            <a:endCxn id="14" idx="3"/>
+          </p:cNvCxnSpPr>
+          <p:nvPr/>
+        </p:nvCxnSpPr>
+        <p:spPr>
+          <a:xfrm rot="5400000">
+            <a:off x="5687359" y="3358439"/>
+            <a:ext cx="207306" cy="3393670"/>
+          </a:xfrm>
+          <a:prstGeom prst="bentConnector2">
+            <a:avLst/>
+          </a:prstGeom>
+          <a:ln w="19050">
+            <a:headEnd type="none" w="med" len="med"/>
+            <a:tailEnd type="arrow" w="med" len="med"/>
+          </a:ln>
+        </p:spPr>
+        <p:style>
+          <a:lnRef idx="1">
+            <a:schemeClr val="accent1"/>
+          </a:lnRef>
+          <a:fillRef idx="0">
+            <a:schemeClr val="accent1"/>
+          </a:fillRef>
+          <a:effectRef idx="0">
+            <a:schemeClr val="accent1"/>
+          </a:effectRef>
+          <a:fontRef idx="minor">
+            <a:schemeClr val="tx1"/>
+          </a:fontRef>
+        </p:style>
+      </p:cxnSp>
+      <p:cxnSp>
+        <p:nvCxnSpPr>
+          <p:cNvPr id="78" name="Connecteur : en angle 77">
+            <a:extLst>
+              <a:ext uri="{FF2B5EF4-FFF2-40B4-BE49-F238E27FC236}">
+                <a16:creationId xmlns:a16="http://schemas.microsoft.com/office/drawing/2014/main" id="{CA987016-76DC-4BA0-839D-530486E448B8}"/>
+              </a:ext>
+            </a:extLst>
+          </p:cNvPr>
+          <p:cNvCxnSpPr>
+            <a:cxnSpLocks/>
+            <a:stCxn id="118" idx="2"/>
+            <a:endCxn id="113" idx="3"/>
+          </p:cNvCxnSpPr>
+          <p:nvPr/>
+        </p:nvCxnSpPr>
+        <p:spPr>
+          <a:xfrm rot="5400000">
+            <a:off x="5706809" y="3352490"/>
+            <a:ext cx="483831" cy="3692009"/>
+          </a:xfrm>
+          <a:prstGeom prst="bentConnector2">
+            <a:avLst/>
+          </a:prstGeom>
+          <a:ln w="19050">
+            <a:headEnd type="none" w="med" len="med"/>
+            <a:tailEnd type="arrow" w="med" len="med"/>
+          </a:ln>
+        </p:spPr>
+        <p:style>
+          <a:lnRef idx="1">
+            <a:schemeClr val="accent1"/>
+          </a:lnRef>
+          <a:fillRef idx="0">
+            <a:schemeClr val="accent1"/>
+          </a:fillRef>
+          <a:effectRef idx="0">
+            <a:schemeClr val="accent1"/>
+          </a:effectRef>
+          <a:fontRef idx="minor">
+            <a:schemeClr val="tx1"/>
+          </a:fontRef>
+        </p:style>
+      </p:cxnSp>
+      <p:cxnSp>
+        <p:nvCxnSpPr>
+          <p:cNvPr id="79" name="Connecteur : en angle 78">
+            <a:extLst>
+              <a:ext uri="{FF2B5EF4-FFF2-40B4-BE49-F238E27FC236}">
+                <a16:creationId xmlns:a16="http://schemas.microsoft.com/office/drawing/2014/main" id="{58FF35A5-0DA6-4762-BAD8-24682DB8649E}"/>
+              </a:ext>
+            </a:extLst>
+          </p:cNvPr>
+          <p:cNvCxnSpPr>
+            <a:cxnSpLocks/>
+            <a:stCxn id="16" idx="2"/>
+            <a:endCxn id="15" idx="3"/>
+          </p:cNvCxnSpPr>
+          <p:nvPr/>
+        </p:nvCxnSpPr>
+        <p:spPr>
+          <a:xfrm rot="5400000">
+            <a:off x="5724862" y="3320991"/>
+            <a:ext cx="770423" cy="4031683"/>
+          </a:xfrm>
+          <a:prstGeom prst="bentConnector2">
+            <a:avLst/>
+          </a:prstGeom>
+          <a:ln w="19050">
+            <a:headEnd type="none" w="med" len="med"/>
+            <a:tailEnd type="arrow" w="med" len="med"/>
+          </a:ln>
+        </p:spPr>
+        <p:style>
+          <a:lnRef idx="1">
+            <a:schemeClr val="accent1"/>
+          </a:lnRef>
+          <a:fillRef idx="0">
+            <a:schemeClr val="accent1"/>
+          </a:fillRef>
+          <a:effectRef idx="0">
+            <a:schemeClr val="accent1"/>
+          </a:effectRef>
+          <a:fontRef idx="minor">
+            <a:schemeClr val="tx1"/>
+          </a:fontRef>
+        </p:style>
+      </p:cxnSp>
+      <p:sp>
+        <p:nvSpPr>
+          <p:cNvPr id="80" name="ZoneTexte 79">
+            <a:extLst>
+              <a:ext uri="{FF2B5EF4-FFF2-40B4-BE49-F238E27FC236}">
+                <a16:creationId xmlns:a16="http://schemas.microsoft.com/office/drawing/2014/main" id="{FFB8B304-59EB-4391-9C35-30D414F3DF76}"/>
+              </a:ext>
+            </a:extLst>
+          </p:cNvPr>
+          <p:cNvSpPr txBox="1"/>
+          <p:nvPr/>
+        </p:nvSpPr>
+        <p:spPr>
+          <a:xfrm>
+            <a:off x="4962089" y="5519823"/>
+            <a:ext cx="2743409" cy="246221"/>
+          </a:xfrm>
+          <a:prstGeom prst="rect">
+            <a:avLst/>
+          </a:prstGeom>
+          <a:noFill/>
+        </p:spPr>
+        <p:txBody>
+          <a:bodyPr wrap="square" rtlCol="0">
+            <a:spAutoFit/>
+          </a:bodyPr>
+          <a:lstStyle/>
+          <a:p>
+            <a:r>
+              <a:rPr lang="en-US" sz="1000" noProof="1">
+                <a:solidFill>
+                  <a:srgbClr val="0070C0"/>
+                </a:solidFill>
+              </a:rPr>
+              <a:t>contraindication.diseaseSymptomProcedure</a:t>
+            </a:r>
+          </a:p>
+        </p:txBody>
+      </p:sp>
+      <p:sp>
+        <p:nvSpPr>
+          <p:cNvPr id="81" name="ZoneTexte 80">
+            <a:extLst>
+              <a:ext uri="{FF2B5EF4-FFF2-40B4-BE49-F238E27FC236}">
+                <a16:creationId xmlns:a16="http://schemas.microsoft.com/office/drawing/2014/main" id="{7B5658C6-F9D9-4C64-A7C4-C1A089CA94D1}"/>
+              </a:ext>
+            </a:extLst>
+          </p:cNvPr>
+          <p:cNvSpPr txBox="1"/>
+          <p:nvPr/>
+        </p:nvSpPr>
+        <p:spPr>
+          <a:xfrm>
+            <a:off x="4133614" y="5543820"/>
+            <a:ext cx="405123" cy="246221"/>
+          </a:xfrm>
+          <a:prstGeom prst="rect">
+            <a:avLst/>
+          </a:prstGeom>
+          <a:noFill/>
+        </p:spPr>
+        <p:txBody>
+          <a:bodyPr wrap="square" rtlCol="0">
+            <a:spAutoFit/>
+          </a:bodyPr>
+          <a:lstStyle/>
+          <a:p>
+            <a:r>
+              <a:rPr lang="en-US" sz="1000" noProof="1"/>
+              <a:t>0..1</a:t>
+            </a:r>
+          </a:p>
+        </p:txBody>
+      </p:sp>
+      <p:sp>
+        <p:nvSpPr>
+          <p:cNvPr id="82" name="ZoneTexte 81">
+            <a:extLst>
+              <a:ext uri="{FF2B5EF4-FFF2-40B4-BE49-F238E27FC236}">
+                <a16:creationId xmlns:a16="http://schemas.microsoft.com/office/drawing/2014/main" id="{CA707687-3043-4619-902C-120AB73718CC}"/>
+              </a:ext>
+            </a:extLst>
+          </p:cNvPr>
+          <p:cNvSpPr txBox="1"/>
+          <p:nvPr/>
+        </p:nvSpPr>
+        <p:spPr>
+          <a:xfrm>
+            <a:off x="4962089" y="5228203"/>
+            <a:ext cx="1956680" cy="246221"/>
+          </a:xfrm>
+          <a:prstGeom prst="rect">
+            <a:avLst/>
+          </a:prstGeom>
+          <a:noFill/>
+        </p:spPr>
+        <p:txBody>
+          <a:bodyPr wrap="square" rtlCol="0">
+            <a:spAutoFit/>
+          </a:bodyPr>
+          <a:lstStyle/>
+          <a:p>
+            <a:r>
+              <a:rPr lang="en-US" sz="1000" noProof="1">
+                <a:solidFill>
+                  <a:srgbClr val="0070C0"/>
+                </a:solidFill>
+              </a:rPr>
+              <a:t>contraindication.diseaseStatus</a:t>
+            </a:r>
+          </a:p>
+        </p:txBody>
+      </p:sp>
+      <p:sp>
+        <p:nvSpPr>
+          <p:cNvPr id="83" name="ZoneTexte 82">
+            <a:extLst>
+              <a:ext uri="{FF2B5EF4-FFF2-40B4-BE49-F238E27FC236}">
+                <a16:creationId xmlns:a16="http://schemas.microsoft.com/office/drawing/2014/main" id="{077A9DF6-32C9-438D-868F-E326C8415727}"/>
+              </a:ext>
+            </a:extLst>
+          </p:cNvPr>
+          <p:cNvSpPr txBox="1"/>
+          <p:nvPr/>
+        </p:nvSpPr>
+        <p:spPr>
+          <a:xfrm>
+            <a:off x="4132085" y="5248301"/>
+            <a:ext cx="405123" cy="246221"/>
+          </a:xfrm>
+          <a:prstGeom prst="rect">
+            <a:avLst/>
+          </a:prstGeom>
+          <a:noFill/>
+        </p:spPr>
+        <p:txBody>
+          <a:bodyPr wrap="square" rtlCol="0">
+            <a:spAutoFit/>
+          </a:bodyPr>
+          <a:lstStyle/>
+          <a:p>
+            <a:r>
+              <a:rPr lang="en-US" sz="1000" noProof="1"/>
+              <a:t>0..1</a:t>
+            </a:r>
+          </a:p>
+        </p:txBody>
+      </p:sp>
+      <p:sp>
+        <p:nvSpPr>
+          <p:cNvPr id="84" name="ZoneTexte 83">
+            <a:extLst>
+              <a:ext uri="{FF2B5EF4-FFF2-40B4-BE49-F238E27FC236}">
+                <a16:creationId xmlns:a16="http://schemas.microsoft.com/office/drawing/2014/main" id="{E3C514AD-DA74-4FD2-87A0-D9B0CD96718A}"/>
+              </a:ext>
+            </a:extLst>
+          </p:cNvPr>
+          <p:cNvSpPr txBox="1"/>
+          <p:nvPr/>
+        </p:nvSpPr>
+        <p:spPr>
+          <a:xfrm>
+            <a:off x="4962089" y="4951586"/>
+            <a:ext cx="1942201" cy="246221"/>
+          </a:xfrm>
+          <a:prstGeom prst="rect">
+            <a:avLst/>
+          </a:prstGeom>
+          <a:noFill/>
+        </p:spPr>
+        <p:txBody>
+          <a:bodyPr wrap="square" rtlCol="0">
+            <a:spAutoFit/>
+          </a:bodyPr>
+          <a:lstStyle/>
+          <a:p>
+            <a:r>
+              <a:rPr lang="en-US" sz="1000" noProof="1">
+                <a:solidFill>
+                  <a:srgbClr val="0070C0"/>
+                </a:solidFill>
+              </a:rPr>
+              <a:t>contraindication.comorbidity</a:t>
+            </a:r>
+          </a:p>
+        </p:txBody>
+      </p:sp>
+      <p:sp>
+        <p:nvSpPr>
+          <p:cNvPr id="85" name="ZoneTexte 84">
+            <a:extLst>
+              <a:ext uri="{FF2B5EF4-FFF2-40B4-BE49-F238E27FC236}">
+                <a16:creationId xmlns:a16="http://schemas.microsoft.com/office/drawing/2014/main" id="{9280CE32-85E4-468B-BFEC-8E57DC250F98}"/>
+              </a:ext>
+            </a:extLst>
+          </p:cNvPr>
+          <p:cNvSpPr txBox="1"/>
+          <p:nvPr/>
+        </p:nvSpPr>
+        <p:spPr>
+          <a:xfrm>
+            <a:off x="2217919" y="4789804"/>
+            <a:ext cx="386253" cy="246221"/>
+          </a:xfrm>
+          <a:prstGeom prst="rect">
+            <a:avLst/>
+          </a:prstGeom>
+          <a:noFill/>
+        </p:spPr>
+        <p:txBody>
+          <a:bodyPr wrap="square" rtlCol="0">
+            <a:spAutoFit/>
+          </a:bodyPr>
+          <a:lstStyle/>
+          <a:p>
+            <a:r>
+              <a:rPr lang="en-US" sz="1000" noProof="1"/>
+              <a:t>0..1</a:t>
+            </a:r>
+          </a:p>
+        </p:txBody>
+      </p:sp>
+      <p:sp>
+        <p:nvSpPr>
+          <p:cNvPr id="86" name="ZoneTexte 85">
+            <a:extLst>
+              <a:ext uri="{FF2B5EF4-FFF2-40B4-BE49-F238E27FC236}">
+                <a16:creationId xmlns:a16="http://schemas.microsoft.com/office/drawing/2014/main" id="{2034A71C-9984-4104-8F48-99C4F0353CB7}"/>
+              </a:ext>
+            </a:extLst>
+          </p:cNvPr>
+          <p:cNvSpPr txBox="1"/>
+          <p:nvPr/>
+        </p:nvSpPr>
+        <p:spPr>
+          <a:xfrm>
+            <a:off x="3208419" y="4345976"/>
+            <a:ext cx="876617" cy="400110"/>
+          </a:xfrm>
+          <a:prstGeom prst="rect">
+            <a:avLst/>
+          </a:prstGeom>
+          <a:noFill/>
+        </p:spPr>
+        <p:txBody>
+          <a:bodyPr wrap="square" rtlCol="0">
+            <a:spAutoFit/>
+          </a:bodyPr>
+          <a:lstStyle/>
+          <a:p>
+            <a:pPr algn="ctr"/>
+            <a:r>
+              <a:rPr lang="en-US" sz="1000" noProof="1">
+                <a:solidFill>
+                  <a:srgbClr val="0070C0"/>
+                </a:solidFill>
+              </a:rPr>
+              <a:t>indication</a:t>
+            </a:r>
+          </a:p>
+          <a:p>
+            <a:pPr algn="ctr"/>
+            <a:r>
+              <a:rPr lang="en-US" sz="1000" noProof="1">
+                <a:solidFill>
+                  <a:srgbClr val="0070C0"/>
+                </a:solidFill>
+              </a:rPr>
+              <a:t>.comorbidity</a:t>
+            </a:r>
+          </a:p>
+        </p:txBody>
+      </p:sp>
+      <p:sp>
+        <p:nvSpPr>
+          <p:cNvPr id="87" name="ZoneTexte 86">
+            <a:extLst>
+              <a:ext uri="{FF2B5EF4-FFF2-40B4-BE49-F238E27FC236}">
+                <a16:creationId xmlns:a16="http://schemas.microsoft.com/office/drawing/2014/main" id="{9C81B80E-43C2-4E91-9ED3-AE0BCA83F2FA}"/>
+              </a:ext>
+            </a:extLst>
+          </p:cNvPr>
+          <p:cNvSpPr txBox="1"/>
+          <p:nvPr/>
+        </p:nvSpPr>
+        <p:spPr>
+          <a:xfrm>
+            <a:off x="484631" y="4345976"/>
+            <a:ext cx="2148521" cy="246221"/>
+          </a:xfrm>
+          <a:prstGeom prst="rect">
+            <a:avLst/>
+          </a:prstGeom>
+          <a:noFill/>
+        </p:spPr>
+        <p:txBody>
+          <a:bodyPr wrap="square" rtlCol="0">
+            <a:spAutoFit/>
+          </a:bodyPr>
+          <a:lstStyle/>
+          <a:p>
+            <a:pPr algn="r"/>
+            <a:r>
+              <a:rPr lang="en-US" sz="1000" noProof="1">
+                <a:solidFill>
+                  <a:srgbClr val="0070C0"/>
+                </a:solidFill>
+              </a:rPr>
+              <a:t>indication.diseaseSymptomProcedure</a:t>
+            </a:r>
+          </a:p>
+        </p:txBody>
+      </p:sp>
+      <p:sp>
+        <p:nvSpPr>
+          <p:cNvPr id="88" name="ZoneTexte 87">
+            <a:extLst>
+              <a:ext uri="{FF2B5EF4-FFF2-40B4-BE49-F238E27FC236}">
+                <a16:creationId xmlns:a16="http://schemas.microsoft.com/office/drawing/2014/main" id="{A60DE952-27C4-4BF5-8D44-C7122B97DD53}"/>
+              </a:ext>
+            </a:extLst>
+          </p:cNvPr>
+          <p:cNvSpPr txBox="1"/>
+          <p:nvPr/>
+        </p:nvSpPr>
+        <p:spPr>
+          <a:xfrm>
+            <a:off x="2492511" y="4475614"/>
+            <a:ext cx="945279" cy="400110"/>
+          </a:xfrm>
+          <a:prstGeom prst="rect">
+            <a:avLst/>
+          </a:prstGeom>
+          <a:noFill/>
+        </p:spPr>
+        <p:txBody>
+          <a:bodyPr wrap="square" rtlCol="0">
+            <a:spAutoFit/>
+          </a:bodyPr>
+          <a:lstStyle/>
+          <a:p>
+            <a:pPr algn="ctr"/>
+            <a:r>
+              <a:rPr lang="en-US" sz="1000" noProof="1">
+                <a:solidFill>
+                  <a:srgbClr val="0070C0"/>
+                </a:solidFill>
+              </a:rPr>
+              <a:t>indication</a:t>
+            </a:r>
+          </a:p>
+          <a:p>
+            <a:pPr algn="ctr"/>
+            <a:r>
+              <a:rPr lang="en-US" sz="1000" noProof="1">
+                <a:solidFill>
+                  <a:srgbClr val="0070C0"/>
+                </a:solidFill>
+              </a:rPr>
+              <a:t>.diseaseStatus</a:t>
+            </a:r>
+          </a:p>
+        </p:txBody>
+      </p:sp>
+      <p:sp>
+        <p:nvSpPr>
+          <p:cNvPr id="89" name="ZoneTexte 88">
+            <a:extLst>
+              <a:ext uri="{FF2B5EF4-FFF2-40B4-BE49-F238E27FC236}">
+                <a16:creationId xmlns:a16="http://schemas.microsoft.com/office/drawing/2014/main" id="{199BAC9F-718A-4F9A-A1AE-58E4F4B473B2}"/>
+              </a:ext>
+            </a:extLst>
+          </p:cNvPr>
+          <p:cNvSpPr txBox="1"/>
+          <p:nvPr/>
+        </p:nvSpPr>
+        <p:spPr>
+          <a:xfrm>
+            <a:off x="4013989" y="4345976"/>
+            <a:ext cx="1819711" cy="246221"/>
+          </a:xfrm>
+          <a:prstGeom prst="rect">
+            <a:avLst/>
+          </a:prstGeom>
+          <a:noFill/>
+        </p:spPr>
+        <p:txBody>
+          <a:bodyPr wrap="square" rtlCol="0">
+            <a:spAutoFit/>
+          </a:bodyPr>
+          <a:lstStyle/>
+          <a:p>
+            <a:r>
+              <a:rPr lang="en-US" sz="1000" noProof="1">
+                <a:solidFill>
+                  <a:srgbClr val="0070C0"/>
+                </a:solidFill>
+              </a:rPr>
+              <a:t>indication.intendedEffect</a:t>
+            </a:r>
+          </a:p>
+        </p:txBody>
+      </p:sp>
+      <p:cxnSp>
+        <p:nvCxnSpPr>
+          <p:cNvPr id="94" name="Connecteur : en angle 93">
+            <a:extLst>
+              <a:ext uri="{FF2B5EF4-FFF2-40B4-BE49-F238E27FC236}">
+                <a16:creationId xmlns:a16="http://schemas.microsoft.com/office/drawing/2014/main" id="{AF31BB94-EA71-4F17-AAC2-F7F7DCC594F8}"/>
+              </a:ext>
+            </a:extLst>
+          </p:cNvPr>
+          <p:cNvCxnSpPr>
+            <a:cxnSpLocks/>
+            <a:stCxn id="98" idx="2"/>
+            <a:endCxn id="32" idx="0"/>
+          </p:cNvCxnSpPr>
+          <p:nvPr/>
+        </p:nvCxnSpPr>
+        <p:spPr>
+          <a:xfrm rot="16200000" flipH="1">
+            <a:off x="6551135" y="2806097"/>
+            <a:ext cx="1919876" cy="1187682"/>
+          </a:xfrm>
+          <a:prstGeom prst="bentConnector3">
+            <a:avLst>
+              <a:gd name="adj1" fmla="val 20619"/>
+            </a:avLst>
+          </a:prstGeom>
+          <a:ln w="19050">
+            <a:headEnd type="none" w="med" len="med"/>
+            <a:tailEnd type="arrow" w="med" len="med"/>
+          </a:ln>
+        </p:spPr>
+        <p:style>
+          <a:lnRef idx="1">
+            <a:schemeClr val="accent1"/>
+          </a:lnRef>
+          <a:fillRef idx="0">
+            <a:schemeClr val="accent1"/>
+          </a:fillRef>
+          <a:effectRef idx="0">
+            <a:schemeClr val="accent1"/>
+          </a:effectRef>
+          <a:fontRef idx="minor">
+            <a:schemeClr val="tx1"/>
+          </a:fontRef>
+        </p:style>
+      </p:cxnSp>
+      <p:sp>
+        <p:nvSpPr>
+          <p:cNvPr id="95" name="ZoneTexte 94">
+            <a:extLst>
+              <a:ext uri="{FF2B5EF4-FFF2-40B4-BE49-F238E27FC236}">
+                <a16:creationId xmlns:a16="http://schemas.microsoft.com/office/drawing/2014/main" id="{E442B860-ED6A-4E60-9C7A-BD0B4D1A51FB}"/>
+              </a:ext>
+            </a:extLst>
+          </p:cNvPr>
+          <p:cNvSpPr txBox="1"/>
+          <p:nvPr/>
+        </p:nvSpPr>
+        <p:spPr>
+          <a:xfrm>
+            <a:off x="2693966" y="4789804"/>
+            <a:ext cx="386253" cy="246221"/>
+          </a:xfrm>
+          <a:prstGeom prst="rect">
+            <a:avLst/>
+          </a:prstGeom>
+          <a:noFill/>
+        </p:spPr>
+        <p:txBody>
+          <a:bodyPr wrap="square" rtlCol="0">
+            <a:spAutoFit/>
+          </a:bodyPr>
+          <a:lstStyle/>
+          <a:p>
+            <a:r>
+              <a:rPr lang="en-US" sz="1000" noProof="1"/>
+              <a:t>0..1</a:t>
+            </a:r>
+          </a:p>
+        </p:txBody>
+      </p:sp>
+      <p:sp>
+        <p:nvSpPr>
+          <p:cNvPr id="96" name="ZoneTexte 95">
+            <a:extLst>
+              <a:ext uri="{FF2B5EF4-FFF2-40B4-BE49-F238E27FC236}">
+                <a16:creationId xmlns:a16="http://schemas.microsoft.com/office/drawing/2014/main" id="{88838B9B-2672-43F4-BA9B-7104046E6419}"/>
+              </a:ext>
+            </a:extLst>
+          </p:cNvPr>
+          <p:cNvSpPr txBox="1"/>
+          <p:nvPr/>
+        </p:nvSpPr>
+        <p:spPr>
+          <a:xfrm>
+            <a:off x="3294893" y="4794127"/>
+            <a:ext cx="386253" cy="246221"/>
+          </a:xfrm>
+          <a:prstGeom prst="rect">
+            <a:avLst/>
+          </a:prstGeom>
+          <a:noFill/>
+        </p:spPr>
+        <p:txBody>
+          <a:bodyPr wrap="square" rtlCol="0">
+            <a:spAutoFit/>
+          </a:bodyPr>
+          <a:lstStyle/>
+          <a:p>
+            <a:r>
+              <a:rPr lang="en-US" sz="1000" noProof="1"/>
+              <a:t>0..*</a:t>
+            </a:r>
+          </a:p>
+        </p:txBody>
+      </p:sp>
+      <p:sp>
+        <p:nvSpPr>
+          <p:cNvPr id="97" name="ZoneTexte 96">
+            <a:extLst>
+              <a:ext uri="{FF2B5EF4-FFF2-40B4-BE49-F238E27FC236}">
+                <a16:creationId xmlns:a16="http://schemas.microsoft.com/office/drawing/2014/main" id="{198B16B7-A69F-48A5-A1B5-8AAE1A280E2C}"/>
+              </a:ext>
+            </a:extLst>
+          </p:cNvPr>
+          <p:cNvSpPr txBox="1"/>
+          <p:nvPr/>
+        </p:nvSpPr>
+        <p:spPr>
+          <a:xfrm>
+            <a:off x="3725265" y="4795796"/>
+            <a:ext cx="386253" cy="246221"/>
+          </a:xfrm>
+          <a:prstGeom prst="rect">
+            <a:avLst/>
+          </a:prstGeom>
+          <a:noFill/>
+        </p:spPr>
+        <p:txBody>
+          <a:bodyPr wrap="square" rtlCol="0">
+            <a:spAutoFit/>
+          </a:bodyPr>
+          <a:lstStyle/>
+          <a:p>
+            <a:r>
+              <a:rPr lang="en-US" sz="1000" noProof="1"/>
+              <a:t>0..1</a:t>
+            </a:r>
+          </a:p>
+        </p:txBody>
+      </p:sp>
+      <p:sp>
+        <p:nvSpPr>
+          <p:cNvPr id="98" name="Rectangle 97">
+            <a:extLst>
+              <a:ext uri="{FF2B5EF4-FFF2-40B4-BE49-F238E27FC236}">
+                <a16:creationId xmlns:a16="http://schemas.microsoft.com/office/drawing/2014/main" id="{9655016C-23E5-4F9B-A388-EFF435C3409A}"/>
               </a:ext>
             </a:extLst>
           </p:cNvPr>
@@ -5739,8 +6513,54 @@
         </p:nvSpPr>
         <p:spPr>
           <a:xfrm>
-            <a:off x="2442666" y="3713357"/>
-            <a:ext cx="1666397" cy="639072"/>
+            <a:off x="6868876" y="2307720"/>
+            <a:ext cx="96711" cy="132280"/>
+          </a:xfrm>
+          <a:prstGeom prst="rect">
+            <a:avLst/>
+          </a:prstGeom>
+        </p:spPr>
+        <p:style>
+          <a:lnRef idx="2">
+            <a:schemeClr val="accent1">
+              <a:shade val="50000"/>
+            </a:schemeClr>
+          </a:lnRef>
+          <a:fillRef idx="1">
+            <a:schemeClr val="accent1"/>
+          </a:fillRef>
+          <a:effectRef idx="0">
+            <a:schemeClr val="accent1"/>
+          </a:effectRef>
+          <a:fontRef idx="minor">
+            <a:schemeClr val="lt1"/>
+          </a:fontRef>
+        </p:style>
+        <p:txBody>
+          <a:bodyPr rtlCol="0" anchor="ctr"/>
+          <a:lstStyle/>
+          <a:p>
+            <a:pPr algn="ctr"/>
+            <a:endParaRPr lang="fr-FR" sz="1050"/>
+          </a:p>
+        </p:txBody>
+      </p:sp>
+      <p:sp>
+        <p:nvSpPr>
+          <p:cNvPr id="99" name="Rectangle 98">
+            <a:extLst>
+              <a:ext uri="{FF2B5EF4-FFF2-40B4-BE49-F238E27FC236}">
+                <a16:creationId xmlns:a16="http://schemas.microsoft.com/office/drawing/2014/main" id="{3A68FF18-EDD8-4903-A85F-D664E85658FE}"/>
+              </a:ext>
+            </a:extLst>
+          </p:cNvPr>
+          <p:cNvSpPr/>
+          <p:nvPr/>
+        </p:nvSpPr>
+        <p:spPr>
+          <a:xfrm>
+            <a:off x="8514600" y="5165152"/>
+            <a:ext cx="1886827" cy="671288"/>
           </a:xfrm>
           <a:prstGeom prst="rect">
             <a:avLst/>
@@ -5791,7 +6611,7 @@
           </a:fontRef>
         </p:style>
         <p:txBody>
-          <a:bodyPr rtlCol="0" anchor="ctr"/>
+          <a:bodyPr lIns="0" rIns="0" rtlCol="0" anchor="ctr"/>
           <a:lstStyle/>
           <a:p>
             <a:pPr algn="ctr"/>
@@ -5801,17 +6621,275 @@
                   <a:srgbClr val="FFFF00"/>
                 </a:solidFill>
               </a:rPr>
-              <a:t>IndicationDefinition profile of ClinicalUseDefinition</a:t>
-            </a:r>
-          </a:p>
-        </p:txBody>
-      </p:sp>
-      <p:sp>
-        <p:nvSpPr>
-          <p:cNvPr id="64" name="Rectangle 63">
-            <a:extLst>
-              <a:ext uri="{FF2B5EF4-FFF2-40B4-BE49-F238E27FC236}">
-                <a16:creationId xmlns:a16="http://schemas.microsoft.com/office/drawing/2014/main" id="{B291188D-4926-4A5A-8338-E1AA2A80525B}"/>
+              <a:t>UndesirableEffectDefinition</a:t>
+            </a:r>
+          </a:p>
+          <a:p>
+            <a:pPr algn="ctr"/>
+            <a:r>
+              <a:rPr lang="en-US" sz="1200" noProof="1">
+                <a:solidFill>
+                  <a:srgbClr val="FFFF00"/>
+                </a:solidFill>
+              </a:rPr>
+              <a:t>profile of </a:t>
+            </a:r>
+          </a:p>
+          <a:p>
+            <a:pPr algn="ctr"/>
+            <a:r>
+              <a:rPr lang="en-US" sz="1200" noProof="1">
+                <a:solidFill>
+                  <a:srgbClr val="FFFF00"/>
+                </a:solidFill>
+              </a:rPr>
+              <a:t>ClinicalUseDefinition</a:t>
+            </a:r>
+          </a:p>
+        </p:txBody>
+      </p:sp>
+      <p:cxnSp>
+        <p:nvCxnSpPr>
+          <p:cNvPr id="100" name="Connecteur : en angle 99">
+            <a:extLst>
+              <a:ext uri="{FF2B5EF4-FFF2-40B4-BE49-F238E27FC236}">
+                <a16:creationId xmlns:a16="http://schemas.microsoft.com/office/drawing/2014/main" id="{6893540D-735B-4E54-BE0D-A0CB18D585E6}"/>
+              </a:ext>
+            </a:extLst>
+          </p:cNvPr>
+          <p:cNvCxnSpPr>
+            <a:cxnSpLocks/>
+            <a:stCxn id="98" idx="2"/>
+            <a:endCxn id="99" idx="0"/>
+          </p:cNvCxnSpPr>
+          <p:nvPr/>
+        </p:nvCxnSpPr>
+        <p:spPr>
+          <a:xfrm rot="16200000" flipH="1">
+            <a:off x="6825047" y="2532185"/>
+            <a:ext cx="2725152" cy="2540782"/>
+          </a:xfrm>
+          <a:prstGeom prst="bentConnector3">
+            <a:avLst>
+              <a:gd name="adj1" fmla="val 14485"/>
+            </a:avLst>
+          </a:prstGeom>
+          <a:ln w="19050">
+            <a:headEnd type="none" w="med" len="med"/>
+            <a:tailEnd type="arrow" w="med" len="med"/>
+          </a:ln>
+        </p:spPr>
+        <p:style>
+          <a:lnRef idx="1">
+            <a:schemeClr val="accent1"/>
+          </a:lnRef>
+          <a:fillRef idx="0">
+            <a:schemeClr val="accent1"/>
+          </a:fillRef>
+          <a:effectRef idx="0">
+            <a:schemeClr val="accent1"/>
+          </a:effectRef>
+          <a:fontRef idx="minor">
+            <a:schemeClr val="tx1"/>
+          </a:fontRef>
+        </p:style>
+      </p:cxnSp>
+      <p:sp>
+        <p:nvSpPr>
+          <p:cNvPr id="101" name="ZoneTexte 100">
+            <a:extLst>
+              <a:ext uri="{FF2B5EF4-FFF2-40B4-BE49-F238E27FC236}">
+                <a16:creationId xmlns:a16="http://schemas.microsoft.com/office/drawing/2014/main" id="{94EFD1B4-9D10-49A7-B64A-0018FEBF4404}"/>
+              </a:ext>
+            </a:extLst>
+          </p:cNvPr>
+          <p:cNvSpPr txBox="1"/>
+          <p:nvPr/>
+        </p:nvSpPr>
+        <p:spPr>
+          <a:xfrm>
+            <a:off x="7725338" y="4103291"/>
+            <a:ext cx="528095" cy="246221"/>
+          </a:xfrm>
+          <a:prstGeom prst="rect">
+            <a:avLst/>
+          </a:prstGeom>
+          <a:noFill/>
+        </p:spPr>
+        <p:txBody>
+          <a:bodyPr wrap="square" rtlCol="0">
+            <a:spAutoFit/>
+          </a:bodyPr>
+          <a:lstStyle/>
+          <a:p>
+            <a:r>
+              <a:rPr lang="en-US" sz="1000" noProof="1"/>
+              <a:t>0..*</a:t>
+            </a:r>
+          </a:p>
+        </p:txBody>
+      </p:sp>
+      <p:sp>
+        <p:nvSpPr>
+          <p:cNvPr id="102" name="ZoneTexte 101">
+            <a:extLst>
+              <a:ext uri="{FF2B5EF4-FFF2-40B4-BE49-F238E27FC236}">
+                <a16:creationId xmlns:a16="http://schemas.microsoft.com/office/drawing/2014/main" id="{5CA9BD92-F468-4628-ADCE-B46C42DD02AD}"/>
+              </a:ext>
+            </a:extLst>
+          </p:cNvPr>
+          <p:cNvSpPr txBox="1"/>
+          <p:nvPr/>
+        </p:nvSpPr>
+        <p:spPr>
+          <a:xfrm>
+            <a:off x="9064504" y="4951028"/>
+            <a:ext cx="399218" cy="246221"/>
+          </a:xfrm>
+          <a:prstGeom prst="rect">
+            <a:avLst/>
+          </a:prstGeom>
+          <a:noFill/>
+        </p:spPr>
+        <p:txBody>
+          <a:bodyPr wrap="square" rtlCol="0">
+            <a:spAutoFit/>
+          </a:bodyPr>
+          <a:lstStyle/>
+          <a:p>
+            <a:r>
+              <a:rPr lang="en-US" sz="1000" noProof="1"/>
+              <a:t>0..*</a:t>
+            </a:r>
+          </a:p>
+        </p:txBody>
+      </p:sp>
+      <p:cxnSp>
+        <p:nvCxnSpPr>
+          <p:cNvPr id="103" name="Connecteur : en angle 102">
+            <a:extLst>
+              <a:ext uri="{FF2B5EF4-FFF2-40B4-BE49-F238E27FC236}">
+                <a16:creationId xmlns:a16="http://schemas.microsoft.com/office/drawing/2014/main" id="{1835DAE2-7BB9-43E4-B25C-9194549213AE}"/>
+              </a:ext>
+            </a:extLst>
+          </p:cNvPr>
+          <p:cNvCxnSpPr>
+            <a:cxnSpLocks/>
+            <a:stCxn id="99" idx="2"/>
+            <a:endCxn id="111" idx="2"/>
+          </p:cNvCxnSpPr>
+          <p:nvPr/>
+        </p:nvCxnSpPr>
+        <p:spPr>
+          <a:xfrm rot="5400000" flipH="1">
+            <a:off x="6571150" y="2949577"/>
+            <a:ext cx="12629" cy="5761098"/>
+          </a:xfrm>
+          <a:prstGeom prst="bentConnector3">
+            <a:avLst>
+              <a:gd name="adj1" fmla="val -1810120"/>
+            </a:avLst>
+          </a:prstGeom>
+          <a:ln w="19050">
+            <a:headEnd type="none" w="med" len="med"/>
+            <a:tailEnd type="arrow" w="med" len="med"/>
+          </a:ln>
+        </p:spPr>
+        <p:style>
+          <a:lnRef idx="1">
+            <a:schemeClr val="accent1"/>
+          </a:lnRef>
+          <a:fillRef idx="0">
+            <a:schemeClr val="accent1"/>
+          </a:fillRef>
+          <a:effectRef idx="0">
+            <a:schemeClr val="accent1"/>
+          </a:effectRef>
+          <a:fontRef idx="minor">
+            <a:schemeClr val="tx1"/>
+          </a:fontRef>
+        </p:style>
+      </p:cxnSp>
+      <p:sp>
+        <p:nvSpPr>
+          <p:cNvPr id="104" name="ZoneTexte 103">
+            <a:extLst>
+              <a:ext uri="{FF2B5EF4-FFF2-40B4-BE49-F238E27FC236}">
+                <a16:creationId xmlns:a16="http://schemas.microsoft.com/office/drawing/2014/main" id="{A376255D-039B-43BA-81E1-0D7E5A6EA8AB}"/>
+              </a:ext>
+            </a:extLst>
+          </p:cNvPr>
+          <p:cNvSpPr txBox="1"/>
+          <p:nvPr/>
+        </p:nvSpPr>
+        <p:spPr>
+          <a:xfrm>
+            <a:off x="3710811" y="5800112"/>
+            <a:ext cx="405123" cy="246221"/>
+          </a:xfrm>
+          <a:prstGeom prst="rect">
+            <a:avLst/>
+          </a:prstGeom>
+          <a:noFill/>
+        </p:spPr>
+        <p:txBody>
+          <a:bodyPr wrap="square" rtlCol="0">
+            <a:spAutoFit/>
+          </a:bodyPr>
+          <a:lstStyle/>
+          <a:p>
+            <a:r>
+              <a:rPr lang="en-US" sz="1000" noProof="1"/>
+              <a:t>0..1</a:t>
+            </a:r>
+          </a:p>
+        </p:txBody>
+      </p:sp>
+      <p:sp>
+        <p:nvSpPr>
+          <p:cNvPr id="105" name="ZoneTexte 104">
+            <a:extLst>
+              <a:ext uri="{FF2B5EF4-FFF2-40B4-BE49-F238E27FC236}">
+                <a16:creationId xmlns:a16="http://schemas.microsoft.com/office/drawing/2014/main" id="{F8B3CF8F-BBF4-4507-8FA7-42DC32547BF8}"/>
+              </a:ext>
+            </a:extLst>
+          </p:cNvPr>
+          <p:cNvSpPr txBox="1"/>
+          <p:nvPr/>
+        </p:nvSpPr>
+        <p:spPr>
+          <a:xfrm>
+            <a:off x="4962089" y="5852389"/>
+            <a:ext cx="2743409" cy="246221"/>
+          </a:xfrm>
+          <a:prstGeom prst="rect">
+            <a:avLst/>
+          </a:prstGeom>
+          <a:noFill/>
+        </p:spPr>
+        <p:txBody>
+          <a:bodyPr wrap="square" rtlCol="0">
+            <a:spAutoFit/>
+          </a:bodyPr>
+          <a:lstStyle/>
+          <a:p>
+            <a:r>
+              <a:rPr lang="en-US" sz="1000" noProof="1">
+                <a:solidFill>
+                  <a:srgbClr val="0070C0"/>
+                </a:solidFill>
+              </a:rPr>
+              <a:t>undesirableEffect.symptomConditionEffect</a:t>
+            </a:r>
+          </a:p>
+        </p:txBody>
+      </p:sp>
+      <p:sp>
+        <p:nvSpPr>
+          <p:cNvPr id="106" name="Rectangle 105">
+            <a:extLst>
+              <a:ext uri="{FF2B5EF4-FFF2-40B4-BE49-F238E27FC236}">
+                <a16:creationId xmlns:a16="http://schemas.microsoft.com/office/drawing/2014/main" id="{E0E06B7C-F6E6-4961-A3AC-C71B25A1B8A6}"/>
               </a:ext>
             </a:extLst>
           </p:cNvPr>
@@ -5820,8 +6898,8 @@
         </p:nvSpPr>
         <p:spPr>
           <a:xfrm>
-            <a:off x="6085889" y="3554607"/>
-            <a:ext cx="1666398" cy="601464"/>
+            <a:off x="10009328" y="5986017"/>
+            <a:ext cx="1524638" cy="601464"/>
           </a:xfrm>
           <a:prstGeom prst="rect">
             <a:avLst/>
@@ -5882,7 +6960,7 @@
                   <a:srgbClr val="FFFF00"/>
                 </a:solidFill>
               </a:rPr>
-              <a:t>WarningDefinition </a:t>
+              <a:t>InteractionDefinition</a:t>
             </a:r>
           </a:p>
           <a:p>
@@ -5900,28 +6978,28 @@
       </p:sp>
       <p:cxnSp>
         <p:nvCxnSpPr>
-          <p:cNvPr id="65" name="Connecteur : en angle 64">
-            <a:extLst>
-              <a:ext uri="{FF2B5EF4-FFF2-40B4-BE49-F238E27FC236}">
-                <a16:creationId xmlns:a16="http://schemas.microsoft.com/office/drawing/2014/main" id="{973F3054-ACA1-4C24-BEEC-EF27B0170C3C}"/>
+          <p:cNvPr id="107" name="Connecteur : en angle 106">
+            <a:extLst>
+              <a:ext uri="{FF2B5EF4-FFF2-40B4-BE49-F238E27FC236}">
+                <a16:creationId xmlns:a16="http://schemas.microsoft.com/office/drawing/2014/main" id="{95B53F9C-C42C-4106-9B57-E0D5105101D9}"/>
               </a:ext>
             </a:extLst>
           </p:cNvPr>
           <p:cNvCxnSpPr>
             <a:cxnSpLocks/>
-            <a:stCxn id="114" idx="2"/>
-            <a:endCxn id="63" idx="0"/>
+            <a:stCxn id="98" idx="2"/>
+            <a:endCxn id="106" idx="0"/>
           </p:cNvCxnSpPr>
           <p:nvPr/>
         </p:nvCxnSpPr>
         <p:spPr>
-          <a:xfrm rot="5400000">
-            <a:off x="4116455" y="1607717"/>
-            <a:ext cx="1265051" cy="2946229"/>
+          <a:xfrm rot="16200000" flipH="1">
+            <a:off x="7071431" y="2285800"/>
+            <a:ext cx="3546017" cy="3854415"/>
           </a:xfrm>
           <a:prstGeom prst="bentConnector3">
             <a:avLst>
-              <a:gd name="adj1" fmla="val 76284"/>
+              <a:gd name="adj1" fmla="val 11233"/>
             </a:avLst>
           </a:prstGeom>
           <a:ln w="19050">
@@ -5944,58 +7022,12 @@
           </a:fontRef>
         </p:style>
       </p:cxnSp>
-      <p:cxnSp>
-        <p:nvCxnSpPr>
-          <p:cNvPr id="66" name="Connecteur : en angle 65">
-            <a:extLst>
-              <a:ext uri="{FF2B5EF4-FFF2-40B4-BE49-F238E27FC236}">
-                <a16:creationId xmlns:a16="http://schemas.microsoft.com/office/drawing/2014/main" id="{37B5F18A-C185-436E-A300-58BAADFC258B}"/>
-              </a:ext>
-            </a:extLst>
-          </p:cNvPr>
-          <p:cNvCxnSpPr>
-            <a:cxnSpLocks/>
-            <a:stCxn id="98" idx="2"/>
-            <a:endCxn id="64" idx="0"/>
-          </p:cNvCxnSpPr>
-          <p:nvPr/>
-        </p:nvCxnSpPr>
-        <p:spPr>
-          <a:xfrm rot="16200000" flipH="1">
-            <a:off x="6360857" y="2996375"/>
-            <a:ext cx="1114607" cy="1856"/>
-          </a:xfrm>
-          <a:prstGeom prst="bentConnector3">
-            <a:avLst>
-              <a:gd name="adj1" fmla="val 50000"/>
-            </a:avLst>
-          </a:prstGeom>
-          <a:ln w="19050">
-            <a:headEnd type="none" w="med" len="med"/>
-            <a:tailEnd type="arrow" w="med" len="med"/>
-          </a:ln>
-        </p:spPr>
-        <p:style>
-          <a:lnRef idx="1">
-            <a:schemeClr val="accent1"/>
-          </a:lnRef>
-          <a:fillRef idx="0">
-            <a:schemeClr val="accent1"/>
-          </a:fillRef>
-          <a:effectRef idx="0">
-            <a:schemeClr val="accent1"/>
-          </a:effectRef>
-          <a:fontRef idx="minor">
-            <a:schemeClr val="tx1"/>
-          </a:fontRef>
-        </p:style>
-      </p:cxnSp>
-      <p:sp>
-        <p:nvSpPr>
-          <p:cNvPr id="67" name="ZoneTexte 66">
-            <a:extLst>
-              <a:ext uri="{FF2B5EF4-FFF2-40B4-BE49-F238E27FC236}">
-                <a16:creationId xmlns:a16="http://schemas.microsoft.com/office/drawing/2014/main" id="{80627F96-B80B-4B96-9023-1C63A88F5877}"/>
+      <p:sp>
+        <p:nvSpPr>
+          <p:cNvPr id="108" name="ZoneTexte 107">
+            <a:extLst>
+              <a:ext uri="{FF2B5EF4-FFF2-40B4-BE49-F238E27FC236}">
+                <a16:creationId xmlns:a16="http://schemas.microsoft.com/office/drawing/2014/main" id="{4589A9CB-6C83-4E95-BDBA-DA21BC9A597D}"/>
               </a:ext>
             </a:extLst>
           </p:cNvPr>
@@ -6004,8 +7036,8 @@
         </p:nvSpPr>
         <p:spPr>
           <a:xfrm>
-            <a:off x="6576228" y="3264541"/>
-            <a:ext cx="405140" cy="246221"/>
+            <a:off x="10423453" y="5788152"/>
+            <a:ext cx="465084" cy="246221"/>
           </a:xfrm>
           <a:prstGeom prst="rect">
             <a:avLst/>
@@ -6027,10 +7059,10 @@
       </p:sp>
       <p:sp>
         <p:nvSpPr>
-          <p:cNvPr id="68" name="ZoneTexte 67">
-            <a:extLst>
-              <a:ext uri="{FF2B5EF4-FFF2-40B4-BE49-F238E27FC236}">
-                <a16:creationId xmlns:a16="http://schemas.microsoft.com/office/drawing/2014/main" id="{4E2A38EA-069E-4141-B5C0-922040A304F4}"/>
+          <p:cNvPr id="109" name="ZoneTexte 108">
+            <a:extLst>
+              <a:ext uri="{FF2B5EF4-FFF2-40B4-BE49-F238E27FC236}">
+                <a16:creationId xmlns:a16="http://schemas.microsoft.com/office/drawing/2014/main" id="{A92452E6-AEE7-49F6-A917-E95A3EC45AAB}"/>
               </a:ext>
             </a:extLst>
           </p:cNvPr>
@@ -6039,125 +7071,8 @@
         </p:nvSpPr>
         <p:spPr>
           <a:xfrm>
-            <a:off x="2920426" y="3504600"/>
-            <a:ext cx="423703" cy="246221"/>
-          </a:xfrm>
-          <a:prstGeom prst="rect">
-            <a:avLst/>
-          </a:prstGeom>
-          <a:noFill/>
-        </p:spPr>
-        <p:txBody>
-          <a:bodyPr wrap="square" rtlCol="0">
-            <a:spAutoFit/>
-          </a:bodyPr>
-          <a:lstStyle/>
-          <a:p>
-            <a:r>
-              <a:rPr lang="en-US" sz="1000" noProof="1"/>
-              <a:t>0..*</a:t>
-            </a:r>
-          </a:p>
-        </p:txBody>
-      </p:sp>
-      <p:sp>
-        <p:nvSpPr>
-          <p:cNvPr id="69" name="ZoneTexte 68">
-            <a:extLst>
-              <a:ext uri="{FF2B5EF4-FFF2-40B4-BE49-F238E27FC236}">
-                <a16:creationId xmlns:a16="http://schemas.microsoft.com/office/drawing/2014/main" id="{BF5F5744-DE68-44D7-90A3-865A0E763A11}"/>
-              </a:ext>
-            </a:extLst>
-          </p:cNvPr>
-          <p:cNvSpPr txBox="1"/>
-          <p:nvPr/>
-        </p:nvSpPr>
-        <p:spPr>
-          <a:xfrm>
-            <a:off x="4140770" y="3201017"/>
-            <a:ext cx="2005686" cy="246221"/>
-          </a:xfrm>
-          <a:prstGeom prst="rect">
-            <a:avLst/>
-          </a:prstGeom>
-          <a:noFill/>
-        </p:spPr>
-        <p:txBody>
-          <a:bodyPr wrap="square" rtlCol="0">
-            <a:spAutoFit/>
-          </a:bodyPr>
-          <a:lstStyle/>
-          <a:p>
-            <a:r>
-              <a:rPr lang="en-US" sz="1000" noProof="1">
-                <a:solidFill>
-                  <a:srgbClr val="0070C0"/>
-                </a:solidFill>
-              </a:rPr>
-              <a:t>indicationGuideline.indication</a:t>
-            </a:r>
-          </a:p>
-        </p:txBody>
-      </p:sp>
-      <p:sp>
-        <p:nvSpPr>
-          <p:cNvPr id="70" name="ZoneTexte 69">
-            <a:extLst>
-              <a:ext uri="{FF2B5EF4-FFF2-40B4-BE49-F238E27FC236}">
-                <a16:creationId xmlns:a16="http://schemas.microsoft.com/office/drawing/2014/main" id="{4A6C9008-0FE6-4740-B809-8E9A196E9ECE}"/>
-              </a:ext>
-            </a:extLst>
-          </p:cNvPr>
-          <p:cNvSpPr txBox="1"/>
-          <p:nvPr/>
-        </p:nvSpPr>
-        <p:spPr>
-          <a:xfrm>
-            <a:off x="6862887" y="2626873"/>
-            <a:ext cx="1877884" cy="246221"/>
-          </a:xfrm>
-          <a:prstGeom prst="rect">
-            <a:avLst/>
-          </a:prstGeom>
-          <a:noFill/>
-        </p:spPr>
-        <p:txBody>
-          <a:bodyPr wrap="square" rtlCol="0">
-            <a:spAutoFit/>
-          </a:bodyPr>
-          <a:lstStyle/>
-          <a:p>
-            <a:r>
-              <a:rPr lang="en-US" sz="1000" noProof="1">
-                <a:solidFill>
-                  <a:srgbClr val="0070C0"/>
-                </a:solidFill>
-              </a:rPr>
-              <a:t>ClinicalUseDefinition </a:t>
-            </a:r>
-            <a:r>
-              <a:rPr lang="en-US" sz="1000" noProof="1"/>
-              <a:t>(4 slices) </a:t>
-            </a:r>
-          </a:p>
-        </p:txBody>
-      </p:sp>
-      <p:sp>
-        <p:nvSpPr>
-          <p:cNvPr id="71" name="ZoneTexte 70">
-            <a:extLst>
-              <a:ext uri="{FF2B5EF4-FFF2-40B4-BE49-F238E27FC236}">
-                <a16:creationId xmlns:a16="http://schemas.microsoft.com/office/drawing/2014/main" id="{C00C1C37-6575-463B-B882-B38B4289B347}"/>
-              </a:ext>
-            </a:extLst>
-          </p:cNvPr>
-          <p:cNvSpPr txBox="1"/>
-          <p:nvPr/>
-        </p:nvSpPr>
-        <p:spPr>
-          <a:xfrm>
-            <a:off x="1493071" y="3705685"/>
-            <a:ext cx="924161" cy="646331"/>
+            <a:off x="9442168" y="4427807"/>
+            <a:ext cx="964247" cy="646331"/>
           </a:xfrm>
           <a:prstGeom prst="rect">
             <a:avLst/>
@@ -6184,24 +7099,23 @@
             </a:lvl1pPr>
           </a:lstStyle>
           <a:p>
-            <a:pPr algn="r"/>
             <a:r>
               <a:rPr lang="en-US" sz="1200" i="1" noProof="1">
                 <a:solidFill>
                   <a:schemeClr val="tx1"/>
                 </a:solidFill>
               </a:rPr>
-              <a:t>An indication of use</a:t>
-            </a:r>
-          </a:p>
-        </p:txBody>
-      </p:sp>
-      <p:sp>
-        <p:nvSpPr>
-          <p:cNvPr id="72" name="ZoneTexte 71">
-            <a:extLst>
-              <a:ext uri="{FF2B5EF4-FFF2-40B4-BE49-F238E27FC236}">
-                <a16:creationId xmlns:a16="http://schemas.microsoft.com/office/drawing/2014/main" id="{1D9F5BD1-28BB-4E2E-89DE-62E26274748B}"/>
+              <a:t>An undesirable effect</a:t>
+            </a:r>
+          </a:p>
+        </p:txBody>
+      </p:sp>
+      <p:sp>
+        <p:nvSpPr>
+          <p:cNvPr id="110" name="ZoneTexte 109">
+            <a:extLst>
+              <a:ext uri="{FF2B5EF4-FFF2-40B4-BE49-F238E27FC236}">
+                <a16:creationId xmlns:a16="http://schemas.microsoft.com/office/drawing/2014/main" id="{A73A546A-5E27-421D-B102-603CDC867588}"/>
               </a:ext>
             </a:extLst>
           </p:cNvPr>
@@ -6210,8 +7124,8 @@
         </p:nvSpPr>
         <p:spPr>
           <a:xfrm>
-            <a:off x="8076775" y="3850172"/>
-            <a:ext cx="1207403" cy="461665"/>
+            <a:off x="10746177" y="5593418"/>
+            <a:ext cx="1089470" cy="276999"/>
           </a:xfrm>
           <a:prstGeom prst="rect">
             <a:avLst/>
@@ -6244,42 +7158,33 @@
                   <a:schemeClr val="tx1"/>
                 </a:solidFill>
               </a:rPr>
-              <a:t>A </a:t>
-            </a:r>
-          </a:p>
-          <a:p>
-            <a:r>
-              <a:rPr lang="en-US" sz="1200" i="1" noProof="1">
-                <a:solidFill>
-                  <a:schemeClr val="tx1"/>
-                </a:solidFill>
-              </a:rPr>
-              <a:t>contraindication</a:t>
+              <a:t>An interaction</a:t>
             </a:r>
           </a:p>
         </p:txBody>
       </p:sp>
       <p:cxnSp>
         <p:nvCxnSpPr>
-          <p:cNvPr id="73" name="Connecteur droit avec flèche 72">
-            <a:extLst>
-              <a:ext uri="{FF2B5EF4-FFF2-40B4-BE49-F238E27FC236}">
-                <a16:creationId xmlns:a16="http://schemas.microsoft.com/office/drawing/2014/main" id="{2AEBE686-129F-4170-95B4-272DD5B65443}"/>
+          <p:cNvPr id="112" name="Connecteur : en angle 111">
+            <a:extLst>
+              <a:ext uri="{FF2B5EF4-FFF2-40B4-BE49-F238E27FC236}">
+                <a16:creationId xmlns:a16="http://schemas.microsoft.com/office/drawing/2014/main" id="{5A13EB4F-088D-4A36-867B-E9F255B5C9C8}"/>
               </a:ext>
             </a:extLst>
           </p:cNvPr>
           <p:cNvCxnSpPr>
-            <a:stCxn id="7" idx="2"/>
-            <a:endCxn id="11" idx="0"/>
+            <a:cxnSpLocks/>
+            <a:stCxn id="106" idx="1"/>
+            <a:endCxn id="113" idx="2"/>
           </p:cNvCxnSpPr>
           <p:nvPr/>
         </p:nvCxnSpPr>
         <p:spPr>
-          <a:xfrm flipH="1">
-            <a:off x="2575414" y="4341142"/>
-            <a:ext cx="7174" cy="709190"/>
-          </a:xfrm>
-          <a:prstGeom prst="straightConnector1">
+          <a:xfrm rot="10800000">
+            <a:off x="3272694" y="5838651"/>
+            <a:ext cx="6736635" cy="448099"/>
+          </a:xfrm>
+          <a:prstGeom prst="bentConnector2">
             <a:avLst/>
           </a:prstGeom>
           <a:ln w="19050">
@@ -6302,276 +7207,12 @@
           </a:fontRef>
         </p:style>
       </p:cxnSp>
-      <p:cxnSp>
-        <p:nvCxnSpPr>
-          <p:cNvPr id="74" name="Connecteur droit avec flèche 73">
-            <a:extLst>
-              <a:ext uri="{FF2B5EF4-FFF2-40B4-BE49-F238E27FC236}">
-                <a16:creationId xmlns:a16="http://schemas.microsoft.com/office/drawing/2014/main" id="{C2D76D2D-488F-490C-8EBA-8BF24A3B0E91}"/>
-              </a:ext>
-            </a:extLst>
-          </p:cNvPr>
-          <p:cNvCxnSpPr>
-            <a:cxnSpLocks/>
-            <a:stCxn id="6" idx="2"/>
-            <a:endCxn id="10" idx="0"/>
-          </p:cNvCxnSpPr>
-          <p:nvPr/>
-        </p:nvCxnSpPr>
-        <p:spPr>
-          <a:xfrm flipH="1">
-            <a:off x="3054108" y="4341142"/>
-            <a:ext cx="3" cy="715128"/>
-          </a:xfrm>
-          <a:prstGeom prst="straightConnector1">
-            <a:avLst/>
-          </a:prstGeom>
-          <a:ln w="19050">
-            <a:headEnd type="none" w="med" len="med"/>
-            <a:tailEnd type="arrow" w="med" len="med"/>
-          </a:ln>
-        </p:spPr>
-        <p:style>
-          <a:lnRef idx="1">
-            <a:schemeClr val="accent1"/>
-          </a:lnRef>
-          <a:fillRef idx="0">
-            <a:schemeClr val="accent1"/>
-          </a:fillRef>
-          <a:effectRef idx="0">
-            <a:schemeClr val="accent1"/>
-          </a:effectRef>
-          <a:fontRef idx="minor">
-            <a:schemeClr val="tx1"/>
-          </a:fontRef>
-        </p:style>
-      </p:cxnSp>
-      <p:cxnSp>
-        <p:nvCxnSpPr>
-          <p:cNvPr id="75" name="Connecteur droit avec flèche 74">
-            <a:extLst>
-              <a:ext uri="{FF2B5EF4-FFF2-40B4-BE49-F238E27FC236}">
-                <a16:creationId xmlns:a16="http://schemas.microsoft.com/office/drawing/2014/main" id="{796DC2E4-E267-4989-98F6-535EF7AEF41E}"/>
-              </a:ext>
-            </a:extLst>
-          </p:cNvPr>
-          <p:cNvCxnSpPr>
-            <a:cxnSpLocks/>
-            <a:stCxn id="9" idx="2"/>
-            <a:endCxn id="13" idx="0"/>
-          </p:cNvCxnSpPr>
-          <p:nvPr/>
-        </p:nvCxnSpPr>
-        <p:spPr>
-          <a:xfrm>
-            <a:off x="3603059" y="4341142"/>
-            <a:ext cx="0" cy="709190"/>
-          </a:xfrm>
-          <a:prstGeom prst="straightConnector1">
-            <a:avLst/>
-          </a:prstGeom>
-          <a:ln w="19050">
-            <a:headEnd type="none" w="med" len="med"/>
-            <a:tailEnd type="arrow" w="med" len="med"/>
-          </a:ln>
-        </p:spPr>
-        <p:style>
-          <a:lnRef idx="1">
-            <a:schemeClr val="accent1"/>
-          </a:lnRef>
-          <a:fillRef idx="0">
-            <a:schemeClr val="accent1"/>
-          </a:fillRef>
-          <a:effectRef idx="0">
-            <a:schemeClr val="accent1"/>
-          </a:effectRef>
-          <a:fontRef idx="minor">
-            <a:schemeClr val="tx1"/>
-          </a:fontRef>
-        </p:style>
-      </p:cxnSp>
-      <p:cxnSp>
-        <p:nvCxnSpPr>
-          <p:cNvPr id="76" name="Connecteur droit avec flèche 75">
-            <a:extLst>
-              <a:ext uri="{FF2B5EF4-FFF2-40B4-BE49-F238E27FC236}">
-                <a16:creationId xmlns:a16="http://schemas.microsoft.com/office/drawing/2014/main" id="{D46E1C0A-D4B7-4889-B9C5-475B4F1C8685}"/>
-              </a:ext>
-            </a:extLst>
-          </p:cNvPr>
-          <p:cNvCxnSpPr>
-            <a:cxnSpLocks/>
-            <a:stCxn id="8" idx="2"/>
-            <a:endCxn id="12" idx="0"/>
-          </p:cNvCxnSpPr>
-          <p:nvPr/>
-        </p:nvCxnSpPr>
-        <p:spPr>
-          <a:xfrm>
-            <a:off x="4019158" y="4341142"/>
-            <a:ext cx="11857" cy="703251"/>
-          </a:xfrm>
-          <a:prstGeom prst="straightConnector1">
-            <a:avLst/>
-          </a:prstGeom>
-          <a:ln w="19050">
-            <a:headEnd type="none" w="med" len="med"/>
-            <a:tailEnd type="arrow" w="med" len="med"/>
-          </a:ln>
-        </p:spPr>
-        <p:style>
-          <a:lnRef idx="1">
-            <a:schemeClr val="accent1"/>
-          </a:lnRef>
-          <a:fillRef idx="0">
-            <a:schemeClr val="accent1"/>
-          </a:fillRef>
-          <a:effectRef idx="0">
-            <a:schemeClr val="accent1"/>
-          </a:effectRef>
-          <a:fontRef idx="minor">
-            <a:schemeClr val="tx1"/>
-          </a:fontRef>
-        </p:style>
-      </p:cxnSp>
-      <p:cxnSp>
-        <p:nvCxnSpPr>
-          <p:cNvPr id="77" name="Connecteur : en angle 76">
-            <a:extLst>
-              <a:ext uri="{FF2B5EF4-FFF2-40B4-BE49-F238E27FC236}">
-                <a16:creationId xmlns:a16="http://schemas.microsoft.com/office/drawing/2014/main" id="{C7288BD5-7DB5-49CB-B431-7AAD55D22535}"/>
-              </a:ext>
-            </a:extLst>
-          </p:cNvPr>
-          <p:cNvCxnSpPr>
-            <a:cxnSpLocks/>
-            <a:stCxn id="17" idx="2"/>
-            <a:endCxn id="14" idx="3"/>
-          </p:cNvCxnSpPr>
-          <p:nvPr/>
-        </p:nvCxnSpPr>
-        <p:spPr>
-          <a:xfrm rot="5400000">
-            <a:off x="5687359" y="3358439"/>
-            <a:ext cx="207306" cy="3393670"/>
-          </a:xfrm>
-          <a:prstGeom prst="bentConnector2">
-            <a:avLst/>
-          </a:prstGeom>
-          <a:ln w="19050">
-            <a:headEnd type="none" w="med" len="med"/>
-            <a:tailEnd type="arrow" w="med" len="med"/>
-          </a:ln>
-        </p:spPr>
-        <p:style>
-          <a:lnRef idx="1">
-            <a:schemeClr val="accent1"/>
-          </a:lnRef>
-          <a:fillRef idx="0">
-            <a:schemeClr val="accent1"/>
-          </a:fillRef>
-          <a:effectRef idx="0">
-            <a:schemeClr val="accent1"/>
-          </a:effectRef>
-          <a:fontRef idx="minor">
-            <a:schemeClr val="tx1"/>
-          </a:fontRef>
-        </p:style>
-      </p:cxnSp>
-      <p:cxnSp>
-        <p:nvCxnSpPr>
-          <p:cNvPr id="78" name="Connecteur : en angle 77">
-            <a:extLst>
-              <a:ext uri="{FF2B5EF4-FFF2-40B4-BE49-F238E27FC236}">
-                <a16:creationId xmlns:a16="http://schemas.microsoft.com/office/drawing/2014/main" id="{CA987016-76DC-4BA0-839D-530486E448B8}"/>
-              </a:ext>
-            </a:extLst>
-          </p:cNvPr>
-          <p:cNvCxnSpPr>
-            <a:cxnSpLocks/>
-            <a:stCxn id="118" idx="2"/>
-            <a:endCxn id="113" idx="3"/>
-          </p:cNvCxnSpPr>
-          <p:nvPr/>
-        </p:nvCxnSpPr>
-        <p:spPr>
-          <a:xfrm rot="5400000">
-            <a:off x="5706809" y="3352490"/>
-            <a:ext cx="483831" cy="3692009"/>
-          </a:xfrm>
-          <a:prstGeom prst="bentConnector2">
-            <a:avLst/>
-          </a:prstGeom>
-          <a:ln w="19050">
-            <a:headEnd type="none" w="med" len="med"/>
-            <a:tailEnd type="arrow" w="med" len="med"/>
-          </a:ln>
-        </p:spPr>
-        <p:style>
-          <a:lnRef idx="1">
-            <a:schemeClr val="accent1"/>
-          </a:lnRef>
-          <a:fillRef idx="0">
-            <a:schemeClr val="accent1"/>
-          </a:fillRef>
-          <a:effectRef idx="0">
-            <a:schemeClr val="accent1"/>
-          </a:effectRef>
-          <a:fontRef idx="minor">
-            <a:schemeClr val="tx1"/>
-          </a:fontRef>
-        </p:style>
-      </p:cxnSp>
-      <p:cxnSp>
-        <p:nvCxnSpPr>
-          <p:cNvPr id="79" name="Connecteur : en angle 78">
-            <a:extLst>
-              <a:ext uri="{FF2B5EF4-FFF2-40B4-BE49-F238E27FC236}">
-                <a16:creationId xmlns:a16="http://schemas.microsoft.com/office/drawing/2014/main" id="{58FF35A5-0DA6-4762-BAD8-24682DB8649E}"/>
-              </a:ext>
-            </a:extLst>
-          </p:cNvPr>
-          <p:cNvCxnSpPr>
-            <a:cxnSpLocks/>
-            <a:stCxn id="16" idx="2"/>
-            <a:endCxn id="15" idx="3"/>
-          </p:cNvCxnSpPr>
-          <p:nvPr/>
-        </p:nvCxnSpPr>
-        <p:spPr>
-          <a:xfrm rot="5400000">
-            <a:off x="5724862" y="3320991"/>
-            <a:ext cx="770423" cy="4031683"/>
-          </a:xfrm>
-          <a:prstGeom prst="bentConnector2">
-            <a:avLst/>
-          </a:prstGeom>
-          <a:ln w="19050">
-            <a:headEnd type="none" w="med" len="med"/>
-            <a:tailEnd type="arrow" w="med" len="med"/>
-          </a:ln>
-        </p:spPr>
-        <p:style>
-          <a:lnRef idx="1">
-            <a:schemeClr val="accent1"/>
-          </a:lnRef>
-          <a:fillRef idx="0">
-            <a:schemeClr val="accent1"/>
-          </a:fillRef>
-          <a:effectRef idx="0">
-            <a:schemeClr val="accent1"/>
-          </a:effectRef>
-          <a:fontRef idx="minor">
-            <a:schemeClr val="tx1"/>
-          </a:fontRef>
-        </p:style>
-      </p:cxnSp>
-      <p:sp>
-        <p:nvSpPr>
-          <p:cNvPr id="80" name="ZoneTexte 79">
-            <a:extLst>
-              <a:ext uri="{FF2B5EF4-FFF2-40B4-BE49-F238E27FC236}">
-                <a16:creationId xmlns:a16="http://schemas.microsoft.com/office/drawing/2014/main" id="{FFB8B304-59EB-4391-9C35-30D414F3DF76}"/>
+      <p:sp>
+        <p:nvSpPr>
+          <p:cNvPr id="115" name="ZoneTexte 114">
+            <a:extLst>
+              <a:ext uri="{FF2B5EF4-FFF2-40B4-BE49-F238E27FC236}">
+                <a16:creationId xmlns:a16="http://schemas.microsoft.com/office/drawing/2014/main" id="{A1BA8A93-C45B-4AEB-910E-2F4CA4A58831}"/>
               </a:ext>
             </a:extLst>
           </p:cNvPr>
@@ -6580,7 +7221,42 @@
         </p:nvSpPr>
         <p:spPr>
           <a:xfrm>
-            <a:off x="4962089" y="5519823"/>
+            <a:off x="2908758" y="5797252"/>
+            <a:ext cx="405123" cy="246221"/>
+          </a:xfrm>
+          <a:prstGeom prst="rect">
+            <a:avLst/>
+          </a:prstGeom>
+          <a:noFill/>
+        </p:spPr>
+        <p:txBody>
+          <a:bodyPr wrap="square" rtlCol="0">
+            <a:spAutoFit/>
+          </a:bodyPr>
+          <a:lstStyle/>
+          <a:p>
+            <a:r>
+              <a:rPr lang="en-US" sz="1000" noProof="1"/>
+              <a:t>0..1</a:t>
+            </a:r>
+          </a:p>
+        </p:txBody>
+      </p:sp>
+      <p:sp>
+        <p:nvSpPr>
+          <p:cNvPr id="194" name="ZoneTexte 193">
+            <a:extLst>
+              <a:ext uri="{FF2B5EF4-FFF2-40B4-BE49-F238E27FC236}">
+                <a16:creationId xmlns:a16="http://schemas.microsoft.com/office/drawing/2014/main" id="{7B97091A-2D1D-47C5-B755-EEF1F70C747D}"/>
+              </a:ext>
+            </a:extLst>
+          </p:cNvPr>
+          <p:cNvSpPr txBox="1"/>
+          <p:nvPr/>
+        </p:nvSpPr>
+        <p:spPr>
+          <a:xfrm>
+            <a:off x="4962089" y="6074615"/>
             <a:ext cx="2743409" cy="246221"/>
           </a:xfrm>
           <a:prstGeom prst="rect">
@@ -6600,648 +7276,17 @@
                   <a:srgbClr val="0070C0"/>
                 </a:solidFill>
               </a:rPr>
-              <a:t>contraindication.diseaseSymptomProcedure</a:t>
-            </a:r>
-          </a:p>
-        </p:txBody>
-      </p:sp>
-      <p:sp>
-        <p:nvSpPr>
-          <p:cNvPr id="81" name="ZoneTexte 80">
-            <a:extLst>
-              <a:ext uri="{FF2B5EF4-FFF2-40B4-BE49-F238E27FC236}">
-                <a16:creationId xmlns:a16="http://schemas.microsoft.com/office/drawing/2014/main" id="{7B5658C6-F9D9-4C64-A7C4-C1A089CA94D1}"/>
-              </a:ext>
-            </a:extLst>
-          </p:cNvPr>
-          <p:cNvSpPr txBox="1"/>
-          <p:nvPr/>
-        </p:nvSpPr>
-        <p:spPr>
-          <a:xfrm>
-            <a:off x="4133614" y="5543820"/>
-            <a:ext cx="405123" cy="246221"/>
-          </a:xfrm>
-          <a:prstGeom prst="rect">
-            <a:avLst/>
-          </a:prstGeom>
-          <a:noFill/>
-        </p:spPr>
-        <p:txBody>
-          <a:bodyPr wrap="square" rtlCol="0">
-            <a:spAutoFit/>
-          </a:bodyPr>
-          <a:lstStyle/>
-          <a:p>
-            <a:r>
-              <a:rPr lang="en-US" sz="1000" noProof="1"/>
-              <a:t>0..1</a:t>
-            </a:r>
-          </a:p>
-        </p:txBody>
-      </p:sp>
-      <p:sp>
-        <p:nvSpPr>
-          <p:cNvPr id="82" name="ZoneTexte 81">
-            <a:extLst>
-              <a:ext uri="{FF2B5EF4-FFF2-40B4-BE49-F238E27FC236}">
-                <a16:creationId xmlns:a16="http://schemas.microsoft.com/office/drawing/2014/main" id="{CA707687-3043-4619-902C-120AB73718CC}"/>
-              </a:ext>
-            </a:extLst>
-          </p:cNvPr>
-          <p:cNvSpPr txBox="1"/>
-          <p:nvPr/>
-        </p:nvSpPr>
-        <p:spPr>
-          <a:xfrm>
-            <a:off x="4962089" y="5228203"/>
-            <a:ext cx="1956680" cy="246221"/>
-          </a:xfrm>
-          <a:prstGeom prst="rect">
-            <a:avLst/>
-          </a:prstGeom>
-          <a:noFill/>
-        </p:spPr>
-        <p:txBody>
-          <a:bodyPr wrap="square" rtlCol="0">
-            <a:spAutoFit/>
-          </a:bodyPr>
-          <a:lstStyle/>
-          <a:p>
-            <a:r>
-              <a:rPr lang="en-US" sz="1000" noProof="1">
-                <a:solidFill>
-                  <a:srgbClr val="0070C0"/>
-                </a:solidFill>
-              </a:rPr>
-              <a:t>contraindication.diseaseStatus</a:t>
-            </a:r>
-          </a:p>
-        </p:txBody>
-      </p:sp>
-      <p:sp>
-        <p:nvSpPr>
-          <p:cNvPr id="83" name="ZoneTexte 82">
-            <a:extLst>
-              <a:ext uri="{FF2B5EF4-FFF2-40B4-BE49-F238E27FC236}">
-                <a16:creationId xmlns:a16="http://schemas.microsoft.com/office/drawing/2014/main" id="{077A9DF6-32C9-438D-868F-E326C8415727}"/>
-              </a:ext>
-            </a:extLst>
-          </p:cNvPr>
-          <p:cNvSpPr txBox="1"/>
-          <p:nvPr/>
-        </p:nvSpPr>
-        <p:spPr>
-          <a:xfrm>
-            <a:off x="4132085" y="5248301"/>
-            <a:ext cx="405123" cy="246221"/>
-          </a:xfrm>
-          <a:prstGeom prst="rect">
-            <a:avLst/>
-          </a:prstGeom>
-          <a:noFill/>
-        </p:spPr>
-        <p:txBody>
-          <a:bodyPr wrap="square" rtlCol="0">
-            <a:spAutoFit/>
-          </a:bodyPr>
-          <a:lstStyle/>
-          <a:p>
-            <a:r>
-              <a:rPr lang="en-US" sz="1000" noProof="1"/>
-              <a:t>0..1</a:t>
-            </a:r>
-          </a:p>
-        </p:txBody>
-      </p:sp>
-      <p:sp>
-        <p:nvSpPr>
-          <p:cNvPr id="84" name="ZoneTexte 83">
-            <a:extLst>
-              <a:ext uri="{FF2B5EF4-FFF2-40B4-BE49-F238E27FC236}">
-                <a16:creationId xmlns:a16="http://schemas.microsoft.com/office/drawing/2014/main" id="{E3C514AD-DA74-4FD2-87A0-D9B0CD96718A}"/>
-              </a:ext>
-            </a:extLst>
-          </p:cNvPr>
-          <p:cNvSpPr txBox="1"/>
-          <p:nvPr/>
-        </p:nvSpPr>
-        <p:spPr>
-          <a:xfrm>
-            <a:off x="4962089" y="4951586"/>
-            <a:ext cx="1942201" cy="246221"/>
-          </a:xfrm>
-          <a:prstGeom prst="rect">
-            <a:avLst/>
-          </a:prstGeom>
-          <a:noFill/>
-        </p:spPr>
-        <p:txBody>
-          <a:bodyPr wrap="square" rtlCol="0">
-            <a:spAutoFit/>
-          </a:bodyPr>
-          <a:lstStyle/>
-          <a:p>
-            <a:r>
-              <a:rPr lang="en-US" sz="1000" noProof="1">
-                <a:solidFill>
-                  <a:srgbClr val="0070C0"/>
-                </a:solidFill>
-              </a:rPr>
-              <a:t>contraindication.comorbidity</a:t>
-            </a:r>
-          </a:p>
-        </p:txBody>
-      </p:sp>
-      <p:sp>
-        <p:nvSpPr>
-          <p:cNvPr id="85" name="ZoneTexte 84">
-            <a:extLst>
-              <a:ext uri="{FF2B5EF4-FFF2-40B4-BE49-F238E27FC236}">
-                <a16:creationId xmlns:a16="http://schemas.microsoft.com/office/drawing/2014/main" id="{9280CE32-85E4-468B-BFEC-8E57DC250F98}"/>
-              </a:ext>
-            </a:extLst>
-          </p:cNvPr>
-          <p:cNvSpPr txBox="1"/>
-          <p:nvPr/>
-        </p:nvSpPr>
-        <p:spPr>
-          <a:xfrm>
-            <a:off x="2217919" y="4789804"/>
-            <a:ext cx="386253" cy="246221"/>
-          </a:xfrm>
-          <a:prstGeom prst="rect">
-            <a:avLst/>
-          </a:prstGeom>
-          <a:noFill/>
-        </p:spPr>
-        <p:txBody>
-          <a:bodyPr wrap="square" rtlCol="0">
-            <a:spAutoFit/>
-          </a:bodyPr>
-          <a:lstStyle/>
-          <a:p>
-            <a:r>
-              <a:rPr lang="en-US" sz="1000" noProof="1"/>
-              <a:t>0..1</a:t>
-            </a:r>
-          </a:p>
-        </p:txBody>
-      </p:sp>
-      <p:sp>
-        <p:nvSpPr>
-          <p:cNvPr id="86" name="ZoneTexte 85">
-            <a:extLst>
-              <a:ext uri="{FF2B5EF4-FFF2-40B4-BE49-F238E27FC236}">
-                <a16:creationId xmlns:a16="http://schemas.microsoft.com/office/drawing/2014/main" id="{2034A71C-9984-4104-8F48-99C4F0353CB7}"/>
-              </a:ext>
-            </a:extLst>
-          </p:cNvPr>
-          <p:cNvSpPr txBox="1"/>
-          <p:nvPr/>
-        </p:nvSpPr>
-        <p:spPr>
-          <a:xfrm>
-            <a:off x="3208419" y="4345976"/>
-            <a:ext cx="876617" cy="400110"/>
-          </a:xfrm>
-          <a:prstGeom prst="rect">
-            <a:avLst/>
-          </a:prstGeom>
-          <a:noFill/>
-        </p:spPr>
-        <p:txBody>
-          <a:bodyPr wrap="square" rtlCol="0">
-            <a:spAutoFit/>
-          </a:bodyPr>
-          <a:lstStyle/>
-          <a:p>
-            <a:pPr algn="ctr"/>
-            <a:r>
-              <a:rPr lang="en-US" sz="1000" noProof="1">
-                <a:solidFill>
-                  <a:srgbClr val="0070C0"/>
-                </a:solidFill>
-              </a:rPr>
-              <a:t>indication</a:t>
-            </a:r>
-          </a:p>
-          <a:p>
-            <a:pPr algn="ctr"/>
-            <a:r>
-              <a:rPr lang="en-US" sz="1000" noProof="1">
-                <a:solidFill>
-                  <a:srgbClr val="0070C0"/>
-                </a:solidFill>
-              </a:rPr>
-              <a:t>.comorbidity</a:t>
-            </a:r>
-          </a:p>
-        </p:txBody>
-      </p:sp>
-      <p:sp>
-        <p:nvSpPr>
-          <p:cNvPr id="87" name="ZoneTexte 86">
-            <a:extLst>
-              <a:ext uri="{FF2B5EF4-FFF2-40B4-BE49-F238E27FC236}">
-                <a16:creationId xmlns:a16="http://schemas.microsoft.com/office/drawing/2014/main" id="{9C81B80E-43C2-4E91-9ED3-AE0BCA83F2FA}"/>
-              </a:ext>
-            </a:extLst>
-          </p:cNvPr>
-          <p:cNvSpPr txBox="1"/>
-          <p:nvPr/>
-        </p:nvSpPr>
-        <p:spPr>
-          <a:xfrm>
-            <a:off x="484631" y="4345976"/>
-            <a:ext cx="2148521" cy="246221"/>
-          </a:xfrm>
-          <a:prstGeom prst="rect">
-            <a:avLst/>
-          </a:prstGeom>
-          <a:noFill/>
-        </p:spPr>
-        <p:txBody>
-          <a:bodyPr wrap="square" rtlCol="0">
-            <a:spAutoFit/>
-          </a:bodyPr>
-          <a:lstStyle/>
-          <a:p>
-            <a:pPr algn="r"/>
-            <a:r>
-              <a:rPr lang="en-US" sz="1000" noProof="1">
-                <a:solidFill>
-                  <a:srgbClr val="0070C0"/>
-                </a:solidFill>
-              </a:rPr>
-              <a:t>indication.diseaseSymptomProcedure</a:t>
-            </a:r>
-          </a:p>
-        </p:txBody>
-      </p:sp>
-      <p:sp>
-        <p:nvSpPr>
-          <p:cNvPr id="88" name="ZoneTexte 87">
-            <a:extLst>
-              <a:ext uri="{FF2B5EF4-FFF2-40B4-BE49-F238E27FC236}">
-                <a16:creationId xmlns:a16="http://schemas.microsoft.com/office/drawing/2014/main" id="{A60DE952-27C4-4BF5-8D44-C7122B97DD53}"/>
-              </a:ext>
-            </a:extLst>
-          </p:cNvPr>
-          <p:cNvSpPr txBox="1"/>
-          <p:nvPr/>
-        </p:nvSpPr>
-        <p:spPr>
-          <a:xfrm>
-            <a:off x="2492511" y="4475614"/>
-            <a:ext cx="945279" cy="400110"/>
-          </a:xfrm>
-          <a:prstGeom prst="rect">
-            <a:avLst/>
-          </a:prstGeom>
-          <a:noFill/>
-        </p:spPr>
-        <p:txBody>
-          <a:bodyPr wrap="square" rtlCol="0">
-            <a:spAutoFit/>
-          </a:bodyPr>
-          <a:lstStyle/>
-          <a:p>
-            <a:pPr algn="ctr"/>
-            <a:r>
-              <a:rPr lang="en-US" sz="1000" noProof="1">
-                <a:solidFill>
-                  <a:srgbClr val="0070C0"/>
-                </a:solidFill>
-              </a:rPr>
-              <a:t>indication</a:t>
-            </a:r>
-          </a:p>
-          <a:p>
-            <a:pPr algn="ctr"/>
-            <a:r>
-              <a:rPr lang="en-US" sz="1000" noProof="1">
-                <a:solidFill>
-                  <a:srgbClr val="0070C0"/>
-                </a:solidFill>
-              </a:rPr>
-              <a:t>.diseaseStatus</a:t>
-            </a:r>
-          </a:p>
-        </p:txBody>
-      </p:sp>
-      <p:sp>
-        <p:nvSpPr>
-          <p:cNvPr id="89" name="ZoneTexte 88">
-            <a:extLst>
-              <a:ext uri="{FF2B5EF4-FFF2-40B4-BE49-F238E27FC236}">
-                <a16:creationId xmlns:a16="http://schemas.microsoft.com/office/drawing/2014/main" id="{199BAC9F-718A-4F9A-A1AE-58E4F4B473B2}"/>
-              </a:ext>
-            </a:extLst>
-          </p:cNvPr>
-          <p:cNvSpPr txBox="1"/>
-          <p:nvPr/>
-        </p:nvSpPr>
-        <p:spPr>
-          <a:xfrm>
-            <a:off x="4013989" y="4345976"/>
-            <a:ext cx="1819711" cy="246221"/>
-          </a:xfrm>
-          <a:prstGeom prst="rect">
-            <a:avLst/>
-          </a:prstGeom>
-          <a:noFill/>
-        </p:spPr>
-        <p:txBody>
-          <a:bodyPr wrap="square" rtlCol="0">
-            <a:spAutoFit/>
-          </a:bodyPr>
-          <a:lstStyle/>
-          <a:p>
-            <a:r>
-              <a:rPr lang="en-US" sz="1000" noProof="1">
-                <a:solidFill>
-                  <a:srgbClr val="0070C0"/>
-                </a:solidFill>
-              </a:rPr>
-              <a:t>indication.intendedEffect</a:t>
-            </a:r>
-          </a:p>
-        </p:txBody>
-      </p:sp>
-      <p:sp>
-        <p:nvSpPr>
-          <p:cNvPr id="91" name="ZoneTexte 90">
-            <a:extLst>
-              <a:ext uri="{FF2B5EF4-FFF2-40B4-BE49-F238E27FC236}">
-                <a16:creationId xmlns:a16="http://schemas.microsoft.com/office/drawing/2014/main" id="{551577DC-2DC2-424D-8290-5F00426C81E0}"/>
-              </a:ext>
-            </a:extLst>
-          </p:cNvPr>
-          <p:cNvSpPr txBox="1"/>
-          <p:nvPr/>
-        </p:nvSpPr>
-        <p:spPr>
-          <a:xfrm>
-            <a:off x="10177624" y="2053746"/>
-            <a:ext cx="1123904" cy="461665"/>
-          </a:xfrm>
-          <a:prstGeom prst="rect">
-            <a:avLst/>
-          </a:prstGeom>
-          <a:noFill/>
-        </p:spPr>
-        <p:txBody>
-          <a:bodyPr wrap="square" rtlCol="0">
-            <a:spAutoFit/>
-          </a:bodyPr>
-          <a:lstStyle/>
-          <a:p>
-            <a:r>
-              <a:rPr lang="en-US" sz="1200" i="1" noProof="1"/>
-              <a:t>Details about an ingredient</a:t>
-            </a:r>
-          </a:p>
-        </p:txBody>
-      </p:sp>
-      <p:cxnSp>
-        <p:nvCxnSpPr>
-          <p:cNvPr id="92" name="Connecteur : en angle 91">
-            <a:extLst>
-              <a:ext uri="{FF2B5EF4-FFF2-40B4-BE49-F238E27FC236}">
-                <a16:creationId xmlns:a16="http://schemas.microsoft.com/office/drawing/2014/main" id="{80E87C63-A4E3-44A3-8CFB-06E0B3AB06D8}"/>
-              </a:ext>
-            </a:extLst>
-          </p:cNvPr>
-          <p:cNvCxnSpPr>
-            <a:cxnSpLocks/>
-            <a:stCxn id="4" idx="3"/>
-            <a:endCxn id="177" idx="1"/>
-          </p:cNvCxnSpPr>
-          <p:nvPr/>
-        </p:nvCxnSpPr>
-        <p:spPr>
-          <a:xfrm>
-            <a:off x="7017861" y="2263997"/>
-            <a:ext cx="1723575" cy="893"/>
-          </a:xfrm>
-          <a:prstGeom prst="bentConnector3">
-            <a:avLst>
-              <a:gd name="adj1" fmla="val 50000"/>
-            </a:avLst>
-          </a:prstGeom>
-          <a:ln w="19050">
-            <a:headEnd type="none" w="med" len="med"/>
-            <a:tailEnd type="arrow" w="med" len="med"/>
-          </a:ln>
-        </p:spPr>
-        <p:style>
-          <a:lnRef idx="1">
-            <a:schemeClr val="accent1"/>
-          </a:lnRef>
-          <a:fillRef idx="0">
-            <a:schemeClr val="accent1"/>
-          </a:fillRef>
-          <a:effectRef idx="0">
-            <a:schemeClr val="accent1"/>
-          </a:effectRef>
-          <a:fontRef idx="minor">
-            <a:schemeClr val="tx1"/>
-          </a:fontRef>
-        </p:style>
-      </p:cxnSp>
-      <p:sp>
-        <p:nvSpPr>
-          <p:cNvPr id="93" name="ZoneTexte 92">
-            <a:extLst>
-              <a:ext uri="{FF2B5EF4-FFF2-40B4-BE49-F238E27FC236}">
-                <a16:creationId xmlns:a16="http://schemas.microsoft.com/office/drawing/2014/main" id="{18E3FFBF-1915-4099-8933-EFE820828D16}"/>
-              </a:ext>
-            </a:extLst>
-          </p:cNvPr>
-          <p:cNvSpPr txBox="1"/>
-          <p:nvPr/>
-        </p:nvSpPr>
-        <p:spPr>
-          <a:xfrm>
-            <a:off x="8402807" y="2279905"/>
-            <a:ext cx="417459" cy="246221"/>
-          </a:xfrm>
-          <a:prstGeom prst="rect">
-            <a:avLst/>
-          </a:prstGeom>
-          <a:noFill/>
-        </p:spPr>
-        <p:txBody>
-          <a:bodyPr wrap="square" rtlCol="0">
-            <a:spAutoFit/>
-          </a:bodyPr>
-          <a:lstStyle/>
-          <a:p>
-            <a:r>
-              <a:rPr lang="en-US" sz="1000" noProof="1"/>
-              <a:t>0..*</a:t>
-            </a:r>
-          </a:p>
-        </p:txBody>
-      </p:sp>
-      <p:cxnSp>
-        <p:nvCxnSpPr>
-          <p:cNvPr id="94" name="Connecteur : en angle 93">
-            <a:extLst>
-              <a:ext uri="{FF2B5EF4-FFF2-40B4-BE49-F238E27FC236}">
-                <a16:creationId xmlns:a16="http://schemas.microsoft.com/office/drawing/2014/main" id="{AF31BB94-EA71-4F17-AAC2-F7F7DCC594F8}"/>
-              </a:ext>
-            </a:extLst>
-          </p:cNvPr>
-          <p:cNvCxnSpPr>
-            <a:cxnSpLocks/>
-            <a:stCxn id="98" idx="2"/>
-            <a:endCxn id="32" idx="0"/>
-          </p:cNvCxnSpPr>
-          <p:nvPr/>
-        </p:nvCxnSpPr>
-        <p:spPr>
-          <a:xfrm rot="16200000" flipH="1">
-            <a:off x="6551135" y="2806097"/>
-            <a:ext cx="1919876" cy="1187682"/>
-          </a:xfrm>
-          <a:prstGeom prst="bentConnector3">
-            <a:avLst>
-              <a:gd name="adj1" fmla="val 20619"/>
-            </a:avLst>
-          </a:prstGeom>
-          <a:ln w="19050">
-            <a:headEnd type="none" w="med" len="med"/>
-            <a:tailEnd type="arrow" w="med" len="med"/>
-          </a:ln>
-        </p:spPr>
-        <p:style>
-          <a:lnRef idx="1">
-            <a:schemeClr val="accent1"/>
-          </a:lnRef>
-          <a:fillRef idx="0">
-            <a:schemeClr val="accent1"/>
-          </a:fillRef>
-          <a:effectRef idx="0">
-            <a:schemeClr val="accent1"/>
-          </a:effectRef>
-          <a:fontRef idx="minor">
-            <a:schemeClr val="tx1"/>
-          </a:fontRef>
-        </p:style>
-      </p:cxnSp>
-      <p:sp>
-        <p:nvSpPr>
-          <p:cNvPr id="95" name="ZoneTexte 94">
-            <a:extLst>
-              <a:ext uri="{FF2B5EF4-FFF2-40B4-BE49-F238E27FC236}">
-                <a16:creationId xmlns:a16="http://schemas.microsoft.com/office/drawing/2014/main" id="{E442B860-ED6A-4E60-9C7A-BD0B4D1A51FB}"/>
-              </a:ext>
-            </a:extLst>
-          </p:cNvPr>
-          <p:cNvSpPr txBox="1"/>
-          <p:nvPr/>
-        </p:nvSpPr>
-        <p:spPr>
-          <a:xfrm>
-            <a:off x="2693966" y="4789804"/>
-            <a:ext cx="386253" cy="246221"/>
-          </a:xfrm>
-          <a:prstGeom prst="rect">
-            <a:avLst/>
-          </a:prstGeom>
-          <a:noFill/>
-        </p:spPr>
-        <p:txBody>
-          <a:bodyPr wrap="square" rtlCol="0">
-            <a:spAutoFit/>
-          </a:bodyPr>
-          <a:lstStyle/>
-          <a:p>
-            <a:r>
-              <a:rPr lang="en-US" sz="1000" noProof="1"/>
-              <a:t>0..1</a:t>
-            </a:r>
-          </a:p>
-        </p:txBody>
-      </p:sp>
-      <p:sp>
-        <p:nvSpPr>
-          <p:cNvPr id="96" name="ZoneTexte 95">
-            <a:extLst>
-              <a:ext uri="{FF2B5EF4-FFF2-40B4-BE49-F238E27FC236}">
-                <a16:creationId xmlns:a16="http://schemas.microsoft.com/office/drawing/2014/main" id="{88838B9B-2672-43F4-BA9B-7104046E6419}"/>
-              </a:ext>
-            </a:extLst>
-          </p:cNvPr>
-          <p:cNvSpPr txBox="1"/>
-          <p:nvPr/>
-        </p:nvSpPr>
-        <p:spPr>
-          <a:xfrm>
-            <a:off x="3294893" y="4794127"/>
-            <a:ext cx="386253" cy="246221"/>
-          </a:xfrm>
-          <a:prstGeom prst="rect">
-            <a:avLst/>
-          </a:prstGeom>
-          <a:noFill/>
-        </p:spPr>
-        <p:txBody>
-          <a:bodyPr wrap="square" rtlCol="0">
-            <a:spAutoFit/>
-          </a:bodyPr>
-          <a:lstStyle/>
-          <a:p>
-            <a:r>
-              <a:rPr lang="en-US" sz="1000" noProof="1"/>
-              <a:t>0..*</a:t>
-            </a:r>
-          </a:p>
-        </p:txBody>
-      </p:sp>
-      <p:sp>
-        <p:nvSpPr>
-          <p:cNvPr id="97" name="ZoneTexte 96">
-            <a:extLst>
-              <a:ext uri="{FF2B5EF4-FFF2-40B4-BE49-F238E27FC236}">
-                <a16:creationId xmlns:a16="http://schemas.microsoft.com/office/drawing/2014/main" id="{198B16B7-A69F-48A5-A1B5-8AAE1A280E2C}"/>
-              </a:ext>
-            </a:extLst>
-          </p:cNvPr>
-          <p:cNvSpPr txBox="1"/>
-          <p:nvPr/>
-        </p:nvSpPr>
-        <p:spPr>
-          <a:xfrm>
-            <a:off x="3725265" y="4795796"/>
-            <a:ext cx="386253" cy="246221"/>
-          </a:xfrm>
-          <a:prstGeom prst="rect">
-            <a:avLst/>
-          </a:prstGeom>
-          <a:noFill/>
-        </p:spPr>
-        <p:txBody>
-          <a:bodyPr wrap="square" rtlCol="0">
-            <a:spAutoFit/>
-          </a:bodyPr>
-          <a:lstStyle/>
-          <a:p>
-            <a:r>
-              <a:rPr lang="en-US" sz="1000" noProof="1"/>
-              <a:t>0..1</a:t>
-            </a:r>
-          </a:p>
-        </p:txBody>
-      </p:sp>
-      <p:sp>
-        <p:nvSpPr>
-          <p:cNvPr id="98" name="Rectangle 97">
-            <a:extLst>
-              <a:ext uri="{FF2B5EF4-FFF2-40B4-BE49-F238E27FC236}">
-                <a16:creationId xmlns:a16="http://schemas.microsoft.com/office/drawing/2014/main" id="{9655016C-23E5-4F9B-A388-EFF435C3409A}"/>
+              <a:t>interaction.effect</a:t>
+            </a:r>
+          </a:p>
+        </p:txBody>
+      </p:sp>
+      <p:sp>
+        <p:nvSpPr>
+          <p:cNvPr id="118" name="Rectangle 117">
+            <a:extLst>
+              <a:ext uri="{FF2B5EF4-FFF2-40B4-BE49-F238E27FC236}">
+                <a16:creationId xmlns:a16="http://schemas.microsoft.com/office/drawing/2014/main" id="{22600506-07A5-4F8E-AAB5-3473FC22A5DA}"/>
               </a:ext>
             </a:extLst>
           </p:cNvPr>
@@ -7250,7 +7295,7 @@
         </p:nvSpPr>
         <p:spPr>
           <a:xfrm>
-            <a:off x="6868876" y="2307720"/>
+            <a:off x="7746372" y="4824299"/>
             <a:ext cx="96711" cy="132280"/>
           </a:xfrm>
           <a:prstGeom prst="rect">
@@ -7284,10 +7329,10 @@
       </p:sp>
       <p:sp>
         <p:nvSpPr>
-          <p:cNvPr id="99" name="Rectangle 98">
-            <a:extLst>
-              <a:ext uri="{FF2B5EF4-FFF2-40B4-BE49-F238E27FC236}">
-                <a16:creationId xmlns:a16="http://schemas.microsoft.com/office/drawing/2014/main" id="{3A68FF18-EDD8-4903-A85F-D664E85658FE}"/>
+          <p:cNvPr id="32" name="Rectangle 31">
+            <a:extLst>
+              <a:ext uri="{FF2B5EF4-FFF2-40B4-BE49-F238E27FC236}">
+                <a16:creationId xmlns:a16="http://schemas.microsoft.com/office/drawing/2014/main" id="{5646F790-574D-4238-9A9A-0219D8BBBE58}"/>
               </a:ext>
             </a:extLst>
           </p:cNvPr>
@@ -7296,8 +7341,8 @@
         </p:nvSpPr>
         <p:spPr>
           <a:xfrm>
-            <a:off x="8514600" y="5165152"/>
-            <a:ext cx="1886827" cy="671288"/>
+            <a:off x="7192495" y="4359876"/>
+            <a:ext cx="1824838" cy="648890"/>
           </a:xfrm>
           <a:prstGeom prst="rect">
             <a:avLst/>
@@ -7348,7 +7393,7 @@
           </a:fontRef>
         </p:style>
         <p:txBody>
-          <a:bodyPr lIns="0" rIns="0" rtlCol="0" anchor="ctr"/>
+          <a:bodyPr rtlCol="0" anchor="ctr"/>
           <a:lstStyle/>
           <a:p>
             <a:pPr algn="ctr"/>
@@ -7358,7 +7403,7 @@
                   <a:srgbClr val="FFFF00"/>
                 </a:solidFill>
               </a:rPr>
-              <a:t>UndesirableEffectDefinition</a:t>
+              <a:t>ContraindicationDefinition</a:t>
             </a:r>
           </a:p>
           <a:p>
@@ -7369,264 +7414,109 @@
                   <a:srgbClr val="FFFF00"/>
                 </a:solidFill>
               </a:rPr>
-              <a:t>profile of </a:t>
-            </a:r>
-          </a:p>
-          <a:p>
-            <a:pPr algn="ctr"/>
-            <a:r>
-              <a:rPr lang="en-US" sz="1200" noProof="1">
-                <a:solidFill>
-                  <a:srgbClr val="FFFF00"/>
-                </a:solidFill>
-              </a:rPr>
-              <a:t>ClinicalUseDefinition</a:t>
-            </a:r>
-          </a:p>
-        </p:txBody>
-      </p:sp>
-      <p:cxnSp>
-        <p:nvCxnSpPr>
-          <p:cNvPr id="100" name="Connecteur : en angle 99">
-            <a:extLst>
-              <a:ext uri="{FF2B5EF4-FFF2-40B4-BE49-F238E27FC236}">
-                <a16:creationId xmlns:a16="http://schemas.microsoft.com/office/drawing/2014/main" id="{6893540D-735B-4E54-BE0D-A0CB18D585E6}"/>
-              </a:ext>
-            </a:extLst>
-          </p:cNvPr>
-          <p:cNvCxnSpPr>
-            <a:cxnSpLocks/>
-            <a:stCxn id="98" idx="2"/>
-            <a:endCxn id="99" idx="0"/>
-          </p:cNvCxnSpPr>
-          <p:nvPr/>
-        </p:nvCxnSpPr>
-        <p:spPr>
-          <a:xfrm rot="16200000" flipH="1">
-            <a:off x="6825047" y="2532185"/>
-            <a:ext cx="2725152" cy="2540782"/>
-          </a:xfrm>
-          <a:prstGeom prst="bentConnector3">
-            <a:avLst>
-              <a:gd name="adj1" fmla="val 14485"/>
-            </a:avLst>
-          </a:prstGeom>
-          <a:ln w="19050">
-            <a:headEnd type="none" w="med" len="med"/>
-            <a:tailEnd type="arrow" w="med" len="med"/>
-          </a:ln>
+              <a:t>profile of ClinicalUseDefinition</a:t>
+            </a:r>
+          </a:p>
+        </p:txBody>
+      </p:sp>
+      <p:sp>
+        <p:nvSpPr>
+          <p:cNvPr id="5" name="Rectangle 4">
+            <a:extLst>
+              <a:ext uri="{FF2B5EF4-FFF2-40B4-BE49-F238E27FC236}">
+                <a16:creationId xmlns:a16="http://schemas.microsoft.com/office/drawing/2014/main" id="{99FB1993-E895-4A54-B43B-A032379B29F8}"/>
+              </a:ext>
+            </a:extLst>
+          </p:cNvPr>
+          <p:cNvSpPr/>
+          <p:nvPr/>
+        </p:nvSpPr>
+        <p:spPr>
+          <a:xfrm>
+            <a:off x="5544000" y="1687364"/>
+            <a:ext cx="105126" cy="385186"/>
+          </a:xfrm>
+          <a:prstGeom prst="rect">
+            <a:avLst/>
+          </a:prstGeom>
         </p:spPr>
         <p:style>
-          <a:lnRef idx="1">
-            <a:schemeClr val="accent1"/>
+          <a:lnRef idx="2">
+            <a:schemeClr val="accent1">
+              <a:shade val="50000"/>
+            </a:schemeClr>
           </a:lnRef>
-          <a:fillRef idx="0">
+          <a:fillRef idx="1">
             <a:schemeClr val="accent1"/>
           </a:fillRef>
           <a:effectRef idx="0">
             <a:schemeClr val="accent1"/>
           </a:effectRef>
           <a:fontRef idx="minor">
-            <a:schemeClr val="tx1"/>
+            <a:schemeClr val="lt1"/>
           </a:fontRef>
         </p:style>
-      </p:cxnSp>
-      <p:sp>
-        <p:nvSpPr>
-          <p:cNvPr id="101" name="ZoneTexte 100">
-            <a:extLst>
-              <a:ext uri="{FF2B5EF4-FFF2-40B4-BE49-F238E27FC236}">
-                <a16:creationId xmlns:a16="http://schemas.microsoft.com/office/drawing/2014/main" id="{94EFD1B4-9D10-49A7-B64A-0018FEBF4404}"/>
-              </a:ext>
-            </a:extLst>
-          </p:cNvPr>
-          <p:cNvSpPr txBox="1"/>
-          <p:nvPr/>
-        </p:nvSpPr>
-        <p:spPr>
-          <a:xfrm>
-            <a:off x="7725338" y="4103291"/>
-            <a:ext cx="528095" cy="246221"/>
-          </a:xfrm>
-          <a:prstGeom prst="rect">
-            <a:avLst/>
-          </a:prstGeom>
-          <a:noFill/>
-        </p:spPr>
-        <p:txBody>
-          <a:bodyPr wrap="square" rtlCol="0">
-            <a:spAutoFit/>
-          </a:bodyPr>
-          <a:lstStyle/>
-          <a:p>
-            <a:r>
-              <a:rPr lang="en-US" sz="1000" noProof="1"/>
-              <a:t>0..*</a:t>
-            </a:r>
-          </a:p>
-        </p:txBody>
-      </p:sp>
-      <p:sp>
-        <p:nvSpPr>
-          <p:cNvPr id="102" name="ZoneTexte 101">
-            <a:extLst>
-              <a:ext uri="{FF2B5EF4-FFF2-40B4-BE49-F238E27FC236}">
-                <a16:creationId xmlns:a16="http://schemas.microsoft.com/office/drawing/2014/main" id="{5CA9BD92-F468-4628-ADCE-B46C42DD02AD}"/>
-              </a:ext>
-            </a:extLst>
-          </p:cNvPr>
-          <p:cNvSpPr txBox="1"/>
-          <p:nvPr/>
-        </p:nvSpPr>
-        <p:spPr>
-          <a:xfrm>
-            <a:off x="9064504" y="4951028"/>
-            <a:ext cx="399218" cy="246221"/>
-          </a:xfrm>
-          <a:prstGeom prst="rect">
-            <a:avLst/>
-          </a:prstGeom>
-          <a:noFill/>
-        </p:spPr>
-        <p:txBody>
-          <a:bodyPr wrap="square" rtlCol="0">
-            <a:spAutoFit/>
-          </a:bodyPr>
-          <a:lstStyle/>
-          <a:p>
-            <a:r>
-              <a:rPr lang="en-US" sz="1000" noProof="1"/>
-              <a:t>0..*</a:t>
-            </a:r>
-          </a:p>
-        </p:txBody>
-      </p:sp>
-      <p:cxnSp>
-        <p:nvCxnSpPr>
-          <p:cNvPr id="103" name="Connecteur : en angle 102">
-            <a:extLst>
-              <a:ext uri="{FF2B5EF4-FFF2-40B4-BE49-F238E27FC236}">
-                <a16:creationId xmlns:a16="http://schemas.microsoft.com/office/drawing/2014/main" id="{1835DAE2-7BB9-43E4-B25C-9194549213AE}"/>
-              </a:ext>
-            </a:extLst>
-          </p:cNvPr>
-          <p:cNvCxnSpPr>
-            <a:cxnSpLocks/>
-            <a:stCxn id="99" idx="2"/>
-            <a:endCxn id="111" idx="2"/>
-          </p:cNvCxnSpPr>
-          <p:nvPr/>
-        </p:nvCxnSpPr>
-        <p:spPr>
-          <a:xfrm rot="5400000" flipH="1">
-            <a:off x="6571150" y="2949577"/>
-            <a:ext cx="12629" cy="5761098"/>
-          </a:xfrm>
-          <a:prstGeom prst="bentConnector3">
-            <a:avLst>
-              <a:gd name="adj1" fmla="val -1810120"/>
-            </a:avLst>
-          </a:prstGeom>
-          <a:ln w="19050">
-            <a:headEnd type="none" w="med" len="med"/>
-            <a:tailEnd type="arrow" w="med" len="med"/>
-          </a:ln>
+        <p:txBody>
+          <a:bodyPr rtlCol="0" anchor="ctr"/>
+          <a:lstStyle/>
+          <a:p>
+            <a:pPr algn="ctr"/>
+            <a:endParaRPr lang="en-US" sz="2000"/>
+          </a:p>
+        </p:txBody>
+      </p:sp>
+      <p:sp>
+        <p:nvSpPr>
+          <p:cNvPr id="45" name="Rectangle 44">
+            <a:extLst>
+              <a:ext uri="{FF2B5EF4-FFF2-40B4-BE49-F238E27FC236}">
+                <a16:creationId xmlns:a16="http://schemas.microsoft.com/office/drawing/2014/main" id="{5C7652CC-F8FD-4C87-8479-64ABAE0F22CB}"/>
+              </a:ext>
+            </a:extLst>
+          </p:cNvPr>
+          <p:cNvSpPr/>
+          <p:nvPr/>
+        </p:nvSpPr>
+        <p:spPr>
+          <a:xfrm>
+            <a:off x="6776517" y="1692234"/>
+            <a:ext cx="180469" cy="125810"/>
+          </a:xfrm>
+          <a:prstGeom prst="rect">
+            <a:avLst/>
+          </a:prstGeom>
         </p:spPr>
         <p:style>
-          <a:lnRef idx="1">
-            <a:schemeClr val="accent1"/>
+          <a:lnRef idx="2">
+            <a:schemeClr val="accent1">
+              <a:shade val="50000"/>
+            </a:schemeClr>
           </a:lnRef>
-          <a:fillRef idx="0">
+          <a:fillRef idx="1">
             <a:schemeClr val="accent1"/>
           </a:fillRef>
           <a:effectRef idx="0">
             <a:schemeClr val="accent1"/>
           </a:effectRef>
           <a:fontRef idx="minor">
-            <a:schemeClr val="tx1"/>
+            <a:schemeClr val="lt1"/>
           </a:fontRef>
         </p:style>
-      </p:cxnSp>
-      <p:sp>
-        <p:nvSpPr>
-          <p:cNvPr id="104" name="ZoneTexte 103">
-            <a:extLst>
-              <a:ext uri="{FF2B5EF4-FFF2-40B4-BE49-F238E27FC236}">
-                <a16:creationId xmlns:a16="http://schemas.microsoft.com/office/drawing/2014/main" id="{A376255D-039B-43BA-81E1-0D7E5A6EA8AB}"/>
-              </a:ext>
-            </a:extLst>
-          </p:cNvPr>
-          <p:cNvSpPr txBox="1"/>
-          <p:nvPr/>
-        </p:nvSpPr>
-        <p:spPr>
-          <a:xfrm>
-            <a:off x="3710811" y="5800112"/>
-            <a:ext cx="405123" cy="246221"/>
-          </a:xfrm>
-          <a:prstGeom prst="rect">
-            <a:avLst/>
-          </a:prstGeom>
-          <a:noFill/>
-        </p:spPr>
-        <p:txBody>
-          <a:bodyPr wrap="square" rtlCol="0">
-            <a:spAutoFit/>
-          </a:bodyPr>
-          <a:lstStyle/>
-          <a:p>
-            <a:r>
-              <a:rPr lang="en-US" sz="1000" noProof="1"/>
-              <a:t>0..1</a:t>
-            </a:r>
-          </a:p>
-        </p:txBody>
-      </p:sp>
-      <p:sp>
-        <p:nvSpPr>
-          <p:cNvPr id="105" name="ZoneTexte 104">
-            <a:extLst>
-              <a:ext uri="{FF2B5EF4-FFF2-40B4-BE49-F238E27FC236}">
-                <a16:creationId xmlns:a16="http://schemas.microsoft.com/office/drawing/2014/main" id="{F8B3CF8F-BBF4-4507-8FA7-42DC32547BF8}"/>
-              </a:ext>
-            </a:extLst>
-          </p:cNvPr>
-          <p:cNvSpPr txBox="1"/>
-          <p:nvPr/>
-        </p:nvSpPr>
-        <p:spPr>
-          <a:xfrm>
-            <a:off x="4962089" y="5852389"/>
-            <a:ext cx="2743409" cy="246221"/>
-          </a:xfrm>
-          <a:prstGeom prst="rect">
-            <a:avLst/>
-          </a:prstGeom>
-          <a:noFill/>
-        </p:spPr>
-        <p:txBody>
-          <a:bodyPr wrap="square" rtlCol="0">
-            <a:spAutoFit/>
-          </a:bodyPr>
-          <a:lstStyle/>
-          <a:p>
-            <a:r>
-              <a:rPr lang="en-US" sz="1000" noProof="1">
-                <a:solidFill>
-                  <a:srgbClr val="0070C0"/>
-                </a:solidFill>
-              </a:rPr>
-              <a:t>undesirableEffect.symptomConditionEffect</a:t>
-            </a:r>
-          </a:p>
-        </p:txBody>
-      </p:sp>
-      <p:sp>
-        <p:nvSpPr>
-          <p:cNvPr id="106" name="Rectangle 105">
-            <a:extLst>
-              <a:ext uri="{FF2B5EF4-FFF2-40B4-BE49-F238E27FC236}">
-                <a16:creationId xmlns:a16="http://schemas.microsoft.com/office/drawing/2014/main" id="{E0E06B7C-F6E6-4961-A3AC-C71B25A1B8A6}"/>
+        <p:txBody>
+          <a:bodyPr rtlCol="0" anchor="ctr"/>
+          <a:lstStyle/>
+          <a:p>
+            <a:pPr algn="ctr"/>
+            <a:endParaRPr lang="fr-FR" sz="1050"/>
+          </a:p>
+        </p:txBody>
+      </p:sp>
+      <p:sp>
+        <p:nvSpPr>
+          <p:cNvPr id="114" name="Rectangle 113">
+            <a:extLst>
+              <a:ext uri="{FF2B5EF4-FFF2-40B4-BE49-F238E27FC236}">
+                <a16:creationId xmlns:a16="http://schemas.microsoft.com/office/drawing/2014/main" id="{79B6C1C6-DB63-4910-B033-6AA7BC75C979}"/>
               </a:ext>
             </a:extLst>
           </p:cNvPr>
@@ -7635,8 +7525,8 @@
         </p:nvSpPr>
         <p:spPr>
           <a:xfrm>
-            <a:off x="10070698" y="5986017"/>
-            <a:ext cx="1524638" cy="601464"/>
+            <a:off x="5410125" y="1682263"/>
+            <a:ext cx="1623937" cy="766043"/>
           </a:xfrm>
           <a:prstGeom prst="rect">
             <a:avLst/>
@@ -7687,7 +7577,7 @@
           </a:fontRef>
         </p:style>
         <p:txBody>
-          <a:bodyPr rtlCol="0" anchor="ctr"/>
+          <a:bodyPr lIns="36000" rIns="36000" rtlCol="0" anchor="ctr"/>
           <a:lstStyle/>
           <a:p>
             <a:pPr algn="ctr"/>
@@ -7697,7 +7587,7 @@
                   <a:srgbClr val="FFFF00"/>
                 </a:solidFill>
               </a:rPr>
-              <a:t>InteractionDefinition</a:t>
+              <a:t>DrugKnowledge</a:t>
             </a:r>
           </a:p>
           <a:p>
@@ -7708,35 +7598,143 @@
                   <a:srgbClr val="FFFF00"/>
                 </a:solidFill>
               </a:rPr>
-              <a:t>profile of ClinicalUseDefinition</a:t>
+              <a:t>profile of MedicationKnowledge</a:t>
+            </a:r>
+          </a:p>
+        </p:txBody>
+      </p:sp>
+      <p:sp>
+        <p:nvSpPr>
+          <p:cNvPr id="111" name="Rectangle 110">
+            <a:extLst>
+              <a:ext uri="{FF2B5EF4-FFF2-40B4-BE49-F238E27FC236}">
+                <a16:creationId xmlns:a16="http://schemas.microsoft.com/office/drawing/2014/main" id="{8DA159AD-0D4A-4117-B840-3204521369E3}"/>
+              </a:ext>
+            </a:extLst>
+          </p:cNvPr>
+          <p:cNvSpPr/>
+          <p:nvPr/>
+        </p:nvSpPr>
+        <p:spPr>
+          <a:xfrm>
+            <a:off x="3648560" y="5691531"/>
+            <a:ext cx="96711" cy="132280"/>
+          </a:xfrm>
+          <a:prstGeom prst="rect">
+            <a:avLst/>
+          </a:prstGeom>
+        </p:spPr>
+        <p:style>
+          <a:lnRef idx="2">
+            <a:schemeClr val="accent1">
+              <a:shade val="50000"/>
+            </a:schemeClr>
+          </a:lnRef>
+          <a:fillRef idx="1">
+            <a:schemeClr val="accent1"/>
+          </a:fillRef>
+          <a:effectRef idx="0">
+            <a:schemeClr val="accent1"/>
+          </a:effectRef>
+          <a:fontRef idx="minor">
+            <a:schemeClr val="lt1"/>
+          </a:fontRef>
+        </p:style>
+        <p:txBody>
+          <a:bodyPr rtlCol="0" anchor="ctr"/>
+          <a:lstStyle/>
+          <a:p>
+            <a:pPr algn="ctr"/>
+            <a:endParaRPr lang="fr-FR" sz="1050"/>
+          </a:p>
+        </p:txBody>
+      </p:sp>
+      <p:sp>
+        <p:nvSpPr>
+          <p:cNvPr id="124" name="Rectangle 123">
+            <a:extLst>
+              <a:ext uri="{FF2B5EF4-FFF2-40B4-BE49-F238E27FC236}">
+                <a16:creationId xmlns:a16="http://schemas.microsoft.com/office/drawing/2014/main" id="{529A5B53-3565-479E-B2DB-9E790BF7326B}"/>
+              </a:ext>
+            </a:extLst>
+          </p:cNvPr>
+          <p:cNvSpPr/>
+          <p:nvPr/>
+        </p:nvSpPr>
+        <p:spPr>
+          <a:xfrm>
+            <a:off x="5634516" y="487670"/>
+            <a:ext cx="1232235" cy="612769"/>
+          </a:xfrm>
+          <a:prstGeom prst="rect">
+            <a:avLst/>
+          </a:prstGeom>
+          <a:solidFill>
+            <a:schemeClr val="bg1"/>
+          </a:solidFill>
+          <a:ln>
+            <a:solidFill>
+              <a:schemeClr val="accent1"/>
+            </a:solidFill>
+          </a:ln>
+          <a:effectLst/>
+        </p:spPr>
+        <p:style>
+          <a:lnRef idx="2">
+            <a:schemeClr val="accent1">
+              <a:shade val="50000"/>
+            </a:schemeClr>
+          </a:lnRef>
+          <a:fillRef idx="1">
+            <a:schemeClr val="accent1"/>
+          </a:fillRef>
+          <a:effectRef idx="0">
+            <a:schemeClr val="accent1"/>
+          </a:effectRef>
+          <a:fontRef idx="minor">
+            <a:schemeClr val="lt1"/>
+          </a:fontRef>
+        </p:style>
+        <p:txBody>
+          <a:bodyPr rtlCol="0" anchor="ctr"/>
+          <a:lstStyle/>
+          <a:p>
+            <a:pPr algn="ctr"/>
+            <a:r>
+              <a:rPr lang="en-US" sz="1200" noProof="1">
+                <a:solidFill>
+                  <a:srgbClr val="0070C0"/>
+                </a:solidFill>
+              </a:rPr>
+              <a:t>Any</a:t>
             </a:r>
           </a:p>
         </p:txBody>
       </p:sp>
       <p:cxnSp>
         <p:nvCxnSpPr>
-          <p:cNvPr id="107" name="Connecteur : en angle 106">
-            <a:extLst>
-              <a:ext uri="{FF2B5EF4-FFF2-40B4-BE49-F238E27FC236}">
-                <a16:creationId xmlns:a16="http://schemas.microsoft.com/office/drawing/2014/main" id="{95B53F9C-C42C-4106-9B57-E0D5105101D9}"/>
+          <p:cNvPr id="125" name="Connecteur : en angle 124">
+            <a:extLst>
+              <a:ext uri="{FF2B5EF4-FFF2-40B4-BE49-F238E27FC236}">
+                <a16:creationId xmlns:a16="http://schemas.microsoft.com/office/drawing/2014/main" id="{09B48E84-9AE2-405A-9022-0EBD678895E9}"/>
               </a:ext>
             </a:extLst>
           </p:cNvPr>
           <p:cNvCxnSpPr>
             <a:cxnSpLocks/>
-            <a:stCxn id="98" idx="2"/>
-            <a:endCxn id="106" idx="0"/>
+            <a:stCxn id="30" idx="3"/>
+            <a:endCxn id="124" idx="1"/>
           </p:cNvCxnSpPr>
           <p:nvPr/>
         </p:nvCxnSpPr>
         <p:spPr>
-          <a:xfrm rot="16200000" flipH="1">
-            <a:off x="7102116" y="2255115"/>
-            <a:ext cx="3546017" cy="3915785"/>
+          <a:xfrm flipV="1">
+            <a:off x="4037153" y="794055"/>
+            <a:ext cx="1597363" cy="1"/>
           </a:xfrm>
           <a:prstGeom prst="bentConnector3">
             <a:avLst>
-              <a:gd name="adj1" fmla="val 11153"/>
+              <a:gd name="adj1" fmla="val 50000"/>
             </a:avLst>
           </a:prstGeom>
           <a:ln w="19050">
@@ -7759,170 +7757,31 @@
           </a:fontRef>
         </p:style>
       </p:cxnSp>
-      <p:sp>
-        <p:nvSpPr>
-          <p:cNvPr id="108" name="ZoneTexte 107">
-            <a:extLst>
-              <a:ext uri="{FF2B5EF4-FFF2-40B4-BE49-F238E27FC236}">
-                <a16:creationId xmlns:a16="http://schemas.microsoft.com/office/drawing/2014/main" id="{4589A9CB-6C83-4E95-BDBA-DA21BC9A597D}"/>
-              </a:ext>
-            </a:extLst>
-          </p:cNvPr>
-          <p:cNvSpPr txBox="1"/>
-          <p:nvPr/>
-        </p:nvSpPr>
-        <p:spPr>
-          <a:xfrm>
-            <a:off x="10484823" y="5788152"/>
-            <a:ext cx="465084" cy="246221"/>
-          </a:xfrm>
-          <a:prstGeom prst="rect">
-            <a:avLst/>
-          </a:prstGeom>
-          <a:noFill/>
-        </p:spPr>
-        <p:txBody>
-          <a:bodyPr wrap="square" rtlCol="0">
-            <a:spAutoFit/>
-          </a:bodyPr>
-          <a:lstStyle/>
-          <a:p>
-            <a:r>
-              <a:rPr lang="en-US" sz="1000" noProof="1"/>
-              <a:t>0..*</a:t>
-            </a:r>
-          </a:p>
-        </p:txBody>
-      </p:sp>
-      <p:sp>
-        <p:nvSpPr>
-          <p:cNvPr id="109" name="ZoneTexte 108">
-            <a:extLst>
-              <a:ext uri="{FF2B5EF4-FFF2-40B4-BE49-F238E27FC236}">
-                <a16:creationId xmlns:a16="http://schemas.microsoft.com/office/drawing/2014/main" id="{A92452E6-AEE7-49F6-A917-E95A3EC45AAB}"/>
-              </a:ext>
-            </a:extLst>
-          </p:cNvPr>
-          <p:cNvSpPr txBox="1"/>
-          <p:nvPr/>
-        </p:nvSpPr>
-        <p:spPr>
-          <a:xfrm>
-            <a:off x="9442168" y="4427807"/>
-            <a:ext cx="964247" cy="646331"/>
-          </a:xfrm>
-          <a:prstGeom prst="rect">
-            <a:avLst/>
-          </a:prstGeom>
-          <a:noFill/>
-        </p:spPr>
-        <p:txBody>
-          <a:bodyPr wrap="square" rtlCol="0">
-            <a:spAutoFit/>
-          </a:bodyPr>
-          <a:lstStyle>
-            <a:defPPr>
-              <a:defRPr lang="fr-FR"/>
-            </a:defPPr>
-            <a:lvl1pPr>
-              <a:defRPr>
-                <a:solidFill>
-                  <a:schemeClr val="accent1">
-                    <a:lumMod val="60000"/>
-                    <a:lumOff val="40000"/>
-                  </a:schemeClr>
-                </a:solidFill>
-              </a:defRPr>
-            </a:lvl1pPr>
-          </a:lstStyle>
-          <a:p>
-            <a:r>
-              <a:rPr lang="en-US" sz="1200" i="1" noProof="1">
-                <a:solidFill>
-                  <a:schemeClr val="tx1"/>
-                </a:solidFill>
-              </a:rPr>
-              <a:t>An undesirable effect</a:t>
-            </a:r>
-          </a:p>
-        </p:txBody>
-      </p:sp>
-      <p:sp>
-        <p:nvSpPr>
-          <p:cNvPr id="110" name="ZoneTexte 109">
-            <a:extLst>
-              <a:ext uri="{FF2B5EF4-FFF2-40B4-BE49-F238E27FC236}">
-                <a16:creationId xmlns:a16="http://schemas.microsoft.com/office/drawing/2014/main" id="{A73A546A-5E27-421D-B102-603CDC867588}"/>
-              </a:ext>
-            </a:extLst>
-          </p:cNvPr>
-          <p:cNvSpPr txBox="1"/>
-          <p:nvPr/>
-        </p:nvSpPr>
-        <p:spPr>
-          <a:xfrm>
-            <a:off x="10807547" y="5593418"/>
-            <a:ext cx="1089470" cy="276999"/>
-          </a:xfrm>
-          <a:prstGeom prst="rect">
-            <a:avLst/>
-          </a:prstGeom>
-          <a:noFill/>
-        </p:spPr>
-        <p:txBody>
-          <a:bodyPr wrap="square" rtlCol="0">
-            <a:spAutoFit/>
-          </a:bodyPr>
-          <a:lstStyle>
-            <a:defPPr>
-              <a:defRPr lang="fr-FR"/>
-            </a:defPPr>
-            <a:lvl1pPr>
-              <a:defRPr>
-                <a:solidFill>
-                  <a:schemeClr val="accent1">
-                    <a:lumMod val="60000"/>
-                    <a:lumOff val="40000"/>
-                  </a:schemeClr>
-                </a:solidFill>
-              </a:defRPr>
-            </a:lvl1pPr>
-          </a:lstStyle>
-          <a:p>
-            <a:r>
-              <a:rPr lang="en-US" sz="1200" i="1" noProof="1">
-                <a:solidFill>
-                  <a:schemeClr val="tx1"/>
-                </a:solidFill>
-              </a:rPr>
-              <a:t>An interaction</a:t>
-            </a:r>
-          </a:p>
-        </p:txBody>
-      </p:sp>
       <p:cxnSp>
         <p:nvCxnSpPr>
-          <p:cNvPr id="112" name="Connecteur : en angle 111">
-            <a:extLst>
-              <a:ext uri="{FF2B5EF4-FFF2-40B4-BE49-F238E27FC236}">
-                <a16:creationId xmlns:a16="http://schemas.microsoft.com/office/drawing/2014/main" id="{5A13EB4F-088D-4A36-867B-E9F255B5C9C8}"/>
+          <p:cNvPr id="135" name="Connecteur : en angle 134">
+            <a:extLst>
+              <a:ext uri="{FF2B5EF4-FFF2-40B4-BE49-F238E27FC236}">
+                <a16:creationId xmlns:a16="http://schemas.microsoft.com/office/drawing/2014/main" id="{D9F558CD-5D97-44CA-BC1C-9433EA040700}"/>
               </a:ext>
             </a:extLst>
           </p:cNvPr>
           <p:cNvCxnSpPr>
             <a:cxnSpLocks/>
-            <a:stCxn id="106" idx="1"/>
-            <a:endCxn id="113" idx="2"/>
+            <a:stCxn id="46" idx="1"/>
+            <a:endCxn id="124" idx="3"/>
           </p:cNvCxnSpPr>
           <p:nvPr/>
         </p:nvCxnSpPr>
         <p:spPr>
           <a:xfrm rot="10800000">
-            <a:off x="3272694" y="5838651"/>
-            <a:ext cx="6798005" cy="448099"/>
-          </a:xfrm>
-          <a:prstGeom prst="bentConnector2">
-            <a:avLst/>
+            <a:off x="6866752" y="794056"/>
+            <a:ext cx="1854395" cy="1"/>
+          </a:xfrm>
+          <a:prstGeom prst="bentConnector3">
+            <a:avLst>
+              <a:gd name="adj1" fmla="val 50000"/>
+            </a:avLst>
           </a:prstGeom>
           <a:ln w="19050">
             <a:headEnd type="none" w="med" len="med"/>
@@ -7946,10 +7805,10 @@
       </p:cxnSp>
       <p:sp>
         <p:nvSpPr>
-          <p:cNvPr id="115" name="ZoneTexte 114">
-            <a:extLst>
-              <a:ext uri="{FF2B5EF4-FFF2-40B4-BE49-F238E27FC236}">
-                <a16:creationId xmlns:a16="http://schemas.microsoft.com/office/drawing/2014/main" id="{A1BA8A93-C45B-4AEB-910E-2F4CA4A58831}"/>
+          <p:cNvPr id="138" name="ZoneTexte 137">
+            <a:extLst>
+              <a:ext uri="{FF2B5EF4-FFF2-40B4-BE49-F238E27FC236}">
+                <a16:creationId xmlns:a16="http://schemas.microsoft.com/office/drawing/2014/main" id="{EB604591-8E0B-4FE6-8C2E-36FF9685F168}"/>
               </a:ext>
             </a:extLst>
           </p:cNvPr>
@@ -7958,43 +7817,8 @@
         </p:nvSpPr>
         <p:spPr>
           <a:xfrm>
-            <a:off x="2908758" y="5797252"/>
-            <a:ext cx="405123" cy="246221"/>
-          </a:xfrm>
-          <a:prstGeom prst="rect">
-            <a:avLst/>
-          </a:prstGeom>
-          <a:noFill/>
-        </p:spPr>
-        <p:txBody>
-          <a:bodyPr wrap="square" rtlCol="0">
-            <a:spAutoFit/>
-          </a:bodyPr>
-          <a:lstStyle/>
-          <a:p>
-            <a:r>
-              <a:rPr lang="en-US" sz="1000" noProof="1"/>
-              <a:t>0..1</a:t>
-            </a:r>
-          </a:p>
-        </p:txBody>
-      </p:sp>
-      <p:sp>
-        <p:nvSpPr>
-          <p:cNvPr id="116" name="ZoneTexte 115">
-            <a:extLst>
-              <a:ext uri="{FF2B5EF4-FFF2-40B4-BE49-F238E27FC236}">
-                <a16:creationId xmlns:a16="http://schemas.microsoft.com/office/drawing/2014/main" id="{81603EB8-CCDF-4BD5-9A39-62F2CFC5CE2E}"/>
-              </a:ext>
-            </a:extLst>
-          </p:cNvPr>
-          <p:cNvSpPr txBox="1"/>
-          <p:nvPr/>
-        </p:nvSpPr>
-        <p:spPr>
-          <a:xfrm>
-            <a:off x="7532258" y="2064923"/>
-            <a:ext cx="1089034" cy="246221"/>
+            <a:off x="4140770" y="566938"/>
+            <a:ext cx="679239" cy="246221"/>
           </a:xfrm>
           <a:prstGeom prst="rect">
             <a:avLst/>
@@ -8013,18 +7837,56 @@
                   <a:srgbClr val="0070C0"/>
                 </a:solidFill>
               </a:rPr>
-              <a:t>ingredient.item</a:t>
-            </a:r>
-            <a:endParaRPr lang="en-US" sz="1000" noProof="1"/>
-          </a:p>
-        </p:txBody>
-      </p:sp>
-      <p:sp>
-        <p:nvSpPr>
-          <p:cNvPr id="177" name="Rectangle 176">
-            <a:extLst>
-              <a:ext uri="{FF2B5EF4-FFF2-40B4-BE49-F238E27FC236}">
-                <a16:creationId xmlns:a16="http://schemas.microsoft.com/office/drawing/2014/main" id="{B0283E28-1434-418C-A567-93EE454BAC95}"/>
+              <a:t>subject</a:t>
+            </a:r>
+          </a:p>
+        </p:txBody>
+      </p:sp>
+      <p:sp>
+        <p:nvSpPr>
+          <p:cNvPr id="139" name="ZoneTexte 138">
+            <a:extLst>
+              <a:ext uri="{FF2B5EF4-FFF2-40B4-BE49-F238E27FC236}">
+                <a16:creationId xmlns:a16="http://schemas.microsoft.com/office/drawing/2014/main" id="{8A597F53-2973-4527-9BDC-03485142C35D}"/>
+              </a:ext>
+            </a:extLst>
+          </p:cNvPr>
+          <p:cNvSpPr txBox="1"/>
+          <p:nvPr/>
+        </p:nvSpPr>
+        <p:spPr>
+          <a:xfrm>
+            <a:off x="8001237" y="557603"/>
+            <a:ext cx="679239" cy="246221"/>
+          </a:xfrm>
+          <a:prstGeom prst="rect">
+            <a:avLst/>
+          </a:prstGeom>
+          <a:noFill/>
+        </p:spPr>
+        <p:txBody>
+          <a:bodyPr wrap="square" rtlCol="0">
+            <a:spAutoFit/>
+          </a:bodyPr>
+          <a:lstStyle/>
+          <a:p>
+            <a:r>
+              <a:rPr lang="en-US" sz="1000" noProof="1">
+                <a:solidFill>
+                  <a:srgbClr val="0070C0"/>
+                </a:solidFill>
+              </a:rPr>
+              <a:t>subject</a:t>
+            </a:r>
+          </a:p>
+        </p:txBody>
+      </p:sp>
+      <p:sp>
+        <p:nvSpPr>
+          <p:cNvPr id="10" name="Rectangle 9">
+            <a:extLst>
+              <a:ext uri="{FF2B5EF4-FFF2-40B4-BE49-F238E27FC236}">
+                <a16:creationId xmlns:a16="http://schemas.microsoft.com/office/drawing/2014/main" id="{15FC076F-2815-4F6B-9F59-C31CB1C19DCA}"/>
               </a:ext>
             </a:extLst>
           </p:cNvPr>
@@ -8033,8 +7895,54 @@
         </p:nvSpPr>
         <p:spPr>
           <a:xfrm>
-            <a:off x="8741436" y="1987302"/>
-            <a:ext cx="1443992" cy="555176"/>
+            <a:off x="3005752" y="5056270"/>
+            <a:ext cx="96711" cy="132280"/>
+          </a:xfrm>
+          <a:prstGeom prst="rect">
+            <a:avLst/>
+          </a:prstGeom>
+        </p:spPr>
+        <p:style>
+          <a:lnRef idx="2">
+            <a:schemeClr val="accent1">
+              <a:shade val="50000"/>
+            </a:schemeClr>
+          </a:lnRef>
+          <a:fillRef idx="1">
+            <a:schemeClr val="accent1"/>
+          </a:fillRef>
+          <a:effectRef idx="0">
+            <a:schemeClr val="accent1"/>
+          </a:effectRef>
+          <a:fontRef idx="minor">
+            <a:schemeClr val="lt1"/>
+          </a:fontRef>
+        </p:style>
+        <p:txBody>
+          <a:bodyPr rtlCol="0" anchor="ctr"/>
+          <a:lstStyle/>
+          <a:p>
+            <a:pPr algn="ctr"/>
+            <a:endParaRPr lang="fr-FR" sz="1050"/>
+          </a:p>
+        </p:txBody>
+      </p:sp>
+      <p:sp>
+        <p:nvSpPr>
+          <p:cNvPr id="113" name="Rectangle 112">
+            <a:extLst>
+              <a:ext uri="{FF2B5EF4-FFF2-40B4-BE49-F238E27FC236}">
+                <a16:creationId xmlns:a16="http://schemas.microsoft.com/office/drawing/2014/main" id="{DB1738E6-22A4-49FE-BCE4-2AD1C93E7B06}"/>
+              </a:ext>
+            </a:extLst>
+          </p:cNvPr>
+          <p:cNvSpPr/>
+          <p:nvPr/>
+        </p:nvSpPr>
+        <p:spPr>
+          <a:xfrm>
+            <a:off x="2442666" y="5042170"/>
+            <a:ext cx="1660053" cy="796480"/>
           </a:xfrm>
           <a:prstGeom prst="rect">
             <a:avLst/>
@@ -8095,28 +8003,17 @@
                   <a:srgbClr val="FFFF00"/>
                 </a:solidFill>
               </a:rPr>
-              <a:t>DrugSubstance </a:t>
-            </a:r>
-          </a:p>
-          <a:p>
-            <a:pPr algn="ctr"/>
-            <a:r>
-              <a:rPr lang="en-US" sz="1200" noProof="1">
-                <a:solidFill>
-                  <a:srgbClr val="FFFF00"/>
-                </a:solidFill>
-              </a:rPr>
-              <a:t>profile of Substance</a:t>
-            </a:r>
-          </a:p>
-        </p:txBody>
-      </p:sp>
-      <p:sp>
-        <p:nvSpPr>
-          <p:cNvPr id="194" name="ZoneTexte 193">
-            <a:extLst>
-              <a:ext uri="{FF2B5EF4-FFF2-40B4-BE49-F238E27FC236}">
-                <a16:creationId xmlns:a16="http://schemas.microsoft.com/office/drawing/2014/main" id="{7B97091A-2D1D-47C5-B755-EEF1F70C747D}"/>
+              <a:t>ObservationDefinition</a:t>
+            </a:r>
+          </a:p>
+        </p:txBody>
+      </p:sp>
+      <p:sp>
+        <p:nvSpPr>
+          <p:cNvPr id="141" name="ZoneTexte 140">
+            <a:extLst>
+              <a:ext uri="{FF2B5EF4-FFF2-40B4-BE49-F238E27FC236}">
+                <a16:creationId xmlns:a16="http://schemas.microsoft.com/office/drawing/2014/main" id="{B12EA8E9-65D2-4845-8382-719149651DED}"/>
               </a:ext>
             </a:extLst>
           </p:cNvPr>
@@ -8125,8 +8022,8 @@
         </p:nvSpPr>
         <p:spPr>
           <a:xfrm>
-            <a:off x="4962089" y="6074615"/>
-            <a:ext cx="2743409" cy="246221"/>
+            <a:off x="5284755" y="29873"/>
+            <a:ext cx="1931755" cy="461665"/>
           </a:xfrm>
           <a:prstGeom prst="rect">
             <a:avLst/>
@@ -8139,23 +8036,91 @@
           </a:bodyPr>
           <a:lstStyle/>
           <a:p>
-            <a:r>
-              <a:rPr lang="en-US" sz="1000" noProof="1">
-                <a:solidFill>
-                  <a:srgbClr val="0070C0"/>
-                </a:solidFill>
-              </a:rPr>
-              <a:t>interaction.effect</a:t>
-            </a:r>
-          </a:p>
-        </p:txBody>
-      </p:sp>
-      <p:sp>
-        <p:nvSpPr>
-          <p:cNvPr id="118" name="Rectangle 117">
-            <a:extLst>
-              <a:ext uri="{FF2B5EF4-FFF2-40B4-BE49-F238E27FC236}">
-                <a16:creationId xmlns:a16="http://schemas.microsoft.com/office/drawing/2014/main" id="{22600506-07A5-4F8E-AAB5-3473FC22A5DA}"/>
+            <a:pPr algn="ctr"/>
+            <a:r>
+              <a:rPr lang="en-US" sz="1200" i="1" dirty="0"/>
+              <a:t>Plan or set of dispositions subject of the catalog</a:t>
+            </a:r>
+            <a:endParaRPr lang="fr-FR" dirty="0"/>
+          </a:p>
+        </p:txBody>
+      </p:sp>
+      <p:sp>
+        <p:nvSpPr>
+          <p:cNvPr id="121" name="ZoneTexte 120">
+            <a:extLst>
+              <a:ext uri="{FF2B5EF4-FFF2-40B4-BE49-F238E27FC236}">
+                <a16:creationId xmlns:a16="http://schemas.microsoft.com/office/drawing/2014/main" id="{3B9D8C0C-C365-4751-AEFD-139926DC4481}"/>
+              </a:ext>
+            </a:extLst>
+          </p:cNvPr>
+          <p:cNvSpPr txBox="1"/>
+          <p:nvPr/>
+        </p:nvSpPr>
+        <p:spPr>
+          <a:xfrm>
+            <a:off x="5302705" y="813424"/>
+            <a:ext cx="405123" cy="246221"/>
+          </a:xfrm>
+          <a:prstGeom prst="rect">
+            <a:avLst/>
+          </a:prstGeom>
+          <a:noFill/>
+        </p:spPr>
+        <p:txBody>
+          <a:bodyPr wrap="square" rtlCol="0">
+            <a:spAutoFit/>
+          </a:bodyPr>
+          <a:lstStyle/>
+          <a:p>
+            <a:r>
+              <a:rPr lang="en-US" sz="1000" noProof="1"/>
+              <a:t>0..1</a:t>
+            </a:r>
+          </a:p>
+        </p:txBody>
+      </p:sp>
+      <p:sp>
+        <p:nvSpPr>
+          <p:cNvPr id="122" name="ZoneTexte 121">
+            <a:extLst>
+              <a:ext uri="{FF2B5EF4-FFF2-40B4-BE49-F238E27FC236}">
+                <a16:creationId xmlns:a16="http://schemas.microsoft.com/office/drawing/2014/main" id="{23128E52-B54B-4872-94FB-6987737533F4}"/>
+              </a:ext>
+            </a:extLst>
+          </p:cNvPr>
+          <p:cNvSpPr txBox="1"/>
+          <p:nvPr/>
+        </p:nvSpPr>
+        <p:spPr>
+          <a:xfrm>
+            <a:off x="6810074" y="805996"/>
+            <a:ext cx="405123" cy="246221"/>
+          </a:xfrm>
+          <a:prstGeom prst="rect">
+            <a:avLst/>
+          </a:prstGeom>
+          <a:noFill/>
+        </p:spPr>
+        <p:txBody>
+          <a:bodyPr wrap="square" rtlCol="0">
+            <a:spAutoFit/>
+          </a:bodyPr>
+          <a:lstStyle/>
+          <a:p>
+            <a:r>
+              <a:rPr lang="en-US" sz="1000" noProof="1"/>
+              <a:t>0..1</a:t>
+            </a:r>
+          </a:p>
+        </p:txBody>
+      </p:sp>
+      <p:sp>
+        <p:nvSpPr>
+          <p:cNvPr id="123" name="Rectangle 122">
+            <a:extLst>
+              <a:ext uri="{FF2B5EF4-FFF2-40B4-BE49-F238E27FC236}">
+                <a16:creationId xmlns:a16="http://schemas.microsoft.com/office/drawing/2014/main" id="{2D0E6507-31C1-2247-18DC-00F26E2330AE}"/>
               </a:ext>
             </a:extLst>
           </p:cNvPr>
@@ -8164,8 +8129,8 @@
         </p:nvSpPr>
         <p:spPr>
           <a:xfrm>
-            <a:off x="7746372" y="4824299"/>
-            <a:ext cx="96711" cy="132280"/>
+            <a:off x="3578665" y="2678013"/>
+            <a:ext cx="191812" cy="110015"/>
           </a:xfrm>
           <a:prstGeom prst="rect">
             <a:avLst/>
@@ -8198,10 +8163,10 @@
       </p:sp>
       <p:sp>
         <p:nvSpPr>
-          <p:cNvPr id="32" name="Rectangle 31">
-            <a:extLst>
-              <a:ext uri="{FF2B5EF4-FFF2-40B4-BE49-F238E27FC236}">
-                <a16:creationId xmlns:a16="http://schemas.microsoft.com/office/drawing/2014/main" id="{5646F790-574D-4238-9A9A-0219D8BBBE58}"/>
+          <p:cNvPr id="38" name="Rectangle 37">
+            <a:extLst>
+              <a:ext uri="{FF2B5EF4-FFF2-40B4-BE49-F238E27FC236}">
+                <a16:creationId xmlns:a16="http://schemas.microsoft.com/office/drawing/2014/main" id="{6C3FE5E6-3D83-441E-BE40-A7B85EDFADC1}"/>
               </a:ext>
             </a:extLst>
           </p:cNvPr>
@@ -8210,8 +8175,8 @@
         </p:nvSpPr>
         <p:spPr>
           <a:xfrm>
-            <a:off x="7192495" y="4359876"/>
-            <a:ext cx="1824838" cy="648890"/>
+            <a:off x="2442666" y="2583698"/>
+            <a:ext cx="1335702" cy="627951"/>
           </a:xfrm>
           <a:prstGeom prst="rect">
             <a:avLst/>
@@ -8272,28 +8237,137 @@
                   <a:srgbClr val="FFFF00"/>
                 </a:solidFill>
               </a:rPr>
-              <a:t>ContraindicationDefinition</a:t>
-            </a:r>
-          </a:p>
-          <a:p>
-            <a:pPr algn="ctr"/>
-            <a:r>
-              <a:rPr lang="en-US" sz="1200" noProof="1">
+              <a:t>Organization</a:t>
+            </a:r>
+          </a:p>
+        </p:txBody>
+      </p:sp>
+      <p:cxnSp>
+        <p:nvCxnSpPr>
+          <p:cNvPr id="126" name="Connecteur : en angle 125">
+            <a:extLst>
+              <a:ext uri="{FF2B5EF4-FFF2-40B4-BE49-F238E27FC236}">
+                <a16:creationId xmlns:a16="http://schemas.microsoft.com/office/drawing/2014/main" id="{7AB962E6-302C-9C0B-BBB6-497F05313922}"/>
+              </a:ext>
+            </a:extLst>
+          </p:cNvPr>
+          <p:cNvCxnSpPr>
+            <a:cxnSpLocks/>
+            <a:endCxn id="129" idx="1"/>
+          </p:cNvCxnSpPr>
+          <p:nvPr/>
+        </p:nvCxnSpPr>
+        <p:spPr>
+          <a:xfrm>
+            <a:off x="7014491" y="2264521"/>
+            <a:ext cx="2616801" cy="369"/>
+          </a:xfrm>
+          <a:prstGeom prst="bentConnector3">
+            <a:avLst>
+              <a:gd name="adj1" fmla="val 50000"/>
+            </a:avLst>
+          </a:prstGeom>
+          <a:ln w="19050">
+            <a:headEnd type="none" w="med" len="med"/>
+            <a:tailEnd type="arrow" w="med" len="med"/>
+          </a:ln>
+        </p:spPr>
+        <p:style>
+          <a:lnRef idx="1">
+            <a:schemeClr val="accent1"/>
+          </a:lnRef>
+          <a:fillRef idx="0">
+            <a:schemeClr val="accent1"/>
+          </a:fillRef>
+          <a:effectRef idx="0">
+            <a:schemeClr val="accent1"/>
+          </a:effectRef>
+          <a:fontRef idx="minor">
+            <a:schemeClr val="tx1"/>
+          </a:fontRef>
+        </p:style>
+      </p:cxnSp>
+      <p:sp>
+        <p:nvSpPr>
+          <p:cNvPr id="127" name="ZoneTexte 126">
+            <a:extLst>
+              <a:ext uri="{FF2B5EF4-FFF2-40B4-BE49-F238E27FC236}">
+                <a16:creationId xmlns:a16="http://schemas.microsoft.com/office/drawing/2014/main" id="{46D1CEEB-869D-12DB-82F4-261509DC0627}"/>
+              </a:ext>
+            </a:extLst>
+          </p:cNvPr>
+          <p:cNvSpPr txBox="1"/>
+          <p:nvPr/>
+        </p:nvSpPr>
+        <p:spPr>
+          <a:xfrm>
+            <a:off x="9292663" y="2279905"/>
+            <a:ext cx="417459" cy="246221"/>
+          </a:xfrm>
+          <a:prstGeom prst="rect">
+            <a:avLst/>
+          </a:prstGeom>
+          <a:noFill/>
+        </p:spPr>
+        <p:txBody>
+          <a:bodyPr wrap="square" rtlCol="0">
+            <a:spAutoFit/>
+          </a:bodyPr>
+          <a:lstStyle/>
+          <a:p>
+            <a:r>
+              <a:rPr lang="en-US" sz="1000" noProof="1"/>
+              <a:t>0..*</a:t>
+            </a:r>
+          </a:p>
+        </p:txBody>
+      </p:sp>
+      <p:sp>
+        <p:nvSpPr>
+          <p:cNvPr id="128" name="ZoneTexte 127">
+            <a:extLst>
+              <a:ext uri="{FF2B5EF4-FFF2-40B4-BE49-F238E27FC236}">
+                <a16:creationId xmlns:a16="http://schemas.microsoft.com/office/drawing/2014/main" id="{72F418F8-0584-936C-B250-3A4C5315CD1E}"/>
+              </a:ext>
+            </a:extLst>
+          </p:cNvPr>
+          <p:cNvSpPr txBox="1"/>
+          <p:nvPr/>
+        </p:nvSpPr>
+        <p:spPr>
+          <a:xfrm>
+            <a:off x="7164011" y="2064923"/>
+            <a:ext cx="2065906" cy="246221"/>
+          </a:xfrm>
+          <a:prstGeom prst="rect">
+            <a:avLst/>
+          </a:prstGeom>
+          <a:noFill/>
+        </p:spPr>
+        <p:txBody>
+          <a:bodyPr wrap="square" rtlCol="0">
+            <a:spAutoFit/>
+          </a:bodyPr>
+          <a:lstStyle/>
+          <a:p>
+            <a:r>
+              <a:rPr lang="en-US" sz="1000" noProof="1">
                 <a:solidFill>
-                  <a:srgbClr val="FFFF00"/>
+                  <a:srgbClr val="0070C0"/>
                 </a:solidFill>
               </a:rPr>
-              <a:t>profile of ClinicalUseDefinition</a:t>
-            </a:r>
-          </a:p>
-        </p:txBody>
-      </p:sp>
-      <p:sp>
-        <p:nvSpPr>
-          <p:cNvPr id="5" name="Rectangle 4">
-            <a:extLst>
-              <a:ext uri="{FF2B5EF4-FFF2-40B4-BE49-F238E27FC236}">
-                <a16:creationId xmlns:a16="http://schemas.microsoft.com/office/drawing/2014/main" id="{99FB1993-E895-4A54-B43B-A032379B29F8}"/>
+              <a:t>packaging[*].packagedProduct</a:t>
+            </a:r>
+            <a:endParaRPr lang="en-US" sz="1000" noProof="1"/>
+          </a:p>
+        </p:txBody>
+      </p:sp>
+      <p:sp>
+        <p:nvSpPr>
+          <p:cNvPr id="129" name="Rectangle 128">
+            <a:extLst>
+              <a:ext uri="{FF2B5EF4-FFF2-40B4-BE49-F238E27FC236}">
+                <a16:creationId xmlns:a16="http://schemas.microsoft.com/office/drawing/2014/main" id="{A9099836-BBF8-FEB3-4E56-E759F803868A}"/>
               </a:ext>
             </a:extLst>
           </p:cNvPr>
@@ -8302,100 +8376,8 @@
         </p:nvSpPr>
         <p:spPr>
           <a:xfrm>
-            <a:off x="5544000" y="1687364"/>
-            <a:ext cx="105126" cy="385186"/>
-          </a:xfrm>
-          <a:prstGeom prst="rect">
-            <a:avLst/>
-          </a:prstGeom>
-        </p:spPr>
-        <p:style>
-          <a:lnRef idx="2">
-            <a:schemeClr val="accent1">
-              <a:shade val="50000"/>
-            </a:schemeClr>
-          </a:lnRef>
-          <a:fillRef idx="1">
-            <a:schemeClr val="accent1"/>
-          </a:fillRef>
-          <a:effectRef idx="0">
-            <a:schemeClr val="accent1"/>
-          </a:effectRef>
-          <a:fontRef idx="minor">
-            <a:schemeClr val="lt1"/>
-          </a:fontRef>
-        </p:style>
-        <p:txBody>
-          <a:bodyPr rtlCol="0" anchor="ctr"/>
-          <a:lstStyle/>
-          <a:p>
-            <a:pPr algn="ctr"/>
-            <a:endParaRPr lang="en-US" sz="2000"/>
-          </a:p>
-        </p:txBody>
-      </p:sp>
-      <p:sp>
-        <p:nvSpPr>
-          <p:cNvPr id="45" name="Rectangle 44">
-            <a:extLst>
-              <a:ext uri="{FF2B5EF4-FFF2-40B4-BE49-F238E27FC236}">
-                <a16:creationId xmlns:a16="http://schemas.microsoft.com/office/drawing/2014/main" id="{5C7652CC-F8FD-4C87-8479-64ABAE0F22CB}"/>
-              </a:ext>
-            </a:extLst>
-          </p:cNvPr>
-          <p:cNvSpPr/>
-          <p:nvPr/>
-        </p:nvSpPr>
-        <p:spPr>
-          <a:xfrm>
-            <a:off x="6776517" y="1692234"/>
-            <a:ext cx="180469" cy="125810"/>
-          </a:xfrm>
-          <a:prstGeom prst="rect">
-            <a:avLst/>
-          </a:prstGeom>
-        </p:spPr>
-        <p:style>
-          <a:lnRef idx="2">
-            <a:schemeClr val="accent1">
-              <a:shade val="50000"/>
-            </a:schemeClr>
-          </a:lnRef>
-          <a:fillRef idx="1">
-            <a:schemeClr val="accent1"/>
-          </a:fillRef>
-          <a:effectRef idx="0">
-            <a:schemeClr val="accent1"/>
-          </a:effectRef>
-          <a:fontRef idx="minor">
-            <a:schemeClr val="lt1"/>
-          </a:fontRef>
-        </p:style>
-        <p:txBody>
-          <a:bodyPr rtlCol="0" anchor="ctr"/>
-          <a:lstStyle/>
-          <a:p>
-            <a:pPr algn="ctr"/>
-            <a:endParaRPr lang="fr-FR" sz="1050"/>
-          </a:p>
-        </p:txBody>
-      </p:sp>
-      <p:sp>
-        <p:nvSpPr>
-          <p:cNvPr id="114" name="Rectangle 113">
-            <a:extLst>
-              <a:ext uri="{FF2B5EF4-FFF2-40B4-BE49-F238E27FC236}">
-                <a16:creationId xmlns:a16="http://schemas.microsoft.com/office/drawing/2014/main" id="{79B6C1C6-DB63-4910-B033-6AA7BC75C979}"/>
-              </a:ext>
-            </a:extLst>
-          </p:cNvPr>
-          <p:cNvSpPr/>
-          <p:nvPr/>
-        </p:nvSpPr>
-        <p:spPr>
-          <a:xfrm>
-            <a:off x="5410125" y="1682263"/>
-            <a:ext cx="1623937" cy="766043"/>
+            <a:off x="9631292" y="1937367"/>
+            <a:ext cx="1886827" cy="655046"/>
           </a:xfrm>
           <a:prstGeom prst="rect">
             <a:avLst/>
@@ -8446,7 +8428,7 @@
           </a:fontRef>
         </p:style>
         <p:txBody>
-          <a:bodyPr lIns="36000" rIns="36000" rtlCol="0" anchor="ctr"/>
+          <a:bodyPr rtlCol="0" anchor="ctr"/>
           <a:lstStyle/>
           <a:p>
             <a:pPr algn="ctr"/>
@@ -8456,7 +8438,7 @@
                   <a:srgbClr val="FFFF00"/>
                 </a:solidFill>
               </a:rPr>
-              <a:t>DrugKnowledge</a:t>
+              <a:t>DrugPackage </a:t>
             </a:r>
           </a:p>
           <a:p>
@@ -8467,17 +8449,47 @@
                   <a:srgbClr val="FFFF00"/>
                 </a:solidFill>
               </a:rPr>
-              <a:t>profile of MedicationKnowledge</a:t>
-            </a:r>
-          </a:p>
-        </p:txBody>
-      </p:sp>
-      <p:sp>
-        <p:nvSpPr>
-          <p:cNvPr id="111" name="Rectangle 110">
-            <a:extLst>
-              <a:ext uri="{FF2B5EF4-FFF2-40B4-BE49-F238E27FC236}">
-                <a16:creationId xmlns:a16="http://schemas.microsoft.com/office/drawing/2014/main" id="{8DA159AD-0D4A-4117-B840-3204521369E3}"/>
+              <a:t>profile of PackagedProductDefinition</a:t>
+            </a:r>
+          </a:p>
+        </p:txBody>
+      </p:sp>
+    </p:spTree>
+    <p:extLst>
+      <p:ext uri="{BB962C8B-B14F-4D97-AF65-F5344CB8AC3E}">
+        <p14:creationId xmlns:p14="http://schemas.microsoft.com/office/powerpoint/2010/main" val="43686678"/>
+      </p:ext>
+    </p:extLst>
+  </p:cSld>
+  <p:clrMapOvr>
+    <a:masterClrMapping/>
+  </p:clrMapOvr>
+</p:sld>
+</file>
+
+<file path=ppt/slides/slide2.xml><?xml version="1.0" encoding="utf-8"?>
+<p:sld xmlns:a="http://schemas.openxmlformats.org/drawingml/2006/main" xmlns:r="http://schemas.openxmlformats.org/officeDocument/2006/relationships" xmlns:p="http://schemas.openxmlformats.org/presentationml/2006/main">
+  <p:cSld>
+    <p:spTree>
+      <p:nvGrpSpPr>
+        <p:cNvPr id="1" name=""/>
+        <p:cNvGrpSpPr/>
+        <p:nvPr/>
+      </p:nvGrpSpPr>
+      <p:grpSpPr>
+        <a:xfrm>
+          <a:off x="0" y="0"/>
+          <a:ext cx="0" cy="0"/>
+          <a:chOff x="0" y="0"/>
+          <a:chExt cx="0" cy="0"/>
+        </a:xfrm>
+      </p:grpSpPr>
+      <p:sp>
+        <p:nvSpPr>
+          <p:cNvPr id="4" name="Rectangle 3">
+            <a:extLst>
+              <a:ext uri="{FF2B5EF4-FFF2-40B4-BE49-F238E27FC236}">
+                <a16:creationId xmlns:a16="http://schemas.microsoft.com/office/drawing/2014/main" id="{1C2734E1-F359-4769-97FE-FEBA54D39044}"/>
               </a:ext>
             </a:extLst>
           </p:cNvPr>
@@ -8486,8 +8498,8 @@
         </p:nvSpPr>
         <p:spPr>
           <a:xfrm>
-            <a:off x="3648560" y="5691531"/>
-            <a:ext cx="96711" cy="132280"/>
+            <a:off x="6883986" y="2211275"/>
+            <a:ext cx="133875" cy="105443"/>
           </a:xfrm>
           <a:prstGeom prst="rect">
             <a:avLst/>
@@ -8514,16 +8526,16 @@
           <a:lstStyle/>
           <a:p>
             <a:pPr algn="ctr"/>
-            <a:endParaRPr lang="fr-FR" sz="1050"/>
-          </a:p>
-        </p:txBody>
-      </p:sp>
-      <p:sp>
-        <p:nvSpPr>
-          <p:cNvPr id="124" name="Rectangle 123">
-            <a:extLst>
-              <a:ext uri="{FF2B5EF4-FFF2-40B4-BE49-F238E27FC236}">
-                <a16:creationId xmlns:a16="http://schemas.microsoft.com/office/drawing/2014/main" id="{529A5B53-3565-479E-B2DB-9E790BF7326B}"/>
+            <a:endParaRPr lang="en-US" sz="2000"/>
+          </a:p>
+        </p:txBody>
+      </p:sp>
+      <p:sp>
+        <p:nvSpPr>
+          <p:cNvPr id="19" name="Rectangle 18">
+            <a:extLst>
+              <a:ext uri="{FF2B5EF4-FFF2-40B4-BE49-F238E27FC236}">
+                <a16:creationId xmlns:a16="http://schemas.microsoft.com/office/drawing/2014/main" id="{9809182D-E344-4979-B1A5-4EF7697E7566}"/>
               </a:ext>
             </a:extLst>
           </p:cNvPr>
@@ -8532,21 +8544,12 @@
         </p:nvSpPr>
         <p:spPr>
           <a:xfrm>
-            <a:off x="5634516" y="487670"/>
-            <a:ext cx="1232235" cy="612769"/>
-          </a:xfrm>
-          <a:prstGeom prst="rect">
-            <a:avLst/>
-          </a:prstGeom>
-          <a:solidFill>
-            <a:schemeClr val="bg1"/>
-          </a:solidFill>
-          <a:ln>
-            <a:solidFill>
-              <a:schemeClr val="accent1"/>
-            </a:solidFill>
-          </a:ln>
-          <a:effectLst/>
+            <a:off x="5699271" y="1690463"/>
+            <a:ext cx="159533" cy="231629"/>
+          </a:xfrm>
+          <a:prstGeom prst="rect">
+            <a:avLst/>
+          </a:prstGeom>
         </p:spPr>
         <p:style>
           <a:lnRef idx="2">
@@ -8569,37 +8572,824 @@
           <a:lstStyle/>
           <a:p>
             <a:pPr algn="ctr"/>
+            <a:endParaRPr lang="fr-FR" sz="1050"/>
+          </a:p>
+        </p:txBody>
+      </p:sp>
+      <p:sp>
+        <p:nvSpPr>
+          <p:cNvPr id="20" name="Rectangle 19">
+            <a:extLst>
+              <a:ext uri="{FF2B5EF4-FFF2-40B4-BE49-F238E27FC236}">
+                <a16:creationId xmlns:a16="http://schemas.microsoft.com/office/drawing/2014/main" id="{B511FCE5-AE19-411D-8B8E-78F0164873F7}"/>
+              </a:ext>
+            </a:extLst>
+          </p:cNvPr>
+          <p:cNvSpPr/>
+          <p:nvPr/>
+        </p:nvSpPr>
+        <p:spPr>
+          <a:xfrm>
+            <a:off x="3573828" y="2905526"/>
+            <a:ext cx="191812" cy="110015"/>
+          </a:xfrm>
+          <a:prstGeom prst="rect">
+            <a:avLst/>
+          </a:prstGeom>
+        </p:spPr>
+        <p:style>
+          <a:lnRef idx="2">
+            <a:schemeClr val="accent1">
+              <a:shade val="50000"/>
+            </a:schemeClr>
+          </a:lnRef>
+          <a:fillRef idx="1">
+            <a:schemeClr val="accent1"/>
+          </a:fillRef>
+          <a:effectRef idx="0">
+            <a:schemeClr val="accent1"/>
+          </a:effectRef>
+          <a:fontRef idx="minor">
+            <a:schemeClr val="lt1"/>
+          </a:fontRef>
+        </p:style>
+        <p:txBody>
+          <a:bodyPr rtlCol="0" anchor="ctr"/>
+          <a:lstStyle/>
+          <a:p>
+            <a:pPr algn="ctr"/>
+            <a:endParaRPr lang="fr-FR" sz="1050"/>
+          </a:p>
+        </p:txBody>
+      </p:sp>
+      <p:sp>
+        <p:nvSpPr>
+          <p:cNvPr id="21" name="Rectangle 20">
+            <a:extLst>
+              <a:ext uri="{FF2B5EF4-FFF2-40B4-BE49-F238E27FC236}">
+                <a16:creationId xmlns:a16="http://schemas.microsoft.com/office/drawing/2014/main" id="{B0C3C2F9-3C57-40B3-A950-A124B17C60B7}"/>
+              </a:ext>
+            </a:extLst>
+          </p:cNvPr>
+          <p:cNvSpPr/>
+          <p:nvPr/>
+        </p:nvSpPr>
+        <p:spPr>
+          <a:xfrm>
+            <a:off x="3573488" y="2562253"/>
+            <a:ext cx="191812" cy="110015"/>
+          </a:xfrm>
+          <a:prstGeom prst="rect">
+            <a:avLst/>
+          </a:prstGeom>
+        </p:spPr>
+        <p:style>
+          <a:lnRef idx="2">
+            <a:schemeClr val="accent1">
+              <a:shade val="50000"/>
+            </a:schemeClr>
+          </a:lnRef>
+          <a:fillRef idx="1">
+            <a:schemeClr val="accent1"/>
+          </a:fillRef>
+          <a:effectRef idx="0">
+            <a:schemeClr val="accent1"/>
+          </a:effectRef>
+          <a:fontRef idx="minor">
+            <a:schemeClr val="lt1"/>
+          </a:fontRef>
+        </p:style>
+        <p:txBody>
+          <a:bodyPr rtlCol="0" anchor="ctr"/>
+          <a:lstStyle/>
+          <a:p>
+            <a:pPr algn="ctr"/>
+            <a:endParaRPr lang="fr-FR" sz="1050"/>
+          </a:p>
+        </p:txBody>
+      </p:sp>
+      <p:sp>
+        <p:nvSpPr>
+          <p:cNvPr id="22" name="Rectangle 21">
+            <a:extLst>
+              <a:ext uri="{FF2B5EF4-FFF2-40B4-BE49-F238E27FC236}">
+                <a16:creationId xmlns:a16="http://schemas.microsoft.com/office/drawing/2014/main" id="{BD3B49A2-22F1-47A2-A328-3A93B0D1B894}"/>
+              </a:ext>
+            </a:extLst>
+          </p:cNvPr>
+          <p:cNvSpPr/>
+          <p:nvPr/>
+        </p:nvSpPr>
+        <p:spPr>
+          <a:xfrm>
+            <a:off x="5613161" y="2307794"/>
+            <a:ext cx="159533" cy="132280"/>
+          </a:xfrm>
+          <a:prstGeom prst="rect">
+            <a:avLst/>
+          </a:prstGeom>
+        </p:spPr>
+        <p:style>
+          <a:lnRef idx="2">
+            <a:schemeClr val="accent1">
+              <a:shade val="50000"/>
+            </a:schemeClr>
+          </a:lnRef>
+          <a:fillRef idx="1">
+            <a:schemeClr val="accent1"/>
+          </a:fillRef>
+          <a:effectRef idx="0">
+            <a:schemeClr val="accent1"/>
+          </a:effectRef>
+          <a:fontRef idx="minor">
+            <a:schemeClr val="lt1"/>
+          </a:fontRef>
+        </p:style>
+        <p:txBody>
+          <a:bodyPr rtlCol="0" anchor="ctr"/>
+          <a:lstStyle/>
+          <a:p>
+            <a:pPr algn="ctr"/>
+            <a:endParaRPr lang="fr-FR" sz="1050"/>
+          </a:p>
+        </p:txBody>
+      </p:sp>
+      <p:sp>
+        <p:nvSpPr>
+          <p:cNvPr id="23" name="Rectangle 22">
+            <a:extLst>
+              <a:ext uri="{FF2B5EF4-FFF2-40B4-BE49-F238E27FC236}">
+                <a16:creationId xmlns:a16="http://schemas.microsoft.com/office/drawing/2014/main" id="{3AABB7B0-354A-437F-A159-AB324F7120EE}"/>
+              </a:ext>
+            </a:extLst>
+          </p:cNvPr>
+          <p:cNvSpPr/>
+          <p:nvPr/>
+        </p:nvSpPr>
+        <p:spPr>
+          <a:xfrm>
+            <a:off x="5873134" y="2307794"/>
+            <a:ext cx="159533" cy="132280"/>
+          </a:xfrm>
+          <a:prstGeom prst="rect">
+            <a:avLst/>
+          </a:prstGeom>
+        </p:spPr>
+        <p:style>
+          <a:lnRef idx="2">
+            <a:schemeClr val="accent1">
+              <a:shade val="50000"/>
+            </a:schemeClr>
+          </a:lnRef>
+          <a:fillRef idx="1">
+            <a:schemeClr val="accent1"/>
+          </a:fillRef>
+          <a:effectRef idx="0">
+            <a:schemeClr val="accent1"/>
+          </a:effectRef>
+          <a:fontRef idx="minor">
+            <a:schemeClr val="lt1"/>
+          </a:fontRef>
+        </p:style>
+        <p:txBody>
+          <a:bodyPr rtlCol="0" anchor="ctr"/>
+          <a:lstStyle/>
+          <a:p>
+            <a:pPr algn="ctr"/>
+            <a:endParaRPr lang="fr-FR" sz="1050"/>
+          </a:p>
+        </p:txBody>
+      </p:sp>
+      <p:sp>
+        <p:nvSpPr>
+          <p:cNvPr id="27" name="Rectangle 26">
+            <a:extLst>
+              <a:ext uri="{FF2B5EF4-FFF2-40B4-BE49-F238E27FC236}">
+                <a16:creationId xmlns:a16="http://schemas.microsoft.com/office/drawing/2014/main" id="{20E7393F-AEEB-468A-A393-528EDCB616E1}"/>
+              </a:ext>
+            </a:extLst>
+          </p:cNvPr>
+          <p:cNvSpPr/>
+          <p:nvPr/>
+        </p:nvSpPr>
+        <p:spPr>
+          <a:xfrm>
+            <a:off x="6835894" y="1796074"/>
+            <a:ext cx="191812" cy="162421"/>
+          </a:xfrm>
+          <a:prstGeom prst="rect">
+            <a:avLst/>
+          </a:prstGeom>
+        </p:spPr>
+        <p:style>
+          <a:lnRef idx="2">
+            <a:schemeClr val="accent1">
+              <a:shade val="50000"/>
+            </a:schemeClr>
+          </a:lnRef>
+          <a:fillRef idx="1">
+            <a:schemeClr val="accent1"/>
+          </a:fillRef>
+          <a:effectRef idx="0">
+            <a:schemeClr val="accent1"/>
+          </a:effectRef>
+          <a:fontRef idx="minor">
+            <a:schemeClr val="lt1"/>
+          </a:fontRef>
+        </p:style>
+        <p:txBody>
+          <a:bodyPr rtlCol="0" anchor="ctr"/>
+          <a:lstStyle/>
+          <a:p>
+            <a:pPr algn="ctr"/>
+            <a:endParaRPr lang="fr-FR" sz="1050"/>
+          </a:p>
+        </p:txBody>
+      </p:sp>
+      <p:sp>
+        <p:nvSpPr>
+          <p:cNvPr id="28" name="ZoneTexte 27">
+            <a:extLst>
+              <a:ext uri="{FF2B5EF4-FFF2-40B4-BE49-F238E27FC236}">
+                <a16:creationId xmlns:a16="http://schemas.microsoft.com/office/drawing/2014/main" id="{0371994B-81EA-4E1E-B7FD-DE8DBA386DDB}"/>
+              </a:ext>
+            </a:extLst>
+          </p:cNvPr>
+          <p:cNvSpPr txBox="1"/>
+          <p:nvPr/>
+        </p:nvSpPr>
+        <p:spPr>
+          <a:xfrm>
+            <a:off x="3174057" y="1084597"/>
+            <a:ext cx="482541" cy="246221"/>
+          </a:xfrm>
+          <a:prstGeom prst="rect">
+            <a:avLst/>
+          </a:prstGeom>
+          <a:noFill/>
+        </p:spPr>
+        <p:txBody>
+          <a:bodyPr wrap="square" rtlCol="0">
+            <a:spAutoFit/>
+          </a:bodyPr>
+          <a:lstStyle/>
+          <a:p>
+            <a:r>
+              <a:rPr lang="en-US" sz="1000" noProof="1"/>
+              <a:t>0..*</a:t>
+            </a:r>
+          </a:p>
+        </p:txBody>
+      </p:sp>
+      <p:cxnSp>
+        <p:nvCxnSpPr>
+          <p:cNvPr id="29" name="Connecteur : en angle 28">
+            <a:extLst>
+              <a:ext uri="{FF2B5EF4-FFF2-40B4-BE49-F238E27FC236}">
+                <a16:creationId xmlns:a16="http://schemas.microsoft.com/office/drawing/2014/main" id="{AEC70951-B1A3-433D-A670-BDC8ABAC0B15}"/>
+              </a:ext>
+            </a:extLst>
+          </p:cNvPr>
+          <p:cNvCxnSpPr>
+            <a:cxnSpLocks/>
+            <a:stCxn id="5" idx="0"/>
+            <a:endCxn id="30" idx="2"/>
+          </p:cNvCxnSpPr>
+          <p:nvPr/>
+        </p:nvCxnSpPr>
+        <p:spPr>
+          <a:xfrm rot="16200000" flipV="1">
+            <a:off x="4284336" y="375137"/>
+            <a:ext cx="586924" cy="2037530"/>
+          </a:xfrm>
+          <a:prstGeom prst="bentConnector3">
+            <a:avLst>
+              <a:gd name="adj1" fmla="val 50000"/>
+            </a:avLst>
+          </a:prstGeom>
+          <a:ln w="19050">
+            <a:headEnd type="none" w="med" len="med"/>
+            <a:tailEnd type="arrow" w="med" len="med"/>
+          </a:ln>
+        </p:spPr>
+        <p:style>
+          <a:lnRef idx="1">
+            <a:schemeClr val="accent1"/>
+          </a:lnRef>
+          <a:fillRef idx="0">
+            <a:schemeClr val="accent1"/>
+          </a:fillRef>
+          <a:effectRef idx="0">
+            <a:schemeClr val="accent1"/>
+          </a:effectRef>
+          <a:fontRef idx="minor">
+            <a:schemeClr val="tx1"/>
+          </a:fontRef>
+        </p:style>
+      </p:cxnSp>
+      <p:sp>
+        <p:nvSpPr>
+          <p:cNvPr id="30" name="Rectangle 29">
+            <a:extLst>
+              <a:ext uri="{FF2B5EF4-FFF2-40B4-BE49-F238E27FC236}">
+                <a16:creationId xmlns:a16="http://schemas.microsoft.com/office/drawing/2014/main" id="{CF1359BC-B00E-4968-9928-813335AD6743}"/>
+              </a:ext>
+            </a:extLst>
+          </p:cNvPr>
+          <p:cNvSpPr/>
+          <p:nvPr/>
+        </p:nvSpPr>
+        <p:spPr>
+          <a:xfrm>
+            <a:off x="2761789" y="487671"/>
+            <a:ext cx="1594487" cy="612769"/>
+          </a:xfrm>
+          <a:prstGeom prst="rect">
+            <a:avLst/>
+          </a:prstGeom>
+          <a:solidFill>
+            <a:schemeClr val="accent6">
+              <a:lumMod val="75000"/>
+            </a:schemeClr>
+          </a:solidFill>
+          <a:ln>
+            <a:noFill/>
+          </a:ln>
+          <a:effectLst/>
+        </p:spPr>
+        <p:style>
+          <a:lnRef idx="2">
+            <a:schemeClr val="accent1">
+              <a:shade val="50000"/>
+            </a:schemeClr>
+          </a:lnRef>
+          <a:fillRef idx="1">
+            <a:schemeClr val="accent1"/>
+          </a:fillRef>
+          <a:effectRef idx="0">
+            <a:schemeClr val="accent1"/>
+          </a:effectRef>
+          <a:fontRef idx="minor">
+            <a:schemeClr val="lt1"/>
+          </a:fontRef>
+        </p:style>
+        <p:txBody>
+          <a:bodyPr rtlCol="0" anchor="ctr"/>
+          <a:lstStyle/>
+          <a:p>
+            <a:pPr algn="ctr"/>
             <a:r>
               <a:rPr lang="en-US" sz="1200" noProof="1">
+                <a:solidFill>
+                  <a:srgbClr val="FFFF00"/>
+                </a:solidFill>
+              </a:rPr>
+              <a:t>CatalogHeader profile of Composition</a:t>
+            </a:r>
+          </a:p>
+        </p:txBody>
+      </p:sp>
+      <p:sp>
+        <p:nvSpPr>
+          <p:cNvPr id="31" name="ZoneTexte 30">
+            <a:extLst>
+              <a:ext uri="{FF2B5EF4-FFF2-40B4-BE49-F238E27FC236}">
+                <a16:creationId xmlns:a16="http://schemas.microsoft.com/office/drawing/2014/main" id="{9785D21B-C29D-4A80-B812-F7A8878DA009}"/>
+              </a:ext>
+            </a:extLst>
+          </p:cNvPr>
+          <p:cNvSpPr txBox="1"/>
+          <p:nvPr/>
+        </p:nvSpPr>
+        <p:spPr>
+          <a:xfrm>
+            <a:off x="3667178" y="1185932"/>
+            <a:ext cx="1415542" cy="246221"/>
+          </a:xfrm>
+          <a:prstGeom prst="rect">
+            <a:avLst/>
+          </a:prstGeom>
+          <a:noFill/>
+        </p:spPr>
+        <p:txBody>
+          <a:bodyPr wrap="square" rtlCol="0">
+            <a:spAutoFit/>
+          </a:bodyPr>
+          <a:lstStyle/>
+          <a:p>
+            <a:r>
+              <a:rPr lang="en-US" sz="1000" noProof="1">
                 <a:solidFill>
                   <a:srgbClr val="0070C0"/>
                 </a:solidFill>
               </a:rPr>
-              <a:t>Any</a:t>
+              <a:t>catalogReference</a:t>
+            </a:r>
+          </a:p>
+        </p:txBody>
+      </p:sp>
+      <p:sp>
+        <p:nvSpPr>
+          <p:cNvPr id="35" name="ZoneTexte 34">
+            <a:extLst>
+              <a:ext uri="{FF2B5EF4-FFF2-40B4-BE49-F238E27FC236}">
+                <a16:creationId xmlns:a16="http://schemas.microsoft.com/office/drawing/2014/main" id="{97473E88-73A2-4511-BC3F-02FF44A0F5EA}"/>
+              </a:ext>
+            </a:extLst>
+          </p:cNvPr>
+          <p:cNvSpPr txBox="1"/>
+          <p:nvPr/>
+        </p:nvSpPr>
+        <p:spPr>
+          <a:xfrm>
+            <a:off x="1483305" y="408930"/>
+            <a:ext cx="1274931" cy="830997"/>
+          </a:xfrm>
+          <a:prstGeom prst="rect">
+            <a:avLst/>
+          </a:prstGeom>
+          <a:noFill/>
+        </p:spPr>
+        <p:txBody>
+          <a:bodyPr wrap="square" rtlCol="0">
+            <a:spAutoFit/>
+          </a:bodyPr>
+          <a:lstStyle/>
+          <a:p>
+            <a:pPr algn="r"/>
+            <a:r>
+              <a:rPr lang="en-US" sz="1200" i="1" noProof="1"/>
+              <a:t>a catalog of medications handled with method 2</a:t>
+            </a:r>
+          </a:p>
+        </p:txBody>
+      </p:sp>
+      <p:sp>
+        <p:nvSpPr>
+          <p:cNvPr id="36" name="ZoneTexte 35">
+            <a:extLst>
+              <a:ext uri="{FF2B5EF4-FFF2-40B4-BE49-F238E27FC236}">
+                <a16:creationId xmlns:a16="http://schemas.microsoft.com/office/drawing/2014/main" id="{69A81BE1-0426-4385-9D20-5E7AB17F9833}"/>
+              </a:ext>
+            </a:extLst>
+          </p:cNvPr>
+          <p:cNvSpPr txBox="1"/>
+          <p:nvPr/>
+        </p:nvSpPr>
+        <p:spPr>
+          <a:xfrm>
+            <a:off x="5683097" y="1241095"/>
+            <a:ext cx="1028423" cy="461665"/>
+          </a:xfrm>
+          <a:prstGeom prst="rect">
+            <a:avLst/>
+          </a:prstGeom>
+          <a:noFill/>
+        </p:spPr>
+        <p:txBody>
+          <a:bodyPr wrap="square" rtlCol="0">
+            <a:spAutoFit/>
+          </a:bodyPr>
+          <a:lstStyle>
+            <a:defPPr>
+              <a:defRPr lang="fr-FR"/>
+            </a:defPPr>
+            <a:lvl1pPr>
+              <a:defRPr>
+                <a:solidFill>
+                  <a:schemeClr val="accent1">
+                    <a:lumMod val="60000"/>
+                    <a:lumOff val="40000"/>
+                  </a:schemeClr>
+                </a:solidFill>
+              </a:defRPr>
+            </a:lvl1pPr>
+          </a:lstStyle>
+          <a:p>
+            <a:pPr algn="ctr"/>
+            <a:r>
+              <a:rPr lang="en-US" sz="1200" i="1" noProof="1">
+                <a:solidFill>
+                  <a:schemeClr val="tx1"/>
+                </a:solidFill>
+              </a:rPr>
+              <a:t>A medication in the catalog</a:t>
+            </a:r>
+          </a:p>
+        </p:txBody>
+      </p:sp>
+      <p:sp>
+        <p:nvSpPr>
+          <p:cNvPr id="37" name="ZoneTexte 36">
+            <a:extLst>
+              <a:ext uri="{FF2B5EF4-FFF2-40B4-BE49-F238E27FC236}">
+                <a16:creationId xmlns:a16="http://schemas.microsoft.com/office/drawing/2014/main" id="{021B85A6-A11B-4B5E-BCC2-C41FADC96A58}"/>
+              </a:ext>
+            </a:extLst>
+          </p:cNvPr>
+          <p:cNvSpPr txBox="1"/>
+          <p:nvPr/>
+        </p:nvSpPr>
+        <p:spPr>
+          <a:xfrm>
+            <a:off x="7407237" y="3469259"/>
+            <a:ext cx="1274930" cy="461665"/>
+          </a:xfrm>
+          <a:prstGeom prst="rect">
+            <a:avLst/>
+          </a:prstGeom>
+          <a:noFill/>
+        </p:spPr>
+        <p:txBody>
+          <a:bodyPr wrap="square" rtlCol="0">
+            <a:spAutoFit/>
+          </a:bodyPr>
+          <a:lstStyle>
+            <a:defPPr>
+              <a:defRPr lang="fr-FR"/>
+            </a:defPPr>
+            <a:lvl1pPr>
+              <a:defRPr>
+                <a:solidFill>
+                  <a:schemeClr val="accent1">
+                    <a:lumMod val="60000"/>
+                    <a:lumOff val="40000"/>
+                  </a:schemeClr>
+                </a:solidFill>
+              </a:defRPr>
+            </a:lvl1pPr>
+          </a:lstStyle>
+          <a:p>
+            <a:pPr algn="r"/>
+            <a:r>
+              <a:rPr lang="en-US" sz="1200" i="1" noProof="1">
+                <a:solidFill>
+                  <a:schemeClr val="tx1"/>
+                </a:solidFill>
+              </a:rPr>
+              <a:t>A warning or precaution of use</a:t>
+            </a:r>
+          </a:p>
+        </p:txBody>
+      </p:sp>
+      <p:sp>
+        <p:nvSpPr>
+          <p:cNvPr id="39" name="ZoneTexte 38">
+            <a:extLst>
+              <a:ext uri="{FF2B5EF4-FFF2-40B4-BE49-F238E27FC236}">
+                <a16:creationId xmlns:a16="http://schemas.microsoft.com/office/drawing/2014/main" id="{A0A15782-BD91-4B41-BDF9-C4F845986135}"/>
+              </a:ext>
+            </a:extLst>
+          </p:cNvPr>
+          <p:cNvSpPr txBox="1"/>
+          <p:nvPr/>
+        </p:nvSpPr>
+        <p:spPr>
+          <a:xfrm>
+            <a:off x="3773108" y="2751286"/>
+            <a:ext cx="386253" cy="246221"/>
+          </a:xfrm>
+          <a:prstGeom prst="rect">
+            <a:avLst/>
+          </a:prstGeom>
+          <a:noFill/>
+        </p:spPr>
+        <p:txBody>
+          <a:bodyPr wrap="square" rtlCol="0">
+            <a:spAutoFit/>
+          </a:bodyPr>
+          <a:lstStyle/>
+          <a:p>
+            <a:r>
+              <a:rPr lang="en-US" sz="1000" noProof="1"/>
+              <a:t>0..*</a:t>
             </a:r>
           </a:p>
         </p:txBody>
       </p:sp>
       <p:cxnSp>
         <p:nvCxnSpPr>
-          <p:cNvPr id="125" name="Connecteur : en angle 124">
-            <a:extLst>
-              <a:ext uri="{FF2B5EF4-FFF2-40B4-BE49-F238E27FC236}">
-                <a16:creationId xmlns:a16="http://schemas.microsoft.com/office/drawing/2014/main" id="{09B48E84-9AE2-405A-9022-0EBD678895E9}"/>
+          <p:cNvPr id="41" name="Connecteur : en angle 40">
+            <a:extLst>
+              <a:ext uri="{FF2B5EF4-FFF2-40B4-BE49-F238E27FC236}">
+                <a16:creationId xmlns:a16="http://schemas.microsoft.com/office/drawing/2014/main" id="{97DD0B3E-F8B5-4AB5-B54B-29B28EE82F6E}"/>
               </a:ext>
             </a:extLst>
           </p:cNvPr>
           <p:cNvCxnSpPr>
             <a:cxnSpLocks/>
-            <a:stCxn id="30" idx="3"/>
-            <a:endCxn id="124" idx="1"/>
           </p:cNvCxnSpPr>
           <p:nvPr/>
         </p:nvCxnSpPr>
         <p:spPr>
-          <a:xfrm flipV="1">
-            <a:off x="4037153" y="794055"/>
-            <a:ext cx="1597363" cy="1"/>
+          <a:xfrm flipH="1" flipV="1">
+            <a:off x="7012636" y="1731667"/>
+            <a:ext cx="11343" cy="132155"/>
+          </a:xfrm>
+          <a:prstGeom prst="bentConnector3">
+            <a:avLst>
+              <a:gd name="adj1" fmla="val -1859111"/>
+            </a:avLst>
+          </a:prstGeom>
+          <a:ln w="19050">
+            <a:headEnd type="arrow" w="med" len="med"/>
+            <a:tailEnd type="none" w="med" len="med"/>
+          </a:ln>
+        </p:spPr>
+        <p:style>
+          <a:lnRef idx="1">
+            <a:schemeClr val="accent1"/>
+          </a:lnRef>
+          <a:fillRef idx="0">
+            <a:schemeClr val="accent1"/>
+          </a:fillRef>
+          <a:effectRef idx="0">
+            <a:schemeClr val="accent1"/>
+          </a:effectRef>
+          <a:fontRef idx="minor">
+            <a:schemeClr val="tx1"/>
+          </a:fontRef>
+        </p:style>
+      </p:cxnSp>
+      <p:sp>
+        <p:nvSpPr>
+          <p:cNvPr id="42" name="ZoneTexte 41">
+            <a:extLst>
+              <a:ext uri="{FF2B5EF4-FFF2-40B4-BE49-F238E27FC236}">
+                <a16:creationId xmlns:a16="http://schemas.microsoft.com/office/drawing/2014/main" id="{248F65B3-8E6C-4227-B8B3-899E8C4D8B04}"/>
+              </a:ext>
+            </a:extLst>
+          </p:cNvPr>
+          <p:cNvSpPr txBox="1"/>
+          <p:nvPr/>
+        </p:nvSpPr>
+        <p:spPr>
+          <a:xfrm>
+            <a:off x="6983766" y="1856943"/>
+            <a:ext cx="417459" cy="246221"/>
+          </a:xfrm>
+          <a:prstGeom prst="rect">
+            <a:avLst/>
+          </a:prstGeom>
+          <a:noFill/>
+        </p:spPr>
+        <p:txBody>
+          <a:bodyPr wrap="square" rtlCol="0">
+            <a:spAutoFit/>
+          </a:bodyPr>
+          <a:lstStyle/>
+          <a:p>
+            <a:r>
+              <a:rPr lang="en-US" sz="1000" noProof="1"/>
+              <a:t>0..*</a:t>
+            </a:r>
+          </a:p>
+        </p:txBody>
+      </p:sp>
+      <p:sp>
+        <p:nvSpPr>
+          <p:cNvPr id="43" name="Rectangle 42">
+            <a:extLst>
+              <a:ext uri="{FF2B5EF4-FFF2-40B4-BE49-F238E27FC236}">
+                <a16:creationId xmlns:a16="http://schemas.microsoft.com/office/drawing/2014/main" id="{71DA3344-8289-4D5A-A057-D1535720BF62}"/>
+              </a:ext>
+            </a:extLst>
+          </p:cNvPr>
+          <p:cNvSpPr/>
+          <p:nvPr/>
+        </p:nvSpPr>
+        <p:spPr>
+          <a:xfrm>
+            <a:off x="7192495" y="1679268"/>
+            <a:ext cx="3208932" cy="246221"/>
+          </a:xfrm>
+          <a:prstGeom prst="rect">
+            <a:avLst/>
+          </a:prstGeom>
+        </p:spPr>
+        <p:txBody>
+          <a:bodyPr wrap="square">
+            <a:spAutoFit/>
+          </a:bodyPr>
+          <a:lstStyle/>
+          <a:p>
+            <a:r>
+              <a:rPr lang="en-US" sz="1000" noProof="1">
+                <a:solidFill>
+                  <a:srgbClr val="0070C0"/>
+                </a:solidFill>
+              </a:rPr>
+              <a:t>relatedMedicationKnowledge </a:t>
+            </a:r>
+            <a:r>
+              <a:rPr lang="en-US" sz="1000" noProof="1"/>
+              <a:t>(</a:t>
+            </a:r>
+            <a:r>
+              <a:rPr lang="en-US" sz="1000" noProof="1">
+                <a:solidFill>
+                  <a:srgbClr val="0070C0"/>
+                </a:solidFill>
+              </a:rPr>
+              <a:t>.type </a:t>
+            </a:r>
+            <a:r>
+              <a:rPr lang="en-US" sz="1000" noProof="1"/>
+              <a:t>= type of association)</a:t>
+            </a:r>
+            <a:endParaRPr lang="en-US" sz="1000" noProof="1">
+              <a:solidFill>
+                <a:schemeClr val="tx1">
+                  <a:lumMod val="50000"/>
+                  <a:lumOff val="50000"/>
+                </a:schemeClr>
+              </a:solidFill>
+            </a:endParaRPr>
+          </a:p>
+        </p:txBody>
+      </p:sp>
+      <p:sp>
+        <p:nvSpPr>
+          <p:cNvPr id="46" name="Rectangle 45">
+            <a:extLst>
+              <a:ext uri="{FF2B5EF4-FFF2-40B4-BE49-F238E27FC236}">
+                <a16:creationId xmlns:a16="http://schemas.microsoft.com/office/drawing/2014/main" id="{33B28E38-DD45-43FE-9F00-2EE8BA5D6BEC}"/>
+              </a:ext>
+            </a:extLst>
+          </p:cNvPr>
+          <p:cNvSpPr/>
+          <p:nvPr/>
+        </p:nvSpPr>
+        <p:spPr>
+          <a:xfrm>
+            <a:off x="8285423" y="487671"/>
+            <a:ext cx="1433977" cy="612769"/>
+          </a:xfrm>
+          <a:prstGeom prst="rect">
+            <a:avLst/>
+          </a:prstGeom>
+          <a:solidFill>
+            <a:schemeClr val="accent4">
+              <a:lumMod val="50000"/>
+            </a:schemeClr>
+          </a:solidFill>
+          <a:ln>
+            <a:noFill/>
+          </a:ln>
+          <a:effectLst/>
+        </p:spPr>
+        <p:style>
+          <a:lnRef idx="2">
+            <a:schemeClr val="accent1">
+              <a:shade val="50000"/>
+            </a:schemeClr>
+          </a:lnRef>
+          <a:fillRef idx="1">
+            <a:schemeClr val="accent1"/>
+          </a:fillRef>
+          <a:effectRef idx="0">
+            <a:schemeClr val="accent1"/>
+          </a:effectRef>
+          <a:fontRef idx="minor">
+            <a:schemeClr val="lt1"/>
+          </a:fontRef>
+        </p:style>
+        <p:txBody>
+          <a:bodyPr rtlCol="0" anchor="ctr"/>
+          <a:lstStyle/>
+          <a:p>
+            <a:pPr algn="ctr"/>
+            <a:r>
+              <a:rPr lang="en-US" sz="1200" noProof="1">
+                <a:solidFill>
+                  <a:srgbClr val="FFFF00"/>
+                </a:solidFill>
+              </a:rPr>
+              <a:t>Catalog profile of Composition</a:t>
+            </a:r>
+          </a:p>
+        </p:txBody>
+      </p:sp>
+      <p:cxnSp>
+        <p:nvCxnSpPr>
+          <p:cNvPr id="47" name="Connecteur : en angle 46">
+            <a:extLst>
+              <a:ext uri="{FF2B5EF4-FFF2-40B4-BE49-F238E27FC236}">
+                <a16:creationId xmlns:a16="http://schemas.microsoft.com/office/drawing/2014/main" id="{C05A81FE-BC78-47D5-8C3C-F8AFDF3EFF50}"/>
+              </a:ext>
+            </a:extLst>
+          </p:cNvPr>
+          <p:cNvCxnSpPr>
+            <a:cxnSpLocks/>
+            <a:stCxn id="45" idx="0"/>
+            <a:endCxn id="46" idx="2"/>
+          </p:cNvCxnSpPr>
+          <p:nvPr/>
+        </p:nvCxnSpPr>
+        <p:spPr>
+          <a:xfrm rot="5400000" flipH="1" flipV="1">
+            <a:off x="7638685" y="328507"/>
+            <a:ext cx="591794" cy="2135660"/>
           </a:xfrm>
           <a:prstGeom prst="bentConnector3">
             <a:avLst>
@@ -8607,8 +9397,161 @@
             </a:avLst>
           </a:prstGeom>
           <a:ln w="19050">
-            <a:headEnd type="none" w="med" len="med"/>
-            <a:tailEnd type="arrow" w="med" len="med"/>
+            <a:headEnd type="arrow" w="med" len="med"/>
+            <a:tailEnd type="none" w="med" len="med"/>
+          </a:ln>
+        </p:spPr>
+        <p:style>
+          <a:lnRef idx="1">
+            <a:schemeClr val="accent1"/>
+          </a:lnRef>
+          <a:fillRef idx="0">
+            <a:schemeClr val="accent1"/>
+          </a:fillRef>
+          <a:effectRef idx="0">
+            <a:schemeClr val="accent1"/>
+          </a:effectRef>
+          <a:fontRef idx="minor">
+            <a:schemeClr val="tx1"/>
+          </a:fontRef>
+        </p:style>
+      </p:cxnSp>
+      <p:sp>
+        <p:nvSpPr>
+          <p:cNvPr id="48" name="ZoneTexte 47">
+            <a:extLst>
+              <a:ext uri="{FF2B5EF4-FFF2-40B4-BE49-F238E27FC236}">
+                <a16:creationId xmlns:a16="http://schemas.microsoft.com/office/drawing/2014/main" id="{114FF8C2-58A0-41C4-969F-FEB982672582}"/>
+              </a:ext>
+            </a:extLst>
+          </p:cNvPr>
+          <p:cNvSpPr txBox="1"/>
+          <p:nvPr/>
+        </p:nvSpPr>
+        <p:spPr>
+          <a:xfrm>
+            <a:off x="6835894" y="1399334"/>
+            <a:ext cx="444133" cy="246221"/>
+          </a:xfrm>
+          <a:prstGeom prst="rect">
+            <a:avLst/>
+          </a:prstGeom>
+          <a:noFill/>
+        </p:spPr>
+        <p:txBody>
+          <a:bodyPr wrap="square" rtlCol="0">
+            <a:spAutoFit/>
+          </a:bodyPr>
+          <a:lstStyle/>
+          <a:p>
+            <a:r>
+              <a:rPr lang="en-US" sz="1000" noProof="1"/>
+              <a:t>0..*</a:t>
+            </a:r>
+          </a:p>
+        </p:txBody>
+      </p:sp>
+      <p:sp>
+        <p:nvSpPr>
+          <p:cNvPr id="49" name="ZoneTexte 48">
+            <a:extLst>
+              <a:ext uri="{FF2B5EF4-FFF2-40B4-BE49-F238E27FC236}">
+                <a16:creationId xmlns:a16="http://schemas.microsoft.com/office/drawing/2014/main" id="{4D1987F7-64AB-4276-885C-ABB5E203F9F7}"/>
+              </a:ext>
+            </a:extLst>
+          </p:cNvPr>
+          <p:cNvSpPr txBox="1"/>
+          <p:nvPr/>
+        </p:nvSpPr>
+        <p:spPr>
+          <a:xfrm>
+            <a:off x="9729109" y="391870"/>
+            <a:ext cx="1123905" cy="830997"/>
+          </a:xfrm>
+          <a:prstGeom prst="rect">
+            <a:avLst/>
+          </a:prstGeom>
+          <a:noFill/>
+        </p:spPr>
+        <p:txBody>
+          <a:bodyPr wrap="square" rtlCol="0">
+            <a:spAutoFit/>
+          </a:bodyPr>
+          <a:lstStyle/>
+          <a:p>
+            <a:r>
+              <a:rPr lang="en-US" sz="1200" i="1" noProof="1"/>
+              <a:t>a catalog of medications handled with method 1</a:t>
+            </a:r>
+          </a:p>
+        </p:txBody>
+      </p:sp>
+      <p:sp>
+        <p:nvSpPr>
+          <p:cNvPr id="50" name="ZoneTexte 49">
+            <a:extLst>
+              <a:ext uri="{FF2B5EF4-FFF2-40B4-BE49-F238E27FC236}">
+                <a16:creationId xmlns:a16="http://schemas.microsoft.com/office/drawing/2014/main" id="{18F3692A-6BD3-4364-86E2-2F8A35E63556}"/>
+              </a:ext>
+            </a:extLst>
+          </p:cNvPr>
+          <p:cNvSpPr txBox="1"/>
+          <p:nvPr/>
+        </p:nvSpPr>
+        <p:spPr>
+          <a:xfrm>
+            <a:off x="8163734" y="1183958"/>
+            <a:ext cx="898203" cy="246221"/>
+          </a:xfrm>
+          <a:prstGeom prst="rect">
+            <a:avLst/>
+          </a:prstGeom>
+          <a:noFill/>
+        </p:spPr>
+        <p:txBody>
+          <a:bodyPr wrap="square" rtlCol="0">
+            <a:spAutoFit/>
+          </a:bodyPr>
+          <a:lstStyle/>
+          <a:p>
+            <a:r>
+              <a:rPr lang="en-US" sz="1000" noProof="1">
+                <a:solidFill>
+                  <a:srgbClr val="0070C0"/>
+                </a:solidFill>
+              </a:rPr>
+              <a:t>section.entry</a:t>
+            </a:r>
+          </a:p>
+        </p:txBody>
+      </p:sp>
+      <p:cxnSp>
+        <p:nvCxnSpPr>
+          <p:cNvPr id="53" name="Connecteur : en angle 52">
+            <a:extLst>
+              <a:ext uri="{FF2B5EF4-FFF2-40B4-BE49-F238E27FC236}">
+                <a16:creationId xmlns:a16="http://schemas.microsoft.com/office/drawing/2014/main" id="{DC7035E1-0312-457C-8D8E-B608F693E7FF}"/>
+              </a:ext>
+            </a:extLst>
+          </p:cNvPr>
+          <p:cNvCxnSpPr>
+            <a:cxnSpLocks/>
+            <a:stCxn id="123" idx="3"/>
+            <a:endCxn id="22" idx="2"/>
+          </p:cNvCxnSpPr>
+          <p:nvPr/>
+        </p:nvCxnSpPr>
+        <p:spPr>
+          <a:xfrm flipV="1">
+            <a:off x="3770477" y="2440074"/>
+            <a:ext cx="1922451" cy="194755"/>
+          </a:xfrm>
+          <a:prstGeom prst="bentConnector2">
+            <a:avLst/>
+          </a:prstGeom>
+          <a:ln w="19050">
+            <a:headEnd type="arrow" w="med" len="med"/>
+            <a:tailEnd type="none" w="med" len="med"/>
           </a:ln>
         </p:spPr>
         <p:style>
@@ -8628,33 +9571,31 @@
       </p:cxnSp>
       <p:cxnSp>
         <p:nvCxnSpPr>
-          <p:cNvPr id="135" name="Connecteur : en angle 134">
-            <a:extLst>
-              <a:ext uri="{FF2B5EF4-FFF2-40B4-BE49-F238E27FC236}">
-                <a16:creationId xmlns:a16="http://schemas.microsoft.com/office/drawing/2014/main" id="{D9F558CD-5D97-44CA-BC1C-9433EA040700}"/>
+          <p:cNvPr id="54" name="Connecteur : en angle 53">
+            <a:extLst>
+              <a:ext uri="{FF2B5EF4-FFF2-40B4-BE49-F238E27FC236}">
+                <a16:creationId xmlns:a16="http://schemas.microsoft.com/office/drawing/2014/main" id="{C07E1394-BC95-4443-B969-97AA316D0A40}"/>
               </a:ext>
             </a:extLst>
           </p:cNvPr>
           <p:cNvCxnSpPr>
             <a:cxnSpLocks/>
-            <a:stCxn id="46" idx="1"/>
-            <a:endCxn id="124" idx="3"/>
+            <a:stCxn id="20" idx="3"/>
+            <a:endCxn id="23" idx="2"/>
           </p:cNvCxnSpPr>
           <p:nvPr/>
         </p:nvCxnSpPr>
         <p:spPr>
-          <a:xfrm rot="10800000">
-            <a:off x="6866752" y="794056"/>
-            <a:ext cx="1854395" cy="1"/>
-          </a:xfrm>
-          <a:prstGeom prst="bentConnector3">
-            <a:avLst>
-              <a:gd name="adj1" fmla="val 50000"/>
-            </a:avLst>
+          <a:xfrm flipV="1">
+            <a:off x="3765640" y="2440074"/>
+            <a:ext cx="2187261" cy="520460"/>
+          </a:xfrm>
+          <a:prstGeom prst="bentConnector2">
+            <a:avLst/>
           </a:prstGeom>
           <a:ln w="19050">
-            <a:headEnd type="none" w="med" len="med"/>
-            <a:tailEnd type="arrow" w="med" len="med"/>
+            <a:headEnd type="arrow" w="med" len="med"/>
+            <a:tailEnd type="none" w="med" len="med"/>
           </a:ln>
         </p:spPr>
         <p:style>
@@ -8674,28 +9615,27 @@
       </p:cxnSp>
       <p:sp>
         <p:nvSpPr>
-          <p:cNvPr id="138" name="ZoneTexte 137">
-            <a:extLst>
-              <a:ext uri="{FF2B5EF4-FFF2-40B4-BE49-F238E27FC236}">
-                <a16:creationId xmlns:a16="http://schemas.microsoft.com/office/drawing/2014/main" id="{EB604591-8E0B-4FE6-8C2E-36FF9685F168}"/>
-              </a:ext>
-            </a:extLst>
-          </p:cNvPr>
-          <p:cNvSpPr txBox="1"/>
-          <p:nvPr/>
-        </p:nvSpPr>
-        <p:spPr>
-          <a:xfrm>
-            <a:off x="4140770" y="566938"/>
-            <a:ext cx="679239" cy="246221"/>
-          </a:xfrm>
-          <a:prstGeom prst="rect">
-            <a:avLst/>
-          </a:prstGeom>
-          <a:noFill/>
-        </p:spPr>
-        <p:txBody>
-          <a:bodyPr wrap="square" rtlCol="0">
+          <p:cNvPr id="56" name="Rectangle 55">
+            <a:extLst>
+              <a:ext uri="{FF2B5EF4-FFF2-40B4-BE49-F238E27FC236}">
+                <a16:creationId xmlns:a16="http://schemas.microsoft.com/office/drawing/2014/main" id="{BE83DCFB-C4BB-48F9-98BF-C7C5D89CBBCF}"/>
+              </a:ext>
+            </a:extLst>
+          </p:cNvPr>
+          <p:cNvSpPr/>
+          <p:nvPr/>
+        </p:nvSpPr>
+        <p:spPr>
+          <a:xfrm>
+            <a:off x="4042578" y="2405568"/>
+            <a:ext cx="579044" cy="246221"/>
+          </a:xfrm>
+          <a:prstGeom prst="rect">
+            <a:avLst/>
+          </a:prstGeom>
+        </p:spPr>
+        <p:txBody>
+          <a:bodyPr wrap="square">
             <a:spAutoFit/>
           </a:bodyPr>
           <a:lstStyle/>
@@ -8706,35 +9646,34 @@
                   <a:srgbClr val="0070C0"/>
                 </a:solidFill>
               </a:rPr>
-              <a:t>subject</a:t>
-            </a:r>
-          </a:p>
-        </p:txBody>
-      </p:sp>
-      <p:sp>
-        <p:nvSpPr>
-          <p:cNvPr id="139" name="ZoneTexte 138">
-            <a:extLst>
-              <a:ext uri="{FF2B5EF4-FFF2-40B4-BE49-F238E27FC236}">
-                <a16:creationId xmlns:a16="http://schemas.microsoft.com/office/drawing/2014/main" id="{8A597F53-2973-4527-9BDC-03485142C35D}"/>
-              </a:ext>
-            </a:extLst>
-          </p:cNvPr>
-          <p:cNvSpPr txBox="1"/>
-          <p:nvPr/>
-        </p:nvSpPr>
-        <p:spPr>
-          <a:xfrm>
-            <a:off x="8001237" y="557603"/>
-            <a:ext cx="679239" cy="246221"/>
-          </a:xfrm>
-          <a:prstGeom prst="rect">
-            <a:avLst/>
-          </a:prstGeom>
-          <a:noFill/>
-        </p:spPr>
-        <p:txBody>
-          <a:bodyPr wrap="square" rtlCol="0">
+              <a:t>author</a:t>
+            </a:r>
+          </a:p>
+        </p:txBody>
+      </p:sp>
+      <p:sp>
+        <p:nvSpPr>
+          <p:cNvPr id="57" name="Rectangle 56">
+            <a:extLst>
+              <a:ext uri="{FF2B5EF4-FFF2-40B4-BE49-F238E27FC236}">
+                <a16:creationId xmlns:a16="http://schemas.microsoft.com/office/drawing/2014/main" id="{41E2227B-071A-4C20-A41E-253016E66462}"/>
+              </a:ext>
+            </a:extLst>
+          </p:cNvPr>
+          <p:cNvSpPr/>
+          <p:nvPr/>
+        </p:nvSpPr>
+        <p:spPr>
+          <a:xfrm>
+            <a:off x="4031015" y="2731384"/>
+            <a:ext cx="2005686" cy="246221"/>
+          </a:xfrm>
+          <a:prstGeom prst="rect">
+            <a:avLst/>
+          </a:prstGeom>
+        </p:spPr>
+        <p:txBody>
+          <a:bodyPr wrap="square">
             <a:spAutoFit/>
           </a:bodyPr>
           <a:lstStyle/>
@@ -8745,17 +9684,52 @@
                   <a:srgbClr val="0070C0"/>
                 </a:solidFill>
               </a:rPr>
-              <a:t>subject</a:t>
-            </a:r>
-          </a:p>
-        </p:txBody>
-      </p:sp>
-      <p:sp>
-        <p:nvSpPr>
-          <p:cNvPr id="10" name="Rectangle 9">
-            <a:extLst>
-              <a:ext uri="{FF2B5EF4-FFF2-40B4-BE49-F238E27FC236}">
-                <a16:creationId xmlns:a16="http://schemas.microsoft.com/office/drawing/2014/main" id="{15FC076F-2815-4F6B-9F59-C31CB1C19DCA}"/>
+              <a:t>regulatory[*].regulatoryAuthority</a:t>
+            </a:r>
+          </a:p>
+        </p:txBody>
+      </p:sp>
+      <p:sp>
+        <p:nvSpPr>
+          <p:cNvPr id="59" name="ZoneTexte 58">
+            <a:extLst>
+              <a:ext uri="{FF2B5EF4-FFF2-40B4-BE49-F238E27FC236}">
+                <a16:creationId xmlns:a16="http://schemas.microsoft.com/office/drawing/2014/main" id="{7F891DED-D9D3-48EB-A5A1-F1E15E837EBD}"/>
+              </a:ext>
+            </a:extLst>
+          </p:cNvPr>
+          <p:cNvSpPr txBox="1"/>
+          <p:nvPr/>
+        </p:nvSpPr>
+        <p:spPr>
+          <a:xfrm>
+            <a:off x="3770968" y="2411875"/>
+            <a:ext cx="388393" cy="246221"/>
+          </a:xfrm>
+          <a:prstGeom prst="rect">
+            <a:avLst/>
+          </a:prstGeom>
+          <a:noFill/>
+        </p:spPr>
+        <p:txBody>
+          <a:bodyPr wrap="square" rtlCol="0">
+            <a:spAutoFit/>
+          </a:bodyPr>
+          <a:lstStyle/>
+          <a:p>
+            <a:r>
+              <a:rPr lang="en-US" sz="1000" noProof="1"/>
+              <a:t>0..1</a:t>
+            </a:r>
+          </a:p>
+        </p:txBody>
+      </p:sp>
+      <p:sp>
+        <p:nvSpPr>
+          <p:cNvPr id="63" name="Rectangle 62">
+            <a:extLst>
+              <a:ext uri="{FF2B5EF4-FFF2-40B4-BE49-F238E27FC236}">
+                <a16:creationId xmlns:a16="http://schemas.microsoft.com/office/drawing/2014/main" id="{DA71AA2D-B596-4E27-A8E5-312D41526BFA}"/>
               </a:ext>
             </a:extLst>
           </p:cNvPr>
@@ -8764,54 +9738,8 @@
         </p:nvSpPr>
         <p:spPr>
           <a:xfrm>
-            <a:off x="3005752" y="5056270"/>
-            <a:ext cx="96711" cy="132280"/>
-          </a:xfrm>
-          <a:prstGeom prst="rect">
-            <a:avLst/>
-          </a:prstGeom>
-        </p:spPr>
-        <p:style>
-          <a:lnRef idx="2">
-            <a:schemeClr val="accent1">
-              <a:shade val="50000"/>
-            </a:schemeClr>
-          </a:lnRef>
-          <a:fillRef idx="1">
-            <a:schemeClr val="accent1"/>
-          </a:fillRef>
-          <a:effectRef idx="0">
-            <a:schemeClr val="accent1"/>
-          </a:effectRef>
-          <a:fontRef idx="minor">
-            <a:schemeClr val="lt1"/>
-          </a:fontRef>
-        </p:style>
-        <p:txBody>
-          <a:bodyPr rtlCol="0" anchor="ctr"/>
-          <a:lstStyle/>
-          <a:p>
-            <a:pPr algn="ctr"/>
-            <a:endParaRPr lang="fr-FR" sz="1050"/>
-          </a:p>
-        </p:txBody>
-      </p:sp>
-      <p:sp>
-        <p:nvSpPr>
-          <p:cNvPr id="113" name="Rectangle 112">
-            <a:extLst>
-              <a:ext uri="{FF2B5EF4-FFF2-40B4-BE49-F238E27FC236}">
-                <a16:creationId xmlns:a16="http://schemas.microsoft.com/office/drawing/2014/main" id="{DB1738E6-22A4-49FE-BCE4-2AD1C93E7B06}"/>
-              </a:ext>
-            </a:extLst>
-          </p:cNvPr>
-          <p:cNvSpPr/>
-          <p:nvPr/>
-        </p:nvSpPr>
-        <p:spPr>
-          <a:xfrm>
-            <a:off x="2442666" y="5042170"/>
-            <a:ext cx="1660053" cy="796480"/>
+            <a:off x="2468100" y="3770637"/>
+            <a:ext cx="1666397" cy="639072"/>
           </a:xfrm>
           <a:prstGeom prst="rect">
             <a:avLst/>
@@ -8872,17 +9800,197 @@
                   <a:srgbClr val="FFFF00"/>
                 </a:solidFill>
               </a:rPr>
-              <a:t>ObservationDefinition</a:t>
-            </a:r>
-          </a:p>
-        </p:txBody>
-      </p:sp>
-      <p:sp>
-        <p:nvSpPr>
-          <p:cNvPr id="141" name="ZoneTexte 140">
-            <a:extLst>
-              <a:ext uri="{FF2B5EF4-FFF2-40B4-BE49-F238E27FC236}">
-                <a16:creationId xmlns:a16="http://schemas.microsoft.com/office/drawing/2014/main" id="{B12EA8E9-65D2-4845-8382-719149651DED}"/>
+              <a:t>IndicationDefinition profile of ClinicalUseDefinition</a:t>
+            </a:r>
+          </a:p>
+        </p:txBody>
+      </p:sp>
+      <p:sp>
+        <p:nvSpPr>
+          <p:cNvPr id="64" name="Rectangle 63">
+            <a:extLst>
+              <a:ext uri="{FF2B5EF4-FFF2-40B4-BE49-F238E27FC236}">
+                <a16:creationId xmlns:a16="http://schemas.microsoft.com/office/drawing/2014/main" id="{B291188D-4926-4A5A-8338-E1AA2A80525B}"/>
+              </a:ext>
+            </a:extLst>
+          </p:cNvPr>
+          <p:cNvSpPr/>
+          <p:nvPr/>
+        </p:nvSpPr>
+        <p:spPr>
+          <a:xfrm>
+            <a:off x="8777304" y="3588056"/>
+            <a:ext cx="1863466" cy="622809"/>
+          </a:xfrm>
+          <a:prstGeom prst="rect">
+            <a:avLst/>
+          </a:prstGeom>
+          <a:gradFill flip="none" rotWithShape="1">
+            <a:gsLst>
+              <a:gs pos="0">
+                <a:schemeClr val="accent1">
+                  <a:shade val="30000"/>
+                  <a:satMod val="115000"/>
+                </a:schemeClr>
+              </a:gs>
+              <a:gs pos="50000">
+                <a:schemeClr val="accent1">
+                  <a:shade val="67500"/>
+                  <a:satMod val="115000"/>
+                </a:schemeClr>
+              </a:gs>
+              <a:gs pos="100000">
+                <a:schemeClr val="accent1">
+                  <a:shade val="100000"/>
+                  <a:satMod val="115000"/>
+                </a:schemeClr>
+              </a:gs>
+            </a:gsLst>
+            <a:lin ang="0" scaled="1"/>
+            <a:tileRect/>
+          </a:gradFill>
+          <a:ln>
+            <a:noFill/>
+          </a:ln>
+          <a:effectLst/>
+        </p:spPr>
+        <p:style>
+          <a:lnRef idx="2">
+            <a:schemeClr val="accent1">
+              <a:shade val="50000"/>
+            </a:schemeClr>
+          </a:lnRef>
+          <a:fillRef idx="1">
+            <a:schemeClr val="accent1"/>
+          </a:fillRef>
+          <a:effectRef idx="0">
+            <a:schemeClr val="accent1"/>
+          </a:effectRef>
+          <a:fontRef idx="minor">
+            <a:schemeClr val="lt1"/>
+          </a:fontRef>
+        </p:style>
+        <p:txBody>
+          <a:bodyPr rtlCol="0" anchor="ctr"/>
+          <a:lstStyle/>
+          <a:p>
+            <a:pPr algn="ctr"/>
+            <a:r>
+              <a:rPr lang="en-US" sz="1200" noProof="1">
+                <a:solidFill>
+                  <a:srgbClr val="FFFF00"/>
+                </a:solidFill>
+              </a:rPr>
+              <a:t>WarningDefinition </a:t>
+            </a:r>
+          </a:p>
+          <a:p>
+            <a:pPr algn="ctr"/>
+            <a:r>
+              <a:rPr lang="en-US" sz="1200" noProof="1">
+                <a:solidFill>
+                  <a:srgbClr val="FFFF00"/>
+                </a:solidFill>
+              </a:rPr>
+              <a:t>profile of ClinicalUseDefinition</a:t>
+            </a:r>
+          </a:p>
+        </p:txBody>
+      </p:sp>
+      <p:cxnSp>
+        <p:nvCxnSpPr>
+          <p:cNvPr id="65" name="Connecteur : en angle 64">
+            <a:extLst>
+              <a:ext uri="{FF2B5EF4-FFF2-40B4-BE49-F238E27FC236}">
+                <a16:creationId xmlns:a16="http://schemas.microsoft.com/office/drawing/2014/main" id="{973F3054-ACA1-4C24-BEEC-EF27B0170C3C}"/>
+              </a:ext>
+            </a:extLst>
+          </p:cNvPr>
+          <p:cNvCxnSpPr>
+            <a:cxnSpLocks/>
+            <a:stCxn id="114" idx="2"/>
+            <a:endCxn id="63" idx="3"/>
+          </p:cNvCxnSpPr>
+          <p:nvPr/>
+        </p:nvCxnSpPr>
+        <p:spPr>
+          <a:xfrm rot="5400000">
+            <a:off x="4357363" y="2225441"/>
+            <a:ext cx="1641867" cy="2087597"/>
+          </a:xfrm>
+          <a:prstGeom prst="bentConnector2">
+            <a:avLst/>
+          </a:prstGeom>
+          <a:ln w="19050">
+            <a:headEnd type="none" w="med" len="med"/>
+            <a:tailEnd type="arrow" w="med" len="med"/>
+          </a:ln>
+        </p:spPr>
+        <p:style>
+          <a:lnRef idx="1">
+            <a:schemeClr val="accent1"/>
+          </a:lnRef>
+          <a:fillRef idx="0">
+            <a:schemeClr val="accent1"/>
+          </a:fillRef>
+          <a:effectRef idx="0">
+            <a:schemeClr val="accent1"/>
+          </a:effectRef>
+          <a:fontRef idx="minor">
+            <a:schemeClr val="tx1"/>
+          </a:fontRef>
+        </p:style>
+      </p:cxnSp>
+      <p:cxnSp>
+        <p:nvCxnSpPr>
+          <p:cNvPr id="66" name="Connecteur : en angle 65">
+            <a:extLst>
+              <a:ext uri="{FF2B5EF4-FFF2-40B4-BE49-F238E27FC236}">
+                <a16:creationId xmlns:a16="http://schemas.microsoft.com/office/drawing/2014/main" id="{37B5F18A-C185-436E-A300-58BAADFC258B}"/>
+              </a:ext>
+            </a:extLst>
+          </p:cNvPr>
+          <p:cNvCxnSpPr>
+            <a:cxnSpLocks/>
+            <a:stCxn id="98" idx="2"/>
+            <a:endCxn id="64" idx="1"/>
+          </p:cNvCxnSpPr>
+          <p:nvPr/>
+        </p:nvCxnSpPr>
+        <p:spPr>
+          <a:xfrm rot="16200000" flipH="1">
+            <a:off x="7117538" y="2239694"/>
+            <a:ext cx="1459461" cy="1860072"/>
+          </a:xfrm>
+          <a:prstGeom prst="bentConnector2">
+            <a:avLst/>
+          </a:prstGeom>
+          <a:ln w="19050">
+            <a:headEnd type="none" w="med" len="med"/>
+            <a:tailEnd type="arrow" w="med" len="med"/>
+          </a:ln>
+        </p:spPr>
+        <p:style>
+          <a:lnRef idx="1">
+            <a:schemeClr val="accent1"/>
+          </a:lnRef>
+          <a:fillRef idx="0">
+            <a:schemeClr val="accent1"/>
+          </a:fillRef>
+          <a:effectRef idx="0">
+            <a:schemeClr val="accent1"/>
+          </a:effectRef>
+          <a:fontRef idx="minor">
+            <a:schemeClr val="tx1"/>
+          </a:fontRef>
+        </p:style>
+      </p:cxnSp>
+      <p:sp>
+        <p:nvSpPr>
+          <p:cNvPr id="68" name="ZoneTexte 67">
+            <a:extLst>
+              <a:ext uri="{FF2B5EF4-FFF2-40B4-BE49-F238E27FC236}">
+                <a16:creationId xmlns:a16="http://schemas.microsoft.com/office/drawing/2014/main" id="{4E2A38EA-069E-4141-B5C0-922040A304F4}"/>
               </a:ext>
             </a:extLst>
           </p:cNvPr>
@@ -8891,8 +9999,8 @@
         </p:nvSpPr>
         <p:spPr>
           <a:xfrm>
-            <a:off x="5284755" y="29873"/>
-            <a:ext cx="1931755" cy="461665"/>
+            <a:off x="4223289" y="4095178"/>
+            <a:ext cx="423703" cy="246221"/>
           </a:xfrm>
           <a:prstGeom prst="rect">
             <a:avLst/>
@@ -8905,21 +10013,19 @@
           </a:bodyPr>
           <a:lstStyle/>
           <a:p>
-            <a:pPr algn="ctr"/>
-            <a:r>
-              <a:rPr lang="en-US" sz="1200" i="1" dirty="0"/>
-              <a:t>Plan or set of dispositions subject of the catalog</a:t>
-            </a:r>
-            <a:endParaRPr lang="fr-FR" dirty="0"/>
-          </a:p>
-        </p:txBody>
-      </p:sp>
-      <p:sp>
-        <p:nvSpPr>
-          <p:cNvPr id="121" name="ZoneTexte 120">
-            <a:extLst>
-              <a:ext uri="{FF2B5EF4-FFF2-40B4-BE49-F238E27FC236}">
-                <a16:creationId xmlns:a16="http://schemas.microsoft.com/office/drawing/2014/main" id="{3B9D8C0C-C365-4751-AEFD-139926DC4481}"/>
+            <a:r>
+              <a:rPr lang="en-US" sz="1000" noProof="1"/>
+              <a:t>0..*</a:t>
+            </a:r>
+          </a:p>
+        </p:txBody>
+      </p:sp>
+      <p:sp>
+        <p:nvSpPr>
+          <p:cNvPr id="69" name="ZoneTexte 68">
+            <a:extLst>
+              <a:ext uri="{FF2B5EF4-FFF2-40B4-BE49-F238E27FC236}">
+                <a16:creationId xmlns:a16="http://schemas.microsoft.com/office/drawing/2014/main" id="{BF5F5744-DE68-44D7-90A3-865A0E763A11}"/>
               </a:ext>
             </a:extLst>
           </p:cNvPr>
@@ -8928,8 +10034,8 @@
         </p:nvSpPr>
         <p:spPr>
           <a:xfrm>
-            <a:off x="5302705" y="813424"/>
-            <a:ext cx="405123" cy="246221"/>
+            <a:off x="4216437" y="3877895"/>
+            <a:ext cx="2115441" cy="246221"/>
           </a:xfrm>
           <a:prstGeom prst="rect">
             <a:avLst/>
@@ -8943,18 +10049,22 @@
           <a:lstStyle/>
           <a:p>
             <a:r>
-              <a:rPr lang="en-US" sz="1000" noProof="1"/>
-              <a:t>0..1</a:t>
-            </a:r>
-          </a:p>
-        </p:txBody>
-      </p:sp>
-      <p:sp>
-        <p:nvSpPr>
-          <p:cNvPr id="122" name="ZoneTexte 121">
-            <a:extLst>
-              <a:ext uri="{FF2B5EF4-FFF2-40B4-BE49-F238E27FC236}">
-                <a16:creationId xmlns:a16="http://schemas.microsoft.com/office/drawing/2014/main" id="{23128E52-B54B-4872-94FB-6987737533F4}"/>
+              <a:rPr lang="en-US" sz="1000" noProof="1">
+                <a:solidFill>
+                  <a:srgbClr val="0070C0"/>
+                </a:solidFill>
+              </a:rPr>
+              <a:t>indicationGuideline[*].indication[*]</a:t>
+            </a:r>
+          </a:p>
+        </p:txBody>
+      </p:sp>
+      <p:sp>
+        <p:nvSpPr>
+          <p:cNvPr id="70" name="ZoneTexte 69">
+            <a:extLst>
+              <a:ext uri="{FF2B5EF4-FFF2-40B4-BE49-F238E27FC236}">
+                <a16:creationId xmlns:a16="http://schemas.microsoft.com/office/drawing/2014/main" id="{4A6C9008-0FE6-4740-B809-8E9A196E9ECE}"/>
               </a:ext>
             </a:extLst>
           </p:cNvPr>
@@ -8963,8 +10073,8 @@
         </p:nvSpPr>
         <p:spPr>
           <a:xfrm>
-            <a:off x="6810074" y="805996"/>
-            <a:ext cx="405123" cy="246221"/>
+            <a:off x="6855006" y="2640227"/>
+            <a:ext cx="1180776" cy="246221"/>
           </a:xfrm>
           <a:prstGeom prst="rect">
             <a:avLst/>
@@ -8978,8 +10088,1741 @@
           <a:lstStyle/>
           <a:p>
             <a:r>
+              <a:rPr lang="en-US" sz="1000" noProof="1">
+                <a:solidFill>
+                  <a:srgbClr val="0070C0"/>
+                </a:solidFill>
+              </a:rPr>
+              <a:t>clinicalUseIssue[*]</a:t>
+            </a:r>
+            <a:endParaRPr lang="en-US" sz="1000" noProof="1"/>
+          </a:p>
+        </p:txBody>
+      </p:sp>
+      <p:sp>
+        <p:nvSpPr>
+          <p:cNvPr id="71" name="ZoneTexte 70">
+            <a:extLst>
+              <a:ext uri="{FF2B5EF4-FFF2-40B4-BE49-F238E27FC236}">
+                <a16:creationId xmlns:a16="http://schemas.microsoft.com/office/drawing/2014/main" id="{C00C1C37-6575-463B-B882-B38B4289B347}"/>
+              </a:ext>
+            </a:extLst>
+          </p:cNvPr>
+          <p:cNvSpPr txBox="1"/>
+          <p:nvPr/>
+        </p:nvSpPr>
+        <p:spPr>
+          <a:xfrm>
+            <a:off x="1563737" y="3770637"/>
+            <a:ext cx="924161" cy="646331"/>
+          </a:xfrm>
+          <a:prstGeom prst="rect">
+            <a:avLst/>
+          </a:prstGeom>
+          <a:noFill/>
+        </p:spPr>
+        <p:txBody>
+          <a:bodyPr wrap="square" rtlCol="0">
+            <a:spAutoFit/>
+          </a:bodyPr>
+          <a:lstStyle>
+            <a:defPPr>
+              <a:defRPr lang="fr-FR"/>
+            </a:defPPr>
+            <a:lvl1pPr>
+              <a:defRPr>
+                <a:solidFill>
+                  <a:schemeClr val="accent1">
+                    <a:lumMod val="60000"/>
+                    <a:lumOff val="40000"/>
+                  </a:schemeClr>
+                </a:solidFill>
+              </a:defRPr>
+            </a:lvl1pPr>
+          </a:lstStyle>
+          <a:p>
+            <a:pPr algn="r"/>
+            <a:r>
+              <a:rPr lang="en-US" sz="1200" i="1" noProof="1">
+                <a:solidFill>
+                  <a:schemeClr val="tx1"/>
+                </a:solidFill>
+              </a:rPr>
+              <a:t>An indication of use</a:t>
+            </a:r>
+          </a:p>
+        </p:txBody>
+      </p:sp>
+      <p:sp>
+        <p:nvSpPr>
+          <p:cNvPr id="72" name="ZoneTexte 71">
+            <a:extLst>
+              <a:ext uri="{FF2B5EF4-FFF2-40B4-BE49-F238E27FC236}">
+                <a16:creationId xmlns:a16="http://schemas.microsoft.com/office/drawing/2014/main" id="{1D9F5BD1-28BB-4E2E-89DE-62E26274748B}"/>
+              </a:ext>
+            </a:extLst>
+          </p:cNvPr>
+          <p:cNvSpPr txBox="1"/>
+          <p:nvPr/>
+        </p:nvSpPr>
+        <p:spPr>
+          <a:xfrm>
+            <a:off x="7380361" y="4443285"/>
+            <a:ext cx="1317631" cy="276999"/>
+          </a:xfrm>
+          <a:prstGeom prst="rect">
+            <a:avLst/>
+          </a:prstGeom>
+          <a:noFill/>
+        </p:spPr>
+        <p:txBody>
+          <a:bodyPr wrap="square" rtlCol="0">
+            <a:spAutoFit/>
+          </a:bodyPr>
+          <a:lstStyle>
+            <a:defPPr>
+              <a:defRPr lang="fr-FR"/>
+            </a:defPPr>
+            <a:lvl1pPr>
+              <a:defRPr>
+                <a:solidFill>
+                  <a:schemeClr val="accent1">
+                    <a:lumMod val="60000"/>
+                    <a:lumOff val="40000"/>
+                  </a:schemeClr>
+                </a:solidFill>
+              </a:defRPr>
+            </a:lvl1pPr>
+          </a:lstStyle>
+          <a:p>
+            <a:r>
+              <a:rPr lang="en-US" sz="1200" i="1" noProof="1">
+                <a:solidFill>
+                  <a:schemeClr val="tx1"/>
+                </a:solidFill>
+              </a:rPr>
+              <a:t>A contraindication</a:t>
+            </a:r>
+          </a:p>
+        </p:txBody>
+      </p:sp>
+      <p:cxnSp>
+        <p:nvCxnSpPr>
+          <p:cNvPr id="94" name="Connecteur : en angle 93">
+            <a:extLst>
+              <a:ext uri="{FF2B5EF4-FFF2-40B4-BE49-F238E27FC236}">
+                <a16:creationId xmlns:a16="http://schemas.microsoft.com/office/drawing/2014/main" id="{AF31BB94-EA71-4F17-AAC2-F7F7DCC594F8}"/>
+              </a:ext>
+            </a:extLst>
+          </p:cNvPr>
+          <p:cNvCxnSpPr>
+            <a:cxnSpLocks/>
+            <a:stCxn id="98" idx="2"/>
+            <a:endCxn id="32" idx="1"/>
+          </p:cNvCxnSpPr>
+          <p:nvPr/>
+        </p:nvCxnSpPr>
+        <p:spPr>
+          <a:xfrm rot="16200000" flipH="1">
+            <a:off x="6718837" y="2638395"/>
+            <a:ext cx="2256863" cy="1860072"/>
+          </a:xfrm>
+          <a:prstGeom prst="bentConnector2">
+            <a:avLst/>
+          </a:prstGeom>
+          <a:ln w="19050">
+            <a:headEnd type="none" w="med" len="med"/>
+            <a:tailEnd type="arrow" w="med" len="med"/>
+          </a:ln>
+        </p:spPr>
+        <p:style>
+          <a:lnRef idx="1">
+            <a:schemeClr val="accent1"/>
+          </a:lnRef>
+          <a:fillRef idx="0">
+            <a:schemeClr val="accent1"/>
+          </a:fillRef>
+          <a:effectRef idx="0">
+            <a:schemeClr val="accent1"/>
+          </a:effectRef>
+          <a:fontRef idx="minor">
+            <a:schemeClr val="tx1"/>
+          </a:fontRef>
+        </p:style>
+      </p:cxnSp>
+      <p:sp>
+        <p:nvSpPr>
+          <p:cNvPr id="98" name="Rectangle 97">
+            <a:extLst>
+              <a:ext uri="{FF2B5EF4-FFF2-40B4-BE49-F238E27FC236}">
+                <a16:creationId xmlns:a16="http://schemas.microsoft.com/office/drawing/2014/main" id="{9655016C-23E5-4F9B-A388-EFF435C3409A}"/>
+              </a:ext>
+            </a:extLst>
+          </p:cNvPr>
+          <p:cNvSpPr/>
+          <p:nvPr/>
+        </p:nvSpPr>
+        <p:spPr>
+          <a:xfrm>
+            <a:off x="6868876" y="2307720"/>
+            <a:ext cx="96711" cy="132280"/>
+          </a:xfrm>
+          <a:prstGeom prst="rect">
+            <a:avLst/>
+          </a:prstGeom>
+        </p:spPr>
+        <p:style>
+          <a:lnRef idx="2">
+            <a:schemeClr val="accent1">
+              <a:shade val="50000"/>
+            </a:schemeClr>
+          </a:lnRef>
+          <a:fillRef idx="1">
+            <a:schemeClr val="accent1"/>
+          </a:fillRef>
+          <a:effectRef idx="0">
+            <a:schemeClr val="accent1"/>
+          </a:effectRef>
+          <a:fontRef idx="minor">
+            <a:schemeClr val="lt1"/>
+          </a:fontRef>
+        </p:style>
+        <p:txBody>
+          <a:bodyPr rtlCol="0" anchor="ctr"/>
+          <a:lstStyle/>
+          <a:p>
+            <a:pPr algn="ctr"/>
+            <a:endParaRPr lang="fr-FR" sz="1050"/>
+          </a:p>
+        </p:txBody>
+      </p:sp>
+      <p:sp>
+        <p:nvSpPr>
+          <p:cNvPr id="99" name="Rectangle 98">
+            <a:extLst>
+              <a:ext uri="{FF2B5EF4-FFF2-40B4-BE49-F238E27FC236}">
+                <a16:creationId xmlns:a16="http://schemas.microsoft.com/office/drawing/2014/main" id="{3A68FF18-EDD8-4903-A85F-D664E85658FE}"/>
+              </a:ext>
+            </a:extLst>
+          </p:cNvPr>
+          <p:cNvSpPr/>
+          <p:nvPr/>
+        </p:nvSpPr>
+        <p:spPr>
+          <a:xfrm>
+            <a:off x="8777304" y="5165152"/>
+            <a:ext cx="1863466" cy="671288"/>
+          </a:xfrm>
+          <a:prstGeom prst="rect">
+            <a:avLst/>
+          </a:prstGeom>
+          <a:gradFill flip="none" rotWithShape="1">
+            <a:gsLst>
+              <a:gs pos="0">
+                <a:schemeClr val="accent1">
+                  <a:shade val="30000"/>
+                  <a:satMod val="115000"/>
+                </a:schemeClr>
+              </a:gs>
+              <a:gs pos="50000">
+                <a:schemeClr val="accent1">
+                  <a:shade val="67500"/>
+                  <a:satMod val="115000"/>
+                </a:schemeClr>
+              </a:gs>
+              <a:gs pos="100000">
+                <a:schemeClr val="accent1">
+                  <a:shade val="100000"/>
+                  <a:satMod val="115000"/>
+                </a:schemeClr>
+              </a:gs>
+            </a:gsLst>
+            <a:lin ang="0" scaled="1"/>
+            <a:tileRect/>
+          </a:gradFill>
+          <a:ln>
+            <a:noFill/>
+          </a:ln>
+          <a:effectLst/>
+        </p:spPr>
+        <p:style>
+          <a:lnRef idx="2">
+            <a:schemeClr val="accent1">
+              <a:shade val="50000"/>
+            </a:schemeClr>
+          </a:lnRef>
+          <a:fillRef idx="1">
+            <a:schemeClr val="accent1"/>
+          </a:fillRef>
+          <a:effectRef idx="0">
+            <a:schemeClr val="accent1"/>
+          </a:effectRef>
+          <a:fontRef idx="minor">
+            <a:schemeClr val="lt1"/>
+          </a:fontRef>
+        </p:style>
+        <p:txBody>
+          <a:bodyPr lIns="0" rIns="0" rtlCol="0" anchor="ctr"/>
+          <a:lstStyle/>
+          <a:p>
+            <a:pPr algn="ctr"/>
+            <a:r>
+              <a:rPr lang="en-US" sz="1200" noProof="1">
+                <a:solidFill>
+                  <a:srgbClr val="FFFF00"/>
+                </a:solidFill>
+              </a:rPr>
+              <a:t>UndesirableEffectDefinition</a:t>
+            </a:r>
+          </a:p>
+          <a:p>
+            <a:pPr algn="ctr"/>
+            <a:r>
+              <a:rPr lang="en-US" sz="1200" noProof="1">
+                <a:solidFill>
+                  <a:srgbClr val="FFFF00"/>
+                </a:solidFill>
+              </a:rPr>
+              <a:t>profile of </a:t>
+            </a:r>
+          </a:p>
+          <a:p>
+            <a:pPr algn="ctr"/>
+            <a:r>
+              <a:rPr lang="en-US" sz="1200" noProof="1">
+                <a:solidFill>
+                  <a:srgbClr val="FFFF00"/>
+                </a:solidFill>
+              </a:rPr>
+              <a:t>ClinicalUseDefinition</a:t>
+            </a:r>
+          </a:p>
+        </p:txBody>
+      </p:sp>
+      <p:cxnSp>
+        <p:nvCxnSpPr>
+          <p:cNvPr id="100" name="Connecteur : en angle 99">
+            <a:extLst>
+              <a:ext uri="{FF2B5EF4-FFF2-40B4-BE49-F238E27FC236}">
+                <a16:creationId xmlns:a16="http://schemas.microsoft.com/office/drawing/2014/main" id="{6893540D-735B-4E54-BE0D-A0CB18D585E6}"/>
+              </a:ext>
+            </a:extLst>
+          </p:cNvPr>
+          <p:cNvCxnSpPr>
+            <a:cxnSpLocks/>
+            <a:stCxn id="98" idx="2"/>
+            <a:endCxn id="99" idx="1"/>
+          </p:cNvCxnSpPr>
+          <p:nvPr/>
+        </p:nvCxnSpPr>
+        <p:spPr>
+          <a:xfrm rot="16200000" flipH="1">
+            <a:off x="6316870" y="3040362"/>
+            <a:ext cx="3060796" cy="1860072"/>
+          </a:xfrm>
+          <a:prstGeom prst="bentConnector2">
+            <a:avLst/>
+          </a:prstGeom>
+          <a:ln w="19050">
+            <a:headEnd type="none" w="med" len="med"/>
+            <a:tailEnd type="arrow" w="med" len="med"/>
+          </a:ln>
+        </p:spPr>
+        <p:style>
+          <a:lnRef idx="1">
+            <a:schemeClr val="accent1"/>
+          </a:lnRef>
+          <a:fillRef idx="0">
+            <a:schemeClr val="accent1"/>
+          </a:fillRef>
+          <a:effectRef idx="0">
+            <a:schemeClr val="accent1"/>
+          </a:effectRef>
+          <a:fontRef idx="minor">
+            <a:schemeClr val="tx1"/>
+          </a:fontRef>
+        </p:style>
+      </p:cxnSp>
+      <p:sp>
+        <p:nvSpPr>
+          <p:cNvPr id="101" name="ZoneTexte 100">
+            <a:extLst>
+              <a:ext uri="{FF2B5EF4-FFF2-40B4-BE49-F238E27FC236}">
+                <a16:creationId xmlns:a16="http://schemas.microsoft.com/office/drawing/2014/main" id="{94EFD1B4-9D10-49A7-B64A-0018FEBF4404}"/>
+              </a:ext>
+            </a:extLst>
+          </p:cNvPr>
+          <p:cNvSpPr txBox="1"/>
+          <p:nvPr/>
+        </p:nvSpPr>
+        <p:spPr>
+          <a:xfrm>
+            <a:off x="8300641" y="4699185"/>
+            <a:ext cx="528095" cy="246221"/>
+          </a:xfrm>
+          <a:prstGeom prst="rect">
+            <a:avLst/>
+          </a:prstGeom>
+          <a:noFill/>
+        </p:spPr>
+        <p:txBody>
+          <a:bodyPr wrap="square" rtlCol="0">
+            <a:spAutoFit/>
+          </a:bodyPr>
+          <a:lstStyle/>
+          <a:p>
+            <a:r>
+              <a:rPr lang="en-US" sz="1000" noProof="1"/>
+              <a:t>0..*</a:t>
+            </a:r>
+          </a:p>
+        </p:txBody>
+      </p:sp>
+      <p:sp>
+        <p:nvSpPr>
+          <p:cNvPr id="102" name="ZoneTexte 101">
+            <a:extLst>
+              <a:ext uri="{FF2B5EF4-FFF2-40B4-BE49-F238E27FC236}">
+                <a16:creationId xmlns:a16="http://schemas.microsoft.com/office/drawing/2014/main" id="{5CA9BD92-F468-4628-ADCE-B46C42DD02AD}"/>
+              </a:ext>
+            </a:extLst>
+          </p:cNvPr>
+          <p:cNvSpPr txBox="1"/>
+          <p:nvPr/>
+        </p:nvSpPr>
+        <p:spPr>
+          <a:xfrm>
+            <a:off x="8298774" y="3914358"/>
+            <a:ext cx="399218" cy="246221"/>
+          </a:xfrm>
+          <a:prstGeom prst="rect">
+            <a:avLst/>
+          </a:prstGeom>
+          <a:noFill/>
+        </p:spPr>
+        <p:txBody>
+          <a:bodyPr wrap="square" rtlCol="0">
+            <a:spAutoFit/>
+          </a:bodyPr>
+          <a:lstStyle/>
+          <a:p>
+            <a:r>
+              <a:rPr lang="en-US" sz="1000" noProof="1"/>
+              <a:t>0..*</a:t>
+            </a:r>
+          </a:p>
+        </p:txBody>
+      </p:sp>
+      <p:sp>
+        <p:nvSpPr>
+          <p:cNvPr id="106" name="Rectangle 105">
+            <a:extLst>
+              <a:ext uri="{FF2B5EF4-FFF2-40B4-BE49-F238E27FC236}">
+                <a16:creationId xmlns:a16="http://schemas.microsoft.com/office/drawing/2014/main" id="{E0E06B7C-F6E6-4961-A3AC-C71B25A1B8A6}"/>
+              </a:ext>
+            </a:extLst>
+          </p:cNvPr>
+          <p:cNvSpPr/>
+          <p:nvPr/>
+        </p:nvSpPr>
+        <p:spPr>
+          <a:xfrm>
+            <a:off x="8784132" y="2848440"/>
+            <a:ext cx="1856637" cy="601464"/>
+          </a:xfrm>
+          <a:prstGeom prst="rect">
+            <a:avLst/>
+          </a:prstGeom>
+          <a:gradFill flip="none" rotWithShape="1">
+            <a:gsLst>
+              <a:gs pos="0">
+                <a:schemeClr val="accent1">
+                  <a:shade val="30000"/>
+                  <a:satMod val="115000"/>
+                </a:schemeClr>
+              </a:gs>
+              <a:gs pos="50000">
+                <a:schemeClr val="accent1">
+                  <a:shade val="67500"/>
+                  <a:satMod val="115000"/>
+                </a:schemeClr>
+              </a:gs>
+              <a:gs pos="100000">
+                <a:schemeClr val="accent1">
+                  <a:shade val="100000"/>
+                  <a:satMod val="115000"/>
+                </a:schemeClr>
+              </a:gs>
+            </a:gsLst>
+            <a:lin ang="0" scaled="1"/>
+            <a:tileRect/>
+          </a:gradFill>
+          <a:ln>
+            <a:noFill/>
+          </a:ln>
+          <a:effectLst/>
+        </p:spPr>
+        <p:style>
+          <a:lnRef idx="2">
+            <a:schemeClr val="accent1">
+              <a:shade val="50000"/>
+            </a:schemeClr>
+          </a:lnRef>
+          <a:fillRef idx="1">
+            <a:schemeClr val="accent1"/>
+          </a:fillRef>
+          <a:effectRef idx="0">
+            <a:schemeClr val="accent1"/>
+          </a:effectRef>
+          <a:fontRef idx="minor">
+            <a:schemeClr val="lt1"/>
+          </a:fontRef>
+        </p:style>
+        <p:txBody>
+          <a:bodyPr rtlCol="0" anchor="ctr"/>
+          <a:lstStyle/>
+          <a:p>
+            <a:pPr algn="ctr"/>
+            <a:r>
+              <a:rPr lang="en-US" sz="1200" noProof="1">
+                <a:solidFill>
+                  <a:srgbClr val="FFFF00"/>
+                </a:solidFill>
+              </a:rPr>
+              <a:t>InteractionDefinition</a:t>
+            </a:r>
+          </a:p>
+          <a:p>
+            <a:pPr algn="ctr"/>
+            <a:r>
+              <a:rPr lang="en-US" sz="1200" noProof="1">
+                <a:solidFill>
+                  <a:srgbClr val="FFFF00"/>
+                </a:solidFill>
+              </a:rPr>
+              <a:t>profile of ClinicalUseDefinition</a:t>
+            </a:r>
+          </a:p>
+        </p:txBody>
+      </p:sp>
+      <p:cxnSp>
+        <p:nvCxnSpPr>
+          <p:cNvPr id="107" name="Connecteur : en angle 106">
+            <a:extLst>
+              <a:ext uri="{FF2B5EF4-FFF2-40B4-BE49-F238E27FC236}">
+                <a16:creationId xmlns:a16="http://schemas.microsoft.com/office/drawing/2014/main" id="{95B53F9C-C42C-4106-9B57-E0D5105101D9}"/>
+              </a:ext>
+            </a:extLst>
+          </p:cNvPr>
+          <p:cNvCxnSpPr>
+            <a:cxnSpLocks/>
+            <a:stCxn id="98" idx="2"/>
+            <a:endCxn id="106" idx="1"/>
+          </p:cNvCxnSpPr>
+          <p:nvPr/>
+        </p:nvCxnSpPr>
+        <p:spPr>
+          <a:xfrm rot="16200000" flipH="1">
+            <a:off x="7496096" y="1861136"/>
+            <a:ext cx="709172" cy="1866900"/>
+          </a:xfrm>
+          <a:prstGeom prst="bentConnector2">
+            <a:avLst/>
+          </a:prstGeom>
+          <a:ln w="19050">
+            <a:headEnd type="none" w="med" len="med"/>
+            <a:tailEnd type="arrow" w="med" len="med"/>
+          </a:ln>
+        </p:spPr>
+        <p:style>
+          <a:lnRef idx="1">
+            <a:schemeClr val="accent1"/>
+          </a:lnRef>
+          <a:fillRef idx="0">
+            <a:schemeClr val="accent1"/>
+          </a:fillRef>
+          <a:effectRef idx="0">
+            <a:schemeClr val="accent1"/>
+          </a:effectRef>
+          <a:fontRef idx="minor">
+            <a:schemeClr val="tx1"/>
+          </a:fontRef>
+        </p:style>
+      </p:cxnSp>
+      <p:sp>
+        <p:nvSpPr>
+          <p:cNvPr id="108" name="ZoneTexte 107">
+            <a:extLst>
+              <a:ext uri="{FF2B5EF4-FFF2-40B4-BE49-F238E27FC236}">
+                <a16:creationId xmlns:a16="http://schemas.microsoft.com/office/drawing/2014/main" id="{4589A9CB-6C83-4E95-BDBA-DA21BC9A597D}"/>
+              </a:ext>
+            </a:extLst>
+          </p:cNvPr>
+          <p:cNvSpPr txBox="1"/>
+          <p:nvPr/>
+        </p:nvSpPr>
+        <p:spPr>
+          <a:xfrm>
+            <a:off x="8319048" y="3148965"/>
+            <a:ext cx="465084" cy="246221"/>
+          </a:xfrm>
+          <a:prstGeom prst="rect">
+            <a:avLst/>
+          </a:prstGeom>
+          <a:noFill/>
+        </p:spPr>
+        <p:txBody>
+          <a:bodyPr wrap="square" rtlCol="0">
+            <a:spAutoFit/>
+          </a:bodyPr>
+          <a:lstStyle/>
+          <a:p>
+            <a:r>
+              <a:rPr lang="en-US" sz="1000" noProof="1"/>
+              <a:t>0..*</a:t>
+            </a:r>
+          </a:p>
+        </p:txBody>
+      </p:sp>
+      <p:sp>
+        <p:nvSpPr>
+          <p:cNvPr id="109" name="ZoneTexte 108">
+            <a:extLst>
+              <a:ext uri="{FF2B5EF4-FFF2-40B4-BE49-F238E27FC236}">
+                <a16:creationId xmlns:a16="http://schemas.microsoft.com/office/drawing/2014/main" id="{A92452E6-AEE7-49F6-A917-E95A3EC45AAB}"/>
+              </a:ext>
+            </a:extLst>
+          </p:cNvPr>
+          <p:cNvSpPr txBox="1"/>
+          <p:nvPr/>
+        </p:nvSpPr>
+        <p:spPr>
+          <a:xfrm>
+            <a:off x="7576386" y="5070595"/>
+            <a:ext cx="1148803" cy="461665"/>
+          </a:xfrm>
+          <a:prstGeom prst="rect">
+            <a:avLst/>
+          </a:prstGeom>
+          <a:noFill/>
+        </p:spPr>
+        <p:txBody>
+          <a:bodyPr wrap="square" rtlCol="0">
+            <a:spAutoFit/>
+          </a:bodyPr>
+          <a:lstStyle>
+            <a:defPPr>
+              <a:defRPr lang="fr-FR"/>
+            </a:defPPr>
+            <a:lvl1pPr>
+              <a:defRPr>
+                <a:solidFill>
+                  <a:schemeClr val="accent1">
+                    <a:lumMod val="60000"/>
+                    <a:lumOff val="40000"/>
+                  </a:schemeClr>
+                </a:solidFill>
+              </a:defRPr>
+            </a:lvl1pPr>
+          </a:lstStyle>
+          <a:p>
+            <a:pPr algn="r"/>
+            <a:r>
+              <a:rPr lang="en-US" sz="1200" i="1" noProof="1">
+                <a:solidFill>
+                  <a:schemeClr val="tx1"/>
+                </a:solidFill>
+              </a:rPr>
+              <a:t>An undesirable effect</a:t>
+            </a:r>
+          </a:p>
+        </p:txBody>
+      </p:sp>
+      <p:sp>
+        <p:nvSpPr>
+          <p:cNvPr id="110" name="ZoneTexte 109">
+            <a:extLst>
+              <a:ext uri="{FF2B5EF4-FFF2-40B4-BE49-F238E27FC236}">
+                <a16:creationId xmlns:a16="http://schemas.microsoft.com/office/drawing/2014/main" id="{A73A546A-5E27-421D-B102-603CDC867588}"/>
+              </a:ext>
+            </a:extLst>
+          </p:cNvPr>
+          <p:cNvSpPr txBox="1"/>
+          <p:nvPr/>
+        </p:nvSpPr>
+        <p:spPr>
+          <a:xfrm>
+            <a:off x="7647960" y="2868428"/>
+            <a:ext cx="1073031" cy="276999"/>
+          </a:xfrm>
+          <a:prstGeom prst="rect">
+            <a:avLst/>
+          </a:prstGeom>
+          <a:noFill/>
+        </p:spPr>
+        <p:txBody>
+          <a:bodyPr wrap="square" rtlCol="0">
+            <a:spAutoFit/>
+          </a:bodyPr>
+          <a:lstStyle>
+            <a:defPPr>
+              <a:defRPr lang="fr-FR"/>
+            </a:defPPr>
+            <a:lvl1pPr>
+              <a:defRPr>
+                <a:solidFill>
+                  <a:schemeClr val="accent1">
+                    <a:lumMod val="60000"/>
+                    <a:lumOff val="40000"/>
+                  </a:schemeClr>
+                </a:solidFill>
+              </a:defRPr>
+            </a:lvl1pPr>
+          </a:lstStyle>
+          <a:p>
+            <a:r>
+              <a:rPr lang="en-US" sz="1200" i="1" noProof="1">
+                <a:solidFill>
+                  <a:schemeClr val="tx1"/>
+                </a:solidFill>
+              </a:rPr>
+              <a:t>An interaction</a:t>
+            </a:r>
+          </a:p>
+        </p:txBody>
+      </p:sp>
+      <p:sp>
+        <p:nvSpPr>
+          <p:cNvPr id="32" name="Rectangle 31">
+            <a:extLst>
+              <a:ext uri="{FF2B5EF4-FFF2-40B4-BE49-F238E27FC236}">
+                <a16:creationId xmlns:a16="http://schemas.microsoft.com/office/drawing/2014/main" id="{5646F790-574D-4238-9A9A-0219D8BBBE58}"/>
+              </a:ext>
+            </a:extLst>
+          </p:cNvPr>
+          <p:cNvSpPr/>
+          <p:nvPr/>
+        </p:nvSpPr>
+        <p:spPr>
+          <a:xfrm>
+            <a:off x="8777304" y="4372418"/>
+            <a:ext cx="1863466" cy="648890"/>
+          </a:xfrm>
+          <a:prstGeom prst="rect">
+            <a:avLst/>
+          </a:prstGeom>
+          <a:gradFill flip="none" rotWithShape="1">
+            <a:gsLst>
+              <a:gs pos="0">
+                <a:schemeClr val="accent1">
+                  <a:shade val="30000"/>
+                  <a:satMod val="115000"/>
+                </a:schemeClr>
+              </a:gs>
+              <a:gs pos="50000">
+                <a:schemeClr val="accent1">
+                  <a:shade val="67500"/>
+                  <a:satMod val="115000"/>
+                </a:schemeClr>
+              </a:gs>
+              <a:gs pos="100000">
+                <a:schemeClr val="accent1">
+                  <a:shade val="100000"/>
+                  <a:satMod val="115000"/>
+                </a:schemeClr>
+              </a:gs>
+            </a:gsLst>
+            <a:lin ang="0" scaled="1"/>
+            <a:tileRect/>
+          </a:gradFill>
+          <a:ln>
+            <a:noFill/>
+          </a:ln>
+          <a:effectLst/>
+        </p:spPr>
+        <p:style>
+          <a:lnRef idx="2">
+            <a:schemeClr val="accent1">
+              <a:shade val="50000"/>
+            </a:schemeClr>
+          </a:lnRef>
+          <a:fillRef idx="1">
+            <a:schemeClr val="accent1"/>
+          </a:fillRef>
+          <a:effectRef idx="0">
+            <a:schemeClr val="accent1"/>
+          </a:effectRef>
+          <a:fontRef idx="minor">
+            <a:schemeClr val="lt1"/>
+          </a:fontRef>
+        </p:style>
+        <p:txBody>
+          <a:bodyPr rtlCol="0" anchor="ctr"/>
+          <a:lstStyle/>
+          <a:p>
+            <a:pPr algn="ctr"/>
+            <a:r>
+              <a:rPr lang="en-US" sz="1200" noProof="1">
+                <a:solidFill>
+                  <a:srgbClr val="FFFF00"/>
+                </a:solidFill>
+              </a:rPr>
+              <a:t>ContraindicationDefinition</a:t>
+            </a:r>
+          </a:p>
+          <a:p>
+            <a:pPr algn="ctr"/>
+            <a:r>
+              <a:rPr lang="en-US" sz="1200" noProof="1">
+                <a:solidFill>
+                  <a:srgbClr val="FFFF00"/>
+                </a:solidFill>
+              </a:rPr>
+              <a:t>profile of ClinicalUseDefinition</a:t>
+            </a:r>
+          </a:p>
+        </p:txBody>
+      </p:sp>
+      <p:sp>
+        <p:nvSpPr>
+          <p:cNvPr id="5" name="Rectangle 4">
+            <a:extLst>
+              <a:ext uri="{FF2B5EF4-FFF2-40B4-BE49-F238E27FC236}">
+                <a16:creationId xmlns:a16="http://schemas.microsoft.com/office/drawing/2014/main" id="{99FB1993-E895-4A54-B43B-A032379B29F8}"/>
+              </a:ext>
+            </a:extLst>
+          </p:cNvPr>
+          <p:cNvSpPr/>
+          <p:nvPr/>
+        </p:nvSpPr>
+        <p:spPr>
+          <a:xfrm>
+            <a:off x="5544000" y="1687364"/>
+            <a:ext cx="105126" cy="385186"/>
+          </a:xfrm>
+          <a:prstGeom prst="rect">
+            <a:avLst/>
+          </a:prstGeom>
+        </p:spPr>
+        <p:style>
+          <a:lnRef idx="2">
+            <a:schemeClr val="accent1">
+              <a:shade val="50000"/>
+            </a:schemeClr>
+          </a:lnRef>
+          <a:fillRef idx="1">
+            <a:schemeClr val="accent1"/>
+          </a:fillRef>
+          <a:effectRef idx="0">
+            <a:schemeClr val="accent1"/>
+          </a:effectRef>
+          <a:fontRef idx="minor">
+            <a:schemeClr val="lt1"/>
+          </a:fontRef>
+        </p:style>
+        <p:txBody>
+          <a:bodyPr rtlCol="0" anchor="ctr"/>
+          <a:lstStyle/>
+          <a:p>
+            <a:pPr algn="ctr"/>
+            <a:endParaRPr lang="en-US" sz="2000"/>
+          </a:p>
+        </p:txBody>
+      </p:sp>
+      <p:sp>
+        <p:nvSpPr>
+          <p:cNvPr id="45" name="Rectangle 44">
+            <a:extLst>
+              <a:ext uri="{FF2B5EF4-FFF2-40B4-BE49-F238E27FC236}">
+                <a16:creationId xmlns:a16="http://schemas.microsoft.com/office/drawing/2014/main" id="{5C7652CC-F8FD-4C87-8479-64ABAE0F22CB}"/>
+              </a:ext>
+            </a:extLst>
+          </p:cNvPr>
+          <p:cNvSpPr/>
+          <p:nvPr/>
+        </p:nvSpPr>
+        <p:spPr>
+          <a:xfrm>
+            <a:off x="6776517" y="1692234"/>
+            <a:ext cx="180469" cy="125810"/>
+          </a:xfrm>
+          <a:prstGeom prst="rect">
+            <a:avLst/>
+          </a:prstGeom>
+        </p:spPr>
+        <p:style>
+          <a:lnRef idx="2">
+            <a:schemeClr val="accent1">
+              <a:shade val="50000"/>
+            </a:schemeClr>
+          </a:lnRef>
+          <a:fillRef idx="1">
+            <a:schemeClr val="accent1"/>
+          </a:fillRef>
+          <a:effectRef idx="0">
+            <a:schemeClr val="accent1"/>
+          </a:effectRef>
+          <a:fontRef idx="minor">
+            <a:schemeClr val="lt1"/>
+          </a:fontRef>
+        </p:style>
+        <p:txBody>
+          <a:bodyPr rtlCol="0" anchor="ctr"/>
+          <a:lstStyle/>
+          <a:p>
+            <a:pPr algn="ctr"/>
+            <a:endParaRPr lang="fr-FR" sz="1050"/>
+          </a:p>
+        </p:txBody>
+      </p:sp>
+      <p:sp>
+        <p:nvSpPr>
+          <p:cNvPr id="124" name="Rectangle 123">
+            <a:extLst>
+              <a:ext uri="{FF2B5EF4-FFF2-40B4-BE49-F238E27FC236}">
+                <a16:creationId xmlns:a16="http://schemas.microsoft.com/office/drawing/2014/main" id="{529A5B53-3565-479E-B2DB-9E790BF7326B}"/>
+              </a:ext>
+            </a:extLst>
+          </p:cNvPr>
+          <p:cNvSpPr/>
+          <p:nvPr/>
+        </p:nvSpPr>
+        <p:spPr>
+          <a:xfrm>
+            <a:off x="5634516" y="487670"/>
+            <a:ext cx="1232235" cy="612769"/>
+          </a:xfrm>
+          <a:prstGeom prst="rect">
+            <a:avLst/>
+          </a:prstGeom>
+          <a:solidFill>
+            <a:schemeClr val="bg1"/>
+          </a:solidFill>
+          <a:ln>
+            <a:solidFill>
+              <a:schemeClr val="accent1"/>
+            </a:solidFill>
+          </a:ln>
+          <a:effectLst/>
+        </p:spPr>
+        <p:style>
+          <a:lnRef idx="2">
+            <a:schemeClr val="accent1">
+              <a:shade val="50000"/>
+            </a:schemeClr>
+          </a:lnRef>
+          <a:fillRef idx="1">
+            <a:schemeClr val="accent1"/>
+          </a:fillRef>
+          <a:effectRef idx="0">
+            <a:schemeClr val="accent1"/>
+          </a:effectRef>
+          <a:fontRef idx="minor">
+            <a:schemeClr val="lt1"/>
+          </a:fontRef>
+        </p:style>
+        <p:txBody>
+          <a:bodyPr rtlCol="0" anchor="ctr"/>
+          <a:lstStyle/>
+          <a:p>
+            <a:pPr algn="ctr"/>
+            <a:r>
+              <a:rPr lang="en-US" sz="1200" noProof="1">
+                <a:solidFill>
+                  <a:srgbClr val="0070C0"/>
+                </a:solidFill>
+              </a:rPr>
+              <a:t>Any</a:t>
+            </a:r>
+          </a:p>
+        </p:txBody>
+      </p:sp>
+      <p:cxnSp>
+        <p:nvCxnSpPr>
+          <p:cNvPr id="125" name="Connecteur : en angle 124">
+            <a:extLst>
+              <a:ext uri="{FF2B5EF4-FFF2-40B4-BE49-F238E27FC236}">
+                <a16:creationId xmlns:a16="http://schemas.microsoft.com/office/drawing/2014/main" id="{09B48E84-9AE2-405A-9022-0EBD678895E9}"/>
+              </a:ext>
+            </a:extLst>
+          </p:cNvPr>
+          <p:cNvCxnSpPr>
+            <a:cxnSpLocks/>
+            <a:stCxn id="30" idx="3"/>
+            <a:endCxn id="124" idx="1"/>
+          </p:cNvCxnSpPr>
+          <p:nvPr/>
+        </p:nvCxnSpPr>
+        <p:spPr>
+          <a:xfrm flipV="1">
+            <a:off x="4356276" y="794055"/>
+            <a:ext cx="1278240" cy="1"/>
+          </a:xfrm>
+          <a:prstGeom prst="bentConnector3">
+            <a:avLst>
+              <a:gd name="adj1" fmla="val 50000"/>
+            </a:avLst>
+          </a:prstGeom>
+          <a:ln w="19050">
+            <a:headEnd type="none" w="med" len="med"/>
+            <a:tailEnd type="arrow" w="med" len="med"/>
+          </a:ln>
+        </p:spPr>
+        <p:style>
+          <a:lnRef idx="1">
+            <a:schemeClr val="accent1"/>
+          </a:lnRef>
+          <a:fillRef idx="0">
+            <a:schemeClr val="accent1"/>
+          </a:fillRef>
+          <a:effectRef idx="0">
+            <a:schemeClr val="accent1"/>
+          </a:effectRef>
+          <a:fontRef idx="minor">
+            <a:schemeClr val="tx1"/>
+          </a:fontRef>
+        </p:style>
+      </p:cxnSp>
+      <p:cxnSp>
+        <p:nvCxnSpPr>
+          <p:cNvPr id="135" name="Connecteur : en angle 134">
+            <a:extLst>
+              <a:ext uri="{FF2B5EF4-FFF2-40B4-BE49-F238E27FC236}">
+                <a16:creationId xmlns:a16="http://schemas.microsoft.com/office/drawing/2014/main" id="{D9F558CD-5D97-44CA-BC1C-9433EA040700}"/>
+              </a:ext>
+            </a:extLst>
+          </p:cNvPr>
+          <p:cNvCxnSpPr>
+            <a:cxnSpLocks/>
+            <a:stCxn id="46" idx="1"/>
+            <a:endCxn id="124" idx="3"/>
+          </p:cNvCxnSpPr>
+          <p:nvPr/>
+        </p:nvCxnSpPr>
+        <p:spPr>
+          <a:xfrm rot="10800000">
+            <a:off x="6866751" y="794056"/>
+            <a:ext cx="1418672" cy="1"/>
+          </a:xfrm>
+          <a:prstGeom prst="bentConnector3">
+            <a:avLst>
+              <a:gd name="adj1" fmla="val 50000"/>
+            </a:avLst>
+          </a:prstGeom>
+          <a:ln w="19050">
+            <a:headEnd type="none" w="med" len="med"/>
+            <a:tailEnd type="arrow" w="med" len="med"/>
+          </a:ln>
+        </p:spPr>
+        <p:style>
+          <a:lnRef idx="1">
+            <a:schemeClr val="accent1"/>
+          </a:lnRef>
+          <a:fillRef idx="0">
+            <a:schemeClr val="accent1"/>
+          </a:fillRef>
+          <a:effectRef idx="0">
+            <a:schemeClr val="accent1"/>
+          </a:effectRef>
+          <a:fontRef idx="minor">
+            <a:schemeClr val="tx1"/>
+          </a:fontRef>
+        </p:style>
+      </p:cxnSp>
+      <p:sp>
+        <p:nvSpPr>
+          <p:cNvPr id="138" name="ZoneTexte 137">
+            <a:extLst>
+              <a:ext uri="{FF2B5EF4-FFF2-40B4-BE49-F238E27FC236}">
+                <a16:creationId xmlns:a16="http://schemas.microsoft.com/office/drawing/2014/main" id="{EB604591-8E0B-4FE6-8C2E-36FF9685F168}"/>
+              </a:ext>
+            </a:extLst>
+          </p:cNvPr>
+          <p:cNvSpPr txBox="1"/>
+          <p:nvPr/>
+        </p:nvSpPr>
+        <p:spPr>
+          <a:xfrm>
+            <a:off x="4459893" y="566938"/>
+            <a:ext cx="679239" cy="246221"/>
+          </a:xfrm>
+          <a:prstGeom prst="rect">
+            <a:avLst/>
+          </a:prstGeom>
+          <a:noFill/>
+        </p:spPr>
+        <p:txBody>
+          <a:bodyPr wrap="square" rtlCol="0">
+            <a:spAutoFit/>
+          </a:bodyPr>
+          <a:lstStyle/>
+          <a:p>
+            <a:r>
+              <a:rPr lang="en-US" sz="1000" noProof="1">
+                <a:solidFill>
+                  <a:srgbClr val="0070C0"/>
+                </a:solidFill>
+              </a:rPr>
+              <a:t>subject</a:t>
+            </a:r>
+          </a:p>
+        </p:txBody>
+      </p:sp>
+      <p:sp>
+        <p:nvSpPr>
+          <p:cNvPr id="139" name="ZoneTexte 138">
+            <a:extLst>
+              <a:ext uri="{FF2B5EF4-FFF2-40B4-BE49-F238E27FC236}">
+                <a16:creationId xmlns:a16="http://schemas.microsoft.com/office/drawing/2014/main" id="{8A597F53-2973-4527-9BDC-03485142C35D}"/>
+              </a:ext>
+            </a:extLst>
+          </p:cNvPr>
+          <p:cNvSpPr txBox="1"/>
+          <p:nvPr/>
+        </p:nvSpPr>
+        <p:spPr>
+          <a:xfrm>
+            <a:off x="7565514" y="557603"/>
+            <a:ext cx="679239" cy="246221"/>
+          </a:xfrm>
+          <a:prstGeom prst="rect">
+            <a:avLst/>
+          </a:prstGeom>
+          <a:noFill/>
+        </p:spPr>
+        <p:txBody>
+          <a:bodyPr wrap="square" rtlCol="0">
+            <a:spAutoFit/>
+          </a:bodyPr>
+          <a:lstStyle/>
+          <a:p>
+            <a:r>
+              <a:rPr lang="en-US" sz="1000" noProof="1">
+                <a:solidFill>
+                  <a:srgbClr val="0070C0"/>
+                </a:solidFill>
+              </a:rPr>
+              <a:t>subject</a:t>
+            </a:r>
+          </a:p>
+        </p:txBody>
+      </p:sp>
+      <p:sp>
+        <p:nvSpPr>
+          <p:cNvPr id="141" name="ZoneTexte 140">
+            <a:extLst>
+              <a:ext uri="{FF2B5EF4-FFF2-40B4-BE49-F238E27FC236}">
+                <a16:creationId xmlns:a16="http://schemas.microsoft.com/office/drawing/2014/main" id="{B12EA8E9-65D2-4845-8382-719149651DED}"/>
+              </a:ext>
+            </a:extLst>
+          </p:cNvPr>
+          <p:cNvSpPr txBox="1"/>
+          <p:nvPr/>
+        </p:nvSpPr>
+        <p:spPr>
+          <a:xfrm>
+            <a:off x="5284755" y="29873"/>
+            <a:ext cx="1931755" cy="461665"/>
+          </a:xfrm>
+          <a:prstGeom prst="rect">
+            <a:avLst/>
+          </a:prstGeom>
+          <a:noFill/>
+        </p:spPr>
+        <p:txBody>
+          <a:bodyPr wrap="square" rtlCol="0">
+            <a:spAutoFit/>
+          </a:bodyPr>
+          <a:lstStyle/>
+          <a:p>
+            <a:pPr algn="ctr"/>
+            <a:r>
+              <a:rPr lang="en-US" sz="1200" i="1" dirty="0"/>
+              <a:t>Plan or set of dispositions subject of the catalog</a:t>
+            </a:r>
+            <a:endParaRPr lang="fr-FR" dirty="0"/>
+          </a:p>
+        </p:txBody>
+      </p:sp>
+      <p:sp>
+        <p:nvSpPr>
+          <p:cNvPr id="121" name="ZoneTexte 120">
+            <a:extLst>
+              <a:ext uri="{FF2B5EF4-FFF2-40B4-BE49-F238E27FC236}">
+                <a16:creationId xmlns:a16="http://schemas.microsoft.com/office/drawing/2014/main" id="{3B9D8C0C-C365-4751-AEFD-139926DC4481}"/>
+              </a:ext>
+            </a:extLst>
+          </p:cNvPr>
+          <p:cNvSpPr txBox="1"/>
+          <p:nvPr/>
+        </p:nvSpPr>
+        <p:spPr>
+          <a:xfrm>
+            <a:off x="5302705" y="813424"/>
+            <a:ext cx="405123" cy="246221"/>
+          </a:xfrm>
+          <a:prstGeom prst="rect">
+            <a:avLst/>
+          </a:prstGeom>
+          <a:noFill/>
+        </p:spPr>
+        <p:txBody>
+          <a:bodyPr wrap="square" rtlCol="0">
+            <a:spAutoFit/>
+          </a:bodyPr>
+          <a:lstStyle/>
+          <a:p>
+            <a:r>
               <a:rPr lang="en-US" sz="1000" noProof="1"/>
               <a:t>0..1</a:t>
+            </a:r>
+          </a:p>
+        </p:txBody>
+      </p:sp>
+      <p:sp>
+        <p:nvSpPr>
+          <p:cNvPr id="122" name="ZoneTexte 121">
+            <a:extLst>
+              <a:ext uri="{FF2B5EF4-FFF2-40B4-BE49-F238E27FC236}">
+                <a16:creationId xmlns:a16="http://schemas.microsoft.com/office/drawing/2014/main" id="{23128E52-B54B-4872-94FB-6987737533F4}"/>
+              </a:ext>
+            </a:extLst>
+          </p:cNvPr>
+          <p:cNvSpPr txBox="1"/>
+          <p:nvPr/>
+        </p:nvSpPr>
+        <p:spPr>
+          <a:xfrm>
+            <a:off x="6810074" y="805996"/>
+            <a:ext cx="405123" cy="246221"/>
+          </a:xfrm>
+          <a:prstGeom prst="rect">
+            <a:avLst/>
+          </a:prstGeom>
+          <a:noFill/>
+        </p:spPr>
+        <p:txBody>
+          <a:bodyPr wrap="square" rtlCol="0">
+            <a:spAutoFit/>
+          </a:bodyPr>
+          <a:lstStyle/>
+          <a:p>
+            <a:r>
+              <a:rPr lang="en-US" sz="1000" noProof="1"/>
+              <a:t>0..1</a:t>
+            </a:r>
+          </a:p>
+        </p:txBody>
+      </p:sp>
+      <p:sp>
+        <p:nvSpPr>
+          <p:cNvPr id="123" name="Rectangle 122">
+            <a:extLst>
+              <a:ext uri="{FF2B5EF4-FFF2-40B4-BE49-F238E27FC236}">
+                <a16:creationId xmlns:a16="http://schemas.microsoft.com/office/drawing/2014/main" id="{2D0E6507-31C1-2247-18DC-00F26E2330AE}"/>
+              </a:ext>
+            </a:extLst>
+          </p:cNvPr>
+          <p:cNvSpPr/>
+          <p:nvPr/>
+        </p:nvSpPr>
+        <p:spPr>
+          <a:xfrm>
+            <a:off x="3578665" y="2579821"/>
+            <a:ext cx="191812" cy="110015"/>
+          </a:xfrm>
+          <a:prstGeom prst="rect">
+            <a:avLst/>
+          </a:prstGeom>
+        </p:spPr>
+        <p:style>
+          <a:lnRef idx="2">
+            <a:schemeClr val="accent1">
+              <a:shade val="50000"/>
+            </a:schemeClr>
+          </a:lnRef>
+          <a:fillRef idx="1">
+            <a:schemeClr val="accent1"/>
+          </a:fillRef>
+          <a:effectRef idx="0">
+            <a:schemeClr val="accent1"/>
+          </a:effectRef>
+          <a:fontRef idx="minor">
+            <a:schemeClr val="lt1"/>
+          </a:fontRef>
+        </p:style>
+        <p:txBody>
+          <a:bodyPr rtlCol="0" anchor="ctr"/>
+          <a:lstStyle/>
+          <a:p>
+            <a:pPr algn="ctr"/>
+            <a:endParaRPr lang="fr-FR" sz="1050"/>
+          </a:p>
+        </p:txBody>
+      </p:sp>
+      <p:sp>
+        <p:nvSpPr>
+          <p:cNvPr id="38" name="Rectangle 37">
+            <a:extLst>
+              <a:ext uri="{FF2B5EF4-FFF2-40B4-BE49-F238E27FC236}">
+                <a16:creationId xmlns:a16="http://schemas.microsoft.com/office/drawing/2014/main" id="{6C3FE5E6-3D83-441E-BE40-A7B85EDFADC1}"/>
+              </a:ext>
+            </a:extLst>
+          </p:cNvPr>
+          <p:cNvSpPr/>
+          <p:nvPr/>
+        </p:nvSpPr>
+        <p:spPr>
+          <a:xfrm>
+            <a:off x="2442666" y="2473232"/>
+            <a:ext cx="1335702" cy="627951"/>
+          </a:xfrm>
+          <a:prstGeom prst="rect">
+            <a:avLst/>
+          </a:prstGeom>
+          <a:gradFill flip="none" rotWithShape="1">
+            <a:gsLst>
+              <a:gs pos="0">
+                <a:schemeClr val="accent1">
+                  <a:shade val="30000"/>
+                  <a:satMod val="115000"/>
+                </a:schemeClr>
+              </a:gs>
+              <a:gs pos="50000">
+                <a:schemeClr val="accent1">
+                  <a:shade val="67500"/>
+                  <a:satMod val="115000"/>
+                </a:schemeClr>
+              </a:gs>
+              <a:gs pos="100000">
+                <a:schemeClr val="accent1">
+                  <a:shade val="100000"/>
+                  <a:satMod val="115000"/>
+                </a:schemeClr>
+              </a:gs>
+            </a:gsLst>
+            <a:lin ang="0" scaled="1"/>
+            <a:tileRect/>
+          </a:gradFill>
+          <a:ln>
+            <a:noFill/>
+          </a:ln>
+          <a:effectLst/>
+        </p:spPr>
+        <p:style>
+          <a:lnRef idx="2">
+            <a:schemeClr val="accent1">
+              <a:shade val="50000"/>
+            </a:schemeClr>
+          </a:lnRef>
+          <a:fillRef idx="1">
+            <a:schemeClr val="accent1"/>
+          </a:fillRef>
+          <a:effectRef idx="0">
+            <a:schemeClr val="accent1"/>
+          </a:effectRef>
+          <a:fontRef idx="minor">
+            <a:schemeClr val="lt1"/>
+          </a:fontRef>
+        </p:style>
+        <p:txBody>
+          <a:bodyPr rtlCol="0" anchor="ctr"/>
+          <a:lstStyle/>
+          <a:p>
+            <a:pPr algn="ctr"/>
+            <a:r>
+              <a:rPr lang="en-US" sz="1200" noProof="1">
+                <a:solidFill>
+                  <a:srgbClr val="FFFF00"/>
+                </a:solidFill>
+              </a:rPr>
+              <a:t>Organization</a:t>
+            </a:r>
+          </a:p>
+        </p:txBody>
+      </p:sp>
+      <p:cxnSp>
+        <p:nvCxnSpPr>
+          <p:cNvPr id="126" name="Connecteur : en angle 125">
+            <a:extLst>
+              <a:ext uri="{FF2B5EF4-FFF2-40B4-BE49-F238E27FC236}">
+                <a16:creationId xmlns:a16="http://schemas.microsoft.com/office/drawing/2014/main" id="{7AB962E6-302C-9C0B-BBB6-497F05313922}"/>
+              </a:ext>
+            </a:extLst>
+          </p:cNvPr>
+          <p:cNvCxnSpPr>
+            <a:cxnSpLocks/>
+            <a:stCxn id="116" idx="3"/>
+            <a:endCxn id="129" idx="1"/>
+          </p:cNvCxnSpPr>
+          <p:nvPr/>
+        </p:nvCxnSpPr>
+        <p:spPr>
+          <a:xfrm flipV="1">
+            <a:off x="7027706" y="2264890"/>
+            <a:ext cx="1750549" cy="634"/>
+          </a:xfrm>
+          <a:prstGeom prst="bentConnector3">
+            <a:avLst>
+              <a:gd name="adj1" fmla="val 50000"/>
+            </a:avLst>
+          </a:prstGeom>
+          <a:ln w="19050">
+            <a:headEnd type="none" w="med" len="med"/>
+            <a:tailEnd type="arrow" w="med" len="med"/>
+          </a:ln>
+        </p:spPr>
+        <p:style>
+          <a:lnRef idx="1">
+            <a:schemeClr val="accent1"/>
+          </a:lnRef>
+          <a:fillRef idx="0">
+            <a:schemeClr val="accent1"/>
+          </a:fillRef>
+          <a:effectRef idx="0">
+            <a:schemeClr val="accent1"/>
+          </a:effectRef>
+          <a:fontRef idx="minor">
+            <a:schemeClr val="tx1"/>
+          </a:fontRef>
+        </p:style>
+      </p:cxnSp>
+      <p:sp>
+        <p:nvSpPr>
+          <p:cNvPr id="127" name="ZoneTexte 126">
+            <a:extLst>
+              <a:ext uri="{FF2B5EF4-FFF2-40B4-BE49-F238E27FC236}">
+                <a16:creationId xmlns:a16="http://schemas.microsoft.com/office/drawing/2014/main" id="{46D1CEEB-869D-12DB-82F4-261509DC0627}"/>
+              </a:ext>
+            </a:extLst>
+          </p:cNvPr>
+          <p:cNvSpPr txBox="1"/>
+          <p:nvPr/>
+        </p:nvSpPr>
+        <p:spPr>
+          <a:xfrm>
+            <a:off x="8359845" y="2279905"/>
+            <a:ext cx="417459" cy="246221"/>
+          </a:xfrm>
+          <a:prstGeom prst="rect">
+            <a:avLst/>
+          </a:prstGeom>
+          <a:noFill/>
+        </p:spPr>
+        <p:txBody>
+          <a:bodyPr wrap="square" rtlCol="0">
+            <a:spAutoFit/>
+          </a:bodyPr>
+          <a:lstStyle/>
+          <a:p>
+            <a:r>
+              <a:rPr lang="en-US" sz="1000" noProof="1"/>
+              <a:t>0..*</a:t>
+            </a:r>
+          </a:p>
+        </p:txBody>
+      </p:sp>
+      <p:sp>
+        <p:nvSpPr>
+          <p:cNvPr id="128" name="ZoneTexte 127">
+            <a:extLst>
+              <a:ext uri="{FF2B5EF4-FFF2-40B4-BE49-F238E27FC236}">
+                <a16:creationId xmlns:a16="http://schemas.microsoft.com/office/drawing/2014/main" id="{72F418F8-0584-936C-B250-3A4C5315CD1E}"/>
+              </a:ext>
+            </a:extLst>
+          </p:cNvPr>
+          <p:cNvSpPr txBox="1"/>
+          <p:nvPr/>
+        </p:nvSpPr>
+        <p:spPr>
+          <a:xfrm>
+            <a:off x="6973764" y="2064923"/>
+            <a:ext cx="1809677" cy="246221"/>
+          </a:xfrm>
+          <a:prstGeom prst="rect">
+            <a:avLst/>
+          </a:prstGeom>
+          <a:noFill/>
+        </p:spPr>
+        <p:txBody>
+          <a:bodyPr wrap="square" rtlCol="0">
+            <a:spAutoFit/>
+          </a:bodyPr>
+          <a:lstStyle/>
+          <a:p>
+            <a:r>
+              <a:rPr lang="en-US" sz="1000" noProof="1">
+                <a:solidFill>
+                  <a:srgbClr val="0070C0"/>
+                </a:solidFill>
+              </a:rPr>
+              <a:t>packaging[*].packagedProduct</a:t>
+            </a:r>
+            <a:endParaRPr lang="en-US" sz="1000" noProof="1"/>
+          </a:p>
+        </p:txBody>
+      </p:sp>
+      <p:sp>
+        <p:nvSpPr>
+          <p:cNvPr id="129" name="Rectangle 128">
+            <a:extLst>
+              <a:ext uri="{FF2B5EF4-FFF2-40B4-BE49-F238E27FC236}">
+                <a16:creationId xmlns:a16="http://schemas.microsoft.com/office/drawing/2014/main" id="{A9099836-BBF8-FEB3-4E56-E759F803868A}"/>
+              </a:ext>
+            </a:extLst>
+          </p:cNvPr>
+          <p:cNvSpPr/>
+          <p:nvPr/>
+        </p:nvSpPr>
+        <p:spPr>
+          <a:xfrm>
+            <a:off x="8778255" y="1937367"/>
+            <a:ext cx="1886827" cy="655046"/>
+          </a:xfrm>
+          <a:prstGeom prst="rect">
+            <a:avLst/>
+          </a:prstGeom>
+          <a:gradFill flip="none" rotWithShape="1">
+            <a:gsLst>
+              <a:gs pos="0">
+                <a:schemeClr val="accent1">
+                  <a:shade val="30000"/>
+                  <a:satMod val="115000"/>
+                </a:schemeClr>
+              </a:gs>
+              <a:gs pos="50000">
+                <a:schemeClr val="accent1">
+                  <a:shade val="67500"/>
+                  <a:satMod val="115000"/>
+                </a:schemeClr>
+              </a:gs>
+              <a:gs pos="100000">
+                <a:schemeClr val="accent1">
+                  <a:shade val="100000"/>
+                  <a:satMod val="115000"/>
+                </a:schemeClr>
+              </a:gs>
+            </a:gsLst>
+            <a:lin ang="0" scaled="1"/>
+            <a:tileRect/>
+          </a:gradFill>
+          <a:ln>
+            <a:noFill/>
+          </a:ln>
+          <a:effectLst/>
+        </p:spPr>
+        <p:style>
+          <a:lnRef idx="2">
+            <a:schemeClr val="accent1">
+              <a:shade val="50000"/>
+            </a:schemeClr>
+          </a:lnRef>
+          <a:fillRef idx="1">
+            <a:schemeClr val="accent1"/>
+          </a:fillRef>
+          <a:effectRef idx="0">
+            <a:schemeClr val="accent1"/>
+          </a:effectRef>
+          <a:fontRef idx="minor">
+            <a:schemeClr val="lt1"/>
+          </a:fontRef>
+        </p:style>
+        <p:txBody>
+          <a:bodyPr rtlCol="0" anchor="ctr"/>
+          <a:lstStyle/>
+          <a:p>
+            <a:pPr algn="ctr"/>
+            <a:r>
+              <a:rPr lang="en-US" sz="1200" noProof="1">
+                <a:solidFill>
+                  <a:srgbClr val="FFFF00"/>
+                </a:solidFill>
+              </a:rPr>
+              <a:t>DrugPackage </a:t>
+            </a:r>
+          </a:p>
+          <a:p>
+            <a:pPr algn="ctr"/>
+            <a:r>
+              <a:rPr lang="en-US" sz="1200" noProof="1">
+                <a:solidFill>
+                  <a:srgbClr val="FFFF00"/>
+                </a:solidFill>
+              </a:rPr>
+              <a:t>profile of PackagedProductDefinition</a:t>
+            </a:r>
+          </a:p>
+        </p:txBody>
+      </p:sp>
+      <p:sp>
+        <p:nvSpPr>
+          <p:cNvPr id="116" name="Rectangle 115">
+            <a:extLst>
+              <a:ext uri="{FF2B5EF4-FFF2-40B4-BE49-F238E27FC236}">
+                <a16:creationId xmlns:a16="http://schemas.microsoft.com/office/drawing/2014/main" id="{BC760747-110B-FEE6-F826-EE314598DF54}"/>
+              </a:ext>
+            </a:extLst>
+          </p:cNvPr>
+          <p:cNvSpPr/>
+          <p:nvPr/>
+        </p:nvSpPr>
+        <p:spPr>
+          <a:xfrm>
+            <a:off x="6835894" y="2210516"/>
+            <a:ext cx="191812" cy="110015"/>
+          </a:xfrm>
+          <a:prstGeom prst="rect">
+            <a:avLst/>
+          </a:prstGeom>
+        </p:spPr>
+        <p:style>
+          <a:lnRef idx="2">
+            <a:schemeClr val="accent1">
+              <a:shade val="50000"/>
+            </a:schemeClr>
+          </a:lnRef>
+          <a:fillRef idx="1">
+            <a:schemeClr val="accent1"/>
+          </a:fillRef>
+          <a:effectRef idx="0">
+            <a:schemeClr val="accent1"/>
+          </a:effectRef>
+          <a:fontRef idx="minor">
+            <a:schemeClr val="lt1"/>
+          </a:fontRef>
+        </p:style>
+        <p:txBody>
+          <a:bodyPr rtlCol="0" anchor="ctr"/>
+          <a:lstStyle/>
+          <a:p>
+            <a:pPr algn="ctr"/>
+            <a:endParaRPr lang="fr-FR" sz="1050"/>
+          </a:p>
+        </p:txBody>
+      </p:sp>
+      <p:sp>
+        <p:nvSpPr>
+          <p:cNvPr id="114" name="Rectangle 113">
+            <a:extLst>
+              <a:ext uri="{FF2B5EF4-FFF2-40B4-BE49-F238E27FC236}">
+                <a16:creationId xmlns:a16="http://schemas.microsoft.com/office/drawing/2014/main" id="{79B6C1C6-DB63-4910-B033-6AA7BC75C979}"/>
+              </a:ext>
+            </a:extLst>
+          </p:cNvPr>
+          <p:cNvSpPr/>
+          <p:nvPr/>
+        </p:nvSpPr>
+        <p:spPr>
+          <a:xfrm>
+            <a:off x="5410125" y="1682263"/>
+            <a:ext cx="1623937" cy="766043"/>
+          </a:xfrm>
+          <a:prstGeom prst="rect">
+            <a:avLst/>
+          </a:prstGeom>
+          <a:gradFill flip="none" rotWithShape="1">
+            <a:gsLst>
+              <a:gs pos="0">
+                <a:schemeClr val="accent1">
+                  <a:shade val="30000"/>
+                  <a:satMod val="115000"/>
+                </a:schemeClr>
+              </a:gs>
+              <a:gs pos="50000">
+                <a:schemeClr val="accent1">
+                  <a:shade val="67500"/>
+                  <a:satMod val="115000"/>
+                </a:schemeClr>
+              </a:gs>
+              <a:gs pos="100000">
+                <a:schemeClr val="accent1">
+                  <a:shade val="100000"/>
+                  <a:satMod val="115000"/>
+                </a:schemeClr>
+              </a:gs>
+            </a:gsLst>
+            <a:lin ang="0" scaled="1"/>
+            <a:tileRect/>
+          </a:gradFill>
+          <a:ln>
+            <a:noFill/>
+          </a:ln>
+          <a:effectLst/>
+        </p:spPr>
+        <p:style>
+          <a:lnRef idx="2">
+            <a:schemeClr val="accent1">
+              <a:shade val="50000"/>
+            </a:schemeClr>
+          </a:lnRef>
+          <a:fillRef idx="1">
+            <a:schemeClr val="accent1"/>
+          </a:fillRef>
+          <a:effectRef idx="0">
+            <a:schemeClr val="accent1"/>
+          </a:effectRef>
+          <a:fontRef idx="minor">
+            <a:schemeClr val="lt1"/>
+          </a:fontRef>
+        </p:style>
+        <p:txBody>
+          <a:bodyPr lIns="36000" rIns="36000" rtlCol="0" anchor="ctr"/>
+          <a:lstStyle/>
+          <a:p>
+            <a:pPr algn="ctr"/>
+            <a:r>
+              <a:rPr lang="en-US" sz="1200" noProof="1">
+                <a:solidFill>
+                  <a:srgbClr val="FFFF00"/>
+                </a:solidFill>
+              </a:rPr>
+              <a:t>DrugKnowledge</a:t>
+            </a:r>
+          </a:p>
+          <a:p>
+            <a:pPr algn="ctr"/>
+            <a:r>
+              <a:rPr lang="en-US" sz="1200" noProof="1">
+                <a:solidFill>
+                  <a:srgbClr val="FFFF00"/>
+                </a:solidFill>
+              </a:rPr>
+              <a:t>profile of MedicationKnowledge</a:t>
+            </a:r>
+          </a:p>
+        </p:txBody>
+      </p:sp>
+      <p:sp>
+        <p:nvSpPr>
+          <p:cNvPr id="130" name="ZoneTexte 129">
+            <a:extLst>
+              <a:ext uri="{FF2B5EF4-FFF2-40B4-BE49-F238E27FC236}">
+                <a16:creationId xmlns:a16="http://schemas.microsoft.com/office/drawing/2014/main" id="{255D5A44-1612-BF8D-B2DF-AF22462136B7}"/>
+              </a:ext>
+            </a:extLst>
+          </p:cNvPr>
+          <p:cNvSpPr txBox="1"/>
+          <p:nvPr/>
+        </p:nvSpPr>
+        <p:spPr>
+          <a:xfrm>
+            <a:off x="8364342" y="5539911"/>
+            <a:ext cx="528095" cy="246221"/>
+          </a:xfrm>
+          <a:prstGeom prst="rect">
+            <a:avLst/>
+          </a:prstGeom>
+          <a:noFill/>
+        </p:spPr>
+        <p:txBody>
+          <a:bodyPr wrap="square" rtlCol="0">
+            <a:spAutoFit/>
+          </a:bodyPr>
+          <a:lstStyle/>
+          <a:p>
+            <a:r>
+              <a:rPr lang="en-US" sz="1000" noProof="1"/>
+              <a:t>0..*</a:t>
             </a:r>
           </a:p>
         </p:txBody>
@@ -8987,7 +11830,7 @@
     </p:spTree>
     <p:extLst>
       <p:ext uri="{BB962C8B-B14F-4D97-AF65-F5344CB8AC3E}">
-        <p14:creationId xmlns:p14="http://schemas.microsoft.com/office/powerpoint/2010/main" val="43686678"/>
+        <p14:creationId xmlns:p14="http://schemas.microsoft.com/office/powerpoint/2010/main" val="1642491381"/>
       </p:ext>
     </p:extLst>
   </p:cSld>

--- a/input/images-source/MedicationCatalog.pptx
+++ b/input/images-source/MedicationCatalog.pptx
@@ -260,7 +260,7 @@
           <a:p>
             <a:fld id="{0A46A26B-42CF-4B68-AB09-D93023A697CD}" type="datetimeFigureOut">
               <a:rPr lang="fr-FR" smtClean="0"/>
-              <a:t>10/06/2022</a:t>
+              <a:t>08/07/2022</a:t>
             </a:fld>
             <a:endParaRPr lang="fr-FR"/>
           </a:p>
@@ -458,7 +458,7 @@
           <a:p>
             <a:fld id="{0A46A26B-42CF-4B68-AB09-D93023A697CD}" type="datetimeFigureOut">
               <a:rPr lang="fr-FR" smtClean="0"/>
-              <a:t>10/06/2022</a:t>
+              <a:t>08/07/2022</a:t>
             </a:fld>
             <a:endParaRPr lang="fr-FR"/>
           </a:p>
@@ -666,7 +666,7 @@
           <a:p>
             <a:fld id="{0A46A26B-42CF-4B68-AB09-D93023A697CD}" type="datetimeFigureOut">
               <a:rPr lang="fr-FR" smtClean="0"/>
-              <a:t>10/06/2022</a:t>
+              <a:t>08/07/2022</a:t>
             </a:fld>
             <a:endParaRPr lang="fr-FR"/>
           </a:p>
@@ -864,7 +864,7 @@
           <a:p>
             <a:fld id="{0A46A26B-42CF-4B68-AB09-D93023A697CD}" type="datetimeFigureOut">
               <a:rPr lang="fr-FR" smtClean="0"/>
-              <a:t>10/06/2022</a:t>
+              <a:t>08/07/2022</a:t>
             </a:fld>
             <a:endParaRPr lang="fr-FR"/>
           </a:p>
@@ -1139,7 +1139,7 @@
           <a:p>
             <a:fld id="{0A46A26B-42CF-4B68-AB09-D93023A697CD}" type="datetimeFigureOut">
               <a:rPr lang="fr-FR" smtClean="0"/>
-              <a:t>10/06/2022</a:t>
+              <a:t>08/07/2022</a:t>
             </a:fld>
             <a:endParaRPr lang="fr-FR"/>
           </a:p>
@@ -1404,7 +1404,7 @@
           <a:p>
             <a:fld id="{0A46A26B-42CF-4B68-AB09-D93023A697CD}" type="datetimeFigureOut">
               <a:rPr lang="fr-FR" smtClean="0"/>
-              <a:t>10/06/2022</a:t>
+              <a:t>08/07/2022</a:t>
             </a:fld>
             <a:endParaRPr lang="fr-FR"/>
           </a:p>
@@ -1816,7 +1816,7 @@
           <a:p>
             <a:fld id="{0A46A26B-42CF-4B68-AB09-D93023A697CD}" type="datetimeFigureOut">
               <a:rPr lang="fr-FR" smtClean="0"/>
-              <a:t>10/06/2022</a:t>
+              <a:t>08/07/2022</a:t>
             </a:fld>
             <a:endParaRPr lang="fr-FR"/>
           </a:p>
@@ -1957,7 +1957,7 @@
           <a:p>
             <a:fld id="{0A46A26B-42CF-4B68-AB09-D93023A697CD}" type="datetimeFigureOut">
               <a:rPr lang="fr-FR" smtClean="0"/>
-              <a:t>10/06/2022</a:t>
+              <a:t>08/07/2022</a:t>
             </a:fld>
             <a:endParaRPr lang="fr-FR"/>
           </a:p>
@@ -2070,7 +2070,7 @@
           <a:p>
             <a:fld id="{0A46A26B-42CF-4B68-AB09-D93023A697CD}" type="datetimeFigureOut">
               <a:rPr lang="fr-FR" smtClean="0"/>
-              <a:t>10/06/2022</a:t>
+              <a:t>08/07/2022</a:t>
             </a:fld>
             <a:endParaRPr lang="fr-FR"/>
           </a:p>
@@ -2381,7 +2381,7 @@
           <a:p>
             <a:fld id="{0A46A26B-42CF-4B68-AB09-D93023A697CD}" type="datetimeFigureOut">
               <a:rPr lang="fr-FR" smtClean="0"/>
-              <a:t>10/06/2022</a:t>
+              <a:t>08/07/2022</a:t>
             </a:fld>
             <a:endParaRPr lang="fr-FR"/>
           </a:p>
@@ -2669,7 +2669,7 @@
           <a:p>
             <a:fld id="{0A46A26B-42CF-4B68-AB09-D93023A697CD}" type="datetimeFigureOut">
               <a:rPr lang="fr-FR" smtClean="0"/>
-              <a:t>10/06/2022</a:t>
+              <a:t>08/07/2022</a:t>
             </a:fld>
             <a:endParaRPr lang="fr-FR"/>
           </a:p>
@@ -2910,7 +2910,7 @@
           <a:p>
             <a:fld id="{0A46A26B-42CF-4B68-AB09-D93023A697CD}" type="datetimeFigureOut">
               <a:rPr lang="fr-FR" smtClean="0"/>
-              <a:t>10/06/2022</a:t>
+              <a:t>08/07/2022</a:t>
             </a:fld>
             <a:endParaRPr lang="fr-FR"/>
           </a:p>
@@ -8259,8 +8259,8 @@
         </p:nvCxnSpPr>
         <p:spPr>
           <a:xfrm>
-            <a:off x="7014491" y="2264521"/>
-            <a:ext cx="2616801" cy="369"/>
+            <a:off x="7032902" y="2264521"/>
+            <a:ext cx="1868095" cy="369"/>
           </a:xfrm>
           <a:prstGeom prst="bentConnector3">
             <a:avLst>
@@ -8301,7 +8301,7 @@
         </p:nvSpPr>
         <p:spPr>
           <a:xfrm>
-            <a:off x="9292663" y="2279905"/>
+            <a:off x="8562368" y="2279905"/>
             <a:ext cx="417459" cy="246221"/>
           </a:xfrm>
           <a:prstGeom prst="rect">
@@ -8336,8 +8336,8 @@
         </p:nvSpPr>
         <p:spPr>
           <a:xfrm>
-            <a:off x="7164011" y="2064923"/>
-            <a:ext cx="2065906" cy="246221"/>
+            <a:off x="7074576" y="2047726"/>
+            <a:ext cx="1853322" cy="246221"/>
           </a:xfrm>
           <a:prstGeom prst="rect">
             <a:avLst/>
@@ -8362,6 +8362,134 @@
           </a:p>
         </p:txBody>
       </p:sp>
+      <p:cxnSp>
+        <p:nvCxnSpPr>
+          <p:cNvPr id="116" name="Connecteur : en angle 115">
+            <a:extLst>
+              <a:ext uri="{FF2B5EF4-FFF2-40B4-BE49-F238E27FC236}">
+                <a16:creationId xmlns:a16="http://schemas.microsoft.com/office/drawing/2014/main" id="{F19CB25A-BDC4-A88B-B9E7-7046B7BEE7CA}"/>
+              </a:ext>
+            </a:extLst>
+          </p:cNvPr>
+          <p:cNvCxnSpPr>
+            <a:cxnSpLocks/>
+            <a:stCxn id="119" idx="3"/>
+            <a:endCxn id="119" idx="0"/>
+          </p:cNvCxnSpPr>
+          <p:nvPr/>
+        </p:nvCxnSpPr>
+        <p:spPr>
+          <a:xfrm flipH="1" flipV="1">
+            <a:off x="10687550" y="1950801"/>
+            <a:ext cx="90234" cy="62905"/>
+          </a:xfrm>
+          <a:prstGeom prst="bentConnector4">
+            <a:avLst>
+              <a:gd name="adj1" fmla="val -253341"/>
+              <a:gd name="adj2" fmla="val 463405"/>
+            </a:avLst>
+          </a:prstGeom>
+          <a:ln w="19050">
+            <a:headEnd type="arrow" w="med" len="med"/>
+            <a:tailEnd type="none" w="med" len="med"/>
+          </a:ln>
+        </p:spPr>
+        <p:style>
+          <a:lnRef idx="1">
+            <a:schemeClr val="accent1"/>
+          </a:lnRef>
+          <a:fillRef idx="0">
+            <a:schemeClr val="accent1"/>
+          </a:fillRef>
+          <a:effectRef idx="0">
+            <a:schemeClr val="accent1"/>
+          </a:effectRef>
+          <a:fontRef idx="minor">
+            <a:schemeClr val="tx1"/>
+          </a:fontRef>
+        </p:style>
+      </p:cxnSp>
+      <p:sp>
+        <p:nvSpPr>
+          <p:cNvPr id="117" name="ZoneTexte 116">
+            <a:extLst>
+              <a:ext uri="{FF2B5EF4-FFF2-40B4-BE49-F238E27FC236}">
+                <a16:creationId xmlns:a16="http://schemas.microsoft.com/office/drawing/2014/main" id="{7994CA5B-DBEB-DBAD-BA04-7CE03C822319}"/>
+              </a:ext>
+            </a:extLst>
+          </p:cNvPr>
+          <p:cNvSpPr txBox="1"/>
+          <p:nvPr/>
+        </p:nvSpPr>
+        <p:spPr>
+          <a:xfrm>
+            <a:off x="10708994" y="2009798"/>
+            <a:ext cx="417459" cy="246221"/>
+          </a:xfrm>
+          <a:prstGeom prst="rect">
+            <a:avLst/>
+          </a:prstGeom>
+          <a:noFill/>
+        </p:spPr>
+        <p:txBody>
+          <a:bodyPr wrap="square" rtlCol="0">
+            <a:spAutoFit/>
+          </a:bodyPr>
+          <a:lstStyle/>
+          <a:p>
+            <a:r>
+              <a:rPr lang="en-US" sz="1000" noProof="1"/>
+              <a:t>0..*</a:t>
+            </a:r>
+          </a:p>
+        </p:txBody>
+      </p:sp>
+      <p:sp>
+        <p:nvSpPr>
+          <p:cNvPr id="119" name="Rectangle 118">
+            <a:extLst>
+              <a:ext uri="{FF2B5EF4-FFF2-40B4-BE49-F238E27FC236}">
+                <a16:creationId xmlns:a16="http://schemas.microsoft.com/office/drawing/2014/main" id="{942EC9FD-F82D-6E05-58EF-D704E2048CE9}"/>
+              </a:ext>
+            </a:extLst>
+          </p:cNvPr>
+          <p:cNvSpPr/>
+          <p:nvPr/>
+        </p:nvSpPr>
+        <p:spPr>
+          <a:xfrm>
+            <a:off x="10597315" y="1950801"/>
+            <a:ext cx="180469" cy="125810"/>
+          </a:xfrm>
+          <a:prstGeom prst="rect">
+            <a:avLst/>
+          </a:prstGeom>
+        </p:spPr>
+        <p:style>
+          <a:lnRef idx="2">
+            <a:schemeClr val="accent1">
+              <a:shade val="50000"/>
+            </a:schemeClr>
+          </a:lnRef>
+          <a:fillRef idx="1">
+            <a:schemeClr val="accent1"/>
+          </a:fillRef>
+          <a:effectRef idx="0">
+            <a:schemeClr val="accent1"/>
+          </a:effectRef>
+          <a:fontRef idx="minor">
+            <a:schemeClr val="lt1"/>
+          </a:fontRef>
+        </p:style>
+        <p:txBody>
+          <a:bodyPr rtlCol="0" anchor="ctr"/>
+          <a:lstStyle/>
+          <a:p>
+            <a:pPr algn="ctr"/>
+            <a:endParaRPr lang="fr-FR" sz="1050"/>
+          </a:p>
+        </p:txBody>
+      </p:sp>
       <p:sp>
         <p:nvSpPr>
           <p:cNvPr id="129" name="Rectangle 128">
@@ -8376,7 +8504,7 @@
         </p:nvSpPr>
         <p:spPr>
           <a:xfrm>
-            <a:off x="9631292" y="1937367"/>
+            <a:off x="8900997" y="1937367"/>
             <a:ext cx="1886827" cy="655046"/>
           </a:xfrm>
           <a:prstGeom prst="rect">
@@ -8451,6 +8579,86 @@
               </a:rPr>
               <a:t>profile of PackagedProductDefinition</a:t>
             </a:r>
+          </a:p>
+        </p:txBody>
+      </p:sp>
+      <p:sp>
+        <p:nvSpPr>
+          <p:cNvPr id="120" name="Rectangle 119">
+            <a:extLst>
+              <a:ext uri="{FF2B5EF4-FFF2-40B4-BE49-F238E27FC236}">
+                <a16:creationId xmlns:a16="http://schemas.microsoft.com/office/drawing/2014/main" id="{FD40DDBA-1597-39D7-D307-71F21624E3B9}"/>
+              </a:ext>
+            </a:extLst>
+          </p:cNvPr>
+          <p:cNvSpPr/>
+          <p:nvPr/>
+        </p:nvSpPr>
+        <p:spPr>
+          <a:xfrm>
+            <a:off x="10448966" y="1479745"/>
+            <a:ext cx="1679541" cy="246221"/>
+          </a:xfrm>
+          <a:prstGeom prst="rect">
+            <a:avLst/>
+          </a:prstGeom>
+        </p:spPr>
+        <p:txBody>
+          <a:bodyPr wrap="square">
+            <a:spAutoFit/>
+          </a:bodyPr>
+          <a:lstStyle/>
+          <a:p>
+            <a:r>
+              <a:rPr lang="en-US" sz="1000" noProof="1">
+                <a:solidFill>
+                  <a:srgbClr val="0070C0"/>
+                </a:solidFill>
+              </a:rPr>
+              <a:t>package.containedItem.item </a:t>
+            </a:r>
+          </a:p>
+        </p:txBody>
+      </p:sp>
+      <p:sp>
+        <p:nvSpPr>
+          <p:cNvPr id="130" name="Rectangle 129">
+            <a:extLst>
+              <a:ext uri="{FF2B5EF4-FFF2-40B4-BE49-F238E27FC236}">
+                <a16:creationId xmlns:a16="http://schemas.microsoft.com/office/drawing/2014/main" id="{EE89E59D-A8B8-46D9-EC0A-7DCFBFE4E748}"/>
+              </a:ext>
+            </a:extLst>
+          </p:cNvPr>
+          <p:cNvSpPr/>
+          <p:nvPr/>
+        </p:nvSpPr>
+        <p:spPr>
+          <a:xfrm>
+            <a:off x="11019958" y="1694143"/>
+            <a:ext cx="929657" cy="400110"/>
+          </a:xfrm>
+          <a:prstGeom prst="rect">
+            <a:avLst/>
+          </a:prstGeom>
+        </p:spPr>
+        <p:txBody>
+          <a:bodyPr wrap="square">
+            <a:spAutoFit/>
+          </a:bodyPr>
+          <a:lstStyle/>
+          <a:p>
+            <a:r>
+              <a:rPr lang="en-US" sz="1000" noProof="1"/>
+              <a:t>( a contained package)</a:t>
+            </a:r>
+            <a:endParaRPr lang="en-US" sz="1000" noProof="1">
+              <a:solidFill>
+                <a:schemeClr val="tx1">
+                  <a:lumMod val="50000"/>
+                  <a:lumOff val="50000"/>
+                </a:schemeClr>
+              </a:solidFill>
+            </a:endParaRPr>
           </a:p>
         </p:txBody>
       </p:sp>
@@ -9260,8 +9468,8 @@
         </p:nvSpPr>
         <p:spPr>
           <a:xfrm>
-            <a:off x="7192495" y="1679268"/>
-            <a:ext cx="3208932" cy="246221"/>
+            <a:off x="7201646" y="1590525"/>
+            <a:ext cx="1785912" cy="400110"/>
           </a:xfrm>
           <a:prstGeom prst="rect">
             <a:avLst/>
@@ -11564,10 +11772,10 @@
       </p:sp>
       <p:sp>
         <p:nvSpPr>
-          <p:cNvPr id="129" name="Rectangle 128">
-            <a:extLst>
-              <a:ext uri="{FF2B5EF4-FFF2-40B4-BE49-F238E27FC236}">
-                <a16:creationId xmlns:a16="http://schemas.microsoft.com/office/drawing/2014/main" id="{A9099836-BBF8-FEB3-4E56-E759F803868A}"/>
+          <p:cNvPr id="116" name="Rectangle 115">
+            <a:extLst>
+              <a:ext uri="{FF2B5EF4-FFF2-40B4-BE49-F238E27FC236}">
+                <a16:creationId xmlns:a16="http://schemas.microsoft.com/office/drawing/2014/main" id="{BC760747-110B-FEE6-F826-EE314598DF54}"/>
               </a:ext>
             </a:extLst>
           </p:cNvPr>
@@ -11576,8 +11784,54 @@
         </p:nvSpPr>
         <p:spPr>
           <a:xfrm>
-            <a:off x="8778255" y="1937367"/>
-            <a:ext cx="1886827" cy="655046"/>
+            <a:off x="6835894" y="2210516"/>
+            <a:ext cx="191812" cy="110015"/>
+          </a:xfrm>
+          <a:prstGeom prst="rect">
+            <a:avLst/>
+          </a:prstGeom>
+        </p:spPr>
+        <p:style>
+          <a:lnRef idx="2">
+            <a:schemeClr val="accent1">
+              <a:shade val="50000"/>
+            </a:schemeClr>
+          </a:lnRef>
+          <a:fillRef idx="1">
+            <a:schemeClr val="accent1"/>
+          </a:fillRef>
+          <a:effectRef idx="0">
+            <a:schemeClr val="accent1"/>
+          </a:effectRef>
+          <a:fontRef idx="minor">
+            <a:schemeClr val="lt1"/>
+          </a:fontRef>
+        </p:style>
+        <p:txBody>
+          <a:bodyPr rtlCol="0" anchor="ctr"/>
+          <a:lstStyle/>
+          <a:p>
+            <a:pPr algn="ctr"/>
+            <a:endParaRPr lang="fr-FR" sz="1050"/>
+          </a:p>
+        </p:txBody>
+      </p:sp>
+      <p:sp>
+        <p:nvSpPr>
+          <p:cNvPr id="114" name="Rectangle 113">
+            <a:extLst>
+              <a:ext uri="{FF2B5EF4-FFF2-40B4-BE49-F238E27FC236}">
+                <a16:creationId xmlns:a16="http://schemas.microsoft.com/office/drawing/2014/main" id="{79B6C1C6-DB63-4910-B033-6AA7BC75C979}"/>
+              </a:ext>
+            </a:extLst>
+          </p:cNvPr>
+          <p:cNvSpPr/>
+          <p:nvPr/>
+        </p:nvSpPr>
+        <p:spPr>
+          <a:xfrm>
+            <a:off x="5410125" y="1682263"/>
+            <a:ext cx="1623937" cy="766043"/>
           </a:xfrm>
           <a:prstGeom prst="rect">
             <a:avLst/>
@@ -11628,7 +11882,7 @@
           </a:fontRef>
         </p:style>
         <p:txBody>
-          <a:bodyPr rtlCol="0" anchor="ctr"/>
+          <a:bodyPr lIns="36000" rIns="36000" rtlCol="0" anchor="ctr"/>
           <a:lstStyle/>
           <a:p>
             <a:pPr algn="ctr"/>
@@ -11638,7 +11892,7 @@
                   <a:srgbClr val="FFFF00"/>
                 </a:solidFill>
               </a:rPr>
-              <a:t>DrugPackage </a:t>
+              <a:t>DrugKnowledge</a:t>
             </a:r>
           </a:p>
           <a:p>
@@ -11649,17 +11903,134 @@
                   <a:srgbClr val="FFFF00"/>
                 </a:solidFill>
               </a:rPr>
-              <a:t>profile of PackagedProductDefinition</a:t>
-            </a:r>
-          </a:p>
-        </p:txBody>
-      </p:sp>
-      <p:sp>
-        <p:nvSpPr>
-          <p:cNvPr id="116" name="Rectangle 115">
-            <a:extLst>
-              <a:ext uri="{FF2B5EF4-FFF2-40B4-BE49-F238E27FC236}">
-                <a16:creationId xmlns:a16="http://schemas.microsoft.com/office/drawing/2014/main" id="{BC760747-110B-FEE6-F826-EE314598DF54}"/>
+              <a:t>profile of MedicationKnowledge</a:t>
+            </a:r>
+          </a:p>
+        </p:txBody>
+      </p:sp>
+      <p:sp>
+        <p:nvSpPr>
+          <p:cNvPr id="130" name="ZoneTexte 129">
+            <a:extLst>
+              <a:ext uri="{FF2B5EF4-FFF2-40B4-BE49-F238E27FC236}">
+                <a16:creationId xmlns:a16="http://schemas.microsoft.com/office/drawing/2014/main" id="{255D5A44-1612-BF8D-B2DF-AF22462136B7}"/>
+              </a:ext>
+            </a:extLst>
+          </p:cNvPr>
+          <p:cNvSpPr txBox="1"/>
+          <p:nvPr/>
+        </p:nvSpPr>
+        <p:spPr>
+          <a:xfrm>
+            <a:off x="8364342" y="5539911"/>
+            <a:ext cx="528095" cy="246221"/>
+          </a:xfrm>
+          <a:prstGeom prst="rect">
+            <a:avLst/>
+          </a:prstGeom>
+          <a:noFill/>
+        </p:spPr>
+        <p:txBody>
+          <a:bodyPr wrap="square" rtlCol="0">
+            <a:spAutoFit/>
+          </a:bodyPr>
+          <a:lstStyle/>
+          <a:p>
+            <a:r>
+              <a:rPr lang="en-US" sz="1000" noProof="1"/>
+              <a:t>0..*</a:t>
+            </a:r>
+          </a:p>
+        </p:txBody>
+      </p:sp>
+      <p:cxnSp>
+        <p:nvCxnSpPr>
+          <p:cNvPr id="73" name="Connecteur : en angle 72">
+            <a:extLst>
+              <a:ext uri="{FF2B5EF4-FFF2-40B4-BE49-F238E27FC236}">
+                <a16:creationId xmlns:a16="http://schemas.microsoft.com/office/drawing/2014/main" id="{5C3B05BD-A20B-F126-B0C7-430EFCEFAC9D}"/>
+              </a:ext>
+            </a:extLst>
+          </p:cNvPr>
+          <p:cNvCxnSpPr>
+            <a:cxnSpLocks/>
+            <a:stCxn id="75" idx="3"/>
+            <a:endCxn id="75" idx="0"/>
+          </p:cNvCxnSpPr>
+          <p:nvPr/>
+        </p:nvCxnSpPr>
+        <p:spPr>
+          <a:xfrm flipH="1" flipV="1">
+            <a:off x="10559734" y="1956502"/>
+            <a:ext cx="90234" cy="62905"/>
+          </a:xfrm>
+          <a:prstGeom prst="bentConnector4">
+            <a:avLst>
+              <a:gd name="adj1" fmla="val -253341"/>
+              <a:gd name="adj2" fmla="val 463405"/>
+            </a:avLst>
+          </a:prstGeom>
+          <a:ln w="19050">
+            <a:headEnd type="arrow" w="med" len="med"/>
+            <a:tailEnd type="none" w="med" len="med"/>
+          </a:ln>
+        </p:spPr>
+        <p:style>
+          <a:lnRef idx="1">
+            <a:schemeClr val="accent1"/>
+          </a:lnRef>
+          <a:fillRef idx="0">
+            <a:schemeClr val="accent1"/>
+          </a:fillRef>
+          <a:effectRef idx="0">
+            <a:schemeClr val="accent1"/>
+          </a:effectRef>
+          <a:fontRef idx="minor">
+            <a:schemeClr val="tx1"/>
+          </a:fontRef>
+        </p:style>
+      </p:cxnSp>
+      <p:sp>
+        <p:nvSpPr>
+          <p:cNvPr id="74" name="ZoneTexte 73">
+            <a:extLst>
+              <a:ext uri="{FF2B5EF4-FFF2-40B4-BE49-F238E27FC236}">
+                <a16:creationId xmlns:a16="http://schemas.microsoft.com/office/drawing/2014/main" id="{E58FC43B-1344-BF8C-DEC8-83E98B945DDB}"/>
+              </a:ext>
+            </a:extLst>
+          </p:cNvPr>
+          <p:cNvSpPr txBox="1"/>
+          <p:nvPr/>
+        </p:nvSpPr>
+        <p:spPr>
+          <a:xfrm>
+            <a:off x="10581178" y="2015499"/>
+            <a:ext cx="417459" cy="246221"/>
+          </a:xfrm>
+          <a:prstGeom prst="rect">
+            <a:avLst/>
+          </a:prstGeom>
+          <a:noFill/>
+        </p:spPr>
+        <p:txBody>
+          <a:bodyPr wrap="square" rtlCol="0">
+            <a:spAutoFit/>
+          </a:bodyPr>
+          <a:lstStyle/>
+          <a:p>
+            <a:r>
+              <a:rPr lang="en-US" sz="1000" noProof="1"/>
+              <a:t>0..*</a:t>
+            </a:r>
+          </a:p>
+        </p:txBody>
+      </p:sp>
+      <p:sp>
+        <p:nvSpPr>
+          <p:cNvPr id="75" name="Rectangle 74">
+            <a:extLst>
+              <a:ext uri="{FF2B5EF4-FFF2-40B4-BE49-F238E27FC236}">
+                <a16:creationId xmlns:a16="http://schemas.microsoft.com/office/drawing/2014/main" id="{B1E0BC8D-FC53-74D7-DA91-933C1957215F}"/>
               </a:ext>
             </a:extLst>
           </p:cNvPr>
@@ -11668,8 +12039,8 @@
         </p:nvSpPr>
         <p:spPr>
           <a:xfrm>
-            <a:off x="6835894" y="2210516"/>
-            <a:ext cx="191812" cy="110015"/>
+            <a:off x="10469499" y="1956502"/>
+            <a:ext cx="180469" cy="125810"/>
           </a:xfrm>
           <a:prstGeom prst="rect">
             <a:avLst/>
@@ -11702,10 +12073,10 @@
       </p:sp>
       <p:sp>
         <p:nvSpPr>
-          <p:cNvPr id="114" name="Rectangle 113">
-            <a:extLst>
-              <a:ext uri="{FF2B5EF4-FFF2-40B4-BE49-F238E27FC236}">
-                <a16:creationId xmlns:a16="http://schemas.microsoft.com/office/drawing/2014/main" id="{79B6C1C6-DB63-4910-B033-6AA7BC75C979}"/>
+          <p:cNvPr id="76" name="Rectangle 75">
+            <a:extLst>
+              <a:ext uri="{FF2B5EF4-FFF2-40B4-BE49-F238E27FC236}">
+                <a16:creationId xmlns:a16="http://schemas.microsoft.com/office/drawing/2014/main" id="{7D644768-6B69-5C79-0AAC-9BA2FD688DFE}"/>
               </a:ext>
             </a:extLst>
           </p:cNvPr>
@@ -11714,8 +12085,88 @@
         </p:nvSpPr>
         <p:spPr>
           <a:xfrm>
-            <a:off x="5410125" y="1682263"/>
-            <a:ext cx="1623937" cy="766043"/>
+            <a:off x="10337052" y="1485446"/>
+            <a:ext cx="1679541" cy="246221"/>
+          </a:xfrm>
+          <a:prstGeom prst="rect">
+            <a:avLst/>
+          </a:prstGeom>
+        </p:spPr>
+        <p:txBody>
+          <a:bodyPr wrap="square">
+            <a:spAutoFit/>
+          </a:bodyPr>
+          <a:lstStyle/>
+          <a:p>
+            <a:r>
+              <a:rPr lang="en-US" sz="1000" noProof="1">
+                <a:solidFill>
+                  <a:srgbClr val="0070C0"/>
+                </a:solidFill>
+              </a:rPr>
+              <a:t>package.containedItem.item </a:t>
+            </a:r>
+          </a:p>
+        </p:txBody>
+      </p:sp>
+      <p:sp>
+        <p:nvSpPr>
+          <p:cNvPr id="77" name="Rectangle 76">
+            <a:extLst>
+              <a:ext uri="{FF2B5EF4-FFF2-40B4-BE49-F238E27FC236}">
+                <a16:creationId xmlns:a16="http://schemas.microsoft.com/office/drawing/2014/main" id="{E9CC24C4-1192-CE79-8C19-70BC3D2B3F7E}"/>
+              </a:ext>
+            </a:extLst>
+          </p:cNvPr>
+          <p:cNvSpPr/>
+          <p:nvPr/>
+        </p:nvSpPr>
+        <p:spPr>
+          <a:xfrm>
+            <a:off x="10892142" y="1699844"/>
+            <a:ext cx="1092466" cy="461665"/>
+          </a:xfrm>
+          <a:prstGeom prst="rect">
+            <a:avLst/>
+          </a:prstGeom>
+        </p:spPr>
+        <p:txBody>
+          <a:bodyPr wrap="square">
+            <a:spAutoFit/>
+          </a:bodyPr>
+          <a:lstStyle/>
+          <a:p>
+            <a:r>
+              <a:rPr lang="en-US" sz="1200" noProof="1"/>
+              <a:t>( a contained package)</a:t>
+            </a:r>
+            <a:endParaRPr lang="en-US" sz="1200" noProof="1">
+              <a:solidFill>
+                <a:schemeClr val="tx1">
+                  <a:lumMod val="50000"/>
+                  <a:lumOff val="50000"/>
+                </a:schemeClr>
+              </a:solidFill>
+            </a:endParaRPr>
+          </a:p>
+        </p:txBody>
+      </p:sp>
+      <p:sp>
+        <p:nvSpPr>
+          <p:cNvPr id="129" name="Rectangle 128">
+            <a:extLst>
+              <a:ext uri="{FF2B5EF4-FFF2-40B4-BE49-F238E27FC236}">
+                <a16:creationId xmlns:a16="http://schemas.microsoft.com/office/drawing/2014/main" id="{A9099836-BBF8-FEB3-4E56-E759F803868A}"/>
+              </a:ext>
+            </a:extLst>
+          </p:cNvPr>
+          <p:cNvSpPr/>
+          <p:nvPr/>
+        </p:nvSpPr>
+        <p:spPr>
+          <a:xfrm>
+            <a:off x="8778255" y="1937367"/>
+            <a:ext cx="1886827" cy="655046"/>
           </a:xfrm>
           <a:prstGeom prst="rect">
             <a:avLst/>
@@ -11766,7 +12217,7 @@
           </a:fontRef>
         </p:style>
         <p:txBody>
-          <a:bodyPr lIns="36000" rIns="36000" rtlCol="0" anchor="ctr"/>
+          <a:bodyPr rtlCol="0" anchor="ctr"/>
           <a:lstStyle/>
           <a:p>
             <a:pPr algn="ctr"/>
@@ -11776,7 +12227,7 @@
                   <a:srgbClr val="FFFF00"/>
                 </a:solidFill>
               </a:rPr>
-              <a:t>DrugKnowledge</a:t>
+              <a:t>DrugPackage </a:t>
             </a:r>
           </a:p>
           <a:p>
@@ -11787,42 +12238,7 @@
                   <a:srgbClr val="FFFF00"/>
                 </a:solidFill>
               </a:rPr>
-              <a:t>profile of MedicationKnowledge</a:t>
-            </a:r>
-          </a:p>
-        </p:txBody>
-      </p:sp>
-      <p:sp>
-        <p:nvSpPr>
-          <p:cNvPr id="130" name="ZoneTexte 129">
-            <a:extLst>
-              <a:ext uri="{FF2B5EF4-FFF2-40B4-BE49-F238E27FC236}">
-                <a16:creationId xmlns:a16="http://schemas.microsoft.com/office/drawing/2014/main" id="{255D5A44-1612-BF8D-B2DF-AF22462136B7}"/>
-              </a:ext>
-            </a:extLst>
-          </p:cNvPr>
-          <p:cNvSpPr txBox="1"/>
-          <p:nvPr/>
-        </p:nvSpPr>
-        <p:spPr>
-          <a:xfrm>
-            <a:off x="8364342" y="5539911"/>
-            <a:ext cx="528095" cy="246221"/>
-          </a:xfrm>
-          <a:prstGeom prst="rect">
-            <a:avLst/>
-          </a:prstGeom>
-          <a:noFill/>
-        </p:spPr>
-        <p:txBody>
-          <a:bodyPr wrap="square" rtlCol="0">
-            <a:spAutoFit/>
-          </a:bodyPr>
-          <a:lstStyle/>
-          <a:p>
-            <a:r>
-              <a:rPr lang="en-US" sz="1000" noProof="1"/>
-              <a:t>0..*</a:t>
+              <a:t>profile of PackagedProductDefinition</a:t>
             </a:r>
           </a:p>
         </p:txBody>

--- a/input/images-source/MedicationCatalog.pptx
+++ b/input/images-source/MedicationCatalog.pptx
@@ -8649,7 +8649,7 @@
           <a:p>
             <a:r>
               <a:rPr lang="en-US" sz="1000" noProof="1"/>
-              <a:t>( a contained package)</a:t>
+              <a:t>(a contained package)</a:t>
             </a:r>
             <a:endParaRPr lang="en-US" sz="1000" noProof="1">
               <a:solidFill>
